--- a/waves_presentation/waves.pptx
+++ b/waves_presentation/waves.pptx
@@ -4,6 +4,9 @@
   <p:sldMasterIdLst>
     <p:sldMasterId id="2147483648" r:id="rId1"/>
   </p:sldMasterIdLst>
+  <p:notesMasterIdLst>
+    <p:notesMasterId r:id="rId15"/>
+  </p:notesMasterIdLst>
   <p:sldIdLst>
     <p:sldId id="256" r:id="rId2"/>
     <p:sldId id="257" r:id="rId3"/>
@@ -11,7 +14,13 @@
     <p:sldId id="261" r:id="rId5"/>
     <p:sldId id="260" r:id="rId6"/>
     <p:sldId id="262" r:id="rId7"/>
-    <p:sldId id="258" r:id="rId8"/>
+    <p:sldId id="264" r:id="rId8"/>
+    <p:sldId id="258" r:id="rId9"/>
+    <p:sldId id="265" r:id="rId10"/>
+    <p:sldId id="266" r:id="rId11"/>
+    <p:sldId id="267" r:id="rId12"/>
+    <p:sldId id="268" r:id="rId13"/>
+    <p:sldId id="263" r:id="rId14"/>
   </p:sldIdLst>
   <p:sldSz cx="12192000" cy="6858000"/>
   <p:notesSz cx="6858000" cy="9144000"/>
@@ -110,7 +119,1841 @@
       </a:defRPr>
     </a:lvl9pPr>
   </p:defaultTextStyle>
+  <p:extLst>
+    <p:ext uri="{EFAFB233-063F-42B5-8137-9DF3F51BA10A}">
+      <p15:sldGuideLst xmlns:p15="http://schemas.microsoft.com/office/powerpoint/2012/main"/>
+    </p:ext>
+  </p:extLst>
 </p:presentation>
+</file>
+
+<file path=ppt/ink/ink1.xml><?xml version="1.0" encoding="utf-8"?>
+<inkml:ink xmlns:inkml="http://www.w3.org/2003/InkML">
+  <inkml:definitions>
+    <inkml:context xml:id="ctx0">
+      <inkml:inkSource xml:id="inkSrc0">
+        <inkml:traceFormat>
+          <inkml:channel name="X" type="integer" min="-2.14748E9" max="2.14748E9" units="cm"/>
+          <inkml:channel name="Y" type="integer" min="-2.14748E9" max="2.14748E9" units="cm"/>
+          <inkml:channel name="F" type="integer" max="32767" units="dev"/>
+        </inkml:traceFormat>
+        <inkml:channelProperties>
+          <inkml:channelProperty channel="X" name="resolution" value="1000" units="1/cm"/>
+          <inkml:channelProperty channel="Y" name="resolution" value="1000" units="1/cm"/>
+          <inkml:channelProperty channel="F" name="resolution" value="0" units="1/dev"/>
+        </inkml:channelProperties>
+      </inkml:inkSource>
+      <inkml:timestamp xml:id="ts0" timeString="2025-02-21T14:54:10.623"/>
+    </inkml:context>
+    <inkml:brush xml:id="br0">
+      <inkml:brushProperty name="width" value="0.05" units="cm"/>
+      <inkml:brushProperty name="height" value="0.05" units="cm"/>
+    </inkml:brush>
+  </inkml:definitions>
+  <inkml:trace contextRef="#ctx0" brushRef="#br0">1 658 7536,'0'0'11626,"1"5"-12969,45 127 1278,-38-113 20,1-2-1,1 1 1,1-2-1,0 1 1,2-1-1,-1-1 1,22 19-1,-12-10 134,22 29-1,-40-48-131,0 0 0,0-1 0,1 0 0,0 0 0,0 0 0,0-1 0,0 1 0,0-1 0,1-1 0,9 5 0,-6-3 47,0 0-1,-1 1 0,1 0 1,8 7-1,12 8-11,0-1 1,35 17 0,-21-13-23,-16-9 63,1-1 1,0-1-1,1-1 1,54 12 0,118 8 241,-193-30-273,255 35 375,-233-33-283,271 16 400,-231-19-355,196-3 36,-193-2-75,119-23 0,241-32 905,-210 29-1077,-67 8 42,-42 18-18,-25 1 32,426-52 163,-215 26-54,-215 29-70,-59 3-19,1-2-1,33-5 1,12-2-36,1 4 1,-1 3 0,1 2 0,87 16-1,-77-11-274,23 3-147,-74-4 477,202 47 46,-207-44-72,0 1 0,-1 1 0,0 1 0,-1 2 0,0 0 0,33 27 0,-4-2-14,-31-22 18,0 0 1,-1 2-1,31 32 0,-10 0-12,-42-50 4,2 3 1,18 26 4,-17-23 3,1 1 0,0-1 0,0 0 0,1 0 0,6 6 0,-11-12 888,23 22-598,-20-21-290,-1 0 0,0 0 0,0 0 1,1-1-1,-1 0 0,0 1 0,1-1 0,0 0 1,-1-1-1,1 1 0,-1-1 0,1 1 1,0-1-1,-1 0 0,1 0 0,0-1 0,-1 1 1,1-1-1,6-2 0,3-1 10,1-2 0,-1 0-1,22-13 1,1-1 26,6 2-30,2 2-1,0 2 1,1 2 0,52-8 0,191-12-591,-135 18 620,-47 7-226,157 11-1,-70 1 127,119 14 308,-135-5-408,42 9 42,-24-2 123,-19-8 5,195 10-12,376-32 163,-716 6-232,310-33 547,-275 24-368,-1-2 1,0-3-1,71-29 1,37-18-53,104-45 750,-261 101-786,40-18 180,-2-3 0,83-56 0,-101 57-178,64-62 0,-61 54 130,-29 27-106,1 0 1,-1-1-1,-1 0 1,13-17-1,77-110-37,-15 24 61,11-26-21,-56 77-45,-14 25-3,-2-1-1,29-66 1,-42 74-13,10-47 0,-11 41 18,-6 25-4,-1-1 0,0 0-1,1-17 1,-2 25-3,5-7-77,-4 8-318,-3-17-825,2 18 602</inkml:trace>
+</inkml:ink>
+</file>
+
+<file path=ppt/ink/ink10.xml><?xml version="1.0" encoding="utf-8"?>
+<inkml:ink xmlns:inkml="http://www.w3.org/2003/InkML">
+  <inkml:definitions>
+    <inkml:context xml:id="ctx0">
+      <inkml:inkSource xml:id="inkSrc0">
+        <inkml:traceFormat>
+          <inkml:channel name="X" type="integer" min="-2.14748E9" max="2.14748E9" units="cm"/>
+          <inkml:channel name="Y" type="integer" min="-2.14748E9" max="2.14748E9" units="cm"/>
+          <inkml:channel name="F" type="integer" max="32767" units="dev"/>
+        </inkml:traceFormat>
+        <inkml:channelProperties>
+          <inkml:channelProperty channel="X" name="resolution" value="1000" units="1/cm"/>
+          <inkml:channelProperty channel="Y" name="resolution" value="1000" units="1/cm"/>
+          <inkml:channelProperty channel="F" name="resolution" value="0" units="1/dev"/>
+        </inkml:channelProperties>
+      </inkml:inkSource>
+      <inkml:timestamp xml:id="ts0" timeString="2025-02-21T14:54:28.636"/>
+    </inkml:context>
+    <inkml:brush xml:id="br0">
+      <inkml:brushProperty name="width" value="0.1" units="cm"/>
+      <inkml:brushProperty name="height" value="0.1" units="cm"/>
+    </inkml:brush>
+  </inkml:definitions>
+  <inkml:trace contextRef="#ctx0" brushRef="#br0">0 0 2072,'6'16'-40,"-5"-12"377,0-1 1,1 0-1,-1 0 1,0 0-1,1 1 1,0-2-1,0 1 1,4 5 1946,-3-17 0,2 1 1184,29 44-3580,-1 1 0,-2 2 0,-2 1 0,33 59 0,-12 8 260,-4 1 0,-5 3 0,-5 2 1,39 208-1,-71-298-150,3 38 344,-2 39 185,-9 101 1,1-160-246,-1-1 1,-3 0-1,-1 0 0,-2-1 1,-28 72-1,-36 36 402,62-126-520,-1-1 1,-1-1 0,-1 0-1,-32 31 1,42-44-137,-1-1 0,-1 0 0,1-1 0,-1 0 1,-12 7-1,17-10-72,0-1-1,1 1 1,-1 0 0,0-1 0,1 1 0,-1-1 0,0 1 0,1-1 0,-1 0 0,0 0-1,0 0 1,1 0 0,-1 0 0,0 0 0,0-1 0,1 1 0,-1 0 0,0-1 0,1 1-1,-1-1 1,0 0 0,1 0 0,-1 1 0,1-1 0,-1 0 0,1 0 0,0-1 0,-1 1-1,1 0 1,0 0 0,-2-2 0,3 1-304,0 0 0,-1-1 1,1 1-1,0 0 0,0 0 0,0 0 0,0-1 0,1 1 1,-1 0-1,0 0 0,1 0 0,0 0 0,-1 0 0,1 0 0,0 0 1,0 0-1,2-3 0,0-1-844,11-27-300,7-16-2241</inkml:trace>
+</inkml:ink>
+</file>
+
+<file path=ppt/ink/ink11.xml><?xml version="1.0" encoding="utf-8"?>
+<inkml:ink xmlns:inkml="http://www.w3.org/2003/InkML">
+  <inkml:definitions>
+    <inkml:context xml:id="ctx0">
+      <inkml:inkSource xml:id="inkSrc0">
+        <inkml:traceFormat>
+          <inkml:channel name="X" type="integer" min="-2.14748E9" max="2.14748E9" units="cm"/>
+          <inkml:channel name="Y" type="integer" min="-2.14748E9" max="2.14748E9" units="cm"/>
+          <inkml:channel name="F" type="integer" max="32767" units="dev"/>
+        </inkml:traceFormat>
+        <inkml:channelProperties>
+          <inkml:channelProperty channel="X" name="resolution" value="1000" units="1/cm"/>
+          <inkml:channelProperty channel="Y" name="resolution" value="1000" units="1/cm"/>
+          <inkml:channelProperty channel="F" name="resolution" value="0" units="1/dev"/>
+        </inkml:channelProperties>
+      </inkml:inkSource>
+      <inkml:timestamp xml:id="ts0" timeString="2025-02-21T14:54:29.093"/>
+    </inkml:context>
+    <inkml:brush xml:id="br0">
+      <inkml:brushProperty name="width" value="0.1" units="cm"/>
+      <inkml:brushProperty name="height" value="0.1" units="cm"/>
+    </inkml:brush>
+  </inkml:definitions>
+  <inkml:trace contextRef="#ctx0" brushRef="#br0">1 37 3144,'2'1'335,"0"0"0,1 0 0,-1 0 0,1 0 0,-1-1 0,1 1 0,-1-1 0,1 0 0,0 1 0,-1-1 0,1 0 0,-1-1 0,1 1 0,2-1 0,45-10 2938,-28 6-2557,-20 5-685,30-8 286,-1 2 0,1 1 0,0 1 0,-1 2 0,2 2 0,37 3 0,32 14 113,80 10 1010,-61-19-3886,-81-5-425,-8-1-4082</inkml:trace>
+</inkml:ink>
+</file>
+
+<file path=ppt/ink/ink12.xml><?xml version="1.0" encoding="utf-8"?>
+<inkml:ink xmlns:inkml="http://www.w3.org/2003/InkML">
+  <inkml:definitions>
+    <inkml:context xml:id="ctx0">
+      <inkml:inkSource xml:id="inkSrc0">
+        <inkml:traceFormat>
+          <inkml:channel name="X" type="integer" min="-2.14748E9" max="2.14748E9" units="cm"/>
+          <inkml:channel name="Y" type="integer" min="-2.14748E9" max="2.14748E9" units="cm"/>
+          <inkml:channel name="F" type="integer" max="32767" units="dev"/>
+        </inkml:traceFormat>
+        <inkml:channelProperties>
+          <inkml:channelProperty channel="X" name="resolution" value="1000" units="1/cm"/>
+          <inkml:channelProperty channel="Y" name="resolution" value="1000" units="1/cm"/>
+          <inkml:channelProperty channel="F" name="resolution" value="0" units="1/dev"/>
+        </inkml:channelProperties>
+      </inkml:inkSource>
+      <inkml:timestamp xml:id="ts0" timeString="2025-02-21T14:54:29.409"/>
+    </inkml:context>
+    <inkml:brush xml:id="br0">
+      <inkml:brushProperty name="width" value="0.1" units="cm"/>
+      <inkml:brushProperty name="height" value="0.1" units="cm"/>
+    </inkml:brush>
+  </inkml:definitions>
+  <inkml:trace contextRef="#ctx0" brushRef="#br0">1 78 7264,'150'-77'1924,"-150"77"-1905,0 0 0,0 0 1,0 0-1,0 0 1,0 0-1,0 0 0,0 0 1,0 1-1,0-1 0,0 0 1,0 0-1,0 0 0,0 0 1,0 0-1,0 0 1,0 1-1,0-1 0,0 0 1,0 0-1,0 0 0,0 0 1,0 0-1,0 0 1,0 0-1,0 1 0,0-1 1,0 0-1,1 0 0,-1 0 1,0 0-1,0 0 0,0 0 1,0 0-1,0 0 1,0 0-1,0 0 0,0 0 1,1 0-1,-1 0 0,0 0 1,0 1-1,0-1 1,0 0-1,0 0 0,0 0 1,1 0-1,-1 0 0,0 0 1,0 0-1,0 0 0,0-1 1,0 1-1,0 0 1,1 0-1,-1 0 0,0 0 1,-2 13 147,1-7 31,0-1 1,0 1 0,1-1-1,0 1 1,0 6 0,0-10-157,1-1-1,-1 1 1,0-1-1,1 1 1,-1-1 0,1 1-1,0-1 1,-1 1 0,1-1-1,0 0 1,0 1-1,0-1 1,0 0 0,0 0-1,0 0 1,0 0 0,0 0-1,0 0 1,1 0-1,-1 0 1,0 0 0,1-1-1,-1 1 1,3 1 0,6 0 136,-1 1 1,1-2 0,-1 1 0,1-1 0,0-1 0,19 0-1,63-13 569,-32 4-511,187-29 1407,-127 17-6064,-75 13-3479</inkml:trace>
+</inkml:ink>
+</file>
+
+<file path=ppt/ink/ink13.xml><?xml version="1.0" encoding="utf-8"?>
+<inkml:ink xmlns:inkml="http://www.w3.org/2003/InkML">
+  <inkml:definitions>
+    <inkml:context xml:id="ctx0">
+      <inkml:inkSource xml:id="inkSrc0">
+        <inkml:traceFormat>
+          <inkml:channel name="X" type="integer" min="-2.14748E9" max="2.14748E9" units="cm"/>
+          <inkml:channel name="Y" type="integer" min="-2.14748E9" max="2.14748E9" units="cm"/>
+          <inkml:channel name="F" type="integer" max="32767" units="dev"/>
+        </inkml:traceFormat>
+        <inkml:channelProperties>
+          <inkml:channelProperty channel="X" name="resolution" value="1000" units="1/cm"/>
+          <inkml:channelProperty channel="Y" name="resolution" value="1000" units="1/cm"/>
+          <inkml:channelProperty channel="F" name="resolution" value="0" units="1/dev"/>
+        </inkml:channelProperties>
+      </inkml:inkSource>
+      <inkml:timestamp xml:id="ts0" timeString="2025-02-21T14:54:30.108"/>
+    </inkml:context>
+    <inkml:brush xml:id="br0">
+      <inkml:brushProperty name="width" value="0.1" units="cm"/>
+      <inkml:brushProperty name="height" value="0.1" units="cm"/>
+    </inkml:brush>
+  </inkml:definitions>
+  <inkml:trace contextRef="#ctx0" brushRef="#br0">123 220 6280,'-4'2'0,"0"0"1,0 1-1,0 0 1,0 0 0,1 0-1,-1 0 1,1 0-1,0 1 1,0 0-1,0-1 1,0 1 0,1 0-1,0 1 1,-1-1-1,2 0 1,-1 1-1,0-1 1,-1 9-1,-17 43-418,11-34 1181,1 2-1,0-1 0,2 1 0,-3 26 1,5-16 251,2 1 1,4 52-1,-1-71-808,2 0 0,0 0 0,0 0 0,2-1 0,0 1 0,0-1 1,14 25-1,27 63 707,-41-95-830,0-1 1,1 0 0,0 0-1,0 0 1,1 0 0,0-1-1,0 0 1,1-1-1,-1 0 1,14 7 0,0 2 136,-12-8-102,0 0-1,0-1 1,1 0 0,0 0-1,0-1 1,0 0 0,0-1 0,1 0-1,-1-1 1,1 0 0,-1-1 0,1 0-1,0 0 1,0-1 0,-1-1-1,22-3 1,-18 2-33,-1-1 0,0 0 0,0-1 0,0-1 1,-1 0-1,1-1 0,-1 0 0,0 0 0,-1-2 0,21-15 0,-10 5-69,-1-1 1,-1-1-1,0-1 0,32-45 0,-33 39 17,-2-1-1,-1 0 1,-1-1-1,-1-1 0,-2 0 1,13-46-1,-19 47 101,5-54-1,-11 71-44,0-1 0,-1 1-1,0 0 1,-1-1 0,0 1-1,-1 0 1,-6-16 0,-9-12-25,-3 0 1,0 1-1,-3 1 1,-1 1-1,-49-54 1,70 86-106,-1-1-1,0 1 1,0 0 0,0 1-1,-1-1 1,0 1 0,0 0-1,0 0 1,0 1 0,-1 0-1,1 0 1,-1 0 0,1 1-1,-1 0 1,0 0 0,0 1-1,0 0 1,0 0 0,0 1-1,-10 0 1,6 1-27,0 1 1,0 0-1,0 1 0,0 0 1,1 1-1,-1 0 1,1 1-1,0 0 0,0 1 1,1-1-1,0 2 0,-10 7 1,3 0-299,0 0 0,1 2 1,0-1-1,1 2 0,1 0 1,-21 35-1,-25 48-2946,9-15-5320</inkml:trace>
+</inkml:ink>
+</file>
+
+<file path=ppt/ink/ink14.xml><?xml version="1.0" encoding="utf-8"?>
+<inkml:ink xmlns:inkml="http://www.w3.org/2003/InkML">
+  <inkml:definitions>
+    <inkml:context xml:id="ctx0">
+      <inkml:inkSource xml:id="inkSrc0">
+        <inkml:traceFormat>
+          <inkml:channel name="X" type="integer" min="-2.14748E9" max="2.14748E9" units="cm"/>
+          <inkml:channel name="Y" type="integer" min="-2.14748E9" max="2.14748E9" units="cm"/>
+          <inkml:channel name="F" type="integer" max="32767" units="dev"/>
+        </inkml:traceFormat>
+        <inkml:channelProperties>
+          <inkml:channelProperty channel="X" name="resolution" value="1000" units="1/cm"/>
+          <inkml:channelProperty channel="Y" name="resolution" value="1000" units="1/cm"/>
+          <inkml:channelProperty channel="F" name="resolution" value="0" units="1/dev"/>
+        </inkml:channelProperties>
+      </inkml:inkSource>
+      <inkml:timestamp xml:id="ts0" timeString="2025-02-21T14:54:32.265"/>
+    </inkml:context>
+    <inkml:brush xml:id="br0">
+      <inkml:brushProperty name="width" value="0.1" units="cm"/>
+      <inkml:brushProperty name="height" value="0.1" units="cm"/>
+    </inkml:brush>
+  </inkml:definitions>
+  <inkml:trace contextRef="#ctx0" brushRef="#br0">1 687 6280,'0'0'3785,"2"6"-2886,14 29-512,2 0 1,1-1-1,2-1 0,25 31 1,-41-58-192,1 0 0,1-1-1,-1 0 1,1 0 0,0-1 0,0 0 0,0 0-1,1 0 1,-1-1 0,1 0 0,0-1 0,12 3-1,-4-1 112,-1-2 0,1 0-1,0-1 1,0-1 0,25-2-1,-24 0-180,-1-2 0,0 0 0,0-1 0,0-1 0,-1 0-1,0-1 1,0-1 0,0 0 0,-1-1 0,0-1 0,-1 0 0,0 0 0,-1-2 0,0 1 0,-1-2-1,0 1 1,14-23 0,-7 8-122,-1-1 1,-2-1-1,-1 0 0,-1-1 0,-1-1 0,-2 0 1,-2 0-1,7-36 0,-11 42 24,-2-1-1,0 1 0,-1 0 1,-2 0-1,0 0 1,-2 0-1,-6-26 1,5 35-18,0 0 1,-2 0-1,0 0 1,-1 1-1,-1 0 1,0 0-1,-1 0 0,0 2 1,-1-1-1,-1 1 1,-16-16-1,20 22-76,0 1-1,-1 0 0,1 1 0,-1 0 0,0 0 0,0 1 0,-1 0 0,0 0 0,1 1 1,-1 0-1,0 0 0,0 1 0,-1 0 0,1 1 0,0 0 0,-1 1 0,1 0 1,0 0-1,-1 1 0,1 0 0,0 0 0,0 1 0,0 1 0,-13 4 0,4 1-80,1 0-1,1 2 0,-1 0 0,2 0 1,-1 2-1,-16 16 0,-76 84-310,94-96 339,2 0-1,0 1 0,1 1 0,0-1 0,2 2 0,0 0 0,1 0 0,-10 36 0,12-27-180,0 1 0,2 0 0,2 0 0,0 0 0,4 44 0,-1-64 250,0 0 1,1 0-1,0-1 1,1 1-1,0-1 1,0 0 0,1 0-1,0 0 1,0 0-1,1 0 1,0-1 0,0 0-1,1 0 1,0-1-1,0 1 1,8 5-1,-1-2 130,-1 0 0,2-1 0,-1-1 1,1 0-1,1 0 0,0-2 0,25 9 0,-31-13 88,0-1 1,0 0-1,0 0 1,0 0 0,0-1-1,14-2 1,-7 1-55,-2 1 37,1-1-1,-1-1 0,1 0 1,-1-1-1,0 0 0,0-1 1,0-1-1,0 0 0,-1 0 0,0-2 1,12-7-1,-16 8-56,-1-1 0,0 1 0,0-1 0,-1-1 0,0 0 0,-1 0 0,1 0 0,-2 0 0,1-1 0,-1 0 0,0 0 0,-1-1 0,0 0 0,4-13 0,0-6 61,-2-1-1,0 0 1,1-50-1,-6 46-83,-6-49 1,1 44 25,0 11 889,1 15-798,5 22-1629,75 335 778,37 214 1301,-94-329-171,-12-109-305,19 340 566,-26-419-1238,-1-40 58,-9-23-6775,6 12 6263,1 0-1,0 0 0,1 0 1,-1-11-1,-2-14 478,-9-54-2433</inkml:trace>
+</inkml:ink>
+</file>
+
+<file path=ppt/ink/ink15.xml><?xml version="1.0" encoding="utf-8"?>
+<inkml:ink xmlns:inkml="http://www.w3.org/2003/InkML">
+  <inkml:definitions>
+    <inkml:context xml:id="ctx0">
+      <inkml:inkSource xml:id="inkSrc0">
+        <inkml:traceFormat>
+          <inkml:channel name="X" type="integer" min="-2.14748E9" max="2.14748E9" units="cm"/>
+          <inkml:channel name="Y" type="integer" min="-2.14748E9" max="2.14748E9" units="cm"/>
+          <inkml:channel name="F" type="integer" max="32767" units="dev"/>
+        </inkml:traceFormat>
+        <inkml:channelProperties>
+          <inkml:channelProperty channel="X" name="resolution" value="1000" units="1/cm"/>
+          <inkml:channelProperty channel="Y" name="resolution" value="1000" units="1/cm"/>
+          <inkml:channelProperty channel="F" name="resolution" value="0" units="1/dev"/>
+        </inkml:channelProperties>
+      </inkml:inkSource>
+      <inkml:timestamp xml:id="ts0" timeString="2025-02-21T14:54:32.599"/>
+    </inkml:context>
+    <inkml:brush xml:id="br0">
+      <inkml:brushProperty name="width" value="0.1" units="cm"/>
+      <inkml:brushProperty name="height" value="0.1" units="cm"/>
+    </inkml:brush>
+  </inkml:definitions>
+  <inkml:trace contextRef="#ctx0" brushRef="#br0">0 167 11032,'6'4'257,"-1"-1"0,1 0 0,0 0 0,0 0 0,1-1 0,-1 0 0,0 0 0,1-1 0,-1 1 0,1-2 0,-1 1 0,1-1 0,0 0 0,7-1 0,10-2 279,0-1-1,37-11 1,-19 4-512,103-36-365,-52 14-406,-21 4-762,-50 19 148,1 1-1,26-8 0,-1 4-4698</inkml:trace>
+</inkml:ink>
+</file>
+
+<file path=ppt/ink/ink16.xml><?xml version="1.0" encoding="utf-8"?>
+<inkml:ink xmlns:inkml="http://www.w3.org/2003/InkML">
+  <inkml:definitions>
+    <inkml:context xml:id="ctx0">
+      <inkml:inkSource xml:id="inkSrc0">
+        <inkml:traceFormat>
+          <inkml:channel name="X" type="integer" min="-2.14748E9" max="2.14748E9" units="cm"/>
+          <inkml:channel name="Y" type="integer" min="-2.14748E9" max="2.14748E9" units="cm"/>
+          <inkml:channel name="F" type="integer" max="32767" units="dev"/>
+        </inkml:traceFormat>
+        <inkml:channelProperties>
+          <inkml:channelProperty channel="X" name="resolution" value="1000" units="1/cm"/>
+          <inkml:channelProperty channel="Y" name="resolution" value="1000" units="1/cm"/>
+          <inkml:channelProperty channel="F" name="resolution" value="0" units="1/dev"/>
+        </inkml:channelProperties>
+      </inkml:inkSource>
+      <inkml:timestamp xml:id="ts0" timeString="2025-02-21T14:54:32.870"/>
+    </inkml:context>
+    <inkml:brush xml:id="br0">
+      <inkml:brushProperty name="width" value="0.1" units="cm"/>
+      <inkml:brushProperty name="height" value="0.1" units="cm"/>
+    </inkml:brush>
+  </inkml:definitions>
+  <inkml:trace contextRef="#ctx0" brushRef="#br0">1 90 8608,'67'-25'358,"-56"19"1776,0 11 986,7-2-2588,1-1 1,-1-1 0,1 0-1,-1-2 1,19-2 0,94-20-268,-4 1-524,19 16-4,-35 2-247,-80 0-4237,-8 1 3230,18-2-4796</inkml:trace>
+</inkml:ink>
+</file>
+
+<file path=ppt/ink/ink17.xml><?xml version="1.0" encoding="utf-8"?>
+<inkml:ink xmlns:inkml="http://www.w3.org/2003/InkML">
+  <inkml:definitions>
+    <inkml:context xml:id="ctx0">
+      <inkml:inkSource xml:id="inkSrc0">
+        <inkml:traceFormat>
+          <inkml:channel name="X" type="integer" min="-2.14748E9" max="2.14748E9" units="cm"/>
+          <inkml:channel name="Y" type="integer" min="-2.14748E9" max="2.14748E9" units="cm"/>
+          <inkml:channel name="F" type="integer" max="32767" units="dev"/>
+        </inkml:traceFormat>
+        <inkml:channelProperties>
+          <inkml:channelProperty channel="X" name="resolution" value="1000" units="1/cm"/>
+          <inkml:channelProperty channel="Y" name="resolution" value="1000" units="1/cm"/>
+          <inkml:channelProperty channel="F" name="resolution" value="0" units="1/dev"/>
+        </inkml:channelProperties>
+      </inkml:inkSource>
+      <inkml:timestamp xml:id="ts0" timeString="2025-02-21T14:54:33.488"/>
+    </inkml:context>
+    <inkml:brush xml:id="br0">
+      <inkml:brushProperty name="width" value="0.1" units="cm"/>
+      <inkml:brushProperty name="height" value="0.1" units="cm"/>
+    </inkml:brush>
+  </inkml:definitions>
+  <inkml:trace contextRef="#ctx0" brushRef="#br0">669 307 1624,'-14'-2'4411,"15"2"-4119,0 0-1,0-1 0,0 0 0,0 1 1,0-1-1,0 0 0,0 1 1,0-1-1,0 0 0,0 0 0,0 0 1,-1 0-1,1 0 0,0 0 0,0 0 1,-1 0-1,1-2 0,1-2-43,-1-1 0,0 0-1,0 0 1,0 0 0,-1 0-1,0 0 1,0 0 0,0 0-1,-1 0 1,0 0 0,0 1 0,-1-1-1,-2-8 1,0 5-15,-1 0 0,0 0 0,0 0 0,-1 0 0,0 1 0,0 0 0,-10-10 0,1 3-225,-1 1-1,-1 1 1,-1 0 0,0 1-1,0 1 1,-39-16-1,44 23-160,0 1 0,0 0-1,0 1 1,0 0-1,-1 1 1,1 1-1,0 0 1,-1 1-1,1 1 1,-24 5 0,15-4 57,1 2 1,0 0-1,1 1 1,0 2-1,-26 12 1,37-16 80,1 1-1,-1 1 1,1-1 0,0 2 0,1-1 0,0 1 0,0 0 0,0 0 0,1 1 0,0 0-1,0 0 1,1 1 0,0-1 0,1 1 0,-4 9 0,1 4-32,2-1 1,0 1-1,1 0 1,1 0-1,2 1 1,0-1-1,1 0 1,1 0-1,5 29 0,8 28-120,31 95-1,-27-110 173,82 344 1431,-36-142-604,-47-189-391,13 138 0,-17 71-170,-2-9-495,-8-185 251,-5 0 0,-3-1 0,-26 136 0,30-221-78,0 0 1,0 0-1,-1 0 0,0 0 0,0 0 1,0 0-1,-1-1 0,0 1 1,0-1-1,0 1 0,0-1 0,-1 0 1,0-1-1,0 1 0,-1-1 0,1 1 1,-8 4-1,-10-20-9278,-10-9 8041,29 18 1213,-46-28-1958</inkml:trace>
+</inkml:ink>
+</file>
+
+<file path=ppt/ink/ink18.xml><?xml version="1.0" encoding="utf-8"?>
+<inkml:ink xmlns:inkml="http://www.w3.org/2003/InkML">
+  <inkml:definitions>
+    <inkml:context xml:id="ctx0">
+      <inkml:inkSource xml:id="inkSrc0">
+        <inkml:traceFormat>
+          <inkml:channel name="X" type="integer" min="-2.14748E9" max="2.14748E9" units="cm"/>
+          <inkml:channel name="Y" type="integer" min="-2.14748E9" max="2.14748E9" units="cm"/>
+          <inkml:channel name="F" type="integer" max="32767" units="dev"/>
+        </inkml:traceFormat>
+        <inkml:channelProperties>
+          <inkml:channelProperty channel="X" name="resolution" value="1000" units="1/cm"/>
+          <inkml:channelProperty channel="Y" name="resolution" value="1000" units="1/cm"/>
+          <inkml:channelProperty channel="F" name="resolution" value="0" units="1/dev"/>
+        </inkml:channelProperties>
+      </inkml:inkSource>
+      <inkml:timestamp xml:id="ts0" timeString="2025-02-21T14:54:33.757"/>
+    </inkml:context>
+    <inkml:brush xml:id="br0">
+      <inkml:brushProperty name="width" value="0.1" units="cm"/>
+      <inkml:brushProperty name="height" value="0.1" units="cm"/>
+    </inkml:brush>
+  </inkml:definitions>
+  <inkml:trace contextRef="#ctx0" brushRef="#br0">1 75 12824,'2'3'165,"0"-1"1,1 0-1,-1 0 1,1 0-1,0 0 1,0 0-1,0 0 1,0-1-1,0 0 1,0 1-1,0-1 1,0 0-1,0-1 1,0 1 0,1 0-1,-1-1 1,0 0-1,1 0 1,-1 0-1,0 0 1,1 0-1,-1-1 1,0 1-1,0-1 1,1 0-1,4-2 1,51-8 466,1 2 0,0 3 0,0 3 0,75 5 0,-34-1-638,-11-5-663,119-21 0,-128 14-698,133-9-10533,-154 12 9514</inkml:trace>
+</inkml:ink>
+</file>
+
+<file path=ppt/ink/ink19.xml><?xml version="1.0" encoding="utf-8"?>
+<inkml:ink xmlns:inkml="http://www.w3.org/2003/InkML">
+  <inkml:definitions>
+    <inkml:context xml:id="ctx0">
+      <inkml:inkSource xml:id="inkSrc0">
+        <inkml:traceFormat>
+          <inkml:channel name="X" type="integer" min="-2.14748E9" max="2.14748E9" units="cm"/>
+          <inkml:channel name="Y" type="integer" min="-2.14748E9" max="2.14748E9" units="cm"/>
+          <inkml:channel name="F" type="integer" max="32767" units="dev"/>
+        </inkml:traceFormat>
+        <inkml:channelProperties>
+          <inkml:channelProperty channel="X" name="resolution" value="1000" units="1/cm"/>
+          <inkml:channelProperty channel="Y" name="resolution" value="1000" units="1/cm"/>
+          <inkml:channelProperty channel="F" name="resolution" value="0" units="1/dev"/>
+        </inkml:channelProperties>
+      </inkml:inkSource>
+      <inkml:timestamp xml:id="ts0" timeString="2025-02-21T14:54:34.153"/>
+    </inkml:context>
+    <inkml:brush xml:id="br0">
+      <inkml:brushProperty name="width" value="0.1" units="cm"/>
+      <inkml:brushProperty name="height" value="0.1" units="cm"/>
+    </inkml:brush>
+  </inkml:definitions>
+  <inkml:trace contextRef="#ctx0" brushRef="#br0">0 165 6640,'10'5'294,"-1"0"0,1-1 0,0 0 0,1 0-1,-1-1 1,1 0 0,-1-1 0,1 0 0,0-1 0,0 0 0,19-1 0,8-3 1610,0-2 0,38-10 0,9-1-469,20 2-949,173-30-288,-250 39-330,-15 3-204,-1 0 1,0-1-1,1 0 1,12-7-1,-20 8-100,-1 0 0,0 0 0,-1-1 0,1 1 1,0-1-1,-1 0 0,1 0 0,-1-1 0,0 1 0,0-1 0,0 1 0,-1-1 0,1 0 0,-1 0 0,3-7 0,4-8-4897</inkml:trace>
+</inkml:ink>
+</file>
+
+<file path=ppt/ink/ink2.xml><?xml version="1.0" encoding="utf-8"?>
+<inkml:ink xmlns:inkml="http://www.w3.org/2003/InkML">
+  <inkml:definitions>
+    <inkml:context xml:id="ctx0">
+      <inkml:inkSource xml:id="inkSrc0">
+        <inkml:traceFormat>
+          <inkml:channel name="X" type="integer" min="-2.14748E9" max="2.14748E9" units="cm"/>
+          <inkml:channel name="Y" type="integer" min="-2.14748E9" max="2.14748E9" units="cm"/>
+          <inkml:channel name="F" type="integer" max="32767" units="dev"/>
+        </inkml:traceFormat>
+        <inkml:channelProperties>
+          <inkml:channelProperty channel="X" name="resolution" value="1000" units="1/cm"/>
+          <inkml:channelProperty channel="Y" name="resolution" value="1000" units="1/cm"/>
+          <inkml:channelProperty channel="F" name="resolution" value="0" units="1/dev"/>
+        </inkml:channelProperties>
+      </inkml:inkSource>
+      <inkml:timestamp xml:id="ts0" timeString="2025-02-21T14:54:21.689"/>
+    </inkml:context>
+    <inkml:brush xml:id="br0">
+      <inkml:brushProperty name="width" value="0.1" units="cm"/>
+      <inkml:brushProperty name="height" value="0.1" units="cm"/>
+    </inkml:brush>
+  </inkml:definitions>
+  <inkml:trace contextRef="#ctx0" brushRef="#br0">401 152 5472,'-15'49'6606,"1"26"-6606,0 1-556,-6 7 580,-55 253 62,29-31 530,33-246-197,7-33 216,-4 39 0,8-49 71,2-25 109,1-30-1159,7-72-986,7-59-277,25-121 1930,-34 263 1,-2 0 0,-2 0 1,0-1-1,-2 1 1,-4-34-1,2 49-252,0-12 375,-3 0-1,0 0 1,-1 0 0,-10-25-1,13 44-415,1 2 14,0-1 0,0 1 0,-1 1 0,1-1 0,-1 0 0,-5-5 0,6 6-43,0 0 1,1 0-1,-1 0 1,1 0-1,0 0 1,0 0-1,0 0 1,0-1-1,0 1 1,1 0-1,0 0 1,0-5-1,-6-21 107,5 27-72,0 0-1,1 0 1,-1 0-1,1 0 0,-1-1 1,1 1-1,0 0 1,0 0-1,0 0 1,0-1-1,0 1 1,0 0-1,1-3 1,0-11-421,2 13 389,0 1-1,-1-1 1,1 0 0,0 1 0,0 0 0,0 0-1,1 0 1,-1 0 0,6-2 0,-5 2-9,15-9-28,1 2-1,1 0 1,-1 1 0,2 1 0,-1 1-1,1 1 1,0 0 0,0 2 0,0 1-1,37 1 1,-2 1-2,-1 3 0,1 3 0,-1 2 0,-1 2 0,0 3 0,0 2 0,95 41 0,-138-49 38,-1 0 0,1 0 1,-1 2-1,-1-1 0,1 1 0,-2 1 0,1 0 0,-1 0 0,11 17 1,5 12 122,28 55 1,-48-84-94,3 10-19,-1 1-1,0 0 1,-2 1 0,0-1 0,-2 1 0,0 0 0,-1 0-1,-2 28 1,-1-20 101,-1 0 0,-2 0 0,-11 45 1,11-58-77,-4 18 32,-24 65 0,27-88-37,0 0 1,-1 0-1,0-1 0,-1 1 0,0-1 0,-1-1 0,-1 0 0,-15 16 0,17-21 4,-1 1-1,0-2 0,0 1 0,0-1 1,-10 3-1,-13 7 92,9-3 87,0-2 0,0 0 0,-1-2 0,-1 0 0,-31 4 0,-125 6 547,67-8-390,43-1-75,-124 10 59,167-18-303,-1 0 1,1-2 0,-1-1-1,-52-12 1,77 14-64,-8-2-364,0 0 1,0 0-1,0-1 1,1 0-1,-1-1 1,1 0-1,0-1 1,-17-12-1,21 6-1830,6 9 916</inkml:trace>
+</inkml:ink>
+</file>
+
+<file path=ppt/ink/ink20.xml><?xml version="1.0" encoding="utf-8"?>
+<inkml:ink xmlns:inkml="http://www.w3.org/2003/InkML">
+  <inkml:definitions>
+    <inkml:context xml:id="ctx0">
+      <inkml:inkSource xml:id="inkSrc0">
+        <inkml:traceFormat>
+          <inkml:channel name="X" type="integer" min="-2.14748E9" max="2.14748E9" units="cm"/>
+          <inkml:channel name="Y" type="integer" min="-2.14748E9" max="2.14748E9" units="cm"/>
+          <inkml:channel name="F" type="integer" max="32767" units="dev"/>
+        </inkml:traceFormat>
+        <inkml:channelProperties>
+          <inkml:channelProperty channel="X" name="resolution" value="1000" units="1/cm"/>
+          <inkml:channelProperty channel="Y" name="resolution" value="1000" units="1/cm"/>
+          <inkml:channelProperty channel="F" name="resolution" value="0" units="1/dev"/>
+        </inkml:channelProperties>
+      </inkml:inkSource>
+      <inkml:timestamp xml:id="ts0" timeString="2025-02-21T14:54:34.437"/>
+    </inkml:context>
+    <inkml:brush xml:id="br0">
+      <inkml:brushProperty name="width" value="0.1" units="cm"/>
+      <inkml:brushProperty name="height" value="0.1" units="cm"/>
+    </inkml:brush>
+  </inkml:definitions>
+  <inkml:trace contextRef="#ctx0" brushRef="#br0">0 1 8072,'19'39'1728,"-1"2"1,20 71-1,-11-26-280,45 100-1,-9-30-280,-38-90-1152,29 91 64,-49-141-126,1-1 0,0 0 1,10 17-1,5 10-4378</inkml:trace>
+</inkml:ink>
+</file>
+
+<file path=ppt/ink/ink21.xml><?xml version="1.0" encoding="utf-8"?>
+<inkml:ink xmlns:inkml="http://www.w3.org/2003/InkML">
+  <inkml:definitions>
+    <inkml:context xml:id="ctx0">
+      <inkml:inkSource xml:id="inkSrc0">
+        <inkml:traceFormat>
+          <inkml:channel name="X" type="integer" min="-2.14748E9" max="2.14748E9" units="cm"/>
+          <inkml:channel name="Y" type="integer" min="-2.14748E9" max="2.14748E9" units="cm"/>
+          <inkml:channel name="F" type="integer" max="32767" units="dev"/>
+        </inkml:traceFormat>
+        <inkml:channelProperties>
+          <inkml:channelProperty channel="X" name="resolution" value="1000" units="1/cm"/>
+          <inkml:channelProperty channel="Y" name="resolution" value="1000" units="1/cm"/>
+          <inkml:channelProperty channel="F" name="resolution" value="0" units="1/dev"/>
+        </inkml:channelProperties>
+      </inkml:inkSource>
+      <inkml:timestamp xml:id="ts0" timeString="2025-02-21T14:54:55.265"/>
+    </inkml:context>
+    <inkml:brush xml:id="br0">
+      <inkml:brushProperty name="width" value="0.1" units="cm"/>
+      <inkml:brushProperty name="height" value="0.1" units="cm"/>
+    </inkml:brush>
+  </inkml:definitions>
+  <inkml:trace contextRef="#ctx0" brushRef="#br0">57 0 4128,'12'21'-17,"-9"-17"220,-1 0 0,0 0-1,0 0 1,0 0 0,0 0-1,0 0 1,-1 1 0,0-1 0,0 0-1,1 8 1,-21-50 3913,130 249-1757,-100-193-2410,1 0 0,1-1 1,0 0-1,1-1 0,1 0 1,1-1-1,0-1 0,1-1 1,1 0-1,0-1 0,0-1 1,1-1-1,0 0 0,23 7 1,-14-7 243,1 0 1,-1-2 0,1-1 0,1-1 0,0-2 0,-1-1 0,1-1 0,0-2-1,34-3 1,-24 0-172,-14 2 271,50-10 0,-73 11-203,0-1 0,0 0 0,0 0 0,0 0 0,0 0 0,0 0 0,-1-1 0,1 1 0,0-1 0,-1 0 0,1 1 0,-1-1 0,1-1 0,-1 1 0,0 0 0,0 0 0,0-1 0,0 0 0,-1 1 0,1-1 0,2-5 0,-4 6 455,-14-21 241,9 22-805,1 0 1,0 1-1,0 0 0,-1-1 1,1 2-1,0-1 1,-1 0-1,1 1 1,0 0-1,0 0 0,0 0 1,0 0-1,0 1 1,0 0-1,0 0 0,0 0 1,-6 4-1,-7 7-115,0 0-1,-22 22 0,25-21 112,-39 37 16,25-22-5,-2-2-1,0-1 1,-51 33-1,21-20-78,1 3-1,3 2 0,1 2 1,3 3-1,-48 58 1,79-82 10,1 1 0,2 2-1,0 0 1,2 0 0,2 2 0,0 0 0,2 1 0,1 0 0,2 0-1,0 1 1,3 0 0,0 1 0,-1 63 0,7-83 33,0-1 0,1 0 0,1 1-1,0-1 1,0 0 0,1 0 0,1 0 0,0-1 0,1 1 0,8 15 0,-8-19 2,1 0 0,0 0 0,1 0 0,0-1 0,0 0 0,0 0 0,1-1 0,0 0 0,0 0 0,1-1 0,-1 0 0,1 0 0,14 4 0,21 6-119,2-3 0,0-1 1,62 5-1,51 12-384,-138-22 400,0 0 0,-1 0 0,0 2 0,31 17 0,-42-20 128,0 1 0,0 0 0,-1 1 0,0-1 0,0 1 0,-1 1 0,0 0 0,0 0 1,-1 0-1,0 1 0,8 14 0,-5-2 260,-1 0 0,-1 1 0,-1-1 0,0 1 0,-2 1 0,-1-1 0,0 0 0,-2 1 0,-1 0 0,0-1 1,-6 33-1,0-19 91,-1-1-1,-2 0 1,-2 0 0,-1-1 0,-1 0 0,-27 46 0,27-55-3874</inkml:trace>
+</inkml:ink>
+</file>
+
+<file path=ppt/ink/ink22.xml><?xml version="1.0" encoding="utf-8"?>
+<inkml:ink xmlns:inkml="http://www.w3.org/2003/InkML">
+  <inkml:definitions>
+    <inkml:context xml:id="ctx0">
+      <inkml:inkSource xml:id="inkSrc0">
+        <inkml:traceFormat>
+          <inkml:channel name="X" type="integer" min="-2.14748E9" max="2.14748E9" units="cm"/>
+          <inkml:channel name="Y" type="integer" min="-2.14748E9" max="2.14748E9" units="cm"/>
+          <inkml:channel name="F" type="integer" max="32767" units="dev"/>
+        </inkml:traceFormat>
+        <inkml:channelProperties>
+          <inkml:channelProperty channel="X" name="resolution" value="1000" units="1/cm"/>
+          <inkml:channelProperty channel="Y" name="resolution" value="1000" units="1/cm"/>
+          <inkml:channelProperty channel="F" name="resolution" value="0" units="1/dev"/>
+        </inkml:channelProperties>
+      </inkml:inkSource>
+      <inkml:timestamp xml:id="ts0" timeString="2025-02-21T14:55:29.584"/>
+    </inkml:context>
+    <inkml:brush xml:id="br0">
+      <inkml:brushProperty name="width" value="0.1" units="cm"/>
+      <inkml:brushProperty name="height" value="0.1" units="cm"/>
+      <inkml:brushProperty name="color" value="#E71224"/>
+    </inkml:brush>
+  </inkml:definitions>
+  <inkml:trace contextRef="#ctx0" brushRef="#br0">340 278 992,'-111'192'3135,"-25"48"1492,116-196-3979,-21 69-1,31-83-348,-12 18 2790,111-262-5367,-22 47 2193,-5 40-442,-29 62-217,34-91-1,-37 76 1015,-15 44 1365,13-48 0,-28 79-1401,2-3-306,-2 6-287,4 18 858,37 139 552,8 31-944,78 198 537,-26-146-385,-72-177 193,-23-50-342,5 9 682,-7-10-4453</inkml:trace>
+</inkml:ink>
+</file>
+
+<file path=ppt/ink/ink23.xml><?xml version="1.0" encoding="utf-8"?>
+<inkml:ink xmlns:inkml="http://www.w3.org/2003/InkML">
+  <inkml:definitions>
+    <inkml:context xml:id="ctx0">
+      <inkml:inkSource xml:id="inkSrc0">
+        <inkml:traceFormat>
+          <inkml:channel name="X" type="integer" min="-2.14748E9" max="2.14748E9" units="cm"/>
+          <inkml:channel name="Y" type="integer" min="-2.14748E9" max="2.14748E9" units="cm"/>
+          <inkml:channel name="F" type="integer" max="32767" units="dev"/>
+        </inkml:traceFormat>
+        <inkml:channelProperties>
+          <inkml:channelProperty channel="X" name="resolution" value="1000" units="1/cm"/>
+          <inkml:channelProperty channel="Y" name="resolution" value="1000" units="1/cm"/>
+          <inkml:channelProperty channel="F" name="resolution" value="0" units="1/dev"/>
+        </inkml:channelProperties>
+      </inkml:inkSource>
+      <inkml:timestamp xml:id="ts0" timeString="2025-02-21T14:55:29.808"/>
+    </inkml:context>
+    <inkml:brush xml:id="br0">
+      <inkml:brushProperty name="width" value="0.1" units="cm"/>
+      <inkml:brushProperty name="height" value="0.1" units="cm"/>
+      <inkml:brushProperty name="color" value="#E71224"/>
+    </inkml:brush>
+  </inkml:definitions>
+  <inkml:trace contextRef="#ctx0" brushRef="#br0">0 0 4664,'39'7'-50,"-27"-5"434,0 0-1,0 0 1,1-1 0,-1 0-1,0-1 1,19-3 0,-14 1-74,1 0 0,-1 2 0,0 0 0,1 1 0,20 3 1,4 4-500,45 15 1,-42-11-5732</inkml:trace>
+</inkml:ink>
+</file>
+
+<file path=ppt/ink/ink24.xml><?xml version="1.0" encoding="utf-8"?>
+<inkml:ink xmlns:inkml="http://www.w3.org/2003/InkML">
+  <inkml:definitions>
+    <inkml:context xml:id="ctx0">
+      <inkml:inkSource xml:id="inkSrc0">
+        <inkml:traceFormat>
+          <inkml:channel name="X" type="integer" min="-2.14748E9" max="2.14748E9" units="cm"/>
+          <inkml:channel name="Y" type="integer" min="-2.14748E9" max="2.14748E9" units="cm"/>
+          <inkml:channel name="F" type="integer" max="32767" units="dev"/>
+        </inkml:traceFormat>
+        <inkml:channelProperties>
+          <inkml:channelProperty channel="X" name="resolution" value="1000" units="1/cm"/>
+          <inkml:channelProperty channel="Y" name="resolution" value="1000" units="1/cm"/>
+          <inkml:channelProperty channel="F" name="resolution" value="0" units="1/dev"/>
+        </inkml:channelProperties>
+      </inkml:inkSource>
+      <inkml:timestamp xml:id="ts0" timeString="2025-02-21T14:55:30.188"/>
+    </inkml:context>
+    <inkml:brush xml:id="br0">
+      <inkml:brushProperty name="width" value="0.1" units="cm"/>
+      <inkml:brushProperty name="height" value="0.1" units="cm"/>
+      <inkml:brushProperty name="color" value="#E71224"/>
+    </inkml:brush>
+  </inkml:definitions>
+  <inkml:trace contextRef="#ctx0" brushRef="#br0">88 1 8880,'-4'9'77,"1"0"1,0 0 0,0 1-1,-2 12 1,4-16-39,1-1-1,0 1 1,1-1 0,-1 1 0,1-1 0,0 1-1,1-1 1,-1 0 0,4 8 0,-2-5 67,-1 0 0,0 0 0,-1 1 0,0-1 0,0 0 0,-1 1 1,0 12-1,-11 64 1346,3-34-961,-6 125 324,-3 20 296,11-113-2285,-4-108-6854,3 14 7529,-9-22-1334</inkml:trace>
+</inkml:ink>
+</file>
+
+<file path=ppt/ink/ink25.xml><?xml version="1.0" encoding="utf-8"?>
+<inkml:ink xmlns:inkml="http://www.w3.org/2003/InkML">
+  <inkml:definitions>
+    <inkml:context xml:id="ctx0">
+      <inkml:inkSource xml:id="inkSrc0">
+        <inkml:traceFormat>
+          <inkml:channel name="X" type="integer" min="-2.14748E9" max="2.14748E9" units="cm"/>
+          <inkml:channel name="Y" type="integer" min="-2.14748E9" max="2.14748E9" units="cm"/>
+          <inkml:channel name="F" type="integer" max="32767" units="dev"/>
+        </inkml:traceFormat>
+        <inkml:channelProperties>
+          <inkml:channelProperty channel="X" name="resolution" value="1000" units="1/cm"/>
+          <inkml:channelProperty channel="Y" name="resolution" value="1000" units="1/cm"/>
+          <inkml:channelProperty channel="F" name="resolution" value="0" units="1/dev"/>
+        </inkml:channelProperties>
+      </inkml:inkSource>
+      <inkml:timestamp xml:id="ts0" timeString="2025-02-21T14:55:30.727"/>
+    </inkml:context>
+    <inkml:brush xml:id="br0">
+      <inkml:brushProperty name="width" value="0.1" units="cm"/>
+      <inkml:brushProperty name="height" value="0.1" units="cm"/>
+      <inkml:brushProperty name="color" value="#E71224"/>
+    </inkml:brush>
+  </inkml:definitions>
+  <inkml:trace contextRef="#ctx0" brushRef="#br0">1 361 1176,'6'-8'305,"0"-1"1,-1 0-1,0 0 0,0 0 1,-1-1-1,0 0 0,3-14 0,-3 11 133,1 0 0,0 1-1,0-1 1,8-11-1,0 5-229,1 1-1,1 0 1,1 1-1,18-16 1,-23 23-165,1 1 0,-1 0 0,2 1 0,-1 0 0,1 1 0,0 0 0,22-7 0,-12 9-28,1 1 1,30-2-1,-29 3-23,-13 2-73,0 0-1,0 0 0,0 1 0,0 1 0,1 0 0,21 5 0,-28-4-1,-1 0 1,0 0-1,1 0 0,-1 1 1,0 0-1,-1 0 0,1 0 1,0 1-1,-1-1 0,0 1 1,0 0-1,0 1 0,0-1 1,-1 0-1,0 1 1,5 8-1,-2-2-66,0 1-1,0 0 1,-1 0 0,6 24 0,-10-29 142,0 0 0,0-1 0,-1 1 0,0 0 0,0-1 0,0 1-1,-1-1 1,0 1 0,-1 0 0,1-1 0,-5 10 0,4-9 186,-1 0 0,-1-1 0,1 1 1,-1-1-1,0 0 0,-1 0 0,0 0 0,-9 9 0,0-3 223,0-2 0,-21 13 0,32-21-423,-20 11 130,0 0-1,-1-2 0,0 0 0,0-2 0,-1-1 0,-1-1 1,-38 7-1,25-6 2158,37-9-2455,2 1 145,0 0-1,0 0 1,-1 0 0,1 0-1,0 0 1,0 0 0,0 1-1,-1-1 1,1 0 0,0 0-1,0 0 1,0-1 0,-1 1-1,1 0 1,0 0-1,0 0 1,0 0 0,-1 0-1,1 0 1,0 0 0,0 0-1,0 0 1,-1 0 0,1 0-1,0-1 1,0 1 0,0 0-1,0 0 1,0 0 0,-1 0-1,1-1 1,0 1-1,0 0 1,0 0 0,0 0-1,0 0 1,0-1 0,0 1-1,0 0 1,0 0 0,0 0-1,-1-1 1,1 1 0,0 0-1,0 0 1,0 0-1,0-1 1,1 1 0,8-5-216,1 0 1,-1 0-1,2 1 1,-1 0-1,0 1 1,1 0-1,-1 1 1,1 0-1,0 1 1,-1 0-1,1 1 1,20 1-1,-12 1 374,0 0-1,0 2 0,0 0 1,-1 1-1,0 1 0,28 13 1,-34-14-139,-1 1 1,-1 0-1,1 1 0,-1 0 1,0 1-1,-1 0 1,0 0-1,0 1 0,-1 0 1,0 0-1,0 1 0,9 16 1,-7-9 535,0 0-1,-1 0 1,-1 1 0,12 36-1,-18-47-162,-1 1 0,1-1 0,-1 1 0,-1 0-1,0-1 1,0 1 0,0 0 0,-1-1 0,0 1-1,0 0 1,-1-1 0,0 1 0,0-1 0,-1 0-1,-6 13 1,4-12-157,-1 1-1,1-1 0,-2 0 0,1 0 1,-1 0-1,0-1 0,0 0 0,-1-1 1,0 0-1,0 0 0,-1 0 0,1-1 1,-1-1-1,0 1 0,-1-1 1,-13 3-1,7 0-51,-1-1 1,0-1-1,0-1 0,0-1 1,-1 0-1,0-1 1,1-1-1,-1 0 0,0-2 1,-19-2-1,20 1-142,-103-21-185,114 20-106,-1 0 0,1 0 0,0-1 0,1 0 0,-1 0 0,1-1 0,-1 1 0,1-1 0,1 0 0,-9-11 0,6 3-4545</inkml:trace>
+</inkml:ink>
+</file>
+
+<file path=ppt/ink/ink26.xml><?xml version="1.0" encoding="utf-8"?>
+<inkml:ink xmlns:inkml="http://www.w3.org/2003/InkML">
+  <inkml:definitions>
+    <inkml:context xml:id="ctx0">
+      <inkml:inkSource xml:id="inkSrc0">
+        <inkml:traceFormat>
+          <inkml:channel name="X" type="integer" min="-2.14748E9" max="2.14748E9" units="cm"/>
+          <inkml:channel name="Y" type="integer" min="-2.14748E9" max="2.14748E9" units="cm"/>
+          <inkml:channel name="F" type="integer" max="32767" units="dev"/>
+        </inkml:traceFormat>
+        <inkml:channelProperties>
+          <inkml:channelProperty channel="X" name="resolution" value="1000" units="1/cm"/>
+          <inkml:channelProperty channel="Y" name="resolution" value="1000" units="1/cm"/>
+          <inkml:channelProperty channel="F" name="resolution" value="0" units="1/dev"/>
+        </inkml:channelProperties>
+      </inkml:inkSource>
+      <inkml:timestamp xml:id="ts0" timeString="2025-02-21T14:55:31.408"/>
+    </inkml:context>
+    <inkml:brush xml:id="br0">
+      <inkml:brushProperty name="width" value="0.1" units="cm"/>
+      <inkml:brushProperty name="height" value="0.1" units="cm"/>
+      <inkml:brushProperty name="color" value="#E71224"/>
+    </inkml:brush>
+  </inkml:definitions>
+  <inkml:trace contextRef="#ctx0" brushRef="#br0">368 65 5560,'16'-5'476,"36"-21"8481,-55 25-9270,-105-21 168,60 14 330,30 6-317,1 2 1,0 0 0,-1 1 0,1 0 0,0 1-1,0 1 1,0 1 0,0 1 0,-29 12 0,41-16 67,1 2 1,-1-1 0,1 0 0,-1 1 0,1 0 0,0 0 0,0 0 0,0 1 0,0-1-1,1 1 1,0 0 0,-1 0 0,1 0 0,1 0 0,-1 1 0,1-1 0,-1 1 0,1 0 0,1-1-1,-1 1 1,1 0 0,-1 0 0,1 6 0,1-8 2,0 0 1,1 0-1,-1 0 0,1 0 1,0 0-1,0 0 0,0 0 0,0 0 1,0 0-1,1 0 0,-1-1 1,1 1-1,0 0 0,0-1 1,0 0-1,0 1 0,3 2 0,42 35 831,-16-20-364,67 33 0,-64-37-113,61 40 0,-57-29-275,-2-2 66,52 46 0,61 75 166,-144-141-260,0 0 0,0 0 0,0 0 0,-1 1 0,0 0 0,0 0 0,-1 0 0,0 0 1,0 0-1,3 9 0,-5-12 163,-1 1 1,1 0-1,-1-1 0,1 1 1,-1 0-1,0-1 1,0 1-1,-1 0 1,1-1-1,-1 1 1,0 0-1,0-1 0,0 1 1,0-1-1,-1 1 1,0-1-1,1 0 1,-1 0-1,0 1 0,-4 3 1,-2 2-76,1-2 0,-1 1 0,-1-1 0,1 0 0,-1 0 0,-1-1 0,1-1-1,-1 1 1,0-1 0,0-1 0,0 0 0,-1-1 0,1 0 0,-1 0 0,-11 1 0,2-2 42,1 0-1,-1-2 0,0 0 1,1-1-1,-1 0 1,1-2-1,-33-8 0,-13-9-118,-65-30 0,92 37 3,16 8-27,20 5-102,-26-14-4158</inkml:trace>
+</inkml:ink>
+</file>
+
+<file path=ppt/ink/ink27.xml><?xml version="1.0" encoding="utf-8"?>
+<inkml:ink xmlns:inkml="http://www.w3.org/2003/InkML">
+  <inkml:definitions>
+    <inkml:context xml:id="ctx0">
+      <inkml:inkSource xml:id="inkSrc0">
+        <inkml:traceFormat>
+          <inkml:channel name="X" type="integer" min="-2.14748E9" max="2.14748E9" units="cm"/>
+          <inkml:channel name="Y" type="integer" min="-2.14748E9" max="2.14748E9" units="cm"/>
+          <inkml:channel name="F" type="integer" max="32767" units="dev"/>
+        </inkml:traceFormat>
+        <inkml:channelProperties>
+          <inkml:channelProperty channel="X" name="resolution" value="1000" units="1/cm"/>
+          <inkml:channelProperty channel="Y" name="resolution" value="1000" units="1/cm"/>
+          <inkml:channelProperty channel="F" name="resolution" value="0" units="1/dev"/>
+        </inkml:channelProperties>
+      </inkml:inkSource>
+      <inkml:timestamp xml:id="ts0" timeString="2025-02-21T14:55:31.903"/>
+    </inkml:context>
+    <inkml:brush xml:id="br0">
+      <inkml:brushProperty name="width" value="0.1" units="cm"/>
+      <inkml:brushProperty name="height" value="0.1" units="cm"/>
+      <inkml:brushProperty name="color" value="#E71224"/>
+    </inkml:brush>
+  </inkml:definitions>
+  <inkml:trace contextRef="#ctx0" brushRef="#br0">107 581 6008,'0'0'10433,"-25"3"-10708,22-2 247,0 1-1,0-1 1,0 1 0,0 0-1,0 0 1,0 1-1,0-1 1,1 0 0,-1 1-1,1 0 1,-1-1-1,1 1 1,0 0 0,0 0-1,1 0 1,-1 1-1,0-1 1,1 0 0,0 1-1,0-1 1,0 1-1,0-1 1,1 1 0,-1-1-1,1 1 1,0 6-1,0 1 99,0 0-1,1 0 1,0 0 0,1 0-1,0 0 1,0 0-1,7 16 1,-4-17-1,0 0 0,1 0 0,0 0 0,1-1 0,0 0 1,0-1-1,1 1 0,0-1 0,1-1 0,-1 0 1,2 0-1,-1-1 0,18 10 0,-13-9 41,1 0 0,0-1 0,1-1 0,-1 0 0,1-1 1,0 0-1,0-2 0,0 0 0,17 0 0,-19-2 19,18 0 107,-1-1 1,43-6-1,-64 5-229,-1 0 0,0-1 0,0 0 0,0 0 0,0 0 0,0-2 0,-1 1 0,1-1 0,-1 0 0,0 0 0,-1-1 0,10-9 0,0-4-144,-2 0-1,0-1 1,-1-1 0,-1 0-1,-1 0 1,-1-2 0,-1 1-1,-1-1 1,-1-1 0,0 1-1,-2-1 1,-1-1 0,-2 1-1,0-1 1,-1 0 0,-1 1-1,-2-1 1,-4-33 0,-4 21 223,-3 1 1,0 0-1,-2 1 1,-24-41-1,19 35 160,14 33-188,0 0-1,0 0 0,0 0 0,-1 0 0,0 1 1,0 0-1,-1 0 0,0 1 0,-1 0 0,1 0 1,-1 0-1,0 1 0,-9-4 0,-2 0-106,-2 1 1,1 0-1,-1 2 0,-28-6 1,40 11 16,0 0 0,0 1 0,0 0 0,1 1 0,-1 0 0,0 0 0,1 1 0,-1 0 0,0 0 0,1 1 0,0 0 0,0 0 0,0 1 0,0 0 0,0 1 0,-10 8 0,-11 9-230,1 1 1,-39 43-1,59-57 179,-6 5-228,2 1 1,0 1-1,0 0 1,2 0-1,0 1 1,1 0-1,-10 27 0,10-19-1166,1 1-1,2 1 0,1-1 0,0 1 0,1 27 0,-1 2-435</inkml:trace>
+</inkml:ink>
+</file>
+
+<file path=ppt/ink/ink28.xml><?xml version="1.0" encoding="utf-8"?>
+<inkml:ink xmlns:inkml="http://www.w3.org/2003/InkML">
+  <inkml:definitions>
+    <inkml:context xml:id="ctx0">
+      <inkml:inkSource xml:id="inkSrc0">
+        <inkml:traceFormat>
+          <inkml:channel name="X" type="integer" min="-2.14748E9" max="2.14748E9" units="cm"/>
+          <inkml:channel name="Y" type="integer" min="-2.14748E9" max="2.14748E9" units="cm"/>
+          <inkml:channel name="F" type="integer" max="32767" units="dev"/>
+        </inkml:traceFormat>
+        <inkml:channelProperties>
+          <inkml:channelProperty channel="X" name="resolution" value="1000" units="1/cm"/>
+          <inkml:channelProperty channel="Y" name="resolution" value="1000" units="1/cm"/>
+          <inkml:channelProperty channel="F" name="resolution" value="0" units="1/dev"/>
+        </inkml:channelProperties>
+      </inkml:inkSource>
+      <inkml:timestamp xml:id="ts0" timeString="2025-02-21T14:55:32.394"/>
+    </inkml:context>
+    <inkml:brush xml:id="br0">
+      <inkml:brushProperty name="width" value="0.1" units="cm"/>
+      <inkml:brushProperty name="height" value="0.1" units="cm"/>
+      <inkml:brushProperty name="color" value="#E71224"/>
+    </inkml:brush>
+  </inkml:definitions>
+  <inkml:trace contextRef="#ctx0" brushRef="#br0">88 0 8248,'-60'118'-1978,"66"-139"787,2-12 5440,-4 60-969,-41 298-780,37-320-2488,-5 44 316,2 92 0,4-126-350,0 0 1,2 0 0,5 24-1,-6-35 29,0 1 1,-1 0-1,1-1 0,1 1 0,-1-1 0,1 0 0,0 0 1,-1 0-1,2 0 0,-1 0 0,0-1 0,1 0 0,0 1 1,0-1-1,6 3 0,2 2 163,0-2 0,1 1 1,-1-2-1,2 0 0,-1 0 0,0-1 0,1-1 1,0 0-1,0-1 0,0 0 0,0-1 0,0-1 1,0 0-1,17-3 0,-6-2-286,0-1 0,0-2-1,-1 0 1,39-19 0,-38 14-217,-18 8-634,0 2-1,1-1 0,-1 1 1,1 0-1,14-3 0</inkml:trace>
+</inkml:ink>
+</file>
+
+<file path=ppt/ink/ink29.xml><?xml version="1.0" encoding="utf-8"?>
+<inkml:ink xmlns:inkml="http://www.w3.org/2003/InkML">
+  <inkml:definitions>
+    <inkml:context xml:id="ctx0">
+      <inkml:inkSource xml:id="inkSrc0">
+        <inkml:traceFormat>
+          <inkml:channel name="X" type="integer" min="-2.14748E9" max="2.14748E9" units="cm"/>
+          <inkml:channel name="Y" type="integer" min="-2.14748E9" max="2.14748E9" units="cm"/>
+          <inkml:channel name="F" type="integer" max="32767" units="dev"/>
+        </inkml:traceFormat>
+        <inkml:channelProperties>
+          <inkml:channelProperty channel="X" name="resolution" value="1000" units="1/cm"/>
+          <inkml:channelProperty channel="Y" name="resolution" value="1000" units="1/cm"/>
+          <inkml:channelProperty channel="F" name="resolution" value="0" units="1/dev"/>
+        </inkml:channelProperties>
+      </inkml:inkSource>
+      <inkml:timestamp xml:id="ts0" timeString="2025-02-21T14:55:32.978"/>
+    </inkml:context>
+    <inkml:brush xml:id="br0">
+      <inkml:brushProperty name="width" value="0.1" units="cm"/>
+      <inkml:brushProperty name="height" value="0.1" units="cm"/>
+      <inkml:brushProperty name="color" value="#E71224"/>
+    </inkml:brush>
+  </inkml:definitions>
+  <inkml:trace contextRef="#ctx0" brushRef="#br0">93 238 12464,'-37'105'1540,"36"-203"1587,1 97-3097,0-1 0,1 1 0,-1 0 0,0-1 0,0 1 0,0 0-1,0-1 1,-1 1 0,1 0 0,0 0 0,-1-1 0,1 1-1,0 0 1,-1 0 0,1-1 0,-1 1 0,-1-2 0,1 3-41,1 1 0,-1-1 1,0 1-1,1-1 0,-1 0 1,0 1-1,1-1 1,-1 1-1,1 0 0,-1-1 1,1 1-1,-1-1 0,1 1 1,-1 0-1,1-1 0,0 1 1,-1 0-1,1-1 0,0 1 1,-1 1-1,-18 50-237,13-27 212,1 0-1,2 0 1,0 0 0,1 1 0,2 0-1,0-1 1,2 1 0,1-1 0,1 1-1,1-1 1,1 0 0,1-1 0,2 0 0,0 0-1,1 0 1,16 25 0,-13-29 153,0-1 0,1-1 1,1 0-1,1-1 0,0 0 1,1-1-1,1-1 0,1-1 1,0-1-1,21 12 0,-35-23-76,0 0-1,0 0 0,0-1 0,0 1 1,1-1-1,-1-1 0,0 1 0,0-1 0,1 0 1,-1 0-1,0 0 0,0-1 0,1 0 1,-1 0-1,0 0 0,0-1 0,0 1 0,5-4 1,-4 3-23,0-1 1,-1 0-1,1 0 0,-1-1 1,1 0-1,-1 0 1,0 0-1,-1 0 1,1-1-1,-1 0 1,0 0-1,0 0 1,0 0-1,3-9 1,7-16-638,-2-1 1,-1 0 0,-2 0 0,0-1-1,-3-1 1,0 1 0,-3-1-1,0 0 1,-2 0 0,-7-65 0,-1 45 1016,-3-1 0,-2 1 0,-2 1 0,-29-70 0,35 95 630,8 26-1035,0 1 1,0-1-1,0 0 1,0 1-1,0-1 0,0 1 1,0-1-1,0 1 1,0-1-1,1 1 1,-1-1-1,0 1 1,0-1-1,0 1 1,1-1-1,-1 1 1,0-1-1,1 1 0,-1 0 1,0-1-1,1 1 1,-1-1-1,0 1 1,1 0-1,0-1 1,3 0-39,-1 1 0,1-1 0,0 1 0,0 0 0,-1 0 0,1 0 0,0 0 0,0 1 0,6 1 0,-6-2 141,415 36 217,-342-36-164,0-3 0,-1-4 0,113-24-1,97-23-1213,-265 48-1778</inkml:trace>
+</inkml:ink>
+</file>
+
+<file path=ppt/ink/ink3.xml><?xml version="1.0" encoding="utf-8"?>
+<inkml:ink xmlns:inkml="http://www.w3.org/2003/InkML">
+  <inkml:definitions>
+    <inkml:context xml:id="ctx0">
+      <inkml:inkSource xml:id="inkSrc0">
+        <inkml:traceFormat>
+          <inkml:channel name="X" type="integer" min="-2.14748E9" max="2.14748E9" units="cm"/>
+          <inkml:channel name="Y" type="integer" min="-2.14748E9" max="2.14748E9" units="cm"/>
+          <inkml:channel name="F" type="integer" max="32767" units="dev"/>
+        </inkml:traceFormat>
+        <inkml:channelProperties>
+          <inkml:channelProperty channel="X" name="resolution" value="1000" units="1/cm"/>
+          <inkml:channelProperty channel="Y" name="resolution" value="1000" units="1/cm"/>
+          <inkml:channelProperty channel="F" name="resolution" value="0" units="1/dev"/>
+        </inkml:channelProperties>
+      </inkml:inkSource>
+      <inkml:timestamp xml:id="ts0" timeString="2025-02-21T14:54:22.589"/>
+    </inkml:context>
+    <inkml:brush xml:id="br0">
+      <inkml:brushProperty name="width" value="0.1" units="cm"/>
+      <inkml:brushProperty name="height" value="0.1" units="cm"/>
+    </inkml:brush>
+  </inkml:definitions>
+  <inkml:trace contextRef="#ctx0" brushRef="#br0">1 171 992,'100'-40'29,"-102"41"-5,0 1-1,0 0 1,0 0 0,0 0-1,0 0 1,1 0-1,-1 0 1,1 0-1,-1 1 1,1-1 0,0 1-1,-1 2 1,1-4 91,1 1 0,-1-1 0,1 0 0,-1 1 1,1-1-1,-1 0 0,1 1 0,0-1 0,0 0 0,-1 1 1,1-1-1,0 1 0,0-1 0,0 0 0,1 1 0,-1-1 1,0 1-1,1-1 0,-1 0 0,0 1 0,1-1 1,0 0-1,0 2 0,1-3-32,0 1 0,-1 0 1,1-1-1,0 1 0,0-1 1,0 0-1,0 0 0,0 1 0,0-1 1,0 0-1,-1-1 0,1 1 0,0 0 1,0-1-1,0 1 0,0-1 0,0 1 1,2-2-1,4 0 61,500-98 4931,-289 70-5420,-26 15 1338,201 12 1,-92 4-741,-261-2-101,287-16 1405,-107-9-1444,-215 25-281,1 1 0,-1 0 0,0 0 0,1 1 0,-1 0 0,0 0 0,0 0 0,0 1 0,0 0 0,0 0 0,0 1 0,-1-1 0,1 1 0,-1 0 0,1 1 0,7 6 0</inkml:trace>
+</inkml:ink>
+</file>
+
+<file path=ppt/ink/ink30.xml><?xml version="1.0" encoding="utf-8"?>
+<inkml:ink xmlns:inkml="http://www.w3.org/2003/InkML">
+  <inkml:definitions>
+    <inkml:context xml:id="ctx0">
+      <inkml:inkSource xml:id="inkSrc0">
+        <inkml:traceFormat>
+          <inkml:channel name="X" type="integer" min="-2.14748E9" max="2.14748E9" units="cm"/>
+          <inkml:channel name="Y" type="integer" min="-2.14748E9" max="2.14748E9" units="cm"/>
+          <inkml:channel name="F" type="integer" max="32767" units="dev"/>
+        </inkml:traceFormat>
+        <inkml:channelProperties>
+          <inkml:channelProperty channel="X" name="resolution" value="1000" units="1/cm"/>
+          <inkml:channelProperty channel="Y" name="resolution" value="1000" units="1/cm"/>
+          <inkml:channelProperty channel="F" name="resolution" value="0" units="1/dev"/>
+        </inkml:channelProperties>
+      </inkml:inkSource>
+      <inkml:timestamp xml:id="ts0" timeString="2025-02-21T14:55:33.278"/>
+    </inkml:context>
+    <inkml:brush xml:id="br0">
+      <inkml:brushProperty name="width" value="0.1" units="cm"/>
+      <inkml:brushProperty name="height" value="0.1" units="cm"/>
+      <inkml:brushProperty name="color" value="#E71224"/>
+    </inkml:brush>
+  </inkml:definitions>
+  <inkml:trace contextRef="#ctx0" brushRef="#br0">48 0 12104,'3'5'59,"-1"0"1,-1 1 0,1-1 0,-1 0-1,0 0 1,0 1 0,0-1 0,-1 1-1,1-1 1,-2 10 0,-11 60 1102,3-28-697,0 19 112,3-26-205,-3 77 0,-3 147 272,10-244-554,2 1 0,0 0 0,4 27 0,-3-38-214,1 0 0,0 0 1,1-1-1,0 1 0,0-1 1,1 0-1,1 0 0,9 16 1,-5-6-2341</inkml:trace>
+</inkml:ink>
+</file>
+
+<file path=ppt/ink/ink31.xml><?xml version="1.0" encoding="utf-8"?>
+<inkml:ink xmlns:inkml="http://www.w3.org/2003/InkML">
+  <inkml:definitions>
+    <inkml:context xml:id="ctx0">
+      <inkml:inkSource xml:id="inkSrc0">
+        <inkml:traceFormat>
+          <inkml:channel name="X" type="integer" min="-2.14748E9" max="2.14748E9" units="cm"/>
+          <inkml:channel name="Y" type="integer" min="-2.14748E9" max="2.14748E9" units="cm"/>
+          <inkml:channel name="F" type="integer" max="32767" units="dev"/>
+        </inkml:traceFormat>
+        <inkml:channelProperties>
+          <inkml:channelProperty channel="X" name="resolution" value="1000" units="1/cm"/>
+          <inkml:channelProperty channel="Y" name="resolution" value="1000" units="1/cm"/>
+          <inkml:channelProperty channel="F" name="resolution" value="0" units="1/dev"/>
+        </inkml:channelProperties>
+      </inkml:inkSource>
+      <inkml:timestamp xml:id="ts0" timeString="2025-02-21T14:55:33.691"/>
+    </inkml:context>
+    <inkml:brush xml:id="br0">
+      <inkml:brushProperty name="width" value="0.1" units="cm"/>
+      <inkml:brushProperty name="height" value="0.1" units="cm"/>
+      <inkml:brushProperty name="color" value="#E71224"/>
+    </inkml:brush>
+  </inkml:definitions>
+  <inkml:trace contextRef="#ctx0" brushRef="#br0">66 1 10400,'-45'81'-868,"45"-78"1080,-1 0 1,1 0-1,-1-1 1,1 1-1,0 0 1,0 0 0,0 0-1,0 0 1,2 4-1,-1 10 980,-12 99 1149,5-70-1824,1 82 0,6-92-285,0-8-10,0-1 1,2 1 0,7 29-1,-9-50-150,1 0 0,1 0 0,-1 1-1,1-1 1,1-1 0,-1 1 0,1 0 0,0-1 0,1 0-1,-1 0 1,1 0 0,1-1 0,-1 1 0,1-1 0,12 8-1,-12-9-28,1-1 0,0-1-1,0 1 1,0-1 0,0-1-1,1 1 1,-1-1 0,0 0-1,1-1 1,-1 0-1,1 0 1,-1 0 0,0-1-1,1 0 1,-1-1 0,11-3-1,2-1-190,0-1 0,-1-1 0,1-1 0,27-17-1,-18 8-93,0 1-708,-1-1 0,-1-1 0,35-33 0</inkml:trace>
+</inkml:ink>
+</file>
+
+<file path=ppt/ink/ink32.xml><?xml version="1.0" encoding="utf-8"?>
+<inkml:ink xmlns:inkml="http://www.w3.org/2003/InkML">
+  <inkml:definitions>
+    <inkml:context xml:id="ctx0">
+      <inkml:inkSource xml:id="inkSrc0">
+        <inkml:traceFormat>
+          <inkml:channel name="X" type="integer" min="-2.14748E9" max="2.14748E9" units="cm"/>
+          <inkml:channel name="Y" type="integer" min="-2.14748E9" max="2.14748E9" units="cm"/>
+          <inkml:channel name="F" type="integer" max="32767" units="dev"/>
+        </inkml:traceFormat>
+        <inkml:channelProperties>
+          <inkml:channelProperty channel="X" name="resolution" value="1000" units="1/cm"/>
+          <inkml:channelProperty channel="Y" name="resolution" value="1000" units="1/cm"/>
+          <inkml:channelProperty channel="F" name="resolution" value="0" units="1/dev"/>
+        </inkml:channelProperties>
+      </inkml:inkSource>
+      <inkml:timestamp xml:id="ts0" timeString="2025-02-21T14:55:33.914"/>
+    </inkml:context>
+    <inkml:brush xml:id="br0">
+      <inkml:brushProperty name="width" value="0.1" units="cm"/>
+      <inkml:brushProperty name="height" value="0.1" units="cm"/>
+      <inkml:brushProperty name="color" value="#E71224"/>
+    </inkml:brush>
+  </inkml:definitions>
+  <inkml:trace contextRef="#ctx0" brushRef="#br0">0 75 13176,'28'5'82,"-23"-3"-30,0-1 0,1 0 0,-1 0 0,1-1 0,0 0 0,8 0 0,11-22 2070,-3 13-1992,2 1 0,-1 1 1,1 1-1,0 1 0,33-2 0,124 1 448,-132 8-1563,-37-1 450,0 0 0,0-1 1,0 0-1,0-1 0,0 0 0,0-1 0,12-3 1,-11 1-1126,7-1-4560</inkml:trace>
+</inkml:ink>
+</file>
+
+<file path=ppt/ink/ink33.xml><?xml version="1.0" encoding="utf-8"?>
+<inkml:ink xmlns:inkml="http://www.w3.org/2003/InkML">
+  <inkml:definitions>
+    <inkml:context xml:id="ctx0">
+      <inkml:inkSource xml:id="inkSrc0">
+        <inkml:traceFormat>
+          <inkml:channel name="X" type="integer" min="-2.14748E9" max="2.14748E9" units="cm"/>
+          <inkml:channel name="Y" type="integer" min="-2.14748E9" max="2.14748E9" units="cm"/>
+          <inkml:channel name="F" type="integer" max="32767" units="dev"/>
+        </inkml:traceFormat>
+        <inkml:channelProperties>
+          <inkml:channelProperty channel="X" name="resolution" value="1000" units="1/cm"/>
+          <inkml:channelProperty channel="Y" name="resolution" value="1000" units="1/cm"/>
+          <inkml:channelProperty channel="F" name="resolution" value="0" units="1/dev"/>
+        </inkml:channelProperties>
+      </inkml:inkSource>
+      <inkml:timestamp xml:id="ts0" timeString="2025-02-21T14:55:34.134"/>
+    </inkml:context>
+    <inkml:brush xml:id="br0">
+      <inkml:brushProperty name="width" value="0.1" units="cm"/>
+      <inkml:brushProperty name="height" value="0.1" units="cm"/>
+      <inkml:brushProperty name="color" value="#E71224"/>
+    </inkml:brush>
+  </inkml:definitions>
+  <inkml:trace contextRef="#ctx0" brushRef="#br0">0 9 9144,'29'4'893,"1"-1"1,-1-2-1,0-1 1,1-1-1,52-9 1,-70 8-799,28 0 511,0 0 1,55 7-1,-51-2-442,70-4 0,-86 3-2259,-4 2-7885</inkml:trace>
+</inkml:ink>
+</file>
+
+<file path=ppt/ink/ink34.xml><?xml version="1.0" encoding="utf-8"?>
+<inkml:ink xmlns:inkml="http://www.w3.org/2003/InkML">
+  <inkml:definitions>
+    <inkml:context xml:id="ctx0">
+      <inkml:inkSource xml:id="inkSrc0">
+        <inkml:traceFormat>
+          <inkml:channel name="X" type="integer" min="-2.14748E9" max="2.14748E9" units="cm"/>
+          <inkml:channel name="Y" type="integer" min="-2.14748E9" max="2.14748E9" units="cm"/>
+          <inkml:channel name="F" type="integer" max="32767" units="dev"/>
+        </inkml:traceFormat>
+        <inkml:channelProperties>
+          <inkml:channelProperty channel="X" name="resolution" value="1000" units="1/cm"/>
+          <inkml:channelProperty channel="Y" name="resolution" value="1000" units="1/cm"/>
+          <inkml:channelProperty channel="F" name="resolution" value="0" units="1/dev"/>
+        </inkml:channelProperties>
+      </inkml:inkSource>
+      <inkml:timestamp xml:id="ts0" timeString="2025-02-21T14:55:39.711"/>
+    </inkml:context>
+    <inkml:brush xml:id="br0">
+      <inkml:brushProperty name="width" value="0.1" units="cm"/>
+      <inkml:brushProperty name="height" value="0.1" units="cm"/>
+      <inkml:brushProperty name="color" value="#E71224"/>
+    </inkml:brush>
+  </inkml:definitions>
+  <inkml:trace contextRef="#ctx0" brushRef="#br0">1 1 10136,'10'31'13,"-8"-27"-115,0 1 0,-1 0 0,1-1 0,-1 1 0,0 0 0,0 0 0,0 9 0,-1-13-147,-5-12 4082,275 432-2457,-135-192-992,-101-181-58,-26-38-286,0 0 1,-1 0-1,0 1 0,-1 0 0,6 16 0,-11-26-14,-1 0 1,0 0 0,0 0 0,1 0 0,-1 1 0,1-1 0,-1 0 0,1 0-1,-1 0 1,1 0 0,0 0 0,-1 0 0,1 0 0,0-1 0,0 1 0,0 0-1,0 0 1,-1-1 0,1 1 0,0 0 0,0-1 0,1 1 0,0 0 0,-1-1 23,0 0 0,0-1 1,0 1-1,0 0 1,0-1-1,0 1 0,0-1 1,0 1-1,0-1 1,0 1-1,0-1 0,-1 0 1,1 1-1,0-1 1,0 0-1,-1 0 0,1 0 1,0 1-1,-1-1 1,1-1-1,3-6 70,0 1-1,0-1 1,-1 1 0,0-1-1,2-10 1,4-43 33,-2-1 1,-2-80 0,0-13 61,16-31 0,-16 153-760,2 1 1,2 0 0,19-47-1,-25 72-496,-1 0 1153</inkml:trace>
+</inkml:ink>
+</file>
+
+<file path=ppt/ink/ink35.xml><?xml version="1.0" encoding="utf-8"?>
+<inkml:ink xmlns:inkml="http://www.w3.org/2003/InkML">
+  <inkml:definitions>
+    <inkml:context xml:id="ctx0">
+      <inkml:inkSource xml:id="inkSrc0">
+        <inkml:traceFormat>
+          <inkml:channel name="X" type="integer" min="-2.14748E9" max="2.14748E9" units="cm"/>
+          <inkml:channel name="Y" type="integer" min="-2.14748E9" max="2.14748E9" units="cm"/>
+          <inkml:channel name="F" type="integer" max="32767" units="dev"/>
+        </inkml:traceFormat>
+        <inkml:channelProperties>
+          <inkml:channelProperty channel="X" name="resolution" value="1000" units="1/cm"/>
+          <inkml:channelProperty channel="Y" name="resolution" value="1000" units="1/cm"/>
+          <inkml:channelProperty channel="F" name="resolution" value="0" units="1/dev"/>
+        </inkml:channelProperties>
+      </inkml:inkSource>
+      <inkml:timestamp xml:id="ts0" timeString="2025-02-21T14:55:40.202"/>
+    </inkml:context>
+    <inkml:brush xml:id="br0">
+      <inkml:brushProperty name="width" value="0.1" units="cm"/>
+      <inkml:brushProperty name="height" value="0.1" units="cm"/>
+      <inkml:brushProperty name="color" value="#E71224"/>
+    </inkml:brush>
+  </inkml:definitions>
+  <inkml:trace contextRef="#ctx0" brushRef="#br0">1 323 4400,'-1'17'371,"2"0"0,0 0 0,1 0 0,0 0 0,2 0 0,0-1 0,7 19 0,5 11 255,-9-24-449,1-1 0,14 29 0,-18-44-185,0 0 0,0 0 1,0 0-1,0-1 0,1 1 0,0-1 1,0 0-1,1-1 0,-1 1 0,1-1 1,12 7-1,17 9-75,-26-14 77,0-1 0,0 0 0,0-1 0,16 6 0,-22-9 5,1 0 0,0-1 0,-1 0 0,1 1 0,0-1 0,-1 0 0,1-1 0,-1 1 0,1-1 0,0 1 0,-1-1 0,1 0 0,-1 0 0,1-1 0,-1 1 0,0-1 0,4-2 0,1-1 139,-1-1 1,1 0-1,-1 0 1,0-1-1,0 0 1,-1 0-1,0-1 0,0 0 1,-1 0-1,0 0 1,-1-1-1,5-10 0,4-14 147,16-67 0,-20 68-114,-3 1-119,-1-1 0,-2-1 0,-1 1 0,-1 0 0,-5-42 0,2 15-1,1 53 20,1 0 0,-1 1 0,0-1 0,-1 0 0,1 0 0,-1 1 0,0-1 0,-1 1 0,1 0 0,-1-1 0,-7-8 0,-2-1 526,0 1 0,-20-17 1,10 9 72,21 22-636,0-1-1,0 1 0,0 0 0,0-1 1,0 1-1,0 0 0,0 0 1,0 0-1,-1 0 0,1 0 1,0 0-1,0 0 0,0 0 0,0 0 1,-1 1-1,-2-1 52,-15 3 20,0 0 0,0 2 0,0 0 0,1 1 1,-25 11-1,-1 1 25,38-16-175,0 1-1,0 1 1,0-1 0,0 1 0,1 0 0,0 0-1,-1 1 1,2 0 0,-1-1 0,0 2-1,1-1 1,0 0 0,0 1 0,1 0 0,0 0-1,0 0 1,0 0 0,-4 13 0,2 0 5,1-1 1,0 1-1,1 0 1,2 0-1,-1 23 1,2-39-86,0 0 0,0 0 0,1 0 0,-1 1 0,1-1 0,-1 0 0,1 0 0,0 0 0,0 0 0,2 3 1,2 7-82,14 45-1466,7 31-5901</inkml:trace>
+</inkml:ink>
+</file>
+
+<file path=ppt/ink/ink36.xml><?xml version="1.0" encoding="utf-8"?>
+<inkml:ink xmlns:inkml="http://www.w3.org/2003/InkML">
+  <inkml:definitions>
+    <inkml:context xml:id="ctx0">
+      <inkml:inkSource xml:id="inkSrc0">
+        <inkml:traceFormat>
+          <inkml:channel name="X" type="integer" min="-2.14748E9" max="2.14748E9" units="cm"/>
+          <inkml:channel name="Y" type="integer" min="-2.14748E9" max="2.14748E9" units="cm"/>
+          <inkml:channel name="F" type="integer" max="32767" units="dev"/>
+        </inkml:traceFormat>
+        <inkml:channelProperties>
+          <inkml:channelProperty channel="X" name="resolution" value="1000" units="1/cm"/>
+          <inkml:channelProperty channel="Y" name="resolution" value="1000" units="1/cm"/>
+          <inkml:channelProperty channel="F" name="resolution" value="0" units="1/dev"/>
+        </inkml:channelProperties>
+      </inkml:inkSource>
+      <inkml:timestamp xml:id="ts0" timeString="2025-02-21T14:55:40.926"/>
+    </inkml:context>
+    <inkml:brush xml:id="br0">
+      <inkml:brushProperty name="width" value="0.1" units="cm"/>
+      <inkml:brushProperty name="height" value="0.1" units="cm"/>
+      <inkml:brushProperty name="color" value="#E71224"/>
+    </inkml:brush>
+  </inkml:definitions>
+  <inkml:trace contextRef="#ctx0" brushRef="#br0">109 41 7448,'-15'21'171,"7"-10"340,0 0-1,1 1 1,-12 25 1636,20-40-1095,31-59 1942,-26 78-3090,-4 7 215,-1 0 0,-4 44-1,1 12 114,33 397 601,-29-452-556,0-9-1100,-1-2-2503,-9-26 2865,-11-28-300,2 0 0,-17-62 0,20 45 1359,2-1 0,-8-119-1,20 167-493,0-1-1,0 0 1,1 0-1,0 0 1,1 1-1,1-1 1,0 1-1,0-1 1,1 1 0,0 0-1,1 0 1,1 1-1,0 0 1,0 0-1,1 0 1,0 0-1,0 1 1,1 0-1,0 1 1,1 0-1,0 0 1,0 1-1,1 0 1,0 1-1,0 0 1,1 0-1,19-7 1,-2 3-370,0 2-1,39-6 1,-59 12 244,0 1 0,1 1 0,-1 0 0,1 0 0,-1 0 0,0 1 0,1 1 0,-1-1 0,0 1 0,0 1 0,0-1 0,15 8 0,-17-6 81,1 0 1,0 0 0,-1 1 0,0 0 0,0 0 0,0 0-1,-1 1 1,0 0 0,0 0 0,0 0 0,-1 0-1,0 1 1,0 0 0,-1 0 0,1 0 0,-2 0 0,1 1-1,-1-1 1,0 1 0,0-1 0,-1 1 0,0 9 0,1-6 52,-1-1 0,0 1 1,-1 0-1,-1-1 0,1 1 1,-2 0-1,1-1 0,-2 1 1,1-1-1,-1 0 0,-8 17 1,0-4 155,-1 3-57,-1 0-1,-1-1 1,-1-1-1,-1 0 1,-32 35-1,36-49-204,-1-1-1,-1-1 1,0 0-1,0 0 1,0-2-1,-1 1 1,-28 7-1,-10 4 197,51-17 246,-1-3 4,-61-24-1524,64 25 1067,-1 1 0,1 0 1,-1-1-1,1 1 1,-1-1-1,1 1 0,-1-1 1,1 1-1,-1-1 0,1 0 1,0 1-1,-1-1 0,1 1 1,0-1-1,0 0 0,-1 1 1,1-1-1,0 0 0,0 1 1,0-1-1,0 0 1,0 0-1,0 1 0,0-1 1,0 0-1,0 1 0,0-1 1,0 0-1,0 1 0,1-1 1,-1 0-1,0 1 0,0-1 1,1 0-1,10-24-118,-8 22 132,0-1 0,0 1 0,0 0 0,0 0 0,0 0 0,1 0-1,0 1 1,-1-1 0,1 1 0,0 0 0,0 0 0,0 0 0,0 1-1,0-1 1,1 1 0,7-1 0,-5 1 22,0 1 0,-1 0 0,1 1 0,-1 0 0,1 0 0,-1 0 0,1 1 0,-1 0 0,0 0 0,8 4 0,10 8 86,0 0 1,-1 1 0,-1 2-1,26 24 1,-38-33-106,58 58 266,-53-49-238,0-2 1,1 0 0,1 0-1,0-2 1,1 0 0,1-1-1,27 14 1,42 19-930,-82-42 1413,21 8-8258,-14-13 2264,-3-4 5119,4-6-1735</inkml:trace>
+</inkml:ink>
+</file>
+
+<file path=ppt/ink/ink37.xml><?xml version="1.0" encoding="utf-8"?>
+<inkml:ink xmlns:inkml="http://www.w3.org/2003/InkML">
+  <inkml:definitions>
+    <inkml:context xml:id="ctx0">
+      <inkml:inkSource xml:id="inkSrc0">
+        <inkml:traceFormat>
+          <inkml:channel name="X" type="integer" min="-2.14748E9" max="2.14748E9" units="cm"/>
+          <inkml:channel name="Y" type="integer" min="-2.14748E9" max="2.14748E9" units="cm"/>
+          <inkml:channel name="F" type="integer" max="32767" units="dev"/>
+        </inkml:traceFormat>
+        <inkml:channelProperties>
+          <inkml:channelProperty channel="X" name="resolution" value="1000" units="1/cm"/>
+          <inkml:channelProperty channel="Y" name="resolution" value="1000" units="1/cm"/>
+          <inkml:channelProperty channel="F" name="resolution" value="0" units="1/dev"/>
+        </inkml:channelProperties>
+      </inkml:inkSource>
+      <inkml:timestamp xml:id="ts0" timeString="2025-02-21T14:55:41.290"/>
+    </inkml:context>
+    <inkml:brush xml:id="br0">
+      <inkml:brushProperty name="width" value="0.1" units="cm"/>
+      <inkml:brushProperty name="height" value="0.1" units="cm"/>
+      <inkml:brushProperty name="color" value="#E71224"/>
+    </inkml:brush>
+  </inkml:definitions>
+  <inkml:trace contextRef="#ctx0" brushRef="#br0">0 122 10040,'5'26'0,"-5"-23"56,1 1 0,-1-1-1,1 1 1,0 0 0,0-1 0,0 1-1,1-1 1,-1 0 0,1 1-1,3 3 1,-5-6-4,1-1 0,-1 0 0,0 0 0,1 0 1,-1 0-1,1 1 0,-1-1 0,1 0 0,-1 0 0,1 0 0,-1 0 0,0 0 0,1 0 1,-1 0-1,1 0 0,-1 0 0,1-1 0,-1 1 0,1 0 0,-1 0 0,0 0 0,1 0 1,-1-1-1,1 1 0,-1 0 0,0 0 0,1-1 0,-1 1 0,0 0 0,1-1 0,-1 1 1,1-1-1,16-15 36,-11 10 261,9-4-256,0 1 0,0 0 0,1 1 0,0 1 0,0 0-1,1 1 1,20-4 0,17-8-58,0 2 4,1 3 1,0 2-1,97-6 0,23-4-224,-163 19 302,0 2 1,0-1-1,16 2 1,1 1 38,-20-4-3488</inkml:trace>
+</inkml:ink>
+</file>
+
+<file path=ppt/ink/ink38.xml><?xml version="1.0" encoding="utf-8"?>
+<inkml:ink xmlns:inkml="http://www.w3.org/2003/InkML">
+  <inkml:definitions>
+    <inkml:context xml:id="ctx0">
+      <inkml:inkSource xml:id="inkSrc0">
+        <inkml:traceFormat>
+          <inkml:channel name="X" type="integer" min="-2.14748E9" max="2.14748E9" units="cm"/>
+          <inkml:channel name="Y" type="integer" min="-2.14748E9" max="2.14748E9" units="cm"/>
+          <inkml:channel name="F" type="integer" max="32767" units="dev"/>
+        </inkml:traceFormat>
+        <inkml:channelProperties>
+          <inkml:channelProperty channel="X" name="resolution" value="1000" units="1/cm"/>
+          <inkml:channelProperty channel="Y" name="resolution" value="1000" units="1/cm"/>
+          <inkml:channelProperty channel="F" name="resolution" value="0" units="1/dev"/>
+        </inkml:channelProperties>
+      </inkml:inkSource>
+      <inkml:timestamp xml:id="ts0" timeString="2025-02-21T14:55:41.589"/>
+    </inkml:context>
+    <inkml:brush xml:id="br0">
+      <inkml:brushProperty name="width" value="0.1" units="cm"/>
+      <inkml:brushProperty name="height" value="0.1" units="cm"/>
+      <inkml:brushProperty name="color" value="#E71224"/>
+    </inkml:brush>
+  </inkml:definitions>
+  <inkml:trace contextRef="#ctx0" brushRef="#br0">1 7 8344,'118'-7'2113,"-115"7"-1586,-25 6 327,19-4-733,0 0-1,0-1 1,0 1-1,0 1 1,0-1-1,0 0 1,1 1-1,-1-1 1,1 1-1,-1 0 1,1 0-1,0 0 1,0 0-1,1 0 1,-1 1-1,1-1 1,-1 0-1,1 1 1,0-1-1,0 1 1,0-1-1,0 8 0,0 7 189,1 1-1,0-1 1,5 28-1,-3-28 18,53 421 2064,-47-406-2291,-5-27-199,-2 0 1,1 1 0,-1-1-1,1 14 1,12-8-5897</inkml:trace>
+</inkml:ink>
+</file>
+
+<file path=ppt/ink/ink39.xml><?xml version="1.0" encoding="utf-8"?>
+<inkml:ink xmlns:inkml="http://www.w3.org/2003/InkML">
+  <inkml:definitions>
+    <inkml:context xml:id="ctx0">
+      <inkml:inkSource xml:id="inkSrc0">
+        <inkml:traceFormat>
+          <inkml:channel name="X" type="integer" min="-2.14748E9" max="2.14748E9" units="cm"/>
+          <inkml:channel name="Y" type="integer" min="-2.14748E9" max="2.14748E9" units="cm"/>
+          <inkml:channel name="F" type="integer" max="32767" units="dev"/>
+        </inkml:traceFormat>
+        <inkml:channelProperties>
+          <inkml:channelProperty channel="X" name="resolution" value="1000" units="1/cm"/>
+          <inkml:channelProperty channel="Y" name="resolution" value="1000" units="1/cm"/>
+          <inkml:channelProperty channel="F" name="resolution" value="0" units="1/dev"/>
+        </inkml:channelProperties>
+      </inkml:inkSource>
+      <inkml:timestamp xml:id="ts0" timeString="2025-02-21T14:55:41.810"/>
+    </inkml:context>
+    <inkml:brush xml:id="br0">
+      <inkml:brushProperty name="width" value="0.1" units="cm"/>
+      <inkml:brushProperty name="height" value="0.1" units="cm"/>
+      <inkml:brushProperty name="color" value="#E71224"/>
+    </inkml:brush>
+  </inkml:definitions>
+  <inkml:trace contextRef="#ctx0" brushRef="#br0">48 1 992,'0'0'0,"-14"19"0,-12 13 0,19-18 8,7-6 0,11-22-8,-1 0-280</inkml:trace>
+</inkml:ink>
+</file>
+
+<file path=ppt/ink/ink4.xml><?xml version="1.0" encoding="utf-8"?>
+<inkml:ink xmlns:inkml="http://www.w3.org/2003/InkML">
+  <inkml:definitions>
+    <inkml:context xml:id="ctx0">
+      <inkml:inkSource xml:id="inkSrc0">
+        <inkml:traceFormat>
+          <inkml:channel name="X" type="integer" min="-2.14748E9" max="2.14748E9" units="cm"/>
+          <inkml:channel name="Y" type="integer" min="-2.14748E9" max="2.14748E9" units="cm"/>
+          <inkml:channel name="F" type="integer" max="32767" units="dev"/>
+        </inkml:traceFormat>
+        <inkml:channelProperties>
+          <inkml:channelProperty channel="X" name="resolution" value="1000" units="1/cm"/>
+          <inkml:channelProperty channel="Y" name="resolution" value="1000" units="1/cm"/>
+          <inkml:channelProperty channel="F" name="resolution" value="0" units="1/dev"/>
+        </inkml:channelProperties>
+      </inkml:inkSource>
+      <inkml:timestamp xml:id="ts0" timeString="2025-02-21T14:54:23.663"/>
+    </inkml:context>
+    <inkml:brush xml:id="br0">
+      <inkml:brushProperty name="width" value="0.1" units="cm"/>
+      <inkml:brushProperty name="height" value="0.1" units="cm"/>
+    </inkml:brush>
+  </inkml:definitions>
+  <inkml:trace contextRef="#ctx0" brushRef="#br0">292 105 1080,'2'0'150,"0"0"-1,0 0 1,1-1-1,-1 1 1,0 0-1,0-1 1,0 1-1,0-1 1,0 0-1,0 0 1,0 0-1,0 0 1,0 0-1,0 0 1,0-1 0,-1 1-1,1 0 1,0-1-1,-1 0 1,1 1-1,-1-1 1,0 0-1,2-2 1,3-4 634,-1 1-1,0 0 1,-1-1 0,6-13 1196,-9 25-1931,-1-1 0,1 1 0,-1 0 0,0-1 1,0 1-1,0 0 0,-2 4 0,2-2 28,-14 106 12,6-60-18,0 68 0,5-55 458,-2 0 0,-18 85 0,7-75-215,-17 114 1013,31-171-1113,-2 0 0,-10 34-1,-3 14 2664,-1-112-2391,12 22-397,1 0 1,2 0 0,0 0-1,1-40 1,14-98-50,-1 38-186,6-70 271,2-24 105,-12 170-198,-5 41 17,0-1 1,-1 1 0,0-1 0,-1 0 0,1 1-1,-2-13 1,0 14-27,0 5-4,1 0 0,0-1 1,-1 1-1,1-1 0,0 1 1,0 0-1,0-1 1,0 1-1,0-1 0,0 1 1,0-1-1,0 1 1,1-1-1,-1 1 0,0 0 1,2-3 295,313 26-3429,-289-19 3129,0 1 1,-1 1 0,1 1-1,-1 2 1,-1 0 0,1 1-1,-1 2 1,24 14 0,13 14-76,-24-14 41,-1 2 1,50 47-1,-69-57 27,-1 1 0,0 1 1,-1 0-1,-2 0 0,0 2 0,20 40 0,-24-39-37,-1 1 1,0 0-1,7 41 0,-14-55 70,0-1 1,0 1-1,-1-1 0,0 1 1,0-1-1,-1 1 1,0-1-1,-1 1 0,1-1 1,-2 0-1,1 0 0,-1 0 1,-1 0-1,-3 8 0,2-10-1,0 0-1,0 0 1,0 0-1,-1-1 1,0 0-1,0 0 1,0 0-1,-1-1 0,0 1 1,1-2-1,-2 1 1,-10 3-1,-11 4 75,-54 10-1,63-16-7,-251 46 627,233-47-576,1-1 1,-1-3-1,0-1 0,1-2 1,-50-9-1,7-5-54,0 4 0,-125-6 0,156 23-1368</inkml:trace>
+</inkml:ink>
+</file>
+
+<file path=ppt/ink/ink40.xml><?xml version="1.0" encoding="utf-8"?>
+<inkml:ink xmlns:inkml="http://www.w3.org/2003/InkML">
+  <inkml:definitions>
+    <inkml:context xml:id="ctx0">
+      <inkml:inkSource xml:id="inkSrc0">
+        <inkml:traceFormat>
+          <inkml:channel name="X" type="integer" min="-2.14748E9" max="2.14748E9" units="cm"/>
+          <inkml:channel name="Y" type="integer" min="-2.14748E9" max="2.14748E9" units="cm"/>
+          <inkml:channel name="F" type="integer" max="32767" units="dev"/>
+        </inkml:traceFormat>
+        <inkml:channelProperties>
+          <inkml:channelProperty channel="X" name="resolution" value="1000" units="1/cm"/>
+          <inkml:channelProperty channel="Y" name="resolution" value="1000" units="1/cm"/>
+          <inkml:channelProperty channel="F" name="resolution" value="0" units="1/dev"/>
+        </inkml:channelProperties>
+      </inkml:inkSource>
+      <inkml:timestamp xml:id="ts0" timeString="2025-02-21T14:55:42.004"/>
+    </inkml:context>
+    <inkml:brush xml:id="br0">
+      <inkml:brushProperty name="width" value="0.1" units="cm"/>
+      <inkml:brushProperty name="height" value="0.1" units="cm"/>
+      <inkml:brushProperty name="color" value="#E71224"/>
+    </inkml:brush>
+  </inkml:definitions>
+  <inkml:trace contextRef="#ctx0" brushRef="#br0">0 1 992,'0'0'17289,"4"13"-15997,9 70-845,15 66-477,-16-95 42,-3 1-1,2 64 1,-7-57-180,17 81 0,-12-116 82,1-1-952,-8-10-2866</inkml:trace>
+</inkml:ink>
+</file>
+
+<file path=ppt/ink/ink41.xml><?xml version="1.0" encoding="utf-8"?>
+<inkml:ink xmlns:inkml="http://www.w3.org/2003/InkML">
+  <inkml:definitions>
+    <inkml:context xml:id="ctx0">
+      <inkml:inkSource xml:id="inkSrc0">
+        <inkml:traceFormat>
+          <inkml:channel name="X" type="integer" min="-2.14748E9" max="2.14748E9" units="cm"/>
+          <inkml:channel name="Y" type="integer" min="-2.14748E9" max="2.14748E9" units="cm"/>
+          <inkml:channel name="F" type="integer" max="32767" units="dev"/>
+        </inkml:traceFormat>
+        <inkml:channelProperties>
+          <inkml:channelProperty channel="X" name="resolution" value="1000" units="1/cm"/>
+          <inkml:channelProperty channel="Y" name="resolution" value="1000" units="1/cm"/>
+          <inkml:channelProperty channel="F" name="resolution" value="0" units="1/dev"/>
+        </inkml:channelProperties>
+      </inkml:inkSource>
+      <inkml:timestamp xml:id="ts0" timeString="2025-02-21T14:55:42.508"/>
+    </inkml:context>
+    <inkml:brush xml:id="br0">
+      <inkml:brushProperty name="width" value="0.1" units="cm"/>
+      <inkml:brushProperty name="height" value="0.1" units="cm"/>
+      <inkml:brushProperty name="color" value="#E71224"/>
+    </inkml:brush>
+  </inkml:definitions>
+  <inkml:trace contextRef="#ctx0" brushRef="#br0">419 1 13000,'-14'17'4367,"10"-18"-4220,-7-3-59,0 1 0,-1 0 0,1 1 0,-1 0 0,0 1 0,1 0 0,-1 1 1,0 1-1,0-1 0,0 2 0,1 0 0,-18 5 0,16-4 12,0 1 0,0 1 0,0 0 0,0 1 0,1 0 0,0 1 0,1 1 0,-1 0 0,1 0 0,-17 17 0,19-14-123,0 0 0,1 1 0,0 0 0,1 1 0,1-1 0,-1 1-1,2 0 1,0 1 0,1 0 0,0 0 0,1 0 0,0 0-1,1 0 1,1 0 0,0 1 0,1-1 0,1 0 0,0 1 0,5 20-1,-4-24 6,1 0-1,0 0 0,1 0 0,0 0 1,1 0-1,0-1 0,1 0 0,0 0 1,1 0-1,-1-1 0,2 0 0,-1 0 1,2-1-1,-1 0 0,1 0 0,0-1 1,0 0-1,1-1 0,0 0 0,0-1 0,1 0 1,-1 0-1,1-1 0,18 5 0,-16-7-62,0 0 0,0-1 0,0 0 0,0-1 0,0 0 0,0-1-1,0 0 1,0-1 0,0-1 0,0 0 0,-1-1 0,1 0-1,-1-1 1,15-8 0,14-9-1385,0-6-3772,-22 14-1588</inkml:trace>
+</inkml:ink>
+</file>
+
+<file path=ppt/ink/ink42.xml><?xml version="1.0" encoding="utf-8"?>
+<inkml:ink xmlns:inkml="http://www.w3.org/2003/InkML">
+  <inkml:definitions>
+    <inkml:context xml:id="ctx0">
+      <inkml:inkSource xml:id="inkSrc0">
+        <inkml:traceFormat>
+          <inkml:channel name="X" type="integer" min="-2.14748E9" max="2.14748E9" units="cm"/>
+          <inkml:channel name="Y" type="integer" min="-2.14748E9" max="2.14748E9" units="cm"/>
+          <inkml:channel name="F" type="integer" max="32767" units="dev"/>
+        </inkml:traceFormat>
+        <inkml:channelProperties>
+          <inkml:channelProperty channel="X" name="resolution" value="1000" units="1/cm"/>
+          <inkml:channelProperty channel="Y" name="resolution" value="1000" units="1/cm"/>
+          <inkml:channelProperty channel="F" name="resolution" value="0" units="1/dev"/>
+        </inkml:channelProperties>
+      </inkml:inkSource>
+      <inkml:timestamp xml:id="ts0" timeString="2025-02-21T14:55:42.855"/>
+    </inkml:context>
+    <inkml:brush xml:id="br0">
+      <inkml:brushProperty name="width" value="0.1" units="cm"/>
+      <inkml:brushProperty name="height" value="0.1" units="cm"/>
+      <inkml:brushProperty name="color" value="#E71224"/>
+    </inkml:brush>
+  </inkml:definitions>
+  <inkml:trace contextRef="#ctx0" brushRef="#br0">53 0 1624,'-20'14'623,"-13"5"1754,48-28 2854,-12 6-4557,1 0 0,0 1 1,0-1-1,0 1 1,11-4 1066,-14 11-675,21 216 777,-7-54-1285,-9-131-342,11 39-1,1 3-100,-10-21-17,-7-38-520,2 0-1,1 0 0,0 0 0,7 19 0,-4-17-2884</inkml:trace>
+</inkml:ink>
+</file>
+
+<file path=ppt/ink/ink43.xml><?xml version="1.0" encoding="utf-8"?>
+<inkml:ink xmlns:inkml="http://www.w3.org/2003/InkML">
+  <inkml:definitions>
+    <inkml:context xml:id="ctx0">
+      <inkml:inkSource xml:id="inkSrc0">
+        <inkml:traceFormat>
+          <inkml:channel name="X" type="integer" min="-2.14748E9" max="2.14748E9" units="cm"/>
+          <inkml:channel name="Y" type="integer" min="-2.14748E9" max="2.14748E9" units="cm"/>
+          <inkml:channel name="F" type="integer" max="32767" units="dev"/>
+        </inkml:traceFormat>
+        <inkml:channelProperties>
+          <inkml:channelProperty channel="X" name="resolution" value="1000" units="1/cm"/>
+          <inkml:channelProperty channel="Y" name="resolution" value="1000" units="1/cm"/>
+          <inkml:channelProperty channel="F" name="resolution" value="0" units="1/dev"/>
+        </inkml:channelProperties>
+      </inkml:inkSource>
+      <inkml:timestamp xml:id="ts0" timeString="2025-02-21T14:55:43.158"/>
+    </inkml:context>
+    <inkml:brush xml:id="br0">
+      <inkml:brushProperty name="width" value="0.1" units="cm"/>
+      <inkml:brushProperty name="height" value="0.1" units="cm"/>
+      <inkml:brushProperty name="color" value="#E71224"/>
+    </inkml:brush>
+  </inkml:definitions>
+  <inkml:trace contextRef="#ctx0" brushRef="#br0">1 119 10488,'4'3'83,"0"-1"0,1 1 0,0 0 0,-1-1 0,1 0 0,0 0 1,0-1-1,0 1 0,0-1 0,0 0 0,0 0 0,0-1 0,0 0 1,1 0-1,7-1 0,12-1 932,50-13 1,-35 7-656,259-60 124,-252 54-1616,0 2 0,55-7 0,-84 18-301,9 0-4927</inkml:trace>
+</inkml:ink>
+</file>
+
+<file path=ppt/ink/ink44.xml><?xml version="1.0" encoding="utf-8"?>
+<inkml:ink xmlns:inkml="http://www.w3.org/2003/InkML">
+  <inkml:definitions>
+    <inkml:context xml:id="ctx0">
+      <inkml:inkSource xml:id="inkSrc0">
+        <inkml:traceFormat>
+          <inkml:channel name="X" type="integer" min="-2.14748E9" max="2.14748E9" units="cm"/>
+          <inkml:channel name="Y" type="integer" min="-2.14748E9" max="2.14748E9" units="cm"/>
+          <inkml:channel name="F" type="integer" max="32767" units="dev"/>
+        </inkml:traceFormat>
+        <inkml:channelProperties>
+          <inkml:channelProperty channel="X" name="resolution" value="1000" units="1/cm"/>
+          <inkml:channelProperty channel="Y" name="resolution" value="1000" units="1/cm"/>
+          <inkml:channelProperty channel="F" name="resolution" value="0" units="1/dev"/>
+        </inkml:channelProperties>
+      </inkml:inkSource>
+      <inkml:timestamp xml:id="ts0" timeString="2025-02-21T14:55:43.474"/>
+    </inkml:context>
+    <inkml:brush xml:id="br0">
+      <inkml:brushProperty name="width" value="0.1" units="cm"/>
+      <inkml:brushProperty name="height" value="0.1" units="cm"/>
+      <inkml:brushProperty name="color" value="#E71224"/>
+    </inkml:brush>
+  </inkml:definitions>
+  <inkml:trace contextRef="#ctx0" brushRef="#br0">0 14 992,'32'-7'1,"-24"4"0,0 1 0,0 1 0,29 19 15945,-41-8-12884,2 1-5831,3 18 3220,1 1-1,2-1 0,0 1 0,3-1 1,18 55-1,-12-43-315,14 79 0,-15 25-801,-10-98 83,3-28 602,-1-1-1309</inkml:trace>
+</inkml:ink>
+</file>
+
+<file path=ppt/ink/ink45.xml><?xml version="1.0" encoding="utf-8"?>
+<inkml:ink xmlns:inkml="http://www.w3.org/2003/InkML">
+  <inkml:definitions>
+    <inkml:context xml:id="ctx0">
+      <inkml:inkSource xml:id="inkSrc0">
+        <inkml:traceFormat>
+          <inkml:channel name="X" type="integer" min="-2.14748E9" max="2.14748E9" units="cm"/>
+          <inkml:channel name="Y" type="integer" min="-2.14748E9" max="2.14748E9" units="cm"/>
+          <inkml:channel name="F" type="integer" max="32767" units="dev"/>
+        </inkml:traceFormat>
+        <inkml:channelProperties>
+          <inkml:channelProperty channel="X" name="resolution" value="1000" units="1/cm"/>
+          <inkml:channelProperty channel="Y" name="resolution" value="1000" units="1/cm"/>
+          <inkml:channelProperty channel="F" name="resolution" value="0" units="1/dev"/>
+        </inkml:channelProperties>
+      </inkml:inkSource>
+      <inkml:timestamp xml:id="ts0" timeString="2025-02-21T14:55:44.156"/>
+    </inkml:context>
+    <inkml:brush xml:id="br0">
+      <inkml:brushProperty name="width" value="0.1" units="cm"/>
+      <inkml:brushProperty name="height" value="0.1" units="cm"/>
+      <inkml:brushProperty name="color" value="#E71224"/>
+    </inkml:brush>
+  </inkml:definitions>
+  <inkml:trace contextRef="#ctx0" brushRef="#br0">1 108 992,'0'0'9378,"10"9"-6983,0 5-1957,-1-1 0,0 1-1,-1 1 1,0 0 0,-1 0 0,7 22 0,-5-13-71,17 32 1,-16-39-395,0 0 1,1 0-1,1-1 1,17 17-1,-23-27 10,0-1 0,0 0 0,0 0 0,1 0 0,-1-1 0,1 0 0,0-1 0,1 1 0,-1-1 0,1 0 0,-1-1 0,1 0 0,8 1 0,-8-3-124,0 0 0,0-1 1,-1 0-1,1 0 0,0-1 0,-1 0 0,0 0 0,1-1 0,-1 0 1,0 0-1,0-1 0,0 0 0,-1 0 0,1 0 0,-1-1 0,6-5 1,-6 3-72,1 0 1,-1-1 0,0 1-1,-1-1 1,0 0 0,0 0-1,7-18 1,17-65-659,-20 60 952,-3 11 31,-1-1 0,-1-1 1,1-24-1,-4 32 591,-1-1 0,-1 1 1,0-1-1,-1 1 0,-5-22 1,3 29 551,2 10-446,-4 22-165,-2 49-712,7-60 337,-10 275 1257,3-27-831,6-232-600,5 44 0,-1-46-84,-3 50 0,1-69 732</inkml:trace>
+</inkml:ink>
+</file>
+
+<file path=ppt/ink/ink5.xml><?xml version="1.0" encoding="utf-8"?>
+<inkml:ink xmlns:inkml="http://www.w3.org/2003/InkML">
+  <inkml:definitions>
+    <inkml:context xml:id="ctx0">
+      <inkml:inkSource xml:id="inkSrc0">
+        <inkml:traceFormat>
+          <inkml:channel name="X" type="integer" min="-2.14748E9" max="2.14748E9" units="cm"/>
+          <inkml:channel name="Y" type="integer" min="-2.14748E9" max="2.14748E9" units="cm"/>
+          <inkml:channel name="F" type="integer" max="32767" units="dev"/>
+        </inkml:traceFormat>
+        <inkml:channelProperties>
+          <inkml:channelProperty channel="X" name="resolution" value="1000" units="1/cm"/>
+          <inkml:channelProperty channel="Y" name="resolution" value="1000" units="1/cm"/>
+          <inkml:channelProperty channel="F" name="resolution" value="0" units="1/dev"/>
+        </inkml:channelProperties>
+      </inkml:inkSource>
+      <inkml:timestamp xml:id="ts0" timeString="2025-02-21T14:54:24.285"/>
+    </inkml:context>
+    <inkml:brush xml:id="br0">
+      <inkml:brushProperty name="width" value="0.1" units="cm"/>
+      <inkml:brushProperty name="height" value="0.1" units="cm"/>
+    </inkml:brush>
+  </inkml:definitions>
+  <inkml:trace contextRef="#ctx0" brushRef="#br0">191 0 7000,'-12'13'129,"9"-10"-18,-1-1 1,1 1-1,1 0 1,-1 0-1,0 1 1,1-1-1,-1 0 1,1 1 0,0 0-1,0-1 1,1 1-1,-1 0 1,1 0-1,0 0 1,0 0-1,-1 5 1,4-10 174,0 0 0,-1 1-1,1-1 1,0 1 0,-1-1 0,1 1-1,0 0 1,0-1 0,0 1 0,0 0 0,-1 0-1,1 1 1,0-1 0,3 1 0,-3 9-237,-1 1 1,0 0-1,0 0 1,-1-1-1,0 1 1,-1 0-1,0 0 1,-1-1 0,-5 16-1,-5 15 83,-21 44 1,18-50 59,-12 45 0,-1 39 606,7 2 1,-7 124-1,26-210-484,2 1 0,2 0-1,1-1 1,2 1-1,14 54 1,-15-77-250,1 1 1,0-1 0,14 25-1,-18-36 13,1 0 0,0 1 0,1-1 0,-1 0 0,0 0-1,1-1 1,-1 1 0,1 0 0,-1-1 0,1 0-1,0 1 1,0-1 0,5 1 0,40 9 242,-43-10-315,5 0 7,1 2 21,0-1 1,0-1-1,1 0 0,-1-1 0,1 0 1,-1 0-1,21-4 0,135-47-701,-135 39-139,-1-1 0,-1-1 0,37-24 0,-4-2-2790,-35 23-4962</inkml:trace>
+</inkml:ink>
+</file>
+
+<file path=ppt/ink/ink6.xml><?xml version="1.0" encoding="utf-8"?>
+<inkml:ink xmlns:inkml="http://www.w3.org/2003/InkML">
+  <inkml:definitions>
+    <inkml:context xml:id="ctx0">
+      <inkml:inkSource xml:id="inkSrc0">
+        <inkml:traceFormat>
+          <inkml:channel name="X" type="integer" min="-2.14748E9" max="2.14748E9" units="cm"/>
+          <inkml:channel name="Y" type="integer" min="-2.14748E9" max="2.14748E9" units="cm"/>
+          <inkml:channel name="F" type="integer" max="32767" units="dev"/>
+        </inkml:traceFormat>
+        <inkml:channelProperties>
+          <inkml:channelProperty channel="X" name="resolution" value="1000" units="1/cm"/>
+          <inkml:channelProperty channel="Y" name="resolution" value="1000" units="1/cm"/>
+          <inkml:channelProperty channel="F" name="resolution" value="0" units="1/dev"/>
+        </inkml:channelProperties>
+      </inkml:inkSource>
+      <inkml:timestamp xml:id="ts0" timeString="2025-02-21T14:54:24.695"/>
+    </inkml:context>
+    <inkml:brush xml:id="br0">
+      <inkml:brushProperty name="width" value="0.1" units="cm"/>
+      <inkml:brushProperty name="height" value="0.1" units="cm"/>
+    </inkml:brush>
+  </inkml:definitions>
+  <inkml:trace contextRef="#ctx0" brushRef="#br0">1 108 13448,'264'-14'2828,"-109"14"-2300,0-6 1,195-34 0,-131 10-1186,-124 18-2758,-51 6-5671</inkml:trace>
+</inkml:ink>
+</file>
+
+<file path=ppt/ink/ink7.xml><?xml version="1.0" encoding="utf-8"?>
+<inkml:ink xmlns:inkml="http://www.w3.org/2003/InkML">
+  <inkml:definitions>
+    <inkml:context xml:id="ctx0">
+      <inkml:inkSource xml:id="inkSrc0">
+        <inkml:traceFormat>
+          <inkml:channel name="X" type="integer" min="-2.14748E9" max="2.14748E9" units="cm"/>
+          <inkml:channel name="Y" type="integer" min="-2.14748E9" max="2.14748E9" units="cm"/>
+          <inkml:channel name="F" type="integer" max="32767" units="dev"/>
+        </inkml:traceFormat>
+        <inkml:channelProperties>
+          <inkml:channelProperty channel="X" name="resolution" value="1000" units="1/cm"/>
+          <inkml:channelProperty channel="Y" name="resolution" value="1000" units="1/cm"/>
+          <inkml:channelProperty channel="F" name="resolution" value="0" units="1/dev"/>
+        </inkml:channelProperties>
+      </inkml:inkSource>
+      <inkml:timestamp xml:id="ts0" timeString="2025-02-21T14:54:26.744"/>
+    </inkml:context>
+    <inkml:brush xml:id="br0">
+      <inkml:brushProperty name="width" value="0.1" units="cm"/>
+      <inkml:brushProperty name="height" value="0.1" units="cm"/>
+    </inkml:brush>
+  </inkml:definitions>
+  <inkml:trace contextRef="#ctx0" brushRef="#br0">557 1 2160,'-28'3'10660,"24"1"-10666,-21 24 15,3 0 0,-24 38 0,-6 8 147,29-44 210,0 1 0,2 1 0,2 1 0,0 1 0,-14 40 0,-85 330 1440,88-288-1406,4-20 94,4 0-1,-15 167 0,29-140 182,8-119-673,0 0 0,1 1 0,-1-1 0,1 0 1,0 1-1,0-1 0,1 0 0,-1 0 0,1 0 0,3 5 0,1 4 2,9 17-810,1 0-1,2-1 1,36 45 0,-35-48-897,13 17-7950</inkml:trace>
+</inkml:ink>
+</file>
+
+<file path=ppt/ink/ink8.xml><?xml version="1.0" encoding="utf-8"?>
+<inkml:ink xmlns:inkml="http://www.w3.org/2003/InkML">
+  <inkml:definitions>
+    <inkml:context xml:id="ctx0">
+      <inkml:inkSource xml:id="inkSrc0">
+        <inkml:traceFormat>
+          <inkml:channel name="X" type="integer" min="-2.14748E9" max="2.14748E9" units="cm"/>
+          <inkml:channel name="Y" type="integer" min="-2.14748E9" max="2.14748E9" units="cm"/>
+          <inkml:channel name="F" type="integer" max="32767" units="dev"/>
+        </inkml:traceFormat>
+        <inkml:channelProperties>
+          <inkml:channelProperty channel="X" name="resolution" value="1000" units="1/cm"/>
+          <inkml:channelProperty channel="Y" name="resolution" value="1000" units="1/cm"/>
+          <inkml:channelProperty channel="F" name="resolution" value="0" units="1/dev"/>
+        </inkml:channelProperties>
+      </inkml:inkSource>
+      <inkml:timestamp xml:id="ts0" timeString="2025-02-21T14:54:27.477"/>
+    </inkml:context>
+    <inkml:brush xml:id="br0">
+      <inkml:brushProperty name="width" value="0.1" units="cm"/>
+      <inkml:brushProperty name="height" value="0.1" units="cm"/>
+    </inkml:brush>
+  </inkml:definitions>
+  <inkml:trace contextRef="#ctx0" brushRef="#br0">4 595 5296,'-1'-1'51,"1"1"0,0-1 0,0 1 0,0-1 0,0 1 0,0-1 0,0 1 1,0-1-1,1 1 0,-1-1 0,0 0 0,0 1 0,0-1 0,0 1 0,1 0 0,-1-1 0,0 1 0,0-1 1,1 1-1,-1-1 0,0 1 0,1 0 0,-1-1 0,1 1 0,-1-1 0,0 1 0,1 0 0,-1 0 0,1-1 1,-1 1-1,1 0 0,-1 0 0,1 0 0,0-1 0,11 16 3813,8 9-2874,-11-18-820,-1-1 0,1 0 0,0-1 0,1 0-1,-1 0 1,1-1 0,-1 0 0,1 0 0,0-1-1,0-1 1,0 0 0,0 0 0,18-1 0,4-2 104,1-1 1,60-15 0,-69 12-78,0-1 0,-1-1 0,1-2 0,-2 0 0,0-1 0,0-1-1,36-27 1,-41 26-202,-1 1-1,0-2 0,-1 0 1,-1-1-1,0 0 0,-1-1 1,12-20-1,-15 19 16,0 0 0,-1 0-1,-1-1 1,8-26 0,-13 32-101,0 1 0,-1-1 1,-1 1-1,1-1 0,-2 0 0,0 0 1,0 1-1,-4-21 0,2 23-35,0-1 1,0 0-1,-1 1 0,-1-1 0,1 1 0,-2 0 1,1 0-1,-1 1 0,0-1 0,-7-8 1,7 12 72,0 1 1,1-1-1,-2 1 1,1 0-1,0 0 1,-1 0-1,0 1 1,1 0-1,-1 0 1,-1 0-1,1 1 1,0 0-1,-1 0 1,1 1-1,-1 0 1,-7-1-1,-6 2-67,0 0 0,-1 1-1,1 2 1,0 0-1,1 1 1,-1 0 0,1 2-1,0 0 1,0 2 0,0 0-1,1 1 1,1 0 0,-1 2-1,-26 21 1,27-18 199,1 1 1,0 1-1,1 1 0,1 0 1,-13 20-1,-55 98 404,62-100-725,2 1 27,2 0-1,1 1 0,2 1 0,-11 49 0,21-75 54,3-11 112,0 0-1,0 1 1,0-1 0,0 1-1,0-1 1,0 1-1,0-1 1,0 1 0,1-1-1,-1 1 1,0-1 0,1 1-1,-1-1 1,1 0-1,0 1 1,0-1 0,-1 0-1,1 0 1,1 2 0,21 19-180,-16-15 214,1 1 12,0 0 1,1-1-1,0 0 1,0-1-1,15 8 1,-19-12 2,-1 0 0,1 0 0,0-1 0,0 1 0,0-1 0,0 0 0,0-1 0,1 0 0,-1 1 0,0-1 0,0-1 0,0 1 0,0-1 0,7-2 0,21-7-566,0-1 1,-1-2 0,-1-1-1,32-20 1,2 0-3874</inkml:trace>
+</inkml:ink>
+</file>
+
+<file path=ppt/ink/ink9.xml><?xml version="1.0" encoding="utf-8"?>
+<inkml:ink xmlns:inkml="http://www.w3.org/2003/InkML">
+  <inkml:definitions>
+    <inkml:context xml:id="ctx0">
+      <inkml:inkSource xml:id="inkSrc0">
+        <inkml:traceFormat>
+          <inkml:channel name="X" type="integer" min="-2.14748E9" max="2.14748E9" units="cm"/>
+          <inkml:channel name="Y" type="integer" min="-2.14748E9" max="2.14748E9" units="cm"/>
+          <inkml:channel name="F" type="integer" max="32767" units="dev"/>
+        </inkml:traceFormat>
+        <inkml:channelProperties>
+          <inkml:channelProperty channel="X" name="resolution" value="1000" units="1/cm"/>
+          <inkml:channelProperty channel="Y" name="resolution" value="1000" units="1/cm"/>
+          <inkml:channelProperty channel="F" name="resolution" value="0" units="1/dev"/>
+        </inkml:channelProperties>
+      </inkml:inkSource>
+      <inkml:timestamp xml:id="ts0" timeString="2025-02-21T14:54:27.845"/>
+    </inkml:context>
+    <inkml:brush xml:id="br0">
+      <inkml:brushProperty name="width" value="0.1" units="cm"/>
+      <inkml:brushProperty name="height" value="0.1" units="cm"/>
+    </inkml:brush>
+  </inkml:definitions>
+  <inkml:trace contextRef="#ctx0" brushRef="#br0">81 177 992,'4'-12'942,"1"0"0,12-22 1,2-2 1062,-18 32-1524,1 0 0,-1 0 0,0 0 0,0 0 0,0 0 1,0 0-1,-1 0 0,0 0 0,0 0 0,0 0 0,0 0 0,-2-10 1313,2 12-1569,0 1 0,0 0 0,0 0-1,0 0 1,0-1 0,0 1 0,0 0-1,0 0 1,-1 0 0,1 0 0,0-1-1,-1 1 1,1 0 0,-1 0 0,0-2-1,-5 8-223,0 0-1,1 0 1,0 0-1,0 1 0,0-1 1,0 1-1,1 1 0,0-1 1,1 0-1,-1 1 0,1 0 1,0 0-1,-2 10 1,-3 11 87,1 1 0,-3 31 0,-1 51 120,7 180-1,4-79-30,-19 470 527,16-636-533,1 11-3509</inkml:trace>
+</inkml:ink>
+</file>
+
+<file path=ppt/notesMasters/notesMaster1.xml><?xml version="1.0" encoding="utf-8"?>
+<p:notesMaster xmlns:a="http://schemas.openxmlformats.org/drawingml/2006/main" xmlns:r="http://schemas.openxmlformats.org/officeDocument/2006/relationships" xmlns:p="http://schemas.openxmlformats.org/presentationml/2006/main">
+  <p:cSld>
+    <p:bg>
+      <p:bgRef idx="1001">
+        <a:schemeClr val="bg1"/>
+      </p:bgRef>
+    </p:bg>
+    <p:spTree>
+      <p:nvGrpSpPr>
+        <p:cNvPr id="1" name=""/>
+        <p:cNvGrpSpPr/>
+        <p:nvPr/>
+      </p:nvGrpSpPr>
+      <p:grpSpPr>
+        <a:xfrm>
+          <a:off x="0" y="0"/>
+          <a:ext cx="0" cy="0"/>
+          <a:chOff x="0" y="0"/>
+          <a:chExt cx="0" cy="0"/>
+        </a:xfrm>
+      </p:grpSpPr>
+      <p:sp>
+        <p:nvSpPr>
+          <p:cNvPr id="2" name="Segnaposto intestazione 1"/>
+          <p:cNvSpPr>
+            <a:spLocks noGrp="1"/>
+          </p:cNvSpPr>
+          <p:nvPr>
+            <p:ph type="hdr" sz="quarter"/>
+          </p:nvPr>
+        </p:nvSpPr>
+        <p:spPr>
+          <a:xfrm>
+            <a:off x="0" y="0"/>
+            <a:ext cx="2971800" cy="458788"/>
+          </a:xfrm>
+          <a:prstGeom prst="rect">
+            <a:avLst/>
+          </a:prstGeom>
+        </p:spPr>
+        <p:txBody>
+          <a:bodyPr vert="horz" lIns="91440" tIns="45720" rIns="91440" bIns="45720" rtlCol="0"/>
+          <a:lstStyle>
+            <a:lvl1pPr algn="l">
+              <a:defRPr sz="1200"/>
+            </a:lvl1pPr>
+          </a:lstStyle>
+          <a:p>
+            <a:endParaRPr lang="en-GB"/>
+          </a:p>
+        </p:txBody>
+      </p:sp>
+      <p:sp>
+        <p:nvSpPr>
+          <p:cNvPr id="3" name="Segnaposto data 2"/>
+          <p:cNvSpPr>
+            <a:spLocks noGrp="1"/>
+          </p:cNvSpPr>
+          <p:nvPr>
+            <p:ph type="dt" idx="1"/>
+          </p:nvPr>
+        </p:nvSpPr>
+        <p:spPr>
+          <a:xfrm>
+            <a:off x="3884613" y="0"/>
+            <a:ext cx="2971800" cy="458788"/>
+          </a:xfrm>
+          <a:prstGeom prst="rect">
+            <a:avLst/>
+          </a:prstGeom>
+        </p:spPr>
+        <p:txBody>
+          <a:bodyPr vert="horz" lIns="91440" tIns="45720" rIns="91440" bIns="45720" rtlCol="0"/>
+          <a:lstStyle>
+            <a:lvl1pPr algn="r">
+              <a:defRPr sz="1200"/>
+            </a:lvl1pPr>
+          </a:lstStyle>
+          <a:p>
+            <a:fld id="{6106A675-3C6A-4987-A60A-2E33BCEB4C58}" type="datetimeFigureOut">
+              <a:rPr lang="en-GB" smtClean="0"/>
+              <a:t>21/02/2025</a:t>
+            </a:fld>
+            <a:endParaRPr lang="en-GB"/>
+          </a:p>
+        </p:txBody>
+      </p:sp>
+      <p:sp>
+        <p:nvSpPr>
+          <p:cNvPr id="4" name="Segnaposto immagine diapositiva 3"/>
+          <p:cNvSpPr>
+            <a:spLocks noGrp="1" noRot="1" noChangeAspect="1"/>
+          </p:cNvSpPr>
+          <p:nvPr>
+            <p:ph type="sldImg" idx="2"/>
+          </p:nvPr>
+        </p:nvSpPr>
+        <p:spPr>
+          <a:xfrm>
+            <a:off x="685800" y="1143000"/>
+            <a:ext cx="5486400" cy="3086100"/>
+          </a:xfrm>
+          <a:prstGeom prst="rect">
+            <a:avLst/>
+          </a:prstGeom>
+          <a:noFill/>
+          <a:ln w="12700">
+            <a:solidFill>
+              <a:prstClr val="black"/>
+            </a:solidFill>
+          </a:ln>
+        </p:spPr>
+        <p:txBody>
+          <a:bodyPr vert="horz" lIns="91440" tIns="45720" rIns="91440" bIns="45720" rtlCol="0" anchor="ctr"/>
+          <a:lstStyle/>
+          <a:p>
+            <a:endParaRPr lang="en-GB"/>
+          </a:p>
+        </p:txBody>
+      </p:sp>
+      <p:sp>
+        <p:nvSpPr>
+          <p:cNvPr id="5" name="Segnaposto note 4"/>
+          <p:cNvSpPr>
+            <a:spLocks noGrp="1"/>
+          </p:cNvSpPr>
+          <p:nvPr>
+            <p:ph type="body" sz="quarter" idx="3"/>
+          </p:nvPr>
+        </p:nvSpPr>
+        <p:spPr>
+          <a:xfrm>
+            <a:off x="685800" y="4400550"/>
+            <a:ext cx="5486400" cy="3600450"/>
+          </a:xfrm>
+          <a:prstGeom prst="rect">
+            <a:avLst/>
+          </a:prstGeom>
+        </p:spPr>
+        <p:txBody>
+          <a:bodyPr vert="horz" lIns="91440" tIns="45720" rIns="91440" bIns="45720" rtlCol="0"/>
+          <a:lstStyle/>
+          <a:p>
+            <a:pPr lvl="0"/>
+            <a:r>
+              <a:rPr lang="it-IT"/>
+              <a:t>Fare clic per modificare gli stili del testo dello schema</a:t>
+            </a:r>
+          </a:p>
+          <a:p>
+            <a:pPr lvl="1"/>
+            <a:r>
+              <a:rPr lang="it-IT"/>
+              <a:t>Secondo livello</a:t>
+            </a:r>
+          </a:p>
+          <a:p>
+            <a:pPr lvl="2"/>
+            <a:r>
+              <a:rPr lang="it-IT"/>
+              <a:t>Terzo livello</a:t>
+            </a:r>
+          </a:p>
+          <a:p>
+            <a:pPr lvl="3"/>
+            <a:r>
+              <a:rPr lang="it-IT"/>
+              <a:t>Quarto livello</a:t>
+            </a:r>
+          </a:p>
+          <a:p>
+            <a:pPr lvl="4"/>
+            <a:r>
+              <a:rPr lang="it-IT"/>
+              <a:t>Quinto livello</a:t>
+            </a:r>
+            <a:endParaRPr lang="en-GB"/>
+          </a:p>
+        </p:txBody>
+      </p:sp>
+      <p:sp>
+        <p:nvSpPr>
+          <p:cNvPr id="6" name="Segnaposto piè di pagina 5"/>
+          <p:cNvSpPr>
+            <a:spLocks noGrp="1"/>
+          </p:cNvSpPr>
+          <p:nvPr>
+            <p:ph type="ftr" sz="quarter" idx="4"/>
+          </p:nvPr>
+        </p:nvSpPr>
+        <p:spPr>
+          <a:xfrm>
+            <a:off x="0" y="8685213"/>
+            <a:ext cx="2971800" cy="458787"/>
+          </a:xfrm>
+          <a:prstGeom prst="rect">
+            <a:avLst/>
+          </a:prstGeom>
+        </p:spPr>
+        <p:txBody>
+          <a:bodyPr vert="horz" lIns="91440" tIns="45720" rIns="91440" bIns="45720" rtlCol="0" anchor="b"/>
+          <a:lstStyle>
+            <a:lvl1pPr algn="l">
+              <a:defRPr sz="1200"/>
+            </a:lvl1pPr>
+          </a:lstStyle>
+          <a:p>
+            <a:endParaRPr lang="en-GB"/>
+          </a:p>
+        </p:txBody>
+      </p:sp>
+      <p:sp>
+        <p:nvSpPr>
+          <p:cNvPr id="7" name="Segnaposto numero diapositiva 6"/>
+          <p:cNvSpPr>
+            <a:spLocks noGrp="1"/>
+          </p:cNvSpPr>
+          <p:nvPr>
+            <p:ph type="sldNum" sz="quarter" idx="5"/>
+          </p:nvPr>
+        </p:nvSpPr>
+        <p:spPr>
+          <a:xfrm>
+            <a:off x="3884613" y="8685213"/>
+            <a:ext cx="2971800" cy="458787"/>
+          </a:xfrm>
+          <a:prstGeom prst="rect">
+            <a:avLst/>
+          </a:prstGeom>
+        </p:spPr>
+        <p:txBody>
+          <a:bodyPr vert="horz" lIns="91440" tIns="45720" rIns="91440" bIns="45720" rtlCol="0" anchor="b"/>
+          <a:lstStyle>
+            <a:lvl1pPr algn="r">
+              <a:defRPr sz="1200"/>
+            </a:lvl1pPr>
+          </a:lstStyle>
+          <a:p>
+            <a:fld id="{1A2F76E1-2273-4A32-A13E-049AAE48B143}" type="slidenum">
+              <a:rPr lang="en-GB" smtClean="0"/>
+              <a:t>‹N›</a:t>
+            </a:fld>
+            <a:endParaRPr lang="en-GB"/>
+          </a:p>
+        </p:txBody>
+      </p:sp>
+    </p:spTree>
+    <p:extLst>
+      <p:ext uri="{BB962C8B-B14F-4D97-AF65-F5344CB8AC3E}">
+        <p14:creationId xmlns:p14="http://schemas.microsoft.com/office/powerpoint/2010/main" val="3388395932"/>
+      </p:ext>
+    </p:extLst>
+  </p:cSld>
+  <p:clrMap bg1="lt1" tx1="dk1" bg2="lt2" tx2="dk2" accent1="accent1" accent2="accent2" accent3="accent3" accent4="accent4" accent5="accent5" accent6="accent6" hlink="hlink" folHlink="folHlink"/>
+  <p:notesStyle>
+    <a:lvl1pPr marL="0" algn="l" defTabSz="914400" rtl="0" eaLnBrk="1" latinLnBrk="0" hangingPunct="1">
+      <a:defRPr sz="1200" kern="1200">
+        <a:solidFill>
+          <a:schemeClr val="tx1"/>
+        </a:solidFill>
+        <a:latin typeface="+mn-lt"/>
+        <a:ea typeface="+mn-ea"/>
+        <a:cs typeface="+mn-cs"/>
+      </a:defRPr>
+    </a:lvl1pPr>
+    <a:lvl2pPr marL="457200" algn="l" defTabSz="914400" rtl="0" eaLnBrk="1" latinLnBrk="0" hangingPunct="1">
+      <a:defRPr sz="1200" kern="1200">
+        <a:solidFill>
+          <a:schemeClr val="tx1"/>
+        </a:solidFill>
+        <a:latin typeface="+mn-lt"/>
+        <a:ea typeface="+mn-ea"/>
+        <a:cs typeface="+mn-cs"/>
+      </a:defRPr>
+    </a:lvl2pPr>
+    <a:lvl3pPr marL="914400" algn="l" defTabSz="914400" rtl="0" eaLnBrk="1" latinLnBrk="0" hangingPunct="1">
+      <a:defRPr sz="1200" kern="1200">
+        <a:solidFill>
+          <a:schemeClr val="tx1"/>
+        </a:solidFill>
+        <a:latin typeface="+mn-lt"/>
+        <a:ea typeface="+mn-ea"/>
+        <a:cs typeface="+mn-cs"/>
+      </a:defRPr>
+    </a:lvl3pPr>
+    <a:lvl4pPr marL="1371600" algn="l" defTabSz="914400" rtl="0" eaLnBrk="1" latinLnBrk="0" hangingPunct="1">
+      <a:defRPr sz="1200" kern="1200">
+        <a:solidFill>
+          <a:schemeClr val="tx1"/>
+        </a:solidFill>
+        <a:latin typeface="+mn-lt"/>
+        <a:ea typeface="+mn-ea"/>
+        <a:cs typeface="+mn-cs"/>
+      </a:defRPr>
+    </a:lvl4pPr>
+    <a:lvl5pPr marL="1828800" algn="l" defTabSz="914400" rtl="0" eaLnBrk="1" latinLnBrk="0" hangingPunct="1">
+      <a:defRPr sz="1200" kern="1200">
+        <a:solidFill>
+          <a:schemeClr val="tx1"/>
+        </a:solidFill>
+        <a:latin typeface="+mn-lt"/>
+        <a:ea typeface="+mn-ea"/>
+        <a:cs typeface="+mn-cs"/>
+      </a:defRPr>
+    </a:lvl5pPr>
+    <a:lvl6pPr marL="2286000" algn="l" defTabSz="914400" rtl="0" eaLnBrk="1" latinLnBrk="0" hangingPunct="1">
+      <a:defRPr sz="1200" kern="1200">
+        <a:solidFill>
+          <a:schemeClr val="tx1"/>
+        </a:solidFill>
+        <a:latin typeface="+mn-lt"/>
+        <a:ea typeface="+mn-ea"/>
+        <a:cs typeface="+mn-cs"/>
+      </a:defRPr>
+    </a:lvl6pPr>
+    <a:lvl7pPr marL="2743200" algn="l" defTabSz="914400" rtl="0" eaLnBrk="1" latinLnBrk="0" hangingPunct="1">
+      <a:defRPr sz="1200" kern="1200">
+        <a:solidFill>
+          <a:schemeClr val="tx1"/>
+        </a:solidFill>
+        <a:latin typeface="+mn-lt"/>
+        <a:ea typeface="+mn-ea"/>
+        <a:cs typeface="+mn-cs"/>
+      </a:defRPr>
+    </a:lvl7pPr>
+    <a:lvl8pPr marL="3200400" algn="l" defTabSz="914400" rtl="0" eaLnBrk="1" latinLnBrk="0" hangingPunct="1">
+      <a:defRPr sz="1200" kern="1200">
+        <a:solidFill>
+          <a:schemeClr val="tx1"/>
+        </a:solidFill>
+        <a:latin typeface="+mn-lt"/>
+        <a:ea typeface="+mn-ea"/>
+        <a:cs typeface="+mn-cs"/>
+      </a:defRPr>
+    </a:lvl8pPr>
+    <a:lvl9pPr marL="3657600" algn="l" defTabSz="914400" rtl="0" eaLnBrk="1" latinLnBrk="0" hangingPunct="1">
+      <a:defRPr sz="1200" kern="1200">
+        <a:solidFill>
+          <a:schemeClr val="tx1"/>
+        </a:solidFill>
+        <a:latin typeface="+mn-lt"/>
+        <a:ea typeface="+mn-ea"/>
+        <a:cs typeface="+mn-cs"/>
+      </a:defRPr>
+    </a:lvl9pPr>
+  </p:notesStyle>
+</p:notesMaster>
+</file>
+
+<file path=ppt/notesSlides/notesSlide1.xml><?xml version="1.0" encoding="utf-8"?>
+<p:notes xmlns:a="http://schemas.openxmlformats.org/drawingml/2006/main" xmlns:r="http://schemas.openxmlformats.org/officeDocument/2006/relationships" xmlns:p="http://schemas.openxmlformats.org/presentationml/2006/main">
+  <p:cSld>
+    <p:spTree>
+      <p:nvGrpSpPr>
+        <p:cNvPr id="1" name=""/>
+        <p:cNvGrpSpPr/>
+        <p:nvPr/>
+      </p:nvGrpSpPr>
+      <p:grpSpPr>
+        <a:xfrm>
+          <a:off x="0" y="0"/>
+          <a:ext cx="0" cy="0"/>
+          <a:chOff x="0" y="0"/>
+          <a:chExt cx="0" cy="0"/>
+        </a:xfrm>
+      </p:grpSpPr>
+      <p:sp>
+        <p:nvSpPr>
+          <p:cNvPr id="2" name="Segnaposto immagine diapositiva 1"/>
+          <p:cNvSpPr>
+            <a:spLocks noGrp="1" noRot="1" noChangeAspect="1"/>
+          </p:cNvSpPr>
+          <p:nvPr>
+            <p:ph type="sldImg"/>
+          </p:nvPr>
+        </p:nvSpPr>
+        <p:spPr/>
+      </p:sp>
+      <p:sp>
+        <p:nvSpPr>
+          <p:cNvPr id="3" name="Segnaposto note 2"/>
+          <p:cNvSpPr>
+            <a:spLocks noGrp="1"/>
+          </p:cNvSpPr>
+          <p:nvPr>
+            <p:ph type="body" idx="1"/>
+          </p:nvPr>
+        </p:nvSpPr>
+        <p:spPr/>
+        <p:txBody>
+          <a:bodyPr/>
+          <a:lstStyle/>
+          <a:p>
+            <a:endParaRPr lang="en-GB" dirty="0"/>
+          </a:p>
+        </p:txBody>
+      </p:sp>
+      <p:sp>
+        <p:nvSpPr>
+          <p:cNvPr id="4" name="Segnaposto numero diapositiva 3"/>
+          <p:cNvSpPr>
+            <a:spLocks noGrp="1"/>
+          </p:cNvSpPr>
+          <p:nvPr>
+            <p:ph type="sldNum" sz="quarter" idx="5"/>
+          </p:nvPr>
+        </p:nvSpPr>
+        <p:spPr/>
+        <p:txBody>
+          <a:bodyPr/>
+          <a:lstStyle/>
+          <a:p>
+            <a:fld id="{1A2F76E1-2273-4A32-A13E-049AAE48B143}" type="slidenum">
+              <a:rPr lang="en-GB" smtClean="0"/>
+              <a:t>6</a:t>
+            </a:fld>
+            <a:endParaRPr lang="en-GB"/>
+          </a:p>
+        </p:txBody>
+      </p:sp>
+    </p:spTree>
+    <p:extLst>
+      <p:ext uri="{BB962C8B-B14F-4D97-AF65-F5344CB8AC3E}">
+        <p14:creationId xmlns:p14="http://schemas.microsoft.com/office/powerpoint/2010/main" val="3154212721"/>
+      </p:ext>
+    </p:extLst>
+  </p:cSld>
+  <p:clrMapOvr>
+    <a:masterClrMapping/>
+  </p:clrMapOvr>
+</p:notes>
+</file>
+
+<file path=ppt/notesSlides/notesSlide2.xml><?xml version="1.0" encoding="utf-8"?>
+<p:notes xmlns:a="http://schemas.openxmlformats.org/drawingml/2006/main" xmlns:r="http://schemas.openxmlformats.org/officeDocument/2006/relationships" xmlns:p="http://schemas.openxmlformats.org/presentationml/2006/main">
+  <p:cSld>
+    <p:spTree>
+      <p:nvGrpSpPr>
+        <p:cNvPr id="1" name="">
+          <a:extLst>
+            <a:ext uri="{FF2B5EF4-FFF2-40B4-BE49-F238E27FC236}">
+              <a16:creationId xmlns:a16="http://schemas.microsoft.com/office/drawing/2014/main" id="{FCEB21B9-AA37-FB14-BF27-9AD509024E94}"/>
+            </a:ext>
+          </a:extLst>
+        </p:cNvPr>
+        <p:cNvGrpSpPr/>
+        <p:nvPr/>
+      </p:nvGrpSpPr>
+      <p:grpSpPr>
+        <a:xfrm>
+          <a:off x="0" y="0"/>
+          <a:ext cx="0" cy="0"/>
+          <a:chOff x="0" y="0"/>
+          <a:chExt cx="0" cy="0"/>
+        </a:xfrm>
+      </p:grpSpPr>
+      <p:sp>
+        <p:nvSpPr>
+          <p:cNvPr id="2" name="Segnaposto immagine diapositiva 1">
+            <a:extLst>
+              <a:ext uri="{FF2B5EF4-FFF2-40B4-BE49-F238E27FC236}">
+                <a16:creationId xmlns:a16="http://schemas.microsoft.com/office/drawing/2014/main" id="{D9B93FF5-9E27-8071-FBF9-B1561889CE41}"/>
+              </a:ext>
+            </a:extLst>
+          </p:cNvPr>
+          <p:cNvSpPr>
+            <a:spLocks noGrp="1" noRot="1" noChangeAspect="1"/>
+          </p:cNvSpPr>
+          <p:nvPr>
+            <p:ph type="sldImg"/>
+          </p:nvPr>
+        </p:nvSpPr>
+        <p:spPr/>
+      </p:sp>
+      <p:sp>
+        <p:nvSpPr>
+          <p:cNvPr id="3" name="Segnaposto note 2">
+            <a:extLst>
+              <a:ext uri="{FF2B5EF4-FFF2-40B4-BE49-F238E27FC236}">
+                <a16:creationId xmlns:a16="http://schemas.microsoft.com/office/drawing/2014/main" id="{68DE129C-988B-AC6A-D446-48EB6376386E}"/>
+              </a:ext>
+            </a:extLst>
+          </p:cNvPr>
+          <p:cNvSpPr>
+            <a:spLocks noGrp="1"/>
+          </p:cNvSpPr>
+          <p:nvPr>
+            <p:ph type="body" idx="1"/>
+          </p:nvPr>
+        </p:nvSpPr>
+        <p:spPr/>
+        <p:txBody>
+          <a:bodyPr/>
+          <a:lstStyle/>
+          <a:p>
+            <a:r>
+              <a:rPr lang="it-IT" dirty="0"/>
+              <a:t>In </a:t>
+            </a:r>
+            <a:r>
+              <a:rPr lang="it-IT" dirty="0" err="1"/>
+              <a:t>stratified</a:t>
+            </a:r>
+            <a:r>
+              <a:rPr lang="it-IT" dirty="0"/>
+              <a:t> </a:t>
+            </a:r>
+            <a:r>
+              <a:rPr lang="it-IT" dirty="0" err="1"/>
+              <a:t>fluids</a:t>
+            </a:r>
+            <a:r>
+              <a:rPr lang="it-IT" dirty="0"/>
+              <a:t>, </a:t>
+            </a:r>
+            <a:r>
+              <a:rPr lang="it-IT" dirty="0" err="1"/>
+              <a:t>reduced</a:t>
+            </a:r>
+            <a:r>
+              <a:rPr lang="it-IT" dirty="0"/>
+              <a:t> </a:t>
+            </a:r>
+            <a:r>
+              <a:rPr lang="it-IT" dirty="0" err="1"/>
+              <a:t>gravity</a:t>
+            </a:r>
+            <a:r>
+              <a:rPr lang="it-IT" dirty="0"/>
+              <a:t> </a:t>
+            </a:r>
+            <a:r>
+              <a:rPr lang="it-IT" dirty="0" err="1"/>
+              <a:t>would</a:t>
+            </a:r>
+            <a:r>
+              <a:rPr lang="it-IT" dirty="0"/>
+              <a:t> </a:t>
+            </a:r>
+            <a:r>
+              <a:rPr lang="it-IT" dirty="0" err="1"/>
+              <a:t>appear</a:t>
+            </a:r>
+            <a:endParaRPr lang="en-GB" dirty="0"/>
+          </a:p>
+        </p:txBody>
+      </p:sp>
+      <p:sp>
+        <p:nvSpPr>
+          <p:cNvPr id="4" name="Segnaposto numero diapositiva 3">
+            <a:extLst>
+              <a:ext uri="{FF2B5EF4-FFF2-40B4-BE49-F238E27FC236}">
+                <a16:creationId xmlns:a16="http://schemas.microsoft.com/office/drawing/2014/main" id="{1BAAD8D7-9575-8CF7-667C-BDDC8EC20C16}"/>
+              </a:ext>
+            </a:extLst>
+          </p:cNvPr>
+          <p:cNvSpPr>
+            <a:spLocks noGrp="1"/>
+          </p:cNvSpPr>
+          <p:nvPr>
+            <p:ph type="sldNum" sz="quarter" idx="5"/>
+          </p:nvPr>
+        </p:nvSpPr>
+        <p:spPr/>
+        <p:txBody>
+          <a:bodyPr/>
+          <a:lstStyle/>
+          <a:p>
+            <a:fld id="{1A2F76E1-2273-4A32-A13E-049AAE48B143}" type="slidenum">
+              <a:rPr lang="en-GB" smtClean="0"/>
+              <a:t>7</a:t>
+            </a:fld>
+            <a:endParaRPr lang="en-GB"/>
+          </a:p>
+        </p:txBody>
+      </p:sp>
+    </p:spTree>
+    <p:extLst>
+      <p:ext uri="{BB962C8B-B14F-4D97-AF65-F5344CB8AC3E}">
+        <p14:creationId xmlns:p14="http://schemas.microsoft.com/office/powerpoint/2010/main" val="679738979"/>
+      </p:ext>
+    </p:extLst>
+  </p:cSld>
+  <p:clrMapOvr>
+    <a:masterClrMapping/>
+  </p:clrMapOvr>
+</p:notes>
 </file>
 
 <file path=ppt/slideLayouts/slideLayout1.xml><?xml version="1.0" encoding="utf-8"?>
@@ -260,7 +2103,7 @@
           <a:p>
             <a:fld id="{39910920-BC4E-4572-96AF-1DF7047D5DA2}" type="datetimeFigureOut">
               <a:rPr lang="it-IT" smtClean="0"/>
-              <a:t>20/02/2025</a:t>
+              <a:t>21/02/2025</a:t>
             </a:fld>
             <a:endParaRPr lang="it-IT"/>
           </a:p>
@@ -458,7 +2301,7 @@
           <a:p>
             <a:fld id="{39910920-BC4E-4572-96AF-1DF7047D5DA2}" type="datetimeFigureOut">
               <a:rPr lang="it-IT" smtClean="0"/>
-              <a:t>20/02/2025</a:t>
+              <a:t>21/02/2025</a:t>
             </a:fld>
             <a:endParaRPr lang="it-IT"/>
           </a:p>
@@ -666,7 +2509,7 @@
           <a:p>
             <a:fld id="{39910920-BC4E-4572-96AF-1DF7047D5DA2}" type="datetimeFigureOut">
               <a:rPr lang="it-IT" smtClean="0"/>
-              <a:t>20/02/2025</a:t>
+              <a:t>21/02/2025</a:t>
             </a:fld>
             <a:endParaRPr lang="it-IT"/>
           </a:p>
@@ -864,7 +2707,7 @@
           <a:p>
             <a:fld id="{39910920-BC4E-4572-96AF-1DF7047D5DA2}" type="datetimeFigureOut">
               <a:rPr lang="it-IT" smtClean="0"/>
-              <a:t>20/02/2025</a:t>
+              <a:t>21/02/2025</a:t>
             </a:fld>
             <a:endParaRPr lang="it-IT"/>
           </a:p>
@@ -1139,7 +2982,7 @@
           <a:p>
             <a:fld id="{39910920-BC4E-4572-96AF-1DF7047D5DA2}" type="datetimeFigureOut">
               <a:rPr lang="it-IT" smtClean="0"/>
-              <a:t>20/02/2025</a:t>
+              <a:t>21/02/2025</a:t>
             </a:fld>
             <a:endParaRPr lang="it-IT"/>
           </a:p>
@@ -1404,7 +3247,7 @@
           <a:p>
             <a:fld id="{39910920-BC4E-4572-96AF-1DF7047D5DA2}" type="datetimeFigureOut">
               <a:rPr lang="it-IT" smtClean="0"/>
-              <a:t>20/02/2025</a:t>
+              <a:t>21/02/2025</a:t>
             </a:fld>
             <a:endParaRPr lang="it-IT"/>
           </a:p>
@@ -1816,7 +3659,7 @@
           <a:p>
             <a:fld id="{39910920-BC4E-4572-96AF-1DF7047D5DA2}" type="datetimeFigureOut">
               <a:rPr lang="it-IT" smtClean="0"/>
-              <a:t>20/02/2025</a:t>
+              <a:t>21/02/2025</a:t>
             </a:fld>
             <a:endParaRPr lang="it-IT"/>
           </a:p>
@@ -1957,7 +3800,7 @@
           <a:p>
             <a:fld id="{39910920-BC4E-4572-96AF-1DF7047D5DA2}" type="datetimeFigureOut">
               <a:rPr lang="it-IT" smtClean="0"/>
-              <a:t>20/02/2025</a:t>
+              <a:t>21/02/2025</a:t>
             </a:fld>
             <a:endParaRPr lang="it-IT"/>
           </a:p>
@@ -2070,7 +3913,7 @@
           <a:p>
             <a:fld id="{39910920-BC4E-4572-96AF-1DF7047D5DA2}" type="datetimeFigureOut">
               <a:rPr lang="it-IT" smtClean="0"/>
-              <a:t>20/02/2025</a:t>
+              <a:t>21/02/2025</a:t>
             </a:fld>
             <a:endParaRPr lang="it-IT"/>
           </a:p>
@@ -2381,7 +4224,7 @@
           <a:p>
             <a:fld id="{39910920-BC4E-4572-96AF-1DF7047D5DA2}" type="datetimeFigureOut">
               <a:rPr lang="it-IT" smtClean="0"/>
-              <a:t>20/02/2025</a:t>
+              <a:t>21/02/2025</a:t>
             </a:fld>
             <a:endParaRPr lang="it-IT"/>
           </a:p>
@@ -2669,7 +4512,7 @@
           <a:p>
             <a:fld id="{39910920-BC4E-4572-96AF-1DF7047D5DA2}" type="datetimeFigureOut">
               <a:rPr lang="it-IT" smtClean="0"/>
-              <a:t>20/02/2025</a:t>
+              <a:t>21/02/2025</a:t>
             </a:fld>
             <a:endParaRPr lang="it-IT"/>
           </a:p>
@@ -2910,7 +4753,7 @@
           <a:p>
             <a:fld id="{39910920-BC4E-4572-96AF-1DF7047D5DA2}" type="datetimeFigureOut">
               <a:rPr lang="it-IT" smtClean="0"/>
-              <a:t>20/02/2025</a:t>
+              <a:t>21/02/2025</a:t>
             </a:fld>
             <a:endParaRPr lang="it-IT"/>
           </a:p>
@@ -3406,6 +5249,2617 @@
 </p:sld>
 </file>
 
+<file path=ppt/slides/slide10.xml><?xml version="1.0" encoding="utf-8"?>
+<p:sld xmlns:a="http://schemas.openxmlformats.org/drawingml/2006/main" xmlns:r="http://schemas.openxmlformats.org/officeDocument/2006/relationships" xmlns:p="http://schemas.openxmlformats.org/presentationml/2006/main">
+  <p:cSld>
+    <p:spTree>
+      <p:nvGrpSpPr>
+        <p:cNvPr id="1" name="">
+          <a:extLst>
+            <a:ext uri="{FF2B5EF4-FFF2-40B4-BE49-F238E27FC236}">
+              <a16:creationId xmlns:a16="http://schemas.microsoft.com/office/drawing/2014/main" id="{C6D9791E-245E-24EF-38E0-43F568978A81}"/>
+            </a:ext>
+          </a:extLst>
+        </p:cNvPr>
+        <p:cNvGrpSpPr/>
+        <p:nvPr/>
+      </p:nvGrpSpPr>
+      <p:grpSpPr>
+        <a:xfrm>
+          <a:off x="0" y="0"/>
+          <a:ext cx="0" cy="0"/>
+          <a:chOff x="0" y="0"/>
+          <a:chExt cx="0" cy="0"/>
+        </a:xfrm>
+      </p:grpSpPr>
+      <p:pic>
+        <p:nvPicPr>
+          <p:cNvPr id="3" name="Immagine 2">
+            <a:extLst>
+              <a:ext uri="{FF2B5EF4-FFF2-40B4-BE49-F238E27FC236}">
+                <a16:creationId xmlns:a16="http://schemas.microsoft.com/office/drawing/2014/main" id="{0086DDB0-9AE0-043B-4095-2361C8D3A196}"/>
+              </a:ext>
+            </a:extLst>
+          </p:cNvPr>
+          <p:cNvPicPr>
+            <a:picLocks noChangeAspect="1"/>
+          </p:cNvPicPr>
+          <p:nvPr/>
+        </p:nvPicPr>
+        <p:blipFill>
+          <a:blip r:embed="rId2"/>
+          <a:stretch>
+            <a:fillRect/>
+          </a:stretch>
+        </p:blipFill>
+        <p:spPr>
+          <a:xfrm>
+            <a:off x="524290" y="523425"/>
+            <a:ext cx="4601217" cy="962159"/>
+          </a:xfrm>
+          <a:prstGeom prst="rect">
+            <a:avLst/>
+          </a:prstGeom>
+        </p:spPr>
+      </p:pic>
+      <p:pic>
+        <p:nvPicPr>
+          <p:cNvPr id="5" name="Immagine 4">
+            <a:extLst>
+              <a:ext uri="{FF2B5EF4-FFF2-40B4-BE49-F238E27FC236}">
+                <a16:creationId xmlns:a16="http://schemas.microsoft.com/office/drawing/2014/main" id="{0996E7FE-923C-8D77-8A2A-7DCBC8C1547C}"/>
+              </a:ext>
+            </a:extLst>
+          </p:cNvPr>
+          <p:cNvPicPr>
+            <a:picLocks noChangeAspect="1"/>
+          </p:cNvPicPr>
+          <p:nvPr/>
+        </p:nvPicPr>
+        <p:blipFill>
+          <a:blip r:embed="rId3"/>
+          <a:stretch>
+            <a:fillRect/>
+          </a:stretch>
+        </p:blipFill>
+        <p:spPr>
+          <a:xfrm>
+            <a:off x="6653334" y="451977"/>
+            <a:ext cx="2486372" cy="1105054"/>
+          </a:xfrm>
+          <a:prstGeom prst="rect">
+            <a:avLst/>
+          </a:prstGeom>
+        </p:spPr>
+      </p:pic>
+      <mc:AlternateContent xmlns:mc="http://schemas.openxmlformats.org/markup-compatibility/2006">
+        <mc:Choice xmlns:p14="http://schemas.microsoft.com/office/powerpoint/2010/main" Requires="p14">
+          <p:contentPart p14:bwMode="auto" r:id="rId4">
+            <p14:nvContentPartPr>
+              <p14:cNvPr id="6" name="Input penna 5">
+                <a:extLst>
+                  <a:ext uri="{FF2B5EF4-FFF2-40B4-BE49-F238E27FC236}">
+                    <a16:creationId xmlns:a16="http://schemas.microsoft.com/office/drawing/2014/main" id="{DD117042-D0DA-AE6C-89E6-F38428BA0966}"/>
+                  </a:ext>
+                </a:extLst>
+              </p14:cNvPr>
+              <p14:cNvContentPartPr/>
+              <p14:nvPr/>
+            </p14:nvContentPartPr>
+            <p14:xfrm>
+              <a:off x="390552" y="1208732"/>
+              <a:ext cx="4083120" cy="585360"/>
+            </p14:xfrm>
+          </p:contentPart>
+        </mc:Choice>
+        <mc:Fallback>
+          <p:pic>
+            <p:nvPicPr>
+              <p:cNvPr id="6" name="Input penna 5">
+                <a:extLst>
+                  <a:ext uri="{FF2B5EF4-FFF2-40B4-BE49-F238E27FC236}">
+                    <a16:creationId xmlns:a16="http://schemas.microsoft.com/office/drawing/2014/main" id="{DD117042-D0DA-AE6C-89E6-F38428BA0966}"/>
+                  </a:ext>
+                </a:extLst>
+              </p:cNvPr>
+              <p:cNvPicPr/>
+              <p:nvPr/>
+            </p:nvPicPr>
+            <p:blipFill>
+              <a:blip r:embed="rId5"/>
+              <a:stretch>
+                <a:fillRect/>
+              </a:stretch>
+            </p:blipFill>
+            <p:spPr>
+              <a:xfrm>
+                <a:off x="381912" y="1200092"/>
+                <a:ext cx="4100760" cy="603000"/>
+              </a:xfrm>
+              <a:prstGeom prst="rect">
+                <a:avLst/>
+              </a:prstGeom>
+            </p:spPr>
+          </p:pic>
+        </mc:Fallback>
+      </mc:AlternateContent>
+      <p:grpSp>
+        <p:nvGrpSpPr>
+          <p:cNvPr id="22" name="Gruppo 21">
+            <a:extLst>
+              <a:ext uri="{FF2B5EF4-FFF2-40B4-BE49-F238E27FC236}">
+                <a16:creationId xmlns:a16="http://schemas.microsoft.com/office/drawing/2014/main" id="{383DA6D2-810F-D530-0D0A-DD3024C57A4F}"/>
+              </a:ext>
+            </a:extLst>
+          </p:cNvPr>
+          <p:cNvGrpSpPr/>
+          <p:nvPr/>
+        </p:nvGrpSpPr>
+        <p:grpSpPr>
+          <a:xfrm>
+            <a:off x="1120632" y="1964372"/>
+            <a:ext cx="3399840" cy="1113480"/>
+            <a:chOff x="1120632" y="1964372"/>
+            <a:chExt cx="3399840" cy="1113480"/>
+          </a:xfrm>
+        </p:grpSpPr>
+        <mc:AlternateContent xmlns:mc="http://schemas.openxmlformats.org/markup-compatibility/2006">
+          <mc:Choice xmlns:p14="http://schemas.microsoft.com/office/powerpoint/2010/main" Requires="p14">
+            <p:contentPart p14:bwMode="auto" r:id="rId6">
+              <p14:nvContentPartPr>
+                <p14:cNvPr id="8" name="Input penna 7">
+                  <a:extLst>
+                    <a:ext uri="{FF2B5EF4-FFF2-40B4-BE49-F238E27FC236}">
+                      <a16:creationId xmlns:a16="http://schemas.microsoft.com/office/drawing/2014/main" id="{F561F08C-1FC7-25A0-AE30-70151EB6BFAD}"/>
+                    </a:ext>
+                  </a:extLst>
+                </p14:cNvPr>
+                <p14:cNvContentPartPr/>
+                <p14:nvPr/>
+              </p14:nvContentPartPr>
+              <p14:xfrm>
+                <a:off x="1331232" y="1964372"/>
+                <a:ext cx="456480" cy="447480"/>
+              </p14:xfrm>
+            </p:contentPart>
+          </mc:Choice>
+          <mc:Fallback>
+            <p:pic>
+              <p:nvPicPr>
+                <p:cNvPr id="8" name="Input penna 7">
+                  <a:extLst>
+                    <a:ext uri="{FF2B5EF4-FFF2-40B4-BE49-F238E27FC236}">
+                      <a16:creationId xmlns:a16="http://schemas.microsoft.com/office/drawing/2014/main" id="{F561F08C-1FC7-25A0-AE30-70151EB6BFAD}"/>
+                    </a:ext>
+                  </a:extLst>
+                </p:cNvPr>
+                <p:cNvPicPr/>
+                <p:nvPr/>
+              </p:nvPicPr>
+              <p:blipFill>
+                <a:blip r:embed="rId7"/>
+                <a:stretch>
+                  <a:fillRect/>
+                </a:stretch>
+              </p:blipFill>
+              <p:spPr>
+                <a:xfrm>
+                  <a:off x="1313232" y="1946732"/>
+                  <a:ext cx="492120" cy="483120"/>
+                </a:xfrm>
+                <a:prstGeom prst="rect">
+                  <a:avLst/>
+                </a:prstGeom>
+              </p:spPr>
+            </p:pic>
+          </mc:Fallback>
+        </mc:AlternateContent>
+        <mc:AlternateContent xmlns:mc="http://schemas.openxmlformats.org/markup-compatibility/2006">
+          <mc:Choice xmlns:p14="http://schemas.microsoft.com/office/powerpoint/2010/main" Requires="p14">
+            <p:contentPart p14:bwMode="auto" r:id="rId8">
+              <p14:nvContentPartPr>
+                <p14:cNvPr id="9" name="Input penna 8">
+                  <a:extLst>
+                    <a:ext uri="{FF2B5EF4-FFF2-40B4-BE49-F238E27FC236}">
+                      <a16:creationId xmlns:a16="http://schemas.microsoft.com/office/drawing/2014/main" id="{A6780E6A-348F-5F22-4CBF-FF93B8078B89}"/>
+                    </a:ext>
+                  </a:extLst>
+                </p14:cNvPr>
+                <p14:cNvContentPartPr/>
+                <p14:nvPr/>
+              </p14:nvContentPartPr>
+              <p14:xfrm>
+                <a:off x="1120632" y="2480252"/>
+                <a:ext cx="878400" cy="72000"/>
+              </p14:xfrm>
+            </p:contentPart>
+          </mc:Choice>
+          <mc:Fallback>
+            <p:pic>
+              <p:nvPicPr>
+                <p:cNvPr id="9" name="Input penna 8">
+                  <a:extLst>
+                    <a:ext uri="{FF2B5EF4-FFF2-40B4-BE49-F238E27FC236}">
+                      <a16:creationId xmlns:a16="http://schemas.microsoft.com/office/drawing/2014/main" id="{A6780E6A-348F-5F22-4CBF-FF93B8078B89}"/>
+                    </a:ext>
+                  </a:extLst>
+                </p:cNvPr>
+                <p:cNvPicPr/>
+                <p:nvPr/>
+              </p:nvPicPr>
+              <p:blipFill>
+                <a:blip r:embed="rId9"/>
+                <a:stretch>
+                  <a:fillRect/>
+                </a:stretch>
+              </p:blipFill>
+              <p:spPr>
+                <a:xfrm>
+                  <a:off x="1102992" y="2462252"/>
+                  <a:ext cx="914040" cy="107640"/>
+                </a:xfrm>
+                <a:prstGeom prst="rect">
+                  <a:avLst/>
+                </a:prstGeom>
+              </p:spPr>
+            </p:pic>
+          </mc:Fallback>
+        </mc:AlternateContent>
+        <mc:AlternateContent xmlns:mc="http://schemas.openxmlformats.org/markup-compatibility/2006">
+          <mc:Choice xmlns:p14="http://schemas.microsoft.com/office/powerpoint/2010/main" Requires="p14">
+            <p:contentPart p14:bwMode="auto" r:id="rId10">
+              <p14:nvContentPartPr>
+                <p14:cNvPr id="11" name="Input penna 10">
+                  <a:extLst>
+                    <a:ext uri="{FF2B5EF4-FFF2-40B4-BE49-F238E27FC236}">
+                      <a16:creationId xmlns:a16="http://schemas.microsoft.com/office/drawing/2014/main" id="{C24AC517-FA1F-21E4-512E-EC8DDC6565C9}"/>
+                    </a:ext>
+                  </a:extLst>
+                </p14:cNvPr>
+                <p14:cNvContentPartPr/>
+                <p14:nvPr/>
+              </p14:nvContentPartPr>
+              <p14:xfrm>
+                <a:off x="1214592" y="2641892"/>
+                <a:ext cx="434520" cy="378000"/>
+              </p14:xfrm>
+            </p:contentPart>
+          </mc:Choice>
+          <mc:Fallback>
+            <p:pic>
+              <p:nvPicPr>
+                <p:cNvPr id="11" name="Input penna 10">
+                  <a:extLst>
+                    <a:ext uri="{FF2B5EF4-FFF2-40B4-BE49-F238E27FC236}">
+                      <a16:creationId xmlns:a16="http://schemas.microsoft.com/office/drawing/2014/main" id="{C24AC517-FA1F-21E4-512E-EC8DDC6565C9}"/>
+                    </a:ext>
+                  </a:extLst>
+                </p:cNvPr>
+                <p:cNvPicPr/>
+                <p:nvPr/>
+              </p:nvPicPr>
+              <p:blipFill>
+                <a:blip r:embed="rId11"/>
+                <a:stretch>
+                  <a:fillRect/>
+                </a:stretch>
+              </p:blipFill>
+              <p:spPr>
+                <a:xfrm>
+                  <a:off x="1196592" y="2624252"/>
+                  <a:ext cx="470160" cy="413640"/>
+                </a:xfrm>
+                <a:prstGeom prst="rect">
+                  <a:avLst/>
+                </a:prstGeom>
+              </p:spPr>
+            </p:pic>
+          </mc:Fallback>
+        </mc:AlternateContent>
+        <mc:AlternateContent xmlns:mc="http://schemas.openxmlformats.org/markup-compatibility/2006">
+          <mc:Choice xmlns:p14="http://schemas.microsoft.com/office/powerpoint/2010/main" Requires="p14">
+            <p:contentPart p14:bwMode="auto" r:id="rId12">
+              <p14:nvContentPartPr>
+                <p14:cNvPr id="12" name="Input penna 11">
+                  <a:extLst>
+                    <a:ext uri="{FF2B5EF4-FFF2-40B4-BE49-F238E27FC236}">
+                      <a16:creationId xmlns:a16="http://schemas.microsoft.com/office/drawing/2014/main" id="{BB89C66D-BE93-00EF-3FC5-0FB8149AC278}"/>
+                    </a:ext>
+                  </a:extLst>
+                </p14:cNvPr>
+                <p14:cNvContentPartPr/>
+                <p14:nvPr/>
+              </p14:nvContentPartPr>
+              <p14:xfrm>
+                <a:off x="1736232" y="2604812"/>
+                <a:ext cx="249480" cy="473040"/>
+              </p14:xfrm>
+            </p:contentPart>
+          </mc:Choice>
+          <mc:Fallback>
+            <p:pic>
+              <p:nvPicPr>
+                <p:cNvPr id="12" name="Input penna 11">
+                  <a:extLst>
+                    <a:ext uri="{FF2B5EF4-FFF2-40B4-BE49-F238E27FC236}">
+                      <a16:creationId xmlns:a16="http://schemas.microsoft.com/office/drawing/2014/main" id="{BB89C66D-BE93-00EF-3FC5-0FB8149AC278}"/>
+                    </a:ext>
+                  </a:extLst>
+                </p:cNvPr>
+                <p:cNvPicPr/>
+                <p:nvPr/>
+              </p:nvPicPr>
+              <p:blipFill>
+                <a:blip r:embed="rId13"/>
+                <a:stretch>
+                  <a:fillRect/>
+                </a:stretch>
+              </p:blipFill>
+              <p:spPr>
+                <a:xfrm>
+                  <a:off x="1718232" y="2586812"/>
+                  <a:ext cx="285120" cy="508680"/>
+                </a:xfrm>
+                <a:prstGeom prst="rect">
+                  <a:avLst/>
+                </a:prstGeom>
+              </p:spPr>
+            </p:pic>
+          </mc:Fallback>
+        </mc:AlternateContent>
+        <mc:AlternateContent xmlns:mc="http://schemas.openxmlformats.org/markup-compatibility/2006">
+          <mc:Choice xmlns:p14="http://schemas.microsoft.com/office/powerpoint/2010/main" Requires="p14">
+            <p:contentPart p14:bwMode="auto" r:id="rId14">
+              <p14:nvContentPartPr>
+                <p14:cNvPr id="13" name="Input penna 12">
+                  <a:extLst>
+                    <a:ext uri="{FF2B5EF4-FFF2-40B4-BE49-F238E27FC236}">
+                      <a16:creationId xmlns:a16="http://schemas.microsoft.com/office/drawing/2014/main" id="{12C64A10-224D-2142-9296-4A9429EA5111}"/>
+                    </a:ext>
+                  </a:extLst>
+                </p14:cNvPr>
+                <p14:cNvContentPartPr/>
+                <p14:nvPr/>
+              </p14:nvContentPartPr>
+              <p14:xfrm>
+                <a:off x="1528512" y="2721812"/>
+                <a:ext cx="461880" cy="38880"/>
+              </p14:xfrm>
+            </p:contentPart>
+          </mc:Choice>
+          <mc:Fallback>
+            <p:pic>
+              <p:nvPicPr>
+                <p:cNvPr id="13" name="Input penna 12">
+                  <a:extLst>
+                    <a:ext uri="{FF2B5EF4-FFF2-40B4-BE49-F238E27FC236}">
+                      <a16:creationId xmlns:a16="http://schemas.microsoft.com/office/drawing/2014/main" id="{12C64A10-224D-2142-9296-4A9429EA5111}"/>
+                    </a:ext>
+                  </a:extLst>
+                </p:cNvPr>
+                <p:cNvPicPr/>
+                <p:nvPr/>
+              </p:nvPicPr>
+              <p:blipFill>
+                <a:blip r:embed="rId15"/>
+                <a:stretch>
+                  <a:fillRect/>
+                </a:stretch>
+              </p:blipFill>
+              <p:spPr>
+                <a:xfrm>
+                  <a:off x="1510872" y="2703812"/>
+                  <a:ext cx="497520" cy="74520"/>
+                </a:xfrm>
+                <a:prstGeom prst="rect">
+                  <a:avLst/>
+                </a:prstGeom>
+              </p:spPr>
+            </p:pic>
+          </mc:Fallback>
+        </mc:AlternateContent>
+        <mc:AlternateContent xmlns:mc="http://schemas.openxmlformats.org/markup-compatibility/2006">
+          <mc:Choice xmlns:p14="http://schemas.microsoft.com/office/powerpoint/2010/main" Requires="p14">
+            <p:contentPart p14:bwMode="auto" r:id="rId16">
+              <p14:nvContentPartPr>
+                <p14:cNvPr id="15" name="Input penna 14">
+                  <a:extLst>
+                    <a:ext uri="{FF2B5EF4-FFF2-40B4-BE49-F238E27FC236}">
+                      <a16:creationId xmlns:a16="http://schemas.microsoft.com/office/drawing/2014/main" id="{41C6925A-B491-8779-CE72-5E09009293DB}"/>
+                    </a:ext>
+                  </a:extLst>
+                </p14:cNvPr>
+                <p14:cNvContentPartPr/>
+                <p14:nvPr/>
+              </p14:nvContentPartPr>
+              <p14:xfrm>
+                <a:off x="2225112" y="2011532"/>
+                <a:ext cx="200880" cy="659520"/>
+              </p14:xfrm>
+            </p:contentPart>
+          </mc:Choice>
+          <mc:Fallback>
+            <p:pic>
+              <p:nvPicPr>
+                <p:cNvPr id="15" name="Input penna 14">
+                  <a:extLst>
+                    <a:ext uri="{FF2B5EF4-FFF2-40B4-BE49-F238E27FC236}">
+                      <a16:creationId xmlns:a16="http://schemas.microsoft.com/office/drawing/2014/main" id="{41C6925A-B491-8779-CE72-5E09009293DB}"/>
+                    </a:ext>
+                  </a:extLst>
+                </p:cNvPr>
+                <p:cNvPicPr/>
+                <p:nvPr/>
+              </p:nvPicPr>
+              <p:blipFill>
+                <a:blip r:embed="rId17"/>
+                <a:stretch>
+                  <a:fillRect/>
+                </a:stretch>
+              </p:blipFill>
+              <p:spPr>
+                <a:xfrm>
+                  <a:off x="2207472" y="1993892"/>
+                  <a:ext cx="236520" cy="695160"/>
+                </a:xfrm>
+                <a:prstGeom prst="rect">
+                  <a:avLst/>
+                </a:prstGeom>
+              </p:spPr>
+            </p:pic>
+          </mc:Fallback>
+        </mc:AlternateContent>
+        <mc:AlternateContent xmlns:mc="http://schemas.openxmlformats.org/markup-compatibility/2006">
+          <mc:Choice xmlns:p14="http://schemas.microsoft.com/office/powerpoint/2010/main" Requires="p14">
+            <p:contentPart p14:bwMode="auto" r:id="rId18">
+              <p14:nvContentPartPr>
+                <p14:cNvPr id="16" name="Input penna 15">
+                  <a:extLst>
+                    <a:ext uri="{FF2B5EF4-FFF2-40B4-BE49-F238E27FC236}">
+                      <a16:creationId xmlns:a16="http://schemas.microsoft.com/office/drawing/2014/main" id="{C8F246F4-6652-7997-4D40-2BEB35FE9CA6}"/>
+                    </a:ext>
+                  </a:extLst>
+                </p14:cNvPr>
+                <p14:cNvContentPartPr/>
+                <p14:nvPr/>
+              </p14:nvContentPartPr>
+              <p14:xfrm>
+                <a:off x="2568192" y="2192612"/>
+                <a:ext cx="276120" cy="272520"/>
+              </p14:xfrm>
+            </p:contentPart>
+          </mc:Choice>
+          <mc:Fallback>
+            <p:pic>
+              <p:nvPicPr>
+                <p:cNvPr id="16" name="Input penna 15">
+                  <a:extLst>
+                    <a:ext uri="{FF2B5EF4-FFF2-40B4-BE49-F238E27FC236}">
+                      <a16:creationId xmlns:a16="http://schemas.microsoft.com/office/drawing/2014/main" id="{C8F246F4-6652-7997-4D40-2BEB35FE9CA6}"/>
+                    </a:ext>
+                  </a:extLst>
+                </p:cNvPr>
+                <p:cNvPicPr/>
+                <p:nvPr/>
+              </p:nvPicPr>
+              <p:blipFill>
+                <a:blip r:embed="rId19"/>
+                <a:stretch>
+                  <a:fillRect/>
+                </a:stretch>
+              </p:blipFill>
+              <p:spPr>
+                <a:xfrm>
+                  <a:off x="2550552" y="2174972"/>
+                  <a:ext cx="311760" cy="308160"/>
+                </a:xfrm>
+                <a:prstGeom prst="rect">
+                  <a:avLst/>
+                </a:prstGeom>
+              </p:spPr>
+            </p:pic>
+          </mc:Fallback>
+        </mc:AlternateContent>
+        <mc:AlternateContent xmlns:mc="http://schemas.openxmlformats.org/markup-compatibility/2006">
+          <mc:Choice xmlns:p14="http://schemas.microsoft.com/office/powerpoint/2010/main" Requires="p14">
+            <p:contentPart p14:bwMode="auto" r:id="rId20">
+              <p14:nvContentPartPr>
+                <p14:cNvPr id="17" name="Input penna 16">
+                  <a:extLst>
+                    <a:ext uri="{FF2B5EF4-FFF2-40B4-BE49-F238E27FC236}">
+                      <a16:creationId xmlns:a16="http://schemas.microsoft.com/office/drawing/2014/main" id="{56845B65-351A-7F3E-94AC-E92C29D025E7}"/>
+                    </a:ext>
+                  </a:extLst>
+                </p14:cNvPr>
+                <p14:cNvContentPartPr/>
+                <p14:nvPr/>
+              </p14:nvContentPartPr>
+              <p14:xfrm>
+                <a:off x="2819832" y="2221412"/>
+                <a:ext cx="48600" cy="579960"/>
+              </p14:xfrm>
+            </p:contentPart>
+          </mc:Choice>
+          <mc:Fallback>
+            <p:pic>
+              <p:nvPicPr>
+                <p:cNvPr id="17" name="Input penna 16">
+                  <a:extLst>
+                    <a:ext uri="{FF2B5EF4-FFF2-40B4-BE49-F238E27FC236}">
+                      <a16:creationId xmlns:a16="http://schemas.microsoft.com/office/drawing/2014/main" id="{56845B65-351A-7F3E-94AC-E92C29D025E7}"/>
+                    </a:ext>
+                  </a:extLst>
+                </p:cNvPr>
+                <p:cNvPicPr/>
+                <p:nvPr/>
+              </p:nvPicPr>
+              <p:blipFill>
+                <a:blip r:embed="rId21"/>
+                <a:stretch>
+                  <a:fillRect/>
+                </a:stretch>
+              </p:blipFill>
+              <p:spPr>
+                <a:xfrm>
+                  <a:off x="2802192" y="2203412"/>
+                  <a:ext cx="84240" cy="615600"/>
+                </a:xfrm>
+                <a:prstGeom prst="rect">
+                  <a:avLst/>
+                </a:prstGeom>
+              </p:spPr>
+            </p:pic>
+          </mc:Fallback>
+        </mc:AlternateContent>
+        <mc:AlternateContent xmlns:mc="http://schemas.openxmlformats.org/markup-compatibility/2006">
+          <mc:Choice xmlns:p14="http://schemas.microsoft.com/office/powerpoint/2010/main" Requires="p14">
+            <p:contentPart p14:bwMode="auto" r:id="rId22">
+              <p14:nvContentPartPr>
+                <p14:cNvPr id="18" name="Input penna 17">
+                  <a:extLst>
+                    <a:ext uri="{FF2B5EF4-FFF2-40B4-BE49-F238E27FC236}">
+                      <a16:creationId xmlns:a16="http://schemas.microsoft.com/office/drawing/2014/main" id="{25A5C747-CCDE-93F6-5C35-D31030A4F0D3}"/>
+                    </a:ext>
+                  </a:extLst>
+                </p14:cNvPr>
+                <p14:cNvContentPartPr/>
+                <p14:nvPr/>
+              </p14:nvContentPartPr>
+              <p14:xfrm>
+                <a:off x="3078672" y="1984172"/>
+                <a:ext cx="174960" cy="740160"/>
+              </p14:xfrm>
+            </p:contentPart>
+          </mc:Choice>
+          <mc:Fallback>
+            <p:pic>
+              <p:nvPicPr>
+                <p:cNvPr id="18" name="Input penna 17">
+                  <a:extLst>
+                    <a:ext uri="{FF2B5EF4-FFF2-40B4-BE49-F238E27FC236}">
+                      <a16:creationId xmlns:a16="http://schemas.microsoft.com/office/drawing/2014/main" id="{25A5C747-CCDE-93F6-5C35-D31030A4F0D3}"/>
+                    </a:ext>
+                  </a:extLst>
+                </p:cNvPr>
+                <p:cNvPicPr/>
+                <p:nvPr/>
+              </p:nvPicPr>
+              <p:blipFill>
+                <a:blip r:embed="rId23"/>
+                <a:stretch>
+                  <a:fillRect/>
+                </a:stretch>
+              </p:blipFill>
+              <p:spPr>
+                <a:xfrm>
+                  <a:off x="3060672" y="1966172"/>
+                  <a:ext cx="210600" cy="775800"/>
+                </a:xfrm>
+                <a:prstGeom prst="rect">
+                  <a:avLst/>
+                </a:prstGeom>
+              </p:spPr>
+            </p:pic>
+          </mc:Fallback>
+        </mc:AlternateContent>
+        <mc:AlternateContent xmlns:mc="http://schemas.openxmlformats.org/markup-compatibility/2006">
+          <mc:Choice xmlns:p14="http://schemas.microsoft.com/office/powerpoint/2010/main" Requires="p14">
+            <p:contentPart p14:bwMode="auto" r:id="rId24">
+              <p14:nvContentPartPr>
+                <p14:cNvPr id="19" name="Input penna 18">
+                  <a:extLst>
+                    <a:ext uri="{FF2B5EF4-FFF2-40B4-BE49-F238E27FC236}">
+                      <a16:creationId xmlns:a16="http://schemas.microsoft.com/office/drawing/2014/main" id="{B5E1E27E-6F44-1008-5C26-4DE87D41545A}"/>
+                    </a:ext>
+                  </a:extLst>
+                </p14:cNvPr>
+                <p14:cNvContentPartPr/>
+                <p14:nvPr/>
+              </p14:nvContentPartPr>
+              <p14:xfrm>
+                <a:off x="3635592" y="2349932"/>
+                <a:ext cx="307440" cy="21960"/>
+              </p14:xfrm>
+            </p:contentPart>
+          </mc:Choice>
+          <mc:Fallback>
+            <p:pic>
+              <p:nvPicPr>
+                <p:cNvPr id="19" name="Input penna 18">
+                  <a:extLst>
+                    <a:ext uri="{FF2B5EF4-FFF2-40B4-BE49-F238E27FC236}">
+                      <a16:creationId xmlns:a16="http://schemas.microsoft.com/office/drawing/2014/main" id="{B5E1E27E-6F44-1008-5C26-4DE87D41545A}"/>
+                    </a:ext>
+                  </a:extLst>
+                </p:cNvPr>
+                <p:cNvPicPr/>
+                <p:nvPr/>
+              </p:nvPicPr>
+              <p:blipFill>
+                <a:blip r:embed="rId25"/>
+                <a:stretch>
+                  <a:fillRect/>
+                </a:stretch>
+              </p:blipFill>
+              <p:spPr>
+                <a:xfrm>
+                  <a:off x="3617952" y="2332292"/>
+                  <a:ext cx="343080" cy="57600"/>
+                </a:xfrm>
+                <a:prstGeom prst="rect">
+                  <a:avLst/>
+                </a:prstGeom>
+              </p:spPr>
+            </p:pic>
+          </mc:Fallback>
+        </mc:AlternateContent>
+        <mc:AlternateContent xmlns:mc="http://schemas.openxmlformats.org/markup-compatibility/2006">
+          <mc:Choice xmlns:p14="http://schemas.microsoft.com/office/powerpoint/2010/main" Requires="p14">
+            <p:contentPart p14:bwMode="auto" r:id="rId26">
+              <p14:nvContentPartPr>
+                <p14:cNvPr id="20" name="Input penna 19">
+                  <a:extLst>
+                    <a:ext uri="{FF2B5EF4-FFF2-40B4-BE49-F238E27FC236}">
+                      <a16:creationId xmlns:a16="http://schemas.microsoft.com/office/drawing/2014/main" id="{5B8A798A-25B4-8648-0637-28B1FB168F3F}"/>
+                    </a:ext>
+                  </a:extLst>
+                </p14:cNvPr>
+                <p14:cNvContentPartPr/>
+                <p14:nvPr/>
+              </p14:nvContentPartPr>
+              <p14:xfrm>
+                <a:off x="3653232" y="2487092"/>
+                <a:ext cx="297360" cy="35280"/>
+              </p14:xfrm>
+            </p:contentPart>
+          </mc:Choice>
+          <mc:Fallback>
+            <p:pic>
+              <p:nvPicPr>
+                <p:cNvPr id="20" name="Input penna 19">
+                  <a:extLst>
+                    <a:ext uri="{FF2B5EF4-FFF2-40B4-BE49-F238E27FC236}">
+                      <a16:creationId xmlns:a16="http://schemas.microsoft.com/office/drawing/2014/main" id="{5B8A798A-25B4-8648-0637-28B1FB168F3F}"/>
+                    </a:ext>
+                  </a:extLst>
+                </p:cNvPr>
+                <p:cNvPicPr/>
+                <p:nvPr/>
+              </p:nvPicPr>
+              <p:blipFill>
+                <a:blip r:embed="rId27"/>
+                <a:stretch>
+                  <a:fillRect/>
+                </a:stretch>
+              </p:blipFill>
+              <p:spPr>
+                <a:xfrm>
+                  <a:off x="3635592" y="2469452"/>
+                  <a:ext cx="333000" cy="70920"/>
+                </a:xfrm>
+                <a:prstGeom prst="rect">
+                  <a:avLst/>
+                </a:prstGeom>
+              </p:spPr>
+            </p:pic>
+          </mc:Fallback>
+        </mc:AlternateContent>
+        <mc:AlternateContent xmlns:mc="http://schemas.openxmlformats.org/markup-compatibility/2006">
+          <mc:Choice xmlns:p14="http://schemas.microsoft.com/office/powerpoint/2010/main" Requires="p14">
+            <p:contentPart p14:bwMode="auto" r:id="rId28">
+              <p14:nvContentPartPr>
+                <p14:cNvPr id="21" name="Input penna 20">
+                  <a:extLst>
+                    <a:ext uri="{FF2B5EF4-FFF2-40B4-BE49-F238E27FC236}">
+                      <a16:creationId xmlns:a16="http://schemas.microsoft.com/office/drawing/2014/main" id="{543D8C35-B859-39B7-3368-22BD6BE15E04}"/>
+                    </a:ext>
+                  </a:extLst>
+                </p14:cNvPr>
+                <p14:cNvContentPartPr/>
+                <p14:nvPr/>
+              </p14:nvContentPartPr>
+              <p14:xfrm>
+                <a:off x="4224912" y="2228972"/>
+                <a:ext cx="295560" cy="375480"/>
+              </p14:xfrm>
+            </p:contentPart>
+          </mc:Choice>
+          <mc:Fallback>
+            <p:pic>
+              <p:nvPicPr>
+                <p:cNvPr id="21" name="Input penna 20">
+                  <a:extLst>
+                    <a:ext uri="{FF2B5EF4-FFF2-40B4-BE49-F238E27FC236}">
+                      <a16:creationId xmlns:a16="http://schemas.microsoft.com/office/drawing/2014/main" id="{543D8C35-B859-39B7-3368-22BD6BE15E04}"/>
+                    </a:ext>
+                  </a:extLst>
+                </p:cNvPr>
+                <p:cNvPicPr/>
+                <p:nvPr/>
+              </p:nvPicPr>
+              <p:blipFill>
+                <a:blip r:embed="rId29"/>
+                <a:stretch>
+                  <a:fillRect/>
+                </a:stretch>
+              </p:blipFill>
+              <p:spPr>
+                <a:xfrm>
+                  <a:off x="4206912" y="2211332"/>
+                  <a:ext cx="331200" cy="411120"/>
+                </a:xfrm>
+                <a:prstGeom prst="rect">
+                  <a:avLst/>
+                </a:prstGeom>
+              </p:spPr>
+            </p:pic>
+          </mc:Fallback>
+        </mc:AlternateContent>
+      </p:grpSp>
+      <mc:AlternateContent xmlns:mc="http://schemas.openxmlformats.org/markup-compatibility/2006">
+        <mc:Choice xmlns:p14="http://schemas.microsoft.com/office/powerpoint/2010/main" Requires="p14">
+          <p:contentPart p14:bwMode="auto" r:id="rId30">
+            <p14:nvContentPartPr>
+              <p14:cNvPr id="23" name="Input penna 22">
+                <a:extLst>
+                  <a:ext uri="{FF2B5EF4-FFF2-40B4-BE49-F238E27FC236}">
+                    <a16:creationId xmlns:a16="http://schemas.microsoft.com/office/drawing/2014/main" id="{F7E7B844-5CCB-3A59-A308-A601174E8783}"/>
+                  </a:ext>
+                </a:extLst>
+              </p14:cNvPr>
+              <p14:cNvContentPartPr/>
+              <p14:nvPr/>
+            </p14:nvContentPartPr>
+            <p14:xfrm>
+              <a:off x="6770472" y="2182172"/>
+              <a:ext cx="312840" cy="738720"/>
+            </p14:xfrm>
+          </p:contentPart>
+        </mc:Choice>
+        <mc:Fallback>
+          <p:pic>
+            <p:nvPicPr>
+              <p:cNvPr id="23" name="Input penna 22">
+                <a:extLst>
+                  <a:ext uri="{FF2B5EF4-FFF2-40B4-BE49-F238E27FC236}">
+                    <a16:creationId xmlns:a16="http://schemas.microsoft.com/office/drawing/2014/main" id="{F7E7B844-5CCB-3A59-A308-A601174E8783}"/>
+                  </a:ext>
+                </a:extLst>
+              </p:cNvPr>
+              <p:cNvPicPr/>
+              <p:nvPr/>
+            </p:nvPicPr>
+            <p:blipFill>
+              <a:blip r:embed="rId31"/>
+              <a:stretch>
+                <a:fillRect/>
+              </a:stretch>
+            </p:blipFill>
+            <p:spPr>
+              <a:xfrm>
+                <a:off x="6752832" y="2164532"/>
+                <a:ext cx="348480" cy="774360"/>
+              </a:xfrm>
+              <a:prstGeom prst="rect">
+                <a:avLst/>
+              </a:prstGeom>
+            </p:spPr>
+          </p:pic>
+        </mc:Fallback>
+      </mc:AlternateContent>
+      <mc:AlternateContent xmlns:mc="http://schemas.openxmlformats.org/markup-compatibility/2006">
+        <mc:Choice xmlns:p14="http://schemas.microsoft.com/office/powerpoint/2010/main" Requires="p14">
+          <p:contentPart p14:bwMode="auto" r:id="rId32">
+            <p14:nvContentPartPr>
+              <p14:cNvPr id="24" name="Input penna 23">
+                <a:extLst>
+                  <a:ext uri="{FF2B5EF4-FFF2-40B4-BE49-F238E27FC236}">
+                    <a16:creationId xmlns:a16="http://schemas.microsoft.com/office/drawing/2014/main" id="{D6997510-DF33-296E-C782-BDA981024721}"/>
+                  </a:ext>
+                </a:extLst>
+              </p14:cNvPr>
+              <p14:cNvContentPartPr/>
+              <p14:nvPr/>
+            </p14:nvContentPartPr>
+            <p14:xfrm>
+              <a:off x="7406592" y="2313932"/>
+              <a:ext cx="254160" cy="69840"/>
+            </p14:xfrm>
+          </p:contentPart>
+        </mc:Choice>
+        <mc:Fallback>
+          <p:pic>
+            <p:nvPicPr>
+              <p:cNvPr id="24" name="Input penna 23">
+                <a:extLst>
+                  <a:ext uri="{FF2B5EF4-FFF2-40B4-BE49-F238E27FC236}">
+                    <a16:creationId xmlns:a16="http://schemas.microsoft.com/office/drawing/2014/main" id="{D6997510-DF33-296E-C782-BDA981024721}"/>
+                  </a:ext>
+                </a:extLst>
+              </p:cNvPr>
+              <p:cNvPicPr/>
+              <p:nvPr/>
+            </p:nvPicPr>
+            <p:blipFill>
+              <a:blip r:embed="rId33"/>
+              <a:stretch>
+                <a:fillRect/>
+              </a:stretch>
+            </p:blipFill>
+            <p:spPr>
+              <a:xfrm>
+                <a:off x="7388592" y="2296292"/>
+                <a:ext cx="289800" cy="105480"/>
+              </a:xfrm>
+              <a:prstGeom prst="rect">
+                <a:avLst/>
+              </a:prstGeom>
+            </p:spPr>
+          </p:pic>
+        </mc:Fallback>
+      </mc:AlternateContent>
+      <mc:AlternateContent xmlns:mc="http://schemas.openxmlformats.org/markup-compatibility/2006">
+        <mc:Choice xmlns:p14="http://schemas.microsoft.com/office/powerpoint/2010/main" Requires="p14">
+          <p:contentPart p14:bwMode="auto" r:id="rId34">
+            <p14:nvContentPartPr>
+              <p14:cNvPr id="25" name="Input penna 24">
+                <a:extLst>
+                  <a:ext uri="{FF2B5EF4-FFF2-40B4-BE49-F238E27FC236}">
+                    <a16:creationId xmlns:a16="http://schemas.microsoft.com/office/drawing/2014/main" id="{F53EA618-75D4-86B2-570B-D96A7166CA6B}"/>
+                  </a:ext>
+                </a:extLst>
+              </p14:cNvPr>
+              <p14:cNvContentPartPr/>
+              <p14:nvPr/>
+            </p14:nvContentPartPr>
+            <p14:xfrm>
+              <a:off x="7429632" y="2478452"/>
+              <a:ext cx="298800" cy="32760"/>
+            </p14:xfrm>
+          </p:contentPart>
+        </mc:Choice>
+        <mc:Fallback>
+          <p:pic>
+            <p:nvPicPr>
+              <p:cNvPr id="25" name="Input penna 24">
+                <a:extLst>
+                  <a:ext uri="{FF2B5EF4-FFF2-40B4-BE49-F238E27FC236}">
+                    <a16:creationId xmlns:a16="http://schemas.microsoft.com/office/drawing/2014/main" id="{F53EA618-75D4-86B2-570B-D96A7166CA6B}"/>
+                  </a:ext>
+                </a:extLst>
+              </p:cNvPr>
+              <p:cNvPicPr/>
+              <p:nvPr/>
+            </p:nvPicPr>
+            <p:blipFill>
+              <a:blip r:embed="rId35"/>
+              <a:stretch>
+                <a:fillRect/>
+              </a:stretch>
+            </p:blipFill>
+            <p:spPr>
+              <a:xfrm>
+                <a:off x="7411992" y="2460452"/>
+                <a:ext cx="334440" cy="68400"/>
+              </a:xfrm>
+              <a:prstGeom prst="rect">
+                <a:avLst/>
+              </a:prstGeom>
+            </p:spPr>
+          </p:pic>
+        </mc:Fallback>
+      </mc:AlternateContent>
+      <mc:AlternateContent xmlns:mc="http://schemas.openxmlformats.org/markup-compatibility/2006">
+        <mc:Choice xmlns:p14="http://schemas.microsoft.com/office/powerpoint/2010/main" Requires="p14">
+          <p:contentPart p14:bwMode="auto" r:id="rId36">
+            <p14:nvContentPartPr>
+              <p14:cNvPr id="26" name="Input penna 25">
+                <a:extLst>
+                  <a:ext uri="{FF2B5EF4-FFF2-40B4-BE49-F238E27FC236}">
+                    <a16:creationId xmlns:a16="http://schemas.microsoft.com/office/drawing/2014/main" id="{06A1B1E7-D9A4-AC6B-EA84-38ED3C44BB78}"/>
+                  </a:ext>
+                </a:extLst>
+              </p14:cNvPr>
+              <p14:cNvContentPartPr/>
+              <p14:nvPr/>
+            </p14:nvContentPartPr>
+            <p14:xfrm>
+              <a:off x="8097792" y="1862132"/>
+              <a:ext cx="244080" cy="1036080"/>
+            </p14:xfrm>
+          </p:contentPart>
+        </mc:Choice>
+        <mc:Fallback>
+          <p:pic>
+            <p:nvPicPr>
+              <p:cNvPr id="26" name="Input penna 25">
+                <a:extLst>
+                  <a:ext uri="{FF2B5EF4-FFF2-40B4-BE49-F238E27FC236}">
+                    <a16:creationId xmlns:a16="http://schemas.microsoft.com/office/drawing/2014/main" id="{06A1B1E7-D9A4-AC6B-EA84-38ED3C44BB78}"/>
+                  </a:ext>
+                </a:extLst>
+              </p:cNvPr>
+              <p:cNvPicPr/>
+              <p:nvPr/>
+            </p:nvPicPr>
+            <p:blipFill>
+              <a:blip r:embed="rId37"/>
+              <a:stretch>
+                <a:fillRect/>
+              </a:stretch>
+            </p:blipFill>
+            <p:spPr>
+              <a:xfrm>
+                <a:off x="8080152" y="1844132"/>
+                <a:ext cx="279720" cy="1071720"/>
+              </a:xfrm>
+              <a:prstGeom prst="rect">
+                <a:avLst/>
+              </a:prstGeom>
+            </p:spPr>
+          </p:pic>
+        </mc:Fallback>
+      </mc:AlternateContent>
+      <mc:AlternateContent xmlns:mc="http://schemas.openxmlformats.org/markup-compatibility/2006">
+        <mc:Choice xmlns:p14="http://schemas.microsoft.com/office/powerpoint/2010/main" Requires="p14">
+          <p:contentPart p14:bwMode="auto" r:id="rId38">
+            <p14:nvContentPartPr>
+              <p14:cNvPr id="27" name="Input penna 26">
+                <a:extLst>
+                  <a:ext uri="{FF2B5EF4-FFF2-40B4-BE49-F238E27FC236}">
+                    <a16:creationId xmlns:a16="http://schemas.microsoft.com/office/drawing/2014/main" id="{FEE72B7C-8BC3-9564-8DD8-B7A976D815C5}"/>
+                  </a:ext>
+                </a:extLst>
+              </p14:cNvPr>
+              <p14:cNvContentPartPr/>
+              <p14:nvPr/>
+            </p14:nvContentPartPr>
+            <p14:xfrm>
+              <a:off x="7982952" y="2442812"/>
+              <a:ext cx="438120" cy="36360"/>
+            </p14:xfrm>
+          </p:contentPart>
+        </mc:Choice>
+        <mc:Fallback>
+          <p:pic>
+            <p:nvPicPr>
+              <p:cNvPr id="27" name="Input penna 26">
+                <a:extLst>
+                  <a:ext uri="{FF2B5EF4-FFF2-40B4-BE49-F238E27FC236}">
+                    <a16:creationId xmlns:a16="http://schemas.microsoft.com/office/drawing/2014/main" id="{FEE72B7C-8BC3-9564-8DD8-B7A976D815C5}"/>
+                  </a:ext>
+                </a:extLst>
+              </p:cNvPr>
+              <p:cNvPicPr/>
+              <p:nvPr/>
+            </p:nvPicPr>
+            <p:blipFill>
+              <a:blip r:embed="rId39"/>
+              <a:stretch>
+                <a:fillRect/>
+              </a:stretch>
+            </p:blipFill>
+            <p:spPr>
+              <a:xfrm>
+                <a:off x="7965312" y="2424812"/>
+                <a:ext cx="473760" cy="72000"/>
+              </a:xfrm>
+              <a:prstGeom prst="rect">
+                <a:avLst/>
+              </a:prstGeom>
+            </p:spPr>
+          </p:pic>
+        </mc:Fallback>
+      </mc:AlternateContent>
+      <mc:AlternateContent xmlns:mc="http://schemas.openxmlformats.org/markup-compatibility/2006">
+        <mc:Choice xmlns:p14="http://schemas.microsoft.com/office/powerpoint/2010/main" Requires="p14">
+          <p:contentPart p14:bwMode="auto" r:id="rId40">
+            <p14:nvContentPartPr>
+              <p14:cNvPr id="28" name="Input penna 27">
+                <a:extLst>
+                  <a:ext uri="{FF2B5EF4-FFF2-40B4-BE49-F238E27FC236}">
+                    <a16:creationId xmlns:a16="http://schemas.microsoft.com/office/drawing/2014/main" id="{61C23916-A406-8D82-834C-4944CC8ACA8C}"/>
+                  </a:ext>
+                </a:extLst>
+              </p14:cNvPr>
+              <p14:cNvContentPartPr/>
+              <p14:nvPr/>
+            </p14:nvContentPartPr>
+            <p14:xfrm>
+              <a:off x="8708352" y="2354252"/>
+              <a:ext cx="335520" cy="71640"/>
+            </p14:xfrm>
+          </p:contentPart>
+        </mc:Choice>
+        <mc:Fallback>
+          <p:pic>
+            <p:nvPicPr>
+              <p:cNvPr id="28" name="Input penna 27">
+                <a:extLst>
+                  <a:ext uri="{FF2B5EF4-FFF2-40B4-BE49-F238E27FC236}">
+                    <a16:creationId xmlns:a16="http://schemas.microsoft.com/office/drawing/2014/main" id="{61C23916-A406-8D82-834C-4944CC8ACA8C}"/>
+                  </a:ext>
+                </a:extLst>
+              </p:cNvPr>
+              <p:cNvPicPr/>
+              <p:nvPr/>
+            </p:nvPicPr>
+            <p:blipFill>
+              <a:blip r:embed="rId41"/>
+              <a:stretch>
+                <a:fillRect/>
+              </a:stretch>
+            </p:blipFill>
+            <p:spPr>
+              <a:xfrm>
+                <a:off x="8690352" y="2336612"/>
+                <a:ext cx="371160" cy="107280"/>
+              </a:xfrm>
+              <a:prstGeom prst="rect">
+                <a:avLst/>
+              </a:prstGeom>
+            </p:spPr>
+          </p:pic>
+        </mc:Fallback>
+      </mc:AlternateContent>
+      <mc:AlternateContent xmlns:mc="http://schemas.openxmlformats.org/markup-compatibility/2006">
+        <mc:Choice xmlns:p14="http://schemas.microsoft.com/office/powerpoint/2010/main" Requires="p14">
+          <p:contentPart p14:bwMode="auto" r:id="rId42">
+            <p14:nvContentPartPr>
+              <p14:cNvPr id="29" name="Input penna 28">
+                <a:extLst>
+                  <a:ext uri="{FF2B5EF4-FFF2-40B4-BE49-F238E27FC236}">
+                    <a16:creationId xmlns:a16="http://schemas.microsoft.com/office/drawing/2014/main" id="{6708B7C8-3665-4BCC-4F50-5D6FE683095D}"/>
+                  </a:ext>
+                </a:extLst>
+              </p14:cNvPr>
+              <p14:cNvContentPartPr/>
+              <p14:nvPr/>
+            </p14:nvContentPartPr>
+            <p14:xfrm>
+              <a:off x="8844072" y="2175332"/>
+              <a:ext cx="133200" cy="347400"/>
+            </p14:xfrm>
+          </p:contentPart>
+        </mc:Choice>
+        <mc:Fallback>
+          <p:pic>
+            <p:nvPicPr>
+              <p:cNvPr id="29" name="Input penna 28">
+                <a:extLst>
+                  <a:ext uri="{FF2B5EF4-FFF2-40B4-BE49-F238E27FC236}">
+                    <a16:creationId xmlns:a16="http://schemas.microsoft.com/office/drawing/2014/main" id="{6708B7C8-3665-4BCC-4F50-5D6FE683095D}"/>
+                  </a:ext>
+                </a:extLst>
+              </p:cNvPr>
+              <p:cNvPicPr/>
+              <p:nvPr/>
+            </p:nvPicPr>
+            <p:blipFill>
+              <a:blip r:embed="rId43"/>
+              <a:stretch>
+                <a:fillRect/>
+              </a:stretch>
+            </p:blipFill>
+            <p:spPr>
+              <a:xfrm>
+                <a:off x="8826072" y="2157692"/>
+                <a:ext cx="168840" cy="383040"/>
+              </a:xfrm>
+              <a:prstGeom prst="rect">
+                <a:avLst/>
+              </a:prstGeom>
+            </p:spPr>
+          </p:pic>
+        </mc:Fallback>
+      </mc:AlternateContent>
+      <mc:AlternateContent xmlns:mc="http://schemas.openxmlformats.org/markup-compatibility/2006">
+        <mc:Choice xmlns:p14="http://schemas.microsoft.com/office/powerpoint/2010/main" Requires="p14">
+          <p:contentPart p14:bwMode="auto" r:id="rId44">
+            <p14:nvContentPartPr>
+              <p14:cNvPr id="39" name="Input penna 38">
+                <a:extLst>
+                  <a:ext uri="{FF2B5EF4-FFF2-40B4-BE49-F238E27FC236}">
+                    <a16:creationId xmlns:a16="http://schemas.microsoft.com/office/drawing/2014/main" id="{05EA49BB-2621-6135-1B28-1834C7601F10}"/>
+                  </a:ext>
+                </a:extLst>
+              </p14:cNvPr>
+              <p14:cNvContentPartPr/>
+              <p14:nvPr/>
+            </p14:nvContentPartPr>
+            <p14:xfrm>
+              <a:off x="9323232" y="1835132"/>
+              <a:ext cx="348480" cy="938880"/>
+            </p14:xfrm>
+          </p:contentPart>
+        </mc:Choice>
+        <mc:Fallback>
+          <p:pic>
+            <p:nvPicPr>
+              <p:cNvPr id="39" name="Input penna 38">
+                <a:extLst>
+                  <a:ext uri="{FF2B5EF4-FFF2-40B4-BE49-F238E27FC236}">
+                    <a16:creationId xmlns:a16="http://schemas.microsoft.com/office/drawing/2014/main" id="{05EA49BB-2621-6135-1B28-1834C7601F10}"/>
+                  </a:ext>
+                </a:extLst>
+              </p:cNvPr>
+              <p:cNvPicPr/>
+              <p:nvPr/>
+            </p:nvPicPr>
+            <p:blipFill>
+              <a:blip r:embed="rId45"/>
+              <a:stretch>
+                <a:fillRect/>
+              </a:stretch>
+            </p:blipFill>
+            <p:spPr>
+              <a:xfrm>
+                <a:off x="9305232" y="1817132"/>
+                <a:ext cx="384120" cy="974520"/>
+              </a:xfrm>
+              <a:prstGeom prst="rect">
+                <a:avLst/>
+              </a:prstGeom>
+            </p:spPr>
+          </p:pic>
+        </mc:Fallback>
+      </mc:AlternateContent>
+      <p:grpSp>
+        <p:nvGrpSpPr>
+          <p:cNvPr id="65" name="Gruppo 64">
+            <a:extLst>
+              <a:ext uri="{FF2B5EF4-FFF2-40B4-BE49-F238E27FC236}">
+                <a16:creationId xmlns:a16="http://schemas.microsoft.com/office/drawing/2014/main" id="{7947CABB-36E1-E060-4D57-75D8345246F3}"/>
+              </a:ext>
+            </a:extLst>
+          </p:cNvPr>
+          <p:cNvGrpSpPr/>
+          <p:nvPr/>
+        </p:nvGrpSpPr>
+        <p:grpSpPr>
+          <a:xfrm>
+            <a:off x="6722724" y="2997980"/>
+            <a:ext cx="2421360" cy="912960"/>
+            <a:chOff x="6722724" y="2997980"/>
+            <a:chExt cx="2421360" cy="912960"/>
+          </a:xfrm>
+        </p:grpSpPr>
+        <mc:AlternateContent xmlns:mc="http://schemas.openxmlformats.org/markup-compatibility/2006">
+          <mc:Choice xmlns:p14="http://schemas.microsoft.com/office/powerpoint/2010/main" Requires="p14">
+            <p:contentPart p14:bwMode="auto" r:id="rId46">
+              <p14:nvContentPartPr>
+                <p14:cNvPr id="40" name="Input penna 39">
+                  <a:extLst>
+                    <a:ext uri="{FF2B5EF4-FFF2-40B4-BE49-F238E27FC236}">
+                      <a16:creationId xmlns:a16="http://schemas.microsoft.com/office/drawing/2014/main" id="{6C7BDB62-73CD-79C2-C5BD-B5B258BB5461}"/>
+                    </a:ext>
+                  </a:extLst>
+                </p14:cNvPr>
+                <p14:cNvContentPartPr/>
+                <p14:nvPr/>
+              </p14:nvContentPartPr>
+              <p14:xfrm>
+                <a:off x="6722724" y="3036500"/>
+                <a:ext cx="275400" cy="389520"/>
+              </p14:xfrm>
+            </p:contentPart>
+          </mc:Choice>
+          <mc:Fallback>
+            <p:pic>
+              <p:nvPicPr>
+                <p:cNvPr id="40" name="Input penna 39">
+                  <a:extLst>
+                    <a:ext uri="{FF2B5EF4-FFF2-40B4-BE49-F238E27FC236}">
+                      <a16:creationId xmlns:a16="http://schemas.microsoft.com/office/drawing/2014/main" id="{6C7BDB62-73CD-79C2-C5BD-B5B258BB5461}"/>
+                    </a:ext>
+                  </a:extLst>
+                </p:cNvPr>
+                <p:cNvPicPr/>
+                <p:nvPr/>
+              </p:nvPicPr>
+              <p:blipFill>
+                <a:blip r:embed="rId47"/>
+                <a:stretch>
+                  <a:fillRect/>
+                </a:stretch>
+              </p:blipFill>
+              <p:spPr>
+                <a:xfrm>
+                  <a:off x="6704724" y="3018860"/>
+                  <a:ext cx="311040" cy="425160"/>
+                </a:xfrm>
+                <a:prstGeom prst="rect">
+                  <a:avLst/>
+                </a:prstGeom>
+              </p:spPr>
+            </p:pic>
+          </mc:Fallback>
+        </mc:AlternateContent>
+        <mc:AlternateContent xmlns:mc="http://schemas.openxmlformats.org/markup-compatibility/2006">
+          <mc:Choice xmlns:p14="http://schemas.microsoft.com/office/powerpoint/2010/main" Requires="p14">
+            <p:contentPart p14:bwMode="auto" r:id="rId48">
+              <p14:nvContentPartPr>
+                <p14:cNvPr id="41" name="Input penna 40">
+                  <a:extLst>
+                    <a:ext uri="{FF2B5EF4-FFF2-40B4-BE49-F238E27FC236}">
+                      <a16:creationId xmlns:a16="http://schemas.microsoft.com/office/drawing/2014/main" id="{6D4167FF-7149-45E3-725A-C2E36689C694}"/>
+                    </a:ext>
+                  </a:extLst>
+                </p14:cNvPr>
+                <p14:cNvContentPartPr/>
+                <p14:nvPr/>
+              </p14:nvContentPartPr>
+              <p14:xfrm>
+                <a:off x="6759444" y="3257540"/>
+                <a:ext cx="159480" cy="20520"/>
+              </p14:xfrm>
+            </p:contentPart>
+          </mc:Choice>
+          <mc:Fallback>
+            <p:pic>
+              <p:nvPicPr>
+                <p:cNvPr id="41" name="Input penna 40">
+                  <a:extLst>
+                    <a:ext uri="{FF2B5EF4-FFF2-40B4-BE49-F238E27FC236}">
+                      <a16:creationId xmlns:a16="http://schemas.microsoft.com/office/drawing/2014/main" id="{6D4167FF-7149-45E3-725A-C2E36689C694}"/>
+                    </a:ext>
+                  </a:extLst>
+                </p:cNvPr>
+                <p:cNvPicPr/>
+                <p:nvPr/>
+              </p:nvPicPr>
+              <p:blipFill>
+                <a:blip r:embed="rId49"/>
+                <a:stretch>
+                  <a:fillRect/>
+                </a:stretch>
+              </p:blipFill>
+              <p:spPr>
+                <a:xfrm>
+                  <a:off x="6741444" y="3239540"/>
+                  <a:ext cx="195120" cy="56160"/>
+                </a:xfrm>
+                <a:prstGeom prst="rect">
+                  <a:avLst/>
+                </a:prstGeom>
+              </p:spPr>
+            </p:pic>
+          </mc:Fallback>
+        </mc:AlternateContent>
+        <mc:AlternateContent xmlns:mc="http://schemas.openxmlformats.org/markup-compatibility/2006">
+          <mc:Choice xmlns:p14="http://schemas.microsoft.com/office/powerpoint/2010/main" Requires="p14">
+            <p:contentPart p14:bwMode="auto" r:id="rId50">
+              <p14:nvContentPartPr>
+                <p14:cNvPr id="42" name="Input penna 41">
+                  <a:extLst>
+                    <a:ext uri="{FF2B5EF4-FFF2-40B4-BE49-F238E27FC236}">
+                      <a16:creationId xmlns:a16="http://schemas.microsoft.com/office/drawing/2014/main" id="{3E8BFD4A-27DB-5554-EC36-0E98BA9D4525}"/>
+                    </a:ext>
+                  </a:extLst>
+                </p14:cNvPr>
+                <p14:cNvContentPartPr/>
+                <p14:nvPr/>
+              </p14:nvContentPartPr>
+              <p14:xfrm>
+                <a:off x="7075884" y="3095900"/>
+                <a:ext cx="32760" cy="285120"/>
+              </p14:xfrm>
+            </p:contentPart>
+          </mc:Choice>
+          <mc:Fallback>
+            <p:pic>
+              <p:nvPicPr>
+                <p:cNvPr id="42" name="Input penna 41">
+                  <a:extLst>
+                    <a:ext uri="{FF2B5EF4-FFF2-40B4-BE49-F238E27FC236}">
+                      <a16:creationId xmlns:a16="http://schemas.microsoft.com/office/drawing/2014/main" id="{3E8BFD4A-27DB-5554-EC36-0E98BA9D4525}"/>
+                    </a:ext>
+                  </a:extLst>
+                </p:cNvPr>
+                <p:cNvPicPr/>
+                <p:nvPr/>
+              </p:nvPicPr>
+              <p:blipFill>
+                <a:blip r:embed="rId51"/>
+                <a:stretch>
+                  <a:fillRect/>
+                </a:stretch>
+              </p:blipFill>
+              <p:spPr>
+                <a:xfrm>
+                  <a:off x="7058244" y="3078260"/>
+                  <a:ext cx="68400" cy="320760"/>
+                </a:xfrm>
+                <a:prstGeom prst="rect">
+                  <a:avLst/>
+                </a:prstGeom>
+              </p:spPr>
+            </p:pic>
+          </mc:Fallback>
+        </mc:AlternateContent>
+        <mc:AlternateContent xmlns:mc="http://schemas.openxmlformats.org/markup-compatibility/2006">
+          <mc:Choice xmlns:p14="http://schemas.microsoft.com/office/powerpoint/2010/main" Requires="p14">
+            <p:contentPart p14:bwMode="auto" r:id="rId52">
+              <p14:nvContentPartPr>
+                <p14:cNvPr id="43" name="Input penna 42">
+                  <a:extLst>
+                    <a:ext uri="{FF2B5EF4-FFF2-40B4-BE49-F238E27FC236}">
+                      <a16:creationId xmlns:a16="http://schemas.microsoft.com/office/drawing/2014/main" id="{20659B41-7B22-EBEF-B33B-FD97BD6876E1}"/>
+                    </a:ext>
+                  </a:extLst>
+                </p14:cNvPr>
+                <p14:cNvContentPartPr/>
+                <p14:nvPr/>
+              </p14:nvContentPartPr>
+              <p14:xfrm>
+                <a:off x="7033044" y="3059180"/>
+                <a:ext cx="267840" cy="350640"/>
+              </p14:xfrm>
+            </p:contentPart>
+          </mc:Choice>
+          <mc:Fallback>
+            <p:pic>
+              <p:nvPicPr>
+                <p:cNvPr id="43" name="Input penna 42">
+                  <a:extLst>
+                    <a:ext uri="{FF2B5EF4-FFF2-40B4-BE49-F238E27FC236}">
+                      <a16:creationId xmlns:a16="http://schemas.microsoft.com/office/drawing/2014/main" id="{20659B41-7B22-EBEF-B33B-FD97BD6876E1}"/>
+                    </a:ext>
+                  </a:extLst>
+                </p:cNvPr>
+                <p:cNvPicPr/>
+                <p:nvPr/>
+              </p:nvPicPr>
+              <p:blipFill>
+                <a:blip r:embed="rId53"/>
+                <a:stretch>
+                  <a:fillRect/>
+                </a:stretch>
+              </p:blipFill>
+              <p:spPr>
+                <a:xfrm>
+                  <a:off x="7015404" y="3041180"/>
+                  <a:ext cx="303480" cy="386280"/>
+                </a:xfrm>
+                <a:prstGeom prst="rect">
+                  <a:avLst/>
+                </a:prstGeom>
+              </p:spPr>
+            </p:pic>
+          </mc:Fallback>
+        </mc:AlternateContent>
+        <mc:AlternateContent xmlns:mc="http://schemas.openxmlformats.org/markup-compatibility/2006">
+          <mc:Choice xmlns:p14="http://schemas.microsoft.com/office/powerpoint/2010/main" Requires="p14">
+            <p:contentPart p14:bwMode="auto" r:id="rId54">
+              <p14:nvContentPartPr>
+                <p14:cNvPr id="44" name="Input penna 43">
+                  <a:extLst>
+                    <a:ext uri="{FF2B5EF4-FFF2-40B4-BE49-F238E27FC236}">
+                      <a16:creationId xmlns:a16="http://schemas.microsoft.com/office/drawing/2014/main" id="{81F1278D-DF2D-CBA3-F438-3976642B6B4A}"/>
+                    </a:ext>
+                  </a:extLst>
+                </p14:cNvPr>
+                <p14:cNvContentPartPr/>
+                <p14:nvPr/>
+              </p14:nvContentPartPr>
+              <p14:xfrm>
+                <a:off x="7358844" y="3116420"/>
+                <a:ext cx="249120" cy="316440"/>
+              </p14:xfrm>
+            </p:contentPart>
+          </mc:Choice>
+          <mc:Fallback>
+            <p:pic>
+              <p:nvPicPr>
+                <p:cNvPr id="44" name="Input penna 43">
+                  <a:extLst>
+                    <a:ext uri="{FF2B5EF4-FFF2-40B4-BE49-F238E27FC236}">
+                      <a16:creationId xmlns:a16="http://schemas.microsoft.com/office/drawing/2014/main" id="{81F1278D-DF2D-CBA3-F438-3976642B6B4A}"/>
+                    </a:ext>
+                  </a:extLst>
+                </p:cNvPr>
+                <p:cNvPicPr/>
+                <p:nvPr/>
+              </p:nvPicPr>
+              <p:blipFill>
+                <a:blip r:embed="rId55"/>
+                <a:stretch>
+                  <a:fillRect/>
+                </a:stretch>
+              </p:blipFill>
+              <p:spPr>
+                <a:xfrm>
+                  <a:off x="7341204" y="3098780"/>
+                  <a:ext cx="284760" cy="352080"/>
+                </a:xfrm>
+                <a:prstGeom prst="rect">
+                  <a:avLst/>
+                </a:prstGeom>
+              </p:spPr>
+            </p:pic>
+          </mc:Fallback>
+        </mc:AlternateContent>
+        <mc:AlternateContent xmlns:mc="http://schemas.openxmlformats.org/markup-compatibility/2006">
+          <mc:Choice xmlns:p14="http://schemas.microsoft.com/office/powerpoint/2010/main" Requires="p14">
+            <p:contentPart p14:bwMode="auto" r:id="rId56">
+              <p14:nvContentPartPr>
+                <p14:cNvPr id="45" name="Input penna 44">
+                  <a:extLst>
+                    <a:ext uri="{FF2B5EF4-FFF2-40B4-BE49-F238E27FC236}">
+                      <a16:creationId xmlns:a16="http://schemas.microsoft.com/office/drawing/2014/main" id="{2BAA97D7-E0ED-C1BC-A676-7BBED62613BF}"/>
+                    </a:ext>
+                  </a:extLst>
+                </p14:cNvPr>
+                <p14:cNvContentPartPr/>
+                <p14:nvPr/>
+              </p14:nvContentPartPr>
+              <p14:xfrm>
+                <a:off x="7600404" y="3042620"/>
+                <a:ext cx="275760" cy="338760"/>
+              </p14:xfrm>
+            </p:contentPart>
+          </mc:Choice>
+          <mc:Fallback>
+            <p:pic>
+              <p:nvPicPr>
+                <p:cNvPr id="45" name="Input penna 44">
+                  <a:extLst>
+                    <a:ext uri="{FF2B5EF4-FFF2-40B4-BE49-F238E27FC236}">
+                      <a16:creationId xmlns:a16="http://schemas.microsoft.com/office/drawing/2014/main" id="{2BAA97D7-E0ED-C1BC-A676-7BBED62613BF}"/>
+                    </a:ext>
+                  </a:extLst>
+                </p:cNvPr>
+                <p:cNvPicPr/>
+                <p:nvPr/>
+              </p:nvPicPr>
+              <p:blipFill>
+                <a:blip r:embed="rId57"/>
+                <a:stretch>
+                  <a:fillRect/>
+                </a:stretch>
+              </p:blipFill>
+              <p:spPr>
+                <a:xfrm>
+                  <a:off x="7582404" y="3024620"/>
+                  <a:ext cx="311400" cy="374400"/>
+                </a:xfrm>
+                <a:prstGeom prst="rect">
+                  <a:avLst/>
+                </a:prstGeom>
+              </p:spPr>
+            </p:pic>
+          </mc:Fallback>
+        </mc:AlternateContent>
+        <mc:AlternateContent xmlns:mc="http://schemas.openxmlformats.org/markup-compatibility/2006">
+          <mc:Choice xmlns:p14="http://schemas.microsoft.com/office/powerpoint/2010/main" Requires="p14">
+            <p:contentPart p14:bwMode="auto" r:id="rId58">
+              <p14:nvContentPartPr>
+                <p14:cNvPr id="46" name="Input penna 45">
+                  <a:extLst>
+                    <a:ext uri="{FF2B5EF4-FFF2-40B4-BE49-F238E27FC236}">
+                      <a16:creationId xmlns:a16="http://schemas.microsoft.com/office/drawing/2014/main" id="{F1BED565-1562-F75C-3CC7-B47AE63E0C3B}"/>
+                    </a:ext>
+                  </a:extLst>
+                </p14:cNvPr>
+                <p14:cNvContentPartPr/>
+                <p14:nvPr/>
+              </p14:nvContentPartPr>
+              <p14:xfrm>
+                <a:off x="7925844" y="3076460"/>
+                <a:ext cx="190800" cy="292680"/>
+              </p14:xfrm>
+            </p:contentPart>
+          </mc:Choice>
+          <mc:Fallback>
+            <p:pic>
+              <p:nvPicPr>
+                <p:cNvPr id="46" name="Input penna 45">
+                  <a:extLst>
+                    <a:ext uri="{FF2B5EF4-FFF2-40B4-BE49-F238E27FC236}">
+                      <a16:creationId xmlns:a16="http://schemas.microsoft.com/office/drawing/2014/main" id="{F1BED565-1562-F75C-3CC7-B47AE63E0C3B}"/>
+                    </a:ext>
+                  </a:extLst>
+                </p:cNvPr>
+                <p:cNvPicPr/>
+                <p:nvPr/>
+              </p:nvPicPr>
+              <p:blipFill>
+                <a:blip r:embed="rId59"/>
+                <a:stretch>
+                  <a:fillRect/>
+                </a:stretch>
+              </p:blipFill>
+              <p:spPr>
+                <a:xfrm>
+                  <a:off x="7908204" y="3058460"/>
+                  <a:ext cx="226440" cy="328320"/>
+                </a:xfrm>
+                <a:prstGeom prst="rect">
+                  <a:avLst/>
+                </a:prstGeom>
+              </p:spPr>
+            </p:pic>
+          </mc:Fallback>
+        </mc:AlternateContent>
+        <mc:AlternateContent xmlns:mc="http://schemas.openxmlformats.org/markup-compatibility/2006">
+          <mc:Choice xmlns:p14="http://schemas.microsoft.com/office/powerpoint/2010/main" Requires="p14">
+            <p:contentPart p14:bwMode="auto" r:id="rId60">
+              <p14:nvContentPartPr>
+                <p14:cNvPr id="47" name="Input penna 46">
+                  <a:extLst>
+                    <a:ext uri="{FF2B5EF4-FFF2-40B4-BE49-F238E27FC236}">
+                      <a16:creationId xmlns:a16="http://schemas.microsoft.com/office/drawing/2014/main" id="{A2114B21-E3BF-6C4E-5ACC-D20F88849F1B}"/>
+                    </a:ext>
+                  </a:extLst>
+                </p14:cNvPr>
+                <p14:cNvContentPartPr/>
+                <p14:nvPr/>
+              </p14:nvContentPartPr>
+              <p14:xfrm>
+                <a:off x="8171364" y="2997980"/>
+                <a:ext cx="588600" cy="337680"/>
+              </p14:xfrm>
+            </p:contentPart>
+          </mc:Choice>
+          <mc:Fallback>
+            <p:pic>
+              <p:nvPicPr>
+                <p:cNvPr id="47" name="Input penna 46">
+                  <a:extLst>
+                    <a:ext uri="{FF2B5EF4-FFF2-40B4-BE49-F238E27FC236}">
+                      <a16:creationId xmlns:a16="http://schemas.microsoft.com/office/drawing/2014/main" id="{A2114B21-E3BF-6C4E-5ACC-D20F88849F1B}"/>
+                    </a:ext>
+                  </a:extLst>
+                </p:cNvPr>
+                <p:cNvPicPr/>
+                <p:nvPr/>
+              </p:nvPicPr>
+              <p:blipFill>
+                <a:blip r:embed="rId61"/>
+                <a:stretch>
+                  <a:fillRect/>
+                </a:stretch>
+              </p:blipFill>
+              <p:spPr>
+                <a:xfrm>
+                  <a:off x="8153724" y="2979980"/>
+                  <a:ext cx="624240" cy="373320"/>
+                </a:xfrm>
+                <a:prstGeom prst="rect">
+                  <a:avLst/>
+                </a:prstGeom>
+              </p:spPr>
+            </p:pic>
+          </mc:Fallback>
+        </mc:AlternateContent>
+        <mc:AlternateContent xmlns:mc="http://schemas.openxmlformats.org/markup-compatibility/2006">
+          <mc:Choice xmlns:p14="http://schemas.microsoft.com/office/powerpoint/2010/main" Requires="p14">
+            <p:contentPart p14:bwMode="auto" r:id="rId62">
+              <p14:nvContentPartPr>
+                <p14:cNvPr id="48" name="Input penna 47">
+                  <a:extLst>
+                    <a:ext uri="{FF2B5EF4-FFF2-40B4-BE49-F238E27FC236}">
+                      <a16:creationId xmlns:a16="http://schemas.microsoft.com/office/drawing/2014/main" id="{38DFFACA-55DA-A90E-152F-64F4C2D28D27}"/>
+                    </a:ext>
+                  </a:extLst>
+                </p14:cNvPr>
+                <p14:cNvContentPartPr/>
+                <p14:nvPr/>
+              </p14:nvContentPartPr>
+              <p14:xfrm>
+                <a:off x="8542164" y="3071420"/>
+                <a:ext cx="21960" cy="326880"/>
+              </p14:xfrm>
+            </p:contentPart>
+          </mc:Choice>
+          <mc:Fallback>
+            <p:pic>
+              <p:nvPicPr>
+                <p:cNvPr id="48" name="Input penna 47">
+                  <a:extLst>
+                    <a:ext uri="{FF2B5EF4-FFF2-40B4-BE49-F238E27FC236}">
+                      <a16:creationId xmlns:a16="http://schemas.microsoft.com/office/drawing/2014/main" id="{38DFFACA-55DA-A90E-152F-64F4C2D28D27}"/>
+                    </a:ext>
+                  </a:extLst>
+                </p:cNvPr>
+                <p:cNvPicPr/>
+                <p:nvPr/>
+              </p:nvPicPr>
+              <p:blipFill>
+                <a:blip r:embed="rId63"/>
+                <a:stretch>
+                  <a:fillRect/>
+                </a:stretch>
+              </p:blipFill>
+              <p:spPr>
+                <a:xfrm>
+                  <a:off x="8524524" y="3053420"/>
+                  <a:ext cx="57600" cy="362520"/>
+                </a:xfrm>
+                <a:prstGeom prst="rect">
+                  <a:avLst/>
+                </a:prstGeom>
+              </p:spPr>
+            </p:pic>
+          </mc:Fallback>
+        </mc:AlternateContent>
+        <mc:AlternateContent xmlns:mc="http://schemas.openxmlformats.org/markup-compatibility/2006">
+          <mc:Choice xmlns:p14="http://schemas.microsoft.com/office/powerpoint/2010/main" Requires="p14">
+            <p:contentPart p14:bwMode="auto" r:id="rId64">
+              <p14:nvContentPartPr>
+                <p14:cNvPr id="49" name="Input penna 48">
+                  <a:extLst>
+                    <a:ext uri="{FF2B5EF4-FFF2-40B4-BE49-F238E27FC236}">
+                      <a16:creationId xmlns:a16="http://schemas.microsoft.com/office/drawing/2014/main" id="{2245F15F-A65F-B530-5D84-C47308190B95}"/>
+                    </a:ext>
+                  </a:extLst>
+                </p14:cNvPr>
+                <p14:cNvContentPartPr/>
+                <p14:nvPr/>
+              </p14:nvContentPartPr>
+              <p14:xfrm>
+                <a:off x="8694804" y="3120020"/>
+                <a:ext cx="189360" cy="261720"/>
+              </p14:xfrm>
+            </p:contentPart>
+          </mc:Choice>
+          <mc:Fallback>
+            <p:pic>
+              <p:nvPicPr>
+                <p:cNvPr id="49" name="Input penna 48">
+                  <a:extLst>
+                    <a:ext uri="{FF2B5EF4-FFF2-40B4-BE49-F238E27FC236}">
+                      <a16:creationId xmlns:a16="http://schemas.microsoft.com/office/drawing/2014/main" id="{2245F15F-A65F-B530-5D84-C47308190B95}"/>
+                    </a:ext>
+                  </a:extLst>
+                </p:cNvPr>
+                <p:cNvPicPr/>
+                <p:nvPr/>
+              </p:nvPicPr>
+              <p:blipFill>
+                <a:blip r:embed="rId65"/>
+                <a:stretch>
+                  <a:fillRect/>
+                </a:stretch>
+              </p:blipFill>
+              <p:spPr>
+                <a:xfrm>
+                  <a:off x="8676804" y="3102380"/>
+                  <a:ext cx="225000" cy="297360"/>
+                </a:xfrm>
+                <a:prstGeom prst="rect">
+                  <a:avLst/>
+                </a:prstGeom>
+              </p:spPr>
+            </p:pic>
+          </mc:Fallback>
+        </mc:AlternateContent>
+        <mc:AlternateContent xmlns:mc="http://schemas.openxmlformats.org/markup-compatibility/2006">
+          <mc:Choice xmlns:p14="http://schemas.microsoft.com/office/powerpoint/2010/main" Requires="p14">
+            <p:contentPart p14:bwMode="auto" r:id="rId66">
+              <p14:nvContentPartPr>
+                <p14:cNvPr id="50" name="Input penna 49">
+                  <a:extLst>
+                    <a:ext uri="{FF2B5EF4-FFF2-40B4-BE49-F238E27FC236}">
+                      <a16:creationId xmlns:a16="http://schemas.microsoft.com/office/drawing/2014/main" id="{1513802A-BEBB-C9E7-1043-2915CE4147DA}"/>
+                    </a:ext>
+                  </a:extLst>
+                </p14:cNvPr>
+                <p14:cNvContentPartPr/>
+                <p14:nvPr/>
+              </p14:nvContentPartPr>
+              <p14:xfrm>
+                <a:off x="8659164" y="3213620"/>
+                <a:ext cx="232560" cy="30960"/>
+              </p14:xfrm>
+            </p:contentPart>
+          </mc:Choice>
+          <mc:Fallback>
+            <p:pic>
+              <p:nvPicPr>
+                <p:cNvPr id="50" name="Input penna 49">
+                  <a:extLst>
+                    <a:ext uri="{FF2B5EF4-FFF2-40B4-BE49-F238E27FC236}">
+                      <a16:creationId xmlns:a16="http://schemas.microsoft.com/office/drawing/2014/main" id="{1513802A-BEBB-C9E7-1043-2915CE4147DA}"/>
+                    </a:ext>
+                  </a:extLst>
+                </p:cNvPr>
+                <p:cNvPicPr/>
+                <p:nvPr/>
+              </p:nvPicPr>
+              <p:blipFill>
+                <a:blip r:embed="rId67"/>
+                <a:stretch>
+                  <a:fillRect/>
+                </a:stretch>
+              </p:blipFill>
+              <p:spPr>
+                <a:xfrm>
+                  <a:off x="8641164" y="3195980"/>
+                  <a:ext cx="268200" cy="66600"/>
+                </a:xfrm>
+                <a:prstGeom prst="rect">
+                  <a:avLst/>
+                </a:prstGeom>
+              </p:spPr>
+            </p:pic>
+          </mc:Fallback>
+        </mc:AlternateContent>
+        <mc:AlternateContent xmlns:mc="http://schemas.openxmlformats.org/markup-compatibility/2006">
+          <mc:Choice xmlns:p14="http://schemas.microsoft.com/office/powerpoint/2010/main" Requires="p14">
+            <p:contentPart p14:bwMode="auto" r:id="rId68">
+              <p14:nvContentPartPr>
+                <p14:cNvPr id="51" name="Input penna 50">
+                  <a:extLst>
+                    <a:ext uri="{FF2B5EF4-FFF2-40B4-BE49-F238E27FC236}">
+                      <a16:creationId xmlns:a16="http://schemas.microsoft.com/office/drawing/2014/main" id="{9C971828-DD48-911D-BE51-91166D249A72}"/>
+                    </a:ext>
+                  </a:extLst>
+                </p14:cNvPr>
+                <p14:cNvContentPartPr/>
+                <p14:nvPr/>
+              </p14:nvContentPartPr>
+              <p14:xfrm>
+                <a:off x="8735484" y="3096620"/>
+                <a:ext cx="225720" cy="6480"/>
+              </p14:xfrm>
+            </p:contentPart>
+          </mc:Choice>
+          <mc:Fallback>
+            <p:pic>
+              <p:nvPicPr>
+                <p:cNvPr id="51" name="Input penna 50">
+                  <a:extLst>
+                    <a:ext uri="{FF2B5EF4-FFF2-40B4-BE49-F238E27FC236}">
+                      <a16:creationId xmlns:a16="http://schemas.microsoft.com/office/drawing/2014/main" id="{9C971828-DD48-911D-BE51-91166D249A72}"/>
+                    </a:ext>
+                  </a:extLst>
+                </p:cNvPr>
+                <p:cNvPicPr/>
+                <p:nvPr/>
+              </p:nvPicPr>
+              <p:blipFill>
+                <a:blip r:embed="rId69"/>
+                <a:stretch>
+                  <a:fillRect/>
+                </a:stretch>
+              </p:blipFill>
+              <p:spPr>
+                <a:xfrm>
+                  <a:off x="8717484" y="3078620"/>
+                  <a:ext cx="261360" cy="42120"/>
+                </a:xfrm>
+                <a:prstGeom prst="rect">
+                  <a:avLst/>
+                </a:prstGeom>
+              </p:spPr>
+            </p:pic>
+          </mc:Fallback>
+        </mc:AlternateContent>
+        <mc:AlternateContent xmlns:mc="http://schemas.openxmlformats.org/markup-compatibility/2006">
+          <mc:Choice xmlns:p14="http://schemas.microsoft.com/office/powerpoint/2010/main" Requires="p14">
+            <p:contentPart p14:bwMode="auto" r:id="rId70">
+              <p14:nvContentPartPr>
+                <p14:cNvPr id="53" name="Input penna 52">
+                  <a:extLst>
+                    <a:ext uri="{FF2B5EF4-FFF2-40B4-BE49-F238E27FC236}">
+                      <a16:creationId xmlns:a16="http://schemas.microsoft.com/office/drawing/2014/main" id="{CDBB68DB-25AC-5D84-0879-1E5033694324}"/>
+                    </a:ext>
+                  </a:extLst>
+                </p14:cNvPr>
+                <p14:cNvContentPartPr/>
+                <p14:nvPr/>
+              </p14:nvContentPartPr>
+              <p14:xfrm>
+                <a:off x="6819204" y="3598460"/>
+                <a:ext cx="239400" cy="312480"/>
+              </p14:xfrm>
+            </p:contentPart>
+          </mc:Choice>
+          <mc:Fallback>
+            <p:pic>
+              <p:nvPicPr>
+                <p:cNvPr id="53" name="Input penna 52">
+                  <a:extLst>
+                    <a:ext uri="{FF2B5EF4-FFF2-40B4-BE49-F238E27FC236}">
+                      <a16:creationId xmlns:a16="http://schemas.microsoft.com/office/drawing/2014/main" id="{CDBB68DB-25AC-5D84-0879-1E5033694324}"/>
+                    </a:ext>
+                  </a:extLst>
+                </p:cNvPr>
+                <p:cNvPicPr/>
+                <p:nvPr/>
+              </p:nvPicPr>
+              <p:blipFill>
+                <a:blip r:embed="rId71"/>
+                <a:stretch>
+                  <a:fillRect/>
+                </a:stretch>
+              </p:blipFill>
+              <p:spPr>
+                <a:xfrm>
+                  <a:off x="6801564" y="3580820"/>
+                  <a:ext cx="275040" cy="348120"/>
+                </a:xfrm>
+                <a:prstGeom prst="rect">
+                  <a:avLst/>
+                </a:prstGeom>
+              </p:spPr>
+            </p:pic>
+          </mc:Fallback>
+        </mc:AlternateContent>
+        <mc:AlternateContent xmlns:mc="http://schemas.openxmlformats.org/markup-compatibility/2006">
+          <mc:Choice xmlns:p14="http://schemas.microsoft.com/office/powerpoint/2010/main" Requires="p14">
+            <p:contentPart p14:bwMode="auto" r:id="rId72">
+              <p14:nvContentPartPr>
+                <p14:cNvPr id="54" name="Input penna 53">
+                  <a:extLst>
+                    <a:ext uri="{FF2B5EF4-FFF2-40B4-BE49-F238E27FC236}">
+                      <a16:creationId xmlns:a16="http://schemas.microsoft.com/office/drawing/2014/main" id="{E916D280-37AF-AD6D-9AD5-4C8FE6BE5095}"/>
+                    </a:ext>
+                  </a:extLst>
+                </p14:cNvPr>
+                <p14:cNvContentPartPr/>
+                <p14:nvPr/>
+              </p14:nvContentPartPr>
+              <p14:xfrm>
+                <a:off x="7160484" y="3579380"/>
+                <a:ext cx="167400" cy="265320"/>
+              </p14:xfrm>
+            </p:contentPart>
+          </mc:Choice>
+          <mc:Fallback>
+            <p:pic>
+              <p:nvPicPr>
+                <p:cNvPr id="54" name="Input penna 53">
+                  <a:extLst>
+                    <a:ext uri="{FF2B5EF4-FFF2-40B4-BE49-F238E27FC236}">
+                      <a16:creationId xmlns:a16="http://schemas.microsoft.com/office/drawing/2014/main" id="{E916D280-37AF-AD6D-9AD5-4C8FE6BE5095}"/>
+                    </a:ext>
+                  </a:extLst>
+                </p:cNvPr>
+                <p:cNvPicPr/>
+                <p:nvPr/>
+              </p:nvPicPr>
+              <p:blipFill>
+                <a:blip r:embed="rId73"/>
+                <a:stretch>
+                  <a:fillRect/>
+                </a:stretch>
+              </p:blipFill>
+              <p:spPr>
+                <a:xfrm>
+                  <a:off x="7142484" y="3561740"/>
+                  <a:ext cx="203040" cy="300960"/>
+                </a:xfrm>
+                <a:prstGeom prst="rect">
+                  <a:avLst/>
+                </a:prstGeom>
+              </p:spPr>
+            </p:pic>
+          </mc:Fallback>
+        </mc:AlternateContent>
+        <mc:AlternateContent xmlns:mc="http://schemas.openxmlformats.org/markup-compatibility/2006">
+          <mc:Choice xmlns:p14="http://schemas.microsoft.com/office/powerpoint/2010/main" Requires="p14">
+            <p:contentPart p14:bwMode="auto" r:id="rId74">
+              <p14:nvContentPartPr>
+                <p14:cNvPr id="55" name="Input penna 54">
+                  <a:extLst>
+                    <a:ext uri="{FF2B5EF4-FFF2-40B4-BE49-F238E27FC236}">
+                      <a16:creationId xmlns:a16="http://schemas.microsoft.com/office/drawing/2014/main" id="{41B4705E-CDB0-B655-2A8F-3605B0D3BB5A}"/>
+                    </a:ext>
+                  </a:extLst>
+                </p14:cNvPr>
+                <p14:cNvContentPartPr/>
+                <p14:nvPr/>
+              </p14:nvContentPartPr>
+              <p14:xfrm>
+                <a:off x="7385124" y="3576860"/>
+                <a:ext cx="290520" cy="313920"/>
+              </p14:xfrm>
+            </p:contentPart>
+          </mc:Choice>
+          <mc:Fallback>
+            <p:pic>
+              <p:nvPicPr>
+                <p:cNvPr id="55" name="Input penna 54">
+                  <a:extLst>
+                    <a:ext uri="{FF2B5EF4-FFF2-40B4-BE49-F238E27FC236}">
+                      <a16:creationId xmlns:a16="http://schemas.microsoft.com/office/drawing/2014/main" id="{41B4705E-CDB0-B655-2A8F-3605B0D3BB5A}"/>
+                    </a:ext>
+                  </a:extLst>
+                </p:cNvPr>
+                <p:cNvPicPr/>
+                <p:nvPr/>
+              </p:nvPicPr>
+              <p:blipFill>
+                <a:blip r:embed="rId75"/>
+                <a:stretch>
+                  <a:fillRect/>
+                </a:stretch>
+              </p:blipFill>
+              <p:spPr>
+                <a:xfrm>
+                  <a:off x="7367484" y="3559220"/>
+                  <a:ext cx="326160" cy="349560"/>
+                </a:xfrm>
+                <a:prstGeom prst="rect">
+                  <a:avLst/>
+                </a:prstGeom>
+              </p:spPr>
+            </p:pic>
+          </mc:Fallback>
+        </mc:AlternateContent>
+        <mc:AlternateContent xmlns:mc="http://schemas.openxmlformats.org/markup-compatibility/2006">
+          <mc:Choice xmlns:p14="http://schemas.microsoft.com/office/powerpoint/2010/main" Requires="p14">
+            <p:contentPart p14:bwMode="auto" r:id="rId76">
+              <p14:nvContentPartPr>
+                <p14:cNvPr id="56" name="Input penna 55">
+                  <a:extLst>
+                    <a:ext uri="{FF2B5EF4-FFF2-40B4-BE49-F238E27FC236}">
+                      <a16:creationId xmlns:a16="http://schemas.microsoft.com/office/drawing/2014/main" id="{5D5EAB1C-C522-278F-2DEC-76E19806532D}"/>
+                    </a:ext>
+                  </a:extLst>
+                </p14:cNvPr>
+                <p14:cNvContentPartPr/>
+                <p14:nvPr/>
+              </p14:nvContentPartPr>
+              <p14:xfrm>
+                <a:off x="7628844" y="3587660"/>
+                <a:ext cx="306720" cy="69480"/>
+              </p14:xfrm>
+            </p:contentPart>
+          </mc:Choice>
+          <mc:Fallback>
+            <p:pic>
+              <p:nvPicPr>
+                <p:cNvPr id="56" name="Input penna 55">
+                  <a:extLst>
+                    <a:ext uri="{FF2B5EF4-FFF2-40B4-BE49-F238E27FC236}">
+                      <a16:creationId xmlns:a16="http://schemas.microsoft.com/office/drawing/2014/main" id="{5D5EAB1C-C522-278F-2DEC-76E19806532D}"/>
+                    </a:ext>
+                  </a:extLst>
+                </p:cNvPr>
+                <p:cNvPicPr/>
+                <p:nvPr/>
+              </p:nvPicPr>
+              <p:blipFill>
+                <a:blip r:embed="rId77"/>
+                <a:stretch>
+                  <a:fillRect/>
+                </a:stretch>
+              </p:blipFill>
+              <p:spPr>
+                <a:xfrm>
+                  <a:off x="7610844" y="3569660"/>
+                  <a:ext cx="342360" cy="105120"/>
+                </a:xfrm>
+                <a:prstGeom prst="rect">
+                  <a:avLst/>
+                </a:prstGeom>
+              </p:spPr>
+            </p:pic>
+          </mc:Fallback>
+        </mc:AlternateContent>
+        <mc:AlternateContent xmlns:mc="http://schemas.openxmlformats.org/markup-compatibility/2006">
+          <mc:Choice xmlns:p14="http://schemas.microsoft.com/office/powerpoint/2010/main" Requires="p14">
+            <p:contentPart p14:bwMode="auto" r:id="rId78">
+              <p14:nvContentPartPr>
+                <p14:cNvPr id="57" name="Input penna 56">
+                  <a:extLst>
+                    <a:ext uri="{FF2B5EF4-FFF2-40B4-BE49-F238E27FC236}">
+                      <a16:creationId xmlns:a16="http://schemas.microsoft.com/office/drawing/2014/main" id="{55DFCB22-6845-6076-A66A-AB4AD2785AB1}"/>
+                    </a:ext>
+                  </a:extLst>
+                </p14:cNvPr>
+                <p14:cNvContentPartPr/>
+                <p14:nvPr/>
+              </p14:nvContentPartPr>
+              <p14:xfrm>
+                <a:off x="7790844" y="3608180"/>
+                <a:ext cx="52200" cy="261720"/>
+              </p14:xfrm>
+            </p:contentPart>
+          </mc:Choice>
+          <mc:Fallback>
+            <p:pic>
+              <p:nvPicPr>
+                <p:cNvPr id="57" name="Input penna 56">
+                  <a:extLst>
+                    <a:ext uri="{FF2B5EF4-FFF2-40B4-BE49-F238E27FC236}">
+                      <a16:creationId xmlns:a16="http://schemas.microsoft.com/office/drawing/2014/main" id="{55DFCB22-6845-6076-A66A-AB4AD2785AB1}"/>
+                    </a:ext>
+                  </a:extLst>
+                </p:cNvPr>
+                <p:cNvPicPr/>
+                <p:nvPr/>
+              </p:nvPicPr>
+              <p:blipFill>
+                <a:blip r:embed="rId79"/>
+                <a:stretch>
+                  <a:fillRect/>
+                </a:stretch>
+              </p:blipFill>
+              <p:spPr>
+                <a:xfrm>
+                  <a:off x="7773204" y="3590180"/>
+                  <a:ext cx="87840" cy="297360"/>
+                </a:xfrm>
+                <a:prstGeom prst="rect">
+                  <a:avLst/>
+                </a:prstGeom>
+              </p:spPr>
+            </p:pic>
+          </mc:Fallback>
+        </mc:AlternateContent>
+        <mc:AlternateContent xmlns:mc="http://schemas.openxmlformats.org/markup-compatibility/2006">
+          <mc:Choice xmlns:p14="http://schemas.microsoft.com/office/powerpoint/2010/main" Requires="p14">
+            <p:contentPart p14:bwMode="auto" r:id="rId80">
+              <p14:nvContentPartPr>
+                <p14:cNvPr id="58" name="Input penna 57">
+                  <a:extLst>
+                    <a:ext uri="{FF2B5EF4-FFF2-40B4-BE49-F238E27FC236}">
+                      <a16:creationId xmlns:a16="http://schemas.microsoft.com/office/drawing/2014/main" id="{2271BB7B-885D-FC16-9EBC-43EF4FFF2F9A}"/>
+                    </a:ext>
+                  </a:extLst>
+                </p14:cNvPr>
+                <p14:cNvContentPartPr/>
+                <p14:nvPr/>
+              </p14:nvContentPartPr>
+              <p14:xfrm>
+                <a:off x="7996404" y="3630140"/>
+                <a:ext cx="17280" cy="27000"/>
+              </p14:xfrm>
+            </p:contentPart>
+          </mc:Choice>
+          <mc:Fallback>
+            <p:pic>
+              <p:nvPicPr>
+                <p:cNvPr id="58" name="Input penna 57">
+                  <a:extLst>
+                    <a:ext uri="{FF2B5EF4-FFF2-40B4-BE49-F238E27FC236}">
+                      <a16:creationId xmlns:a16="http://schemas.microsoft.com/office/drawing/2014/main" id="{2271BB7B-885D-FC16-9EBC-43EF4FFF2F9A}"/>
+                    </a:ext>
+                  </a:extLst>
+                </p:cNvPr>
+                <p:cNvPicPr/>
+                <p:nvPr/>
+              </p:nvPicPr>
+              <p:blipFill>
+                <a:blip r:embed="rId81"/>
+                <a:stretch>
+                  <a:fillRect/>
+                </a:stretch>
+              </p:blipFill>
+              <p:spPr>
+                <a:xfrm>
+                  <a:off x="7978764" y="3612500"/>
+                  <a:ext cx="52920" cy="62640"/>
+                </a:xfrm>
+                <a:prstGeom prst="rect">
+                  <a:avLst/>
+                </a:prstGeom>
+              </p:spPr>
+            </p:pic>
+          </mc:Fallback>
+        </mc:AlternateContent>
+        <mc:AlternateContent xmlns:mc="http://schemas.openxmlformats.org/markup-compatibility/2006">
+          <mc:Choice xmlns:p14="http://schemas.microsoft.com/office/powerpoint/2010/main" Requires="p14">
+            <p:contentPart p14:bwMode="auto" r:id="rId82">
+              <p14:nvContentPartPr>
+                <p14:cNvPr id="59" name="Input penna 58">
+                  <a:extLst>
+                    <a:ext uri="{FF2B5EF4-FFF2-40B4-BE49-F238E27FC236}">
+                      <a16:creationId xmlns:a16="http://schemas.microsoft.com/office/drawing/2014/main" id="{404F33CD-38E3-78C8-D501-6FE4FCDE8BFA}"/>
+                    </a:ext>
+                  </a:extLst>
+                </p14:cNvPr>
+                <p14:cNvContentPartPr/>
+                <p14:nvPr/>
+              </p14:nvContentPartPr>
+              <p14:xfrm>
+                <a:off x="8028804" y="3618620"/>
+                <a:ext cx="44640" cy="269280"/>
+              </p14:xfrm>
+            </p:contentPart>
+          </mc:Choice>
+          <mc:Fallback>
+            <p:pic>
+              <p:nvPicPr>
+                <p:cNvPr id="59" name="Input penna 58">
+                  <a:extLst>
+                    <a:ext uri="{FF2B5EF4-FFF2-40B4-BE49-F238E27FC236}">
+                      <a16:creationId xmlns:a16="http://schemas.microsoft.com/office/drawing/2014/main" id="{404F33CD-38E3-78C8-D501-6FE4FCDE8BFA}"/>
+                    </a:ext>
+                  </a:extLst>
+                </p:cNvPr>
+                <p:cNvPicPr/>
+                <p:nvPr/>
+              </p:nvPicPr>
+              <p:blipFill>
+                <a:blip r:embed="rId83"/>
+                <a:stretch>
+                  <a:fillRect/>
+                </a:stretch>
+              </p:blipFill>
+              <p:spPr>
+                <a:xfrm>
+                  <a:off x="8010804" y="3600980"/>
+                  <a:ext cx="80280" cy="304920"/>
+                </a:xfrm>
+                <a:prstGeom prst="rect">
+                  <a:avLst/>
+                </a:prstGeom>
+              </p:spPr>
+            </p:pic>
+          </mc:Fallback>
+        </mc:AlternateContent>
+        <mc:AlternateContent xmlns:mc="http://schemas.openxmlformats.org/markup-compatibility/2006">
+          <mc:Choice xmlns:p14="http://schemas.microsoft.com/office/powerpoint/2010/main" Requires="p14">
+            <p:contentPart p14:bwMode="auto" r:id="rId84">
+              <p14:nvContentPartPr>
+                <p14:cNvPr id="60" name="Input penna 59">
+                  <a:extLst>
+                    <a:ext uri="{FF2B5EF4-FFF2-40B4-BE49-F238E27FC236}">
+                      <a16:creationId xmlns:a16="http://schemas.microsoft.com/office/drawing/2014/main" id="{025CD99A-8DB5-6E90-D7AB-DA613F550827}"/>
+                    </a:ext>
+                  </a:extLst>
+                </p14:cNvPr>
+                <p14:cNvContentPartPr/>
+                <p14:nvPr/>
+              </p14:nvContentPartPr>
+              <p14:xfrm>
+                <a:off x="8198004" y="3575060"/>
+                <a:ext cx="186480" cy="217440"/>
+              </p14:xfrm>
+            </p:contentPart>
+          </mc:Choice>
+          <mc:Fallback>
+            <p:pic>
+              <p:nvPicPr>
+                <p:cNvPr id="60" name="Input penna 59">
+                  <a:extLst>
+                    <a:ext uri="{FF2B5EF4-FFF2-40B4-BE49-F238E27FC236}">
+                      <a16:creationId xmlns:a16="http://schemas.microsoft.com/office/drawing/2014/main" id="{025CD99A-8DB5-6E90-D7AB-DA613F550827}"/>
+                    </a:ext>
+                  </a:extLst>
+                </p:cNvPr>
+                <p:cNvPicPr/>
+                <p:nvPr/>
+              </p:nvPicPr>
+              <p:blipFill>
+                <a:blip r:embed="rId85"/>
+                <a:stretch>
+                  <a:fillRect/>
+                </a:stretch>
+              </p:blipFill>
+              <p:spPr>
+                <a:xfrm>
+                  <a:off x="8180004" y="3557420"/>
+                  <a:ext cx="222120" cy="253080"/>
+                </a:xfrm>
+                <a:prstGeom prst="rect">
+                  <a:avLst/>
+                </a:prstGeom>
+              </p:spPr>
+            </p:pic>
+          </mc:Fallback>
+        </mc:AlternateContent>
+        <mc:AlternateContent xmlns:mc="http://schemas.openxmlformats.org/markup-compatibility/2006">
+          <mc:Choice xmlns:p14="http://schemas.microsoft.com/office/powerpoint/2010/main" Requires="p14">
+            <p:contentPart p14:bwMode="auto" r:id="rId86">
+              <p14:nvContentPartPr>
+                <p14:cNvPr id="61" name="Input penna 60">
+                  <a:extLst>
+                    <a:ext uri="{FF2B5EF4-FFF2-40B4-BE49-F238E27FC236}">
+                      <a16:creationId xmlns:a16="http://schemas.microsoft.com/office/drawing/2014/main" id="{3F3A107A-C5C6-B156-E065-D165B9BAB402}"/>
+                    </a:ext>
+                  </a:extLst>
+                </p14:cNvPr>
+                <p14:cNvContentPartPr/>
+                <p14:nvPr/>
+              </p14:nvContentPartPr>
+              <p14:xfrm>
+                <a:off x="8509044" y="3539780"/>
+                <a:ext cx="60120" cy="280800"/>
+              </p14:xfrm>
+            </p:contentPart>
+          </mc:Choice>
+          <mc:Fallback>
+            <p:pic>
+              <p:nvPicPr>
+                <p:cNvPr id="61" name="Input penna 60">
+                  <a:extLst>
+                    <a:ext uri="{FF2B5EF4-FFF2-40B4-BE49-F238E27FC236}">
+                      <a16:creationId xmlns:a16="http://schemas.microsoft.com/office/drawing/2014/main" id="{3F3A107A-C5C6-B156-E065-D165B9BAB402}"/>
+                    </a:ext>
+                  </a:extLst>
+                </p:cNvPr>
+                <p:cNvPicPr/>
+                <p:nvPr/>
+              </p:nvPicPr>
+              <p:blipFill>
+                <a:blip r:embed="rId87"/>
+                <a:stretch>
+                  <a:fillRect/>
+                </a:stretch>
+              </p:blipFill>
+              <p:spPr>
+                <a:xfrm>
+                  <a:off x="8491044" y="3521780"/>
+                  <a:ext cx="95760" cy="316440"/>
+                </a:xfrm>
+                <a:prstGeom prst="rect">
+                  <a:avLst/>
+                </a:prstGeom>
+              </p:spPr>
+            </p:pic>
+          </mc:Fallback>
+        </mc:AlternateContent>
+        <mc:AlternateContent xmlns:mc="http://schemas.openxmlformats.org/markup-compatibility/2006">
+          <mc:Choice xmlns:p14="http://schemas.microsoft.com/office/powerpoint/2010/main" Requires="p14">
+            <p:contentPart p14:bwMode="auto" r:id="rId88">
+              <p14:nvContentPartPr>
+                <p14:cNvPr id="62" name="Input penna 61">
+                  <a:extLst>
+                    <a:ext uri="{FF2B5EF4-FFF2-40B4-BE49-F238E27FC236}">
+                      <a16:creationId xmlns:a16="http://schemas.microsoft.com/office/drawing/2014/main" id="{CC66657C-D8AC-0BCF-9472-C27F68B961C5}"/>
+                    </a:ext>
+                  </a:extLst>
+                </p14:cNvPr>
+                <p14:cNvContentPartPr/>
+                <p14:nvPr/>
+              </p14:nvContentPartPr>
+              <p14:xfrm>
+                <a:off x="8624244" y="3532580"/>
+                <a:ext cx="276120" cy="51120"/>
+              </p14:xfrm>
+            </p:contentPart>
+          </mc:Choice>
+          <mc:Fallback>
+            <p:pic>
+              <p:nvPicPr>
+                <p:cNvPr id="62" name="Input penna 61">
+                  <a:extLst>
+                    <a:ext uri="{FF2B5EF4-FFF2-40B4-BE49-F238E27FC236}">
+                      <a16:creationId xmlns:a16="http://schemas.microsoft.com/office/drawing/2014/main" id="{CC66657C-D8AC-0BCF-9472-C27F68B961C5}"/>
+                    </a:ext>
+                  </a:extLst>
+                </p:cNvPr>
+                <p:cNvPicPr/>
+                <p:nvPr/>
+              </p:nvPicPr>
+              <p:blipFill>
+                <a:blip r:embed="rId89"/>
+                <a:stretch>
+                  <a:fillRect/>
+                </a:stretch>
+              </p:blipFill>
+              <p:spPr>
+                <a:xfrm>
+                  <a:off x="8606604" y="3514940"/>
+                  <a:ext cx="311760" cy="86760"/>
+                </a:xfrm>
+                <a:prstGeom prst="rect">
+                  <a:avLst/>
+                </a:prstGeom>
+              </p:spPr>
+            </p:pic>
+          </mc:Fallback>
+        </mc:AlternateContent>
+        <mc:AlternateContent xmlns:mc="http://schemas.openxmlformats.org/markup-compatibility/2006">
+          <mc:Choice xmlns:p14="http://schemas.microsoft.com/office/powerpoint/2010/main" Requires="p14">
+            <p:contentPart p14:bwMode="auto" r:id="rId90">
+              <p14:nvContentPartPr>
+                <p14:cNvPr id="63" name="Input penna 62">
+                  <a:extLst>
+                    <a:ext uri="{FF2B5EF4-FFF2-40B4-BE49-F238E27FC236}">
+                      <a16:creationId xmlns:a16="http://schemas.microsoft.com/office/drawing/2014/main" id="{F31794C3-0919-E7C6-95B1-C88C0F7B0F70}"/>
+                    </a:ext>
+                  </a:extLst>
+                </p14:cNvPr>
+                <p14:cNvContentPartPr/>
+                <p14:nvPr/>
+              </p14:nvContentPartPr>
+              <p14:xfrm>
+                <a:off x="8755644" y="3558140"/>
+                <a:ext cx="69840" cy="237960"/>
+              </p14:xfrm>
+            </p:contentPart>
+          </mc:Choice>
+          <mc:Fallback>
+            <p:pic>
+              <p:nvPicPr>
+                <p:cNvPr id="63" name="Input penna 62">
+                  <a:extLst>
+                    <a:ext uri="{FF2B5EF4-FFF2-40B4-BE49-F238E27FC236}">
+                      <a16:creationId xmlns:a16="http://schemas.microsoft.com/office/drawing/2014/main" id="{F31794C3-0919-E7C6-95B1-C88C0F7B0F70}"/>
+                    </a:ext>
+                  </a:extLst>
+                </p:cNvPr>
+                <p:cNvPicPr/>
+                <p:nvPr/>
+              </p:nvPicPr>
+              <p:blipFill>
+                <a:blip r:embed="rId91"/>
+                <a:stretch>
+                  <a:fillRect/>
+                </a:stretch>
+              </p:blipFill>
+              <p:spPr>
+                <a:xfrm>
+                  <a:off x="8737644" y="3540500"/>
+                  <a:ext cx="105480" cy="273600"/>
+                </a:xfrm>
+                <a:prstGeom prst="rect">
+                  <a:avLst/>
+                </a:prstGeom>
+              </p:spPr>
+            </p:pic>
+          </mc:Fallback>
+        </mc:AlternateContent>
+        <mc:AlternateContent xmlns:mc="http://schemas.openxmlformats.org/markup-compatibility/2006">
+          <mc:Choice xmlns:p14="http://schemas.microsoft.com/office/powerpoint/2010/main" Requires="p14">
+            <p:contentPart p14:bwMode="auto" r:id="rId92">
+              <p14:nvContentPartPr>
+                <p14:cNvPr id="64" name="Input penna 63">
+                  <a:extLst>
+                    <a:ext uri="{FF2B5EF4-FFF2-40B4-BE49-F238E27FC236}">
+                      <a16:creationId xmlns:a16="http://schemas.microsoft.com/office/drawing/2014/main" id="{46849673-5638-CC92-40EE-686D972006DA}"/>
+                    </a:ext>
+                  </a:extLst>
+                </p14:cNvPr>
+                <p14:cNvContentPartPr/>
+                <p14:nvPr/>
+              </p14:nvContentPartPr>
+              <p14:xfrm>
+                <a:off x="8954364" y="3491540"/>
+                <a:ext cx="189720" cy="318960"/>
+              </p14:xfrm>
+            </p:contentPart>
+          </mc:Choice>
+          <mc:Fallback>
+            <p:pic>
+              <p:nvPicPr>
+                <p:cNvPr id="64" name="Input penna 63">
+                  <a:extLst>
+                    <a:ext uri="{FF2B5EF4-FFF2-40B4-BE49-F238E27FC236}">
+                      <a16:creationId xmlns:a16="http://schemas.microsoft.com/office/drawing/2014/main" id="{46849673-5638-CC92-40EE-686D972006DA}"/>
+                    </a:ext>
+                  </a:extLst>
+                </p:cNvPr>
+                <p:cNvPicPr/>
+                <p:nvPr/>
+              </p:nvPicPr>
+              <p:blipFill>
+                <a:blip r:embed="rId93"/>
+                <a:stretch>
+                  <a:fillRect/>
+                </a:stretch>
+              </p:blipFill>
+              <p:spPr>
+                <a:xfrm>
+                  <a:off x="8936724" y="3473540"/>
+                  <a:ext cx="225360" cy="354600"/>
+                </a:xfrm>
+                <a:prstGeom prst="rect">
+                  <a:avLst/>
+                </a:prstGeom>
+              </p:spPr>
+            </p:pic>
+          </mc:Fallback>
+        </mc:AlternateContent>
+      </p:grpSp>
+      <p:sp>
+        <p:nvSpPr>
+          <p:cNvPr id="66" name="Rettangolo 65">
+            <a:extLst>
+              <a:ext uri="{FF2B5EF4-FFF2-40B4-BE49-F238E27FC236}">
+                <a16:creationId xmlns:a16="http://schemas.microsoft.com/office/drawing/2014/main" id="{CFE58F7E-6382-70B3-11AD-6B8293D04494}"/>
+              </a:ext>
+            </a:extLst>
+          </p:cNvPr>
+          <p:cNvSpPr/>
+          <p:nvPr/>
+        </p:nvSpPr>
+        <p:spPr>
+          <a:xfrm>
+            <a:off x="6542202" y="1668544"/>
+            <a:ext cx="3297916" cy="2403835"/>
+          </a:xfrm>
+          <a:prstGeom prst="rect">
+            <a:avLst/>
+          </a:prstGeom>
+        </p:spPr>
+        <p:style>
+          <a:lnRef idx="2">
+            <a:schemeClr val="accent1">
+              <a:shade val="15000"/>
+            </a:schemeClr>
+          </a:lnRef>
+          <a:fillRef idx="1">
+            <a:schemeClr val="accent1"/>
+          </a:fillRef>
+          <a:effectRef idx="0">
+            <a:schemeClr val="accent1"/>
+          </a:effectRef>
+          <a:fontRef idx="minor">
+            <a:schemeClr val="lt1"/>
+          </a:fontRef>
+        </p:style>
+        <p:txBody>
+          <a:bodyPr rtlCol="0" anchor="ctr"/>
+          <a:lstStyle/>
+          <a:p>
+            <a:pPr algn="ctr"/>
+            <a:endParaRPr lang="en-GB"/>
+          </a:p>
+        </p:txBody>
+      </p:sp>
+    </p:spTree>
+    <p:extLst>
+      <p:ext uri="{BB962C8B-B14F-4D97-AF65-F5344CB8AC3E}">
+        <p14:creationId xmlns:p14="http://schemas.microsoft.com/office/powerpoint/2010/main" val="1814814065"/>
+      </p:ext>
+    </p:extLst>
+  </p:cSld>
+  <p:clrMapOvr>
+    <a:masterClrMapping/>
+  </p:clrMapOvr>
+</p:sld>
+</file>
+
+<file path=ppt/slides/slide11.xml><?xml version="1.0" encoding="utf-8"?>
+<p:sld xmlns:a="http://schemas.openxmlformats.org/drawingml/2006/main" xmlns:r="http://schemas.openxmlformats.org/officeDocument/2006/relationships" xmlns:p="http://schemas.openxmlformats.org/presentationml/2006/main">
+  <p:cSld>
+    <p:spTree>
+      <p:nvGrpSpPr>
+        <p:cNvPr id="1" name="">
+          <a:extLst>
+            <a:ext uri="{FF2B5EF4-FFF2-40B4-BE49-F238E27FC236}">
+              <a16:creationId xmlns:a16="http://schemas.microsoft.com/office/drawing/2014/main" id="{7845A242-D852-3F9C-6D7E-8AF758D132E9}"/>
+            </a:ext>
+          </a:extLst>
+        </p:cNvPr>
+        <p:cNvGrpSpPr/>
+        <p:nvPr/>
+      </p:nvGrpSpPr>
+      <p:grpSpPr>
+        <a:xfrm>
+          <a:off x="0" y="0"/>
+          <a:ext cx="0" cy="0"/>
+          <a:chOff x="0" y="0"/>
+          <a:chExt cx="0" cy="0"/>
+        </a:xfrm>
+      </p:grpSpPr>
+    </p:spTree>
+    <p:extLst>
+      <p:ext uri="{BB962C8B-B14F-4D97-AF65-F5344CB8AC3E}">
+        <p14:creationId xmlns:p14="http://schemas.microsoft.com/office/powerpoint/2010/main" val="4137937543"/>
+      </p:ext>
+    </p:extLst>
+  </p:cSld>
+  <p:clrMapOvr>
+    <a:masterClrMapping/>
+  </p:clrMapOvr>
+</p:sld>
+</file>
+
+<file path=ppt/slides/slide12.xml><?xml version="1.0" encoding="utf-8"?>
+<p:sld xmlns:a="http://schemas.openxmlformats.org/drawingml/2006/main" xmlns:r="http://schemas.openxmlformats.org/officeDocument/2006/relationships" xmlns:p="http://schemas.openxmlformats.org/presentationml/2006/main">
+  <p:cSld>
+    <p:spTree>
+      <p:nvGrpSpPr>
+        <p:cNvPr id="1" name="">
+          <a:extLst>
+            <a:ext uri="{FF2B5EF4-FFF2-40B4-BE49-F238E27FC236}">
+              <a16:creationId xmlns:a16="http://schemas.microsoft.com/office/drawing/2014/main" id="{60FCA55C-1928-B504-DB3D-EB3AD343017C}"/>
+            </a:ext>
+          </a:extLst>
+        </p:cNvPr>
+        <p:cNvGrpSpPr/>
+        <p:nvPr/>
+      </p:nvGrpSpPr>
+      <p:grpSpPr>
+        <a:xfrm>
+          <a:off x="0" y="0"/>
+          <a:ext cx="0" cy="0"/>
+          <a:chOff x="0" y="0"/>
+          <a:chExt cx="0" cy="0"/>
+        </a:xfrm>
+      </p:grpSpPr>
+    </p:spTree>
+    <p:extLst>
+      <p:ext uri="{BB962C8B-B14F-4D97-AF65-F5344CB8AC3E}">
+        <p14:creationId xmlns:p14="http://schemas.microsoft.com/office/powerpoint/2010/main" val="2845753529"/>
+      </p:ext>
+    </p:extLst>
+  </p:cSld>
+  <p:clrMapOvr>
+    <a:masterClrMapping/>
+  </p:clrMapOvr>
+</p:sld>
+</file>
+
+<file path=ppt/slides/slide13.xml><?xml version="1.0" encoding="utf-8"?>
+<p:sld xmlns:a="http://schemas.openxmlformats.org/drawingml/2006/main" xmlns:r="http://schemas.openxmlformats.org/officeDocument/2006/relationships" xmlns:p="http://schemas.openxmlformats.org/presentationml/2006/main">
+  <p:cSld>
+    <p:spTree>
+      <p:nvGrpSpPr>
+        <p:cNvPr id="1" name=""/>
+        <p:cNvGrpSpPr/>
+        <p:nvPr/>
+      </p:nvGrpSpPr>
+      <p:grpSpPr>
+        <a:xfrm>
+          <a:off x="0" y="0"/>
+          <a:ext cx="0" cy="0"/>
+          <a:chOff x="0" y="0"/>
+          <a:chExt cx="0" cy="0"/>
+        </a:xfrm>
+      </p:grpSpPr>
+      <p:pic>
+        <p:nvPicPr>
+          <p:cNvPr id="3" name="Immagine 2">
+            <a:extLst>
+              <a:ext uri="{FF2B5EF4-FFF2-40B4-BE49-F238E27FC236}">
+                <a16:creationId xmlns:a16="http://schemas.microsoft.com/office/drawing/2014/main" id="{B52A3272-CF1B-A316-0DB4-7632FC234907}"/>
+              </a:ext>
+            </a:extLst>
+          </p:cNvPr>
+          <p:cNvPicPr>
+            <a:picLocks noChangeAspect="1"/>
+          </p:cNvPicPr>
+          <p:nvPr/>
+        </p:nvPicPr>
+        <p:blipFill>
+          <a:blip r:embed="rId2"/>
+          <a:stretch>
+            <a:fillRect/>
+          </a:stretch>
+        </p:blipFill>
+        <p:spPr>
+          <a:xfrm>
+            <a:off x="1295400" y="0"/>
+            <a:ext cx="9601200" cy="6858000"/>
+          </a:xfrm>
+          <a:prstGeom prst="rect">
+            <a:avLst/>
+          </a:prstGeom>
+        </p:spPr>
+      </p:pic>
+    </p:spTree>
+    <p:extLst>
+      <p:ext uri="{BB962C8B-B14F-4D97-AF65-F5344CB8AC3E}">
+        <p14:creationId xmlns:p14="http://schemas.microsoft.com/office/powerpoint/2010/main" val="2920023373"/>
+      </p:ext>
+    </p:extLst>
+  </p:cSld>
+  <p:clrMapOvr>
+    <a:masterClrMapping/>
+  </p:clrMapOvr>
+</p:sld>
+</file>
+
 <file path=ppt/slides/slide2.xml><?xml version="1.0" encoding="utf-8"?>
 <p:sld xmlns:a="http://schemas.openxmlformats.org/drawingml/2006/main" xmlns:r="http://schemas.openxmlformats.org/officeDocument/2006/relationships" xmlns:p="http://schemas.openxmlformats.org/presentationml/2006/main">
   <p:cSld>
@@ -3696,8 +8150,8 @@
             </p:nvSpPr>
             <p:spPr>
               <a:xfrm>
-                <a:off x="8979298" y="2820131"/>
-                <a:ext cx="3617811" cy="954107"/>
+                <a:off x="8979298" y="2697580"/>
+                <a:ext cx="3617811" cy="1169551"/>
               </a:xfrm>
               <a:prstGeom prst="rect">
                 <a:avLst/>
@@ -3807,6 +8261,21 @@
                   <a:t> h</a:t>
                 </a:r>
               </a:p>
+              <a:p>
+                <a:pPr marL="285750" indent="-285750">
+                  <a:buFontTx/>
+                  <a:buChar char="-"/>
+                </a:pPr>
+                <a:r>
+                  <a:rPr lang="it-IT" sz="1400" i="1" dirty="0"/>
+                  <a:t>f - </a:t>
+                </a:r>
+                <a:r>
+                  <a:rPr lang="it-IT" sz="1400" i="1" dirty="0" err="1"/>
+                  <a:t>plane</a:t>
+                </a:r>
+                <a:endParaRPr lang="it-IT" sz="1400" i="1" dirty="0"/>
+              </a:p>
             </p:txBody>
           </p:sp>
         </mc:Choice>
@@ -3827,8 +8296,8 @@
             </p:nvSpPr>
             <p:spPr>
               <a:xfrm>
-                <a:off x="8979298" y="2820131"/>
-                <a:ext cx="3617811" cy="954107"/>
+                <a:off x="8979298" y="2697580"/>
+                <a:ext cx="3617811" cy="1169551"/>
               </a:xfrm>
               <a:prstGeom prst="rect">
                 <a:avLst/>
@@ -3836,7 +8305,7 @@
               <a:blipFill>
                 <a:blip r:embed="rId6"/>
                 <a:stretch>
-                  <a:fillRect l="-506" t="-1282" b="-5769"/>
+                  <a:fillRect l="-506" t="-1047" b="-4712"/>
                 </a:stretch>
               </a:blipFill>
             </p:spPr>
@@ -3845,7 +8314,7 @@
               <a:lstStyle/>
               <a:p>
                 <a:r>
-                  <a:rPr lang="it-IT">
+                  <a:rPr lang="en-GB">
                     <a:noFill/>
                   </a:rPr>
                   <a:t> </a:t>
@@ -4170,8 +8639,8 @@
           </a:p>
         </p:txBody>
       </p:sp>
-      <mc:AlternateContent xmlns:mc="http://schemas.openxmlformats.org/markup-compatibility/2006">
-        <mc:Choice xmlns:a14="http://schemas.microsoft.com/office/drawing/2010/main" Requires="a14">
+      <mc:AlternateContent xmlns:mc="http://schemas.openxmlformats.org/markup-compatibility/2006" xmlns:a14="http://schemas.microsoft.com/office/drawing/2010/main">
+        <mc:Choice Requires="a14">
           <p:sp>
             <p:nvSpPr>
               <p:cNvPr id="12" name="CasellaDiTesto 11">
@@ -4307,7 +8776,7 @@
             </p:txBody>
           </p:sp>
         </mc:Choice>
-        <mc:Fallback>
+        <mc:Fallback xmlns="">
           <p:sp>
             <p:nvSpPr>
               <p:cNvPr id="12" name="CasellaDiTesto 11">
@@ -4710,8 +9179,8 @@
           <a:chExt cx="0" cy="0"/>
         </a:xfrm>
       </p:grpSpPr>
-      <mc:AlternateContent xmlns:mc="http://schemas.openxmlformats.org/markup-compatibility/2006">
-        <mc:Choice xmlns:a14="http://schemas.microsoft.com/office/drawing/2010/main" Requires="a14">
+      <mc:AlternateContent xmlns:mc="http://schemas.openxmlformats.org/markup-compatibility/2006" xmlns:a14="http://schemas.microsoft.com/office/drawing/2010/main">
+        <mc:Choice Requires="a14">
           <p:sp>
             <p:nvSpPr>
               <p:cNvPr id="12" name="CasellaDiTesto 11">
@@ -4847,7 +9316,7 @@
             </p:txBody>
           </p:sp>
         </mc:Choice>
-        <mc:Fallback>
+        <mc:Fallback xmlns="">
           <p:sp>
             <p:nvSpPr>
               <p:cNvPr id="12" name="CasellaDiTesto 11">
@@ -5082,8 +9551,8 @@
             </p:nvSpPr>
             <p:spPr>
               <a:xfrm>
-                <a:off x="4556635" y="969100"/>
-                <a:ext cx="3038168" cy="1769331"/>
+                <a:off x="4269906" y="847396"/>
+                <a:ext cx="3669643" cy="2581604"/>
               </a:xfrm>
               <a:prstGeom prst="rect">
                 <a:avLst/>
@@ -5136,6 +9605,7 @@
                 <a:endParaRPr lang="it-IT" dirty="0"/>
               </a:p>
               <a:p>
+                <a:pPr/>
                 <a14:m>
                   <m:oMathPara xmlns:m="http://schemas.openxmlformats.org/officeDocument/2006/math">
                     <m:oMathParaPr>
@@ -5313,6 +9783,116 @@
                     </m:oMath>
                   </m:oMathPara>
                 </a14:m>
+                <a:endParaRPr lang="it-IT" b="0" dirty="0"/>
+              </a:p>
+              <a:p>
+                <a:pPr/>
+                <a14:m>
+                  <m:oMathPara xmlns:m="http://schemas.openxmlformats.org/officeDocument/2006/math">
+                    <m:oMathParaPr>
+                      <m:jc m:val="centerGroup"/>
+                    </m:oMathParaPr>
+                    <m:oMath xmlns:m="http://schemas.openxmlformats.org/officeDocument/2006/math">
+                      <m:f>
+                        <m:fPr>
+                          <m:ctrlPr>
+                            <a:rPr lang="it-IT" b="0" i="1" smtClean="0">
+                              <a:latin typeface="Cambria Math" panose="02040503050406030204" pitchFamily="18" charset="0"/>
+                            </a:rPr>
+                          </m:ctrlPr>
+                        </m:fPr>
+                        <m:num>
+                          <m:r>
+                            <a:rPr lang="it-IT" b="0" i="1" smtClean="0">
+                              <a:latin typeface="Cambria Math" panose="02040503050406030204" pitchFamily="18" charset="0"/>
+                            </a:rPr>
+                            <m:t>𝐷</m:t>
+                          </m:r>
+                        </m:num>
+                        <m:den>
+                          <m:r>
+                            <a:rPr lang="it-IT" b="0" i="1" smtClean="0">
+                              <a:latin typeface="Cambria Math" panose="02040503050406030204" pitchFamily="18" charset="0"/>
+                            </a:rPr>
+                            <m:t>𝐷𝑡</m:t>
+                          </m:r>
+                        </m:den>
+                      </m:f>
+                      <m:f>
+                        <m:fPr>
+                          <m:ctrlPr>
+                            <a:rPr lang="it-IT" b="0" i="1" smtClean="0">
+                              <a:latin typeface="Cambria Math" panose="02040503050406030204" pitchFamily="18" charset="0"/>
+                            </a:rPr>
+                          </m:ctrlPr>
+                        </m:fPr>
+                        <m:num>
+                          <m:r>
+                            <a:rPr lang="it-IT" b="0" i="1" smtClean="0">
+                              <a:latin typeface="Cambria Math" panose="02040503050406030204" pitchFamily="18" charset="0"/>
+                            </a:rPr>
+                            <m:t>𝑓</m:t>
+                          </m:r>
+                          <m:r>
+                            <a:rPr lang="it-IT" b="0" i="1" smtClean="0">
+                              <a:latin typeface="Cambria Math" panose="02040503050406030204" pitchFamily="18" charset="0"/>
+                            </a:rPr>
+                            <m:t>+</m:t>
+                          </m:r>
+                          <m:sSub>
+                            <m:sSubPr>
+                              <m:ctrlPr>
+                                <a:rPr lang="it-IT" b="0" i="1" smtClean="0">
+                                  <a:latin typeface="Cambria Math" panose="02040503050406030204" pitchFamily="18" charset="0"/>
+                                </a:rPr>
+                              </m:ctrlPr>
+                            </m:sSubPr>
+                            <m:e>
+                              <m:r>
+                                <a:rPr lang="it-IT" b="0" i="1" smtClean="0">
+                                  <a:latin typeface="Cambria Math" panose="02040503050406030204" pitchFamily="18" charset="0"/>
+                                </a:rPr>
+                                <m:t>𝑄</m:t>
+                              </m:r>
+                            </m:e>
+                            <m:sub>
+                              <m:r>
+                                <a:rPr lang="it-IT" b="0" i="1" smtClean="0">
+                                  <a:latin typeface="Cambria Math" panose="02040503050406030204" pitchFamily="18" charset="0"/>
+                                </a:rPr>
+                                <m:t>|</m:t>
+                              </m:r>
+                              <m:r>
+                                <a:rPr lang="it-IT" b="0" i="1" smtClean="0">
+                                  <a:latin typeface="Cambria Math" panose="02040503050406030204" pitchFamily="18" charset="0"/>
+                                </a:rPr>
+                                <m:t>𝑧</m:t>
+                              </m:r>
+                            </m:sub>
+                          </m:sSub>
+                        </m:num>
+                        <m:den>
+                          <m:r>
+                            <a:rPr lang="it-IT" b="0" i="1" smtClean="0">
+                              <a:latin typeface="Cambria Math" panose="02040503050406030204" pitchFamily="18" charset="0"/>
+                            </a:rPr>
+                            <m:t>h</m:t>
+                          </m:r>
+                        </m:den>
+                      </m:f>
+                      <m:r>
+                        <a:rPr lang="it-IT" b="0" i="1" smtClean="0">
+                          <a:latin typeface="Cambria Math" panose="02040503050406030204" pitchFamily="18" charset="0"/>
+                        </a:rPr>
+                        <m:t>=0</m:t>
+                      </m:r>
+                    </m:oMath>
+                  </m:oMathPara>
+                </a14:m>
+                <a:endParaRPr lang="it-IT" dirty="0"/>
+              </a:p>
+              <a:p>
+                <a:pPr/>
                 <a:endParaRPr lang="it-IT" dirty="0"/>
               </a:p>
               <a:p>
@@ -5381,8 +9961,8 @@
             </p:nvSpPr>
             <p:spPr>
               <a:xfrm>
-                <a:off x="4556635" y="969100"/>
-                <a:ext cx="3038168" cy="1769331"/>
+                <a:off x="4269906" y="847396"/>
+                <a:ext cx="3669643" cy="2581604"/>
               </a:xfrm>
               <a:prstGeom prst="rect">
                 <a:avLst/>
@@ -5390,7 +9970,7 @@
               <a:blipFill>
                 <a:blip r:embed="rId5"/>
                 <a:stretch>
-                  <a:fillRect l="-990" t="-676" r="-198" b="-3716"/>
+                  <a:fillRect l="-822" t="-233" b="-2093"/>
                 </a:stretch>
               </a:blipFill>
               <a:ln w="38100">
@@ -5404,7 +9984,7 @@
               <a:lstStyle/>
               <a:p>
                 <a:r>
-                  <a:rPr lang="it-IT">
+                  <a:rPr lang="en-GB">
                     <a:noFill/>
                   </a:rPr>
                   <a:t> </a:t>
@@ -5428,7 +10008,7 @@
         </p:nvSpPr>
         <p:spPr>
           <a:xfrm>
-            <a:off x="294968" y="3390996"/>
+            <a:off x="283041" y="3570709"/>
             <a:ext cx="5759910" cy="923330"/>
           </a:xfrm>
           <a:prstGeom prst="rect">
@@ -5514,62 +10094,6 @@
           </a:p>
         </p:txBody>
       </p:sp>
-      <p:sp>
-        <p:nvSpPr>
-          <p:cNvPr id="18" name="Parallelogramma 17">
-            <a:extLst>
-              <a:ext uri="{FF2B5EF4-FFF2-40B4-BE49-F238E27FC236}">
-                <a16:creationId xmlns:a16="http://schemas.microsoft.com/office/drawing/2014/main" id="{1F611638-952E-AEDF-1152-20ABF252C3C7}"/>
-              </a:ext>
-            </a:extLst>
-          </p:cNvPr>
-          <p:cNvSpPr/>
-          <p:nvPr/>
-        </p:nvSpPr>
-        <p:spPr>
-          <a:xfrm rot="20347941">
-            <a:off x="1542078" y="4352864"/>
-            <a:ext cx="3730622" cy="1552361"/>
-          </a:xfrm>
-          <a:prstGeom prst="parallelogram">
-            <a:avLst/>
-          </a:prstGeom>
-          <a:solidFill>
-            <a:schemeClr val="bg1">
-              <a:lumMod val="85000"/>
-            </a:schemeClr>
-          </a:solidFill>
-          <a:ln>
-            <a:solidFill>
-              <a:schemeClr val="bg2"/>
-            </a:solidFill>
-          </a:ln>
-        </p:spPr>
-        <p:style>
-          <a:lnRef idx="2">
-            <a:schemeClr val="accent1">
-              <a:shade val="15000"/>
-            </a:schemeClr>
-          </a:lnRef>
-          <a:fillRef idx="1">
-            <a:schemeClr val="accent1"/>
-          </a:fillRef>
-          <a:effectRef idx="0">
-            <a:schemeClr val="accent1"/>
-          </a:effectRef>
-          <a:fontRef idx="minor">
-            <a:schemeClr val="lt1"/>
-          </a:fontRef>
-        </p:style>
-        <p:txBody>
-          <a:bodyPr rtlCol="0" anchor="ctr"/>
-          <a:lstStyle/>
-          <a:p>
-            <a:pPr algn="ctr"/>
-            <a:endParaRPr lang="it-IT"/>
-          </a:p>
-        </p:txBody>
-      </p:sp>
       <p:cxnSp>
         <p:nvCxnSpPr>
           <p:cNvPr id="20" name="Connettore 2 19">
@@ -5584,7 +10108,7 @@
         </p:nvCxnSpPr>
         <p:spPr>
           <a:xfrm flipH="1">
-            <a:off x="766916" y="4314326"/>
+            <a:off x="800752" y="4664416"/>
             <a:ext cx="4778478" cy="1821003"/>
           </a:xfrm>
           <a:prstGeom prst="straightConnector1">
@@ -5628,7 +10152,7 @@
         </p:nvCxnSpPr>
         <p:spPr>
           <a:xfrm>
-            <a:off x="5545394" y="4314326"/>
+            <a:off x="5579230" y="4664416"/>
             <a:ext cx="3116209" cy="1346166"/>
           </a:xfrm>
           <a:prstGeom prst="straightConnector1">
@@ -5656,178 +10180,255 @@
           </a:fontRef>
         </p:style>
       </p:cxnSp>
-      <p:cxnSp>
-        <p:nvCxnSpPr>
-          <p:cNvPr id="24" name="Connettore diritto 23">
-            <a:extLst>
-              <a:ext uri="{FF2B5EF4-FFF2-40B4-BE49-F238E27FC236}">
-                <a16:creationId xmlns:a16="http://schemas.microsoft.com/office/drawing/2014/main" id="{BE87BB6A-6A1D-A76D-C46E-DFAAFC1ADC72}"/>
-              </a:ext>
-            </a:extLst>
-          </p:cNvPr>
-          <p:cNvCxnSpPr>
-            <a:cxnSpLocks/>
-          </p:cNvCxnSpPr>
+      <p:grpSp>
+        <p:nvGrpSpPr>
+          <p:cNvPr id="2" name="Gruppo 1">
+            <a:extLst>
+              <a:ext uri="{FF2B5EF4-FFF2-40B4-BE49-F238E27FC236}">
+                <a16:creationId xmlns:a16="http://schemas.microsoft.com/office/drawing/2014/main" id="{4EF534FB-1412-477A-8C67-38278E738A2A}"/>
+              </a:ext>
+            </a:extLst>
+          </p:cNvPr>
+          <p:cNvGrpSpPr/>
           <p:nvPr/>
-        </p:nvCxnSpPr>
-        <p:spPr>
+        </p:nvGrpSpPr>
+        <p:grpSpPr>
           <a:xfrm>
-            <a:off x="2492989" y="4799856"/>
-            <a:ext cx="914400" cy="963176"/>
+            <a:off x="1575914" y="4668358"/>
+            <a:ext cx="3730622" cy="1586957"/>
+            <a:chOff x="1542078" y="4318268"/>
+            <a:chExt cx="3730622" cy="1586957"/>
           </a:xfrm>
-          <a:prstGeom prst="line">
-            <a:avLst/>
-          </a:prstGeom>
-          <a:ln>
+        </p:grpSpPr>
+        <p:sp>
+          <p:nvSpPr>
+            <p:cNvPr id="18" name="Parallelogramma 17">
+              <a:extLst>
+                <a:ext uri="{FF2B5EF4-FFF2-40B4-BE49-F238E27FC236}">
+                  <a16:creationId xmlns:a16="http://schemas.microsoft.com/office/drawing/2014/main" id="{1F611638-952E-AEDF-1152-20ABF252C3C7}"/>
+                </a:ext>
+              </a:extLst>
+            </p:cNvPr>
+            <p:cNvSpPr/>
+            <p:nvPr/>
+          </p:nvSpPr>
+          <p:spPr>
+            <a:xfrm rot="20347941">
+              <a:off x="1542078" y="4352864"/>
+              <a:ext cx="3730622" cy="1552361"/>
+            </a:xfrm>
+            <a:prstGeom prst="parallelogram">
+              <a:avLst/>
+            </a:prstGeom>
             <a:solidFill>
-              <a:schemeClr val="bg2"/>
+              <a:schemeClr val="bg1">
+                <a:lumMod val="85000"/>
+              </a:schemeClr>
             </a:solidFill>
-          </a:ln>
-        </p:spPr>
-        <p:style>
-          <a:lnRef idx="2">
-            <a:schemeClr val="accent1"/>
-          </a:lnRef>
-          <a:fillRef idx="0">
-            <a:schemeClr val="accent1"/>
-          </a:fillRef>
-          <a:effectRef idx="1">
-            <a:schemeClr val="accent1"/>
-          </a:effectRef>
-          <a:fontRef idx="minor">
-            <a:schemeClr val="tx1"/>
-          </a:fontRef>
-        </p:style>
-      </p:cxnSp>
-      <p:cxnSp>
-        <p:nvCxnSpPr>
-          <p:cNvPr id="26" name="Connettore diritto 25">
-            <a:extLst>
-              <a:ext uri="{FF2B5EF4-FFF2-40B4-BE49-F238E27FC236}">
-                <a16:creationId xmlns:a16="http://schemas.microsoft.com/office/drawing/2014/main" id="{14F4F984-B302-4EA1-ED11-134951358ABF}"/>
-              </a:ext>
-            </a:extLst>
-          </p:cNvPr>
-          <p:cNvCxnSpPr>
-            <a:cxnSpLocks/>
-          </p:cNvCxnSpPr>
-          <p:nvPr/>
-        </p:nvCxnSpPr>
-        <p:spPr>
-          <a:xfrm>
-            <a:off x="2779813" y="4647456"/>
-            <a:ext cx="914400" cy="963176"/>
-          </a:xfrm>
-          <a:prstGeom prst="line">
-            <a:avLst/>
-          </a:prstGeom>
-          <a:ln>
-            <a:solidFill>
-              <a:schemeClr val="bg2"/>
-            </a:solidFill>
-          </a:ln>
-        </p:spPr>
-        <p:style>
-          <a:lnRef idx="2">
-            <a:schemeClr val="accent1"/>
-          </a:lnRef>
-          <a:fillRef idx="0">
-            <a:schemeClr val="accent1"/>
-          </a:fillRef>
-          <a:effectRef idx="1">
-            <a:schemeClr val="accent1"/>
-          </a:effectRef>
-          <a:fontRef idx="minor">
-            <a:schemeClr val="tx1"/>
-          </a:fontRef>
-        </p:style>
-      </p:cxnSp>
-      <p:cxnSp>
-        <p:nvCxnSpPr>
-          <p:cNvPr id="27" name="Connettore diritto 26">
-            <a:extLst>
-              <a:ext uri="{FF2B5EF4-FFF2-40B4-BE49-F238E27FC236}">
-                <a16:creationId xmlns:a16="http://schemas.microsoft.com/office/drawing/2014/main" id="{0F31541B-E4BC-4EE0-04F2-F623536BA977}"/>
-              </a:ext>
-            </a:extLst>
-          </p:cNvPr>
-          <p:cNvCxnSpPr>
-            <a:cxnSpLocks/>
-          </p:cNvCxnSpPr>
-          <p:nvPr/>
-        </p:nvCxnSpPr>
-        <p:spPr>
-          <a:xfrm>
-            <a:off x="3112100" y="4555687"/>
-            <a:ext cx="914400" cy="963176"/>
-          </a:xfrm>
-          <a:prstGeom prst="line">
-            <a:avLst/>
-          </a:prstGeom>
-          <a:ln>
-            <a:solidFill>
-              <a:schemeClr val="bg2"/>
-            </a:solidFill>
-          </a:ln>
-        </p:spPr>
-        <p:style>
-          <a:lnRef idx="2">
-            <a:schemeClr val="accent1"/>
-          </a:lnRef>
-          <a:fillRef idx="0">
-            <a:schemeClr val="accent1"/>
-          </a:fillRef>
-          <a:effectRef idx="1">
-            <a:schemeClr val="accent1"/>
-          </a:effectRef>
-          <a:fontRef idx="minor">
-            <a:schemeClr val="tx1"/>
-          </a:fontRef>
-        </p:style>
-      </p:cxnSp>
-      <p:cxnSp>
-        <p:nvCxnSpPr>
-          <p:cNvPr id="28" name="Connettore diritto 27">
-            <a:extLst>
-              <a:ext uri="{FF2B5EF4-FFF2-40B4-BE49-F238E27FC236}">
-                <a16:creationId xmlns:a16="http://schemas.microsoft.com/office/drawing/2014/main" id="{2DF3E231-32BC-1815-22A5-C88A0EB390E6}"/>
-              </a:ext>
-            </a:extLst>
-          </p:cNvPr>
-          <p:cNvCxnSpPr>
-            <a:cxnSpLocks/>
-          </p:cNvCxnSpPr>
-          <p:nvPr/>
-        </p:nvCxnSpPr>
-        <p:spPr>
-          <a:xfrm>
-            <a:off x="3509731" y="4318268"/>
-            <a:ext cx="914400" cy="963176"/>
-          </a:xfrm>
-          <a:prstGeom prst="line">
-            <a:avLst/>
-          </a:prstGeom>
-          <a:ln>
-            <a:solidFill>
-              <a:schemeClr val="bg2"/>
-            </a:solidFill>
-          </a:ln>
-        </p:spPr>
-        <p:style>
-          <a:lnRef idx="2">
-            <a:schemeClr val="accent1"/>
-          </a:lnRef>
-          <a:fillRef idx="0">
-            <a:schemeClr val="accent1"/>
-          </a:fillRef>
-          <a:effectRef idx="1">
-            <a:schemeClr val="accent1"/>
-          </a:effectRef>
-          <a:fontRef idx="minor">
-            <a:schemeClr val="tx1"/>
-          </a:fontRef>
-        </p:style>
-      </p:cxnSp>
+            <a:ln>
+              <a:solidFill>
+                <a:schemeClr val="bg2"/>
+              </a:solidFill>
+            </a:ln>
+          </p:spPr>
+          <p:style>
+            <a:lnRef idx="2">
+              <a:schemeClr val="accent1">
+                <a:shade val="15000"/>
+              </a:schemeClr>
+            </a:lnRef>
+            <a:fillRef idx="1">
+              <a:schemeClr val="accent1"/>
+            </a:fillRef>
+            <a:effectRef idx="0">
+              <a:schemeClr val="accent1"/>
+            </a:effectRef>
+            <a:fontRef idx="minor">
+              <a:schemeClr val="lt1"/>
+            </a:fontRef>
+          </p:style>
+          <p:txBody>
+            <a:bodyPr rtlCol="0" anchor="ctr"/>
+            <a:lstStyle/>
+            <a:p>
+              <a:pPr algn="ctr"/>
+              <a:endParaRPr lang="it-IT"/>
+            </a:p>
+          </p:txBody>
+        </p:sp>
+        <p:cxnSp>
+          <p:nvCxnSpPr>
+            <p:cNvPr id="24" name="Connettore diritto 23">
+              <a:extLst>
+                <a:ext uri="{FF2B5EF4-FFF2-40B4-BE49-F238E27FC236}">
+                  <a16:creationId xmlns:a16="http://schemas.microsoft.com/office/drawing/2014/main" id="{BE87BB6A-6A1D-A76D-C46E-DFAAFC1ADC72}"/>
+                </a:ext>
+              </a:extLst>
+            </p:cNvPr>
+            <p:cNvCxnSpPr>
+              <a:cxnSpLocks/>
+            </p:cNvCxnSpPr>
+            <p:nvPr/>
+          </p:nvCxnSpPr>
+          <p:spPr>
+            <a:xfrm>
+              <a:off x="2492989" y="4799856"/>
+              <a:ext cx="914400" cy="963176"/>
+            </a:xfrm>
+            <a:prstGeom prst="line">
+              <a:avLst/>
+            </a:prstGeom>
+            <a:ln>
+              <a:solidFill>
+                <a:schemeClr val="bg2"/>
+              </a:solidFill>
+            </a:ln>
+          </p:spPr>
+          <p:style>
+            <a:lnRef idx="2">
+              <a:schemeClr val="accent1"/>
+            </a:lnRef>
+            <a:fillRef idx="0">
+              <a:schemeClr val="accent1"/>
+            </a:fillRef>
+            <a:effectRef idx="1">
+              <a:schemeClr val="accent1"/>
+            </a:effectRef>
+            <a:fontRef idx="minor">
+              <a:schemeClr val="tx1"/>
+            </a:fontRef>
+          </p:style>
+        </p:cxnSp>
+        <p:cxnSp>
+          <p:nvCxnSpPr>
+            <p:cNvPr id="26" name="Connettore diritto 25">
+              <a:extLst>
+                <a:ext uri="{FF2B5EF4-FFF2-40B4-BE49-F238E27FC236}">
+                  <a16:creationId xmlns:a16="http://schemas.microsoft.com/office/drawing/2014/main" id="{14F4F984-B302-4EA1-ED11-134951358ABF}"/>
+                </a:ext>
+              </a:extLst>
+            </p:cNvPr>
+            <p:cNvCxnSpPr>
+              <a:cxnSpLocks/>
+            </p:cNvCxnSpPr>
+            <p:nvPr/>
+          </p:nvCxnSpPr>
+          <p:spPr>
+            <a:xfrm>
+              <a:off x="2779813" y="4647456"/>
+              <a:ext cx="914400" cy="963176"/>
+            </a:xfrm>
+            <a:prstGeom prst="line">
+              <a:avLst/>
+            </a:prstGeom>
+            <a:ln>
+              <a:solidFill>
+                <a:schemeClr val="bg2"/>
+              </a:solidFill>
+            </a:ln>
+          </p:spPr>
+          <p:style>
+            <a:lnRef idx="2">
+              <a:schemeClr val="accent1"/>
+            </a:lnRef>
+            <a:fillRef idx="0">
+              <a:schemeClr val="accent1"/>
+            </a:fillRef>
+            <a:effectRef idx="1">
+              <a:schemeClr val="accent1"/>
+            </a:effectRef>
+            <a:fontRef idx="minor">
+              <a:schemeClr val="tx1"/>
+            </a:fontRef>
+          </p:style>
+        </p:cxnSp>
+        <p:cxnSp>
+          <p:nvCxnSpPr>
+            <p:cNvPr id="27" name="Connettore diritto 26">
+              <a:extLst>
+                <a:ext uri="{FF2B5EF4-FFF2-40B4-BE49-F238E27FC236}">
+                  <a16:creationId xmlns:a16="http://schemas.microsoft.com/office/drawing/2014/main" id="{0F31541B-E4BC-4EE0-04F2-F623536BA977}"/>
+                </a:ext>
+              </a:extLst>
+            </p:cNvPr>
+            <p:cNvCxnSpPr>
+              <a:cxnSpLocks/>
+            </p:cNvCxnSpPr>
+            <p:nvPr/>
+          </p:nvCxnSpPr>
+          <p:spPr>
+            <a:xfrm>
+              <a:off x="3112100" y="4555687"/>
+              <a:ext cx="914400" cy="963176"/>
+            </a:xfrm>
+            <a:prstGeom prst="line">
+              <a:avLst/>
+            </a:prstGeom>
+            <a:ln>
+              <a:solidFill>
+                <a:schemeClr val="bg2"/>
+              </a:solidFill>
+            </a:ln>
+          </p:spPr>
+          <p:style>
+            <a:lnRef idx="2">
+              <a:schemeClr val="accent1"/>
+            </a:lnRef>
+            <a:fillRef idx="0">
+              <a:schemeClr val="accent1"/>
+            </a:fillRef>
+            <a:effectRef idx="1">
+              <a:schemeClr val="accent1"/>
+            </a:effectRef>
+            <a:fontRef idx="minor">
+              <a:schemeClr val="tx1"/>
+            </a:fontRef>
+          </p:style>
+        </p:cxnSp>
+        <p:cxnSp>
+          <p:nvCxnSpPr>
+            <p:cNvPr id="28" name="Connettore diritto 27">
+              <a:extLst>
+                <a:ext uri="{FF2B5EF4-FFF2-40B4-BE49-F238E27FC236}">
+                  <a16:creationId xmlns:a16="http://schemas.microsoft.com/office/drawing/2014/main" id="{2DF3E231-32BC-1815-22A5-C88A0EB390E6}"/>
+                </a:ext>
+              </a:extLst>
+            </p:cNvPr>
+            <p:cNvCxnSpPr>
+              <a:cxnSpLocks/>
+            </p:cNvCxnSpPr>
+            <p:nvPr/>
+          </p:nvCxnSpPr>
+          <p:spPr>
+            <a:xfrm>
+              <a:off x="3509731" y="4318268"/>
+              <a:ext cx="914400" cy="963176"/>
+            </a:xfrm>
+            <a:prstGeom prst="line">
+              <a:avLst/>
+            </a:prstGeom>
+            <a:ln>
+              <a:solidFill>
+                <a:schemeClr val="bg2"/>
+              </a:solidFill>
+            </a:ln>
+          </p:spPr>
+          <p:style>
+            <a:lnRef idx="2">
+              <a:schemeClr val="accent1"/>
+            </a:lnRef>
+            <a:fillRef idx="0">
+              <a:schemeClr val="accent1"/>
+            </a:fillRef>
+            <a:effectRef idx="1">
+              <a:schemeClr val="accent1"/>
+            </a:effectRef>
+            <a:fontRef idx="minor">
+              <a:schemeClr val="tx1"/>
+            </a:fontRef>
+          </p:style>
+        </p:cxnSp>
+      </p:grpSp>
       <p:sp>
         <p:nvSpPr>
           <p:cNvPr id="29" name="CasellaDiTesto 28">
@@ -5842,7 +10443,7 @@
         </p:nvSpPr>
         <p:spPr>
           <a:xfrm>
-            <a:off x="680101" y="5562914"/>
+            <a:off x="713937" y="5913004"/>
             <a:ext cx="288862" cy="369332"/>
           </a:xfrm>
           <a:prstGeom prst="rect">
@@ -5877,7 +10478,7 @@
         </p:nvSpPr>
         <p:spPr>
           <a:xfrm>
-            <a:off x="8491305" y="5149531"/>
+            <a:off x="8525141" y="5499621"/>
             <a:ext cx="288862" cy="369332"/>
           </a:xfrm>
           <a:prstGeom prst="rect">
@@ -5912,7 +10513,7 @@
         </p:nvSpPr>
         <p:spPr>
           <a:xfrm>
-            <a:off x="5663958" y="4386714"/>
+            <a:off x="5697794" y="4736804"/>
             <a:ext cx="2241755" cy="1525633"/>
           </a:xfrm>
           <a:custGeom>
@@ -6025,7 +10626,7 @@
         </p:nvSpPr>
         <p:spPr>
           <a:xfrm>
-            <a:off x="6139755" y="5343912"/>
+            <a:off x="6173591" y="5694002"/>
             <a:ext cx="807401" cy="369332"/>
           </a:xfrm>
           <a:prstGeom prst="rect">
@@ -6091,7 +10692,7 @@
         </p:nvCxnSpPr>
         <p:spPr>
           <a:xfrm flipH="1">
-            <a:off x="5292994" y="4966891"/>
+            <a:off x="5326830" y="5316981"/>
             <a:ext cx="1105156" cy="20518"/>
           </a:xfrm>
           <a:prstGeom prst="straightConnector1">
@@ -6360,6 +10961,452 @@
           </a:p>
         </p:txBody>
       </p:sp>
+      <p:pic>
+        <p:nvPicPr>
+          <p:cNvPr id="4" name="Immagine 3">
+            <a:extLst>
+              <a:ext uri="{FF2B5EF4-FFF2-40B4-BE49-F238E27FC236}">
+                <a16:creationId xmlns:a16="http://schemas.microsoft.com/office/drawing/2014/main" id="{1512BD1D-0D63-CD6F-2FE8-E7C63062613C}"/>
+              </a:ext>
+            </a:extLst>
+          </p:cNvPr>
+          <p:cNvPicPr>
+            <a:picLocks noChangeAspect="1"/>
+          </p:cNvPicPr>
+          <p:nvPr/>
+        </p:nvPicPr>
+        <p:blipFill>
+          <a:blip r:embed="rId4"/>
+          <a:stretch>
+            <a:fillRect/>
+          </a:stretch>
+        </p:blipFill>
+        <p:spPr>
+          <a:xfrm>
+            <a:off x="639197" y="4582650"/>
+            <a:ext cx="3746954" cy="674917"/>
+          </a:xfrm>
+          <a:prstGeom prst="rect">
+            <a:avLst/>
+          </a:prstGeom>
+        </p:spPr>
+      </p:pic>
+      <p:pic>
+        <p:nvPicPr>
+          <p:cNvPr id="10" name="Immagine 9">
+            <a:extLst>
+              <a:ext uri="{FF2B5EF4-FFF2-40B4-BE49-F238E27FC236}">
+                <a16:creationId xmlns:a16="http://schemas.microsoft.com/office/drawing/2014/main" id="{4C31F67C-A584-EA6A-4256-7C1DFB4DCC6A}"/>
+              </a:ext>
+            </a:extLst>
+          </p:cNvPr>
+          <p:cNvPicPr>
+            <a:picLocks noChangeAspect="1"/>
+          </p:cNvPicPr>
+          <p:nvPr/>
+        </p:nvPicPr>
+        <p:blipFill>
+          <a:blip r:embed="rId5"/>
+          <a:stretch>
+            <a:fillRect/>
+          </a:stretch>
+        </p:blipFill>
+        <p:spPr>
+          <a:xfrm>
+            <a:off x="4900905" y="4330474"/>
+            <a:ext cx="2390190" cy="1037500"/>
+          </a:xfrm>
+          <a:prstGeom prst="rect">
+            <a:avLst/>
+          </a:prstGeom>
+        </p:spPr>
+      </p:pic>
+      <p:sp>
+        <p:nvSpPr>
+          <p:cNvPr id="11" name="CasellaDiTesto 10">
+            <a:extLst>
+              <a:ext uri="{FF2B5EF4-FFF2-40B4-BE49-F238E27FC236}">
+                <a16:creationId xmlns:a16="http://schemas.microsoft.com/office/drawing/2014/main" id="{68BE988B-72A1-5EE3-947E-C939C18A5C4D}"/>
+              </a:ext>
+            </a:extLst>
+          </p:cNvPr>
+          <p:cNvSpPr txBox="1"/>
+          <p:nvPr/>
+        </p:nvSpPr>
+        <p:spPr>
+          <a:xfrm>
+            <a:off x="7578958" y="4334237"/>
+            <a:ext cx="3973845" cy="923330"/>
+          </a:xfrm>
+          <a:prstGeom prst="rect">
+            <a:avLst/>
+          </a:prstGeom>
+          <a:noFill/>
+        </p:spPr>
+        <p:txBody>
+          <a:bodyPr wrap="none" rtlCol="0">
+            <a:spAutoFit/>
+          </a:bodyPr>
+          <a:lstStyle/>
+          <a:p>
+            <a:pPr algn="ctr"/>
+            <a:r>
+              <a:rPr lang="it-IT" dirty="0"/>
+              <a:t>ROSSBY RADIUS OF DEFORMATION</a:t>
+            </a:r>
+          </a:p>
+          <a:p>
+            <a:pPr algn="ctr"/>
+            <a:r>
+              <a:rPr lang="it-IT" dirty="0" err="1"/>
+              <a:t>understand</a:t>
+            </a:r>
+            <a:r>
+              <a:rPr lang="it-IT" dirty="0"/>
+              <a:t> </a:t>
+            </a:r>
+            <a:r>
+              <a:rPr lang="it-IT" dirty="0" err="1"/>
+              <a:t>where</a:t>
+            </a:r>
+            <a:r>
+              <a:rPr lang="it-IT" dirty="0"/>
+              <a:t> </a:t>
+            </a:r>
+            <a:r>
+              <a:rPr lang="it-IT" dirty="0" err="1"/>
+              <a:t>Gravity</a:t>
+            </a:r>
+            <a:r>
+              <a:rPr lang="it-IT" dirty="0"/>
+              <a:t> and </a:t>
+            </a:r>
+            <a:r>
+              <a:rPr lang="it-IT" dirty="0" err="1"/>
+              <a:t>Coriolis</a:t>
+            </a:r>
+            <a:endParaRPr lang="it-IT" dirty="0"/>
+          </a:p>
+          <a:p>
+            <a:pPr algn="ctr"/>
+            <a:r>
+              <a:rPr lang="it-IT" dirty="0"/>
+              <a:t>are </a:t>
+            </a:r>
+            <a:r>
+              <a:rPr lang="it-IT" dirty="0" err="1"/>
+              <a:t>as</a:t>
+            </a:r>
+            <a:r>
+              <a:rPr lang="it-IT" dirty="0"/>
+              <a:t> </a:t>
+            </a:r>
+            <a:r>
+              <a:rPr lang="it-IT" dirty="0" err="1"/>
+              <a:t>important</a:t>
+            </a:r>
+            <a:r>
+              <a:rPr lang="it-IT" dirty="0"/>
+              <a:t> </a:t>
+            </a:r>
+            <a:endParaRPr lang="en-GB" dirty="0"/>
+          </a:p>
+        </p:txBody>
+      </p:sp>
+      <p:sp>
+        <p:nvSpPr>
+          <p:cNvPr id="12" name="Rettangolo 11">
+            <a:extLst>
+              <a:ext uri="{FF2B5EF4-FFF2-40B4-BE49-F238E27FC236}">
+                <a16:creationId xmlns:a16="http://schemas.microsoft.com/office/drawing/2014/main" id="{D8327AAE-23D6-7FC5-E752-6B396514A5F4}"/>
+              </a:ext>
+            </a:extLst>
+          </p:cNvPr>
+          <p:cNvSpPr/>
+          <p:nvPr/>
+        </p:nvSpPr>
+        <p:spPr>
+          <a:xfrm>
+            <a:off x="4900905" y="4330474"/>
+            <a:ext cx="6651898" cy="1108792"/>
+          </a:xfrm>
+          <a:prstGeom prst="rect">
+            <a:avLst/>
+          </a:prstGeom>
+          <a:noFill/>
+          <a:ln w="38100">
+            <a:solidFill>
+              <a:srgbClr val="FFC000"/>
+            </a:solidFill>
+          </a:ln>
+        </p:spPr>
+        <p:style>
+          <a:lnRef idx="2">
+            <a:schemeClr val="accent1">
+              <a:shade val="15000"/>
+            </a:schemeClr>
+          </a:lnRef>
+          <a:fillRef idx="1">
+            <a:schemeClr val="accent1"/>
+          </a:fillRef>
+          <a:effectRef idx="0">
+            <a:schemeClr val="accent1"/>
+          </a:effectRef>
+          <a:fontRef idx="minor">
+            <a:schemeClr val="lt1"/>
+          </a:fontRef>
+        </p:style>
+        <p:txBody>
+          <a:bodyPr rtlCol="0" anchor="ctr"/>
+          <a:lstStyle/>
+          <a:p>
+            <a:pPr algn="ctr"/>
+            <a:endParaRPr lang="en-GB"/>
+          </a:p>
+        </p:txBody>
+      </p:sp>
+      <mc:AlternateContent xmlns:mc="http://schemas.openxmlformats.org/markup-compatibility/2006">
+        <mc:Choice xmlns:a14="http://schemas.microsoft.com/office/drawing/2010/main" Requires="a14">
+          <p:sp>
+            <p:nvSpPr>
+              <p:cNvPr id="13" name="CasellaDiTesto 12">
+                <a:extLst>
+                  <a:ext uri="{FF2B5EF4-FFF2-40B4-BE49-F238E27FC236}">
+                    <a16:creationId xmlns:a16="http://schemas.microsoft.com/office/drawing/2014/main" id="{DEDC7091-2EA5-BC01-F38B-ABED02B09B29}"/>
+                  </a:ext>
+                </a:extLst>
+              </p:cNvPr>
+              <p:cNvSpPr txBox="1"/>
+              <p:nvPr/>
+            </p:nvSpPr>
+            <p:spPr>
+              <a:xfrm>
+                <a:off x="653895" y="5740598"/>
+                <a:ext cx="1858779" cy="716350"/>
+              </a:xfrm>
+              <a:prstGeom prst="rect">
+                <a:avLst/>
+              </a:prstGeom>
+              <a:noFill/>
+            </p:spPr>
+            <p:txBody>
+              <a:bodyPr wrap="none" rtlCol="0">
+                <a:spAutoFit/>
+              </a:bodyPr>
+              <a:lstStyle/>
+              <a:p>
+                <a14:m>
+                  <m:oMathPara xmlns:m="http://schemas.openxmlformats.org/officeDocument/2006/math">
+                    <m:oMathParaPr>
+                      <m:jc m:val="centerGroup"/>
+                    </m:oMathParaPr>
+                    <m:oMath xmlns:m="http://schemas.openxmlformats.org/officeDocument/2006/math">
+                      <m:r>
+                        <a:rPr lang="it-IT" sz="2800" b="0" i="1" smtClean="0">
+                          <a:latin typeface="Cambria Math" panose="02040503050406030204" pitchFamily="18" charset="0"/>
+                        </a:rPr>
+                        <m:t>𝑐</m:t>
+                      </m:r>
+                      <m:r>
+                        <a:rPr lang="it-IT" sz="2800" b="0" i="1" smtClean="0">
+                          <a:latin typeface="Cambria Math" panose="02040503050406030204" pitchFamily="18" charset="0"/>
+                        </a:rPr>
+                        <m:t>=</m:t>
+                      </m:r>
+                      <m:sSup>
+                        <m:sSupPr>
+                          <m:ctrlPr>
+                            <a:rPr lang="it-IT" sz="2800" b="0" i="1" smtClean="0">
+                              <a:latin typeface="Cambria Math" panose="02040503050406030204" pitchFamily="18" charset="0"/>
+                            </a:rPr>
+                          </m:ctrlPr>
+                        </m:sSupPr>
+                        <m:e>
+                          <m:d>
+                            <m:dPr>
+                              <m:ctrlPr>
+                                <a:rPr lang="it-IT" sz="2800" b="0" i="1" smtClean="0">
+                                  <a:latin typeface="Cambria Math" panose="02040503050406030204" pitchFamily="18" charset="0"/>
+                                </a:rPr>
+                              </m:ctrlPr>
+                            </m:dPr>
+                            <m:e>
+                              <m:r>
+                                <a:rPr lang="it-IT" sz="2800" b="0" i="1" smtClean="0">
+                                  <a:latin typeface="Cambria Math" panose="02040503050406030204" pitchFamily="18" charset="0"/>
+                                </a:rPr>
+                                <m:t>𝑔𝐻</m:t>
+                              </m:r>
+                            </m:e>
+                          </m:d>
+                        </m:e>
+                        <m:sup>
+                          <m:f>
+                            <m:fPr>
+                              <m:ctrlPr>
+                                <a:rPr lang="it-IT" sz="2800" b="0" i="1" smtClean="0">
+                                  <a:latin typeface="Cambria Math" panose="02040503050406030204" pitchFamily="18" charset="0"/>
+                                </a:rPr>
+                              </m:ctrlPr>
+                            </m:fPr>
+                            <m:num>
+                              <m:r>
+                                <a:rPr lang="it-IT" sz="2800" b="0" i="1" smtClean="0">
+                                  <a:latin typeface="Cambria Math" panose="02040503050406030204" pitchFamily="18" charset="0"/>
+                                </a:rPr>
+                                <m:t>1</m:t>
+                              </m:r>
+                            </m:num>
+                            <m:den>
+                              <m:r>
+                                <a:rPr lang="it-IT" sz="2800" b="0" i="1" smtClean="0">
+                                  <a:latin typeface="Cambria Math" panose="02040503050406030204" pitchFamily="18" charset="0"/>
+                                </a:rPr>
+                                <m:t>2</m:t>
+                              </m:r>
+                            </m:den>
+                          </m:f>
+                        </m:sup>
+                      </m:sSup>
+                    </m:oMath>
+                  </m:oMathPara>
+                </a14:m>
+                <a:endParaRPr lang="en-GB" sz="2800" dirty="0"/>
+              </a:p>
+            </p:txBody>
+          </p:sp>
+        </mc:Choice>
+        <mc:Fallback>
+          <p:sp>
+            <p:nvSpPr>
+              <p:cNvPr id="13" name="CasellaDiTesto 12">
+                <a:extLst>
+                  <a:ext uri="{FF2B5EF4-FFF2-40B4-BE49-F238E27FC236}">
+                    <a16:creationId xmlns:a16="http://schemas.microsoft.com/office/drawing/2014/main" id="{DEDC7091-2EA5-BC01-F38B-ABED02B09B29}"/>
+                  </a:ext>
+                </a:extLst>
+              </p:cNvPr>
+              <p:cNvSpPr txBox="1">
+                <a:spLocks noRot="1" noChangeAspect="1" noMove="1" noResize="1" noEditPoints="1" noAdjustHandles="1" noChangeArrowheads="1" noChangeShapeType="1" noTextEdit="1"/>
+              </p:cNvSpPr>
+              <p:nvPr/>
+            </p:nvSpPr>
+            <p:spPr>
+              <a:xfrm>
+                <a:off x="653895" y="5740598"/>
+                <a:ext cx="1858779" cy="716350"/>
+              </a:xfrm>
+              <a:prstGeom prst="rect">
+                <a:avLst/>
+              </a:prstGeom>
+              <a:blipFill>
+                <a:blip r:embed="rId6"/>
+                <a:stretch>
+                  <a:fillRect/>
+                </a:stretch>
+              </a:blipFill>
+            </p:spPr>
+            <p:txBody>
+              <a:bodyPr/>
+              <a:lstStyle/>
+              <a:p>
+                <a:r>
+                  <a:rPr lang="en-GB">
+                    <a:noFill/>
+                  </a:rPr>
+                  <a:t> </a:t>
+                </a:r>
+              </a:p>
+            </p:txBody>
+          </p:sp>
+        </mc:Fallback>
+      </mc:AlternateContent>
+      <p:sp>
+        <p:nvSpPr>
+          <p:cNvPr id="14" name="CasellaDiTesto 13">
+            <a:extLst>
+              <a:ext uri="{FF2B5EF4-FFF2-40B4-BE49-F238E27FC236}">
+                <a16:creationId xmlns:a16="http://schemas.microsoft.com/office/drawing/2014/main" id="{5C3FF509-8F1D-5836-5799-10E28A91F309}"/>
+              </a:ext>
+            </a:extLst>
+          </p:cNvPr>
+          <p:cNvSpPr txBox="1"/>
+          <p:nvPr/>
+        </p:nvSpPr>
+        <p:spPr>
+          <a:xfrm>
+            <a:off x="2714306" y="6014301"/>
+            <a:ext cx="6732933" cy="369332"/>
+          </a:xfrm>
+          <a:prstGeom prst="rect">
+            <a:avLst/>
+          </a:prstGeom>
+          <a:noFill/>
+        </p:spPr>
+        <p:txBody>
+          <a:bodyPr wrap="none" rtlCol="0">
+            <a:spAutoFit/>
+          </a:bodyPr>
+          <a:lstStyle/>
+          <a:p>
+            <a:r>
+              <a:rPr lang="it-IT" dirty="0"/>
+              <a:t>Non-dispersive </a:t>
+            </a:r>
+            <a:r>
+              <a:rPr lang="it-IT" dirty="0" err="1"/>
+              <a:t>waves</a:t>
+            </a:r>
+            <a:r>
+              <a:rPr lang="it-IT" dirty="0"/>
+              <a:t>      </a:t>
+            </a:r>
+            <a:r>
+              <a:rPr lang="it-IT" dirty="0">
+                <a:sym typeface="Wingdings" panose="05000000000000000000" pitchFamily="2" charset="2"/>
+              </a:rPr>
+              <a:t>      are </a:t>
+            </a:r>
+            <a:r>
+              <a:rPr lang="it-IT" dirty="0" err="1">
+                <a:sym typeface="Wingdings" panose="05000000000000000000" pitchFamily="2" charset="2"/>
+              </a:rPr>
+              <a:t>there</a:t>
+            </a:r>
+            <a:r>
+              <a:rPr lang="it-IT" dirty="0">
+                <a:sym typeface="Wingdings" panose="05000000000000000000" pitchFamily="2" charset="2"/>
+              </a:rPr>
+              <a:t> </a:t>
+            </a:r>
+            <a:r>
+              <a:rPr lang="it-IT" dirty="0" err="1">
+                <a:sym typeface="Wingdings" panose="05000000000000000000" pitchFamily="2" charset="2"/>
+              </a:rPr>
+              <a:t>even</a:t>
+            </a:r>
+            <a:r>
+              <a:rPr lang="it-IT" dirty="0">
+                <a:sym typeface="Wingdings" panose="05000000000000000000" pitchFamily="2" charset="2"/>
+              </a:rPr>
+              <a:t> dispersive </a:t>
+            </a:r>
+            <a:r>
+              <a:rPr lang="it-IT" dirty="0" err="1">
+                <a:sym typeface="Wingdings" panose="05000000000000000000" pitchFamily="2" charset="2"/>
+              </a:rPr>
+              <a:t>examples</a:t>
+            </a:r>
+            <a:r>
+              <a:rPr lang="it-IT" dirty="0">
+                <a:sym typeface="Wingdings" panose="05000000000000000000" pitchFamily="2" charset="2"/>
+              </a:rPr>
+              <a:t>?</a:t>
+            </a:r>
+            <a:endParaRPr lang="en-GB" dirty="0"/>
+          </a:p>
+        </p:txBody>
+      </p:sp>
     </p:spTree>
     <p:extLst>
       <p:ext uri="{BB962C8B-B14F-4D97-AF65-F5344CB8AC3E}">
@@ -6405,7 +11452,7 @@
           <p:nvPr/>
         </p:nvPicPr>
         <p:blipFill>
-          <a:blip r:embed="rId2"/>
+          <a:blip r:embed="rId3"/>
           <a:stretch>
             <a:fillRect/>
           </a:stretch>
@@ -6435,14 +11482,14 @@
           <p:nvPr/>
         </p:nvPicPr>
         <p:blipFill>
-          <a:blip r:embed="rId3"/>
+          <a:blip r:embed="rId4"/>
           <a:stretch>
             <a:fillRect/>
           </a:stretch>
         </p:blipFill>
         <p:spPr>
           <a:xfrm>
-            <a:off x="5707317" y="697046"/>
+            <a:off x="6090495" y="4889"/>
             <a:ext cx="4098083" cy="1475883"/>
           </a:xfrm>
           <a:prstGeom prst="rect">
@@ -6593,14 +11640,14 @@
           <p:nvPr/>
         </p:nvPicPr>
         <p:blipFill>
-          <a:blip r:embed="rId4"/>
+          <a:blip r:embed="rId5"/>
           <a:stretch>
             <a:fillRect/>
           </a:stretch>
         </p:blipFill>
         <p:spPr>
           <a:xfrm>
-            <a:off x="5114399" y="2419873"/>
+            <a:off x="5497577" y="1727716"/>
             <a:ext cx="5579285" cy="1475883"/>
           </a:xfrm>
           <a:prstGeom prst="rect">
@@ -6608,6 +11655,220 @@
           </a:prstGeom>
         </p:spPr>
       </p:pic>
+      <p:pic>
+        <p:nvPicPr>
+          <p:cNvPr id="4" name="Immagine 3">
+            <a:extLst>
+              <a:ext uri="{FF2B5EF4-FFF2-40B4-BE49-F238E27FC236}">
+                <a16:creationId xmlns:a16="http://schemas.microsoft.com/office/drawing/2014/main" id="{A94278B5-56C6-6800-2D62-CCCA7438FA89}"/>
+              </a:ext>
+            </a:extLst>
+          </p:cNvPr>
+          <p:cNvPicPr>
+            <a:picLocks noChangeAspect="1"/>
+          </p:cNvPicPr>
+          <p:nvPr/>
+        </p:nvPicPr>
+        <p:blipFill>
+          <a:blip r:embed="rId6"/>
+          <a:stretch>
+            <a:fillRect/>
+          </a:stretch>
+        </p:blipFill>
+        <p:spPr>
+          <a:xfrm>
+            <a:off x="277590" y="3543709"/>
+            <a:ext cx="2918098" cy="622419"/>
+          </a:xfrm>
+          <a:prstGeom prst="rect">
+            <a:avLst/>
+          </a:prstGeom>
+        </p:spPr>
+      </p:pic>
+      <p:pic>
+        <p:nvPicPr>
+          <p:cNvPr id="10" name="Immagine 9">
+            <a:extLst>
+              <a:ext uri="{FF2B5EF4-FFF2-40B4-BE49-F238E27FC236}">
+                <a16:creationId xmlns:a16="http://schemas.microsoft.com/office/drawing/2014/main" id="{F9778489-150F-F853-01FB-2662E46D3729}"/>
+              </a:ext>
+            </a:extLst>
+          </p:cNvPr>
+          <p:cNvPicPr>
+            <a:picLocks noChangeAspect="1"/>
+          </p:cNvPicPr>
+          <p:nvPr/>
+        </p:nvPicPr>
+        <p:blipFill>
+          <a:blip r:embed="rId7"/>
+          <a:stretch>
+            <a:fillRect/>
+          </a:stretch>
+        </p:blipFill>
+        <p:spPr>
+          <a:xfrm>
+            <a:off x="277589" y="4650900"/>
+            <a:ext cx="3094876" cy="784617"/>
+          </a:xfrm>
+          <a:prstGeom prst="rect">
+            <a:avLst/>
+          </a:prstGeom>
+        </p:spPr>
+      </p:pic>
+      <p:cxnSp>
+        <p:nvCxnSpPr>
+          <p:cNvPr id="13" name="Connettore diritto 12">
+            <a:extLst>
+              <a:ext uri="{FF2B5EF4-FFF2-40B4-BE49-F238E27FC236}">
+                <a16:creationId xmlns:a16="http://schemas.microsoft.com/office/drawing/2014/main" id="{1B1F0291-C043-9821-0A14-523FB90593D6}"/>
+              </a:ext>
+            </a:extLst>
+          </p:cNvPr>
+          <p:cNvCxnSpPr/>
+          <p:nvPr/>
+        </p:nvCxnSpPr>
+        <p:spPr>
+          <a:xfrm>
+            <a:off x="277589" y="2903456"/>
+            <a:ext cx="4605496" cy="0"/>
+          </a:xfrm>
+          <a:prstGeom prst="line">
+            <a:avLst/>
+          </a:prstGeom>
+          <a:ln w="38100"/>
+        </p:spPr>
+        <p:style>
+          <a:lnRef idx="2">
+            <a:schemeClr val="accent1"/>
+          </a:lnRef>
+          <a:fillRef idx="0">
+            <a:schemeClr val="accent1"/>
+          </a:fillRef>
+          <a:effectRef idx="1">
+            <a:schemeClr val="accent1"/>
+          </a:effectRef>
+          <a:fontRef idx="minor">
+            <a:schemeClr val="tx1"/>
+          </a:fontRef>
+        </p:style>
+      </p:cxnSp>
+      <p:pic>
+        <p:nvPicPr>
+          <p:cNvPr id="15" name="Immagine 14">
+            <a:extLst>
+              <a:ext uri="{FF2B5EF4-FFF2-40B4-BE49-F238E27FC236}">
+                <a16:creationId xmlns:a16="http://schemas.microsoft.com/office/drawing/2014/main" id="{A2A64F64-BF6F-8D08-A564-E450A60F0BC6}"/>
+              </a:ext>
+            </a:extLst>
+          </p:cNvPr>
+          <p:cNvPicPr>
+            <a:picLocks noChangeAspect="1"/>
+          </p:cNvPicPr>
+          <p:nvPr/>
+        </p:nvPicPr>
+        <p:blipFill>
+          <a:blip r:embed="rId8"/>
+          <a:srcRect t="-40028" b="40028"/>
+          <a:stretch/>
+        </p:blipFill>
+        <p:spPr>
+          <a:xfrm>
+            <a:off x="5923912" y="1347019"/>
+            <a:ext cx="4608062" cy="4922964"/>
+          </a:xfrm>
+          <a:prstGeom prst="rect">
+            <a:avLst/>
+          </a:prstGeom>
+        </p:spPr>
+      </p:pic>
+      <p:sp>
+        <p:nvSpPr>
+          <p:cNvPr id="16" name="CasellaDiTesto 15">
+            <a:extLst>
+              <a:ext uri="{FF2B5EF4-FFF2-40B4-BE49-F238E27FC236}">
+                <a16:creationId xmlns:a16="http://schemas.microsoft.com/office/drawing/2014/main" id="{ED61272D-FED1-D62E-2B5F-6178B141CD99}"/>
+              </a:ext>
+            </a:extLst>
+          </p:cNvPr>
+          <p:cNvSpPr txBox="1"/>
+          <p:nvPr/>
+        </p:nvSpPr>
+        <p:spPr>
+          <a:xfrm>
+            <a:off x="491318" y="5558843"/>
+            <a:ext cx="3383170" cy="369332"/>
+          </a:xfrm>
+          <a:prstGeom prst="rect">
+            <a:avLst/>
+          </a:prstGeom>
+          <a:noFill/>
+        </p:spPr>
+        <p:txBody>
+          <a:bodyPr wrap="none" rtlCol="0">
+            <a:spAutoFit/>
+          </a:bodyPr>
+          <a:lstStyle/>
+          <a:p>
+            <a:r>
+              <a:rPr lang="it-IT" dirty="0"/>
+              <a:t>POINCARE’ / SVERDRUP WAVES</a:t>
+            </a:r>
+            <a:endParaRPr lang="en-GB" dirty="0"/>
+          </a:p>
+        </p:txBody>
+      </p:sp>
+      <p:sp>
+        <p:nvSpPr>
+          <p:cNvPr id="17" name="Rettangolo 16">
+            <a:extLst>
+              <a:ext uri="{FF2B5EF4-FFF2-40B4-BE49-F238E27FC236}">
+                <a16:creationId xmlns:a16="http://schemas.microsoft.com/office/drawing/2014/main" id="{200C3B06-5A1A-509E-9977-150A585138DA}"/>
+              </a:ext>
+            </a:extLst>
+          </p:cNvPr>
+          <p:cNvSpPr/>
+          <p:nvPr/>
+        </p:nvSpPr>
+        <p:spPr>
+          <a:xfrm>
+            <a:off x="277589" y="4650900"/>
+            <a:ext cx="3596899" cy="1391680"/>
+          </a:xfrm>
+          <a:prstGeom prst="rect">
+            <a:avLst/>
+          </a:prstGeom>
+          <a:noFill/>
+          <a:ln w="38100">
+            <a:solidFill>
+              <a:srgbClr val="00B050"/>
+            </a:solidFill>
+          </a:ln>
+        </p:spPr>
+        <p:style>
+          <a:lnRef idx="2">
+            <a:schemeClr val="accent1">
+              <a:shade val="15000"/>
+            </a:schemeClr>
+          </a:lnRef>
+          <a:fillRef idx="1">
+            <a:schemeClr val="accent1"/>
+          </a:fillRef>
+          <a:effectRef idx="0">
+            <a:schemeClr val="accent1"/>
+          </a:effectRef>
+          <a:fontRef idx="minor">
+            <a:schemeClr val="lt1"/>
+          </a:fontRef>
+        </p:style>
+        <p:txBody>
+          <a:bodyPr rtlCol="0" anchor="ctr"/>
+          <a:lstStyle/>
+          <a:p>
+            <a:pPr algn="ctr"/>
+            <a:endParaRPr lang="en-GB"/>
+          </a:p>
+        </p:txBody>
+      </p:sp>
     </p:spTree>
     <p:extLst>
       <p:ext uri="{BB962C8B-B14F-4D97-AF65-F5344CB8AC3E}">
@@ -6622,6 +11883,423 @@
 </file>
 
 <file path=ppt/slides/slide7.xml><?xml version="1.0" encoding="utf-8"?>
+<p:sld xmlns:a="http://schemas.openxmlformats.org/drawingml/2006/main" xmlns:r="http://schemas.openxmlformats.org/officeDocument/2006/relationships" xmlns:p="http://schemas.openxmlformats.org/presentationml/2006/main">
+  <p:cSld>
+    <p:spTree>
+      <p:nvGrpSpPr>
+        <p:cNvPr id="1" name="">
+          <a:extLst>
+            <a:ext uri="{FF2B5EF4-FFF2-40B4-BE49-F238E27FC236}">
+              <a16:creationId xmlns:a16="http://schemas.microsoft.com/office/drawing/2014/main" id="{EF583312-33E8-187D-B0D6-37D3FF090760}"/>
+            </a:ext>
+          </a:extLst>
+        </p:cNvPr>
+        <p:cNvGrpSpPr/>
+        <p:nvPr/>
+      </p:nvGrpSpPr>
+      <p:grpSpPr>
+        <a:xfrm>
+          <a:off x="0" y="0"/>
+          <a:ext cx="0" cy="0"/>
+          <a:chOff x="0" y="0"/>
+          <a:chExt cx="0" cy="0"/>
+        </a:xfrm>
+      </p:grpSpPr>
+      <p:pic>
+        <p:nvPicPr>
+          <p:cNvPr id="11" name="Immagine 10">
+            <a:extLst>
+              <a:ext uri="{FF2B5EF4-FFF2-40B4-BE49-F238E27FC236}">
+                <a16:creationId xmlns:a16="http://schemas.microsoft.com/office/drawing/2014/main" id="{2D5372C2-621A-21FB-0799-75A00ED6F4D9}"/>
+              </a:ext>
+            </a:extLst>
+          </p:cNvPr>
+          <p:cNvPicPr>
+            <a:picLocks noChangeAspect="1"/>
+          </p:cNvPicPr>
+          <p:nvPr/>
+        </p:nvPicPr>
+        <p:blipFill>
+          <a:blip r:embed="rId3"/>
+          <a:stretch>
+            <a:fillRect/>
+          </a:stretch>
+        </p:blipFill>
+        <p:spPr>
+          <a:xfrm>
+            <a:off x="0" y="1953117"/>
+            <a:ext cx="5579285" cy="1475883"/>
+          </a:xfrm>
+          <a:prstGeom prst="rect">
+            <a:avLst/>
+          </a:prstGeom>
+        </p:spPr>
+      </p:pic>
+      <p:pic>
+        <p:nvPicPr>
+          <p:cNvPr id="15" name="Immagine 14">
+            <a:extLst>
+              <a:ext uri="{FF2B5EF4-FFF2-40B4-BE49-F238E27FC236}">
+                <a16:creationId xmlns:a16="http://schemas.microsoft.com/office/drawing/2014/main" id="{31714657-6FFF-DCE3-FF45-3E1177962E0F}"/>
+              </a:ext>
+            </a:extLst>
+          </p:cNvPr>
+          <p:cNvPicPr>
+            <a:picLocks noChangeAspect="1"/>
+          </p:cNvPicPr>
+          <p:nvPr/>
+        </p:nvPicPr>
+        <p:blipFill>
+          <a:blip r:embed="rId4"/>
+          <a:srcRect t="-40028" b="40028"/>
+          <a:stretch/>
+        </p:blipFill>
+        <p:spPr>
+          <a:xfrm>
+            <a:off x="405942" y="1385233"/>
+            <a:ext cx="4608062" cy="4922964"/>
+          </a:xfrm>
+          <a:prstGeom prst="rect">
+            <a:avLst/>
+          </a:prstGeom>
+        </p:spPr>
+      </p:pic>
+      <p:grpSp>
+        <p:nvGrpSpPr>
+          <p:cNvPr id="2" name="Gruppo 1">
+            <a:extLst>
+              <a:ext uri="{FF2B5EF4-FFF2-40B4-BE49-F238E27FC236}">
+                <a16:creationId xmlns:a16="http://schemas.microsoft.com/office/drawing/2014/main" id="{EE764C82-2135-1945-7833-4BE8A06778C0}"/>
+              </a:ext>
+            </a:extLst>
+          </p:cNvPr>
+          <p:cNvGrpSpPr/>
+          <p:nvPr/>
+        </p:nvGrpSpPr>
+        <p:grpSpPr>
+          <a:xfrm>
+            <a:off x="315396" y="201448"/>
+            <a:ext cx="3596899" cy="1391680"/>
+            <a:chOff x="315396" y="201448"/>
+            <a:chExt cx="3596899" cy="1391680"/>
+          </a:xfrm>
+        </p:grpSpPr>
+        <p:pic>
+          <p:nvPicPr>
+            <p:cNvPr id="10" name="Immagine 9">
+              <a:extLst>
+                <a:ext uri="{FF2B5EF4-FFF2-40B4-BE49-F238E27FC236}">
+                  <a16:creationId xmlns:a16="http://schemas.microsoft.com/office/drawing/2014/main" id="{6DAB6486-8DE4-FC83-D7D5-775D700D81D1}"/>
+                </a:ext>
+              </a:extLst>
+            </p:cNvPr>
+            <p:cNvPicPr>
+              <a:picLocks noChangeAspect="1"/>
+            </p:cNvPicPr>
+            <p:nvPr/>
+          </p:nvPicPr>
+          <p:blipFill>
+            <a:blip r:embed="rId5"/>
+            <a:stretch>
+              <a:fillRect/>
+            </a:stretch>
+          </p:blipFill>
+          <p:spPr>
+            <a:xfrm>
+              <a:off x="315396" y="201448"/>
+              <a:ext cx="3094876" cy="784617"/>
+            </a:xfrm>
+            <a:prstGeom prst="rect">
+              <a:avLst/>
+            </a:prstGeom>
+          </p:spPr>
+        </p:pic>
+        <p:sp>
+          <p:nvSpPr>
+            <p:cNvPr id="16" name="CasellaDiTesto 15">
+              <a:extLst>
+                <a:ext uri="{FF2B5EF4-FFF2-40B4-BE49-F238E27FC236}">
+                  <a16:creationId xmlns:a16="http://schemas.microsoft.com/office/drawing/2014/main" id="{D48D8492-0238-FF15-A591-83E80AC27D1F}"/>
+                </a:ext>
+              </a:extLst>
+            </p:cNvPr>
+            <p:cNvSpPr txBox="1"/>
+            <p:nvPr/>
+          </p:nvSpPr>
+          <p:spPr>
+            <a:xfrm>
+              <a:off x="529125" y="1109391"/>
+              <a:ext cx="3383170" cy="369332"/>
+            </a:xfrm>
+            <a:prstGeom prst="rect">
+              <a:avLst/>
+            </a:prstGeom>
+            <a:noFill/>
+          </p:spPr>
+          <p:txBody>
+            <a:bodyPr wrap="none" rtlCol="0">
+              <a:spAutoFit/>
+            </a:bodyPr>
+            <a:lstStyle/>
+            <a:p>
+              <a:r>
+                <a:rPr lang="it-IT" dirty="0"/>
+                <a:t>POINCARE’ / SVERDRUP WAVES</a:t>
+              </a:r>
+              <a:endParaRPr lang="en-GB" dirty="0"/>
+            </a:p>
+          </p:txBody>
+        </p:sp>
+        <p:sp>
+          <p:nvSpPr>
+            <p:cNvPr id="17" name="Rettangolo 16">
+              <a:extLst>
+                <a:ext uri="{FF2B5EF4-FFF2-40B4-BE49-F238E27FC236}">
+                  <a16:creationId xmlns:a16="http://schemas.microsoft.com/office/drawing/2014/main" id="{2B0785A6-326D-E0AA-E219-9B68EBA259EF}"/>
+                </a:ext>
+              </a:extLst>
+            </p:cNvPr>
+            <p:cNvSpPr/>
+            <p:nvPr/>
+          </p:nvSpPr>
+          <p:spPr>
+            <a:xfrm>
+              <a:off x="315396" y="201448"/>
+              <a:ext cx="3596899" cy="1391680"/>
+            </a:xfrm>
+            <a:prstGeom prst="rect">
+              <a:avLst/>
+            </a:prstGeom>
+            <a:noFill/>
+            <a:ln w="38100">
+              <a:solidFill>
+                <a:srgbClr val="00B050"/>
+              </a:solidFill>
+            </a:ln>
+          </p:spPr>
+          <p:style>
+            <a:lnRef idx="2">
+              <a:schemeClr val="accent1">
+                <a:shade val="15000"/>
+              </a:schemeClr>
+            </a:lnRef>
+            <a:fillRef idx="1">
+              <a:schemeClr val="accent1"/>
+            </a:fillRef>
+            <a:effectRef idx="0">
+              <a:schemeClr val="accent1"/>
+            </a:effectRef>
+            <a:fontRef idx="minor">
+              <a:schemeClr val="lt1"/>
+            </a:fontRef>
+          </p:style>
+          <p:txBody>
+            <a:bodyPr rtlCol="0" anchor="ctr"/>
+            <a:lstStyle/>
+            <a:p>
+              <a:pPr algn="ctr"/>
+              <a:endParaRPr lang="en-GB"/>
+            </a:p>
+          </p:txBody>
+        </p:sp>
+      </p:grpSp>
+      <mc:AlternateContent xmlns:mc="http://schemas.openxmlformats.org/markup-compatibility/2006">
+        <mc:Choice xmlns:a14="http://schemas.microsoft.com/office/drawing/2010/main" Requires="a14">
+          <p:sp>
+            <p:nvSpPr>
+              <p:cNvPr id="12" name="CasellaDiTesto 11">
+                <a:extLst>
+                  <a:ext uri="{FF2B5EF4-FFF2-40B4-BE49-F238E27FC236}">
+                    <a16:creationId xmlns:a16="http://schemas.microsoft.com/office/drawing/2014/main" id="{6D5157C7-9870-B0BA-FB9A-D8603BCE4782}"/>
+                  </a:ext>
+                </a:extLst>
+              </p:cNvPr>
+              <p:cNvSpPr txBox="1"/>
+              <p:nvPr/>
+            </p:nvSpPr>
+            <p:spPr>
+              <a:xfrm>
+                <a:off x="7220932" y="177913"/>
+                <a:ext cx="3817007" cy="523220"/>
+              </a:xfrm>
+              <a:prstGeom prst="rect">
+                <a:avLst/>
+              </a:prstGeom>
+              <a:noFill/>
+            </p:spPr>
+            <p:txBody>
+              <a:bodyPr wrap="none" rtlCol="0">
+                <a:spAutoFit/>
+              </a:bodyPr>
+              <a:lstStyle/>
+              <a:p>
+                <a14:m>
+                  <m:oMath xmlns:m="http://schemas.openxmlformats.org/officeDocument/2006/math">
+                    <m:r>
+                      <a:rPr lang="it-IT" sz="2800" b="0" i="1" smtClean="0">
+                        <a:latin typeface="Cambria Math" panose="02040503050406030204" pitchFamily="18" charset="0"/>
+                      </a:rPr>
+                      <m:t>𝜔</m:t>
+                    </m:r>
+                    <m:r>
+                      <a:rPr lang="it-IT" sz="2800" b="0" i="1" smtClean="0">
+                        <a:latin typeface="Cambria Math" panose="02040503050406030204" pitchFamily="18" charset="0"/>
+                      </a:rPr>
+                      <m:t>=</m:t>
+                    </m:r>
+                    <m:r>
+                      <a:rPr lang="it-IT" sz="2800" b="0" i="1" smtClean="0">
+                        <a:latin typeface="Cambria Math" panose="02040503050406030204" pitchFamily="18" charset="0"/>
+                      </a:rPr>
+                      <m:t>𝑓</m:t>
+                    </m:r>
+                  </m:oMath>
+                </a14:m>
+                <a:r>
+                  <a:rPr lang="en-GB" sz="2800" dirty="0"/>
+                  <a:t> INERTIAL WAVES</a:t>
+                </a:r>
+              </a:p>
+            </p:txBody>
+          </p:sp>
+        </mc:Choice>
+        <mc:Fallback>
+          <p:sp>
+            <p:nvSpPr>
+              <p:cNvPr id="12" name="CasellaDiTesto 11">
+                <a:extLst>
+                  <a:ext uri="{FF2B5EF4-FFF2-40B4-BE49-F238E27FC236}">
+                    <a16:creationId xmlns:a16="http://schemas.microsoft.com/office/drawing/2014/main" id="{6D5157C7-9870-B0BA-FB9A-D8603BCE4782}"/>
+                  </a:ext>
+                </a:extLst>
+              </p:cNvPr>
+              <p:cNvSpPr txBox="1">
+                <a:spLocks noRot="1" noChangeAspect="1" noMove="1" noResize="1" noEditPoints="1" noAdjustHandles="1" noChangeArrowheads="1" noChangeShapeType="1" noTextEdit="1"/>
+              </p:cNvSpPr>
+              <p:nvPr/>
+            </p:nvSpPr>
+            <p:spPr>
+              <a:xfrm>
+                <a:off x="7220932" y="177913"/>
+                <a:ext cx="3817007" cy="523220"/>
+              </a:xfrm>
+              <a:prstGeom prst="rect">
+                <a:avLst/>
+              </a:prstGeom>
+              <a:blipFill>
+                <a:blip r:embed="rId6"/>
+                <a:stretch>
+                  <a:fillRect t="-11628" r="-2077" b="-31395"/>
+                </a:stretch>
+              </a:blipFill>
+            </p:spPr>
+            <p:txBody>
+              <a:bodyPr/>
+              <a:lstStyle/>
+              <a:p>
+                <a:r>
+                  <a:rPr lang="en-GB">
+                    <a:noFill/>
+                  </a:rPr>
+                  <a:t> </a:t>
+                </a:r>
+              </a:p>
+            </p:txBody>
+          </p:sp>
+        </mc:Fallback>
+      </mc:AlternateContent>
+      <p:pic>
+        <p:nvPicPr>
+          <p:cNvPr id="18" name="Immagine 17">
+            <a:extLst>
+              <a:ext uri="{FF2B5EF4-FFF2-40B4-BE49-F238E27FC236}">
+                <a16:creationId xmlns:a16="http://schemas.microsoft.com/office/drawing/2014/main" id="{481DC0D7-C5E2-41B3-6C13-A0AE48E3AA7D}"/>
+              </a:ext>
+            </a:extLst>
+          </p:cNvPr>
+          <p:cNvPicPr>
+            <a:picLocks noChangeAspect="1"/>
+          </p:cNvPicPr>
+          <p:nvPr/>
+        </p:nvPicPr>
+        <p:blipFill>
+          <a:blip r:embed="rId7"/>
+          <a:stretch>
+            <a:fillRect/>
+          </a:stretch>
+        </p:blipFill>
+        <p:spPr>
+          <a:xfrm>
+            <a:off x="7786213" y="1983893"/>
+            <a:ext cx="2610214" cy="466790"/>
+          </a:xfrm>
+          <a:prstGeom prst="rect">
+            <a:avLst/>
+          </a:prstGeom>
+        </p:spPr>
+      </p:pic>
+      <p:sp>
+        <p:nvSpPr>
+          <p:cNvPr id="19" name="CasellaDiTesto 18">
+            <a:extLst>
+              <a:ext uri="{FF2B5EF4-FFF2-40B4-BE49-F238E27FC236}">
+                <a16:creationId xmlns:a16="http://schemas.microsoft.com/office/drawing/2014/main" id="{F3C3E7F4-9475-3D9B-4096-446C9B55E882}"/>
+              </a:ext>
+            </a:extLst>
+          </p:cNvPr>
+          <p:cNvSpPr txBox="1"/>
+          <p:nvPr/>
+        </p:nvSpPr>
+        <p:spPr>
+          <a:xfrm>
+            <a:off x="7220932" y="1583783"/>
+            <a:ext cx="4090992" cy="400110"/>
+          </a:xfrm>
+          <a:prstGeom prst="rect">
+            <a:avLst/>
+          </a:prstGeom>
+          <a:noFill/>
+        </p:spPr>
+        <p:txBody>
+          <a:bodyPr wrap="none" rtlCol="0">
+            <a:spAutoFit/>
+          </a:bodyPr>
+          <a:lstStyle/>
+          <a:p>
+            <a:r>
+              <a:rPr lang="it-IT" sz="2000" b="1" dirty="0"/>
+              <a:t>One can show, for </a:t>
+            </a:r>
+            <a:r>
+              <a:rPr lang="it-IT" sz="2000" b="1" dirty="0" err="1"/>
+              <a:t>stratified</a:t>
+            </a:r>
+            <a:r>
+              <a:rPr lang="it-IT" sz="2000" b="1" dirty="0"/>
+              <a:t> </a:t>
+            </a:r>
+            <a:r>
+              <a:rPr lang="it-IT" sz="2000" b="1" dirty="0" err="1"/>
+              <a:t>fluids</a:t>
+            </a:r>
+            <a:endParaRPr lang="en-GB" sz="2000" b="1" dirty="0"/>
+          </a:p>
+        </p:txBody>
+      </p:sp>
+    </p:spTree>
+    <p:extLst>
+      <p:ext uri="{BB962C8B-B14F-4D97-AF65-F5344CB8AC3E}">
+        <p14:creationId xmlns:p14="http://schemas.microsoft.com/office/powerpoint/2010/main" val="3934654469"/>
+      </p:ext>
+    </p:extLst>
+  </p:cSld>
+  <p:clrMapOvr>
+    <a:masterClrMapping/>
+  </p:clrMapOvr>
+</p:sld>
+</file>
+
+<file path=ppt/slides/slide8.xml><?xml version="1.0" encoding="utf-8"?>
 <p:sld xmlns:a="http://schemas.openxmlformats.org/drawingml/2006/main" xmlns:r="http://schemas.openxmlformats.org/officeDocument/2006/relationships" xmlns:p="http://schemas.openxmlformats.org/presentationml/2006/main">
   <p:cSld>
     <p:spTree>
@@ -6660,7 +12338,12 @@
             <p:ph type="ctrTitle"/>
           </p:nvPr>
         </p:nvSpPr>
-        <p:spPr/>
+        <p:spPr>
+          <a:xfrm>
+            <a:off x="-707010" y="-810132"/>
+            <a:ext cx="9144000" cy="2387600"/>
+          </a:xfrm>
+        </p:spPr>
         <p:txBody>
           <a:bodyPr/>
           <a:lstStyle/>
@@ -6669,39 +12352,751 @@
               <a:rPr lang="it-IT" dirty="0" err="1"/>
               <a:t>Rossby</a:t>
             </a:r>
+            <a:r>
+              <a:rPr lang="it-IT" dirty="0"/>
+              <a:t> </a:t>
+            </a:r>
+            <a:r>
+              <a:rPr lang="it-IT" dirty="0" err="1"/>
+              <a:t>waves</a:t>
+            </a:r>
             <a:endParaRPr lang="it-IT" dirty="0"/>
+          </a:p>
+        </p:txBody>
+      </p:sp>
+      <mc:AlternateContent xmlns:mc="http://schemas.openxmlformats.org/markup-compatibility/2006">
+        <mc:Choice xmlns:a14="http://schemas.microsoft.com/office/drawing/2010/main" Requires="a14">
+          <p:sp>
+            <p:nvSpPr>
+              <p:cNvPr id="3" name="Sottotitolo 2">
+                <a:extLst>
+                  <a:ext uri="{FF2B5EF4-FFF2-40B4-BE49-F238E27FC236}">
+                    <a16:creationId xmlns:a16="http://schemas.microsoft.com/office/drawing/2014/main" id="{C2FC79EB-8C0F-FBEF-5473-11D394D2BA56}"/>
+                  </a:ext>
+                </a:extLst>
+              </p:cNvPr>
+              <p:cNvSpPr>
+                <a:spLocks noGrp="1"/>
+              </p:cNvSpPr>
+              <p:nvPr>
+                <p:ph type="subTitle" idx="1"/>
+              </p:nvPr>
+            </p:nvSpPr>
+            <p:spPr>
+              <a:xfrm>
+                <a:off x="-707010" y="1669543"/>
+                <a:ext cx="9144000" cy="1655762"/>
+              </a:xfrm>
+            </p:spPr>
+            <p:txBody>
+              <a:bodyPr/>
+              <a:lstStyle/>
+              <a:p>
+                <a:r>
+                  <a:rPr lang="it-IT" dirty="0"/>
+                  <a:t>Dramatically </a:t>
+                </a:r>
+                <a:r>
+                  <a:rPr lang="it-IT" dirty="0" err="1"/>
+                  <a:t>linked</a:t>
+                </a:r>
+                <a:r>
+                  <a:rPr lang="it-IT" dirty="0"/>
+                  <a:t> to </a:t>
+                </a:r>
+              </a:p>
+              <a:p>
+                <a14:m>
+                  <m:oMath xmlns:m="http://schemas.openxmlformats.org/officeDocument/2006/math">
+                    <m:r>
+                      <a:rPr lang="it-IT" b="0" i="1" smtClean="0">
+                        <a:latin typeface="Cambria Math" panose="02040503050406030204" pitchFamily="18" charset="0"/>
+                      </a:rPr>
+                      <m:t>𝛽</m:t>
+                    </m:r>
+                  </m:oMath>
+                </a14:m>
+                <a:r>
+                  <a:rPr lang="it-IT" dirty="0"/>
+                  <a:t>-</a:t>
+                </a:r>
+                <a:r>
+                  <a:rPr lang="it-IT" dirty="0" err="1"/>
+                  <a:t>plane</a:t>
+                </a:r>
+                <a:r>
+                  <a:rPr lang="it-IT" dirty="0"/>
+                  <a:t> </a:t>
+                </a:r>
+                <a:r>
+                  <a:rPr lang="it-IT" dirty="0" err="1"/>
+                  <a:t>effects</a:t>
+                </a:r>
+                <a:endParaRPr lang="it-IT" dirty="0"/>
+              </a:p>
+            </p:txBody>
+          </p:sp>
+        </mc:Choice>
+        <mc:Fallback>
+          <p:sp>
+            <p:nvSpPr>
+              <p:cNvPr id="3" name="Sottotitolo 2">
+                <a:extLst>
+                  <a:ext uri="{FF2B5EF4-FFF2-40B4-BE49-F238E27FC236}">
+                    <a16:creationId xmlns:a16="http://schemas.microsoft.com/office/drawing/2014/main" id="{C2FC79EB-8C0F-FBEF-5473-11D394D2BA56}"/>
+                  </a:ext>
+                </a:extLst>
+              </p:cNvPr>
+              <p:cNvSpPr>
+                <a:spLocks noGrp="1" noRot="1" noChangeAspect="1" noMove="1" noResize="1" noEditPoints="1" noAdjustHandles="1" noChangeArrowheads="1" noChangeShapeType="1" noTextEdit="1"/>
+              </p:cNvSpPr>
+              <p:nvPr>
+                <p:ph type="subTitle" idx="1"/>
+              </p:nvPr>
+            </p:nvSpPr>
+            <p:spPr>
+              <a:xfrm>
+                <a:off x="-707010" y="1669543"/>
+                <a:ext cx="9144000" cy="1655762"/>
+              </a:xfrm>
+              <a:blipFill>
+                <a:blip r:embed="rId2"/>
+                <a:stretch>
+                  <a:fillRect t="-4797"/>
+                </a:stretch>
+              </a:blipFill>
+            </p:spPr>
+            <p:txBody>
+              <a:bodyPr/>
+              <a:lstStyle/>
+              <a:p>
+                <a:r>
+                  <a:rPr lang="en-GB">
+                    <a:noFill/>
+                  </a:rPr>
+                  <a:t> </a:t>
+                </a:r>
+              </a:p>
+            </p:txBody>
+          </p:sp>
+        </mc:Fallback>
+      </mc:AlternateContent>
+      <p:grpSp>
+        <p:nvGrpSpPr>
+          <p:cNvPr id="9" name="Gruppo 8">
+            <a:extLst>
+              <a:ext uri="{FF2B5EF4-FFF2-40B4-BE49-F238E27FC236}">
+                <a16:creationId xmlns:a16="http://schemas.microsoft.com/office/drawing/2014/main" id="{29EC36B1-67D5-339B-074B-026C38C8D5E2}"/>
+              </a:ext>
+            </a:extLst>
+          </p:cNvPr>
+          <p:cNvGrpSpPr/>
+          <p:nvPr/>
+        </p:nvGrpSpPr>
+        <p:grpSpPr>
+          <a:xfrm>
+            <a:off x="8683875" y="980389"/>
+            <a:ext cx="3508125" cy="4723142"/>
+            <a:chOff x="8683875" y="0"/>
+            <a:chExt cx="3508125" cy="4723142"/>
+          </a:xfrm>
+        </p:grpSpPr>
+        <p:pic>
+          <p:nvPicPr>
+            <p:cNvPr id="5" name="Immagine 4">
+              <a:extLst>
+                <a:ext uri="{FF2B5EF4-FFF2-40B4-BE49-F238E27FC236}">
+                  <a16:creationId xmlns:a16="http://schemas.microsoft.com/office/drawing/2014/main" id="{E213B48A-0540-F96D-7D00-9F74EE99BF26}"/>
+                </a:ext>
+              </a:extLst>
+            </p:cNvPr>
+            <p:cNvPicPr>
+              <a:picLocks noChangeAspect="1"/>
+            </p:cNvPicPr>
+            <p:nvPr/>
+          </p:nvPicPr>
+          <p:blipFill>
+            <a:blip r:embed="rId3">
+              <a:extLst>
+                <a:ext uri="{28A0092B-C50C-407E-A947-70E740481C1C}">
+                  <a14:useLocalDpi xmlns:a14="http://schemas.microsoft.com/office/drawing/2010/main" val="0"/>
+                </a:ext>
+              </a:extLst>
+            </a:blip>
+            <a:stretch>
+              <a:fillRect/>
+            </a:stretch>
+          </p:blipFill>
+          <p:spPr>
+            <a:xfrm>
+              <a:off x="8683875" y="0"/>
+              <a:ext cx="3508125" cy="4029959"/>
+            </a:xfrm>
+            <a:prstGeom prst="rect">
+              <a:avLst/>
+            </a:prstGeom>
+          </p:spPr>
+        </p:pic>
+        <p:sp>
+          <p:nvSpPr>
+            <p:cNvPr id="6" name="CasellaDiTesto 5">
+              <a:extLst>
+                <a:ext uri="{FF2B5EF4-FFF2-40B4-BE49-F238E27FC236}">
+                  <a16:creationId xmlns:a16="http://schemas.microsoft.com/office/drawing/2014/main" id="{418B76B0-B873-49C2-D141-EC899B689FBD}"/>
+                </a:ext>
+              </a:extLst>
+            </p:cNvPr>
+            <p:cNvSpPr txBox="1"/>
+            <p:nvPr/>
+          </p:nvSpPr>
+          <p:spPr>
+            <a:xfrm>
+              <a:off x="9100263" y="4138367"/>
+              <a:ext cx="2675348" cy="584775"/>
+            </a:xfrm>
+            <a:prstGeom prst="rect">
+              <a:avLst/>
+            </a:prstGeom>
+            <a:noFill/>
+          </p:spPr>
+          <p:txBody>
+            <a:bodyPr wrap="none" rtlCol="0">
+              <a:spAutoFit/>
+            </a:bodyPr>
+            <a:lstStyle/>
+            <a:p>
+              <a:pPr algn="ctr"/>
+              <a:r>
+                <a:rPr lang="it-IT" i="1" dirty="0"/>
+                <a:t>Hey </a:t>
+              </a:r>
+              <a:r>
+                <a:rPr lang="it-IT" i="1" dirty="0" err="1"/>
+                <a:t>there</a:t>
+              </a:r>
+              <a:r>
+                <a:rPr lang="it-IT" i="1" dirty="0"/>
+                <a:t>, </a:t>
+              </a:r>
+              <a:r>
+                <a:rPr lang="it-IT" i="1" dirty="0" err="1"/>
+                <a:t>you</a:t>
+              </a:r>
+              <a:r>
+                <a:rPr lang="it-IT" i="1" dirty="0"/>
+                <a:t> </a:t>
+              </a:r>
+              <a:r>
+                <a:rPr lang="it-IT" i="1" dirty="0" err="1"/>
+                <a:t>wavy</a:t>
+              </a:r>
+              <a:r>
+                <a:rPr lang="it-IT" i="1" dirty="0"/>
+                <a:t> </a:t>
+              </a:r>
+              <a:r>
+                <a:rPr lang="it-IT" i="1" dirty="0" err="1"/>
+                <a:t>thing</a:t>
+              </a:r>
+              <a:endParaRPr lang="it-IT" i="1" dirty="0"/>
+            </a:p>
+            <a:p>
+              <a:pPr algn="ctr"/>
+              <a:r>
+                <a:rPr lang="it-IT" sz="1400" i="1" dirty="0"/>
+                <a:t>(C.G.A. </a:t>
+              </a:r>
+              <a:r>
+                <a:rPr lang="it-IT" sz="1400" i="1" dirty="0" err="1"/>
+                <a:t>Rossby</a:t>
+              </a:r>
+              <a:r>
+                <a:rPr lang="it-IT" sz="1400" i="1" dirty="0"/>
+                <a:t>)</a:t>
+              </a:r>
+              <a:endParaRPr lang="en-GB" sz="1400" i="1" dirty="0"/>
+            </a:p>
+          </p:txBody>
+        </p:sp>
+      </p:grpSp>
+      <p:pic>
+        <p:nvPicPr>
+          <p:cNvPr id="8" name="Immagine 7">
+            <a:extLst>
+              <a:ext uri="{FF2B5EF4-FFF2-40B4-BE49-F238E27FC236}">
+                <a16:creationId xmlns:a16="http://schemas.microsoft.com/office/drawing/2014/main" id="{183339A7-F816-8102-8512-EE24AE53E9C3}"/>
+              </a:ext>
+            </a:extLst>
+          </p:cNvPr>
+          <p:cNvPicPr>
+            <a:picLocks noChangeAspect="1"/>
+          </p:cNvPicPr>
+          <p:nvPr/>
+        </p:nvPicPr>
+        <p:blipFill>
+          <a:blip r:embed="rId4"/>
+          <a:stretch>
+            <a:fillRect/>
+          </a:stretch>
+        </p:blipFill>
+        <p:spPr>
+          <a:xfrm>
+            <a:off x="927060" y="2627721"/>
+            <a:ext cx="6572372" cy="4013281"/>
+          </a:xfrm>
+          <a:prstGeom prst="rect">
+            <a:avLst/>
+          </a:prstGeom>
+        </p:spPr>
+      </p:pic>
+    </p:spTree>
+    <p:extLst>
+      <p:ext uri="{BB962C8B-B14F-4D97-AF65-F5344CB8AC3E}">
+        <p14:creationId xmlns:p14="http://schemas.microsoft.com/office/powerpoint/2010/main" val="3085314768"/>
+      </p:ext>
+    </p:extLst>
+  </p:cSld>
+  <p:clrMapOvr>
+    <a:masterClrMapping/>
+  </p:clrMapOvr>
+</p:sld>
+</file>
+
+<file path=ppt/slides/slide9.xml><?xml version="1.0" encoding="utf-8"?>
+<p:sld xmlns:a="http://schemas.openxmlformats.org/drawingml/2006/main" xmlns:r="http://schemas.openxmlformats.org/officeDocument/2006/relationships" xmlns:p="http://schemas.openxmlformats.org/presentationml/2006/main">
+  <p:cSld>
+    <p:spTree>
+      <p:nvGrpSpPr>
+        <p:cNvPr id="1" name=""/>
+        <p:cNvGrpSpPr/>
+        <p:nvPr/>
+      </p:nvGrpSpPr>
+      <p:grpSpPr>
+        <a:xfrm>
+          <a:off x="0" y="0"/>
+          <a:ext cx="0" cy="0"/>
+          <a:chOff x="0" y="0"/>
+          <a:chExt cx="0" cy="0"/>
+        </a:xfrm>
+      </p:grpSpPr>
+      <p:pic>
+        <p:nvPicPr>
+          <p:cNvPr id="3" name="Immagine 2">
+            <a:extLst>
+              <a:ext uri="{FF2B5EF4-FFF2-40B4-BE49-F238E27FC236}">
+                <a16:creationId xmlns:a16="http://schemas.microsoft.com/office/drawing/2014/main" id="{364354A5-E479-0CF2-C0B3-55C9CB7F006C}"/>
+              </a:ext>
+            </a:extLst>
+          </p:cNvPr>
+          <p:cNvPicPr>
+            <a:picLocks noChangeAspect="1"/>
+          </p:cNvPicPr>
+          <p:nvPr/>
+        </p:nvPicPr>
+        <p:blipFill>
+          <a:blip r:embed="rId2"/>
+          <a:stretch>
+            <a:fillRect/>
+          </a:stretch>
+        </p:blipFill>
+        <p:spPr>
+          <a:xfrm>
+            <a:off x="2401944" y="3177489"/>
+            <a:ext cx="2467319" cy="1038370"/>
+          </a:xfrm>
+          <a:prstGeom prst="rect">
+            <a:avLst/>
+          </a:prstGeom>
+        </p:spPr>
+      </p:pic>
+      <p:sp>
+        <p:nvSpPr>
+          <p:cNvPr id="4" name="CasellaDiTesto 3">
+            <a:extLst>
+              <a:ext uri="{FF2B5EF4-FFF2-40B4-BE49-F238E27FC236}">
+                <a16:creationId xmlns:a16="http://schemas.microsoft.com/office/drawing/2014/main" id="{1937F1EA-01FD-B07C-1EB1-2B297BC945DB}"/>
+              </a:ext>
+            </a:extLst>
+          </p:cNvPr>
+          <p:cNvSpPr txBox="1"/>
+          <p:nvPr/>
+        </p:nvSpPr>
+        <p:spPr>
+          <a:xfrm>
+            <a:off x="5344996" y="3540025"/>
+            <a:ext cx="3964611" cy="400110"/>
+          </a:xfrm>
+          <a:prstGeom prst="rect">
+            <a:avLst/>
+          </a:prstGeom>
+          <a:noFill/>
+        </p:spPr>
+        <p:txBody>
+          <a:bodyPr wrap="none" rtlCol="0">
+            <a:spAutoFit/>
+          </a:bodyPr>
+          <a:lstStyle/>
+          <a:p>
+            <a:r>
+              <a:rPr lang="it-IT" sz="2000" dirty="0"/>
+              <a:t>Fix the upper free </a:t>
+            </a:r>
+            <a:r>
+              <a:rPr lang="it-IT" sz="2000" dirty="0" err="1"/>
+              <a:t>surface</a:t>
+            </a:r>
+            <a:r>
+              <a:rPr lang="it-IT" sz="2000" dirty="0"/>
+              <a:t>, for </a:t>
+            </a:r>
+            <a:r>
+              <a:rPr lang="it-IT" sz="2000" dirty="0" err="1"/>
+              <a:t>now</a:t>
+            </a:r>
+            <a:endParaRPr lang="en-GB" sz="2000" dirty="0"/>
           </a:p>
         </p:txBody>
       </p:sp>
       <p:sp>
         <p:nvSpPr>
-          <p:cNvPr id="3" name="Sottotitolo 2">
-            <a:extLst>
-              <a:ext uri="{FF2B5EF4-FFF2-40B4-BE49-F238E27FC236}">
-                <a16:creationId xmlns:a16="http://schemas.microsoft.com/office/drawing/2014/main" id="{C2FC79EB-8C0F-FBEF-5473-11D394D2BA56}"/>
-              </a:ext>
-            </a:extLst>
-          </p:cNvPr>
-          <p:cNvSpPr>
-            <a:spLocks noGrp="1"/>
-          </p:cNvSpPr>
-          <p:nvPr>
-            <p:ph type="subTitle" idx="1"/>
-          </p:nvPr>
+          <p:cNvPr id="7" name="CasellaDiTesto 6">
+            <a:extLst>
+              <a:ext uri="{FF2B5EF4-FFF2-40B4-BE49-F238E27FC236}">
+                <a16:creationId xmlns:a16="http://schemas.microsoft.com/office/drawing/2014/main" id="{3DD06D6A-F21E-BA21-809A-04C5FD8CC9DC}"/>
+              </a:ext>
+            </a:extLst>
+          </p:cNvPr>
+          <p:cNvSpPr txBox="1"/>
+          <p:nvPr/>
         </p:nvSpPr>
-        <p:spPr/>
+        <p:spPr>
+          <a:xfrm>
+            <a:off x="3537937" y="141401"/>
+            <a:ext cx="4942315" cy="523220"/>
+          </a:xfrm>
+          <a:prstGeom prst="rect">
+            <a:avLst/>
+          </a:prstGeom>
+          <a:noFill/>
+        </p:spPr>
         <p:txBody>
-          <a:bodyPr/>
+          <a:bodyPr wrap="none" rtlCol="0">
+            <a:spAutoFit/>
+          </a:bodyPr>
           <a:lstStyle/>
           <a:p>
-            <a:endParaRPr lang="it-IT"/>
+            <a:r>
+              <a:rPr lang="it-IT" sz="2800" u="sng" dirty="0" err="1"/>
+              <a:t>Barotropic</a:t>
+            </a:r>
+            <a:r>
+              <a:rPr lang="it-IT" sz="2800" u="sng" dirty="0"/>
+              <a:t> </a:t>
+            </a:r>
+            <a:r>
+              <a:rPr lang="it-IT" sz="2800" u="sng" dirty="0" err="1"/>
+              <a:t>inviscid</a:t>
+            </a:r>
+            <a:r>
+              <a:rPr lang="it-IT" sz="2800" u="sng" dirty="0"/>
+              <a:t> </a:t>
+            </a:r>
+            <a:r>
+              <a:rPr lang="it-IT" sz="2800" u="sng" dirty="0" err="1"/>
+              <a:t>formulation</a:t>
+            </a:r>
+            <a:endParaRPr lang="en-GB" sz="2800" u="sng" dirty="0"/>
+          </a:p>
+        </p:txBody>
+      </p:sp>
+      <p:sp>
+        <p:nvSpPr>
+          <p:cNvPr id="8" name="CasellaDiTesto 7">
+            <a:extLst>
+              <a:ext uri="{FF2B5EF4-FFF2-40B4-BE49-F238E27FC236}">
+                <a16:creationId xmlns:a16="http://schemas.microsoft.com/office/drawing/2014/main" id="{ACB4D1D8-212B-CDEE-5C5C-A8809F99BBAF}"/>
+              </a:ext>
+            </a:extLst>
+          </p:cNvPr>
+          <p:cNvSpPr txBox="1"/>
+          <p:nvPr/>
+        </p:nvSpPr>
+        <p:spPr>
+          <a:xfrm>
+            <a:off x="7617351" y="4656843"/>
+            <a:ext cx="4371645" cy="1569660"/>
+          </a:xfrm>
+          <a:prstGeom prst="rect">
+            <a:avLst/>
+          </a:prstGeom>
+          <a:noFill/>
+          <a:ln w="38100">
+            <a:solidFill>
+              <a:schemeClr val="accent2">
+                <a:lumMod val="75000"/>
+              </a:schemeClr>
+            </a:solidFill>
+          </a:ln>
+        </p:spPr>
+        <p:txBody>
+          <a:bodyPr wrap="none" rtlCol="0">
+            <a:spAutoFit/>
+          </a:bodyPr>
+          <a:lstStyle/>
+          <a:p>
+            <a:pPr algn="ctr"/>
+            <a:r>
+              <a:rPr lang="it-IT" sz="2400" dirty="0"/>
+              <a:t>Key point in </a:t>
+            </a:r>
+            <a:r>
+              <a:rPr lang="it-IT" sz="2400" dirty="0" err="1"/>
+              <a:t>all</a:t>
+            </a:r>
+            <a:r>
+              <a:rPr lang="it-IT" sz="2400" dirty="0"/>
+              <a:t> </a:t>
+            </a:r>
+            <a:r>
+              <a:rPr lang="it-IT" sz="2400" dirty="0" err="1"/>
+              <a:t>these</a:t>
+            </a:r>
+            <a:r>
+              <a:rPr lang="it-IT" sz="2400" dirty="0"/>
+              <a:t> </a:t>
+            </a:r>
+            <a:r>
+              <a:rPr lang="it-IT" sz="2400" dirty="0" err="1"/>
+              <a:t>waves</a:t>
+            </a:r>
+            <a:r>
+              <a:rPr lang="it-IT" sz="2400" dirty="0"/>
+              <a:t>:</a:t>
+            </a:r>
+          </a:p>
+          <a:p>
+            <a:pPr algn="ctr"/>
+            <a:r>
+              <a:rPr lang="it-IT" sz="2400" dirty="0"/>
+              <a:t>CONSERVATION OF VORTICITY</a:t>
+            </a:r>
+          </a:p>
+          <a:p>
+            <a:pPr marL="342900" indent="-342900" algn="ctr">
+              <a:buFontTx/>
+              <a:buChar char="-"/>
+            </a:pPr>
+            <a:r>
+              <a:rPr lang="it-IT" sz="2400" dirty="0" err="1"/>
+              <a:t>absolute</a:t>
+            </a:r>
+            <a:r>
+              <a:rPr lang="it-IT" sz="2400" dirty="0"/>
+              <a:t>: </a:t>
+            </a:r>
+            <a:r>
+              <a:rPr lang="it-IT" sz="2400" i="1" dirty="0" err="1"/>
+              <a:t>this</a:t>
+            </a:r>
+            <a:r>
+              <a:rPr lang="it-IT" sz="2400" i="1" dirty="0"/>
+              <a:t> </a:t>
+            </a:r>
+            <a:r>
+              <a:rPr lang="it-IT" sz="2400" i="1" dirty="0" err="1"/>
+              <a:t>example</a:t>
+            </a:r>
+            <a:endParaRPr lang="it-IT" sz="2400" i="1" dirty="0"/>
+          </a:p>
+          <a:p>
+            <a:pPr marL="342900" indent="-342900" algn="ctr">
+              <a:buFontTx/>
+              <a:buChar char="-"/>
+            </a:pPr>
+            <a:r>
+              <a:rPr lang="it-IT" sz="2400" dirty="0" err="1"/>
+              <a:t>Barotropic</a:t>
+            </a:r>
+            <a:r>
+              <a:rPr lang="it-IT" sz="2400" dirty="0"/>
+              <a:t> </a:t>
+            </a:r>
+            <a:r>
+              <a:rPr lang="it-IT" sz="2400" dirty="0" err="1"/>
+              <a:t>potential</a:t>
+            </a:r>
+            <a:r>
+              <a:rPr lang="it-IT" sz="2400" dirty="0"/>
+              <a:t>: </a:t>
+            </a:r>
+            <a:r>
+              <a:rPr lang="it-IT" sz="2400" i="1" dirty="0" err="1"/>
+              <a:t>next</a:t>
+            </a:r>
+            <a:endParaRPr lang="en-GB" sz="2400" dirty="0"/>
+          </a:p>
+        </p:txBody>
+      </p:sp>
+      <p:pic>
+        <p:nvPicPr>
+          <p:cNvPr id="10" name="Immagine 9">
+            <a:extLst>
+              <a:ext uri="{FF2B5EF4-FFF2-40B4-BE49-F238E27FC236}">
+                <a16:creationId xmlns:a16="http://schemas.microsoft.com/office/drawing/2014/main" id="{9FFDBF96-5E00-5FA1-E0BC-AA27ACF3BC88}"/>
+              </a:ext>
+            </a:extLst>
+          </p:cNvPr>
+          <p:cNvPicPr>
+            <a:picLocks noChangeAspect="1"/>
+          </p:cNvPicPr>
+          <p:nvPr/>
+        </p:nvPicPr>
+        <p:blipFill>
+          <a:blip r:embed="rId3"/>
+          <a:stretch>
+            <a:fillRect/>
+          </a:stretch>
+        </p:blipFill>
+        <p:spPr>
+          <a:xfrm>
+            <a:off x="2328420" y="825184"/>
+            <a:ext cx="8164064" cy="2191056"/>
+          </a:xfrm>
+          <a:prstGeom prst="rect">
+            <a:avLst/>
+          </a:prstGeom>
+        </p:spPr>
+      </p:pic>
+      <p:pic>
+        <p:nvPicPr>
+          <p:cNvPr id="12" name="Immagine 11">
+            <a:extLst>
+              <a:ext uri="{FF2B5EF4-FFF2-40B4-BE49-F238E27FC236}">
+                <a16:creationId xmlns:a16="http://schemas.microsoft.com/office/drawing/2014/main" id="{E78FA195-E5CA-3F51-4568-5CE4A6BF13CE}"/>
+              </a:ext>
+            </a:extLst>
+          </p:cNvPr>
+          <p:cNvPicPr>
+            <a:picLocks noChangeAspect="1"/>
+          </p:cNvPicPr>
+          <p:nvPr/>
+        </p:nvPicPr>
+        <p:blipFill>
+          <a:blip r:embed="rId4"/>
+          <a:stretch>
+            <a:fillRect/>
+          </a:stretch>
+        </p:blipFill>
+        <p:spPr>
+          <a:xfrm>
+            <a:off x="1654311" y="4809565"/>
+            <a:ext cx="2724530" cy="990738"/>
+          </a:xfrm>
+          <a:prstGeom prst="rect">
+            <a:avLst/>
+          </a:prstGeom>
+        </p:spPr>
+      </p:pic>
+      <p:sp>
+        <p:nvSpPr>
+          <p:cNvPr id="13" name="CasellaDiTesto 12">
+            <a:extLst>
+              <a:ext uri="{FF2B5EF4-FFF2-40B4-BE49-F238E27FC236}">
+                <a16:creationId xmlns:a16="http://schemas.microsoft.com/office/drawing/2014/main" id="{640C62A8-5BDE-C33B-1C3F-0306FAFD92DE}"/>
+              </a:ext>
+            </a:extLst>
+          </p:cNvPr>
+          <p:cNvSpPr txBox="1"/>
+          <p:nvPr/>
+        </p:nvSpPr>
+        <p:spPr>
+          <a:xfrm>
+            <a:off x="73524" y="5043324"/>
+            <a:ext cx="1490793" cy="523220"/>
+          </a:xfrm>
+          <a:prstGeom prst="rect">
+            <a:avLst/>
+          </a:prstGeom>
+          <a:noFill/>
+        </p:spPr>
+        <p:txBody>
+          <a:bodyPr wrap="none" rtlCol="0">
+            <a:spAutoFit/>
+          </a:bodyPr>
+          <a:lstStyle/>
+          <a:p>
+            <a:r>
+              <a:rPr lang="it-IT" sz="2800" dirty="0"/>
+              <a:t>By </a:t>
+            </a:r>
+            <a:r>
+              <a:rPr lang="it-IT" sz="2800" dirty="0" err="1"/>
+              <a:t>doing</a:t>
+            </a:r>
+            <a:endParaRPr lang="en-GB" sz="2800" dirty="0"/>
+          </a:p>
+        </p:txBody>
+      </p:sp>
+      <p:sp>
+        <p:nvSpPr>
+          <p:cNvPr id="14" name="CasellaDiTesto 13">
+            <a:extLst>
+              <a:ext uri="{FF2B5EF4-FFF2-40B4-BE49-F238E27FC236}">
+                <a16:creationId xmlns:a16="http://schemas.microsoft.com/office/drawing/2014/main" id="{BE32D56A-46DC-1C61-D688-0F68B24601B8}"/>
+              </a:ext>
+            </a:extLst>
+          </p:cNvPr>
+          <p:cNvSpPr txBox="1"/>
+          <p:nvPr/>
+        </p:nvSpPr>
+        <p:spPr>
+          <a:xfrm>
+            <a:off x="4383425" y="4809565"/>
+            <a:ext cx="2309095" cy="954107"/>
+          </a:xfrm>
+          <a:prstGeom prst="rect">
+            <a:avLst/>
+          </a:prstGeom>
+          <a:noFill/>
+        </p:spPr>
+        <p:txBody>
+          <a:bodyPr wrap="none" rtlCol="0">
+            <a:spAutoFit/>
+          </a:bodyPr>
+          <a:lstStyle/>
+          <a:p>
+            <a:pPr algn="ctr"/>
+            <a:r>
+              <a:rPr lang="it-IT" sz="2800" dirty="0" err="1"/>
+              <a:t>obtain</a:t>
+            </a:r>
+            <a:r>
+              <a:rPr lang="it-IT" sz="2800" dirty="0"/>
+              <a:t> </a:t>
+            </a:r>
+            <a:r>
+              <a:rPr lang="it-IT" sz="2800" dirty="0" err="1"/>
+              <a:t>eq</a:t>
+            </a:r>
+            <a:r>
+              <a:rPr lang="it-IT" sz="2800" dirty="0"/>
+              <a:t>. for </a:t>
+            </a:r>
+          </a:p>
+          <a:p>
+            <a:pPr algn="ctr"/>
+            <a:r>
+              <a:rPr lang="it-IT" sz="2800" dirty="0" err="1"/>
+              <a:t>vorticity</a:t>
+            </a:r>
+            <a:endParaRPr lang="en-GB" sz="2800" dirty="0"/>
           </a:p>
         </p:txBody>
       </p:sp>
     </p:spTree>
     <p:extLst>
       <p:ext uri="{BB962C8B-B14F-4D97-AF65-F5344CB8AC3E}">
-        <p14:creationId xmlns:p14="http://schemas.microsoft.com/office/powerpoint/2010/main" val="3085314768"/>
+        <p14:creationId xmlns:p14="http://schemas.microsoft.com/office/powerpoint/2010/main" val="3243386279"/>
       </p:ext>
     </p:extLst>
   </p:cSld>
@@ -7024,4 +13419,299 @@
     </a:ext>
   </a:extLst>
 </a:theme>
+</file>
+
+<file path=ppt/theme/theme2.xml><?xml version="1.0" encoding="utf-8"?>
+<a:theme xmlns:a="http://schemas.openxmlformats.org/drawingml/2006/main" name="Tema di Office">
+  <a:themeElements>
+    <a:clrScheme name="Office">
+      <a:dk1>
+        <a:sysClr val="windowText" lastClr="000000"/>
+      </a:dk1>
+      <a:lt1>
+        <a:sysClr val="window" lastClr="FFFFFF"/>
+      </a:lt1>
+      <a:dk2>
+        <a:srgbClr val="44546A"/>
+      </a:dk2>
+      <a:lt2>
+        <a:srgbClr val="E7E6E6"/>
+      </a:lt2>
+      <a:accent1>
+        <a:srgbClr val="4472C4"/>
+      </a:accent1>
+      <a:accent2>
+        <a:srgbClr val="ED7D31"/>
+      </a:accent2>
+      <a:accent3>
+        <a:srgbClr val="A5A5A5"/>
+      </a:accent3>
+      <a:accent4>
+        <a:srgbClr val="FFC000"/>
+      </a:accent4>
+      <a:accent5>
+        <a:srgbClr val="5B9BD5"/>
+      </a:accent5>
+      <a:accent6>
+        <a:srgbClr val="70AD47"/>
+      </a:accent6>
+      <a:hlink>
+        <a:srgbClr val="0563C1"/>
+      </a:hlink>
+      <a:folHlink>
+        <a:srgbClr val="954F72"/>
+      </a:folHlink>
+    </a:clrScheme>
+    <a:fontScheme name="Office">
+      <a:majorFont>
+        <a:latin typeface="Calibri Light" panose="020F0302020204030204"/>
+        <a:ea typeface=""/>
+        <a:cs typeface=""/>
+        <a:font script="Jpan" typeface="游ゴシック Light"/>
+        <a:font script="Hang" typeface="맑은 고딕"/>
+        <a:font script="Hans" typeface="等线 Light"/>
+        <a:font script="Hant" typeface="新細明體"/>
+        <a:font script="Arab" typeface="Times New Roman"/>
+        <a:font script="Hebr" typeface="Times New Roman"/>
+        <a:font script="Thai" typeface="Angsana New"/>
+        <a:font script="Ethi" typeface="Nyala"/>
+        <a:font script="Beng" typeface="Vrinda"/>
+        <a:font script="Gujr" typeface="Shruti"/>
+        <a:font script="Khmr" typeface="MoolBoran"/>
+        <a:font script="Knda" typeface="Tunga"/>
+        <a:font script="Guru" typeface="Raavi"/>
+        <a:font script="Cans" typeface="Euphemia"/>
+        <a:font script="Cher" typeface="Plantagenet Cherokee"/>
+        <a:font script="Yiii" typeface="Microsoft Yi Baiti"/>
+        <a:font script="Tibt" typeface="Microsoft Himalaya"/>
+        <a:font script="Thaa" typeface="MV Boli"/>
+        <a:font script="Deva" typeface="Mangal"/>
+        <a:font script="Telu" typeface="Gautami"/>
+        <a:font script="Taml" typeface="Latha"/>
+        <a:font script="Syrc" typeface="Estrangelo Edessa"/>
+        <a:font script="Orya" typeface="Kalinga"/>
+        <a:font script="Mlym" typeface="Kartika"/>
+        <a:font script="Laoo" typeface="DokChampa"/>
+        <a:font script="Sinh" typeface="Iskoola Pota"/>
+        <a:font script="Mong" typeface="Mongolian Baiti"/>
+        <a:font script="Viet" typeface="Times New Roman"/>
+        <a:font script="Uigh" typeface="Microsoft Uighur"/>
+        <a:font script="Geor" typeface="Sylfaen"/>
+        <a:font script="Armn" typeface="Arial"/>
+        <a:font script="Bugi" typeface="Leelawadee UI"/>
+        <a:font script="Bopo" typeface="Microsoft JhengHei"/>
+        <a:font script="Java" typeface="Javanese Text"/>
+        <a:font script="Lisu" typeface="Segoe UI"/>
+        <a:font script="Mymr" typeface="Myanmar Text"/>
+        <a:font script="Nkoo" typeface="Ebrima"/>
+        <a:font script="Olck" typeface="Nirmala UI"/>
+        <a:font script="Osma" typeface="Ebrima"/>
+        <a:font script="Phag" typeface="Phagspa"/>
+        <a:font script="Syrn" typeface="Estrangelo Edessa"/>
+        <a:font script="Syrj" typeface="Estrangelo Edessa"/>
+        <a:font script="Syre" typeface="Estrangelo Edessa"/>
+        <a:font script="Sora" typeface="Nirmala UI"/>
+        <a:font script="Tale" typeface="Microsoft Tai Le"/>
+        <a:font script="Talu" typeface="Microsoft New Tai Lue"/>
+        <a:font script="Tfng" typeface="Ebrima"/>
+      </a:majorFont>
+      <a:minorFont>
+        <a:latin typeface="Calibri" panose="020F0502020204030204"/>
+        <a:ea typeface=""/>
+        <a:cs typeface=""/>
+        <a:font script="Jpan" typeface="游ゴシック"/>
+        <a:font script="Hang" typeface="맑은 고딕"/>
+        <a:font script="Hans" typeface="等线"/>
+        <a:font script="Hant" typeface="新細明體"/>
+        <a:font script="Arab" typeface="Arial"/>
+        <a:font script="Hebr" typeface="Arial"/>
+        <a:font script="Thai" typeface="Cordia New"/>
+        <a:font script="Ethi" typeface="Nyala"/>
+        <a:font script="Beng" typeface="Vrinda"/>
+        <a:font script="Gujr" typeface="Shruti"/>
+        <a:font script="Khmr" typeface="DaunPenh"/>
+        <a:font script="Knda" typeface="Tunga"/>
+        <a:font script="Guru" typeface="Raavi"/>
+        <a:font script="Cans" typeface="Euphemia"/>
+        <a:font script="Cher" typeface="Plantagenet Cherokee"/>
+        <a:font script="Yiii" typeface="Microsoft Yi Baiti"/>
+        <a:font script="Tibt" typeface="Microsoft Himalaya"/>
+        <a:font script="Thaa" typeface="MV Boli"/>
+        <a:font script="Deva" typeface="Mangal"/>
+        <a:font script="Telu" typeface="Gautami"/>
+        <a:font script="Taml" typeface="Latha"/>
+        <a:font script="Syrc" typeface="Estrangelo Edessa"/>
+        <a:font script="Orya" typeface="Kalinga"/>
+        <a:font script="Mlym" typeface="Kartika"/>
+        <a:font script="Laoo" typeface="DokChampa"/>
+        <a:font script="Sinh" typeface="Iskoola Pota"/>
+        <a:font script="Mong" typeface="Mongolian Baiti"/>
+        <a:font script="Viet" typeface="Arial"/>
+        <a:font script="Uigh" typeface="Microsoft Uighur"/>
+        <a:font script="Geor" typeface="Sylfaen"/>
+        <a:font script="Armn" typeface="Arial"/>
+        <a:font script="Bugi" typeface="Leelawadee UI"/>
+        <a:font script="Bopo" typeface="Microsoft JhengHei"/>
+        <a:font script="Java" typeface="Javanese Text"/>
+        <a:font script="Lisu" typeface="Segoe UI"/>
+        <a:font script="Mymr" typeface="Myanmar Text"/>
+        <a:font script="Nkoo" typeface="Ebrima"/>
+        <a:font script="Olck" typeface="Nirmala UI"/>
+        <a:font script="Osma" typeface="Ebrima"/>
+        <a:font script="Phag" typeface="Phagspa"/>
+        <a:font script="Syrn" typeface="Estrangelo Edessa"/>
+        <a:font script="Syrj" typeface="Estrangelo Edessa"/>
+        <a:font script="Syre" typeface="Estrangelo Edessa"/>
+        <a:font script="Sora" typeface="Nirmala UI"/>
+        <a:font script="Tale" typeface="Microsoft Tai Le"/>
+        <a:font script="Talu" typeface="Microsoft New Tai Lue"/>
+        <a:font script="Tfng" typeface="Ebrima"/>
+      </a:minorFont>
+    </a:fontScheme>
+    <a:fmtScheme name="Office">
+      <a:fillStyleLst>
+        <a:solidFill>
+          <a:schemeClr val="phClr"/>
+        </a:solidFill>
+        <a:gradFill rotWithShape="1">
+          <a:gsLst>
+            <a:gs pos="0">
+              <a:schemeClr val="phClr">
+                <a:lumMod val="110000"/>
+                <a:satMod val="105000"/>
+                <a:tint val="67000"/>
+              </a:schemeClr>
+            </a:gs>
+            <a:gs pos="50000">
+              <a:schemeClr val="phClr">
+                <a:lumMod val="105000"/>
+                <a:satMod val="103000"/>
+                <a:tint val="73000"/>
+              </a:schemeClr>
+            </a:gs>
+            <a:gs pos="100000">
+              <a:schemeClr val="phClr">
+                <a:lumMod val="105000"/>
+                <a:satMod val="109000"/>
+                <a:tint val="81000"/>
+              </a:schemeClr>
+            </a:gs>
+          </a:gsLst>
+          <a:lin ang="5400000" scaled="0"/>
+        </a:gradFill>
+        <a:gradFill rotWithShape="1">
+          <a:gsLst>
+            <a:gs pos="0">
+              <a:schemeClr val="phClr">
+                <a:satMod val="103000"/>
+                <a:lumMod val="102000"/>
+                <a:tint val="94000"/>
+              </a:schemeClr>
+            </a:gs>
+            <a:gs pos="50000">
+              <a:schemeClr val="phClr">
+                <a:satMod val="110000"/>
+                <a:lumMod val="100000"/>
+                <a:shade val="100000"/>
+              </a:schemeClr>
+            </a:gs>
+            <a:gs pos="100000">
+              <a:schemeClr val="phClr">
+                <a:lumMod val="99000"/>
+                <a:satMod val="120000"/>
+                <a:shade val="78000"/>
+              </a:schemeClr>
+            </a:gs>
+          </a:gsLst>
+          <a:lin ang="5400000" scaled="0"/>
+        </a:gradFill>
+      </a:fillStyleLst>
+      <a:lnStyleLst>
+        <a:ln w="6350" cap="flat" cmpd="sng" algn="ctr">
+          <a:solidFill>
+            <a:schemeClr val="phClr"/>
+          </a:solidFill>
+          <a:prstDash val="solid"/>
+          <a:miter lim="800000"/>
+        </a:ln>
+        <a:ln w="12700" cap="flat" cmpd="sng" algn="ctr">
+          <a:solidFill>
+            <a:schemeClr val="phClr"/>
+          </a:solidFill>
+          <a:prstDash val="solid"/>
+          <a:miter lim="800000"/>
+        </a:ln>
+        <a:ln w="19050" cap="flat" cmpd="sng" algn="ctr">
+          <a:solidFill>
+            <a:schemeClr val="phClr"/>
+          </a:solidFill>
+          <a:prstDash val="solid"/>
+          <a:miter lim="800000"/>
+        </a:ln>
+      </a:lnStyleLst>
+      <a:effectStyleLst>
+        <a:effectStyle>
+          <a:effectLst/>
+        </a:effectStyle>
+        <a:effectStyle>
+          <a:effectLst/>
+        </a:effectStyle>
+        <a:effectStyle>
+          <a:effectLst>
+            <a:outerShdw blurRad="57150" dist="19050" dir="5400000" algn="ctr" rotWithShape="0">
+              <a:srgbClr val="000000">
+                <a:alpha val="63000"/>
+              </a:srgbClr>
+            </a:outerShdw>
+          </a:effectLst>
+        </a:effectStyle>
+      </a:effectStyleLst>
+      <a:bgFillStyleLst>
+        <a:solidFill>
+          <a:schemeClr val="phClr"/>
+        </a:solidFill>
+        <a:solidFill>
+          <a:schemeClr val="phClr">
+            <a:tint val="95000"/>
+            <a:satMod val="170000"/>
+          </a:schemeClr>
+        </a:solidFill>
+        <a:gradFill rotWithShape="1">
+          <a:gsLst>
+            <a:gs pos="0">
+              <a:schemeClr val="phClr">
+                <a:tint val="93000"/>
+                <a:satMod val="150000"/>
+                <a:shade val="98000"/>
+                <a:lumMod val="102000"/>
+              </a:schemeClr>
+            </a:gs>
+            <a:gs pos="50000">
+              <a:schemeClr val="phClr">
+                <a:tint val="98000"/>
+                <a:satMod val="130000"/>
+                <a:shade val="90000"/>
+                <a:lumMod val="103000"/>
+              </a:schemeClr>
+            </a:gs>
+            <a:gs pos="100000">
+              <a:schemeClr val="phClr">
+                <a:shade val="63000"/>
+                <a:satMod val="120000"/>
+              </a:schemeClr>
+            </a:gs>
+          </a:gsLst>
+          <a:lin ang="5400000" scaled="0"/>
+        </a:gradFill>
+      </a:bgFillStyleLst>
+    </a:fmtScheme>
+  </a:themeElements>
+  <a:objectDefaults/>
+  <a:extraClrSchemeLst/>
+  <a:extLst>
+    <a:ext uri="{05A4C25C-085E-4340-85A3-A5531E510DB2}">
+      <thm15:themeFamily xmlns:thm15="http://schemas.microsoft.com/office/thememl/2012/main" name="Office Theme" id="{62F939B6-93AF-4DB8-9C6B-D6C7DFDC589F}" vid="{4A3C46E8-61CC-4603-A589-7422A47A8E4A}"/>
+    </a:ext>
+  </a:extLst>
+</a:theme>
 </file>
--- a/waves_presentation/waves.pptx
+++ b/waves_presentation/waves.pptx
@@ -5,7 +5,7 @@
     <p:sldMasterId id="2147483648" r:id="rId1"/>
   </p:sldMasterIdLst>
   <p:notesMasterIdLst>
-    <p:notesMasterId r:id="rId15"/>
+    <p:notesMasterId r:id="rId19"/>
   </p:notesMasterIdLst>
   <p:sldIdLst>
     <p:sldId id="256" r:id="rId2"/>
@@ -18,9 +18,13 @@
     <p:sldId id="258" r:id="rId9"/>
     <p:sldId id="265" r:id="rId10"/>
     <p:sldId id="266" r:id="rId11"/>
-    <p:sldId id="267" r:id="rId12"/>
-    <p:sldId id="268" r:id="rId13"/>
-    <p:sldId id="263" r:id="rId14"/>
+    <p:sldId id="269" r:id="rId12"/>
+    <p:sldId id="267" r:id="rId13"/>
+    <p:sldId id="270" r:id="rId14"/>
+    <p:sldId id="268" r:id="rId15"/>
+    <p:sldId id="271" r:id="rId16"/>
+    <p:sldId id="272" r:id="rId17"/>
+    <p:sldId id="263" r:id="rId18"/>
   </p:sldIdLst>
   <p:sldSz cx="12192000" cy="6858000"/>
   <p:notesSz cx="6858000" cy="9144000"/>
@@ -127,1245 +131,6 @@
 </p:presentation>
 </file>
 
-<file path=ppt/ink/ink1.xml><?xml version="1.0" encoding="utf-8"?>
-<inkml:ink xmlns:inkml="http://www.w3.org/2003/InkML">
-  <inkml:definitions>
-    <inkml:context xml:id="ctx0">
-      <inkml:inkSource xml:id="inkSrc0">
-        <inkml:traceFormat>
-          <inkml:channel name="X" type="integer" min="-2.14748E9" max="2.14748E9" units="cm"/>
-          <inkml:channel name="Y" type="integer" min="-2.14748E9" max="2.14748E9" units="cm"/>
-          <inkml:channel name="F" type="integer" max="32767" units="dev"/>
-        </inkml:traceFormat>
-        <inkml:channelProperties>
-          <inkml:channelProperty channel="X" name="resolution" value="1000" units="1/cm"/>
-          <inkml:channelProperty channel="Y" name="resolution" value="1000" units="1/cm"/>
-          <inkml:channelProperty channel="F" name="resolution" value="0" units="1/dev"/>
-        </inkml:channelProperties>
-      </inkml:inkSource>
-      <inkml:timestamp xml:id="ts0" timeString="2025-02-21T14:54:10.623"/>
-    </inkml:context>
-    <inkml:brush xml:id="br0">
-      <inkml:brushProperty name="width" value="0.05" units="cm"/>
-      <inkml:brushProperty name="height" value="0.05" units="cm"/>
-    </inkml:brush>
-  </inkml:definitions>
-  <inkml:trace contextRef="#ctx0" brushRef="#br0">1 658 7536,'0'0'11626,"1"5"-12969,45 127 1278,-38-113 20,1-2-1,1 1 1,1-2-1,0 1 1,2-1-1,-1-1 1,22 19-1,-12-10 134,22 29-1,-40-48-131,0 0 0,0-1 0,1 0 0,0 0 0,0 0 0,0-1 0,0 1 0,0-1 0,1-1 0,9 5 0,-6-3 47,0 0-1,-1 1 0,1 0 1,8 7-1,12 8-11,0-1 1,35 17 0,-21-13-23,-16-9 63,1-1 1,0-1-1,1-1 1,54 12 0,118 8 241,-193-30-273,255 35 375,-233-33-283,271 16 400,-231-19-355,196-3 36,-193-2-75,119-23 0,241-32 905,-210 29-1077,-67 8 42,-42 18-18,-25 1 32,426-52 163,-215 26-54,-215 29-70,-59 3-19,1-2-1,33-5 1,12-2-36,1 4 1,-1 3 0,1 2 0,87 16-1,-77-11-274,23 3-147,-74-4 477,202 47 46,-207-44-72,0 1 0,-1 1 0,0 1 0,-1 2 0,0 0 0,33 27 0,-4-2-14,-31-22 18,0 0 1,-1 2-1,31 32 0,-10 0-12,-42-50 4,2 3 1,18 26 4,-17-23 3,1 1 0,0-1 0,0 0 0,1 0 0,6 6 0,-11-12 888,23 22-598,-20-21-290,-1 0 0,0 0 0,0 0 1,1-1-1,-1 0 0,0 1 0,1-1 0,0 0 1,-1-1-1,1 1 0,-1-1 0,1 1 1,0-1-1,-1 0 0,1 0 0,0-1 0,-1 1 1,1-1-1,6-2 0,3-1 10,1-2 0,-1 0-1,22-13 1,1-1 26,6 2-30,2 2-1,0 2 1,1 2 0,52-8 0,191-12-591,-135 18 620,-47 7-226,157 11-1,-70 1 127,119 14 308,-135-5-408,42 9 42,-24-2 123,-19-8 5,195 10-12,376-32 163,-716 6-232,310-33 547,-275 24-368,-1-2 1,0-3-1,71-29 1,37-18-53,104-45 750,-261 101-786,40-18 180,-2-3 0,83-56 0,-101 57-178,64-62 0,-61 54 130,-29 27-106,1 0 1,-1-1-1,-1 0 1,13-17-1,77-110-37,-15 24 61,11-26-21,-56 77-45,-14 25-3,-2-1-1,29-66 1,-42 74-13,10-47 0,-11 41 18,-6 25-4,-1-1 0,0 0-1,1-17 1,-2 25-3,5-7-77,-4 8-318,-3-17-825,2 18 602</inkml:trace>
-</inkml:ink>
-</file>
-
-<file path=ppt/ink/ink10.xml><?xml version="1.0" encoding="utf-8"?>
-<inkml:ink xmlns:inkml="http://www.w3.org/2003/InkML">
-  <inkml:definitions>
-    <inkml:context xml:id="ctx0">
-      <inkml:inkSource xml:id="inkSrc0">
-        <inkml:traceFormat>
-          <inkml:channel name="X" type="integer" min="-2.14748E9" max="2.14748E9" units="cm"/>
-          <inkml:channel name="Y" type="integer" min="-2.14748E9" max="2.14748E9" units="cm"/>
-          <inkml:channel name="F" type="integer" max="32767" units="dev"/>
-        </inkml:traceFormat>
-        <inkml:channelProperties>
-          <inkml:channelProperty channel="X" name="resolution" value="1000" units="1/cm"/>
-          <inkml:channelProperty channel="Y" name="resolution" value="1000" units="1/cm"/>
-          <inkml:channelProperty channel="F" name="resolution" value="0" units="1/dev"/>
-        </inkml:channelProperties>
-      </inkml:inkSource>
-      <inkml:timestamp xml:id="ts0" timeString="2025-02-21T14:54:28.636"/>
-    </inkml:context>
-    <inkml:brush xml:id="br0">
-      <inkml:brushProperty name="width" value="0.1" units="cm"/>
-      <inkml:brushProperty name="height" value="0.1" units="cm"/>
-    </inkml:brush>
-  </inkml:definitions>
-  <inkml:trace contextRef="#ctx0" brushRef="#br0">0 0 2072,'6'16'-40,"-5"-12"377,0-1 1,1 0-1,-1 0 1,0 0-1,1 1 1,0-2-1,0 1 1,4 5 1946,-3-17 0,2 1 1184,29 44-3580,-1 1 0,-2 2 0,-2 1 0,33 59 0,-12 8 260,-4 1 0,-5 3 0,-5 2 1,39 208-1,-71-298-150,3 38 344,-2 39 185,-9 101 1,1-160-246,-1-1 1,-3 0-1,-1 0 0,-2-1 1,-28 72-1,-36 36 402,62-126-520,-1-1 1,-1-1 0,-1 0-1,-32 31 1,42-44-137,-1-1 0,-1 0 0,1-1 0,-1 0 1,-12 7-1,17-10-72,0-1-1,1 1 1,-1 0 0,0-1 0,1 1 0,-1-1 0,0 1 0,1-1 0,-1 0 0,0 0-1,0 0 1,1 0 0,-1 0 0,0 0 0,0-1 0,1 1 0,-1 0 0,0-1 0,1 1-1,-1-1 1,0 0 0,1 0 0,-1 1 0,1-1 0,-1 0 0,1 0 0,0-1 0,-1 1-1,1 0 1,0 0 0,-2-2 0,3 1-304,0 0 0,-1-1 1,1 1-1,0 0 0,0 0 0,0 0 0,0-1 0,1 1 1,-1 0-1,0 0 0,1 0 0,0 0 0,-1 0 0,1 0 0,0 0 1,0 0-1,2-3 0,0-1-844,11-27-300,7-16-2241</inkml:trace>
-</inkml:ink>
-</file>
-
-<file path=ppt/ink/ink11.xml><?xml version="1.0" encoding="utf-8"?>
-<inkml:ink xmlns:inkml="http://www.w3.org/2003/InkML">
-  <inkml:definitions>
-    <inkml:context xml:id="ctx0">
-      <inkml:inkSource xml:id="inkSrc0">
-        <inkml:traceFormat>
-          <inkml:channel name="X" type="integer" min="-2.14748E9" max="2.14748E9" units="cm"/>
-          <inkml:channel name="Y" type="integer" min="-2.14748E9" max="2.14748E9" units="cm"/>
-          <inkml:channel name="F" type="integer" max="32767" units="dev"/>
-        </inkml:traceFormat>
-        <inkml:channelProperties>
-          <inkml:channelProperty channel="X" name="resolution" value="1000" units="1/cm"/>
-          <inkml:channelProperty channel="Y" name="resolution" value="1000" units="1/cm"/>
-          <inkml:channelProperty channel="F" name="resolution" value="0" units="1/dev"/>
-        </inkml:channelProperties>
-      </inkml:inkSource>
-      <inkml:timestamp xml:id="ts0" timeString="2025-02-21T14:54:29.093"/>
-    </inkml:context>
-    <inkml:brush xml:id="br0">
-      <inkml:brushProperty name="width" value="0.1" units="cm"/>
-      <inkml:brushProperty name="height" value="0.1" units="cm"/>
-    </inkml:brush>
-  </inkml:definitions>
-  <inkml:trace contextRef="#ctx0" brushRef="#br0">1 37 3144,'2'1'335,"0"0"0,1 0 0,-1 0 0,1 0 0,-1-1 0,1 1 0,-1-1 0,1 0 0,0 1 0,-1-1 0,1 0 0,-1-1 0,1 1 0,2-1 0,45-10 2938,-28 6-2557,-20 5-685,30-8 286,-1 2 0,1 1 0,0 1 0,-1 2 0,2 2 0,37 3 0,32 14 113,80 10 1010,-61-19-3886,-81-5-425,-8-1-4082</inkml:trace>
-</inkml:ink>
-</file>
-
-<file path=ppt/ink/ink12.xml><?xml version="1.0" encoding="utf-8"?>
-<inkml:ink xmlns:inkml="http://www.w3.org/2003/InkML">
-  <inkml:definitions>
-    <inkml:context xml:id="ctx0">
-      <inkml:inkSource xml:id="inkSrc0">
-        <inkml:traceFormat>
-          <inkml:channel name="X" type="integer" min="-2.14748E9" max="2.14748E9" units="cm"/>
-          <inkml:channel name="Y" type="integer" min="-2.14748E9" max="2.14748E9" units="cm"/>
-          <inkml:channel name="F" type="integer" max="32767" units="dev"/>
-        </inkml:traceFormat>
-        <inkml:channelProperties>
-          <inkml:channelProperty channel="X" name="resolution" value="1000" units="1/cm"/>
-          <inkml:channelProperty channel="Y" name="resolution" value="1000" units="1/cm"/>
-          <inkml:channelProperty channel="F" name="resolution" value="0" units="1/dev"/>
-        </inkml:channelProperties>
-      </inkml:inkSource>
-      <inkml:timestamp xml:id="ts0" timeString="2025-02-21T14:54:29.409"/>
-    </inkml:context>
-    <inkml:brush xml:id="br0">
-      <inkml:brushProperty name="width" value="0.1" units="cm"/>
-      <inkml:brushProperty name="height" value="0.1" units="cm"/>
-    </inkml:brush>
-  </inkml:definitions>
-  <inkml:trace contextRef="#ctx0" brushRef="#br0">1 78 7264,'150'-77'1924,"-150"77"-1905,0 0 0,0 0 1,0 0-1,0 0 1,0 0-1,0 0 0,0 0 1,0 1-1,0-1 0,0 0 1,0 0-1,0 0 0,0 0 1,0 0-1,0 0 1,0 1-1,0-1 0,0 0 1,0 0-1,0 0 0,0 0 1,0 0-1,0 0 1,0 0-1,0 1 0,0-1 1,0 0-1,1 0 0,-1 0 1,0 0-1,0 0 0,0 0 1,0 0-1,0 0 1,0 0-1,0 0 0,0 0 1,1 0-1,-1 0 0,0 0 1,0 1-1,0-1 1,0 0-1,0 0 0,0 0 1,1 0-1,-1 0 0,0 0 1,0 0-1,0 0 0,0-1 1,0 1-1,0 0 1,1 0-1,-1 0 0,0 0 1,-2 13 147,1-7 31,0-1 1,0 1 0,1-1-1,0 1 1,0 6 0,0-10-157,1-1-1,-1 1 1,0-1-1,1 1 1,-1-1 0,1 1-1,0-1 1,-1 1 0,1-1-1,0 0 1,0 1-1,0-1 1,0 0 0,0 0-1,0 0 1,0 0 0,0 0-1,0 0 1,1 0-1,-1 0 1,0 0 0,1-1-1,-1 1 1,3 1 0,6 0 136,-1 1 1,1-2 0,-1 1 0,1-1 0,0-1 0,19 0-1,63-13 569,-32 4-511,187-29 1407,-127 17-6064,-75 13-3479</inkml:trace>
-</inkml:ink>
-</file>
-
-<file path=ppt/ink/ink13.xml><?xml version="1.0" encoding="utf-8"?>
-<inkml:ink xmlns:inkml="http://www.w3.org/2003/InkML">
-  <inkml:definitions>
-    <inkml:context xml:id="ctx0">
-      <inkml:inkSource xml:id="inkSrc0">
-        <inkml:traceFormat>
-          <inkml:channel name="X" type="integer" min="-2.14748E9" max="2.14748E9" units="cm"/>
-          <inkml:channel name="Y" type="integer" min="-2.14748E9" max="2.14748E9" units="cm"/>
-          <inkml:channel name="F" type="integer" max="32767" units="dev"/>
-        </inkml:traceFormat>
-        <inkml:channelProperties>
-          <inkml:channelProperty channel="X" name="resolution" value="1000" units="1/cm"/>
-          <inkml:channelProperty channel="Y" name="resolution" value="1000" units="1/cm"/>
-          <inkml:channelProperty channel="F" name="resolution" value="0" units="1/dev"/>
-        </inkml:channelProperties>
-      </inkml:inkSource>
-      <inkml:timestamp xml:id="ts0" timeString="2025-02-21T14:54:30.108"/>
-    </inkml:context>
-    <inkml:brush xml:id="br0">
-      <inkml:brushProperty name="width" value="0.1" units="cm"/>
-      <inkml:brushProperty name="height" value="0.1" units="cm"/>
-    </inkml:brush>
-  </inkml:definitions>
-  <inkml:trace contextRef="#ctx0" brushRef="#br0">123 220 6280,'-4'2'0,"0"0"1,0 1-1,0 0 1,0 0 0,1 0-1,-1 0 1,1 0-1,0 1 1,0 0-1,0-1 1,0 1 0,1 0-1,0 1 1,-1-1-1,2 0 1,-1 1-1,0-1 1,-1 9-1,-17 43-418,11-34 1181,1 2-1,0-1 0,2 1 0,-3 26 1,5-16 251,2 1 1,4 52-1,-1-71-808,2 0 0,0 0 0,0 0 0,2-1 0,0 1 0,0-1 1,14 25-1,27 63 707,-41-95-830,0-1 1,1 0 0,0 0-1,0 0 1,1 0 0,0-1-1,0 0 1,1-1-1,-1 0 1,14 7 0,0 2 136,-12-8-102,0 0-1,0-1 1,1 0 0,0 0-1,0-1 1,0 0 0,0-1 0,1 0-1,-1-1 1,1 0 0,-1-1 0,1 0-1,0 0 1,0-1 0,-1-1-1,22-3 1,-18 2-33,-1-1 0,0 0 0,0-1 0,0-1 1,-1 0-1,1-1 0,-1 0 0,0 0 0,-1-2 0,21-15 0,-10 5-69,-1-1 1,-1-1-1,0-1 0,32-45 0,-33 39 17,-2-1-1,-1 0 1,-1-1-1,-1-1 0,-2 0 1,13-46-1,-19 47 101,5-54-1,-11 71-44,0-1 0,-1 1-1,0 0 1,-1-1 0,0 1-1,-1 0 1,-6-16 0,-9-12-25,-3 0 1,0 1-1,-3 1 1,-1 1-1,-49-54 1,70 86-106,-1-1-1,0 1 1,0 0 0,0 1-1,-1-1 1,0 1 0,0 0-1,0 0 1,0 1 0,-1 0-1,1 0 1,-1 0 0,1 1-1,-1 0 1,0 0 0,0 1-1,0 0 1,0 0 0,0 1-1,-10 0 1,6 1-27,0 1 1,0 0-1,0 1 0,0 0 1,1 1-1,-1 0 1,1 1-1,0 0 0,0 1 1,1-1-1,0 2 0,-10 7 1,3 0-299,0 0 0,1 2 1,0-1-1,1 2 0,1 0 1,-21 35-1,-25 48-2946,9-15-5320</inkml:trace>
-</inkml:ink>
-</file>
-
-<file path=ppt/ink/ink14.xml><?xml version="1.0" encoding="utf-8"?>
-<inkml:ink xmlns:inkml="http://www.w3.org/2003/InkML">
-  <inkml:definitions>
-    <inkml:context xml:id="ctx0">
-      <inkml:inkSource xml:id="inkSrc0">
-        <inkml:traceFormat>
-          <inkml:channel name="X" type="integer" min="-2.14748E9" max="2.14748E9" units="cm"/>
-          <inkml:channel name="Y" type="integer" min="-2.14748E9" max="2.14748E9" units="cm"/>
-          <inkml:channel name="F" type="integer" max="32767" units="dev"/>
-        </inkml:traceFormat>
-        <inkml:channelProperties>
-          <inkml:channelProperty channel="X" name="resolution" value="1000" units="1/cm"/>
-          <inkml:channelProperty channel="Y" name="resolution" value="1000" units="1/cm"/>
-          <inkml:channelProperty channel="F" name="resolution" value="0" units="1/dev"/>
-        </inkml:channelProperties>
-      </inkml:inkSource>
-      <inkml:timestamp xml:id="ts0" timeString="2025-02-21T14:54:32.265"/>
-    </inkml:context>
-    <inkml:brush xml:id="br0">
-      <inkml:brushProperty name="width" value="0.1" units="cm"/>
-      <inkml:brushProperty name="height" value="0.1" units="cm"/>
-    </inkml:brush>
-  </inkml:definitions>
-  <inkml:trace contextRef="#ctx0" brushRef="#br0">1 687 6280,'0'0'3785,"2"6"-2886,14 29-512,2 0 1,1-1-1,2-1 0,25 31 1,-41-58-192,1 0 0,1-1-1,-1 0 1,1 0 0,0-1 0,0 0 0,0 0-1,1 0 1,-1-1 0,1 0 0,0-1 0,12 3-1,-4-1 112,-1-2 0,1 0-1,0-1 1,0-1 0,25-2-1,-24 0-180,-1-2 0,0 0 0,0-1 0,0-1 0,-1 0-1,0-1 1,0-1 0,0 0 0,-1-1 0,0-1 0,-1 0 0,0 0 0,-1-2 0,0 1 0,-1-2-1,0 1 1,14-23 0,-7 8-122,-1-1 1,-2-1-1,-1 0 0,-1-1 0,-1-1 0,-2 0 1,-2 0-1,7-36 0,-11 42 24,-2-1-1,0 1 0,-1 0 1,-2 0-1,0 0 1,-2 0-1,-6-26 1,5 35-18,0 0 1,-2 0-1,0 0 1,-1 1-1,-1 0 1,0 0-1,-1 0 0,0 2 1,-1-1-1,-1 1 1,-16-16-1,20 22-76,0 1-1,-1 0 0,1 1 0,-1 0 0,0 0 0,0 1 0,-1 0 0,0 0 0,1 1 1,-1 0-1,0 0 0,0 1 0,-1 0 0,1 1 0,0 0 0,-1 1 0,1 0 1,0 0-1,-1 1 0,1 0 0,0 0 0,0 1 0,0 1 0,-13 4 0,4 1-80,1 0-1,1 2 0,-1 0 0,2 0 1,-1 2-1,-16 16 0,-76 84-310,94-96 339,2 0-1,0 1 0,1 1 0,0-1 0,2 2 0,0 0 0,1 0 0,-10 36 0,12-27-180,0 1 0,2 0 0,2 0 0,0 0 0,4 44 0,-1-64 250,0 0 1,1 0-1,0-1 1,1 1-1,0-1 1,0 0 0,1 0-1,0 0 1,0 0-1,1 0 1,0-1 0,0 0-1,1 0 1,0-1-1,0 1 1,8 5-1,-1-2 130,-1 0 0,2-1 0,-1-1 1,1 0-1,1 0 0,0-2 0,25 9 0,-31-13 88,0-1 1,0 0-1,0 0 1,0 0 0,0-1-1,14-2 1,-7 1-55,-2 1 37,1-1-1,-1-1 0,1 0 1,-1-1-1,0 0 0,0-1 1,0-1-1,0 0 0,-1 0 0,0-2 1,12-7-1,-16 8-56,-1-1 0,0 1 0,0-1 0,-1-1 0,0 0 0,-1 0 0,1 0 0,-2 0 0,1-1 0,-1 0 0,0 0 0,-1-1 0,0 0 0,4-13 0,0-6 61,-2-1-1,0 0 1,1-50-1,-6 46-83,-6-49 1,1 44 25,0 11 889,1 15-798,5 22-1629,75 335 778,37 214 1301,-94-329-171,-12-109-305,19 340 566,-26-419-1238,-1-40 58,-9-23-6775,6 12 6263,1 0-1,0 0 0,1 0 1,-1-11-1,-2-14 478,-9-54-2433</inkml:trace>
-</inkml:ink>
-</file>
-
-<file path=ppt/ink/ink15.xml><?xml version="1.0" encoding="utf-8"?>
-<inkml:ink xmlns:inkml="http://www.w3.org/2003/InkML">
-  <inkml:definitions>
-    <inkml:context xml:id="ctx0">
-      <inkml:inkSource xml:id="inkSrc0">
-        <inkml:traceFormat>
-          <inkml:channel name="X" type="integer" min="-2.14748E9" max="2.14748E9" units="cm"/>
-          <inkml:channel name="Y" type="integer" min="-2.14748E9" max="2.14748E9" units="cm"/>
-          <inkml:channel name="F" type="integer" max="32767" units="dev"/>
-        </inkml:traceFormat>
-        <inkml:channelProperties>
-          <inkml:channelProperty channel="X" name="resolution" value="1000" units="1/cm"/>
-          <inkml:channelProperty channel="Y" name="resolution" value="1000" units="1/cm"/>
-          <inkml:channelProperty channel="F" name="resolution" value="0" units="1/dev"/>
-        </inkml:channelProperties>
-      </inkml:inkSource>
-      <inkml:timestamp xml:id="ts0" timeString="2025-02-21T14:54:32.599"/>
-    </inkml:context>
-    <inkml:brush xml:id="br0">
-      <inkml:brushProperty name="width" value="0.1" units="cm"/>
-      <inkml:brushProperty name="height" value="0.1" units="cm"/>
-    </inkml:brush>
-  </inkml:definitions>
-  <inkml:trace contextRef="#ctx0" brushRef="#br0">0 167 11032,'6'4'257,"-1"-1"0,1 0 0,0 0 0,0 0 0,1-1 0,-1 0 0,0 0 0,1-1 0,-1 1 0,1-2 0,-1 1 0,1-1 0,0 0 0,7-1 0,10-2 279,0-1-1,37-11 1,-19 4-512,103-36-365,-52 14-406,-21 4-762,-50 19 148,1 1-1,26-8 0,-1 4-4698</inkml:trace>
-</inkml:ink>
-</file>
-
-<file path=ppt/ink/ink16.xml><?xml version="1.0" encoding="utf-8"?>
-<inkml:ink xmlns:inkml="http://www.w3.org/2003/InkML">
-  <inkml:definitions>
-    <inkml:context xml:id="ctx0">
-      <inkml:inkSource xml:id="inkSrc0">
-        <inkml:traceFormat>
-          <inkml:channel name="X" type="integer" min="-2.14748E9" max="2.14748E9" units="cm"/>
-          <inkml:channel name="Y" type="integer" min="-2.14748E9" max="2.14748E9" units="cm"/>
-          <inkml:channel name="F" type="integer" max="32767" units="dev"/>
-        </inkml:traceFormat>
-        <inkml:channelProperties>
-          <inkml:channelProperty channel="X" name="resolution" value="1000" units="1/cm"/>
-          <inkml:channelProperty channel="Y" name="resolution" value="1000" units="1/cm"/>
-          <inkml:channelProperty channel="F" name="resolution" value="0" units="1/dev"/>
-        </inkml:channelProperties>
-      </inkml:inkSource>
-      <inkml:timestamp xml:id="ts0" timeString="2025-02-21T14:54:32.870"/>
-    </inkml:context>
-    <inkml:brush xml:id="br0">
-      <inkml:brushProperty name="width" value="0.1" units="cm"/>
-      <inkml:brushProperty name="height" value="0.1" units="cm"/>
-    </inkml:brush>
-  </inkml:definitions>
-  <inkml:trace contextRef="#ctx0" brushRef="#br0">1 90 8608,'67'-25'358,"-56"19"1776,0 11 986,7-2-2588,1-1 1,-1-1 0,1 0-1,-1-2 1,19-2 0,94-20-268,-4 1-524,19 16-4,-35 2-247,-80 0-4237,-8 1 3230,18-2-4796</inkml:trace>
-</inkml:ink>
-</file>
-
-<file path=ppt/ink/ink17.xml><?xml version="1.0" encoding="utf-8"?>
-<inkml:ink xmlns:inkml="http://www.w3.org/2003/InkML">
-  <inkml:definitions>
-    <inkml:context xml:id="ctx0">
-      <inkml:inkSource xml:id="inkSrc0">
-        <inkml:traceFormat>
-          <inkml:channel name="X" type="integer" min="-2.14748E9" max="2.14748E9" units="cm"/>
-          <inkml:channel name="Y" type="integer" min="-2.14748E9" max="2.14748E9" units="cm"/>
-          <inkml:channel name="F" type="integer" max="32767" units="dev"/>
-        </inkml:traceFormat>
-        <inkml:channelProperties>
-          <inkml:channelProperty channel="X" name="resolution" value="1000" units="1/cm"/>
-          <inkml:channelProperty channel="Y" name="resolution" value="1000" units="1/cm"/>
-          <inkml:channelProperty channel="F" name="resolution" value="0" units="1/dev"/>
-        </inkml:channelProperties>
-      </inkml:inkSource>
-      <inkml:timestamp xml:id="ts0" timeString="2025-02-21T14:54:33.488"/>
-    </inkml:context>
-    <inkml:brush xml:id="br0">
-      <inkml:brushProperty name="width" value="0.1" units="cm"/>
-      <inkml:brushProperty name="height" value="0.1" units="cm"/>
-    </inkml:brush>
-  </inkml:definitions>
-  <inkml:trace contextRef="#ctx0" brushRef="#br0">669 307 1624,'-14'-2'4411,"15"2"-4119,0 0-1,0-1 0,0 0 0,0 1 1,0-1-1,0 0 0,0 1 1,0-1-1,0 0 0,0 0 0,0 0 1,-1 0-1,1 0 0,0 0 0,0 0 1,-1 0-1,1-2 0,1-2-43,-1-1 0,0 0-1,0 0 1,0 0 0,-1 0-1,0 0 1,0 0 0,0 0-1,-1 0 1,0 0 0,0 1 0,-1-1-1,-2-8 1,0 5-15,-1 0 0,0 0 0,0 0 0,-1 0 0,0 1 0,0 0 0,-10-10 0,1 3-225,-1 1-1,-1 1 1,-1 0 0,0 1-1,0 1 1,-39-16-1,44 23-160,0 1 0,0 0-1,0 1 1,0 0-1,-1 1 1,1 1-1,0 0 1,-1 1-1,1 1 1,-24 5 0,15-4 57,1 2 1,0 0-1,1 1 1,0 2-1,-26 12 1,37-16 80,1 1-1,-1 1 1,1-1 0,0 2 0,1-1 0,0 1 0,0 0 0,0 0 0,1 1 0,0 0-1,0 0 1,1 1 0,0-1 0,1 1 0,-4 9 0,1 4-32,2-1 1,0 1-1,1 0 1,1 0-1,2 1 1,0-1-1,1 0 1,1 0-1,5 29 0,8 28-120,31 95-1,-27-110 173,82 344 1431,-36-142-604,-47-189-391,13 138 0,-17 71-170,-2-9-495,-8-185 251,-5 0 0,-3-1 0,-26 136 0,30-221-78,0 0 1,0 0-1,-1 0 0,0 0 0,0 0 1,0 0-1,-1-1 0,0 1 1,0-1-1,0 1 0,0-1 0,-1 0 1,0-1-1,0 1 0,-1-1 0,1 1 1,-8 4-1,-10-20-9278,-10-9 8041,29 18 1213,-46-28-1958</inkml:trace>
-</inkml:ink>
-</file>
-
-<file path=ppt/ink/ink18.xml><?xml version="1.0" encoding="utf-8"?>
-<inkml:ink xmlns:inkml="http://www.w3.org/2003/InkML">
-  <inkml:definitions>
-    <inkml:context xml:id="ctx0">
-      <inkml:inkSource xml:id="inkSrc0">
-        <inkml:traceFormat>
-          <inkml:channel name="X" type="integer" min="-2.14748E9" max="2.14748E9" units="cm"/>
-          <inkml:channel name="Y" type="integer" min="-2.14748E9" max="2.14748E9" units="cm"/>
-          <inkml:channel name="F" type="integer" max="32767" units="dev"/>
-        </inkml:traceFormat>
-        <inkml:channelProperties>
-          <inkml:channelProperty channel="X" name="resolution" value="1000" units="1/cm"/>
-          <inkml:channelProperty channel="Y" name="resolution" value="1000" units="1/cm"/>
-          <inkml:channelProperty channel="F" name="resolution" value="0" units="1/dev"/>
-        </inkml:channelProperties>
-      </inkml:inkSource>
-      <inkml:timestamp xml:id="ts0" timeString="2025-02-21T14:54:33.757"/>
-    </inkml:context>
-    <inkml:brush xml:id="br0">
-      <inkml:brushProperty name="width" value="0.1" units="cm"/>
-      <inkml:brushProperty name="height" value="0.1" units="cm"/>
-    </inkml:brush>
-  </inkml:definitions>
-  <inkml:trace contextRef="#ctx0" brushRef="#br0">1 75 12824,'2'3'165,"0"-1"1,1 0-1,-1 0 1,1 0-1,0 0 1,0 0-1,0 0 1,0-1-1,0 0 1,0 1-1,0-1 1,0 0-1,0-1 1,0 1 0,1 0-1,-1-1 1,0 0-1,1 0 1,-1 0-1,0 0 1,1 0-1,-1-1 1,0 1-1,0-1 1,1 0-1,4-2 1,51-8 466,1 2 0,0 3 0,0 3 0,75 5 0,-34-1-638,-11-5-663,119-21 0,-128 14-698,133-9-10533,-154 12 9514</inkml:trace>
-</inkml:ink>
-</file>
-
-<file path=ppt/ink/ink19.xml><?xml version="1.0" encoding="utf-8"?>
-<inkml:ink xmlns:inkml="http://www.w3.org/2003/InkML">
-  <inkml:definitions>
-    <inkml:context xml:id="ctx0">
-      <inkml:inkSource xml:id="inkSrc0">
-        <inkml:traceFormat>
-          <inkml:channel name="X" type="integer" min="-2.14748E9" max="2.14748E9" units="cm"/>
-          <inkml:channel name="Y" type="integer" min="-2.14748E9" max="2.14748E9" units="cm"/>
-          <inkml:channel name="F" type="integer" max="32767" units="dev"/>
-        </inkml:traceFormat>
-        <inkml:channelProperties>
-          <inkml:channelProperty channel="X" name="resolution" value="1000" units="1/cm"/>
-          <inkml:channelProperty channel="Y" name="resolution" value="1000" units="1/cm"/>
-          <inkml:channelProperty channel="F" name="resolution" value="0" units="1/dev"/>
-        </inkml:channelProperties>
-      </inkml:inkSource>
-      <inkml:timestamp xml:id="ts0" timeString="2025-02-21T14:54:34.153"/>
-    </inkml:context>
-    <inkml:brush xml:id="br0">
-      <inkml:brushProperty name="width" value="0.1" units="cm"/>
-      <inkml:brushProperty name="height" value="0.1" units="cm"/>
-    </inkml:brush>
-  </inkml:definitions>
-  <inkml:trace contextRef="#ctx0" brushRef="#br0">0 165 6640,'10'5'294,"-1"0"0,1-1 0,0 0 0,1 0-1,-1-1 1,1 0 0,-1-1 0,1 0 0,0-1 0,0 0 0,19-1 0,8-3 1610,0-2 0,38-10 0,9-1-469,20 2-949,173-30-288,-250 39-330,-15 3-204,-1 0 1,0-1-1,1 0 1,12-7-1,-20 8-100,-1 0 0,0 0 0,-1-1 0,1 1 1,0-1-1,-1 0 0,1 0 0,-1-1 0,0 1 0,0-1 0,0 1 0,-1-1 0,1 0 0,-1 0 0,3-7 0,4-8-4897</inkml:trace>
-</inkml:ink>
-</file>
-
-<file path=ppt/ink/ink2.xml><?xml version="1.0" encoding="utf-8"?>
-<inkml:ink xmlns:inkml="http://www.w3.org/2003/InkML">
-  <inkml:definitions>
-    <inkml:context xml:id="ctx0">
-      <inkml:inkSource xml:id="inkSrc0">
-        <inkml:traceFormat>
-          <inkml:channel name="X" type="integer" min="-2.14748E9" max="2.14748E9" units="cm"/>
-          <inkml:channel name="Y" type="integer" min="-2.14748E9" max="2.14748E9" units="cm"/>
-          <inkml:channel name="F" type="integer" max="32767" units="dev"/>
-        </inkml:traceFormat>
-        <inkml:channelProperties>
-          <inkml:channelProperty channel="X" name="resolution" value="1000" units="1/cm"/>
-          <inkml:channelProperty channel="Y" name="resolution" value="1000" units="1/cm"/>
-          <inkml:channelProperty channel="F" name="resolution" value="0" units="1/dev"/>
-        </inkml:channelProperties>
-      </inkml:inkSource>
-      <inkml:timestamp xml:id="ts0" timeString="2025-02-21T14:54:21.689"/>
-    </inkml:context>
-    <inkml:brush xml:id="br0">
-      <inkml:brushProperty name="width" value="0.1" units="cm"/>
-      <inkml:brushProperty name="height" value="0.1" units="cm"/>
-    </inkml:brush>
-  </inkml:definitions>
-  <inkml:trace contextRef="#ctx0" brushRef="#br0">401 152 5472,'-15'49'6606,"1"26"-6606,0 1-556,-6 7 580,-55 253 62,29-31 530,33-246-197,7-33 216,-4 39 0,8-49 71,2-25 109,1-30-1159,7-72-986,7-59-277,25-121 1930,-34 263 1,-2 0 0,-2 0 1,0-1-1,-2 1 1,-4-34-1,2 49-252,0-12 375,-3 0-1,0 0 1,-1 0 0,-10-25-1,13 44-415,1 2 14,0-1 0,0 1 0,-1 1 0,1-1 0,-1 0 0,-5-5 0,6 6-43,0 0 1,1 0-1,-1 0 1,1 0-1,0 0 1,0 0-1,0 0 1,0-1-1,0 1 1,1 0-1,0 0 1,0-5-1,-6-21 107,5 27-72,0 0-1,1 0 1,-1 0-1,1 0 0,-1-1 1,1 1-1,0 0 1,0 0-1,0 0 1,0-1-1,0 1 1,0 0-1,1-3 1,0-11-421,2 13 389,0 1-1,-1-1 1,1 0 0,0 1 0,0 0 0,0 0-1,1 0 1,-1 0 0,6-2 0,-5 2-9,15-9-28,1 2-1,1 0 1,-1 1 0,2 1 0,-1 1-1,1 1 1,0 0 0,0 2 0,0 1-1,37 1 1,-2 1-2,-1 3 0,1 3 0,-1 2 0,-1 2 0,0 3 0,0 2 0,95 41 0,-138-49 38,-1 0 0,1 0 1,-1 2-1,-1-1 0,1 1 0,-2 1 0,1 0 0,-1 0 0,11 17 1,5 12 122,28 55 1,-48-84-94,3 10-19,-1 1-1,0 0 1,-2 1 0,0-1 0,-2 1 0,0 0 0,-1 0-1,-2 28 1,-1-20 101,-1 0 0,-2 0 0,-11 45 1,11-58-77,-4 18 32,-24 65 0,27-88-37,0 0 1,-1 0-1,0-1 0,-1 1 0,0-1 0,-1-1 0,-1 0 0,-15 16 0,17-21 4,-1 1-1,0-2 0,0 1 0,0-1 1,-10 3-1,-13 7 92,9-3 87,0-2 0,0 0 0,-1-2 0,-1 0 0,-31 4 0,-125 6 547,67-8-390,43-1-75,-124 10 59,167-18-303,-1 0 1,1-2 0,-1-1-1,-52-12 1,77 14-64,-8-2-364,0 0 1,0 0-1,0-1 1,1 0-1,-1-1 1,1 0-1,0-1 1,-17-12-1,21 6-1830,6 9 916</inkml:trace>
-</inkml:ink>
-</file>
-
-<file path=ppt/ink/ink20.xml><?xml version="1.0" encoding="utf-8"?>
-<inkml:ink xmlns:inkml="http://www.w3.org/2003/InkML">
-  <inkml:definitions>
-    <inkml:context xml:id="ctx0">
-      <inkml:inkSource xml:id="inkSrc0">
-        <inkml:traceFormat>
-          <inkml:channel name="X" type="integer" min="-2.14748E9" max="2.14748E9" units="cm"/>
-          <inkml:channel name="Y" type="integer" min="-2.14748E9" max="2.14748E9" units="cm"/>
-          <inkml:channel name="F" type="integer" max="32767" units="dev"/>
-        </inkml:traceFormat>
-        <inkml:channelProperties>
-          <inkml:channelProperty channel="X" name="resolution" value="1000" units="1/cm"/>
-          <inkml:channelProperty channel="Y" name="resolution" value="1000" units="1/cm"/>
-          <inkml:channelProperty channel="F" name="resolution" value="0" units="1/dev"/>
-        </inkml:channelProperties>
-      </inkml:inkSource>
-      <inkml:timestamp xml:id="ts0" timeString="2025-02-21T14:54:34.437"/>
-    </inkml:context>
-    <inkml:brush xml:id="br0">
-      <inkml:brushProperty name="width" value="0.1" units="cm"/>
-      <inkml:brushProperty name="height" value="0.1" units="cm"/>
-    </inkml:brush>
-  </inkml:definitions>
-  <inkml:trace contextRef="#ctx0" brushRef="#br0">0 1 8072,'19'39'1728,"-1"2"1,20 71-1,-11-26-280,45 100-1,-9-30-280,-38-90-1152,29 91 64,-49-141-126,1-1 0,0 0 1,10 17-1,5 10-4378</inkml:trace>
-</inkml:ink>
-</file>
-
-<file path=ppt/ink/ink21.xml><?xml version="1.0" encoding="utf-8"?>
-<inkml:ink xmlns:inkml="http://www.w3.org/2003/InkML">
-  <inkml:definitions>
-    <inkml:context xml:id="ctx0">
-      <inkml:inkSource xml:id="inkSrc0">
-        <inkml:traceFormat>
-          <inkml:channel name="X" type="integer" min="-2.14748E9" max="2.14748E9" units="cm"/>
-          <inkml:channel name="Y" type="integer" min="-2.14748E9" max="2.14748E9" units="cm"/>
-          <inkml:channel name="F" type="integer" max="32767" units="dev"/>
-        </inkml:traceFormat>
-        <inkml:channelProperties>
-          <inkml:channelProperty channel="X" name="resolution" value="1000" units="1/cm"/>
-          <inkml:channelProperty channel="Y" name="resolution" value="1000" units="1/cm"/>
-          <inkml:channelProperty channel="F" name="resolution" value="0" units="1/dev"/>
-        </inkml:channelProperties>
-      </inkml:inkSource>
-      <inkml:timestamp xml:id="ts0" timeString="2025-02-21T14:54:55.265"/>
-    </inkml:context>
-    <inkml:brush xml:id="br0">
-      <inkml:brushProperty name="width" value="0.1" units="cm"/>
-      <inkml:brushProperty name="height" value="0.1" units="cm"/>
-    </inkml:brush>
-  </inkml:definitions>
-  <inkml:trace contextRef="#ctx0" brushRef="#br0">57 0 4128,'12'21'-17,"-9"-17"220,-1 0 0,0 0-1,0 0 1,0 0 0,0 0-1,0 0 1,-1 1 0,0-1 0,0 0-1,1 8 1,-21-50 3913,130 249-1757,-100-193-2410,1 0 0,1-1 1,0 0-1,1-1 0,1 0 1,1-1-1,0-1 0,1-1 1,1 0-1,0-1 0,0-1 1,1-1-1,0 0 0,23 7 1,-14-7 243,1 0 1,-1-2 0,1-1 0,1-1 0,0-2 0,-1-1 0,1-1 0,0-2-1,34-3 1,-24 0-172,-14 2 271,50-10 0,-73 11-203,0-1 0,0 0 0,0 0 0,0 0 0,0 0 0,0 0 0,-1-1 0,1 1 0,0-1 0,-1 0 0,1 1 0,-1-1 0,1-1 0,-1 1 0,0 0 0,0 0 0,0-1 0,0 0 0,-1 1 0,1-1 0,2-5 0,-4 6 455,-14-21 241,9 22-805,1 0 1,0 1-1,0 0 0,-1-1 1,1 2-1,0-1 1,-1 0-1,1 1 1,0 0-1,0 0 0,0 0 1,0 0-1,0 1 1,0 0-1,0 0 0,0 0 1,-6 4-1,-7 7-115,0 0-1,-22 22 0,25-21 112,-39 37 16,25-22-5,-2-2-1,0-1 1,-51 33-1,21-20-78,1 3-1,3 2 0,1 2 1,3 3-1,-48 58 1,79-82 10,1 1 0,2 2-1,0 0 1,2 0 0,2 2 0,0 0 0,2 1 0,1 0 0,2 0-1,0 1 1,3 0 0,0 1 0,-1 63 0,7-83 33,0-1 0,1 0 0,1 1-1,0-1 1,0 0 0,1 0 0,1 0 0,0-1 0,1 1 0,8 15 0,-8-19 2,1 0 0,0 0 0,1 0 0,0-1 0,0 0 0,0 0 0,1-1 0,0 0 0,0 0 0,1-1 0,-1 0 0,1 0 0,14 4 0,21 6-119,2-3 0,0-1 1,62 5-1,51 12-384,-138-22 400,0 0 0,-1 0 0,0 2 0,31 17 0,-42-20 128,0 1 0,0 0 0,-1 1 0,0-1 0,0 1 0,-1 1 0,0 0 0,0 0 1,-1 0-1,0 1 0,8 14 0,-5-2 260,-1 0 0,-1 1 0,-1-1 0,0 1 0,-2 1 0,-1-1 0,0 0 0,-2 1 0,-1 0 0,0-1 1,-6 33-1,0-19 91,-1-1-1,-2 0 1,-2 0 0,-1-1 0,-1 0 0,-27 46 0,27-55-3874</inkml:trace>
-</inkml:ink>
-</file>
-
-<file path=ppt/ink/ink22.xml><?xml version="1.0" encoding="utf-8"?>
-<inkml:ink xmlns:inkml="http://www.w3.org/2003/InkML">
-  <inkml:definitions>
-    <inkml:context xml:id="ctx0">
-      <inkml:inkSource xml:id="inkSrc0">
-        <inkml:traceFormat>
-          <inkml:channel name="X" type="integer" min="-2.14748E9" max="2.14748E9" units="cm"/>
-          <inkml:channel name="Y" type="integer" min="-2.14748E9" max="2.14748E9" units="cm"/>
-          <inkml:channel name="F" type="integer" max="32767" units="dev"/>
-        </inkml:traceFormat>
-        <inkml:channelProperties>
-          <inkml:channelProperty channel="X" name="resolution" value="1000" units="1/cm"/>
-          <inkml:channelProperty channel="Y" name="resolution" value="1000" units="1/cm"/>
-          <inkml:channelProperty channel="F" name="resolution" value="0" units="1/dev"/>
-        </inkml:channelProperties>
-      </inkml:inkSource>
-      <inkml:timestamp xml:id="ts0" timeString="2025-02-21T14:55:29.584"/>
-    </inkml:context>
-    <inkml:brush xml:id="br0">
-      <inkml:brushProperty name="width" value="0.1" units="cm"/>
-      <inkml:brushProperty name="height" value="0.1" units="cm"/>
-      <inkml:brushProperty name="color" value="#E71224"/>
-    </inkml:brush>
-  </inkml:definitions>
-  <inkml:trace contextRef="#ctx0" brushRef="#br0">340 278 992,'-111'192'3135,"-25"48"1492,116-196-3979,-21 69-1,31-83-348,-12 18 2790,111-262-5367,-22 47 2193,-5 40-442,-29 62-217,34-91-1,-37 76 1015,-15 44 1365,13-48 0,-28 79-1401,2-3-306,-2 6-287,4 18 858,37 139 552,8 31-944,78 198 537,-26-146-385,-72-177 193,-23-50-342,5 9 682,-7-10-4453</inkml:trace>
-</inkml:ink>
-</file>
-
-<file path=ppt/ink/ink23.xml><?xml version="1.0" encoding="utf-8"?>
-<inkml:ink xmlns:inkml="http://www.w3.org/2003/InkML">
-  <inkml:definitions>
-    <inkml:context xml:id="ctx0">
-      <inkml:inkSource xml:id="inkSrc0">
-        <inkml:traceFormat>
-          <inkml:channel name="X" type="integer" min="-2.14748E9" max="2.14748E9" units="cm"/>
-          <inkml:channel name="Y" type="integer" min="-2.14748E9" max="2.14748E9" units="cm"/>
-          <inkml:channel name="F" type="integer" max="32767" units="dev"/>
-        </inkml:traceFormat>
-        <inkml:channelProperties>
-          <inkml:channelProperty channel="X" name="resolution" value="1000" units="1/cm"/>
-          <inkml:channelProperty channel="Y" name="resolution" value="1000" units="1/cm"/>
-          <inkml:channelProperty channel="F" name="resolution" value="0" units="1/dev"/>
-        </inkml:channelProperties>
-      </inkml:inkSource>
-      <inkml:timestamp xml:id="ts0" timeString="2025-02-21T14:55:29.808"/>
-    </inkml:context>
-    <inkml:brush xml:id="br0">
-      <inkml:brushProperty name="width" value="0.1" units="cm"/>
-      <inkml:brushProperty name="height" value="0.1" units="cm"/>
-      <inkml:brushProperty name="color" value="#E71224"/>
-    </inkml:brush>
-  </inkml:definitions>
-  <inkml:trace contextRef="#ctx0" brushRef="#br0">0 0 4664,'39'7'-50,"-27"-5"434,0 0-1,0 0 1,1-1 0,-1 0-1,0-1 1,19-3 0,-14 1-74,1 0 0,-1 2 0,0 0 0,1 1 0,20 3 1,4 4-500,45 15 1,-42-11-5732</inkml:trace>
-</inkml:ink>
-</file>
-
-<file path=ppt/ink/ink24.xml><?xml version="1.0" encoding="utf-8"?>
-<inkml:ink xmlns:inkml="http://www.w3.org/2003/InkML">
-  <inkml:definitions>
-    <inkml:context xml:id="ctx0">
-      <inkml:inkSource xml:id="inkSrc0">
-        <inkml:traceFormat>
-          <inkml:channel name="X" type="integer" min="-2.14748E9" max="2.14748E9" units="cm"/>
-          <inkml:channel name="Y" type="integer" min="-2.14748E9" max="2.14748E9" units="cm"/>
-          <inkml:channel name="F" type="integer" max="32767" units="dev"/>
-        </inkml:traceFormat>
-        <inkml:channelProperties>
-          <inkml:channelProperty channel="X" name="resolution" value="1000" units="1/cm"/>
-          <inkml:channelProperty channel="Y" name="resolution" value="1000" units="1/cm"/>
-          <inkml:channelProperty channel="F" name="resolution" value="0" units="1/dev"/>
-        </inkml:channelProperties>
-      </inkml:inkSource>
-      <inkml:timestamp xml:id="ts0" timeString="2025-02-21T14:55:30.188"/>
-    </inkml:context>
-    <inkml:brush xml:id="br0">
-      <inkml:brushProperty name="width" value="0.1" units="cm"/>
-      <inkml:brushProperty name="height" value="0.1" units="cm"/>
-      <inkml:brushProperty name="color" value="#E71224"/>
-    </inkml:brush>
-  </inkml:definitions>
-  <inkml:trace contextRef="#ctx0" brushRef="#br0">88 1 8880,'-4'9'77,"1"0"1,0 0 0,0 1-1,-2 12 1,4-16-39,1-1-1,0 1 1,1-1 0,-1 1 0,1-1 0,0 1-1,1-1 1,-1 0 0,4 8 0,-2-5 67,-1 0 0,0 0 0,-1 1 0,0-1 0,0 0 0,-1 1 1,0 12-1,-11 64 1346,3-34-961,-6 125 324,-3 20 296,11-113-2285,-4-108-6854,3 14 7529,-9-22-1334</inkml:trace>
-</inkml:ink>
-</file>
-
-<file path=ppt/ink/ink25.xml><?xml version="1.0" encoding="utf-8"?>
-<inkml:ink xmlns:inkml="http://www.w3.org/2003/InkML">
-  <inkml:definitions>
-    <inkml:context xml:id="ctx0">
-      <inkml:inkSource xml:id="inkSrc0">
-        <inkml:traceFormat>
-          <inkml:channel name="X" type="integer" min="-2.14748E9" max="2.14748E9" units="cm"/>
-          <inkml:channel name="Y" type="integer" min="-2.14748E9" max="2.14748E9" units="cm"/>
-          <inkml:channel name="F" type="integer" max="32767" units="dev"/>
-        </inkml:traceFormat>
-        <inkml:channelProperties>
-          <inkml:channelProperty channel="X" name="resolution" value="1000" units="1/cm"/>
-          <inkml:channelProperty channel="Y" name="resolution" value="1000" units="1/cm"/>
-          <inkml:channelProperty channel="F" name="resolution" value="0" units="1/dev"/>
-        </inkml:channelProperties>
-      </inkml:inkSource>
-      <inkml:timestamp xml:id="ts0" timeString="2025-02-21T14:55:30.727"/>
-    </inkml:context>
-    <inkml:brush xml:id="br0">
-      <inkml:brushProperty name="width" value="0.1" units="cm"/>
-      <inkml:brushProperty name="height" value="0.1" units="cm"/>
-      <inkml:brushProperty name="color" value="#E71224"/>
-    </inkml:brush>
-  </inkml:definitions>
-  <inkml:trace contextRef="#ctx0" brushRef="#br0">1 361 1176,'6'-8'305,"0"-1"1,-1 0-1,0 0 0,0 0 1,-1-1-1,0 0 0,3-14 0,-3 11 133,1 0 0,0 1-1,0-1 1,8-11-1,0 5-229,1 1-1,1 0 1,1 1-1,18-16 1,-23 23-165,1 1 0,-1 0 0,2 1 0,-1 0 0,1 1 0,0 0 0,22-7 0,-12 9-28,1 1 1,30-2-1,-29 3-23,-13 2-73,0 0-1,0 0 0,0 1 0,0 1 0,1 0 0,21 5 0,-28-4-1,-1 0 1,0 0-1,1 0 0,-1 1 1,0 0-1,-1 0 0,1 0 1,0 1-1,-1-1 0,0 1 1,0 0-1,0 1 0,0-1 1,-1 0-1,0 1 1,5 8-1,-2-2-66,0 1-1,0 0 1,-1 0 0,6 24 0,-10-29 142,0 0 0,0-1 0,-1 1 0,0 0 0,0-1 0,0 1-1,-1-1 1,0 1 0,-1 0 0,1-1 0,-5 10 0,4-9 186,-1 0 0,-1-1 0,1 1 1,-1-1-1,0 0 0,-1 0 0,0 0 0,-9 9 0,0-3 223,0-2 0,-21 13 0,32-21-423,-20 11 130,0 0-1,-1-2 0,0 0 0,0-2 0,-1-1 0,-1-1 1,-38 7-1,25-6 2158,37-9-2455,2 1 145,0 0-1,0 0 1,-1 0 0,1 0-1,0 0 1,0 0 0,0 1-1,-1-1 1,1 0 0,0 0-1,0 0 1,0-1 0,-1 1-1,1 0 1,0 0-1,0 0 1,0 0 0,-1 0-1,1 0 1,0 0 0,0 0-1,0 0 1,-1 0 0,1 0-1,0-1 1,0 1 0,0 0-1,0 0 1,0 0 0,-1 0-1,1-1 1,0 1-1,0 0 1,0 0 0,0 0-1,0 0 1,0-1 0,0 1-1,0 0 1,0 0 0,0 0-1,-1-1 1,1 1 0,0 0-1,0 0 1,0 0-1,0-1 1,1 1 0,8-5-216,1 0 1,-1 0-1,2 1 1,-1 0-1,0 1 1,1 0-1,-1 1 1,1 0-1,0 1 1,-1 0-1,1 1 1,20 1-1,-12 1 374,0 0-1,0 2 0,0 0 1,-1 1-1,0 1 0,28 13 1,-34-14-139,-1 1 1,-1 0-1,1 1 0,-1 0 1,0 1-1,-1 0 1,0 0-1,0 1 0,-1 0 1,0 0-1,0 1 0,9 16 1,-7-9 535,0 0-1,-1 0 1,-1 1 0,12 36-1,-18-47-162,-1 1 0,1-1 0,-1 1 0,-1 0-1,0-1 1,0 1 0,0 0 0,-1-1 0,0 1-1,0 0 1,-1-1 0,0 1 0,0-1 0,-1 0-1,-6 13 1,4-12-157,-1 1-1,1-1 0,-2 0 0,1 0 1,-1 0-1,0-1 0,0 0 0,-1-1 1,0 0-1,0 0 0,-1 0 0,1-1 1,-1-1-1,0 1 0,-1-1 1,-13 3-1,7 0-51,-1-1 1,0-1-1,0-1 0,0-1 1,-1 0-1,0-1 1,1-1-1,-1 0 0,0-2 1,-19-2-1,20 1-142,-103-21-185,114 20-106,-1 0 0,1 0 0,0-1 0,1 0 0,-1 0 0,1-1 0,-1 1 0,1-1 0,1 0 0,-9-11 0,6 3-4545</inkml:trace>
-</inkml:ink>
-</file>
-
-<file path=ppt/ink/ink26.xml><?xml version="1.0" encoding="utf-8"?>
-<inkml:ink xmlns:inkml="http://www.w3.org/2003/InkML">
-  <inkml:definitions>
-    <inkml:context xml:id="ctx0">
-      <inkml:inkSource xml:id="inkSrc0">
-        <inkml:traceFormat>
-          <inkml:channel name="X" type="integer" min="-2.14748E9" max="2.14748E9" units="cm"/>
-          <inkml:channel name="Y" type="integer" min="-2.14748E9" max="2.14748E9" units="cm"/>
-          <inkml:channel name="F" type="integer" max="32767" units="dev"/>
-        </inkml:traceFormat>
-        <inkml:channelProperties>
-          <inkml:channelProperty channel="X" name="resolution" value="1000" units="1/cm"/>
-          <inkml:channelProperty channel="Y" name="resolution" value="1000" units="1/cm"/>
-          <inkml:channelProperty channel="F" name="resolution" value="0" units="1/dev"/>
-        </inkml:channelProperties>
-      </inkml:inkSource>
-      <inkml:timestamp xml:id="ts0" timeString="2025-02-21T14:55:31.408"/>
-    </inkml:context>
-    <inkml:brush xml:id="br0">
-      <inkml:brushProperty name="width" value="0.1" units="cm"/>
-      <inkml:brushProperty name="height" value="0.1" units="cm"/>
-      <inkml:brushProperty name="color" value="#E71224"/>
-    </inkml:brush>
-  </inkml:definitions>
-  <inkml:trace contextRef="#ctx0" brushRef="#br0">368 65 5560,'16'-5'476,"36"-21"8481,-55 25-9270,-105-21 168,60 14 330,30 6-317,1 2 1,0 0 0,-1 1 0,1 0 0,0 1-1,0 1 1,0 1 0,0 1 0,-29 12 0,41-16 67,1 2 1,-1-1 0,1 0 0,-1 1 0,1 0 0,0 0 0,0 0 0,0 1 0,0-1-1,1 1 1,0 0 0,-1 0 0,1 0 0,1 0 0,-1 1 0,1-1 0,-1 1 0,1 0 0,1-1-1,-1 1 1,1 0 0,-1 0 0,1 6 0,1-8 2,0 0 1,1 0-1,-1 0 0,1 0 1,0 0-1,0 0 0,0 0 0,0 0 1,0 0-1,1 0 0,-1-1 1,1 1-1,0 0 0,0-1 1,0 0-1,0 1 0,3 2 0,42 35 831,-16-20-364,67 33 0,-64-37-113,61 40 0,-57-29-275,-2-2 66,52 46 0,61 75 166,-144-141-260,0 0 0,0 0 0,0 0 0,-1 1 0,0 0 0,0 0 0,-1 0 0,0 0 1,0 0-1,3 9 0,-5-12 163,-1 1 1,1 0-1,-1-1 0,1 1 1,-1 0-1,0-1 1,0 1-1,-1 0 1,1-1-1,-1 1 1,0 0-1,0-1 0,0 1 1,0-1-1,-1 1 1,0-1-1,1 0 1,-1 0-1,0 1 0,-4 3 1,-2 2-76,1-2 0,-1 1 0,-1-1 0,1 0 0,-1 0 0,-1-1 0,1-1-1,-1 1 1,0-1 0,0-1 0,0 0 0,-1-1 0,1 0 0,-1 0 0,-11 1 0,2-2 42,1 0-1,-1-2 0,0 0 1,1-1-1,-1 0 1,1-2-1,-33-8 0,-13-9-118,-65-30 0,92 37 3,16 8-27,20 5-102,-26-14-4158</inkml:trace>
-</inkml:ink>
-</file>
-
-<file path=ppt/ink/ink27.xml><?xml version="1.0" encoding="utf-8"?>
-<inkml:ink xmlns:inkml="http://www.w3.org/2003/InkML">
-  <inkml:definitions>
-    <inkml:context xml:id="ctx0">
-      <inkml:inkSource xml:id="inkSrc0">
-        <inkml:traceFormat>
-          <inkml:channel name="X" type="integer" min="-2.14748E9" max="2.14748E9" units="cm"/>
-          <inkml:channel name="Y" type="integer" min="-2.14748E9" max="2.14748E9" units="cm"/>
-          <inkml:channel name="F" type="integer" max="32767" units="dev"/>
-        </inkml:traceFormat>
-        <inkml:channelProperties>
-          <inkml:channelProperty channel="X" name="resolution" value="1000" units="1/cm"/>
-          <inkml:channelProperty channel="Y" name="resolution" value="1000" units="1/cm"/>
-          <inkml:channelProperty channel="F" name="resolution" value="0" units="1/dev"/>
-        </inkml:channelProperties>
-      </inkml:inkSource>
-      <inkml:timestamp xml:id="ts0" timeString="2025-02-21T14:55:31.903"/>
-    </inkml:context>
-    <inkml:brush xml:id="br0">
-      <inkml:brushProperty name="width" value="0.1" units="cm"/>
-      <inkml:brushProperty name="height" value="0.1" units="cm"/>
-      <inkml:brushProperty name="color" value="#E71224"/>
-    </inkml:brush>
-  </inkml:definitions>
-  <inkml:trace contextRef="#ctx0" brushRef="#br0">107 581 6008,'0'0'10433,"-25"3"-10708,22-2 247,0 1-1,0-1 1,0 1 0,0 0-1,0 0 1,0 1-1,0-1 1,1 0 0,-1 1-1,1 0 1,-1-1-1,1 1 1,0 0 0,0 0-1,1 0 1,-1 1-1,0-1 1,1 0 0,0 1-1,0-1 1,0 1-1,0-1 1,1 1 0,-1-1-1,1 1 1,0 6-1,0 1 99,0 0-1,1 0 1,0 0 0,1 0-1,0 0 1,0 0-1,7 16 1,-4-17-1,0 0 0,1 0 0,0 0 0,1-1 0,0 0 1,0-1-1,1 1 0,0-1 0,1-1 0,-1 0 1,2 0-1,-1-1 0,18 10 0,-13-9 41,1 0 0,0-1 0,1-1 0,-1 0 0,1-1 1,0 0-1,0-2 0,0 0 0,17 0 0,-19-2 19,18 0 107,-1-1 1,43-6-1,-64 5-229,-1 0 0,0-1 0,0 0 0,0 0 0,0 0 0,0-2 0,-1 1 0,1-1 0,-1 0 0,0 0 0,-1-1 0,10-9 0,0-4-144,-2 0-1,0-1 1,-1-1 0,-1 0-1,-1 0 1,-1-2 0,-1 1-1,-1-1 1,-1-1 0,0 1-1,-2-1 1,-1-1 0,-2 1-1,0-1 1,-1 0 0,-1 1-1,-2-1 1,-4-33 0,-4 21 223,-3 1 1,0 0-1,-2 1 1,-24-41-1,19 35 160,14 33-188,0 0-1,0 0 0,0 0 0,-1 0 0,0 1 1,0 0-1,-1 0 0,0 1 0,-1 0 0,1 0 1,-1 0-1,0 1 0,-9-4 0,-2 0-106,-2 1 1,1 0-1,-1 2 0,-28-6 1,40 11 16,0 0 0,0 1 0,0 0 0,1 1 0,-1 0 0,0 0 0,1 1 0,-1 0 0,0 0 0,1 1 0,0 0 0,0 0 0,0 1 0,0 0 0,0 1 0,-10 8 0,-11 9-230,1 1 1,-39 43-1,59-57 179,-6 5-228,2 1 1,0 1-1,0 0 1,2 0-1,0 1 1,1 0-1,-10 27 0,10-19-1166,1 1-1,2 1 0,1-1 0,0 1 0,1 27 0,-1 2-435</inkml:trace>
-</inkml:ink>
-</file>
-
-<file path=ppt/ink/ink28.xml><?xml version="1.0" encoding="utf-8"?>
-<inkml:ink xmlns:inkml="http://www.w3.org/2003/InkML">
-  <inkml:definitions>
-    <inkml:context xml:id="ctx0">
-      <inkml:inkSource xml:id="inkSrc0">
-        <inkml:traceFormat>
-          <inkml:channel name="X" type="integer" min="-2.14748E9" max="2.14748E9" units="cm"/>
-          <inkml:channel name="Y" type="integer" min="-2.14748E9" max="2.14748E9" units="cm"/>
-          <inkml:channel name="F" type="integer" max="32767" units="dev"/>
-        </inkml:traceFormat>
-        <inkml:channelProperties>
-          <inkml:channelProperty channel="X" name="resolution" value="1000" units="1/cm"/>
-          <inkml:channelProperty channel="Y" name="resolution" value="1000" units="1/cm"/>
-          <inkml:channelProperty channel="F" name="resolution" value="0" units="1/dev"/>
-        </inkml:channelProperties>
-      </inkml:inkSource>
-      <inkml:timestamp xml:id="ts0" timeString="2025-02-21T14:55:32.394"/>
-    </inkml:context>
-    <inkml:brush xml:id="br0">
-      <inkml:brushProperty name="width" value="0.1" units="cm"/>
-      <inkml:brushProperty name="height" value="0.1" units="cm"/>
-      <inkml:brushProperty name="color" value="#E71224"/>
-    </inkml:brush>
-  </inkml:definitions>
-  <inkml:trace contextRef="#ctx0" brushRef="#br0">88 0 8248,'-60'118'-1978,"66"-139"787,2-12 5440,-4 60-969,-41 298-780,37-320-2488,-5 44 316,2 92 0,4-126-350,0 0 1,2 0 0,5 24-1,-6-35 29,0 1 1,-1 0-1,1-1 0,1 1 0,-1-1 0,1 0 0,0 0 1,-1 0-1,2 0 0,-1 0 0,0-1 0,1 0 0,0 1 1,0-1-1,6 3 0,2 2 163,0-2 0,1 1 1,-1-2-1,2 0 0,-1 0 0,0-1 0,1-1 1,0 0-1,0-1 0,0 0 0,0-1 0,0-1 1,0 0-1,17-3 0,-6-2-286,0-1 0,0-2-1,-1 0 1,39-19 0,-38 14-217,-18 8-634,0 2-1,1-1 0,-1 1 1,1 0-1,14-3 0</inkml:trace>
-</inkml:ink>
-</file>
-
-<file path=ppt/ink/ink29.xml><?xml version="1.0" encoding="utf-8"?>
-<inkml:ink xmlns:inkml="http://www.w3.org/2003/InkML">
-  <inkml:definitions>
-    <inkml:context xml:id="ctx0">
-      <inkml:inkSource xml:id="inkSrc0">
-        <inkml:traceFormat>
-          <inkml:channel name="X" type="integer" min="-2.14748E9" max="2.14748E9" units="cm"/>
-          <inkml:channel name="Y" type="integer" min="-2.14748E9" max="2.14748E9" units="cm"/>
-          <inkml:channel name="F" type="integer" max="32767" units="dev"/>
-        </inkml:traceFormat>
-        <inkml:channelProperties>
-          <inkml:channelProperty channel="X" name="resolution" value="1000" units="1/cm"/>
-          <inkml:channelProperty channel="Y" name="resolution" value="1000" units="1/cm"/>
-          <inkml:channelProperty channel="F" name="resolution" value="0" units="1/dev"/>
-        </inkml:channelProperties>
-      </inkml:inkSource>
-      <inkml:timestamp xml:id="ts0" timeString="2025-02-21T14:55:32.978"/>
-    </inkml:context>
-    <inkml:brush xml:id="br0">
-      <inkml:brushProperty name="width" value="0.1" units="cm"/>
-      <inkml:brushProperty name="height" value="0.1" units="cm"/>
-      <inkml:brushProperty name="color" value="#E71224"/>
-    </inkml:brush>
-  </inkml:definitions>
-  <inkml:trace contextRef="#ctx0" brushRef="#br0">93 238 12464,'-37'105'1540,"36"-203"1587,1 97-3097,0-1 0,1 1 0,-1 0 0,0-1 0,0 1 0,0 0-1,0-1 1,-1 1 0,1 0 0,0 0 0,-1-1 0,1 1-1,0 0 1,-1 0 0,1-1 0,-1 1 0,-1-2 0,1 3-41,1 1 0,-1-1 1,0 1-1,1-1 0,-1 0 1,0 1-1,1-1 1,-1 1-1,1 0 0,-1-1 1,1 1-1,-1-1 0,1 1 1,-1 0-1,1-1 0,0 1 1,-1 0-1,1-1 0,0 1 1,-1 1-1,-18 50-237,13-27 212,1 0-1,2 0 1,0 0 0,1 1 0,2 0-1,0-1 1,2 1 0,1-1 0,1 1-1,1-1 1,1 0 0,1-1 0,2 0 0,0 0-1,1 0 1,16 25 0,-13-29 153,0-1 0,1-1 1,1 0-1,1-1 0,0 0 1,1-1-1,1-1 0,1-1 1,0-1-1,21 12 0,-35-23-76,0 0-1,0 0 0,0-1 0,0 1 1,1-1-1,-1-1 0,0 1 0,0-1 0,1 0 1,-1 0-1,0 0 0,0-1 0,1 0 1,-1 0-1,0 0 0,0-1 0,0 1 0,5-4 1,-4 3-23,0-1 1,-1 0-1,1 0 0,-1-1 1,1 0-1,-1 0 1,0 0-1,-1 0 1,1-1-1,-1 0 1,0 0-1,0 0 1,0 0-1,3-9 1,7-16-638,-2-1 1,-1 0 0,-2 0 0,0-1-1,-3-1 1,0 1 0,-3-1-1,0 0 1,-2 0 0,-7-65 0,-1 45 1016,-3-1 0,-2 1 0,-2 1 0,-29-70 0,35 95 630,8 26-1035,0 1 1,0-1-1,0 0 1,0 1-1,0-1 0,0 1 1,0-1-1,0 1 1,0-1-1,1 1 1,-1-1-1,0 1 1,0-1-1,0 1 1,1-1-1,-1 1 1,0-1-1,1 1 0,-1 0 1,0-1-1,1 1 1,-1-1-1,0 1 1,1 0-1,0-1 1,3 0-39,-1 1 0,1-1 0,0 1 0,0 0 0,-1 0 0,1 0 0,0 0 0,0 1 0,6 1 0,-6-2 141,415 36 217,-342-36-164,0-3 0,-1-4 0,113-24-1,97-23-1213,-265 48-1778</inkml:trace>
-</inkml:ink>
-</file>
-
-<file path=ppt/ink/ink3.xml><?xml version="1.0" encoding="utf-8"?>
-<inkml:ink xmlns:inkml="http://www.w3.org/2003/InkML">
-  <inkml:definitions>
-    <inkml:context xml:id="ctx0">
-      <inkml:inkSource xml:id="inkSrc0">
-        <inkml:traceFormat>
-          <inkml:channel name="X" type="integer" min="-2.14748E9" max="2.14748E9" units="cm"/>
-          <inkml:channel name="Y" type="integer" min="-2.14748E9" max="2.14748E9" units="cm"/>
-          <inkml:channel name="F" type="integer" max="32767" units="dev"/>
-        </inkml:traceFormat>
-        <inkml:channelProperties>
-          <inkml:channelProperty channel="X" name="resolution" value="1000" units="1/cm"/>
-          <inkml:channelProperty channel="Y" name="resolution" value="1000" units="1/cm"/>
-          <inkml:channelProperty channel="F" name="resolution" value="0" units="1/dev"/>
-        </inkml:channelProperties>
-      </inkml:inkSource>
-      <inkml:timestamp xml:id="ts0" timeString="2025-02-21T14:54:22.589"/>
-    </inkml:context>
-    <inkml:brush xml:id="br0">
-      <inkml:brushProperty name="width" value="0.1" units="cm"/>
-      <inkml:brushProperty name="height" value="0.1" units="cm"/>
-    </inkml:brush>
-  </inkml:definitions>
-  <inkml:trace contextRef="#ctx0" brushRef="#br0">1 171 992,'100'-40'29,"-102"41"-5,0 1-1,0 0 1,0 0 0,0 0-1,0 0 1,1 0-1,-1 0 1,1 0-1,-1 1 1,1-1 0,0 1-1,-1 2 1,1-4 91,1 1 0,-1-1 0,1 0 0,-1 1 1,1-1-1,-1 0 0,1 1 0,0-1 0,0 0 0,-1 1 1,1-1-1,0 1 0,0-1 0,0 0 0,1 1 0,-1-1 1,0 1-1,1-1 0,-1 0 0,0 1 0,1-1 1,0 0-1,0 2 0,1-3-32,0 1 0,-1 0 1,1-1-1,0 1 0,0-1 1,0 0-1,0 0 0,0 1 0,0-1 1,0 0-1,-1-1 0,1 1 0,0 0 1,0-1-1,0 1 0,0-1 0,0 1 1,2-2-1,4 0 61,500-98 4931,-289 70-5420,-26 15 1338,201 12 1,-92 4-741,-261-2-101,287-16 1405,-107-9-1444,-215 25-281,1 1 0,-1 0 0,0 0 0,1 1 0,-1 0 0,0 0 0,0 0 0,0 1 0,0 0 0,0 0 0,0 1 0,-1-1 0,1 1 0,-1 0 0,1 1 0,7 6 0</inkml:trace>
-</inkml:ink>
-</file>
-
-<file path=ppt/ink/ink30.xml><?xml version="1.0" encoding="utf-8"?>
-<inkml:ink xmlns:inkml="http://www.w3.org/2003/InkML">
-  <inkml:definitions>
-    <inkml:context xml:id="ctx0">
-      <inkml:inkSource xml:id="inkSrc0">
-        <inkml:traceFormat>
-          <inkml:channel name="X" type="integer" min="-2.14748E9" max="2.14748E9" units="cm"/>
-          <inkml:channel name="Y" type="integer" min="-2.14748E9" max="2.14748E9" units="cm"/>
-          <inkml:channel name="F" type="integer" max="32767" units="dev"/>
-        </inkml:traceFormat>
-        <inkml:channelProperties>
-          <inkml:channelProperty channel="X" name="resolution" value="1000" units="1/cm"/>
-          <inkml:channelProperty channel="Y" name="resolution" value="1000" units="1/cm"/>
-          <inkml:channelProperty channel="F" name="resolution" value="0" units="1/dev"/>
-        </inkml:channelProperties>
-      </inkml:inkSource>
-      <inkml:timestamp xml:id="ts0" timeString="2025-02-21T14:55:33.278"/>
-    </inkml:context>
-    <inkml:brush xml:id="br0">
-      <inkml:brushProperty name="width" value="0.1" units="cm"/>
-      <inkml:brushProperty name="height" value="0.1" units="cm"/>
-      <inkml:brushProperty name="color" value="#E71224"/>
-    </inkml:brush>
-  </inkml:definitions>
-  <inkml:trace contextRef="#ctx0" brushRef="#br0">48 0 12104,'3'5'59,"-1"0"1,-1 1 0,1-1 0,-1 0-1,0 0 1,0 1 0,0-1 0,-1 1-1,1-1 1,-2 10 0,-11 60 1102,3-28-697,0 19 112,3-26-205,-3 77 0,-3 147 272,10-244-554,2 1 0,0 0 0,4 27 0,-3-38-214,1 0 0,0 0 1,1-1-1,0 1 0,0-1 1,1 0-1,1 0 0,9 16 1,-5-6-2341</inkml:trace>
-</inkml:ink>
-</file>
-
-<file path=ppt/ink/ink31.xml><?xml version="1.0" encoding="utf-8"?>
-<inkml:ink xmlns:inkml="http://www.w3.org/2003/InkML">
-  <inkml:definitions>
-    <inkml:context xml:id="ctx0">
-      <inkml:inkSource xml:id="inkSrc0">
-        <inkml:traceFormat>
-          <inkml:channel name="X" type="integer" min="-2.14748E9" max="2.14748E9" units="cm"/>
-          <inkml:channel name="Y" type="integer" min="-2.14748E9" max="2.14748E9" units="cm"/>
-          <inkml:channel name="F" type="integer" max="32767" units="dev"/>
-        </inkml:traceFormat>
-        <inkml:channelProperties>
-          <inkml:channelProperty channel="X" name="resolution" value="1000" units="1/cm"/>
-          <inkml:channelProperty channel="Y" name="resolution" value="1000" units="1/cm"/>
-          <inkml:channelProperty channel="F" name="resolution" value="0" units="1/dev"/>
-        </inkml:channelProperties>
-      </inkml:inkSource>
-      <inkml:timestamp xml:id="ts0" timeString="2025-02-21T14:55:33.691"/>
-    </inkml:context>
-    <inkml:brush xml:id="br0">
-      <inkml:brushProperty name="width" value="0.1" units="cm"/>
-      <inkml:brushProperty name="height" value="0.1" units="cm"/>
-      <inkml:brushProperty name="color" value="#E71224"/>
-    </inkml:brush>
-  </inkml:definitions>
-  <inkml:trace contextRef="#ctx0" brushRef="#br0">66 1 10400,'-45'81'-868,"45"-78"1080,-1 0 1,1 0-1,-1-1 1,1 1-1,0 0 1,0 0 0,0 0-1,0 0 1,2 4-1,-1 10 980,-12 99 1149,5-70-1824,1 82 0,6-92-285,0-8-10,0-1 1,2 1 0,7 29-1,-9-50-150,1 0 0,1 0 0,-1 1-1,1-1 1,1-1 0,-1 1 0,1 0 0,0-1 0,1 0-1,-1 0 1,1 0 0,1-1 0,-1 1 0,1-1 0,12 8-1,-12-9-28,1-1 0,0-1-1,0 1 1,0-1 0,0-1-1,1 1 1,-1-1 0,0 0-1,1-1 1,-1 0-1,1 0 1,-1 0 0,0-1-1,1 0 1,-1-1 0,11-3-1,2-1-190,0-1 0,-1-1 0,1-1 0,27-17-1,-18 8-93,0 1-708,-1-1 0,-1-1 0,35-33 0</inkml:trace>
-</inkml:ink>
-</file>
-
-<file path=ppt/ink/ink32.xml><?xml version="1.0" encoding="utf-8"?>
-<inkml:ink xmlns:inkml="http://www.w3.org/2003/InkML">
-  <inkml:definitions>
-    <inkml:context xml:id="ctx0">
-      <inkml:inkSource xml:id="inkSrc0">
-        <inkml:traceFormat>
-          <inkml:channel name="X" type="integer" min="-2.14748E9" max="2.14748E9" units="cm"/>
-          <inkml:channel name="Y" type="integer" min="-2.14748E9" max="2.14748E9" units="cm"/>
-          <inkml:channel name="F" type="integer" max="32767" units="dev"/>
-        </inkml:traceFormat>
-        <inkml:channelProperties>
-          <inkml:channelProperty channel="X" name="resolution" value="1000" units="1/cm"/>
-          <inkml:channelProperty channel="Y" name="resolution" value="1000" units="1/cm"/>
-          <inkml:channelProperty channel="F" name="resolution" value="0" units="1/dev"/>
-        </inkml:channelProperties>
-      </inkml:inkSource>
-      <inkml:timestamp xml:id="ts0" timeString="2025-02-21T14:55:33.914"/>
-    </inkml:context>
-    <inkml:brush xml:id="br0">
-      <inkml:brushProperty name="width" value="0.1" units="cm"/>
-      <inkml:brushProperty name="height" value="0.1" units="cm"/>
-      <inkml:brushProperty name="color" value="#E71224"/>
-    </inkml:brush>
-  </inkml:definitions>
-  <inkml:trace contextRef="#ctx0" brushRef="#br0">0 75 13176,'28'5'82,"-23"-3"-30,0-1 0,1 0 0,-1 0 0,1-1 0,0 0 0,8 0 0,11-22 2070,-3 13-1992,2 1 0,-1 1 1,1 1-1,0 1 0,33-2 0,124 1 448,-132 8-1563,-37-1 450,0 0 0,0-1 1,0 0-1,0-1 0,0 0 0,0-1 0,12-3 1,-11 1-1126,7-1-4560</inkml:trace>
-</inkml:ink>
-</file>
-
-<file path=ppt/ink/ink33.xml><?xml version="1.0" encoding="utf-8"?>
-<inkml:ink xmlns:inkml="http://www.w3.org/2003/InkML">
-  <inkml:definitions>
-    <inkml:context xml:id="ctx0">
-      <inkml:inkSource xml:id="inkSrc0">
-        <inkml:traceFormat>
-          <inkml:channel name="X" type="integer" min="-2.14748E9" max="2.14748E9" units="cm"/>
-          <inkml:channel name="Y" type="integer" min="-2.14748E9" max="2.14748E9" units="cm"/>
-          <inkml:channel name="F" type="integer" max="32767" units="dev"/>
-        </inkml:traceFormat>
-        <inkml:channelProperties>
-          <inkml:channelProperty channel="X" name="resolution" value="1000" units="1/cm"/>
-          <inkml:channelProperty channel="Y" name="resolution" value="1000" units="1/cm"/>
-          <inkml:channelProperty channel="F" name="resolution" value="0" units="1/dev"/>
-        </inkml:channelProperties>
-      </inkml:inkSource>
-      <inkml:timestamp xml:id="ts0" timeString="2025-02-21T14:55:34.134"/>
-    </inkml:context>
-    <inkml:brush xml:id="br0">
-      <inkml:brushProperty name="width" value="0.1" units="cm"/>
-      <inkml:brushProperty name="height" value="0.1" units="cm"/>
-      <inkml:brushProperty name="color" value="#E71224"/>
-    </inkml:brush>
-  </inkml:definitions>
-  <inkml:trace contextRef="#ctx0" brushRef="#br0">0 9 9144,'29'4'893,"1"-1"1,-1-2-1,0-1 1,1-1-1,52-9 1,-70 8-799,28 0 511,0 0 1,55 7-1,-51-2-442,70-4 0,-86 3-2259,-4 2-7885</inkml:trace>
-</inkml:ink>
-</file>
-
-<file path=ppt/ink/ink34.xml><?xml version="1.0" encoding="utf-8"?>
-<inkml:ink xmlns:inkml="http://www.w3.org/2003/InkML">
-  <inkml:definitions>
-    <inkml:context xml:id="ctx0">
-      <inkml:inkSource xml:id="inkSrc0">
-        <inkml:traceFormat>
-          <inkml:channel name="X" type="integer" min="-2.14748E9" max="2.14748E9" units="cm"/>
-          <inkml:channel name="Y" type="integer" min="-2.14748E9" max="2.14748E9" units="cm"/>
-          <inkml:channel name="F" type="integer" max="32767" units="dev"/>
-        </inkml:traceFormat>
-        <inkml:channelProperties>
-          <inkml:channelProperty channel="X" name="resolution" value="1000" units="1/cm"/>
-          <inkml:channelProperty channel="Y" name="resolution" value="1000" units="1/cm"/>
-          <inkml:channelProperty channel="F" name="resolution" value="0" units="1/dev"/>
-        </inkml:channelProperties>
-      </inkml:inkSource>
-      <inkml:timestamp xml:id="ts0" timeString="2025-02-21T14:55:39.711"/>
-    </inkml:context>
-    <inkml:brush xml:id="br0">
-      <inkml:brushProperty name="width" value="0.1" units="cm"/>
-      <inkml:brushProperty name="height" value="0.1" units="cm"/>
-      <inkml:brushProperty name="color" value="#E71224"/>
-    </inkml:brush>
-  </inkml:definitions>
-  <inkml:trace contextRef="#ctx0" brushRef="#br0">1 1 10136,'10'31'13,"-8"-27"-115,0 1 0,-1 0 0,1-1 0,-1 1 0,0 0 0,0 0 0,0 9 0,-1-13-147,-5-12 4082,275 432-2457,-135-192-992,-101-181-58,-26-38-286,0 0 1,-1 0-1,0 1 0,-1 0 0,6 16 0,-11-26-14,-1 0 1,0 0 0,0 0 0,1 0 0,-1 1 0,1-1 0,-1 0 0,1 0-1,-1 0 1,1 0 0,0 0 0,-1 0 0,1 0 0,0-1 0,0 1 0,0 0-1,0 0 1,-1-1 0,1 1 0,0 0 0,0-1 0,1 1 0,0 0 0,-1-1 23,0 0 0,0-1 1,0 1-1,0 0 1,0-1-1,0 1 0,0-1 1,0 1-1,0-1 1,0 1-1,0-1 0,-1 0 1,1 1-1,0-1 1,0 0-1,-1 0 0,1 0 1,0 1-1,-1-1 1,1-1-1,3-6 70,0 1-1,0-1 1,-1 1 0,0-1-1,2-10 1,4-43 33,-2-1 1,-2-80 0,0-13 61,16-31 0,-16 153-760,2 1 1,2 0 0,19-47-1,-25 72-496,-1 0 1153</inkml:trace>
-</inkml:ink>
-</file>
-
-<file path=ppt/ink/ink35.xml><?xml version="1.0" encoding="utf-8"?>
-<inkml:ink xmlns:inkml="http://www.w3.org/2003/InkML">
-  <inkml:definitions>
-    <inkml:context xml:id="ctx0">
-      <inkml:inkSource xml:id="inkSrc0">
-        <inkml:traceFormat>
-          <inkml:channel name="X" type="integer" min="-2.14748E9" max="2.14748E9" units="cm"/>
-          <inkml:channel name="Y" type="integer" min="-2.14748E9" max="2.14748E9" units="cm"/>
-          <inkml:channel name="F" type="integer" max="32767" units="dev"/>
-        </inkml:traceFormat>
-        <inkml:channelProperties>
-          <inkml:channelProperty channel="X" name="resolution" value="1000" units="1/cm"/>
-          <inkml:channelProperty channel="Y" name="resolution" value="1000" units="1/cm"/>
-          <inkml:channelProperty channel="F" name="resolution" value="0" units="1/dev"/>
-        </inkml:channelProperties>
-      </inkml:inkSource>
-      <inkml:timestamp xml:id="ts0" timeString="2025-02-21T14:55:40.202"/>
-    </inkml:context>
-    <inkml:brush xml:id="br0">
-      <inkml:brushProperty name="width" value="0.1" units="cm"/>
-      <inkml:brushProperty name="height" value="0.1" units="cm"/>
-      <inkml:brushProperty name="color" value="#E71224"/>
-    </inkml:brush>
-  </inkml:definitions>
-  <inkml:trace contextRef="#ctx0" brushRef="#br0">1 323 4400,'-1'17'371,"2"0"0,0 0 0,1 0 0,0 0 0,2 0 0,0-1 0,7 19 0,5 11 255,-9-24-449,1-1 0,14 29 0,-18-44-185,0 0 0,0 0 1,0 0-1,0-1 0,1 1 0,0-1 1,0 0-1,1-1 0,-1 1 0,1-1 1,12 7-1,17 9-75,-26-14 77,0-1 0,0 0 0,0-1 0,16 6 0,-22-9 5,1 0 0,0-1 0,-1 0 0,1 1 0,0-1 0,-1 0 0,1-1 0,-1 1 0,1-1 0,0 1 0,-1-1 0,1 0 0,-1 0 0,1-1 0,-1 1 0,0-1 0,4-2 0,1-1 139,-1-1 1,1 0-1,-1 0 1,0-1-1,0 0 1,-1 0-1,0-1 0,0 0 1,-1 0-1,0 0 1,-1-1-1,5-10 0,4-14 147,16-67 0,-20 68-114,-3 1-119,-1-1 0,-2-1 0,-1 1 0,-1 0 0,-5-42 0,2 15-1,1 53 20,1 0 0,-1 1 0,0-1 0,-1 0 0,1 0 0,-1 1 0,0-1 0,-1 1 0,1 0 0,-1-1 0,-7-8 0,-2-1 526,0 1 0,-20-17 1,10 9 72,21 22-636,0-1-1,0 1 0,0 0 0,0-1 1,0 1-1,0 0 0,0 0 1,0 0-1,-1 0 0,1 0 1,0 0-1,0 0 0,0 0 0,0 0 1,-1 1-1,-2-1 52,-15 3 20,0 0 0,0 2 0,0 0 0,1 1 1,-25 11-1,-1 1 25,38-16-175,0 1-1,0 1 1,0-1 0,0 1 0,1 0 0,0 0-1,-1 1 1,2 0 0,-1-1 0,0 2-1,1-1 1,0 0 0,0 1 0,1 0 0,0 0-1,0 0 1,0 0 0,-4 13 0,2 0 5,1-1 1,0 1-1,1 0 1,2 0-1,-1 23 1,2-39-86,0 0 0,0 0 0,1 0 0,-1 1 0,1-1 0,-1 0 0,1 0 0,0 0 0,0 0 0,2 3 1,2 7-82,14 45-1466,7 31-5901</inkml:trace>
-</inkml:ink>
-</file>
-
-<file path=ppt/ink/ink36.xml><?xml version="1.0" encoding="utf-8"?>
-<inkml:ink xmlns:inkml="http://www.w3.org/2003/InkML">
-  <inkml:definitions>
-    <inkml:context xml:id="ctx0">
-      <inkml:inkSource xml:id="inkSrc0">
-        <inkml:traceFormat>
-          <inkml:channel name="X" type="integer" min="-2.14748E9" max="2.14748E9" units="cm"/>
-          <inkml:channel name="Y" type="integer" min="-2.14748E9" max="2.14748E9" units="cm"/>
-          <inkml:channel name="F" type="integer" max="32767" units="dev"/>
-        </inkml:traceFormat>
-        <inkml:channelProperties>
-          <inkml:channelProperty channel="X" name="resolution" value="1000" units="1/cm"/>
-          <inkml:channelProperty channel="Y" name="resolution" value="1000" units="1/cm"/>
-          <inkml:channelProperty channel="F" name="resolution" value="0" units="1/dev"/>
-        </inkml:channelProperties>
-      </inkml:inkSource>
-      <inkml:timestamp xml:id="ts0" timeString="2025-02-21T14:55:40.926"/>
-    </inkml:context>
-    <inkml:brush xml:id="br0">
-      <inkml:brushProperty name="width" value="0.1" units="cm"/>
-      <inkml:brushProperty name="height" value="0.1" units="cm"/>
-      <inkml:brushProperty name="color" value="#E71224"/>
-    </inkml:brush>
-  </inkml:definitions>
-  <inkml:trace contextRef="#ctx0" brushRef="#br0">109 41 7448,'-15'21'171,"7"-10"340,0 0-1,1 1 1,-12 25 1636,20-40-1095,31-59 1942,-26 78-3090,-4 7 215,-1 0 0,-4 44-1,1 12 114,33 397 601,-29-452-556,0-9-1100,-1-2-2503,-9-26 2865,-11-28-300,2 0 0,-17-62 0,20 45 1359,2-1 0,-8-119-1,20 167-493,0-1-1,0 0 1,1 0-1,0 0 1,1 1-1,1-1 1,0 1-1,0-1 1,1 1 0,0 0-1,1 0 1,1 1-1,0 0 1,0 0-1,1 0 1,0 0-1,0 1 1,1 0-1,0 1 1,1 0-1,0 0 1,0 1-1,1 0 1,0 1-1,0 0 1,1 0-1,19-7 1,-2 3-370,0 2-1,39-6 1,-59 12 244,0 1 0,1 1 0,-1 0 0,1 0 0,-1 0 0,0 1 0,1 1 0,-1-1 0,0 1 0,0 1 0,0-1 0,15 8 0,-17-6 81,1 0 1,0 0 0,-1 1 0,0 0 0,0 0 0,0 0-1,-1 1 1,0 0 0,0 0 0,0 0 0,-1 0-1,0 1 1,0 0 0,-1 0 0,1 0 0,-2 0 0,1 1-1,-1-1 1,0 1 0,0-1 0,-1 1 0,0 9 0,1-6 52,-1-1 0,0 1 1,-1 0-1,-1-1 0,1 1 1,-2 0-1,1-1 0,-2 1 1,1-1-1,-1 0 0,-8 17 1,0-4 155,-1 3-57,-1 0-1,-1-1 1,-1-1-1,-1 0 1,-32 35-1,36-49-204,-1-1-1,-1-1 1,0 0-1,0 0 1,0-2-1,-1 1 1,-28 7-1,-10 4 197,51-17 246,-1-3 4,-61-24-1524,64 25 1067,-1 1 0,1 0 1,-1-1-1,1 1 1,-1-1-1,1 1 0,-1-1 1,1 1-1,-1-1 0,1 0 1,0 1-1,-1-1 0,1 1 1,0-1-1,0 0 0,-1 1 1,1-1-1,0 0 0,0 1 1,0-1-1,0 0 1,0 0-1,0 1 0,0-1 1,0 0-1,0 1 0,0-1 1,0 0-1,0 1 0,1-1 1,-1 0-1,0 1 0,0-1 1,1 0-1,10-24-118,-8 22 132,0-1 0,0 1 0,0 0 0,0 0 0,0 0 0,1 0-1,0 1 1,-1-1 0,1 1 0,0 0 0,0 0 0,0 0 0,0 1-1,0-1 1,1 1 0,7-1 0,-5 1 22,0 1 0,-1 0 0,1 1 0,-1 0 0,1 0 0,-1 0 0,1 1 0,-1 0 0,0 0 0,8 4 0,10 8 86,0 0 1,-1 1 0,-1 2-1,26 24 1,-38-33-106,58 58 266,-53-49-238,0-2 1,1 0 0,1 0-1,0-2 1,1 0 0,1-1-1,27 14 1,42 19-930,-82-42 1413,21 8-8258,-14-13 2264,-3-4 5119,4-6-1735</inkml:trace>
-</inkml:ink>
-</file>
-
-<file path=ppt/ink/ink37.xml><?xml version="1.0" encoding="utf-8"?>
-<inkml:ink xmlns:inkml="http://www.w3.org/2003/InkML">
-  <inkml:definitions>
-    <inkml:context xml:id="ctx0">
-      <inkml:inkSource xml:id="inkSrc0">
-        <inkml:traceFormat>
-          <inkml:channel name="X" type="integer" min="-2.14748E9" max="2.14748E9" units="cm"/>
-          <inkml:channel name="Y" type="integer" min="-2.14748E9" max="2.14748E9" units="cm"/>
-          <inkml:channel name="F" type="integer" max="32767" units="dev"/>
-        </inkml:traceFormat>
-        <inkml:channelProperties>
-          <inkml:channelProperty channel="X" name="resolution" value="1000" units="1/cm"/>
-          <inkml:channelProperty channel="Y" name="resolution" value="1000" units="1/cm"/>
-          <inkml:channelProperty channel="F" name="resolution" value="0" units="1/dev"/>
-        </inkml:channelProperties>
-      </inkml:inkSource>
-      <inkml:timestamp xml:id="ts0" timeString="2025-02-21T14:55:41.290"/>
-    </inkml:context>
-    <inkml:brush xml:id="br0">
-      <inkml:brushProperty name="width" value="0.1" units="cm"/>
-      <inkml:brushProperty name="height" value="0.1" units="cm"/>
-      <inkml:brushProperty name="color" value="#E71224"/>
-    </inkml:brush>
-  </inkml:definitions>
-  <inkml:trace contextRef="#ctx0" brushRef="#br0">0 122 10040,'5'26'0,"-5"-23"56,1 1 0,-1-1-1,1 1 1,0 0 0,0-1 0,0 1-1,1-1 1,-1 0 0,1 1-1,3 3 1,-5-6-4,1-1 0,-1 0 0,0 0 0,1 0 1,-1 0-1,1 1 0,-1-1 0,1 0 0,-1 0 0,1 0 0,-1 0 0,0 0 0,1 0 1,-1 0-1,1 0 0,-1 0 0,1-1 0,-1 1 0,1 0 0,-1 0 0,0 0 0,1 0 1,-1-1-1,1 1 0,-1 0 0,0 0 0,1-1 0,-1 1 0,0 0 0,1-1 0,-1 1 1,1-1-1,16-15 36,-11 10 261,9-4-256,0 1 0,0 0 0,1 1 0,0 1 0,0 0-1,1 1 1,20-4 0,17-8-58,0 2 4,1 3 1,0 2-1,97-6 0,23-4-224,-163 19 302,0 2 1,0-1-1,16 2 1,1 1 38,-20-4-3488</inkml:trace>
-</inkml:ink>
-</file>
-
-<file path=ppt/ink/ink38.xml><?xml version="1.0" encoding="utf-8"?>
-<inkml:ink xmlns:inkml="http://www.w3.org/2003/InkML">
-  <inkml:definitions>
-    <inkml:context xml:id="ctx0">
-      <inkml:inkSource xml:id="inkSrc0">
-        <inkml:traceFormat>
-          <inkml:channel name="X" type="integer" min="-2.14748E9" max="2.14748E9" units="cm"/>
-          <inkml:channel name="Y" type="integer" min="-2.14748E9" max="2.14748E9" units="cm"/>
-          <inkml:channel name="F" type="integer" max="32767" units="dev"/>
-        </inkml:traceFormat>
-        <inkml:channelProperties>
-          <inkml:channelProperty channel="X" name="resolution" value="1000" units="1/cm"/>
-          <inkml:channelProperty channel="Y" name="resolution" value="1000" units="1/cm"/>
-          <inkml:channelProperty channel="F" name="resolution" value="0" units="1/dev"/>
-        </inkml:channelProperties>
-      </inkml:inkSource>
-      <inkml:timestamp xml:id="ts0" timeString="2025-02-21T14:55:41.589"/>
-    </inkml:context>
-    <inkml:brush xml:id="br0">
-      <inkml:brushProperty name="width" value="0.1" units="cm"/>
-      <inkml:brushProperty name="height" value="0.1" units="cm"/>
-      <inkml:brushProperty name="color" value="#E71224"/>
-    </inkml:brush>
-  </inkml:definitions>
-  <inkml:trace contextRef="#ctx0" brushRef="#br0">1 7 8344,'118'-7'2113,"-115"7"-1586,-25 6 327,19-4-733,0 0-1,0-1 1,0 1-1,0 1 1,0-1-1,0 0 1,1 1-1,-1-1 1,1 1-1,-1 0 1,1 0-1,0 0 1,0 0-1,1 0 1,-1 1-1,1-1 1,-1 0-1,1 1 1,0-1-1,0 1 1,0-1-1,0 8 0,0 7 189,1 1-1,0-1 1,5 28-1,-3-28 18,53 421 2064,-47-406-2291,-5-27-199,-2 0 1,1 1 0,-1-1-1,1 14 1,12-8-5897</inkml:trace>
-</inkml:ink>
-</file>
-
-<file path=ppt/ink/ink39.xml><?xml version="1.0" encoding="utf-8"?>
-<inkml:ink xmlns:inkml="http://www.w3.org/2003/InkML">
-  <inkml:definitions>
-    <inkml:context xml:id="ctx0">
-      <inkml:inkSource xml:id="inkSrc0">
-        <inkml:traceFormat>
-          <inkml:channel name="X" type="integer" min="-2.14748E9" max="2.14748E9" units="cm"/>
-          <inkml:channel name="Y" type="integer" min="-2.14748E9" max="2.14748E9" units="cm"/>
-          <inkml:channel name="F" type="integer" max="32767" units="dev"/>
-        </inkml:traceFormat>
-        <inkml:channelProperties>
-          <inkml:channelProperty channel="X" name="resolution" value="1000" units="1/cm"/>
-          <inkml:channelProperty channel="Y" name="resolution" value="1000" units="1/cm"/>
-          <inkml:channelProperty channel="F" name="resolution" value="0" units="1/dev"/>
-        </inkml:channelProperties>
-      </inkml:inkSource>
-      <inkml:timestamp xml:id="ts0" timeString="2025-02-21T14:55:41.810"/>
-    </inkml:context>
-    <inkml:brush xml:id="br0">
-      <inkml:brushProperty name="width" value="0.1" units="cm"/>
-      <inkml:brushProperty name="height" value="0.1" units="cm"/>
-      <inkml:brushProperty name="color" value="#E71224"/>
-    </inkml:brush>
-  </inkml:definitions>
-  <inkml:trace contextRef="#ctx0" brushRef="#br0">48 1 992,'0'0'0,"-14"19"0,-12 13 0,19-18 8,7-6 0,11-22-8,-1 0-280</inkml:trace>
-</inkml:ink>
-</file>
-
-<file path=ppt/ink/ink4.xml><?xml version="1.0" encoding="utf-8"?>
-<inkml:ink xmlns:inkml="http://www.w3.org/2003/InkML">
-  <inkml:definitions>
-    <inkml:context xml:id="ctx0">
-      <inkml:inkSource xml:id="inkSrc0">
-        <inkml:traceFormat>
-          <inkml:channel name="X" type="integer" min="-2.14748E9" max="2.14748E9" units="cm"/>
-          <inkml:channel name="Y" type="integer" min="-2.14748E9" max="2.14748E9" units="cm"/>
-          <inkml:channel name="F" type="integer" max="32767" units="dev"/>
-        </inkml:traceFormat>
-        <inkml:channelProperties>
-          <inkml:channelProperty channel="X" name="resolution" value="1000" units="1/cm"/>
-          <inkml:channelProperty channel="Y" name="resolution" value="1000" units="1/cm"/>
-          <inkml:channelProperty channel="F" name="resolution" value="0" units="1/dev"/>
-        </inkml:channelProperties>
-      </inkml:inkSource>
-      <inkml:timestamp xml:id="ts0" timeString="2025-02-21T14:54:23.663"/>
-    </inkml:context>
-    <inkml:brush xml:id="br0">
-      <inkml:brushProperty name="width" value="0.1" units="cm"/>
-      <inkml:brushProperty name="height" value="0.1" units="cm"/>
-    </inkml:brush>
-  </inkml:definitions>
-  <inkml:trace contextRef="#ctx0" brushRef="#br0">292 105 1080,'2'0'150,"0"0"-1,0 0 1,1-1-1,-1 1 1,0 0-1,0-1 1,0 1-1,0-1 1,0 0-1,0 0 1,0 0-1,0 0 1,0 0-1,0 0 1,0-1 0,-1 1-1,1 0 1,0-1-1,-1 0 1,1 1-1,-1-1 1,0 0-1,2-2 1,3-4 634,-1 1-1,0 0 1,-1-1 0,6-13 1196,-9 25-1931,-1-1 0,1 1 0,-1 0 0,0-1 1,0 1-1,0 0 0,-2 4 0,2-2 28,-14 106 12,6-60-18,0 68 0,5-55 458,-2 0 0,-18 85 0,7-75-215,-17 114 1013,31-171-1113,-2 0 0,-10 34-1,-3 14 2664,-1-112-2391,12 22-397,1 0 1,2 0 0,0 0-1,1-40 1,14-98-50,-1 38-186,6-70 271,2-24 105,-12 170-198,-5 41 17,0-1 1,-1 1 0,0-1 0,-1 0 0,1 1-1,-2-13 1,0 14-27,0 5-4,1 0 0,0-1 1,-1 1-1,1-1 0,0 1 1,0 0-1,0-1 1,0 1-1,0-1 0,0 1 1,0-1-1,0 1 1,1-1-1,-1 1 0,0 0 1,2-3 295,313 26-3429,-289-19 3129,0 1 1,-1 1 0,1 1-1,-1 2 1,-1 0 0,1 1-1,-1 2 1,24 14 0,13 14-76,-24-14 41,-1 2 1,50 47-1,-69-57 27,-1 1 0,0 1 1,-1 0-1,-2 0 0,0 2 0,20 40 0,-24-39-37,-1 1 1,0 0-1,7 41 0,-14-55 70,0-1 1,0 1-1,-1-1 0,0 1 1,0-1-1,-1 1 1,0-1-1,-1 1 0,1-1 1,-2 0-1,1 0 0,-1 0 1,-1 0-1,-3 8 0,2-10-1,0 0-1,0 0 1,0 0-1,-1-1 1,0 0-1,0 0 1,0 0-1,-1-1 0,0 1 1,1-2-1,-2 1 1,-10 3-1,-11 4 75,-54 10-1,63-16-7,-251 46 627,233-47-576,1-1 1,-1-3-1,0-1 0,1-2 1,-50-9-1,7-5-54,0 4 0,-125-6 0,156 23-1368</inkml:trace>
-</inkml:ink>
-</file>
-
-<file path=ppt/ink/ink40.xml><?xml version="1.0" encoding="utf-8"?>
-<inkml:ink xmlns:inkml="http://www.w3.org/2003/InkML">
-  <inkml:definitions>
-    <inkml:context xml:id="ctx0">
-      <inkml:inkSource xml:id="inkSrc0">
-        <inkml:traceFormat>
-          <inkml:channel name="X" type="integer" min="-2.14748E9" max="2.14748E9" units="cm"/>
-          <inkml:channel name="Y" type="integer" min="-2.14748E9" max="2.14748E9" units="cm"/>
-          <inkml:channel name="F" type="integer" max="32767" units="dev"/>
-        </inkml:traceFormat>
-        <inkml:channelProperties>
-          <inkml:channelProperty channel="X" name="resolution" value="1000" units="1/cm"/>
-          <inkml:channelProperty channel="Y" name="resolution" value="1000" units="1/cm"/>
-          <inkml:channelProperty channel="F" name="resolution" value="0" units="1/dev"/>
-        </inkml:channelProperties>
-      </inkml:inkSource>
-      <inkml:timestamp xml:id="ts0" timeString="2025-02-21T14:55:42.004"/>
-    </inkml:context>
-    <inkml:brush xml:id="br0">
-      <inkml:brushProperty name="width" value="0.1" units="cm"/>
-      <inkml:brushProperty name="height" value="0.1" units="cm"/>
-      <inkml:brushProperty name="color" value="#E71224"/>
-    </inkml:brush>
-  </inkml:definitions>
-  <inkml:trace contextRef="#ctx0" brushRef="#br0">0 1 992,'0'0'17289,"4"13"-15997,9 70-845,15 66-477,-16-95 42,-3 1-1,2 64 1,-7-57-180,17 81 0,-12-116 82,1-1-952,-8-10-2866</inkml:trace>
-</inkml:ink>
-</file>
-
-<file path=ppt/ink/ink41.xml><?xml version="1.0" encoding="utf-8"?>
-<inkml:ink xmlns:inkml="http://www.w3.org/2003/InkML">
-  <inkml:definitions>
-    <inkml:context xml:id="ctx0">
-      <inkml:inkSource xml:id="inkSrc0">
-        <inkml:traceFormat>
-          <inkml:channel name="X" type="integer" min="-2.14748E9" max="2.14748E9" units="cm"/>
-          <inkml:channel name="Y" type="integer" min="-2.14748E9" max="2.14748E9" units="cm"/>
-          <inkml:channel name="F" type="integer" max="32767" units="dev"/>
-        </inkml:traceFormat>
-        <inkml:channelProperties>
-          <inkml:channelProperty channel="X" name="resolution" value="1000" units="1/cm"/>
-          <inkml:channelProperty channel="Y" name="resolution" value="1000" units="1/cm"/>
-          <inkml:channelProperty channel="F" name="resolution" value="0" units="1/dev"/>
-        </inkml:channelProperties>
-      </inkml:inkSource>
-      <inkml:timestamp xml:id="ts0" timeString="2025-02-21T14:55:42.508"/>
-    </inkml:context>
-    <inkml:brush xml:id="br0">
-      <inkml:brushProperty name="width" value="0.1" units="cm"/>
-      <inkml:brushProperty name="height" value="0.1" units="cm"/>
-      <inkml:brushProperty name="color" value="#E71224"/>
-    </inkml:brush>
-  </inkml:definitions>
-  <inkml:trace contextRef="#ctx0" brushRef="#br0">419 1 13000,'-14'17'4367,"10"-18"-4220,-7-3-59,0 1 0,-1 0 0,1 1 0,-1 0 0,0 1 0,1 0 0,-1 1 1,0 1-1,0-1 0,0 2 0,1 0 0,-18 5 0,16-4 12,0 1 0,0 1 0,0 0 0,0 1 0,1 0 0,0 1 0,1 1 0,-1 0 0,1 0 0,-17 17 0,19-14-123,0 0 0,1 1 0,0 0 0,1 1 0,1-1 0,-1 1-1,2 0 1,0 1 0,1 0 0,0 0 0,1 0 0,0 0-1,1 0 1,1 0 0,0 1 0,1-1 0,1 0 0,0 1 0,5 20-1,-4-24 6,1 0-1,0 0 0,1 0 0,0 0 1,1 0-1,0-1 0,1 0 0,0 0 1,1 0-1,-1-1 0,2 0 0,-1 0 1,2-1-1,-1 0 0,1 0 0,0-1 1,0 0-1,1-1 0,0 0 0,0-1 0,1 0 1,-1 0-1,1-1 0,18 5 0,-16-7-62,0 0 0,0-1 0,0 0 0,0-1 0,0 0 0,0-1-1,0 0 1,0-1 0,0-1 0,0 0 0,-1-1 0,1 0-1,-1-1 1,15-8 0,14-9-1385,0-6-3772,-22 14-1588</inkml:trace>
-</inkml:ink>
-</file>
-
-<file path=ppt/ink/ink42.xml><?xml version="1.0" encoding="utf-8"?>
-<inkml:ink xmlns:inkml="http://www.w3.org/2003/InkML">
-  <inkml:definitions>
-    <inkml:context xml:id="ctx0">
-      <inkml:inkSource xml:id="inkSrc0">
-        <inkml:traceFormat>
-          <inkml:channel name="X" type="integer" min="-2.14748E9" max="2.14748E9" units="cm"/>
-          <inkml:channel name="Y" type="integer" min="-2.14748E9" max="2.14748E9" units="cm"/>
-          <inkml:channel name="F" type="integer" max="32767" units="dev"/>
-        </inkml:traceFormat>
-        <inkml:channelProperties>
-          <inkml:channelProperty channel="X" name="resolution" value="1000" units="1/cm"/>
-          <inkml:channelProperty channel="Y" name="resolution" value="1000" units="1/cm"/>
-          <inkml:channelProperty channel="F" name="resolution" value="0" units="1/dev"/>
-        </inkml:channelProperties>
-      </inkml:inkSource>
-      <inkml:timestamp xml:id="ts0" timeString="2025-02-21T14:55:42.855"/>
-    </inkml:context>
-    <inkml:brush xml:id="br0">
-      <inkml:brushProperty name="width" value="0.1" units="cm"/>
-      <inkml:brushProperty name="height" value="0.1" units="cm"/>
-      <inkml:brushProperty name="color" value="#E71224"/>
-    </inkml:brush>
-  </inkml:definitions>
-  <inkml:trace contextRef="#ctx0" brushRef="#br0">53 0 1624,'-20'14'623,"-13"5"1754,48-28 2854,-12 6-4557,1 0 0,0 1 1,0-1-1,0 1 1,11-4 1066,-14 11-675,21 216 777,-7-54-1285,-9-131-342,11 39-1,1 3-100,-10-21-17,-7-38-520,2 0-1,1 0 0,0 0 0,7 19 0,-4-17-2884</inkml:trace>
-</inkml:ink>
-</file>
-
-<file path=ppt/ink/ink43.xml><?xml version="1.0" encoding="utf-8"?>
-<inkml:ink xmlns:inkml="http://www.w3.org/2003/InkML">
-  <inkml:definitions>
-    <inkml:context xml:id="ctx0">
-      <inkml:inkSource xml:id="inkSrc0">
-        <inkml:traceFormat>
-          <inkml:channel name="X" type="integer" min="-2.14748E9" max="2.14748E9" units="cm"/>
-          <inkml:channel name="Y" type="integer" min="-2.14748E9" max="2.14748E9" units="cm"/>
-          <inkml:channel name="F" type="integer" max="32767" units="dev"/>
-        </inkml:traceFormat>
-        <inkml:channelProperties>
-          <inkml:channelProperty channel="X" name="resolution" value="1000" units="1/cm"/>
-          <inkml:channelProperty channel="Y" name="resolution" value="1000" units="1/cm"/>
-          <inkml:channelProperty channel="F" name="resolution" value="0" units="1/dev"/>
-        </inkml:channelProperties>
-      </inkml:inkSource>
-      <inkml:timestamp xml:id="ts0" timeString="2025-02-21T14:55:43.158"/>
-    </inkml:context>
-    <inkml:brush xml:id="br0">
-      <inkml:brushProperty name="width" value="0.1" units="cm"/>
-      <inkml:brushProperty name="height" value="0.1" units="cm"/>
-      <inkml:brushProperty name="color" value="#E71224"/>
-    </inkml:brush>
-  </inkml:definitions>
-  <inkml:trace contextRef="#ctx0" brushRef="#br0">1 119 10488,'4'3'83,"0"-1"0,1 1 0,0 0 0,-1-1 0,1 0 0,0 0 1,0-1-1,0 1 0,0-1 0,0 0 0,0 0 0,0-1 0,0 0 1,1 0-1,7-1 0,12-1 932,50-13 1,-35 7-656,259-60 124,-252 54-1616,0 2 0,55-7 0,-84 18-301,9 0-4927</inkml:trace>
-</inkml:ink>
-</file>
-
-<file path=ppt/ink/ink44.xml><?xml version="1.0" encoding="utf-8"?>
-<inkml:ink xmlns:inkml="http://www.w3.org/2003/InkML">
-  <inkml:definitions>
-    <inkml:context xml:id="ctx0">
-      <inkml:inkSource xml:id="inkSrc0">
-        <inkml:traceFormat>
-          <inkml:channel name="X" type="integer" min="-2.14748E9" max="2.14748E9" units="cm"/>
-          <inkml:channel name="Y" type="integer" min="-2.14748E9" max="2.14748E9" units="cm"/>
-          <inkml:channel name="F" type="integer" max="32767" units="dev"/>
-        </inkml:traceFormat>
-        <inkml:channelProperties>
-          <inkml:channelProperty channel="X" name="resolution" value="1000" units="1/cm"/>
-          <inkml:channelProperty channel="Y" name="resolution" value="1000" units="1/cm"/>
-          <inkml:channelProperty channel="F" name="resolution" value="0" units="1/dev"/>
-        </inkml:channelProperties>
-      </inkml:inkSource>
-      <inkml:timestamp xml:id="ts0" timeString="2025-02-21T14:55:43.474"/>
-    </inkml:context>
-    <inkml:brush xml:id="br0">
-      <inkml:brushProperty name="width" value="0.1" units="cm"/>
-      <inkml:brushProperty name="height" value="0.1" units="cm"/>
-      <inkml:brushProperty name="color" value="#E71224"/>
-    </inkml:brush>
-  </inkml:definitions>
-  <inkml:trace contextRef="#ctx0" brushRef="#br0">0 14 992,'32'-7'1,"-24"4"0,0 1 0,0 1 0,29 19 15945,-41-8-12884,2 1-5831,3 18 3220,1 1-1,2-1 0,0 1 0,3-1 1,18 55-1,-12-43-315,14 79 0,-15 25-801,-10-98 83,3-28 602,-1-1-1309</inkml:trace>
-</inkml:ink>
-</file>
-
-<file path=ppt/ink/ink45.xml><?xml version="1.0" encoding="utf-8"?>
-<inkml:ink xmlns:inkml="http://www.w3.org/2003/InkML">
-  <inkml:definitions>
-    <inkml:context xml:id="ctx0">
-      <inkml:inkSource xml:id="inkSrc0">
-        <inkml:traceFormat>
-          <inkml:channel name="X" type="integer" min="-2.14748E9" max="2.14748E9" units="cm"/>
-          <inkml:channel name="Y" type="integer" min="-2.14748E9" max="2.14748E9" units="cm"/>
-          <inkml:channel name="F" type="integer" max="32767" units="dev"/>
-        </inkml:traceFormat>
-        <inkml:channelProperties>
-          <inkml:channelProperty channel="X" name="resolution" value="1000" units="1/cm"/>
-          <inkml:channelProperty channel="Y" name="resolution" value="1000" units="1/cm"/>
-          <inkml:channelProperty channel="F" name="resolution" value="0" units="1/dev"/>
-        </inkml:channelProperties>
-      </inkml:inkSource>
-      <inkml:timestamp xml:id="ts0" timeString="2025-02-21T14:55:44.156"/>
-    </inkml:context>
-    <inkml:brush xml:id="br0">
-      <inkml:brushProperty name="width" value="0.1" units="cm"/>
-      <inkml:brushProperty name="height" value="0.1" units="cm"/>
-      <inkml:brushProperty name="color" value="#E71224"/>
-    </inkml:brush>
-  </inkml:definitions>
-  <inkml:trace contextRef="#ctx0" brushRef="#br0">1 108 992,'0'0'9378,"10"9"-6983,0 5-1957,-1-1 0,0 1-1,-1 1 1,0 0 0,-1 0 0,7 22 0,-5-13-71,17 32 1,-16-39-395,0 0 1,1 0-1,1-1 1,17 17-1,-23-27 10,0-1 0,0 0 0,0 0 0,1 0 0,-1-1 0,1 0 0,0-1 0,1 1 0,-1-1 0,1 0 0,-1-1 0,1 0 0,8 1 0,-8-3-124,0 0 0,0-1 1,-1 0-1,1 0 0,0-1 0,-1 0 0,0 0 0,1-1 0,-1 0 1,0 0-1,0-1 0,0 0 0,-1 0 0,1 0 0,-1-1 0,6-5 1,-6 3-72,1 0 1,-1-1 0,0 1-1,-1-1 1,0 0 0,0 0-1,7-18 1,17-65-659,-20 60 952,-3 11 31,-1-1 0,-1-1 1,1-24-1,-4 32 591,-1-1 0,-1 1 1,0-1-1,-1 1 0,-5-22 1,3 29 551,2 10-446,-4 22-165,-2 49-712,7-60 337,-10 275 1257,3-27-831,6-232-600,5 44 0,-1-46-84,-3 50 0,1-69 732</inkml:trace>
-</inkml:ink>
-</file>
-
-<file path=ppt/ink/ink5.xml><?xml version="1.0" encoding="utf-8"?>
-<inkml:ink xmlns:inkml="http://www.w3.org/2003/InkML">
-  <inkml:definitions>
-    <inkml:context xml:id="ctx0">
-      <inkml:inkSource xml:id="inkSrc0">
-        <inkml:traceFormat>
-          <inkml:channel name="X" type="integer" min="-2.14748E9" max="2.14748E9" units="cm"/>
-          <inkml:channel name="Y" type="integer" min="-2.14748E9" max="2.14748E9" units="cm"/>
-          <inkml:channel name="F" type="integer" max="32767" units="dev"/>
-        </inkml:traceFormat>
-        <inkml:channelProperties>
-          <inkml:channelProperty channel="X" name="resolution" value="1000" units="1/cm"/>
-          <inkml:channelProperty channel="Y" name="resolution" value="1000" units="1/cm"/>
-          <inkml:channelProperty channel="F" name="resolution" value="0" units="1/dev"/>
-        </inkml:channelProperties>
-      </inkml:inkSource>
-      <inkml:timestamp xml:id="ts0" timeString="2025-02-21T14:54:24.285"/>
-    </inkml:context>
-    <inkml:brush xml:id="br0">
-      <inkml:brushProperty name="width" value="0.1" units="cm"/>
-      <inkml:brushProperty name="height" value="0.1" units="cm"/>
-    </inkml:brush>
-  </inkml:definitions>
-  <inkml:trace contextRef="#ctx0" brushRef="#br0">191 0 7000,'-12'13'129,"9"-10"-18,-1-1 1,1 1-1,1 0 1,-1 0-1,0 1 1,1-1-1,-1 0 1,1 1 0,0 0-1,0-1 1,1 1-1,-1 0 1,1 0-1,0 0 1,0 0-1,-1 5 1,4-10 174,0 0 0,-1 1-1,1-1 1,0 1 0,-1-1 0,1 1-1,0 0 1,0-1 0,0 1 0,0 0 0,-1 0-1,1 1 1,0-1 0,3 1 0,-3 9-237,-1 1 1,0 0-1,0 0 1,-1-1-1,0 1 1,-1 0-1,0 0 1,-1-1 0,-5 16-1,-5 15 83,-21 44 1,18-50 59,-12 45 0,-1 39 606,7 2 1,-7 124-1,26-210-484,2 1 0,2 0-1,1-1 1,2 1-1,14 54 1,-15-77-250,1 1 1,0-1 0,14 25-1,-18-36 13,1 0 0,0 1 0,1-1 0,-1 0 0,0 0-1,1-1 1,-1 1 0,1 0 0,-1-1 0,1 0-1,0 1 1,0-1 0,5 1 0,40 9 242,-43-10-315,5 0 7,1 2 21,0-1 1,0-1-1,1 0 0,-1-1 0,1 0 1,-1 0-1,21-4 0,135-47-701,-135 39-139,-1-1 0,-1-1 0,37-24 0,-4-2-2790,-35 23-4962</inkml:trace>
-</inkml:ink>
-</file>
-
-<file path=ppt/ink/ink6.xml><?xml version="1.0" encoding="utf-8"?>
-<inkml:ink xmlns:inkml="http://www.w3.org/2003/InkML">
-  <inkml:definitions>
-    <inkml:context xml:id="ctx0">
-      <inkml:inkSource xml:id="inkSrc0">
-        <inkml:traceFormat>
-          <inkml:channel name="X" type="integer" min="-2.14748E9" max="2.14748E9" units="cm"/>
-          <inkml:channel name="Y" type="integer" min="-2.14748E9" max="2.14748E9" units="cm"/>
-          <inkml:channel name="F" type="integer" max="32767" units="dev"/>
-        </inkml:traceFormat>
-        <inkml:channelProperties>
-          <inkml:channelProperty channel="X" name="resolution" value="1000" units="1/cm"/>
-          <inkml:channelProperty channel="Y" name="resolution" value="1000" units="1/cm"/>
-          <inkml:channelProperty channel="F" name="resolution" value="0" units="1/dev"/>
-        </inkml:channelProperties>
-      </inkml:inkSource>
-      <inkml:timestamp xml:id="ts0" timeString="2025-02-21T14:54:24.695"/>
-    </inkml:context>
-    <inkml:brush xml:id="br0">
-      <inkml:brushProperty name="width" value="0.1" units="cm"/>
-      <inkml:brushProperty name="height" value="0.1" units="cm"/>
-    </inkml:brush>
-  </inkml:definitions>
-  <inkml:trace contextRef="#ctx0" brushRef="#br0">1 108 13448,'264'-14'2828,"-109"14"-2300,0-6 1,195-34 0,-131 10-1186,-124 18-2758,-51 6-5671</inkml:trace>
-</inkml:ink>
-</file>
-
-<file path=ppt/ink/ink7.xml><?xml version="1.0" encoding="utf-8"?>
-<inkml:ink xmlns:inkml="http://www.w3.org/2003/InkML">
-  <inkml:definitions>
-    <inkml:context xml:id="ctx0">
-      <inkml:inkSource xml:id="inkSrc0">
-        <inkml:traceFormat>
-          <inkml:channel name="X" type="integer" min="-2.14748E9" max="2.14748E9" units="cm"/>
-          <inkml:channel name="Y" type="integer" min="-2.14748E9" max="2.14748E9" units="cm"/>
-          <inkml:channel name="F" type="integer" max="32767" units="dev"/>
-        </inkml:traceFormat>
-        <inkml:channelProperties>
-          <inkml:channelProperty channel="X" name="resolution" value="1000" units="1/cm"/>
-          <inkml:channelProperty channel="Y" name="resolution" value="1000" units="1/cm"/>
-          <inkml:channelProperty channel="F" name="resolution" value="0" units="1/dev"/>
-        </inkml:channelProperties>
-      </inkml:inkSource>
-      <inkml:timestamp xml:id="ts0" timeString="2025-02-21T14:54:26.744"/>
-    </inkml:context>
-    <inkml:brush xml:id="br0">
-      <inkml:brushProperty name="width" value="0.1" units="cm"/>
-      <inkml:brushProperty name="height" value="0.1" units="cm"/>
-    </inkml:brush>
-  </inkml:definitions>
-  <inkml:trace contextRef="#ctx0" brushRef="#br0">557 1 2160,'-28'3'10660,"24"1"-10666,-21 24 15,3 0 0,-24 38 0,-6 8 147,29-44 210,0 1 0,2 1 0,2 1 0,0 1 0,-14 40 0,-85 330 1440,88-288-1406,4-20 94,4 0-1,-15 167 0,29-140 182,8-119-673,0 0 0,1 1 0,-1-1 0,1 0 1,0 1-1,0-1 0,1 0 0,-1 0 0,1 0 0,3 5 0,1 4 2,9 17-810,1 0-1,2-1 1,36 45 0,-35-48-897,13 17-7950</inkml:trace>
-</inkml:ink>
-</file>
-
-<file path=ppt/ink/ink8.xml><?xml version="1.0" encoding="utf-8"?>
-<inkml:ink xmlns:inkml="http://www.w3.org/2003/InkML">
-  <inkml:definitions>
-    <inkml:context xml:id="ctx0">
-      <inkml:inkSource xml:id="inkSrc0">
-        <inkml:traceFormat>
-          <inkml:channel name="X" type="integer" min="-2.14748E9" max="2.14748E9" units="cm"/>
-          <inkml:channel name="Y" type="integer" min="-2.14748E9" max="2.14748E9" units="cm"/>
-          <inkml:channel name="F" type="integer" max="32767" units="dev"/>
-        </inkml:traceFormat>
-        <inkml:channelProperties>
-          <inkml:channelProperty channel="X" name="resolution" value="1000" units="1/cm"/>
-          <inkml:channelProperty channel="Y" name="resolution" value="1000" units="1/cm"/>
-          <inkml:channelProperty channel="F" name="resolution" value="0" units="1/dev"/>
-        </inkml:channelProperties>
-      </inkml:inkSource>
-      <inkml:timestamp xml:id="ts0" timeString="2025-02-21T14:54:27.477"/>
-    </inkml:context>
-    <inkml:brush xml:id="br0">
-      <inkml:brushProperty name="width" value="0.1" units="cm"/>
-      <inkml:brushProperty name="height" value="0.1" units="cm"/>
-    </inkml:brush>
-  </inkml:definitions>
-  <inkml:trace contextRef="#ctx0" brushRef="#br0">4 595 5296,'-1'-1'51,"1"1"0,0-1 0,0 1 0,0-1 0,0 1 0,0-1 0,0 1 1,0-1-1,1 1 0,-1-1 0,0 0 0,0 1 0,0-1 0,0 1 0,1 0 0,-1-1 0,0 1 0,0-1 1,1 1-1,-1-1 0,0 1 0,1 0 0,-1-1 0,1 1 0,-1-1 0,0 1 0,1 0 0,-1 0 0,1-1 1,-1 1-1,1 0 0,-1 0 0,1 0 0,0-1 0,11 16 3813,8 9-2874,-11-18-820,-1-1 0,1 0 0,0-1 0,1 0-1,-1 0 1,1-1 0,-1 0 0,1 0 0,0-1-1,0-1 1,0 0 0,0 0 0,18-1 0,4-2 104,1-1 1,60-15 0,-69 12-78,0-1 0,-1-1 0,1-2 0,-2 0 0,0-1 0,0-1-1,36-27 1,-41 26-202,-1 1-1,0-2 0,-1 0 1,-1-1-1,0 0 0,-1-1 1,12-20-1,-15 19 16,0 0 0,-1 0-1,-1-1 1,8-26 0,-13 32-101,0 1 0,-1-1 1,-1 1-1,1-1 0,-2 0 0,0 0 1,0 1-1,-4-21 0,2 23-35,0-1 1,0 0-1,-1 1 0,-1-1 0,1 1 0,-2 0 1,1 0-1,-1 1 0,0-1 0,-7-8 1,7 12 72,0 1 1,1-1-1,-2 1 1,1 0-1,0 0 1,-1 0-1,0 1 1,1 0-1,-1 0 1,-1 0-1,1 1 1,0 0-1,-1 0 1,1 1-1,-1 0 1,-7-1-1,-6 2-67,0 0 0,-1 1-1,1 2 1,0 0-1,1 1 1,-1 0 0,1 2-1,0 0 1,0 2 0,0 0-1,1 1 1,1 0 0,-1 2-1,-26 21 1,27-18 199,1 1 1,0 1-1,1 1 0,1 0 1,-13 20-1,-55 98 404,62-100-725,2 1 27,2 0-1,1 1 0,2 1 0,-11 49 0,21-75 54,3-11 112,0 0-1,0 1 1,0-1 0,0 1-1,0-1 1,0 1-1,0-1 1,0 1 0,1-1-1,-1 1 1,0-1 0,1 1-1,-1-1 1,1 0-1,0 1 1,0-1 0,-1 0-1,1 0 1,1 2 0,21 19-180,-16-15 214,1 1 12,0 0 1,1-1-1,0 0 1,0-1-1,15 8 1,-19-12 2,-1 0 0,1 0 0,0-1 0,0 1 0,0-1 0,0 0 0,0-1 0,1 0 0,-1 1 0,0-1 0,0-1 0,0 1 0,0-1 0,7-2 0,21-7-566,0-1 1,-1-2 0,-1-1-1,32-20 1,2 0-3874</inkml:trace>
-</inkml:ink>
-</file>
-
-<file path=ppt/ink/ink9.xml><?xml version="1.0" encoding="utf-8"?>
-<inkml:ink xmlns:inkml="http://www.w3.org/2003/InkML">
-  <inkml:definitions>
-    <inkml:context xml:id="ctx0">
-      <inkml:inkSource xml:id="inkSrc0">
-        <inkml:traceFormat>
-          <inkml:channel name="X" type="integer" min="-2.14748E9" max="2.14748E9" units="cm"/>
-          <inkml:channel name="Y" type="integer" min="-2.14748E9" max="2.14748E9" units="cm"/>
-          <inkml:channel name="F" type="integer" max="32767" units="dev"/>
-        </inkml:traceFormat>
-        <inkml:channelProperties>
-          <inkml:channelProperty channel="X" name="resolution" value="1000" units="1/cm"/>
-          <inkml:channelProperty channel="Y" name="resolution" value="1000" units="1/cm"/>
-          <inkml:channelProperty channel="F" name="resolution" value="0" units="1/dev"/>
-        </inkml:channelProperties>
-      </inkml:inkSource>
-      <inkml:timestamp xml:id="ts0" timeString="2025-02-21T14:54:27.845"/>
-    </inkml:context>
-    <inkml:brush xml:id="br0">
-      <inkml:brushProperty name="width" value="0.1" units="cm"/>
-      <inkml:brushProperty name="height" value="0.1" units="cm"/>
-    </inkml:brush>
-  </inkml:definitions>
-  <inkml:trace contextRef="#ctx0" brushRef="#br0">81 177 992,'4'-12'942,"1"0"0,12-22 1,2-2 1062,-18 32-1524,1 0 0,-1 0 0,0 0 0,0 0 0,0 0 1,0 0-1,-1 0 0,0 0 0,0 0 0,0 0 0,0 0 0,-2-10 1313,2 12-1569,0 1 0,0 0 0,0 0-1,0 0 1,0-1 0,0 1 0,0 0-1,0 0 1,-1 0 0,1 0 0,0-1-1,-1 1 1,1 0 0,-1 0 0,0-2-1,-5 8-223,0 0-1,1 0 1,0 0-1,0 1 0,0-1 1,0 1-1,1 1 0,0-1 1,1 0-1,-1 1 0,1 0 1,0 0-1,-2 10 1,-3 11 87,1 1 0,-3 31 0,-1 51 120,7 180-1,4-79-30,-19 470 527,16-636-533,1 11-3509</inkml:trace>
-</inkml:ink>
-</file>
-
 <file path=ppt/notesMasters/notesMaster1.xml><?xml version="1.0" encoding="utf-8"?>
 <p:notesMaster xmlns:a="http://schemas.openxmlformats.org/drawingml/2006/main" xmlns:r="http://schemas.openxmlformats.org/officeDocument/2006/relationships" xmlns:p="http://schemas.openxmlformats.org/presentationml/2006/main">
   <p:cSld>
@@ -1448,7 +213,7 @@
           <a:p>
             <a:fld id="{6106A675-3C6A-4987-A60A-2E33BCEB4C58}" type="datetimeFigureOut">
               <a:rPr lang="en-GB" smtClean="0"/>
-              <a:t>21/02/2025</a:t>
+              <a:t>22/02/2025</a:t>
             </a:fld>
             <a:endParaRPr lang="en-GB"/>
           </a:p>
@@ -2103,7 +868,7 @@
           <a:p>
             <a:fld id="{39910920-BC4E-4572-96AF-1DF7047D5DA2}" type="datetimeFigureOut">
               <a:rPr lang="it-IT" smtClean="0"/>
-              <a:t>21/02/2025</a:t>
+              <a:t>22/02/2025</a:t>
             </a:fld>
             <a:endParaRPr lang="it-IT"/>
           </a:p>
@@ -2301,7 +1066,7 @@
           <a:p>
             <a:fld id="{39910920-BC4E-4572-96AF-1DF7047D5DA2}" type="datetimeFigureOut">
               <a:rPr lang="it-IT" smtClean="0"/>
-              <a:t>21/02/2025</a:t>
+              <a:t>22/02/2025</a:t>
             </a:fld>
             <a:endParaRPr lang="it-IT"/>
           </a:p>
@@ -2509,7 +1274,7 @@
           <a:p>
             <a:fld id="{39910920-BC4E-4572-96AF-1DF7047D5DA2}" type="datetimeFigureOut">
               <a:rPr lang="it-IT" smtClean="0"/>
-              <a:t>21/02/2025</a:t>
+              <a:t>22/02/2025</a:t>
             </a:fld>
             <a:endParaRPr lang="it-IT"/>
           </a:p>
@@ -2707,7 +1472,7 @@
           <a:p>
             <a:fld id="{39910920-BC4E-4572-96AF-1DF7047D5DA2}" type="datetimeFigureOut">
               <a:rPr lang="it-IT" smtClean="0"/>
-              <a:t>21/02/2025</a:t>
+              <a:t>22/02/2025</a:t>
             </a:fld>
             <a:endParaRPr lang="it-IT"/>
           </a:p>
@@ -2982,7 +1747,7 @@
           <a:p>
             <a:fld id="{39910920-BC4E-4572-96AF-1DF7047D5DA2}" type="datetimeFigureOut">
               <a:rPr lang="it-IT" smtClean="0"/>
-              <a:t>21/02/2025</a:t>
+              <a:t>22/02/2025</a:t>
             </a:fld>
             <a:endParaRPr lang="it-IT"/>
           </a:p>
@@ -3247,7 +2012,7 @@
           <a:p>
             <a:fld id="{39910920-BC4E-4572-96AF-1DF7047D5DA2}" type="datetimeFigureOut">
               <a:rPr lang="it-IT" smtClean="0"/>
-              <a:t>21/02/2025</a:t>
+              <a:t>22/02/2025</a:t>
             </a:fld>
             <a:endParaRPr lang="it-IT"/>
           </a:p>
@@ -3659,7 +2424,7 @@
           <a:p>
             <a:fld id="{39910920-BC4E-4572-96AF-1DF7047D5DA2}" type="datetimeFigureOut">
               <a:rPr lang="it-IT" smtClean="0"/>
-              <a:t>21/02/2025</a:t>
+              <a:t>22/02/2025</a:t>
             </a:fld>
             <a:endParaRPr lang="it-IT"/>
           </a:p>
@@ -3800,7 +2565,7 @@
           <a:p>
             <a:fld id="{39910920-BC4E-4572-96AF-1DF7047D5DA2}" type="datetimeFigureOut">
               <a:rPr lang="it-IT" smtClean="0"/>
-              <a:t>21/02/2025</a:t>
+              <a:t>22/02/2025</a:t>
             </a:fld>
             <a:endParaRPr lang="it-IT"/>
           </a:p>
@@ -3913,7 +2678,7 @@
           <a:p>
             <a:fld id="{39910920-BC4E-4572-96AF-1DF7047D5DA2}" type="datetimeFigureOut">
               <a:rPr lang="it-IT" smtClean="0"/>
-              <a:t>21/02/2025</a:t>
+              <a:t>22/02/2025</a:t>
             </a:fld>
             <a:endParaRPr lang="it-IT"/>
           </a:p>
@@ -4224,7 +2989,7 @@
           <a:p>
             <a:fld id="{39910920-BC4E-4572-96AF-1DF7047D5DA2}" type="datetimeFigureOut">
               <a:rPr lang="it-IT" smtClean="0"/>
-              <a:t>21/02/2025</a:t>
+              <a:t>22/02/2025</a:t>
             </a:fld>
             <a:endParaRPr lang="it-IT"/>
           </a:p>
@@ -4512,7 +3277,7 @@
           <a:p>
             <a:fld id="{39910920-BC4E-4572-96AF-1DF7047D5DA2}" type="datetimeFigureOut">
               <a:rPr lang="it-IT" smtClean="0"/>
-              <a:t>21/02/2025</a:t>
+              <a:t>22/02/2025</a:t>
             </a:fld>
             <a:endParaRPr lang="it-IT"/>
           </a:p>
@@ -4753,7 +3518,7 @@
           <a:p>
             <a:fld id="{39910920-BC4E-4572-96AF-1DF7047D5DA2}" type="datetimeFigureOut">
               <a:rPr lang="it-IT" smtClean="0"/>
-              <a:t>21/02/2025</a:t>
+              <a:t>22/02/2025</a:t>
             </a:fld>
             <a:endParaRPr lang="it-IT"/>
           </a:p>
@@ -5294,12 +4059,19 @@
         </p:blipFill>
         <p:spPr>
           <a:xfrm>
-            <a:off x="524290" y="523425"/>
+            <a:off x="696581" y="708089"/>
             <a:ext cx="4601217" cy="962159"/>
           </a:xfrm>
           <a:prstGeom prst="rect">
             <a:avLst/>
           </a:prstGeom>
+          <a:ln w="28575">
+            <a:solidFill>
+              <a:schemeClr val="accent2">
+                <a:lumMod val="75000"/>
+              </a:schemeClr>
+            </a:solidFill>
+          </a:ln>
         </p:spPr>
       </p:pic>
       <p:pic>
@@ -5324,2357 +4096,96 @@
         </p:blipFill>
         <p:spPr>
           <a:xfrm>
-            <a:off x="6653334" y="451977"/>
-            <a:ext cx="2486372" cy="1105054"/>
+            <a:off x="9323925" y="1790645"/>
+            <a:ext cx="2133797" cy="948354"/>
           </a:xfrm>
           <a:prstGeom prst="rect">
             <a:avLst/>
           </a:prstGeom>
         </p:spPr>
       </p:pic>
-      <mc:AlternateContent xmlns:mc="http://schemas.openxmlformats.org/markup-compatibility/2006">
-        <mc:Choice xmlns:p14="http://schemas.microsoft.com/office/powerpoint/2010/main" Requires="p14">
-          <p:contentPart p14:bwMode="auto" r:id="rId4">
-            <p14:nvContentPartPr>
-              <p14:cNvPr id="6" name="Input penna 5">
-                <a:extLst>
-                  <a:ext uri="{FF2B5EF4-FFF2-40B4-BE49-F238E27FC236}">
-                    <a16:creationId xmlns:a16="http://schemas.microsoft.com/office/drawing/2014/main" id="{DD117042-D0DA-AE6C-89E6-F38428BA0966}"/>
-                  </a:ext>
-                </a:extLst>
-              </p14:cNvPr>
-              <p14:cNvContentPartPr/>
-              <p14:nvPr/>
-            </p14:nvContentPartPr>
-            <p14:xfrm>
-              <a:off x="390552" y="1208732"/>
-              <a:ext cx="4083120" cy="585360"/>
-            </p14:xfrm>
-          </p:contentPart>
-        </mc:Choice>
-        <mc:Fallback>
-          <p:pic>
-            <p:nvPicPr>
-              <p:cNvPr id="6" name="Input penna 5">
-                <a:extLst>
-                  <a:ext uri="{FF2B5EF4-FFF2-40B4-BE49-F238E27FC236}">
-                    <a16:creationId xmlns:a16="http://schemas.microsoft.com/office/drawing/2014/main" id="{DD117042-D0DA-AE6C-89E6-F38428BA0966}"/>
-                  </a:ext>
-                </a:extLst>
-              </p:cNvPr>
-              <p:cNvPicPr/>
-              <p:nvPr/>
-            </p:nvPicPr>
-            <p:blipFill>
-              <a:blip r:embed="rId5"/>
-              <a:stretch>
-                <a:fillRect/>
-              </a:stretch>
-            </p:blipFill>
-            <p:spPr>
-              <a:xfrm>
-                <a:off x="381912" y="1200092"/>
-                <a:ext cx="4100760" cy="603000"/>
-              </a:xfrm>
-              <a:prstGeom prst="rect">
-                <a:avLst/>
-              </a:prstGeom>
-            </p:spPr>
-          </p:pic>
-        </mc:Fallback>
-      </mc:AlternateContent>
-      <p:grpSp>
-        <p:nvGrpSpPr>
-          <p:cNvPr id="22" name="Gruppo 21">
-            <a:extLst>
-              <a:ext uri="{FF2B5EF4-FFF2-40B4-BE49-F238E27FC236}">
-                <a16:creationId xmlns:a16="http://schemas.microsoft.com/office/drawing/2014/main" id="{383DA6D2-810F-D530-0D0A-DD3024C57A4F}"/>
-              </a:ext>
-            </a:extLst>
-          </p:cNvPr>
-          <p:cNvGrpSpPr/>
-          <p:nvPr/>
-        </p:nvGrpSpPr>
-        <p:grpSpPr>
-          <a:xfrm>
-            <a:off x="1120632" y="1964372"/>
-            <a:ext cx="3399840" cy="1113480"/>
-            <a:chOff x="1120632" y="1964372"/>
-            <a:chExt cx="3399840" cy="1113480"/>
-          </a:xfrm>
-        </p:grpSpPr>
-        <mc:AlternateContent xmlns:mc="http://schemas.openxmlformats.org/markup-compatibility/2006">
-          <mc:Choice xmlns:p14="http://schemas.microsoft.com/office/powerpoint/2010/main" Requires="p14">
-            <p:contentPart p14:bwMode="auto" r:id="rId6">
-              <p14:nvContentPartPr>
-                <p14:cNvPr id="8" name="Input penna 7">
-                  <a:extLst>
-                    <a:ext uri="{FF2B5EF4-FFF2-40B4-BE49-F238E27FC236}">
-                      <a16:creationId xmlns:a16="http://schemas.microsoft.com/office/drawing/2014/main" id="{F561F08C-1FC7-25A0-AE30-70151EB6BFAD}"/>
-                    </a:ext>
-                  </a:extLst>
-                </p14:cNvPr>
-                <p14:cNvContentPartPr/>
-                <p14:nvPr/>
-              </p14:nvContentPartPr>
-              <p14:xfrm>
-                <a:off x="1331232" y="1964372"/>
-                <a:ext cx="456480" cy="447480"/>
-              </p14:xfrm>
-            </p:contentPart>
-          </mc:Choice>
-          <mc:Fallback>
-            <p:pic>
-              <p:nvPicPr>
-                <p:cNvPr id="8" name="Input penna 7">
-                  <a:extLst>
-                    <a:ext uri="{FF2B5EF4-FFF2-40B4-BE49-F238E27FC236}">
-                      <a16:creationId xmlns:a16="http://schemas.microsoft.com/office/drawing/2014/main" id="{F561F08C-1FC7-25A0-AE30-70151EB6BFAD}"/>
-                    </a:ext>
-                  </a:extLst>
-                </p:cNvPr>
-                <p:cNvPicPr/>
-                <p:nvPr/>
-              </p:nvPicPr>
-              <p:blipFill>
-                <a:blip r:embed="rId7"/>
-                <a:stretch>
-                  <a:fillRect/>
-                </a:stretch>
-              </p:blipFill>
-              <p:spPr>
-                <a:xfrm>
-                  <a:off x="1313232" y="1946732"/>
-                  <a:ext cx="492120" cy="483120"/>
-                </a:xfrm>
-                <a:prstGeom prst="rect">
-                  <a:avLst/>
-                </a:prstGeom>
-              </p:spPr>
-            </p:pic>
-          </mc:Fallback>
-        </mc:AlternateContent>
-        <mc:AlternateContent xmlns:mc="http://schemas.openxmlformats.org/markup-compatibility/2006">
-          <mc:Choice xmlns:p14="http://schemas.microsoft.com/office/powerpoint/2010/main" Requires="p14">
-            <p:contentPart p14:bwMode="auto" r:id="rId8">
-              <p14:nvContentPartPr>
-                <p14:cNvPr id="9" name="Input penna 8">
-                  <a:extLst>
-                    <a:ext uri="{FF2B5EF4-FFF2-40B4-BE49-F238E27FC236}">
-                      <a16:creationId xmlns:a16="http://schemas.microsoft.com/office/drawing/2014/main" id="{A6780E6A-348F-5F22-4CBF-FF93B8078B89}"/>
-                    </a:ext>
-                  </a:extLst>
-                </p14:cNvPr>
-                <p14:cNvContentPartPr/>
-                <p14:nvPr/>
-              </p14:nvContentPartPr>
-              <p14:xfrm>
-                <a:off x="1120632" y="2480252"/>
-                <a:ext cx="878400" cy="72000"/>
-              </p14:xfrm>
-            </p:contentPart>
-          </mc:Choice>
-          <mc:Fallback>
-            <p:pic>
-              <p:nvPicPr>
-                <p:cNvPr id="9" name="Input penna 8">
-                  <a:extLst>
-                    <a:ext uri="{FF2B5EF4-FFF2-40B4-BE49-F238E27FC236}">
-                      <a16:creationId xmlns:a16="http://schemas.microsoft.com/office/drawing/2014/main" id="{A6780E6A-348F-5F22-4CBF-FF93B8078B89}"/>
-                    </a:ext>
-                  </a:extLst>
-                </p:cNvPr>
-                <p:cNvPicPr/>
-                <p:nvPr/>
-              </p:nvPicPr>
-              <p:blipFill>
-                <a:blip r:embed="rId9"/>
-                <a:stretch>
-                  <a:fillRect/>
-                </a:stretch>
-              </p:blipFill>
-              <p:spPr>
-                <a:xfrm>
-                  <a:off x="1102992" y="2462252"/>
-                  <a:ext cx="914040" cy="107640"/>
-                </a:xfrm>
-                <a:prstGeom prst="rect">
-                  <a:avLst/>
-                </a:prstGeom>
-              </p:spPr>
-            </p:pic>
-          </mc:Fallback>
-        </mc:AlternateContent>
-        <mc:AlternateContent xmlns:mc="http://schemas.openxmlformats.org/markup-compatibility/2006">
-          <mc:Choice xmlns:p14="http://schemas.microsoft.com/office/powerpoint/2010/main" Requires="p14">
-            <p:contentPart p14:bwMode="auto" r:id="rId10">
-              <p14:nvContentPartPr>
-                <p14:cNvPr id="11" name="Input penna 10">
-                  <a:extLst>
-                    <a:ext uri="{FF2B5EF4-FFF2-40B4-BE49-F238E27FC236}">
-                      <a16:creationId xmlns:a16="http://schemas.microsoft.com/office/drawing/2014/main" id="{C24AC517-FA1F-21E4-512E-EC8DDC6565C9}"/>
-                    </a:ext>
-                  </a:extLst>
-                </p14:cNvPr>
-                <p14:cNvContentPartPr/>
-                <p14:nvPr/>
-              </p14:nvContentPartPr>
-              <p14:xfrm>
-                <a:off x="1214592" y="2641892"/>
-                <a:ext cx="434520" cy="378000"/>
-              </p14:xfrm>
-            </p:contentPart>
-          </mc:Choice>
-          <mc:Fallback>
-            <p:pic>
-              <p:nvPicPr>
-                <p:cNvPr id="11" name="Input penna 10">
-                  <a:extLst>
-                    <a:ext uri="{FF2B5EF4-FFF2-40B4-BE49-F238E27FC236}">
-                      <a16:creationId xmlns:a16="http://schemas.microsoft.com/office/drawing/2014/main" id="{C24AC517-FA1F-21E4-512E-EC8DDC6565C9}"/>
-                    </a:ext>
-                  </a:extLst>
-                </p:cNvPr>
-                <p:cNvPicPr/>
-                <p:nvPr/>
-              </p:nvPicPr>
-              <p:blipFill>
-                <a:blip r:embed="rId11"/>
-                <a:stretch>
-                  <a:fillRect/>
-                </a:stretch>
-              </p:blipFill>
-              <p:spPr>
-                <a:xfrm>
-                  <a:off x="1196592" y="2624252"/>
-                  <a:ext cx="470160" cy="413640"/>
-                </a:xfrm>
-                <a:prstGeom prst="rect">
-                  <a:avLst/>
-                </a:prstGeom>
-              </p:spPr>
-            </p:pic>
-          </mc:Fallback>
-        </mc:AlternateContent>
-        <mc:AlternateContent xmlns:mc="http://schemas.openxmlformats.org/markup-compatibility/2006">
-          <mc:Choice xmlns:p14="http://schemas.microsoft.com/office/powerpoint/2010/main" Requires="p14">
-            <p:contentPart p14:bwMode="auto" r:id="rId12">
-              <p14:nvContentPartPr>
-                <p14:cNvPr id="12" name="Input penna 11">
-                  <a:extLst>
-                    <a:ext uri="{FF2B5EF4-FFF2-40B4-BE49-F238E27FC236}">
-                      <a16:creationId xmlns:a16="http://schemas.microsoft.com/office/drawing/2014/main" id="{BB89C66D-BE93-00EF-3FC5-0FB8149AC278}"/>
-                    </a:ext>
-                  </a:extLst>
-                </p14:cNvPr>
-                <p14:cNvContentPartPr/>
-                <p14:nvPr/>
-              </p14:nvContentPartPr>
-              <p14:xfrm>
-                <a:off x="1736232" y="2604812"/>
-                <a:ext cx="249480" cy="473040"/>
-              </p14:xfrm>
-            </p:contentPart>
-          </mc:Choice>
-          <mc:Fallback>
-            <p:pic>
-              <p:nvPicPr>
-                <p:cNvPr id="12" name="Input penna 11">
-                  <a:extLst>
-                    <a:ext uri="{FF2B5EF4-FFF2-40B4-BE49-F238E27FC236}">
-                      <a16:creationId xmlns:a16="http://schemas.microsoft.com/office/drawing/2014/main" id="{BB89C66D-BE93-00EF-3FC5-0FB8149AC278}"/>
-                    </a:ext>
-                  </a:extLst>
-                </p:cNvPr>
-                <p:cNvPicPr/>
-                <p:nvPr/>
-              </p:nvPicPr>
-              <p:blipFill>
-                <a:blip r:embed="rId13"/>
-                <a:stretch>
-                  <a:fillRect/>
-                </a:stretch>
-              </p:blipFill>
-              <p:spPr>
-                <a:xfrm>
-                  <a:off x="1718232" y="2586812"/>
-                  <a:ext cx="285120" cy="508680"/>
-                </a:xfrm>
-                <a:prstGeom prst="rect">
-                  <a:avLst/>
-                </a:prstGeom>
-              </p:spPr>
-            </p:pic>
-          </mc:Fallback>
-        </mc:AlternateContent>
-        <mc:AlternateContent xmlns:mc="http://schemas.openxmlformats.org/markup-compatibility/2006">
-          <mc:Choice xmlns:p14="http://schemas.microsoft.com/office/powerpoint/2010/main" Requires="p14">
-            <p:contentPart p14:bwMode="auto" r:id="rId14">
-              <p14:nvContentPartPr>
-                <p14:cNvPr id="13" name="Input penna 12">
-                  <a:extLst>
-                    <a:ext uri="{FF2B5EF4-FFF2-40B4-BE49-F238E27FC236}">
-                      <a16:creationId xmlns:a16="http://schemas.microsoft.com/office/drawing/2014/main" id="{12C64A10-224D-2142-9296-4A9429EA5111}"/>
-                    </a:ext>
-                  </a:extLst>
-                </p14:cNvPr>
-                <p14:cNvContentPartPr/>
-                <p14:nvPr/>
-              </p14:nvContentPartPr>
-              <p14:xfrm>
-                <a:off x="1528512" y="2721812"/>
-                <a:ext cx="461880" cy="38880"/>
-              </p14:xfrm>
-            </p:contentPart>
-          </mc:Choice>
-          <mc:Fallback>
-            <p:pic>
-              <p:nvPicPr>
-                <p:cNvPr id="13" name="Input penna 12">
-                  <a:extLst>
-                    <a:ext uri="{FF2B5EF4-FFF2-40B4-BE49-F238E27FC236}">
-                      <a16:creationId xmlns:a16="http://schemas.microsoft.com/office/drawing/2014/main" id="{12C64A10-224D-2142-9296-4A9429EA5111}"/>
-                    </a:ext>
-                  </a:extLst>
-                </p:cNvPr>
-                <p:cNvPicPr/>
-                <p:nvPr/>
-              </p:nvPicPr>
-              <p:blipFill>
-                <a:blip r:embed="rId15"/>
-                <a:stretch>
-                  <a:fillRect/>
-                </a:stretch>
-              </p:blipFill>
-              <p:spPr>
-                <a:xfrm>
-                  <a:off x="1510872" y="2703812"/>
-                  <a:ext cx="497520" cy="74520"/>
-                </a:xfrm>
-                <a:prstGeom prst="rect">
-                  <a:avLst/>
-                </a:prstGeom>
-              </p:spPr>
-            </p:pic>
-          </mc:Fallback>
-        </mc:AlternateContent>
-        <mc:AlternateContent xmlns:mc="http://schemas.openxmlformats.org/markup-compatibility/2006">
-          <mc:Choice xmlns:p14="http://schemas.microsoft.com/office/powerpoint/2010/main" Requires="p14">
-            <p:contentPart p14:bwMode="auto" r:id="rId16">
-              <p14:nvContentPartPr>
-                <p14:cNvPr id="15" name="Input penna 14">
-                  <a:extLst>
-                    <a:ext uri="{FF2B5EF4-FFF2-40B4-BE49-F238E27FC236}">
-                      <a16:creationId xmlns:a16="http://schemas.microsoft.com/office/drawing/2014/main" id="{41C6925A-B491-8779-CE72-5E09009293DB}"/>
-                    </a:ext>
-                  </a:extLst>
-                </p14:cNvPr>
-                <p14:cNvContentPartPr/>
-                <p14:nvPr/>
-              </p14:nvContentPartPr>
-              <p14:xfrm>
-                <a:off x="2225112" y="2011532"/>
-                <a:ext cx="200880" cy="659520"/>
-              </p14:xfrm>
-            </p:contentPart>
-          </mc:Choice>
-          <mc:Fallback>
-            <p:pic>
-              <p:nvPicPr>
-                <p:cNvPr id="15" name="Input penna 14">
-                  <a:extLst>
-                    <a:ext uri="{FF2B5EF4-FFF2-40B4-BE49-F238E27FC236}">
-                      <a16:creationId xmlns:a16="http://schemas.microsoft.com/office/drawing/2014/main" id="{41C6925A-B491-8779-CE72-5E09009293DB}"/>
-                    </a:ext>
-                  </a:extLst>
-                </p:cNvPr>
-                <p:cNvPicPr/>
-                <p:nvPr/>
-              </p:nvPicPr>
-              <p:blipFill>
-                <a:blip r:embed="rId17"/>
-                <a:stretch>
-                  <a:fillRect/>
-                </a:stretch>
-              </p:blipFill>
-              <p:spPr>
-                <a:xfrm>
-                  <a:off x="2207472" y="1993892"/>
-                  <a:ext cx="236520" cy="695160"/>
-                </a:xfrm>
-                <a:prstGeom prst="rect">
-                  <a:avLst/>
-                </a:prstGeom>
-              </p:spPr>
-            </p:pic>
-          </mc:Fallback>
-        </mc:AlternateContent>
-        <mc:AlternateContent xmlns:mc="http://schemas.openxmlformats.org/markup-compatibility/2006">
-          <mc:Choice xmlns:p14="http://schemas.microsoft.com/office/powerpoint/2010/main" Requires="p14">
-            <p:contentPart p14:bwMode="auto" r:id="rId18">
-              <p14:nvContentPartPr>
-                <p14:cNvPr id="16" name="Input penna 15">
-                  <a:extLst>
-                    <a:ext uri="{FF2B5EF4-FFF2-40B4-BE49-F238E27FC236}">
-                      <a16:creationId xmlns:a16="http://schemas.microsoft.com/office/drawing/2014/main" id="{C8F246F4-6652-7997-4D40-2BEB35FE9CA6}"/>
-                    </a:ext>
-                  </a:extLst>
-                </p14:cNvPr>
-                <p14:cNvContentPartPr/>
-                <p14:nvPr/>
-              </p14:nvContentPartPr>
-              <p14:xfrm>
-                <a:off x="2568192" y="2192612"/>
-                <a:ext cx="276120" cy="272520"/>
-              </p14:xfrm>
-            </p:contentPart>
-          </mc:Choice>
-          <mc:Fallback>
-            <p:pic>
-              <p:nvPicPr>
-                <p:cNvPr id="16" name="Input penna 15">
-                  <a:extLst>
-                    <a:ext uri="{FF2B5EF4-FFF2-40B4-BE49-F238E27FC236}">
-                      <a16:creationId xmlns:a16="http://schemas.microsoft.com/office/drawing/2014/main" id="{C8F246F4-6652-7997-4D40-2BEB35FE9CA6}"/>
-                    </a:ext>
-                  </a:extLst>
-                </p:cNvPr>
-                <p:cNvPicPr/>
-                <p:nvPr/>
-              </p:nvPicPr>
-              <p:blipFill>
-                <a:blip r:embed="rId19"/>
-                <a:stretch>
-                  <a:fillRect/>
-                </a:stretch>
-              </p:blipFill>
-              <p:spPr>
-                <a:xfrm>
-                  <a:off x="2550552" y="2174972"/>
-                  <a:ext cx="311760" cy="308160"/>
-                </a:xfrm>
-                <a:prstGeom prst="rect">
-                  <a:avLst/>
-                </a:prstGeom>
-              </p:spPr>
-            </p:pic>
-          </mc:Fallback>
-        </mc:AlternateContent>
-        <mc:AlternateContent xmlns:mc="http://schemas.openxmlformats.org/markup-compatibility/2006">
-          <mc:Choice xmlns:p14="http://schemas.microsoft.com/office/powerpoint/2010/main" Requires="p14">
-            <p:contentPart p14:bwMode="auto" r:id="rId20">
-              <p14:nvContentPartPr>
-                <p14:cNvPr id="17" name="Input penna 16">
-                  <a:extLst>
-                    <a:ext uri="{FF2B5EF4-FFF2-40B4-BE49-F238E27FC236}">
-                      <a16:creationId xmlns:a16="http://schemas.microsoft.com/office/drawing/2014/main" id="{56845B65-351A-7F3E-94AC-E92C29D025E7}"/>
-                    </a:ext>
-                  </a:extLst>
-                </p14:cNvPr>
-                <p14:cNvContentPartPr/>
-                <p14:nvPr/>
-              </p14:nvContentPartPr>
-              <p14:xfrm>
-                <a:off x="2819832" y="2221412"/>
-                <a:ext cx="48600" cy="579960"/>
-              </p14:xfrm>
-            </p:contentPart>
-          </mc:Choice>
-          <mc:Fallback>
-            <p:pic>
-              <p:nvPicPr>
-                <p:cNvPr id="17" name="Input penna 16">
-                  <a:extLst>
-                    <a:ext uri="{FF2B5EF4-FFF2-40B4-BE49-F238E27FC236}">
-                      <a16:creationId xmlns:a16="http://schemas.microsoft.com/office/drawing/2014/main" id="{56845B65-351A-7F3E-94AC-E92C29D025E7}"/>
-                    </a:ext>
-                  </a:extLst>
-                </p:cNvPr>
-                <p:cNvPicPr/>
-                <p:nvPr/>
-              </p:nvPicPr>
-              <p:blipFill>
-                <a:blip r:embed="rId21"/>
-                <a:stretch>
-                  <a:fillRect/>
-                </a:stretch>
-              </p:blipFill>
-              <p:spPr>
-                <a:xfrm>
-                  <a:off x="2802192" y="2203412"/>
-                  <a:ext cx="84240" cy="615600"/>
-                </a:xfrm>
-                <a:prstGeom prst="rect">
-                  <a:avLst/>
-                </a:prstGeom>
-              </p:spPr>
-            </p:pic>
-          </mc:Fallback>
-        </mc:AlternateContent>
-        <mc:AlternateContent xmlns:mc="http://schemas.openxmlformats.org/markup-compatibility/2006">
-          <mc:Choice xmlns:p14="http://schemas.microsoft.com/office/powerpoint/2010/main" Requires="p14">
-            <p:contentPart p14:bwMode="auto" r:id="rId22">
-              <p14:nvContentPartPr>
-                <p14:cNvPr id="18" name="Input penna 17">
-                  <a:extLst>
-                    <a:ext uri="{FF2B5EF4-FFF2-40B4-BE49-F238E27FC236}">
-                      <a16:creationId xmlns:a16="http://schemas.microsoft.com/office/drawing/2014/main" id="{25A5C747-CCDE-93F6-5C35-D31030A4F0D3}"/>
-                    </a:ext>
-                  </a:extLst>
-                </p14:cNvPr>
-                <p14:cNvContentPartPr/>
-                <p14:nvPr/>
-              </p14:nvContentPartPr>
-              <p14:xfrm>
-                <a:off x="3078672" y="1984172"/>
-                <a:ext cx="174960" cy="740160"/>
-              </p14:xfrm>
-            </p:contentPart>
-          </mc:Choice>
-          <mc:Fallback>
-            <p:pic>
-              <p:nvPicPr>
-                <p:cNvPr id="18" name="Input penna 17">
-                  <a:extLst>
-                    <a:ext uri="{FF2B5EF4-FFF2-40B4-BE49-F238E27FC236}">
-                      <a16:creationId xmlns:a16="http://schemas.microsoft.com/office/drawing/2014/main" id="{25A5C747-CCDE-93F6-5C35-D31030A4F0D3}"/>
-                    </a:ext>
-                  </a:extLst>
-                </p:cNvPr>
-                <p:cNvPicPr/>
-                <p:nvPr/>
-              </p:nvPicPr>
-              <p:blipFill>
-                <a:blip r:embed="rId23"/>
-                <a:stretch>
-                  <a:fillRect/>
-                </a:stretch>
-              </p:blipFill>
-              <p:spPr>
-                <a:xfrm>
-                  <a:off x="3060672" y="1966172"/>
-                  <a:ext cx="210600" cy="775800"/>
-                </a:xfrm>
-                <a:prstGeom prst="rect">
-                  <a:avLst/>
-                </a:prstGeom>
-              </p:spPr>
-            </p:pic>
-          </mc:Fallback>
-        </mc:AlternateContent>
-        <mc:AlternateContent xmlns:mc="http://schemas.openxmlformats.org/markup-compatibility/2006">
-          <mc:Choice xmlns:p14="http://schemas.microsoft.com/office/powerpoint/2010/main" Requires="p14">
-            <p:contentPart p14:bwMode="auto" r:id="rId24">
-              <p14:nvContentPartPr>
-                <p14:cNvPr id="19" name="Input penna 18">
-                  <a:extLst>
-                    <a:ext uri="{FF2B5EF4-FFF2-40B4-BE49-F238E27FC236}">
-                      <a16:creationId xmlns:a16="http://schemas.microsoft.com/office/drawing/2014/main" id="{B5E1E27E-6F44-1008-5C26-4DE87D41545A}"/>
-                    </a:ext>
-                  </a:extLst>
-                </p14:cNvPr>
-                <p14:cNvContentPartPr/>
-                <p14:nvPr/>
-              </p14:nvContentPartPr>
-              <p14:xfrm>
-                <a:off x="3635592" y="2349932"/>
-                <a:ext cx="307440" cy="21960"/>
-              </p14:xfrm>
-            </p:contentPart>
-          </mc:Choice>
-          <mc:Fallback>
-            <p:pic>
-              <p:nvPicPr>
-                <p:cNvPr id="19" name="Input penna 18">
-                  <a:extLst>
-                    <a:ext uri="{FF2B5EF4-FFF2-40B4-BE49-F238E27FC236}">
-                      <a16:creationId xmlns:a16="http://schemas.microsoft.com/office/drawing/2014/main" id="{B5E1E27E-6F44-1008-5C26-4DE87D41545A}"/>
-                    </a:ext>
-                  </a:extLst>
-                </p:cNvPr>
-                <p:cNvPicPr/>
-                <p:nvPr/>
-              </p:nvPicPr>
-              <p:blipFill>
-                <a:blip r:embed="rId25"/>
-                <a:stretch>
-                  <a:fillRect/>
-                </a:stretch>
-              </p:blipFill>
-              <p:spPr>
-                <a:xfrm>
-                  <a:off x="3617952" y="2332292"/>
-                  <a:ext cx="343080" cy="57600"/>
-                </a:xfrm>
-                <a:prstGeom prst="rect">
-                  <a:avLst/>
-                </a:prstGeom>
-              </p:spPr>
-            </p:pic>
-          </mc:Fallback>
-        </mc:AlternateContent>
-        <mc:AlternateContent xmlns:mc="http://schemas.openxmlformats.org/markup-compatibility/2006">
-          <mc:Choice xmlns:p14="http://schemas.microsoft.com/office/powerpoint/2010/main" Requires="p14">
-            <p:contentPart p14:bwMode="auto" r:id="rId26">
-              <p14:nvContentPartPr>
-                <p14:cNvPr id="20" name="Input penna 19">
-                  <a:extLst>
-                    <a:ext uri="{FF2B5EF4-FFF2-40B4-BE49-F238E27FC236}">
-                      <a16:creationId xmlns:a16="http://schemas.microsoft.com/office/drawing/2014/main" id="{5B8A798A-25B4-8648-0637-28B1FB168F3F}"/>
-                    </a:ext>
-                  </a:extLst>
-                </p14:cNvPr>
-                <p14:cNvContentPartPr/>
-                <p14:nvPr/>
-              </p14:nvContentPartPr>
-              <p14:xfrm>
-                <a:off x="3653232" y="2487092"/>
-                <a:ext cx="297360" cy="35280"/>
-              </p14:xfrm>
-            </p:contentPart>
-          </mc:Choice>
-          <mc:Fallback>
-            <p:pic>
-              <p:nvPicPr>
-                <p:cNvPr id="20" name="Input penna 19">
-                  <a:extLst>
-                    <a:ext uri="{FF2B5EF4-FFF2-40B4-BE49-F238E27FC236}">
-                      <a16:creationId xmlns:a16="http://schemas.microsoft.com/office/drawing/2014/main" id="{5B8A798A-25B4-8648-0637-28B1FB168F3F}"/>
-                    </a:ext>
-                  </a:extLst>
-                </p:cNvPr>
-                <p:cNvPicPr/>
-                <p:nvPr/>
-              </p:nvPicPr>
-              <p:blipFill>
-                <a:blip r:embed="rId27"/>
-                <a:stretch>
-                  <a:fillRect/>
-                </a:stretch>
-              </p:blipFill>
-              <p:spPr>
-                <a:xfrm>
-                  <a:off x="3635592" y="2469452"/>
-                  <a:ext cx="333000" cy="70920"/>
-                </a:xfrm>
-                <a:prstGeom prst="rect">
-                  <a:avLst/>
-                </a:prstGeom>
-              </p:spPr>
-            </p:pic>
-          </mc:Fallback>
-        </mc:AlternateContent>
-        <mc:AlternateContent xmlns:mc="http://schemas.openxmlformats.org/markup-compatibility/2006">
-          <mc:Choice xmlns:p14="http://schemas.microsoft.com/office/powerpoint/2010/main" Requires="p14">
-            <p:contentPart p14:bwMode="auto" r:id="rId28">
-              <p14:nvContentPartPr>
-                <p14:cNvPr id="21" name="Input penna 20">
-                  <a:extLst>
-                    <a:ext uri="{FF2B5EF4-FFF2-40B4-BE49-F238E27FC236}">
-                      <a16:creationId xmlns:a16="http://schemas.microsoft.com/office/drawing/2014/main" id="{543D8C35-B859-39B7-3368-22BD6BE15E04}"/>
-                    </a:ext>
-                  </a:extLst>
-                </p14:cNvPr>
-                <p14:cNvContentPartPr/>
-                <p14:nvPr/>
-              </p14:nvContentPartPr>
-              <p14:xfrm>
-                <a:off x="4224912" y="2228972"/>
-                <a:ext cx="295560" cy="375480"/>
-              </p14:xfrm>
-            </p:contentPart>
-          </mc:Choice>
-          <mc:Fallback>
-            <p:pic>
-              <p:nvPicPr>
-                <p:cNvPr id="21" name="Input penna 20">
-                  <a:extLst>
-                    <a:ext uri="{FF2B5EF4-FFF2-40B4-BE49-F238E27FC236}">
-                      <a16:creationId xmlns:a16="http://schemas.microsoft.com/office/drawing/2014/main" id="{543D8C35-B859-39B7-3368-22BD6BE15E04}"/>
-                    </a:ext>
-                  </a:extLst>
-                </p:cNvPr>
-                <p:cNvPicPr/>
-                <p:nvPr/>
-              </p:nvPicPr>
-              <p:blipFill>
-                <a:blip r:embed="rId29"/>
-                <a:stretch>
-                  <a:fillRect/>
-                </a:stretch>
-              </p:blipFill>
-              <p:spPr>
-                <a:xfrm>
-                  <a:off x="4206912" y="2211332"/>
-                  <a:ext cx="331200" cy="411120"/>
-                </a:xfrm>
-                <a:prstGeom prst="rect">
-                  <a:avLst/>
-                </a:prstGeom>
-              </p:spPr>
-            </p:pic>
-          </mc:Fallback>
-        </mc:AlternateContent>
-      </p:grpSp>
-      <mc:AlternateContent xmlns:mc="http://schemas.openxmlformats.org/markup-compatibility/2006">
-        <mc:Choice xmlns:p14="http://schemas.microsoft.com/office/powerpoint/2010/main" Requires="p14">
-          <p:contentPart p14:bwMode="auto" r:id="rId30">
-            <p14:nvContentPartPr>
-              <p14:cNvPr id="23" name="Input penna 22">
-                <a:extLst>
-                  <a:ext uri="{FF2B5EF4-FFF2-40B4-BE49-F238E27FC236}">
-                    <a16:creationId xmlns:a16="http://schemas.microsoft.com/office/drawing/2014/main" id="{F7E7B844-5CCB-3A59-A308-A601174E8783}"/>
-                  </a:ext>
-                </a:extLst>
-              </p14:cNvPr>
-              <p14:cNvContentPartPr/>
-              <p14:nvPr/>
-            </p14:nvContentPartPr>
-            <p14:xfrm>
-              <a:off x="6770472" y="2182172"/>
-              <a:ext cx="312840" cy="738720"/>
-            </p14:xfrm>
-          </p:contentPart>
-        </mc:Choice>
-        <mc:Fallback>
-          <p:pic>
-            <p:nvPicPr>
-              <p:cNvPr id="23" name="Input penna 22">
-                <a:extLst>
-                  <a:ext uri="{FF2B5EF4-FFF2-40B4-BE49-F238E27FC236}">
-                    <a16:creationId xmlns:a16="http://schemas.microsoft.com/office/drawing/2014/main" id="{F7E7B844-5CCB-3A59-A308-A601174E8783}"/>
-                  </a:ext>
-                </a:extLst>
-              </p:cNvPr>
-              <p:cNvPicPr/>
-              <p:nvPr/>
-            </p:nvPicPr>
-            <p:blipFill>
-              <a:blip r:embed="rId31"/>
-              <a:stretch>
-                <a:fillRect/>
-              </a:stretch>
-            </p:blipFill>
-            <p:spPr>
-              <a:xfrm>
-                <a:off x="6752832" y="2164532"/>
-                <a:ext cx="348480" cy="774360"/>
-              </a:xfrm>
-              <a:prstGeom prst="rect">
-                <a:avLst/>
-              </a:prstGeom>
-            </p:spPr>
-          </p:pic>
-        </mc:Fallback>
-      </mc:AlternateContent>
-      <mc:AlternateContent xmlns:mc="http://schemas.openxmlformats.org/markup-compatibility/2006">
-        <mc:Choice xmlns:p14="http://schemas.microsoft.com/office/powerpoint/2010/main" Requires="p14">
-          <p:contentPart p14:bwMode="auto" r:id="rId32">
-            <p14:nvContentPartPr>
-              <p14:cNvPr id="24" name="Input penna 23">
-                <a:extLst>
-                  <a:ext uri="{FF2B5EF4-FFF2-40B4-BE49-F238E27FC236}">
-                    <a16:creationId xmlns:a16="http://schemas.microsoft.com/office/drawing/2014/main" id="{D6997510-DF33-296E-C782-BDA981024721}"/>
-                  </a:ext>
-                </a:extLst>
-              </p14:cNvPr>
-              <p14:cNvContentPartPr/>
-              <p14:nvPr/>
-            </p14:nvContentPartPr>
-            <p14:xfrm>
-              <a:off x="7406592" y="2313932"/>
-              <a:ext cx="254160" cy="69840"/>
-            </p14:xfrm>
-          </p:contentPart>
-        </mc:Choice>
-        <mc:Fallback>
-          <p:pic>
-            <p:nvPicPr>
-              <p:cNvPr id="24" name="Input penna 23">
-                <a:extLst>
-                  <a:ext uri="{FF2B5EF4-FFF2-40B4-BE49-F238E27FC236}">
-                    <a16:creationId xmlns:a16="http://schemas.microsoft.com/office/drawing/2014/main" id="{D6997510-DF33-296E-C782-BDA981024721}"/>
-                  </a:ext>
-                </a:extLst>
-              </p:cNvPr>
-              <p:cNvPicPr/>
-              <p:nvPr/>
-            </p:nvPicPr>
-            <p:blipFill>
-              <a:blip r:embed="rId33"/>
-              <a:stretch>
-                <a:fillRect/>
-              </a:stretch>
-            </p:blipFill>
-            <p:spPr>
-              <a:xfrm>
-                <a:off x="7388592" y="2296292"/>
-                <a:ext cx="289800" cy="105480"/>
-              </a:xfrm>
-              <a:prstGeom prst="rect">
-                <a:avLst/>
-              </a:prstGeom>
-            </p:spPr>
-          </p:pic>
-        </mc:Fallback>
-      </mc:AlternateContent>
-      <mc:AlternateContent xmlns:mc="http://schemas.openxmlformats.org/markup-compatibility/2006">
-        <mc:Choice xmlns:p14="http://schemas.microsoft.com/office/powerpoint/2010/main" Requires="p14">
-          <p:contentPart p14:bwMode="auto" r:id="rId34">
-            <p14:nvContentPartPr>
-              <p14:cNvPr id="25" name="Input penna 24">
-                <a:extLst>
-                  <a:ext uri="{FF2B5EF4-FFF2-40B4-BE49-F238E27FC236}">
-                    <a16:creationId xmlns:a16="http://schemas.microsoft.com/office/drawing/2014/main" id="{F53EA618-75D4-86B2-570B-D96A7166CA6B}"/>
-                  </a:ext>
-                </a:extLst>
-              </p14:cNvPr>
-              <p14:cNvContentPartPr/>
-              <p14:nvPr/>
-            </p14:nvContentPartPr>
-            <p14:xfrm>
-              <a:off x="7429632" y="2478452"/>
-              <a:ext cx="298800" cy="32760"/>
-            </p14:xfrm>
-          </p:contentPart>
-        </mc:Choice>
-        <mc:Fallback>
-          <p:pic>
-            <p:nvPicPr>
-              <p:cNvPr id="25" name="Input penna 24">
-                <a:extLst>
-                  <a:ext uri="{FF2B5EF4-FFF2-40B4-BE49-F238E27FC236}">
-                    <a16:creationId xmlns:a16="http://schemas.microsoft.com/office/drawing/2014/main" id="{F53EA618-75D4-86B2-570B-D96A7166CA6B}"/>
-                  </a:ext>
-                </a:extLst>
-              </p:cNvPr>
-              <p:cNvPicPr/>
-              <p:nvPr/>
-            </p:nvPicPr>
-            <p:blipFill>
-              <a:blip r:embed="rId35"/>
-              <a:stretch>
-                <a:fillRect/>
-              </a:stretch>
-            </p:blipFill>
-            <p:spPr>
-              <a:xfrm>
-                <a:off x="7411992" y="2460452"/>
-                <a:ext cx="334440" cy="68400"/>
-              </a:xfrm>
-              <a:prstGeom prst="rect">
-                <a:avLst/>
-              </a:prstGeom>
-            </p:spPr>
-          </p:pic>
-        </mc:Fallback>
-      </mc:AlternateContent>
-      <mc:AlternateContent xmlns:mc="http://schemas.openxmlformats.org/markup-compatibility/2006">
-        <mc:Choice xmlns:p14="http://schemas.microsoft.com/office/powerpoint/2010/main" Requires="p14">
-          <p:contentPart p14:bwMode="auto" r:id="rId36">
-            <p14:nvContentPartPr>
-              <p14:cNvPr id="26" name="Input penna 25">
-                <a:extLst>
-                  <a:ext uri="{FF2B5EF4-FFF2-40B4-BE49-F238E27FC236}">
-                    <a16:creationId xmlns:a16="http://schemas.microsoft.com/office/drawing/2014/main" id="{06A1B1E7-D9A4-AC6B-EA84-38ED3C44BB78}"/>
-                  </a:ext>
-                </a:extLst>
-              </p14:cNvPr>
-              <p14:cNvContentPartPr/>
-              <p14:nvPr/>
-            </p14:nvContentPartPr>
-            <p14:xfrm>
-              <a:off x="8097792" y="1862132"/>
-              <a:ext cx="244080" cy="1036080"/>
-            </p14:xfrm>
-          </p:contentPart>
-        </mc:Choice>
-        <mc:Fallback>
-          <p:pic>
-            <p:nvPicPr>
-              <p:cNvPr id="26" name="Input penna 25">
-                <a:extLst>
-                  <a:ext uri="{FF2B5EF4-FFF2-40B4-BE49-F238E27FC236}">
-                    <a16:creationId xmlns:a16="http://schemas.microsoft.com/office/drawing/2014/main" id="{06A1B1E7-D9A4-AC6B-EA84-38ED3C44BB78}"/>
-                  </a:ext>
-                </a:extLst>
-              </p:cNvPr>
-              <p:cNvPicPr/>
-              <p:nvPr/>
-            </p:nvPicPr>
-            <p:blipFill>
-              <a:blip r:embed="rId37"/>
-              <a:stretch>
-                <a:fillRect/>
-              </a:stretch>
-            </p:blipFill>
-            <p:spPr>
-              <a:xfrm>
-                <a:off x="8080152" y="1844132"/>
-                <a:ext cx="279720" cy="1071720"/>
-              </a:xfrm>
-              <a:prstGeom prst="rect">
-                <a:avLst/>
-              </a:prstGeom>
-            </p:spPr>
-          </p:pic>
-        </mc:Fallback>
-      </mc:AlternateContent>
-      <mc:AlternateContent xmlns:mc="http://schemas.openxmlformats.org/markup-compatibility/2006">
-        <mc:Choice xmlns:p14="http://schemas.microsoft.com/office/powerpoint/2010/main" Requires="p14">
-          <p:contentPart p14:bwMode="auto" r:id="rId38">
-            <p14:nvContentPartPr>
-              <p14:cNvPr id="27" name="Input penna 26">
-                <a:extLst>
-                  <a:ext uri="{FF2B5EF4-FFF2-40B4-BE49-F238E27FC236}">
-                    <a16:creationId xmlns:a16="http://schemas.microsoft.com/office/drawing/2014/main" id="{FEE72B7C-8BC3-9564-8DD8-B7A976D815C5}"/>
-                  </a:ext>
-                </a:extLst>
-              </p14:cNvPr>
-              <p14:cNvContentPartPr/>
-              <p14:nvPr/>
-            </p14:nvContentPartPr>
-            <p14:xfrm>
-              <a:off x="7982952" y="2442812"/>
-              <a:ext cx="438120" cy="36360"/>
-            </p14:xfrm>
-          </p:contentPart>
-        </mc:Choice>
-        <mc:Fallback>
-          <p:pic>
-            <p:nvPicPr>
-              <p:cNvPr id="27" name="Input penna 26">
-                <a:extLst>
-                  <a:ext uri="{FF2B5EF4-FFF2-40B4-BE49-F238E27FC236}">
-                    <a16:creationId xmlns:a16="http://schemas.microsoft.com/office/drawing/2014/main" id="{FEE72B7C-8BC3-9564-8DD8-B7A976D815C5}"/>
-                  </a:ext>
-                </a:extLst>
-              </p:cNvPr>
-              <p:cNvPicPr/>
-              <p:nvPr/>
-            </p:nvPicPr>
-            <p:blipFill>
-              <a:blip r:embed="rId39"/>
-              <a:stretch>
-                <a:fillRect/>
-              </a:stretch>
-            </p:blipFill>
-            <p:spPr>
-              <a:xfrm>
-                <a:off x="7965312" y="2424812"/>
-                <a:ext cx="473760" cy="72000"/>
-              </a:xfrm>
-              <a:prstGeom prst="rect">
-                <a:avLst/>
-              </a:prstGeom>
-            </p:spPr>
-          </p:pic>
-        </mc:Fallback>
-      </mc:AlternateContent>
-      <mc:AlternateContent xmlns:mc="http://schemas.openxmlformats.org/markup-compatibility/2006">
-        <mc:Choice xmlns:p14="http://schemas.microsoft.com/office/powerpoint/2010/main" Requires="p14">
-          <p:contentPart p14:bwMode="auto" r:id="rId40">
-            <p14:nvContentPartPr>
-              <p14:cNvPr id="28" name="Input penna 27">
-                <a:extLst>
-                  <a:ext uri="{FF2B5EF4-FFF2-40B4-BE49-F238E27FC236}">
-                    <a16:creationId xmlns:a16="http://schemas.microsoft.com/office/drawing/2014/main" id="{61C23916-A406-8D82-834C-4944CC8ACA8C}"/>
-                  </a:ext>
-                </a:extLst>
-              </p14:cNvPr>
-              <p14:cNvContentPartPr/>
-              <p14:nvPr/>
-            </p14:nvContentPartPr>
-            <p14:xfrm>
-              <a:off x="8708352" y="2354252"/>
-              <a:ext cx="335520" cy="71640"/>
-            </p14:xfrm>
-          </p:contentPart>
-        </mc:Choice>
-        <mc:Fallback>
-          <p:pic>
-            <p:nvPicPr>
-              <p:cNvPr id="28" name="Input penna 27">
-                <a:extLst>
-                  <a:ext uri="{FF2B5EF4-FFF2-40B4-BE49-F238E27FC236}">
-                    <a16:creationId xmlns:a16="http://schemas.microsoft.com/office/drawing/2014/main" id="{61C23916-A406-8D82-834C-4944CC8ACA8C}"/>
-                  </a:ext>
-                </a:extLst>
-              </p:cNvPr>
-              <p:cNvPicPr/>
-              <p:nvPr/>
-            </p:nvPicPr>
-            <p:blipFill>
-              <a:blip r:embed="rId41"/>
-              <a:stretch>
-                <a:fillRect/>
-              </a:stretch>
-            </p:blipFill>
-            <p:spPr>
-              <a:xfrm>
-                <a:off x="8690352" y="2336612"/>
-                <a:ext cx="371160" cy="107280"/>
-              </a:xfrm>
-              <a:prstGeom prst="rect">
-                <a:avLst/>
-              </a:prstGeom>
-            </p:spPr>
-          </p:pic>
-        </mc:Fallback>
-      </mc:AlternateContent>
-      <mc:AlternateContent xmlns:mc="http://schemas.openxmlformats.org/markup-compatibility/2006">
-        <mc:Choice xmlns:p14="http://schemas.microsoft.com/office/powerpoint/2010/main" Requires="p14">
-          <p:contentPart p14:bwMode="auto" r:id="rId42">
-            <p14:nvContentPartPr>
-              <p14:cNvPr id="29" name="Input penna 28">
-                <a:extLst>
-                  <a:ext uri="{FF2B5EF4-FFF2-40B4-BE49-F238E27FC236}">
-                    <a16:creationId xmlns:a16="http://schemas.microsoft.com/office/drawing/2014/main" id="{6708B7C8-3665-4BCC-4F50-5D6FE683095D}"/>
-                  </a:ext>
-                </a:extLst>
-              </p14:cNvPr>
-              <p14:cNvContentPartPr/>
-              <p14:nvPr/>
-            </p14:nvContentPartPr>
-            <p14:xfrm>
-              <a:off x="8844072" y="2175332"/>
-              <a:ext cx="133200" cy="347400"/>
-            </p14:xfrm>
-          </p:contentPart>
-        </mc:Choice>
-        <mc:Fallback>
-          <p:pic>
-            <p:nvPicPr>
-              <p:cNvPr id="29" name="Input penna 28">
-                <a:extLst>
-                  <a:ext uri="{FF2B5EF4-FFF2-40B4-BE49-F238E27FC236}">
-                    <a16:creationId xmlns:a16="http://schemas.microsoft.com/office/drawing/2014/main" id="{6708B7C8-3665-4BCC-4F50-5D6FE683095D}"/>
-                  </a:ext>
-                </a:extLst>
-              </p:cNvPr>
-              <p:cNvPicPr/>
-              <p:nvPr/>
-            </p:nvPicPr>
-            <p:blipFill>
-              <a:blip r:embed="rId43"/>
-              <a:stretch>
-                <a:fillRect/>
-              </a:stretch>
-            </p:blipFill>
-            <p:spPr>
-              <a:xfrm>
-                <a:off x="8826072" y="2157692"/>
-                <a:ext cx="168840" cy="383040"/>
-              </a:xfrm>
-              <a:prstGeom prst="rect">
-                <a:avLst/>
-              </a:prstGeom>
-            </p:spPr>
-          </p:pic>
-        </mc:Fallback>
-      </mc:AlternateContent>
-      <mc:AlternateContent xmlns:mc="http://schemas.openxmlformats.org/markup-compatibility/2006">
-        <mc:Choice xmlns:p14="http://schemas.microsoft.com/office/powerpoint/2010/main" Requires="p14">
-          <p:contentPart p14:bwMode="auto" r:id="rId44">
-            <p14:nvContentPartPr>
-              <p14:cNvPr id="39" name="Input penna 38">
-                <a:extLst>
-                  <a:ext uri="{FF2B5EF4-FFF2-40B4-BE49-F238E27FC236}">
-                    <a16:creationId xmlns:a16="http://schemas.microsoft.com/office/drawing/2014/main" id="{05EA49BB-2621-6135-1B28-1834C7601F10}"/>
-                  </a:ext>
-                </a:extLst>
-              </p14:cNvPr>
-              <p14:cNvContentPartPr/>
-              <p14:nvPr/>
-            </p14:nvContentPartPr>
-            <p14:xfrm>
-              <a:off x="9323232" y="1835132"/>
-              <a:ext cx="348480" cy="938880"/>
-            </p14:xfrm>
-          </p:contentPart>
-        </mc:Choice>
-        <mc:Fallback>
-          <p:pic>
-            <p:nvPicPr>
-              <p:cNvPr id="39" name="Input penna 38">
-                <a:extLst>
-                  <a:ext uri="{FF2B5EF4-FFF2-40B4-BE49-F238E27FC236}">
-                    <a16:creationId xmlns:a16="http://schemas.microsoft.com/office/drawing/2014/main" id="{05EA49BB-2621-6135-1B28-1834C7601F10}"/>
-                  </a:ext>
-                </a:extLst>
-              </p:cNvPr>
-              <p:cNvPicPr/>
-              <p:nvPr/>
-            </p:nvPicPr>
-            <p:blipFill>
-              <a:blip r:embed="rId45"/>
-              <a:stretch>
-                <a:fillRect/>
-              </a:stretch>
-            </p:blipFill>
-            <p:spPr>
-              <a:xfrm>
-                <a:off x="9305232" y="1817132"/>
-                <a:ext cx="384120" cy="974520"/>
-              </a:xfrm>
-              <a:prstGeom prst="rect">
-                <a:avLst/>
-              </a:prstGeom>
-            </p:spPr>
-          </p:pic>
-        </mc:Fallback>
-      </mc:AlternateContent>
-      <p:grpSp>
-        <p:nvGrpSpPr>
-          <p:cNvPr id="65" name="Gruppo 64">
-            <a:extLst>
-              <a:ext uri="{FF2B5EF4-FFF2-40B4-BE49-F238E27FC236}">
-                <a16:creationId xmlns:a16="http://schemas.microsoft.com/office/drawing/2014/main" id="{7947CABB-36E1-E060-4D57-75D8345246F3}"/>
-              </a:ext>
-            </a:extLst>
-          </p:cNvPr>
-          <p:cNvGrpSpPr/>
-          <p:nvPr/>
-        </p:nvGrpSpPr>
-        <p:grpSpPr>
-          <a:xfrm>
-            <a:off x="6722724" y="2997980"/>
-            <a:ext cx="2421360" cy="912960"/>
-            <a:chOff x="6722724" y="2997980"/>
-            <a:chExt cx="2421360" cy="912960"/>
-          </a:xfrm>
-        </p:grpSpPr>
-        <mc:AlternateContent xmlns:mc="http://schemas.openxmlformats.org/markup-compatibility/2006">
-          <mc:Choice xmlns:p14="http://schemas.microsoft.com/office/powerpoint/2010/main" Requires="p14">
-            <p:contentPart p14:bwMode="auto" r:id="rId46">
-              <p14:nvContentPartPr>
-                <p14:cNvPr id="40" name="Input penna 39">
-                  <a:extLst>
-                    <a:ext uri="{FF2B5EF4-FFF2-40B4-BE49-F238E27FC236}">
-                      <a16:creationId xmlns:a16="http://schemas.microsoft.com/office/drawing/2014/main" id="{6C7BDB62-73CD-79C2-C5BD-B5B258BB5461}"/>
-                    </a:ext>
-                  </a:extLst>
-                </p14:cNvPr>
-                <p14:cNvContentPartPr/>
-                <p14:nvPr/>
-              </p14:nvContentPartPr>
-              <p14:xfrm>
-                <a:off x="6722724" y="3036500"/>
-                <a:ext cx="275400" cy="389520"/>
-              </p14:xfrm>
-            </p:contentPart>
-          </mc:Choice>
-          <mc:Fallback>
-            <p:pic>
-              <p:nvPicPr>
-                <p:cNvPr id="40" name="Input penna 39">
-                  <a:extLst>
-                    <a:ext uri="{FF2B5EF4-FFF2-40B4-BE49-F238E27FC236}">
-                      <a16:creationId xmlns:a16="http://schemas.microsoft.com/office/drawing/2014/main" id="{6C7BDB62-73CD-79C2-C5BD-B5B258BB5461}"/>
-                    </a:ext>
-                  </a:extLst>
-                </p:cNvPr>
-                <p:cNvPicPr/>
-                <p:nvPr/>
-              </p:nvPicPr>
-              <p:blipFill>
-                <a:blip r:embed="rId47"/>
-                <a:stretch>
-                  <a:fillRect/>
-                </a:stretch>
-              </p:blipFill>
-              <p:spPr>
-                <a:xfrm>
-                  <a:off x="6704724" y="3018860"/>
-                  <a:ext cx="311040" cy="425160"/>
-                </a:xfrm>
-                <a:prstGeom prst="rect">
-                  <a:avLst/>
-                </a:prstGeom>
-              </p:spPr>
-            </p:pic>
-          </mc:Fallback>
-        </mc:AlternateContent>
-        <mc:AlternateContent xmlns:mc="http://schemas.openxmlformats.org/markup-compatibility/2006">
-          <mc:Choice xmlns:p14="http://schemas.microsoft.com/office/powerpoint/2010/main" Requires="p14">
-            <p:contentPart p14:bwMode="auto" r:id="rId48">
-              <p14:nvContentPartPr>
-                <p14:cNvPr id="41" name="Input penna 40">
-                  <a:extLst>
-                    <a:ext uri="{FF2B5EF4-FFF2-40B4-BE49-F238E27FC236}">
-                      <a16:creationId xmlns:a16="http://schemas.microsoft.com/office/drawing/2014/main" id="{6D4167FF-7149-45E3-725A-C2E36689C694}"/>
-                    </a:ext>
-                  </a:extLst>
-                </p14:cNvPr>
-                <p14:cNvContentPartPr/>
-                <p14:nvPr/>
-              </p14:nvContentPartPr>
-              <p14:xfrm>
-                <a:off x="6759444" y="3257540"/>
-                <a:ext cx="159480" cy="20520"/>
-              </p14:xfrm>
-            </p:contentPart>
-          </mc:Choice>
-          <mc:Fallback>
-            <p:pic>
-              <p:nvPicPr>
-                <p:cNvPr id="41" name="Input penna 40">
-                  <a:extLst>
-                    <a:ext uri="{FF2B5EF4-FFF2-40B4-BE49-F238E27FC236}">
-                      <a16:creationId xmlns:a16="http://schemas.microsoft.com/office/drawing/2014/main" id="{6D4167FF-7149-45E3-725A-C2E36689C694}"/>
-                    </a:ext>
-                  </a:extLst>
-                </p:cNvPr>
-                <p:cNvPicPr/>
-                <p:nvPr/>
-              </p:nvPicPr>
-              <p:blipFill>
-                <a:blip r:embed="rId49"/>
-                <a:stretch>
-                  <a:fillRect/>
-                </a:stretch>
-              </p:blipFill>
-              <p:spPr>
-                <a:xfrm>
-                  <a:off x="6741444" y="3239540"/>
-                  <a:ext cx="195120" cy="56160"/>
-                </a:xfrm>
-                <a:prstGeom prst="rect">
-                  <a:avLst/>
-                </a:prstGeom>
-              </p:spPr>
-            </p:pic>
-          </mc:Fallback>
-        </mc:AlternateContent>
-        <mc:AlternateContent xmlns:mc="http://schemas.openxmlformats.org/markup-compatibility/2006">
-          <mc:Choice xmlns:p14="http://schemas.microsoft.com/office/powerpoint/2010/main" Requires="p14">
-            <p:contentPart p14:bwMode="auto" r:id="rId50">
-              <p14:nvContentPartPr>
-                <p14:cNvPr id="42" name="Input penna 41">
-                  <a:extLst>
-                    <a:ext uri="{FF2B5EF4-FFF2-40B4-BE49-F238E27FC236}">
-                      <a16:creationId xmlns:a16="http://schemas.microsoft.com/office/drawing/2014/main" id="{3E8BFD4A-27DB-5554-EC36-0E98BA9D4525}"/>
-                    </a:ext>
-                  </a:extLst>
-                </p14:cNvPr>
-                <p14:cNvContentPartPr/>
-                <p14:nvPr/>
-              </p14:nvContentPartPr>
-              <p14:xfrm>
-                <a:off x="7075884" y="3095900"/>
-                <a:ext cx="32760" cy="285120"/>
-              </p14:xfrm>
-            </p:contentPart>
-          </mc:Choice>
-          <mc:Fallback>
-            <p:pic>
-              <p:nvPicPr>
-                <p:cNvPr id="42" name="Input penna 41">
-                  <a:extLst>
-                    <a:ext uri="{FF2B5EF4-FFF2-40B4-BE49-F238E27FC236}">
-                      <a16:creationId xmlns:a16="http://schemas.microsoft.com/office/drawing/2014/main" id="{3E8BFD4A-27DB-5554-EC36-0E98BA9D4525}"/>
-                    </a:ext>
-                  </a:extLst>
-                </p:cNvPr>
-                <p:cNvPicPr/>
-                <p:nvPr/>
-              </p:nvPicPr>
-              <p:blipFill>
-                <a:blip r:embed="rId51"/>
-                <a:stretch>
-                  <a:fillRect/>
-                </a:stretch>
-              </p:blipFill>
-              <p:spPr>
-                <a:xfrm>
-                  <a:off x="7058244" y="3078260"/>
-                  <a:ext cx="68400" cy="320760"/>
-                </a:xfrm>
-                <a:prstGeom prst="rect">
-                  <a:avLst/>
-                </a:prstGeom>
-              </p:spPr>
-            </p:pic>
-          </mc:Fallback>
-        </mc:AlternateContent>
-        <mc:AlternateContent xmlns:mc="http://schemas.openxmlformats.org/markup-compatibility/2006">
-          <mc:Choice xmlns:p14="http://schemas.microsoft.com/office/powerpoint/2010/main" Requires="p14">
-            <p:contentPart p14:bwMode="auto" r:id="rId52">
-              <p14:nvContentPartPr>
-                <p14:cNvPr id="43" name="Input penna 42">
-                  <a:extLst>
-                    <a:ext uri="{FF2B5EF4-FFF2-40B4-BE49-F238E27FC236}">
-                      <a16:creationId xmlns:a16="http://schemas.microsoft.com/office/drawing/2014/main" id="{20659B41-7B22-EBEF-B33B-FD97BD6876E1}"/>
-                    </a:ext>
-                  </a:extLst>
-                </p14:cNvPr>
-                <p14:cNvContentPartPr/>
-                <p14:nvPr/>
-              </p14:nvContentPartPr>
-              <p14:xfrm>
-                <a:off x="7033044" y="3059180"/>
-                <a:ext cx="267840" cy="350640"/>
-              </p14:xfrm>
-            </p:contentPart>
-          </mc:Choice>
-          <mc:Fallback>
-            <p:pic>
-              <p:nvPicPr>
-                <p:cNvPr id="43" name="Input penna 42">
-                  <a:extLst>
-                    <a:ext uri="{FF2B5EF4-FFF2-40B4-BE49-F238E27FC236}">
-                      <a16:creationId xmlns:a16="http://schemas.microsoft.com/office/drawing/2014/main" id="{20659B41-7B22-EBEF-B33B-FD97BD6876E1}"/>
-                    </a:ext>
-                  </a:extLst>
-                </p:cNvPr>
-                <p:cNvPicPr/>
-                <p:nvPr/>
-              </p:nvPicPr>
-              <p:blipFill>
-                <a:blip r:embed="rId53"/>
-                <a:stretch>
-                  <a:fillRect/>
-                </a:stretch>
-              </p:blipFill>
-              <p:spPr>
-                <a:xfrm>
-                  <a:off x="7015404" y="3041180"/>
-                  <a:ext cx="303480" cy="386280"/>
-                </a:xfrm>
-                <a:prstGeom prst="rect">
-                  <a:avLst/>
-                </a:prstGeom>
-              </p:spPr>
-            </p:pic>
-          </mc:Fallback>
-        </mc:AlternateContent>
-        <mc:AlternateContent xmlns:mc="http://schemas.openxmlformats.org/markup-compatibility/2006">
-          <mc:Choice xmlns:p14="http://schemas.microsoft.com/office/powerpoint/2010/main" Requires="p14">
-            <p:contentPart p14:bwMode="auto" r:id="rId54">
-              <p14:nvContentPartPr>
-                <p14:cNvPr id="44" name="Input penna 43">
-                  <a:extLst>
-                    <a:ext uri="{FF2B5EF4-FFF2-40B4-BE49-F238E27FC236}">
-                      <a16:creationId xmlns:a16="http://schemas.microsoft.com/office/drawing/2014/main" id="{81F1278D-DF2D-CBA3-F438-3976642B6B4A}"/>
-                    </a:ext>
-                  </a:extLst>
-                </p14:cNvPr>
-                <p14:cNvContentPartPr/>
-                <p14:nvPr/>
-              </p14:nvContentPartPr>
-              <p14:xfrm>
-                <a:off x="7358844" y="3116420"/>
-                <a:ext cx="249120" cy="316440"/>
-              </p14:xfrm>
-            </p:contentPart>
-          </mc:Choice>
-          <mc:Fallback>
-            <p:pic>
-              <p:nvPicPr>
-                <p:cNvPr id="44" name="Input penna 43">
-                  <a:extLst>
-                    <a:ext uri="{FF2B5EF4-FFF2-40B4-BE49-F238E27FC236}">
-                      <a16:creationId xmlns:a16="http://schemas.microsoft.com/office/drawing/2014/main" id="{81F1278D-DF2D-CBA3-F438-3976642B6B4A}"/>
-                    </a:ext>
-                  </a:extLst>
-                </p:cNvPr>
-                <p:cNvPicPr/>
-                <p:nvPr/>
-              </p:nvPicPr>
-              <p:blipFill>
-                <a:blip r:embed="rId55"/>
-                <a:stretch>
-                  <a:fillRect/>
-                </a:stretch>
-              </p:blipFill>
-              <p:spPr>
-                <a:xfrm>
-                  <a:off x="7341204" y="3098780"/>
-                  <a:ext cx="284760" cy="352080"/>
-                </a:xfrm>
-                <a:prstGeom prst="rect">
-                  <a:avLst/>
-                </a:prstGeom>
-              </p:spPr>
-            </p:pic>
-          </mc:Fallback>
-        </mc:AlternateContent>
-        <mc:AlternateContent xmlns:mc="http://schemas.openxmlformats.org/markup-compatibility/2006">
-          <mc:Choice xmlns:p14="http://schemas.microsoft.com/office/powerpoint/2010/main" Requires="p14">
-            <p:contentPart p14:bwMode="auto" r:id="rId56">
-              <p14:nvContentPartPr>
-                <p14:cNvPr id="45" name="Input penna 44">
-                  <a:extLst>
-                    <a:ext uri="{FF2B5EF4-FFF2-40B4-BE49-F238E27FC236}">
-                      <a16:creationId xmlns:a16="http://schemas.microsoft.com/office/drawing/2014/main" id="{2BAA97D7-E0ED-C1BC-A676-7BBED62613BF}"/>
-                    </a:ext>
-                  </a:extLst>
-                </p14:cNvPr>
-                <p14:cNvContentPartPr/>
-                <p14:nvPr/>
-              </p14:nvContentPartPr>
-              <p14:xfrm>
-                <a:off x="7600404" y="3042620"/>
-                <a:ext cx="275760" cy="338760"/>
-              </p14:xfrm>
-            </p:contentPart>
-          </mc:Choice>
-          <mc:Fallback>
-            <p:pic>
-              <p:nvPicPr>
-                <p:cNvPr id="45" name="Input penna 44">
-                  <a:extLst>
-                    <a:ext uri="{FF2B5EF4-FFF2-40B4-BE49-F238E27FC236}">
-                      <a16:creationId xmlns:a16="http://schemas.microsoft.com/office/drawing/2014/main" id="{2BAA97D7-E0ED-C1BC-A676-7BBED62613BF}"/>
-                    </a:ext>
-                  </a:extLst>
-                </p:cNvPr>
-                <p:cNvPicPr/>
-                <p:nvPr/>
-              </p:nvPicPr>
-              <p:blipFill>
-                <a:blip r:embed="rId57"/>
-                <a:stretch>
-                  <a:fillRect/>
-                </a:stretch>
-              </p:blipFill>
-              <p:spPr>
-                <a:xfrm>
-                  <a:off x="7582404" y="3024620"/>
-                  <a:ext cx="311400" cy="374400"/>
-                </a:xfrm>
-                <a:prstGeom prst="rect">
-                  <a:avLst/>
-                </a:prstGeom>
-              </p:spPr>
-            </p:pic>
-          </mc:Fallback>
-        </mc:AlternateContent>
-        <mc:AlternateContent xmlns:mc="http://schemas.openxmlformats.org/markup-compatibility/2006">
-          <mc:Choice xmlns:p14="http://schemas.microsoft.com/office/powerpoint/2010/main" Requires="p14">
-            <p:contentPart p14:bwMode="auto" r:id="rId58">
-              <p14:nvContentPartPr>
-                <p14:cNvPr id="46" name="Input penna 45">
-                  <a:extLst>
-                    <a:ext uri="{FF2B5EF4-FFF2-40B4-BE49-F238E27FC236}">
-                      <a16:creationId xmlns:a16="http://schemas.microsoft.com/office/drawing/2014/main" id="{F1BED565-1562-F75C-3CC7-B47AE63E0C3B}"/>
-                    </a:ext>
-                  </a:extLst>
-                </p14:cNvPr>
-                <p14:cNvContentPartPr/>
-                <p14:nvPr/>
-              </p14:nvContentPartPr>
-              <p14:xfrm>
-                <a:off x="7925844" y="3076460"/>
-                <a:ext cx="190800" cy="292680"/>
-              </p14:xfrm>
-            </p:contentPart>
-          </mc:Choice>
-          <mc:Fallback>
-            <p:pic>
-              <p:nvPicPr>
-                <p:cNvPr id="46" name="Input penna 45">
-                  <a:extLst>
-                    <a:ext uri="{FF2B5EF4-FFF2-40B4-BE49-F238E27FC236}">
-                      <a16:creationId xmlns:a16="http://schemas.microsoft.com/office/drawing/2014/main" id="{F1BED565-1562-F75C-3CC7-B47AE63E0C3B}"/>
-                    </a:ext>
-                  </a:extLst>
-                </p:cNvPr>
-                <p:cNvPicPr/>
-                <p:nvPr/>
-              </p:nvPicPr>
-              <p:blipFill>
-                <a:blip r:embed="rId59"/>
-                <a:stretch>
-                  <a:fillRect/>
-                </a:stretch>
-              </p:blipFill>
-              <p:spPr>
-                <a:xfrm>
-                  <a:off x="7908204" y="3058460"/>
-                  <a:ext cx="226440" cy="328320"/>
-                </a:xfrm>
-                <a:prstGeom prst="rect">
-                  <a:avLst/>
-                </a:prstGeom>
-              </p:spPr>
-            </p:pic>
-          </mc:Fallback>
-        </mc:AlternateContent>
-        <mc:AlternateContent xmlns:mc="http://schemas.openxmlformats.org/markup-compatibility/2006">
-          <mc:Choice xmlns:p14="http://schemas.microsoft.com/office/powerpoint/2010/main" Requires="p14">
-            <p:contentPart p14:bwMode="auto" r:id="rId60">
-              <p14:nvContentPartPr>
-                <p14:cNvPr id="47" name="Input penna 46">
-                  <a:extLst>
-                    <a:ext uri="{FF2B5EF4-FFF2-40B4-BE49-F238E27FC236}">
-                      <a16:creationId xmlns:a16="http://schemas.microsoft.com/office/drawing/2014/main" id="{A2114B21-E3BF-6C4E-5ACC-D20F88849F1B}"/>
-                    </a:ext>
-                  </a:extLst>
-                </p14:cNvPr>
-                <p14:cNvContentPartPr/>
-                <p14:nvPr/>
-              </p14:nvContentPartPr>
-              <p14:xfrm>
-                <a:off x="8171364" y="2997980"/>
-                <a:ext cx="588600" cy="337680"/>
-              </p14:xfrm>
-            </p:contentPart>
-          </mc:Choice>
-          <mc:Fallback>
-            <p:pic>
-              <p:nvPicPr>
-                <p:cNvPr id="47" name="Input penna 46">
-                  <a:extLst>
-                    <a:ext uri="{FF2B5EF4-FFF2-40B4-BE49-F238E27FC236}">
-                      <a16:creationId xmlns:a16="http://schemas.microsoft.com/office/drawing/2014/main" id="{A2114B21-E3BF-6C4E-5ACC-D20F88849F1B}"/>
-                    </a:ext>
-                  </a:extLst>
-                </p:cNvPr>
-                <p:cNvPicPr/>
-                <p:nvPr/>
-              </p:nvPicPr>
-              <p:blipFill>
-                <a:blip r:embed="rId61"/>
-                <a:stretch>
-                  <a:fillRect/>
-                </a:stretch>
-              </p:blipFill>
-              <p:spPr>
-                <a:xfrm>
-                  <a:off x="8153724" y="2979980"/>
-                  <a:ext cx="624240" cy="373320"/>
-                </a:xfrm>
-                <a:prstGeom prst="rect">
-                  <a:avLst/>
-                </a:prstGeom>
-              </p:spPr>
-            </p:pic>
-          </mc:Fallback>
-        </mc:AlternateContent>
-        <mc:AlternateContent xmlns:mc="http://schemas.openxmlformats.org/markup-compatibility/2006">
-          <mc:Choice xmlns:p14="http://schemas.microsoft.com/office/powerpoint/2010/main" Requires="p14">
-            <p:contentPart p14:bwMode="auto" r:id="rId62">
-              <p14:nvContentPartPr>
-                <p14:cNvPr id="48" name="Input penna 47">
-                  <a:extLst>
-                    <a:ext uri="{FF2B5EF4-FFF2-40B4-BE49-F238E27FC236}">
-                      <a16:creationId xmlns:a16="http://schemas.microsoft.com/office/drawing/2014/main" id="{38DFFACA-55DA-A90E-152F-64F4C2D28D27}"/>
-                    </a:ext>
-                  </a:extLst>
-                </p14:cNvPr>
-                <p14:cNvContentPartPr/>
-                <p14:nvPr/>
-              </p14:nvContentPartPr>
-              <p14:xfrm>
-                <a:off x="8542164" y="3071420"/>
-                <a:ext cx="21960" cy="326880"/>
-              </p14:xfrm>
-            </p:contentPart>
-          </mc:Choice>
-          <mc:Fallback>
-            <p:pic>
-              <p:nvPicPr>
-                <p:cNvPr id="48" name="Input penna 47">
-                  <a:extLst>
-                    <a:ext uri="{FF2B5EF4-FFF2-40B4-BE49-F238E27FC236}">
-                      <a16:creationId xmlns:a16="http://schemas.microsoft.com/office/drawing/2014/main" id="{38DFFACA-55DA-A90E-152F-64F4C2D28D27}"/>
-                    </a:ext>
-                  </a:extLst>
-                </p:cNvPr>
-                <p:cNvPicPr/>
-                <p:nvPr/>
-              </p:nvPicPr>
-              <p:blipFill>
-                <a:blip r:embed="rId63"/>
-                <a:stretch>
-                  <a:fillRect/>
-                </a:stretch>
-              </p:blipFill>
-              <p:spPr>
-                <a:xfrm>
-                  <a:off x="8524524" y="3053420"/>
-                  <a:ext cx="57600" cy="362520"/>
-                </a:xfrm>
-                <a:prstGeom prst="rect">
-                  <a:avLst/>
-                </a:prstGeom>
-              </p:spPr>
-            </p:pic>
-          </mc:Fallback>
-        </mc:AlternateContent>
-        <mc:AlternateContent xmlns:mc="http://schemas.openxmlformats.org/markup-compatibility/2006">
-          <mc:Choice xmlns:p14="http://schemas.microsoft.com/office/powerpoint/2010/main" Requires="p14">
-            <p:contentPart p14:bwMode="auto" r:id="rId64">
-              <p14:nvContentPartPr>
-                <p14:cNvPr id="49" name="Input penna 48">
-                  <a:extLst>
-                    <a:ext uri="{FF2B5EF4-FFF2-40B4-BE49-F238E27FC236}">
-                      <a16:creationId xmlns:a16="http://schemas.microsoft.com/office/drawing/2014/main" id="{2245F15F-A65F-B530-5D84-C47308190B95}"/>
-                    </a:ext>
-                  </a:extLst>
-                </p14:cNvPr>
-                <p14:cNvContentPartPr/>
-                <p14:nvPr/>
-              </p14:nvContentPartPr>
-              <p14:xfrm>
-                <a:off x="8694804" y="3120020"/>
-                <a:ext cx="189360" cy="261720"/>
-              </p14:xfrm>
-            </p:contentPart>
-          </mc:Choice>
-          <mc:Fallback>
-            <p:pic>
-              <p:nvPicPr>
-                <p:cNvPr id="49" name="Input penna 48">
-                  <a:extLst>
-                    <a:ext uri="{FF2B5EF4-FFF2-40B4-BE49-F238E27FC236}">
-                      <a16:creationId xmlns:a16="http://schemas.microsoft.com/office/drawing/2014/main" id="{2245F15F-A65F-B530-5D84-C47308190B95}"/>
-                    </a:ext>
-                  </a:extLst>
-                </p:cNvPr>
-                <p:cNvPicPr/>
-                <p:nvPr/>
-              </p:nvPicPr>
-              <p:blipFill>
-                <a:blip r:embed="rId65"/>
-                <a:stretch>
-                  <a:fillRect/>
-                </a:stretch>
-              </p:blipFill>
-              <p:spPr>
-                <a:xfrm>
-                  <a:off x="8676804" y="3102380"/>
-                  <a:ext cx="225000" cy="297360"/>
-                </a:xfrm>
-                <a:prstGeom prst="rect">
-                  <a:avLst/>
-                </a:prstGeom>
-              </p:spPr>
-            </p:pic>
-          </mc:Fallback>
-        </mc:AlternateContent>
-        <mc:AlternateContent xmlns:mc="http://schemas.openxmlformats.org/markup-compatibility/2006">
-          <mc:Choice xmlns:p14="http://schemas.microsoft.com/office/powerpoint/2010/main" Requires="p14">
-            <p:contentPart p14:bwMode="auto" r:id="rId66">
-              <p14:nvContentPartPr>
-                <p14:cNvPr id="50" name="Input penna 49">
-                  <a:extLst>
-                    <a:ext uri="{FF2B5EF4-FFF2-40B4-BE49-F238E27FC236}">
-                      <a16:creationId xmlns:a16="http://schemas.microsoft.com/office/drawing/2014/main" id="{1513802A-BEBB-C9E7-1043-2915CE4147DA}"/>
-                    </a:ext>
-                  </a:extLst>
-                </p14:cNvPr>
-                <p14:cNvContentPartPr/>
-                <p14:nvPr/>
-              </p14:nvContentPartPr>
-              <p14:xfrm>
-                <a:off x="8659164" y="3213620"/>
-                <a:ext cx="232560" cy="30960"/>
-              </p14:xfrm>
-            </p:contentPart>
-          </mc:Choice>
-          <mc:Fallback>
-            <p:pic>
-              <p:nvPicPr>
-                <p:cNvPr id="50" name="Input penna 49">
-                  <a:extLst>
-                    <a:ext uri="{FF2B5EF4-FFF2-40B4-BE49-F238E27FC236}">
-                      <a16:creationId xmlns:a16="http://schemas.microsoft.com/office/drawing/2014/main" id="{1513802A-BEBB-C9E7-1043-2915CE4147DA}"/>
-                    </a:ext>
-                  </a:extLst>
-                </p:cNvPr>
-                <p:cNvPicPr/>
-                <p:nvPr/>
-              </p:nvPicPr>
-              <p:blipFill>
-                <a:blip r:embed="rId67"/>
-                <a:stretch>
-                  <a:fillRect/>
-                </a:stretch>
-              </p:blipFill>
-              <p:spPr>
-                <a:xfrm>
-                  <a:off x="8641164" y="3195980"/>
-                  <a:ext cx="268200" cy="66600"/>
-                </a:xfrm>
-                <a:prstGeom prst="rect">
-                  <a:avLst/>
-                </a:prstGeom>
-              </p:spPr>
-            </p:pic>
-          </mc:Fallback>
-        </mc:AlternateContent>
-        <mc:AlternateContent xmlns:mc="http://schemas.openxmlformats.org/markup-compatibility/2006">
-          <mc:Choice xmlns:p14="http://schemas.microsoft.com/office/powerpoint/2010/main" Requires="p14">
-            <p:contentPart p14:bwMode="auto" r:id="rId68">
-              <p14:nvContentPartPr>
-                <p14:cNvPr id="51" name="Input penna 50">
-                  <a:extLst>
-                    <a:ext uri="{FF2B5EF4-FFF2-40B4-BE49-F238E27FC236}">
-                      <a16:creationId xmlns:a16="http://schemas.microsoft.com/office/drawing/2014/main" id="{9C971828-DD48-911D-BE51-91166D249A72}"/>
-                    </a:ext>
-                  </a:extLst>
-                </p14:cNvPr>
-                <p14:cNvContentPartPr/>
-                <p14:nvPr/>
-              </p14:nvContentPartPr>
-              <p14:xfrm>
-                <a:off x="8735484" y="3096620"/>
-                <a:ext cx="225720" cy="6480"/>
-              </p14:xfrm>
-            </p:contentPart>
-          </mc:Choice>
-          <mc:Fallback>
-            <p:pic>
-              <p:nvPicPr>
-                <p:cNvPr id="51" name="Input penna 50">
-                  <a:extLst>
-                    <a:ext uri="{FF2B5EF4-FFF2-40B4-BE49-F238E27FC236}">
-                      <a16:creationId xmlns:a16="http://schemas.microsoft.com/office/drawing/2014/main" id="{9C971828-DD48-911D-BE51-91166D249A72}"/>
-                    </a:ext>
-                  </a:extLst>
-                </p:cNvPr>
-                <p:cNvPicPr/>
-                <p:nvPr/>
-              </p:nvPicPr>
-              <p:blipFill>
-                <a:blip r:embed="rId69"/>
-                <a:stretch>
-                  <a:fillRect/>
-                </a:stretch>
-              </p:blipFill>
-              <p:spPr>
-                <a:xfrm>
-                  <a:off x="8717484" y="3078620"/>
-                  <a:ext cx="261360" cy="42120"/>
-                </a:xfrm>
-                <a:prstGeom prst="rect">
-                  <a:avLst/>
-                </a:prstGeom>
-              </p:spPr>
-            </p:pic>
-          </mc:Fallback>
-        </mc:AlternateContent>
-        <mc:AlternateContent xmlns:mc="http://schemas.openxmlformats.org/markup-compatibility/2006">
-          <mc:Choice xmlns:p14="http://schemas.microsoft.com/office/powerpoint/2010/main" Requires="p14">
-            <p:contentPart p14:bwMode="auto" r:id="rId70">
-              <p14:nvContentPartPr>
-                <p14:cNvPr id="53" name="Input penna 52">
-                  <a:extLst>
-                    <a:ext uri="{FF2B5EF4-FFF2-40B4-BE49-F238E27FC236}">
-                      <a16:creationId xmlns:a16="http://schemas.microsoft.com/office/drawing/2014/main" id="{CDBB68DB-25AC-5D84-0879-1E5033694324}"/>
-                    </a:ext>
-                  </a:extLst>
-                </p14:cNvPr>
-                <p14:cNvContentPartPr/>
-                <p14:nvPr/>
-              </p14:nvContentPartPr>
-              <p14:xfrm>
-                <a:off x="6819204" y="3598460"/>
-                <a:ext cx="239400" cy="312480"/>
-              </p14:xfrm>
-            </p:contentPart>
-          </mc:Choice>
-          <mc:Fallback>
-            <p:pic>
-              <p:nvPicPr>
-                <p:cNvPr id="53" name="Input penna 52">
-                  <a:extLst>
-                    <a:ext uri="{FF2B5EF4-FFF2-40B4-BE49-F238E27FC236}">
-                      <a16:creationId xmlns:a16="http://schemas.microsoft.com/office/drawing/2014/main" id="{CDBB68DB-25AC-5D84-0879-1E5033694324}"/>
-                    </a:ext>
-                  </a:extLst>
-                </p:cNvPr>
-                <p:cNvPicPr/>
-                <p:nvPr/>
-              </p:nvPicPr>
-              <p:blipFill>
-                <a:blip r:embed="rId71"/>
-                <a:stretch>
-                  <a:fillRect/>
-                </a:stretch>
-              </p:blipFill>
-              <p:spPr>
-                <a:xfrm>
-                  <a:off x="6801564" y="3580820"/>
-                  <a:ext cx="275040" cy="348120"/>
-                </a:xfrm>
-                <a:prstGeom prst="rect">
-                  <a:avLst/>
-                </a:prstGeom>
-              </p:spPr>
-            </p:pic>
-          </mc:Fallback>
-        </mc:AlternateContent>
-        <mc:AlternateContent xmlns:mc="http://schemas.openxmlformats.org/markup-compatibility/2006">
-          <mc:Choice xmlns:p14="http://schemas.microsoft.com/office/powerpoint/2010/main" Requires="p14">
-            <p:contentPart p14:bwMode="auto" r:id="rId72">
-              <p14:nvContentPartPr>
-                <p14:cNvPr id="54" name="Input penna 53">
-                  <a:extLst>
-                    <a:ext uri="{FF2B5EF4-FFF2-40B4-BE49-F238E27FC236}">
-                      <a16:creationId xmlns:a16="http://schemas.microsoft.com/office/drawing/2014/main" id="{E916D280-37AF-AD6D-9AD5-4C8FE6BE5095}"/>
-                    </a:ext>
-                  </a:extLst>
-                </p14:cNvPr>
-                <p14:cNvContentPartPr/>
-                <p14:nvPr/>
-              </p14:nvContentPartPr>
-              <p14:xfrm>
-                <a:off x="7160484" y="3579380"/>
-                <a:ext cx="167400" cy="265320"/>
-              </p14:xfrm>
-            </p:contentPart>
-          </mc:Choice>
-          <mc:Fallback>
-            <p:pic>
-              <p:nvPicPr>
-                <p:cNvPr id="54" name="Input penna 53">
-                  <a:extLst>
-                    <a:ext uri="{FF2B5EF4-FFF2-40B4-BE49-F238E27FC236}">
-                      <a16:creationId xmlns:a16="http://schemas.microsoft.com/office/drawing/2014/main" id="{E916D280-37AF-AD6D-9AD5-4C8FE6BE5095}"/>
-                    </a:ext>
-                  </a:extLst>
-                </p:cNvPr>
-                <p:cNvPicPr/>
-                <p:nvPr/>
-              </p:nvPicPr>
-              <p:blipFill>
-                <a:blip r:embed="rId73"/>
-                <a:stretch>
-                  <a:fillRect/>
-                </a:stretch>
-              </p:blipFill>
-              <p:spPr>
-                <a:xfrm>
-                  <a:off x="7142484" y="3561740"/>
-                  <a:ext cx="203040" cy="300960"/>
-                </a:xfrm>
-                <a:prstGeom prst="rect">
-                  <a:avLst/>
-                </a:prstGeom>
-              </p:spPr>
-            </p:pic>
-          </mc:Fallback>
-        </mc:AlternateContent>
-        <mc:AlternateContent xmlns:mc="http://schemas.openxmlformats.org/markup-compatibility/2006">
-          <mc:Choice xmlns:p14="http://schemas.microsoft.com/office/powerpoint/2010/main" Requires="p14">
-            <p:contentPart p14:bwMode="auto" r:id="rId74">
-              <p14:nvContentPartPr>
-                <p14:cNvPr id="55" name="Input penna 54">
-                  <a:extLst>
-                    <a:ext uri="{FF2B5EF4-FFF2-40B4-BE49-F238E27FC236}">
-                      <a16:creationId xmlns:a16="http://schemas.microsoft.com/office/drawing/2014/main" id="{41B4705E-CDB0-B655-2A8F-3605B0D3BB5A}"/>
-                    </a:ext>
-                  </a:extLst>
-                </p14:cNvPr>
-                <p14:cNvContentPartPr/>
-                <p14:nvPr/>
-              </p14:nvContentPartPr>
-              <p14:xfrm>
-                <a:off x="7385124" y="3576860"/>
-                <a:ext cx="290520" cy="313920"/>
-              </p14:xfrm>
-            </p:contentPart>
-          </mc:Choice>
-          <mc:Fallback>
-            <p:pic>
-              <p:nvPicPr>
-                <p:cNvPr id="55" name="Input penna 54">
-                  <a:extLst>
-                    <a:ext uri="{FF2B5EF4-FFF2-40B4-BE49-F238E27FC236}">
-                      <a16:creationId xmlns:a16="http://schemas.microsoft.com/office/drawing/2014/main" id="{41B4705E-CDB0-B655-2A8F-3605B0D3BB5A}"/>
-                    </a:ext>
-                  </a:extLst>
-                </p:cNvPr>
-                <p:cNvPicPr/>
-                <p:nvPr/>
-              </p:nvPicPr>
-              <p:blipFill>
-                <a:blip r:embed="rId75"/>
-                <a:stretch>
-                  <a:fillRect/>
-                </a:stretch>
-              </p:blipFill>
-              <p:spPr>
-                <a:xfrm>
-                  <a:off x="7367484" y="3559220"/>
-                  <a:ext cx="326160" cy="349560"/>
-                </a:xfrm>
-                <a:prstGeom prst="rect">
-                  <a:avLst/>
-                </a:prstGeom>
-              </p:spPr>
-            </p:pic>
-          </mc:Fallback>
-        </mc:AlternateContent>
-        <mc:AlternateContent xmlns:mc="http://schemas.openxmlformats.org/markup-compatibility/2006">
-          <mc:Choice xmlns:p14="http://schemas.microsoft.com/office/powerpoint/2010/main" Requires="p14">
-            <p:contentPart p14:bwMode="auto" r:id="rId76">
-              <p14:nvContentPartPr>
-                <p14:cNvPr id="56" name="Input penna 55">
-                  <a:extLst>
-                    <a:ext uri="{FF2B5EF4-FFF2-40B4-BE49-F238E27FC236}">
-                      <a16:creationId xmlns:a16="http://schemas.microsoft.com/office/drawing/2014/main" id="{5D5EAB1C-C522-278F-2DEC-76E19806532D}"/>
-                    </a:ext>
-                  </a:extLst>
-                </p14:cNvPr>
-                <p14:cNvContentPartPr/>
-                <p14:nvPr/>
-              </p14:nvContentPartPr>
-              <p14:xfrm>
-                <a:off x="7628844" y="3587660"/>
-                <a:ext cx="306720" cy="69480"/>
-              </p14:xfrm>
-            </p:contentPart>
-          </mc:Choice>
-          <mc:Fallback>
-            <p:pic>
-              <p:nvPicPr>
-                <p:cNvPr id="56" name="Input penna 55">
-                  <a:extLst>
-                    <a:ext uri="{FF2B5EF4-FFF2-40B4-BE49-F238E27FC236}">
-                      <a16:creationId xmlns:a16="http://schemas.microsoft.com/office/drawing/2014/main" id="{5D5EAB1C-C522-278F-2DEC-76E19806532D}"/>
-                    </a:ext>
-                  </a:extLst>
-                </p:cNvPr>
-                <p:cNvPicPr/>
-                <p:nvPr/>
-              </p:nvPicPr>
-              <p:blipFill>
-                <a:blip r:embed="rId77"/>
-                <a:stretch>
-                  <a:fillRect/>
-                </a:stretch>
-              </p:blipFill>
-              <p:spPr>
-                <a:xfrm>
-                  <a:off x="7610844" y="3569660"/>
-                  <a:ext cx="342360" cy="105120"/>
-                </a:xfrm>
-                <a:prstGeom prst="rect">
-                  <a:avLst/>
-                </a:prstGeom>
-              </p:spPr>
-            </p:pic>
-          </mc:Fallback>
-        </mc:AlternateContent>
-        <mc:AlternateContent xmlns:mc="http://schemas.openxmlformats.org/markup-compatibility/2006">
-          <mc:Choice xmlns:p14="http://schemas.microsoft.com/office/powerpoint/2010/main" Requires="p14">
-            <p:contentPart p14:bwMode="auto" r:id="rId78">
-              <p14:nvContentPartPr>
-                <p14:cNvPr id="57" name="Input penna 56">
-                  <a:extLst>
-                    <a:ext uri="{FF2B5EF4-FFF2-40B4-BE49-F238E27FC236}">
-                      <a16:creationId xmlns:a16="http://schemas.microsoft.com/office/drawing/2014/main" id="{55DFCB22-6845-6076-A66A-AB4AD2785AB1}"/>
-                    </a:ext>
-                  </a:extLst>
-                </p14:cNvPr>
-                <p14:cNvContentPartPr/>
-                <p14:nvPr/>
-              </p14:nvContentPartPr>
-              <p14:xfrm>
-                <a:off x="7790844" y="3608180"/>
-                <a:ext cx="52200" cy="261720"/>
-              </p14:xfrm>
-            </p:contentPart>
-          </mc:Choice>
-          <mc:Fallback>
-            <p:pic>
-              <p:nvPicPr>
-                <p:cNvPr id="57" name="Input penna 56">
-                  <a:extLst>
-                    <a:ext uri="{FF2B5EF4-FFF2-40B4-BE49-F238E27FC236}">
-                      <a16:creationId xmlns:a16="http://schemas.microsoft.com/office/drawing/2014/main" id="{55DFCB22-6845-6076-A66A-AB4AD2785AB1}"/>
-                    </a:ext>
-                  </a:extLst>
-                </p:cNvPr>
-                <p:cNvPicPr/>
-                <p:nvPr/>
-              </p:nvPicPr>
-              <p:blipFill>
-                <a:blip r:embed="rId79"/>
-                <a:stretch>
-                  <a:fillRect/>
-                </a:stretch>
-              </p:blipFill>
-              <p:spPr>
-                <a:xfrm>
-                  <a:off x="7773204" y="3590180"/>
-                  <a:ext cx="87840" cy="297360"/>
-                </a:xfrm>
-                <a:prstGeom prst="rect">
-                  <a:avLst/>
-                </a:prstGeom>
-              </p:spPr>
-            </p:pic>
-          </mc:Fallback>
-        </mc:AlternateContent>
-        <mc:AlternateContent xmlns:mc="http://schemas.openxmlformats.org/markup-compatibility/2006">
-          <mc:Choice xmlns:p14="http://schemas.microsoft.com/office/powerpoint/2010/main" Requires="p14">
-            <p:contentPart p14:bwMode="auto" r:id="rId80">
-              <p14:nvContentPartPr>
-                <p14:cNvPr id="58" name="Input penna 57">
-                  <a:extLst>
-                    <a:ext uri="{FF2B5EF4-FFF2-40B4-BE49-F238E27FC236}">
-                      <a16:creationId xmlns:a16="http://schemas.microsoft.com/office/drawing/2014/main" id="{2271BB7B-885D-FC16-9EBC-43EF4FFF2F9A}"/>
-                    </a:ext>
-                  </a:extLst>
-                </p14:cNvPr>
-                <p14:cNvContentPartPr/>
-                <p14:nvPr/>
-              </p14:nvContentPartPr>
-              <p14:xfrm>
-                <a:off x="7996404" y="3630140"/>
-                <a:ext cx="17280" cy="27000"/>
-              </p14:xfrm>
-            </p:contentPart>
-          </mc:Choice>
-          <mc:Fallback>
-            <p:pic>
-              <p:nvPicPr>
-                <p:cNvPr id="58" name="Input penna 57">
-                  <a:extLst>
-                    <a:ext uri="{FF2B5EF4-FFF2-40B4-BE49-F238E27FC236}">
-                      <a16:creationId xmlns:a16="http://schemas.microsoft.com/office/drawing/2014/main" id="{2271BB7B-885D-FC16-9EBC-43EF4FFF2F9A}"/>
-                    </a:ext>
-                  </a:extLst>
-                </p:cNvPr>
-                <p:cNvPicPr/>
-                <p:nvPr/>
-              </p:nvPicPr>
-              <p:blipFill>
-                <a:blip r:embed="rId81"/>
-                <a:stretch>
-                  <a:fillRect/>
-                </a:stretch>
-              </p:blipFill>
-              <p:spPr>
-                <a:xfrm>
-                  <a:off x="7978764" y="3612500"/>
-                  <a:ext cx="52920" cy="62640"/>
-                </a:xfrm>
-                <a:prstGeom prst="rect">
-                  <a:avLst/>
-                </a:prstGeom>
-              </p:spPr>
-            </p:pic>
-          </mc:Fallback>
-        </mc:AlternateContent>
-        <mc:AlternateContent xmlns:mc="http://schemas.openxmlformats.org/markup-compatibility/2006">
-          <mc:Choice xmlns:p14="http://schemas.microsoft.com/office/powerpoint/2010/main" Requires="p14">
-            <p:contentPart p14:bwMode="auto" r:id="rId82">
-              <p14:nvContentPartPr>
-                <p14:cNvPr id="59" name="Input penna 58">
-                  <a:extLst>
-                    <a:ext uri="{FF2B5EF4-FFF2-40B4-BE49-F238E27FC236}">
-                      <a16:creationId xmlns:a16="http://schemas.microsoft.com/office/drawing/2014/main" id="{404F33CD-38E3-78C8-D501-6FE4FCDE8BFA}"/>
-                    </a:ext>
-                  </a:extLst>
-                </p14:cNvPr>
-                <p14:cNvContentPartPr/>
-                <p14:nvPr/>
-              </p14:nvContentPartPr>
-              <p14:xfrm>
-                <a:off x="8028804" y="3618620"/>
-                <a:ext cx="44640" cy="269280"/>
-              </p14:xfrm>
-            </p:contentPart>
-          </mc:Choice>
-          <mc:Fallback>
-            <p:pic>
-              <p:nvPicPr>
-                <p:cNvPr id="59" name="Input penna 58">
-                  <a:extLst>
-                    <a:ext uri="{FF2B5EF4-FFF2-40B4-BE49-F238E27FC236}">
-                      <a16:creationId xmlns:a16="http://schemas.microsoft.com/office/drawing/2014/main" id="{404F33CD-38E3-78C8-D501-6FE4FCDE8BFA}"/>
-                    </a:ext>
-                  </a:extLst>
-                </p:cNvPr>
-                <p:cNvPicPr/>
-                <p:nvPr/>
-              </p:nvPicPr>
-              <p:blipFill>
-                <a:blip r:embed="rId83"/>
-                <a:stretch>
-                  <a:fillRect/>
-                </a:stretch>
-              </p:blipFill>
-              <p:spPr>
-                <a:xfrm>
-                  <a:off x="8010804" y="3600980"/>
-                  <a:ext cx="80280" cy="304920"/>
-                </a:xfrm>
-                <a:prstGeom prst="rect">
-                  <a:avLst/>
-                </a:prstGeom>
-              </p:spPr>
-            </p:pic>
-          </mc:Fallback>
-        </mc:AlternateContent>
-        <mc:AlternateContent xmlns:mc="http://schemas.openxmlformats.org/markup-compatibility/2006">
-          <mc:Choice xmlns:p14="http://schemas.microsoft.com/office/powerpoint/2010/main" Requires="p14">
-            <p:contentPart p14:bwMode="auto" r:id="rId84">
-              <p14:nvContentPartPr>
-                <p14:cNvPr id="60" name="Input penna 59">
-                  <a:extLst>
-                    <a:ext uri="{FF2B5EF4-FFF2-40B4-BE49-F238E27FC236}">
-                      <a16:creationId xmlns:a16="http://schemas.microsoft.com/office/drawing/2014/main" id="{025CD99A-8DB5-6E90-D7AB-DA613F550827}"/>
-                    </a:ext>
-                  </a:extLst>
-                </p14:cNvPr>
-                <p14:cNvContentPartPr/>
-                <p14:nvPr/>
-              </p14:nvContentPartPr>
-              <p14:xfrm>
-                <a:off x="8198004" y="3575060"/>
-                <a:ext cx="186480" cy="217440"/>
-              </p14:xfrm>
-            </p:contentPart>
-          </mc:Choice>
-          <mc:Fallback>
-            <p:pic>
-              <p:nvPicPr>
-                <p:cNvPr id="60" name="Input penna 59">
-                  <a:extLst>
-                    <a:ext uri="{FF2B5EF4-FFF2-40B4-BE49-F238E27FC236}">
-                      <a16:creationId xmlns:a16="http://schemas.microsoft.com/office/drawing/2014/main" id="{025CD99A-8DB5-6E90-D7AB-DA613F550827}"/>
-                    </a:ext>
-                  </a:extLst>
-                </p:cNvPr>
-                <p:cNvPicPr/>
-                <p:nvPr/>
-              </p:nvPicPr>
-              <p:blipFill>
-                <a:blip r:embed="rId85"/>
-                <a:stretch>
-                  <a:fillRect/>
-                </a:stretch>
-              </p:blipFill>
-              <p:spPr>
-                <a:xfrm>
-                  <a:off x="8180004" y="3557420"/>
-                  <a:ext cx="222120" cy="253080"/>
-                </a:xfrm>
-                <a:prstGeom prst="rect">
-                  <a:avLst/>
-                </a:prstGeom>
-              </p:spPr>
-            </p:pic>
-          </mc:Fallback>
-        </mc:AlternateContent>
-        <mc:AlternateContent xmlns:mc="http://schemas.openxmlformats.org/markup-compatibility/2006">
-          <mc:Choice xmlns:p14="http://schemas.microsoft.com/office/powerpoint/2010/main" Requires="p14">
-            <p:contentPart p14:bwMode="auto" r:id="rId86">
-              <p14:nvContentPartPr>
-                <p14:cNvPr id="61" name="Input penna 60">
-                  <a:extLst>
-                    <a:ext uri="{FF2B5EF4-FFF2-40B4-BE49-F238E27FC236}">
-                      <a16:creationId xmlns:a16="http://schemas.microsoft.com/office/drawing/2014/main" id="{3F3A107A-C5C6-B156-E065-D165B9BAB402}"/>
-                    </a:ext>
-                  </a:extLst>
-                </p14:cNvPr>
-                <p14:cNvContentPartPr/>
-                <p14:nvPr/>
-              </p14:nvContentPartPr>
-              <p14:xfrm>
-                <a:off x="8509044" y="3539780"/>
-                <a:ext cx="60120" cy="280800"/>
-              </p14:xfrm>
-            </p:contentPart>
-          </mc:Choice>
-          <mc:Fallback>
-            <p:pic>
-              <p:nvPicPr>
-                <p:cNvPr id="61" name="Input penna 60">
-                  <a:extLst>
-                    <a:ext uri="{FF2B5EF4-FFF2-40B4-BE49-F238E27FC236}">
-                      <a16:creationId xmlns:a16="http://schemas.microsoft.com/office/drawing/2014/main" id="{3F3A107A-C5C6-B156-E065-D165B9BAB402}"/>
-                    </a:ext>
-                  </a:extLst>
-                </p:cNvPr>
-                <p:cNvPicPr/>
-                <p:nvPr/>
-              </p:nvPicPr>
-              <p:blipFill>
-                <a:blip r:embed="rId87"/>
-                <a:stretch>
-                  <a:fillRect/>
-                </a:stretch>
-              </p:blipFill>
-              <p:spPr>
-                <a:xfrm>
-                  <a:off x="8491044" y="3521780"/>
-                  <a:ext cx="95760" cy="316440"/>
-                </a:xfrm>
-                <a:prstGeom prst="rect">
-                  <a:avLst/>
-                </a:prstGeom>
-              </p:spPr>
-            </p:pic>
-          </mc:Fallback>
-        </mc:AlternateContent>
-        <mc:AlternateContent xmlns:mc="http://schemas.openxmlformats.org/markup-compatibility/2006">
-          <mc:Choice xmlns:p14="http://schemas.microsoft.com/office/powerpoint/2010/main" Requires="p14">
-            <p:contentPart p14:bwMode="auto" r:id="rId88">
-              <p14:nvContentPartPr>
-                <p14:cNvPr id="62" name="Input penna 61">
-                  <a:extLst>
-                    <a:ext uri="{FF2B5EF4-FFF2-40B4-BE49-F238E27FC236}">
-                      <a16:creationId xmlns:a16="http://schemas.microsoft.com/office/drawing/2014/main" id="{CC66657C-D8AC-0BCF-9472-C27F68B961C5}"/>
-                    </a:ext>
-                  </a:extLst>
-                </p14:cNvPr>
-                <p14:cNvContentPartPr/>
-                <p14:nvPr/>
-              </p14:nvContentPartPr>
-              <p14:xfrm>
-                <a:off x="8624244" y="3532580"/>
-                <a:ext cx="276120" cy="51120"/>
-              </p14:xfrm>
-            </p:contentPart>
-          </mc:Choice>
-          <mc:Fallback>
-            <p:pic>
-              <p:nvPicPr>
-                <p:cNvPr id="62" name="Input penna 61">
-                  <a:extLst>
-                    <a:ext uri="{FF2B5EF4-FFF2-40B4-BE49-F238E27FC236}">
-                      <a16:creationId xmlns:a16="http://schemas.microsoft.com/office/drawing/2014/main" id="{CC66657C-D8AC-0BCF-9472-C27F68B961C5}"/>
-                    </a:ext>
-                  </a:extLst>
-                </p:cNvPr>
-                <p:cNvPicPr/>
-                <p:nvPr/>
-              </p:nvPicPr>
-              <p:blipFill>
-                <a:blip r:embed="rId89"/>
-                <a:stretch>
-                  <a:fillRect/>
-                </a:stretch>
-              </p:blipFill>
-              <p:spPr>
-                <a:xfrm>
-                  <a:off x="8606604" y="3514940"/>
-                  <a:ext cx="311760" cy="86760"/>
-                </a:xfrm>
-                <a:prstGeom prst="rect">
-                  <a:avLst/>
-                </a:prstGeom>
-              </p:spPr>
-            </p:pic>
-          </mc:Fallback>
-        </mc:AlternateContent>
-        <mc:AlternateContent xmlns:mc="http://schemas.openxmlformats.org/markup-compatibility/2006">
-          <mc:Choice xmlns:p14="http://schemas.microsoft.com/office/powerpoint/2010/main" Requires="p14">
-            <p:contentPart p14:bwMode="auto" r:id="rId90">
-              <p14:nvContentPartPr>
-                <p14:cNvPr id="63" name="Input penna 62">
-                  <a:extLst>
-                    <a:ext uri="{FF2B5EF4-FFF2-40B4-BE49-F238E27FC236}">
-                      <a16:creationId xmlns:a16="http://schemas.microsoft.com/office/drawing/2014/main" id="{F31794C3-0919-E7C6-95B1-C88C0F7B0F70}"/>
-                    </a:ext>
-                  </a:extLst>
-                </p14:cNvPr>
-                <p14:cNvContentPartPr/>
-                <p14:nvPr/>
-              </p14:nvContentPartPr>
-              <p14:xfrm>
-                <a:off x="8755644" y="3558140"/>
-                <a:ext cx="69840" cy="237960"/>
-              </p14:xfrm>
-            </p:contentPart>
-          </mc:Choice>
-          <mc:Fallback>
-            <p:pic>
-              <p:nvPicPr>
-                <p:cNvPr id="63" name="Input penna 62">
-                  <a:extLst>
-                    <a:ext uri="{FF2B5EF4-FFF2-40B4-BE49-F238E27FC236}">
-                      <a16:creationId xmlns:a16="http://schemas.microsoft.com/office/drawing/2014/main" id="{F31794C3-0919-E7C6-95B1-C88C0F7B0F70}"/>
-                    </a:ext>
-                  </a:extLst>
-                </p:cNvPr>
-                <p:cNvPicPr/>
-                <p:nvPr/>
-              </p:nvPicPr>
-              <p:blipFill>
-                <a:blip r:embed="rId91"/>
-                <a:stretch>
-                  <a:fillRect/>
-                </a:stretch>
-              </p:blipFill>
-              <p:spPr>
-                <a:xfrm>
-                  <a:off x="8737644" y="3540500"/>
-                  <a:ext cx="105480" cy="273600"/>
-                </a:xfrm>
-                <a:prstGeom prst="rect">
-                  <a:avLst/>
-                </a:prstGeom>
-              </p:spPr>
-            </p:pic>
-          </mc:Fallback>
-        </mc:AlternateContent>
-        <mc:AlternateContent xmlns:mc="http://schemas.openxmlformats.org/markup-compatibility/2006">
-          <mc:Choice xmlns:p14="http://schemas.microsoft.com/office/powerpoint/2010/main" Requires="p14">
-            <p:contentPart p14:bwMode="auto" r:id="rId92">
-              <p14:nvContentPartPr>
-                <p14:cNvPr id="64" name="Input penna 63">
-                  <a:extLst>
-                    <a:ext uri="{FF2B5EF4-FFF2-40B4-BE49-F238E27FC236}">
-                      <a16:creationId xmlns:a16="http://schemas.microsoft.com/office/drawing/2014/main" id="{46849673-5638-CC92-40EE-686D972006DA}"/>
-                    </a:ext>
-                  </a:extLst>
-                </p14:cNvPr>
-                <p14:cNvContentPartPr/>
-                <p14:nvPr/>
-              </p14:nvContentPartPr>
-              <p14:xfrm>
-                <a:off x="8954364" y="3491540"/>
-                <a:ext cx="189720" cy="318960"/>
-              </p14:xfrm>
-            </p:contentPart>
-          </mc:Choice>
-          <mc:Fallback>
-            <p:pic>
-              <p:nvPicPr>
-                <p:cNvPr id="64" name="Input penna 63">
-                  <a:extLst>
-                    <a:ext uri="{FF2B5EF4-FFF2-40B4-BE49-F238E27FC236}">
-                      <a16:creationId xmlns:a16="http://schemas.microsoft.com/office/drawing/2014/main" id="{46849673-5638-CC92-40EE-686D972006DA}"/>
-                    </a:ext>
-                  </a:extLst>
-                </p:cNvPr>
-                <p:cNvPicPr/>
-                <p:nvPr/>
-              </p:nvPicPr>
-              <p:blipFill>
-                <a:blip r:embed="rId93"/>
-                <a:stretch>
-                  <a:fillRect/>
-                </a:stretch>
-              </p:blipFill>
-              <p:spPr>
-                <a:xfrm>
-                  <a:off x="8936724" y="3473540"/>
-                  <a:ext cx="225360" cy="354600"/>
-                </a:xfrm>
-                <a:prstGeom prst="rect">
-                  <a:avLst/>
-                </a:prstGeom>
-              </p:spPr>
-            </p:pic>
-          </mc:Fallback>
-        </mc:AlternateContent>
-      </p:grpSp>
       <p:sp>
         <p:nvSpPr>
-          <p:cNvPr id="66" name="Rettangolo 65">
-            <a:extLst>
-              <a:ext uri="{FF2B5EF4-FFF2-40B4-BE49-F238E27FC236}">
-                <a16:creationId xmlns:a16="http://schemas.microsoft.com/office/drawing/2014/main" id="{CFE58F7E-6382-70B3-11AD-6B8293D04494}"/>
+          <p:cNvPr id="30" name="CasellaDiTesto 29">
+            <a:extLst>
+              <a:ext uri="{FF2B5EF4-FFF2-40B4-BE49-F238E27FC236}">
+                <a16:creationId xmlns:a16="http://schemas.microsoft.com/office/drawing/2014/main" id="{1BC26F57-403F-383A-C72E-076FAE25D246}"/>
+              </a:ext>
+            </a:extLst>
+          </p:cNvPr>
+          <p:cNvSpPr txBox="1"/>
+          <p:nvPr/>
+        </p:nvSpPr>
+        <p:spPr>
+          <a:xfrm>
+            <a:off x="1585533" y="195863"/>
+            <a:ext cx="2449260" cy="369332"/>
+          </a:xfrm>
+          <a:prstGeom prst="rect">
+            <a:avLst/>
+          </a:prstGeom>
+          <a:noFill/>
+        </p:spPr>
+        <p:txBody>
+          <a:bodyPr wrap="none" rtlCol="0">
+            <a:spAutoFit/>
+          </a:bodyPr>
+          <a:lstStyle/>
+          <a:p>
+            <a:r>
+              <a:rPr lang="it-IT" dirty="0"/>
+              <a:t>Momentum </a:t>
+            </a:r>
+            <a:r>
+              <a:rPr lang="it-IT" dirty="0" err="1"/>
+              <a:t>equations</a:t>
+            </a:r>
+            <a:endParaRPr lang="it-IT" dirty="0"/>
+          </a:p>
+        </p:txBody>
+      </p:sp>
+      <p:pic>
+        <p:nvPicPr>
+          <p:cNvPr id="72" name="Immagine 71" descr="Immagine che contiene linea, diagramma, bianco, Carattere&#10;&#10;Il contenuto generato dall'IA potrebbe non essere corretto.">
+            <a:extLst>
+              <a:ext uri="{FF2B5EF4-FFF2-40B4-BE49-F238E27FC236}">
+                <a16:creationId xmlns:a16="http://schemas.microsoft.com/office/drawing/2014/main" id="{063A21E1-2264-424D-C7D3-AA93E6B8C009}"/>
+              </a:ext>
+            </a:extLst>
+          </p:cNvPr>
+          <p:cNvPicPr>
+            <a:picLocks noChangeAspect="1"/>
+          </p:cNvPicPr>
+          <p:nvPr/>
+        </p:nvPicPr>
+        <p:blipFill>
+          <a:blip r:embed="rId4">
+            <a:extLst>
+              <a:ext uri="{28A0092B-C50C-407E-A947-70E740481C1C}">
+                <a14:useLocalDpi xmlns:a14="http://schemas.microsoft.com/office/drawing/2010/main" val="0"/>
+              </a:ext>
+            </a:extLst>
+          </a:blip>
+          <a:stretch>
+            <a:fillRect/>
+          </a:stretch>
+        </p:blipFill>
+        <p:spPr>
+          <a:xfrm>
+            <a:off x="810030" y="2264822"/>
+            <a:ext cx="5804778" cy="3559038"/>
+          </a:xfrm>
+          <a:prstGeom prst="rect">
+            <a:avLst/>
+          </a:prstGeom>
+        </p:spPr>
+      </p:pic>
+      <p:sp>
+        <p:nvSpPr>
+          <p:cNvPr id="73" name="Freccia a destra 72">
+            <a:extLst>
+              <a:ext uri="{FF2B5EF4-FFF2-40B4-BE49-F238E27FC236}">
+                <a16:creationId xmlns:a16="http://schemas.microsoft.com/office/drawing/2014/main" id="{35876F39-0F61-3CE4-B4E9-969BB4175863}"/>
               </a:ext>
             </a:extLst>
           </p:cNvPr>
@@ -7683,10 +4194,10 @@
         </p:nvSpPr>
         <p:spPr>
           <a:xfrm>
-            <a:off x="6542202" y="1668544"/>
-            <a:ext cx="3297916" cy="2403835"/>
-          </a:xfrm>
-          <a:prstGeom prst="rect">
+            <a:off x="6266770" y="973663"/>
+            <a:ext cx="1254868" cy="431010"/>
+          </a:xfrm>
+          <a:prstGeom prst="rightArrow">
             <a:avLst/>
           </a:prstGeom>
         </p:spPr>
@@ -7711,7 +4222,627 @@
           <a:lstStyle/>
           <a:p>
             <a:pPr algn="ctr"/>
-            <a:endParaRPr lang="en-GB"/>
+            <a:endParaRPr lang="it-IT"/>
+          </a:p>
+        </p:txBody>
+      </p:sp>
+      <mc:AlternateContent xmlns:mc="http://schemas.openxmlformats.org/markup-compatibility/2006" xmlns:a14="http://schemas.microsoft.com/office/drawing/2010/main">
+        <mc:Choice Requires="a14">
+          <p:sp>
+            <p:nvSpPr>
+              <p:cNvPr id="74" name="CasellaDiTesto 73">
+                <a:extLst>
+                  <a:ext uri="{FF2B5EF4-FFF2-40B4-BE49-F238E27FC236}">
+                    <a16:creationId xmlns:a16="http://schemas.microsoft.com/office/drawing/2014/main" id="{A6616AAE-7603-116C-C4DB-B83901E0EAF4}"/>
+                  </a:ext>
+                </a:extLst>
+              </p:cNvPr>
+              <p:cNvSpPr txBox="1"/>
+              <p:nvPr/>
+            </p:nvSpPr>
+            <p:spPr>
+              <a:xfrm>
+                <a:off x="8113587" y="778027"/>
+                <a:ext cx="3203826" cy="836191"/>
+              </a:xfrm>
+              <a:prstGeom prst="rect">
+                <a:avLst/>
+              </a:prstGeom>
+              <a:noFill/>
+            </p:spPr>
+            <p:txBody>
+              <a:bodyPr wrap="none" lIns="0" tIns="0" rIns="0" bIns="0" rtlCol="0">
+                <a:spAutoFit/>
+              </a:bodyPr>
+              <a:lstStyle/>
+              <a:p>
+                <a:pPr/>
+                <a14:m>
+                  <m:oMathPara xmlns:m="http://schemas.openxmlformats.org/officeDocument/2006/math">
+                    <m:oMathParaPr>
+                      <m:jc m:val="centerGroup"/>
+                    </m:oMathParaPr>
+                    <m:oMath xmlns:m="http://schemas.openxmlformats.org/officeDocument/2006/math">
+                      <m:f>
+                        <m:fPr>
+                          <m:ctrlPr>
+                            <a:rPr lang="it-IT" sz="2800" b="0" i="1" smtClean="0">
+                              <a:latin typeface="Cambria Math" panose="02040503050406030204" pitchFamily="18" charset="0"/>
+                            </a:rPr>
+                          </m:ctrlPr>
+                        </m:fPr>
+                        <m:num>
+                          <m:r>
+                            <a:rPr lang="it-IT" sz="2800" b="0" i="1" smtClean="0">
+                              <a:latin typeface="Cambria Math" panose="02040503050406030204" pitchFamily="18" charset="0"/>
+                            </a:rPr>
+                            <m:t>𝐷</m:t>
+                          </m:r>
+                          <m:r>
+                            <a:rPr lang="it-IT" sz="2800" b="0" i="1" smtClean="0">
+                              <a:latin typeface="Cambria Math" panose="02040503050406030204" pitchFamily="18" charset="0"/>
+                            </a:rPr>
+                            <m:t> </m:t>
+                          </m:r>
+                          <m:d>
+                            <m:dPr>
+                              <m:ctrlPr>
+                                <a:rPr lang="it-IT" sz="2800" b="0" i="1" smtClean="0">
+                                  <a:latin typeface="Cambria Math" panose="02040503050406030204" pitchFamily="18" charset="0"/>
+                                </a:rPr>
+                              </m:ctrlPr>
+                            </m:dPr>
+                            <m:e>
+                              <m:r>
+                                <a:rPr lang="it-IT" sz="2800" b="0" i="1" smtClean="0">
+                                  <a:latin typeface="Cambria Math" panose="02040503050406030204" pitchFamily="18" charset="0"/>
+                                </a:rPr>
+                                <m:t>𝜁</m:t>
+                              </m:r>
+                              <m:r>
+                                <a:rPr lang="it-IT" sz="2800" b="0" i="1" smtClean="0">
+                                  <a:latin typeface="Cambria Math" panose="02040503050406030204" pitchFamily="18" charset="0"/>
+                                </a:rPr>
+                                <m:t>+</m:t>
+                              </m:r>
+                              <m:r>
+                                <a:rPr lang="it-IT" sz="2800" b="0" i="1" smtClean="0">
+                                  <a:latin typeface="Cambria Math" panose="02040503050406030204" pitchFamily="18" charset="0"/>
+                                </a:rPr>
+                                <m:t>𝑓</m:t>
+                              </m:r>
+                            </m:e>
+                          </m:d>
+                        </m:num>
+                        <m:den>
+                          <m:r>
+                            <a:rPr lang="it-IT" sz="2800" b="0" i="1" smtClean="0">
+                              <a:latin typeface="Cambria Math" panose="02040503050406030204" pitchFamily="18" charset="0"/>
+                            </a:rPr>
+                            <m:t>𝐷𝑡</m:t>
+                          </m:r>
+                        </m:den>
+                      </m:f>
+                      <m:r>
+                        <a:rPr lang="it-IT" sz="2800" b="0" i="1" smtClean="0">
+                          <a:latin typeface="Cambria Math" panose="02040503050406030204" pitchFamily="18" charset="0"/>
+                        </a:rPr>
+                        <m:t>=</m:t>
+                      </m:r>
+                      <m:f>
+                        <m:fPr>
+                          <m:ctrlPr>
+                            <a:rPr lang="it-IT" sz="2800" i="1">
+                              <a:latin typeface="Cambria Math" panose="02040503050406030204" pitchFamily="18" charset="0"/>
+                            </a:rPr>
+                          </m:ctrlPr>
+                        </m:fPr>
+                        <m:num>
+                          <m:r>
+                            <a:rPr lang="it-IT" sz="2800" i="1">
+                              <a:latin typeface="Cambria Math" panose="02040503050406030204" pitchFamily="18" charset="0"/>
+                            </a:rPr>
+                            <m:t>𝐷</m:t>
+                          </m:r>
+                          <m:r>
+                            <a:rPr lang="it-IT" sz="2800" i="1">
+                              <a:latin typeface="Cambria Math" panose="02040503050406030204" pitchFamily="18" charset="0"/>
+                            </a:rPr>
+                            <m:t> </m:t>
+                          </m:r>
+                          <m:r>
+                            <a:rPr lang="it-IT" sz="2800" b="0" i="1" smtClean="0">
+                              <a:latin typeface="Cambria Math" panose="02040503050406030204" pitchFamily="18" charset="0"/>
+                            </a:rPr>
+                            <m:t>𝑞</m:t>
+                          </m:r>
+                        </m:num>
+                        <m:den>
+                          <m:r>
+                            <a:rPr lang="it-IT" sz="2800" i="1">
+                              <a:latin typeface="Cambria Math" panose="02040503050406030204" pitchFamily="18" charset="0"/>
+                            </a:rPr>
+                            <m:t>𝐷𝑡</m:t>
+                          </m:r>
+                        </m:den>
+                      </m:f>
+                      <m:r>
+                        <a:rPr lang="it-IT" sz="2800" b="0" i="1" smtClean="0">
+                          <a:latin typeface="Cambria Math" panose="02040503050406030204" pitchFamily="18" charset="0"/>
+                        </a:rPr>
+                        <m:t>=0</m:t>
+                      </m:r>
+                    </m:oMath>
+                  </m:oMathPara>
+                </a14:m>
+                <a:endParaRPr lang="it-IT" sz="2800" dirty="0"/>
+              </a:p>
+            </p:txBody>
+          </p:sp>
+        </mc:Choice>
+        <mc:Fallback xmlns="">
+          <p:sp>
+            <p:nvSpPr>
+              <p:cNvPr id="74" name="CasellaDiTesto 73">
+                <a:extLst>
+                  <a:ext uri="{FF2B5EF4-FFF2-40B4-BE49-F238E27FC236}">
+                    <a16:creationId xmlns:a16="http://schemas.microsoft.com/office/drawing/2014/main" id="{A6616AAE-7603-116C-C4DB-B83901E0EAF4}"/>
+                  </a:ext>
+                </a:extLst>
+              </p:cNvPr>
+              <p:cNvSpPr txBox="1">
+                <a:spLocks noRot="1" noChangeAspect="1" noMove="1" noResize="1" noEditPoints="1" noAdjustHandles="1" noChangeArrowheads="1" noChangeShapeType="1" noTextEdit="1"/>
+              </p:cNvSpPr>
+              <p:nvPr/>
+            </p:nvSpPr>
+            <p:spPr>
+              <a:xfrm>
+                <a:off x="8113587" y="778027"/>
+                <a:ext cx="3203826" cy="836191"/>
+              </a:xfrm>
+              <a:prstGeom prst="rect">
+                <a:avLst/>
+              </a:prstGeom>
+              <a:blipFill>
+                <a:blip r:embed="rId5"/>
+                <a:stretch>
+                  <a:fillRect/>
+                </a:stretch>
+              </a:blipFill>
+            </p:spPr>
+            <p:txBody>
+              <a:bodyPr/>
+              <a:lstStyle/>
+              <a:p>
+                <a:r>
+                  <a:rPr lang="it-IT">
+                    <a:noFill/>
+                  </a:rPr>
+                  <a:t> </a:t>
+                </a:r>
+              </a:p>
+            </p:txBody>
+          </p:sp>
+        </mc:Fallback>
+      </mc:AlternateContent>
+      <p:cxnSp>
+        <p:nvCxnSpPr>
+          <p:cNvPr id="76" name="Connettore 2 75">
+            <a:extLst>
+              <a:ext uri="{FF2B5EF4-FFF2-40B4-BE49-F238E27FC236}">
+                <a16:creationId xmlns:a16="http://schemas.microsoft.com/office/drawing/2014/main" id="{DE50C6B6-62A8-390E-FAD2-93F31EFDD3B8}"/>
+              </a:ext>
+            </a:extLst>
+          </p:cNvPr>
+          <p:cNvCxnSpPr>
+            <a:cxnSpLocks/>
+          </p:cNvCxnSpPr>
+          <p:nvPr/>
+        </p:nvCxnSpPr>
+        <p:spPr>
+          <a:xfrm flipV="1">
+            <a:off x="476655" y="3002838"/>
+            <a:ext cx="0" cy="2821022"/>
+          </a:xfrm>
+          <a:prstGeom prst="straightConnector1">
+            <a:avLst/>
+          </a:prstGeom>
+          <a:ln w="38100">
+            <a:solidFill>
+              <a:srgbClr val="FFC000"/>
+            </a:solidFill>
+            <a:tailEnd type="triangle"/>
+          </a:ln>
+        </p:spPr>
+        <p:style>
+          <a:lnRef idx="2">
+            <a:schemeClr val="accent1"/>
+          </a:lnRef>
+          <a:fillRef idx="0">
+            <a:schemeClr val="accent1"/>
+          </a:fillRef>
+          <a:effectRef idx="1">
+            <a:schemeClr val="accent1"/>
+          </a:effectRef>
+          <a:fontRef idx="minor">
+            <a:schemeClr val="tx1"/>
+          </a:fontRef>
+        </p:style>
+      </p:cxnSp>
+      <p:cxnSp>
+        <p:nvCxnSpPr>
+          <p:cNvPr id="79" name="Connettore 2 78">
+            <a:extLst>
+              <a:ext uri="{FF2B5EF4-FFF2-40B4-BE49-F238E27FC236}">
+                <a16:creationId xmlns:a16="http://schemas.microsoft.com/office/drawing/2014/main" id="{3A30CB31-5064-E83A-6514-CEE4EA2C9270}"/>
+              </a:ext>
+            </a:extLst>
+          </p:cNvPr>
+          <p:cNvCxnSpPr>
+            <a:cxnSpLocks/>
+          </p:cNvCxnSpPr>
+          <p:nvPr/>
+        </p:nvCxnSpPr>
+        <p:spPr>
+          <a:xfrm>
+            <a:off x="376136" y="6180541"/>
+            <a:ext cx="3738664" cy="0"/>
+          </a:xfrm>
+          <a:prstGeom prst="straightConnector1">
+            <a:avLst/>
+          </a:prstGeom>
+          <a:ln w="38100">
+            <a:solidFill>
+              <a:srgbClr val="FFC000"/>
+            </a:solidFill>
+            <a:tailEnd type="triangle"/>
+          </a:ln>
+        </p:spPr>
+        <p:style>
+          <a:lnRef idx="2">
+            <a:schemeClr val="accent1"/>
+          </a:lnRef>
+          <a:fillRef idx="0">
+            <a:schemeClr val="accent1"/>
+          </a:fillRef>
+          <a:effectRef idx="1">
+            <a:schemeClr val="accent1"/>
+          </a:effectRef>
+          <a:fontRef idx="minor">
+            <a:schemeClr val="tx1"/>
+          </a:fontRef>
+        </p:style>
+      </p:cxnSp>
+      <p:sp>
+        <p:nvSpPr>
+          <p:cNvPr id="81" name="CasellaDiTesto 80">
+            <a:extLst>
+              <a:ext uri="{FF2B5EF4-FFF2-40B4-BE49-F238E27FC236}">
+                <a16:creationId xmlns:a16="http://schemas.microsoft.com/office/drawing/2014/main" id="{F949C2D0-EC4F-5017-F03B-2080D5CBAEC1}"/>
+              </a:ext>
+            </a:extLst>
+          </p:cNvPr>
+          <p:cNvSpPr txBox="1"/>
+          <p:nvPr/>
+        </p:nvSpPr>
+        <p:spPr>
+          <a:xfrm>
+            <a:off x="273386" y="2633506"/>
+            <a:ext cx="1994520" cy="369332"/>
+          </a:xfrm>
+          <a:prstGeom prst="rect">
+            <a:avLst/>
+          </a:prstGeom>
+          <a:noFill/>
+        </p:spPr>
+        <p:txBody>
+          <a:bodyPr wrap="none" rtlCol="0">
+            <a:spAutoFit/>
+          </a:bodyPr>
+          <a:lstStyle/>
+          <a:p>
+            <a:r>
+              <a:rPr lang="it-IT" dirty="0"/>
+              <a:t>POLE (f </a:t>
+            </a:r>
+            <a:r>
+              <a:rPr lang="it-IT" dirty="0" err="1"/>
+              <a:t>increases</a:t>
+            </a:r>
+            <a:r>
+              <a:rPr lang="it-IT" dirty="0"/>
+              <a:t>)</a:t>
+            </a:r>
+          </a:p>
+        </p:txBody>
+      </p:sp>
+      <mc:AlternateContent xmlns:mc="http://schemas.openxmlformats.org/markup-compatibility/2006" xmlns:a14="http://schemas.microsoft.com/office/drawing/2010/main">
+        <mc:Choice Requires="a14">
+          <p:sp>
+            <p:nvSpPr>
+              <p:cNvPr id="82" name="CasellaDiTesto 81">
+                <a:extLst>
+                  <a:ext uri="{FF2B5EF4-FFF2-40B4-BE49-F238E27FC236}">
+                    <a16:creationId xmlns:a16="http://schemas.microsoft.com/office/drawing/2014/main" id="{443695B6-9DAD-6B7B-7190-06C6C9F260FB}"/>
+                  </a:ext>
+                </a:extLst>
+              </p:cNvPr>
+              <p:cNvSpPr txBox="1"/>
+              <p:nvPr/>
+            </p:nvSpPr>
+            <p:spPr>
+              <a:xfrm>
+                <a:off x="6948182" y="3429000"/>
+                <a:ext cx="5188426" cy="923330"/>
+              </a:xfrm>
+              <a:prstGeom prst="rect">
+                <a:avLst/>
+              </a:prstGeom>
+              <a:noFill/>
+            </p:spPr>
+            <p:txBody>
+              <a:bodyPr wrap="square" rtlCol="0">
+                <a:spAutoFit/>
+              </a:bodyPr>
+              <a:lstStyle/>
+              <a:p>
+                <a:r>
+                  <a:rPr lang="it-IT" dirty="0" err="1"/>
+                  <a:t>During</a:t>
+                </a:r>
+                <a:r>
+                  <a:rPr lang="it-IT" dirty="0"/>
+                  <a:t> </a:t>
+                </a:r>
+                <a:r>
+                  <a:rPr lang="it-IT" b="1" dirty="0" err="1"/>
+                  <a:t>poleward</a:t>
+                </a:r>
+                <a:r>
+                  <a:rPr lang="it-IT" dirty="0"/>
+                  <a:t> </a:t>
+                </a:r>
+                <a:r>
+                  <a:rPr lang="it-IT" i="1" dirty="0"/>
+                  <a:t>(</a:t>
+                </a:r>
+                <a:r>
+                  <a:rPr lang="it-IT" i="1" dirty="0" err="1"/>
+                  <a:t>equatorward</a:t>
+                </a:r>
+                <a:r>
+                  <a:rPr lang="it-IT" i="1" dirty="0"/>
+                  <a:t>)</a:t>
+                </a:r>
+                <a:r>
+                  <a:rPr lang="it-IT" dirty="0"/>
+                  <a:t> </a:t>
+                </a:r>
+                <a:r>
+                  <a:rPr lang="it-IT" dirty="0" err="1"/>
+                  <a:t>displacements</a:t>
+                </a:r>
+                <a:r>
+                  <a:rPr lang="it-IT" dirty="0"/>
+                  <a:t>,</a:t>
+                </a:r>
+              </a:p>
+              <a:p>
+                <a:r>
+                  <a:rPr lang="it-IT" dirty="0"/>
+                  <a:t> </a:t>
+                </a:r>
+                <a:r>
+                  <a:rPr lang="it-IT" b="1" dirty="0"/>
+                  <a:t>f </a:t>
+                </a:r>
+                <a:r>
+                  <a:rPr lang="it-IT" b="1" dirty="0" err="1"/>
+                  <a:t>increases</a:t>
+                </a:r>
+                <a:r>
+                  <a:rPr lang="it-IT" b="1" dirty="0"/>
+                  <a:t> </a:t>
+                </a:r>
+                <a:r>
+                  <a:rPr lang="it-IT" dirty="0"/>
+                  <a:t>(</a:t>
+                </a:r>
+                <a:r>
+                  <a:rPr lang="it-IT" i="1" dirty="0" err="1"/>
+                  <a:t>decreases</a:t>
+                </a:r>
+                <a:r>
+                  <a:rPr lang="it-IT" dirty="0"/>
+                  <a:t>), </a:t>
+                </a:r>
+                <a:r>
+                  <a:rPr lang="it-IT" dirty="0" err="1"/>
+                  <a:t>thus</a:t>
+                </a:r>
+                <a:r>
+                  <a:rPr lang="it-IT" dirty="0"/>
+                  <a:t> the flow </a:t>
+                </a:r>
+              </a:p>
+              <a:p>
+                <a:r>
+                  <a:rPr lang="it-IT" dirty="0"/>
+                  <a:t>Will </a:t>
+                </a:r>
+                <a:r>
+                  <a:rPr lang="it-IT" dirty="0" err="1"/>
+                  <a:t>acquire</a:t>
+                </a:r>
+                <a:r>
+                  <a:rPr lang="it-IT" dirty="0"/>
+                  <a:t> </a:t>
+                </a:r>
+                <a:r>
+                  <a:rPr lang="it-IT" b="1" dirty="0"/>
+                  <a:t>negative</a:t>
+                </a:r>
+                <a:r>
+                  <a:rPr lang="it-IT" dirty="0"/>
+                  <a:t> </a:t>
+                </a:r>
+                <a:r>
+                  <a:rPr lang="it-IT" i="1" dirty="0"/>
+                  <a:t>(positive) </a:t>
+                </a:r>
+                <a:r>
+                  <a:rPr lang="it-IT" dirty="0"/>
+                  <a:t>relative </a:t>
+                </a:r>
+                <a:r>
+                  <a:rPr lang="it-IT" dirty="0" err="1"/>
+                  <a:t>vorticity</a:t>
+                </a:r>
+                <a:r>
+                  <a:rPr lang="it-IT" dirty="0"/>
+                  <a:t> </a:t>
+                </a:r>
+                <a14:m>
+                  <m:oMath xmlns:m="http://schemas.openxmlformats.org/officeDocument/2006/math">
+                    <m:r>
+                      <a:rPr lang="it-IT" b="1" i="1" smtClean="0">
+                        <a:latin typeface="Cambria Math" panose="02040503050406030204" pitchFamily="18" charset="0"/>
+                      </a:rPr>
+                      <m:t>𝜻</m:t>
+                    </m:r>
+                  </m:oMath>
+                </a14:m>
+                <a:endParaRPr lang="it-IT" b="1" dirty="0"/>
+              </a:p>
+            </p:txBody>
+          </p:sp>
+        </mc:Choice>
+        <mc:Fallback xmlns="">
+          <p:sp>
+            <p:nvSpPr>
+              <p:cNvPr id="82" name="CasellaDiTesto 81">
+                <a:extLst>
+                  <a:ext uri="{FF2B5EF4-FFF2-40B4-BE49-F238E27FC236}">
+                    <a16:creationId xmlns:a16="http://schemas.microsoft.com/office/drawing/2014/main" id="{443695B6-9DAD-6B7B-7190-06C6C9F260FB}"/>
+                  </a:ext>
+                </a:extLst>
+              </p:cNvPr>
+              <p:cNvSpPr txBox="1">
+                <a:spLocks noRot="1" noChangeAspect="1" noMove="1" noResize="1" noEditPoints="1" noAdjustHandles="1" noChangeArrowheads="1" noChangeShapeType="1" noTextEdit="1"/>
+              </p:cNvSpPr>
+              <p:nvPr/>
+            </p:nvSpPr>
+            <p:spPr>
+              <a:xfrm>
+                <a:off x="6948182" y="3429000"/>
+                <a:ext cx="5188426" cy="923330"/>
+              </a:xfrm>
+              <a:prstGeom prst="rect">
+                <a:avLst/>
+              </a:prstGeom>
+              <a:blipFill>
+                <a:blip r:embed="rId6"/>
+                <a:stretch>
+                  <a:fillRect l="-1058" t="-3311" b="-9934"/>
+                </a:stretch>
+              </a:blipFill>
+            </p:spPr>
+            <p:txBody>
+              <a:bodyPr/>
+              <a:lstStyle/>
+              <a:p>
+                <a:r>
+                  <a:rPr lang="it-IT">
+                    <a:noFill/>
+                  </a:rPr>
+                  <a:t> </a:t>
+                </a:r>
+              </a:p>
+            </p:txBody>
+          </p:sp>
+        </mc:Fallback>
+      </mc:AlternateContent>
+      <p:sp>
+        <p:nvSpPr>
+          <p:cNvPr id="83" name="CasellaDiTesto 82">
+            <a:extLst>
+              <a:ext uri="{FF2B5EF4-FFF2-40B4-BE49-F238E27FC236}">
+                <a16:creationId xmlns:a16="http://schemas.microsoft.com/office/drawing/2014/main" id="{3E30F520-A21C-15BC-92F7-EC52BF7E9C3D}"/>
+              </a:ext>
+            </a:extLst>
+          </p:cNvPr>
+          <p:cNvSpPr txBox="1"/>
+          <p:nvPr/>
+        </p:nvSpPr>
+        <p:spPr>
+          <a:xfrm>
+            <a:off x="7521638" y="4763326"/>
+            <a:ext cx="5188426" cy="584775"/>
+          </a:xfrm>
+          <a:prstGeom prst="rect">
+            <a:avLst/>
+          </a:prstGeom>
+          <a:noFill/>
+        </p:spPr>
+        <p:txBody>
+          <a:bodyPr wrap="square" rtlCol="0">
+            <a:spAutoFit/>
+          </a:bodyPr>
+          <a:lstStyle/>
+          <a:p>
+            <a:r>
+              <a:rPr lang="it-IT" sz="1600" dirty="0"/>
+              <a:t>Technical note: </a:t>
+            </a:r>
+            <a:r>
+              <a:rPr lang="it-IT" sz="1600" dirty="0" err="1"/>
+              <a:t>if</a:t>
+            </a:r>
+            <a:r>
+              <a:rPr lang="it-IT" sz="1600" dirty="0"/>
+              <a:t> you </a:t>
+            </a:r>
+            <a:r>
+              <a:rPr lang="it-IT" sz="1600" dirty="0" err="1"/>
+              <a:t>add</a:t>
+            </a:r>
+            <a:r>
+              <a:rPr lang="it-IT" sz="1600" dirty="0"/>
+              <a:t> </a:t>
+            </a:r>
+            <a:r>
+              <a:rPr lang="it-IT" sz="1600" dirty="0" err="1"/>
+              <a:t>baroclinicity</a:t>
+            </a:r>
+            <a:r>
+              <a:rPr lang="it-IT" sz="1600" dirty="0"/>
+              <a:t> to </a:t>
+            </a:r>
+            <a:r>
+              <a:rPr lang="it-IT" sz="1600" dirty="0" err="1"/>
+              <a:t>such</a:t>
+            </a:r>
+            <a:r>
+              <a:rPr lang="it-IT" sz="1600" dirty="0"/>
+              <a:t> </a:t>
+            </a:r>
+            <a:r>
+              <a:rPr lang="it-IT" sz="1600" dirty="0" err="1"/>
+              <a:t>meandering</a:t>
+            </a:r>
+            <a:r>
+              <a:rPr lang="it-IT" sz="1600" dirty="0"/>
+              <a:t>, you </a:t>
+            </a:r>
+            <a:r>
+              <a:rPr lang="it-IT" sz="1600" dirty="0" err="1"/>
+              <a:t>get</a:t>
+            </a:r>
+            <a:r>
+              <a:rPr lang="it-IT" sz="1600" dirty="0"/>
+              <a:t> H-L pressure patterns</a:t>
+            </a:r>
+            <a:endParaRPr lang="it-IT" sz="1600" b="1" dirty="0"/>
           </a:p>
         </p:txBody>
       </p:sp>
@@ -7729,6 +4860,703 @@
 </file>
 
 <file path=ppt/slides/slide11.xml><?xml version="1.0" encoding="utf-8"?>
+<p:sld xmlns:a="http://schemas.openxmlformats.org/drawingml/2006/main" xmlns:r="http://schemas.openxmlformats.org/officeDocument/2006/relationships" xmlns:p="http://schemas.openxmlformats.org/presentationml/2006/main">
+  <p:cSld>
+    <p:spTree>
+      <p:nvGrpSpPr>
+        <p:cNvPr id="1" name=""/>
+        <p:cNvGrpSpPr/>
+        <p:nvPr/>
+      </p:nvGrpSpPr>
+      <p:grpSpPr>
+        <a:xfrm>
+          <a:off x="0" y="0"/>
+          <a:ext cx="0" cy="0"/>
+          <a:chOff x="0" y="0"/>
+          <a:chExt cx="0" cy="0"/>
+        </a:xfrm>
+      </p:grpSpPr>
+      <p:pic>
+        <p:nvPicPr>
+          <p:cNvPr id="2" name="Immagine 1">
+            <a:extLst>
+              <a:ext uri="{FF2B5EF4-FFF2-40B4-BE49-F238E27FC236}">
+                <a16:creationId xmlns:a16="http://schemas.microsoft.com/office/drawing/2014/main" id="{E0FC97ED-4F71-A73E-0AF6-1DEE4C837A7A}"/>
+              </a:ext>
+            </a:extLst>
+          </p:cNvPr>
+          <p:cNvPicPr>
+            <a:picLocks noChangeAspect="1"/>
+          </p:cNvPicPr>
+          <p:nvPr/>
+        </p:nvPicPr>
+        <p:blipFill>
+          <a:blip r:embed="rId2"/>
+          <a:stretch>
+            <a:fillRect/>
+          </a:stretch>
+        </p:blipFill>
+        <p:spPr>
+          <a:xfrm>
+            <a:off x="716300" y="955474"/>
+            <a:ext cx="3781425" cy="1000125"/>
+          </a:xfrm>
+          <a:prstGeom prst="rect">
+            <a:avLst/>
+          </a:prstGeom>
+        </p:spPr>
+      </p:pic>
+      <p:pic>
+        <p:nvPicPr>
+          <p:cNvPr id="3" name="Immagine 2">
+            <a:extLst>
+              <a:ext uri="{FF2B5EF4-FFF2-40B4-BE49-F238E27FC236}">
+                <a16:creationId xmlns:a16="http://schemas.microsoft.com/office/drawing/2014/main" id="{685F7518-3F80-21E5-B833-4C4540B099FF}"/>
+              </a:ext>
+            </a:extLst>
+          </p:cNvPr>
+          <p:cNvPicPr>
+            <a:picLocks noChangeAspect="1"/>
+          </p:cNvPicPr>
+          <p:nvPr/>
+        </p:nvPicPr>
+        <p:blipFill>
+          <a:blip r:embed="rId3"/>
+          <a:stretch>
+            <a:fillRect/>
+          </a:stretch>
+        </p:blipFill>
+        <p:spPr>
+          <a:xfrm>
+            <a:off x="7283151" y="955474"/>
+            <a:ext cx="3781425" cy="962025"/>
+          </a:xfrm>
+          <a:prstGeom prst="rect">
+            <a:avLst/>
+          </a:prstGeom>
+        </p:spPr>
+      </p:pic>
+      <p:sp>
+        <p:nvSpPr>
+          <p:cNvPr id="4" name="CasellaDiTesto 3">
+            <a:extLst>
+              <a:ext uri="{FF2B5EF4-FFF2-40B4-BE49-F238E27FC236}">
+                <a16:creationId xmlns:a16="http://schemas.microsoft.com/office/drawing/2014/main" id="{A683FBAD-353F-31FC-B1CC-93E1A763C636}"/>
+              </a:ext>
+            </a:extLst>
+          </p:cNvPr>
+          <p:cNvSpPr txBox="1"/>
+          <p:nvPr/>
+        </p:nvSpPr>
+        <p:spPr>
+          <a:xfrm>
+            <a:off x="302333" y="432049"/>
+            <a:ext cx="5044651" cy="369332"/>
+          </a:xfrm>
+          <a:prstGeom prst="rect">
+            <a:avLst/>
+          </a:prstGeom>
+          <a:noFill/>
+        </p:spPr>
+        <p:txBody>
+          <a:bodyPr wrap="none" rtlCol="0">
+            <a:spAutoFit/>
+          </a:bodyPr>
+          <a:lstStyle/>
+          <a:p>
+            <a:r>
+              <a:rPr lang="it-IT" dirty="0" err="1"/>
+              <a:t>Horizontal</a:t>
+            </a:r>
+            <a:r>
+              <a:rPr lang="it-IT" dirty="0"/>
+              <a:t> non-</a:t>
+            </a:r>
+            <a:r>
+              <a:rPr lang="it-IT" dirty="0" err="1"/>
+              <a:t>divergence</a:t>
+            </a:r>
+            <a:r>
+              <a:rPr lang="it-IT" dirty="0"/>
+              <a:t> </a:t>
+            </a:r>
+            <a:r>
+              <a:rPr lang="it-IT" dirty="0">
+                <a:sym typeface="Wingdings" panose="05000000000000000000" pitchFamily="2" charset="2"/>
+              </a:rPr>
+              <a:t> STREAMFUNCTION</a:t>
+            </a:r>
+            <a:endParaRPr lang="it-IT" dirty="0"/>
+          </a:p>
+        </p:txBody>
+      </p:sp>
+      <p:pic>
+        <p:nvPicPr>
+          <p:cNvPr id="5" name="Immagine 4">
+            <a:extLst>
+              <a:ext uri="{FF2B5EF4-FFF2-40B4-BE49-F238E27FC236}">
+                <a16:creationId xmlns:a16="http://schemas.microsoft.com/office/drawing/2014/main" id="{F72629E0-EDA3-4925-4C90-E92D1AB55FB4}"/>
+              </a:ext>
+            </a:extLst>
+          </p:cNvPr>
+          <p:cNvPicPr>
+            <a:picLocks noChangeAspect="1"/>
+          </p:cNvPicPr>
+          <p:nvPr/>
+        </p:nvPicPr>
+        <p:blipFill>
+          <a:blip r:embed="rId4"/>
+          <a:stretch>
+            <a:fillRect/>
+          </a:stretch>
+        </p:blipFill>
+        <p:spPr>
+          <a:xfrm>
+            <a:off x="2789101" y="3671305"/>
+            <a:ext cx="5463358" cy="1110621"/>
+          </a:xfrm>
+          <a:prstGeom prst="rect">
+            <a:avLst/>
+          </a:prstGeom>
+        </p:spPr>
+      </p:pic>
+      <p:sp>
+        <p:nvSpPr>
+          <p:cNvPr id="6" name="CasellaDiTesto 5">
+            <a:extLst>
+              <a:ext uri="{FF2B5EF4-FFF2-40B4-BE49-F238E27FC236}">
+                <a16:creationId xmlns:a16="http://schemas.microsoft.com/office/drawing/2014/main" id="{9F14D3DB-AC38-2FF2-77B2-DCD6CEC2B527}"/>
+              </a:ext>
+            </a:extLst>
+          </p:cNvPr>
+          <p:cNvSpPr txBox="1"/>
+          <p:nvPr/>
+        </p:nvSpPr>
+        <p:spPr>
+          <a:xfrm>
+            <a:off x="302333" y="2846750"/>
+            <a:ext cx="8871531" cy="369332"/>
+          </a:xfrm>
+          <a:prstGeom prst="rect">
+            <a:avLst/>
+          </a:prstGeom>
+          <a:noFill/>
+        </p:spPr>
+        <p:txBody>
+          <a:bodyPr wrap="none" rtlCol="0">
+            <a:spAutoFit/>
+          </a:bodyPr>
+          <a:lstStyle/>
+          <a:p>
+            <a:r>
+              <a:rPr lang="it-IT" dirty="0" err="1"/>
+              <a:t>Now</a:t>
+            </a:r>
+            <a:r>
+              <a:rPr lang="it-IT" dirty="0"/>
+              <a:t>, </a:t>
+            </a:r>
+            <a:r>
+              <a:rPr lang="it-IT" dirty="0" err="1"/>
+              <a:t>let’s</a:t>
+            </a:r>
+            <a:r>
+              <a:rPr lang="it-IT" dirty="0"/>
+              <a:t> </a:t>
+            </a:r>
+            <a:r>
+              <a:rPr lang="it-IT" dirty="0" err="1"/>
+              <a:t>consider</a:t>
+            </a:r>
+            <a:r>
+              <a:rPr lang="it-IT" dirty="0"/>
+              <a:t> </a:t>
+            </a:r>
+            <a:r>
+              <a:rPr lang="it-IT" dirty="0" err="1"/>
+              <a:t>perturbations</a:t>
+            </a:r>
+            <a:r>
+              <a:rPr lang="it-IT" dirty="0"/>
+              <a:t> with </a:t>
+            </a:r>
+            <a:r>
+              <a:rPr lang="it-IT" dirty="0" err="1"/>
+              <a:t>respect</a:t>
+            </a:r>
+            <a:r>
+              <a:rPr lang="it-IT" dirty="0"/>
+              <a:t> to a </a:t>
+            </a:r>
+            <a:r>
+              <a:rPr lang="it-IT" b="1" i="1" dirty="0" err="1"/>
+              <a:t>uniform</a:t>
+            </a:r>
+            <a:r>
+              <a:rPr lang="it-IT" b="1" i="1" dirty="0"/>
+              <a:t> </a:t>
+            </a:r>
+            <a:r>
+              <a:rPr lang="it-IT" b="1" i="1" dirty="0" err="1"/>
+              <a:t>zonal-only</a:t>
+            </a:r>
+            <a:r>
+              <a:rPr lang="it-IT" dirty="0"/>
+              <a:t> background flow</a:t>
+            </a:r>
+          </a:p>
+        </p:txBody>
+      </p:sp>
+      <p:sp>
+        <p:nvSpPr>
+          <p:cNvPr id="7" name="Freccia a destra 6">
+            <a:extLst>
+              <a:ext uri="{FF2B5EF4-FFF2-40B4-BE49-F238E27FC236}">
+                <a16:creationId xmlns:a16="http://schemas.microsoft.com/office/drawing/2014/main" id="{F86B9EDF-D3B5-353E-A9C2-11689B258E51}"/>
+              </a:ext>
+            </a:extLst>
+          </p:cNvPr>
+          <p:cNvSpPr/>
+          <p:nvPr/>
+        </p:nvSpPr>
+        <p:spPr>
+          <a:xfrm>
+            <a:off x="1241663" y="4012157"/>
+            <a:ext cx="1254868" cy="431010"/>
+          </a:xfrm>
+          <a:prstGeom prst="rightArrow">
+            <a:avLst/>
+          </a:prstGeom>
+        </p:spPr>
+        <p:style>
+          <a:lnRef idx="2">
+            <a:schemeClr val="accent1">
+              <a:shade val="15000"/>
+            </a:schemeClr>
+          </a:lnRef>
+          <a:fillRef idx="1">
+            <a:schemeClr val="accent1"/>
+          </a:fillRef>
+          <a:effectRef idx="0">
+            <a:schemeClr val="accent1"/>
+          </a:effectRef>
+          <a:fontRef idx="minor">
+            <a:schemeClr val="lt1"/>
+          </a:fontRef>
+        </p:style>
+        <p:txBody>
+          <a:bodyPr rtlCol="0" anchor="ctr"/>
+          <a:lstStyle/>
+          <a:p>
+            <a:pPr algn="ctr"/>
+            <a:endParaRPr lang="it-IT"/>
+          </a:p>
+        </p:txBody>
+      </p:sp>
+      <p:sp>
+        <p:nvSpPr>
+          <p:cNvPr id="8" name="CasellaDiTesto 7">
+            <a:extLst>
+              <a:ext uri="{FF2B5EF4-FFF2-40B4-BE49-F238E27FC236}">
+                <a16:creationId xmlns:a16="http://schemas.microsoft.com/office/drawing/2014/main" id="{0C245E99-345E-D121-1DD8-97ABC13BC4B1}"/>
+              </a:ext>
+            </a:extLst>
+          </p:cNvPr>
+          <p:cNvSpPr txBox="1"/>
+          <p:nvPr/>
+        </p:nvSpPr>
+        <p:spPr>
+          <a:xfrm>
+            <a:off x="5187863" y="1269416"/>
+            <a:ext cx="1556836" cy="369332"/>
+          </a:xfrm>
+          <a:prstGeom prst="rect">
+            <a:avLst/>
+          </a:prstGeom>
+          <a:noFill/>
+        </p:spPr>
+        <p:txBody>
+          <a:bodyPr wrap="none" rtlCol="0">
+            <a:spAutoFit/>
+          </a:bodyPr>
+          <a:lstStyle/>
+          <a:p>
+            <a:r>
+              <a:rPr lang="it-IT" dirty="0" err="1"/>
+              <a:t>which</a:t>
+            </a:r>
+            <a:r>
+              <a:rPr lang="it-IT" dirty="0"/>
+              <a:t> </a:t>
+            </a:r>
+            <a:r>
+              <a:rPr lang="it-IT" dirty="0" err="1"/>
+              <a:t>implies</a:t>
+            </a:r>
+            <a:endParaRPr lang="it-IT" dirty="0"/>
+          </a:p>
+        </p:txBody>
+      </p:sp>
+      <mc:AlternateContent xmlns:mc="http://schemas.openxmlformats.org/markup-compatibility/2006" xmlns:a14="http://schemas.microsoft.com/office/drawing/2010/main">
+        <mc:Choice Requires="a14">
+          <p:sp>
+            <p:nvSpPr>
+              <p:cNvPr id="9" name="CasellaDiTesto 8">
+                <a:extLst>
+                  <a:ext uri="{FF2B5EF4-FFF2-40B4-BE49-F238E27FC236}">
+                    <a16:creationId xmlns:a16="http://schemas.microsoft.com/office/drawing/2014/main" id="{9A23C05F-5A73-F458-CDAA-F7043B89EE07}"/>
+                  </a:ext>
+                </a:extLst>
+              </p:cNvPr>
+              <p:cNvSpPr txBox="1"/>
+              <p:nvPr/>
+            </p:nvSpPr>
+            <p:spPr>
+              <a:xfrm>
+                <a:off x="2789101" y="4982456"/>
+                <a:ext cx="5194570" cy="1212255"/>
+              </a:xfrm>
+              <a:prstGeom prst="rect">
+                <a:avLst/>
+              </a:prstGeom>
+              <a:noFill/>
+            </p:spPr>
+            <p:txBody>
+              <a:bodyPr wrap="square" rtlCol="0">
+                <a:spAutoFit/>
+              </a:bodyPr>
+              <a:lstStyle/>
+              <a:p>
+                <a:r>
+                  <a:rPr lang="it-IT" dirty="0"/>
+                  <a:t>Linear, </a:t>
+                </a:r>
+                <a:r>
+                  <a:rPr lang="it-IT" dirty="0" err="1"/>
+                  <a:t>constant</a:t>
+                </a:r>
+                <a:r>
+                  <a:rPr lang="it-IT" dirty="0"/>
+                  <a:t> </a:t>
+                </a:r>
+                <a:r>
+                  <a:rPr lang="it-IT" dirty="0" err="1"/>
+                  <a:t>coefficients</a:t>
+                </a:r>
+                <a:r>
+                  <a:rPr lang="it-IT" dirty="0"/>
+                  <a:t> </a:t>
+                </a:r>
+              </a:p>
+              <a:p>
+                <a:pPr marL="285750" indent="-285750">
+                  <a:buFont typeface="Wingdings" panose="05000000000000000000" pitchFamily="2" charset="2"/>
+                  <a:buChar char="à"/>
+                </a:pPr>
+                <a:r>
+                  <a:rPr lang="it-IT" dirty="0">
+                    <a:sym typeface="Wingdings" panose="05000000000000000000" pitchFamily="2" charset="2"/>
+                  </a:rPr>
+                  <a:t>FOURIER   </a:t>
+                </a:r>
+                <a:r>
+                  <a:rPr lang="it-IT" dirty="0" err="1">
+                    <a:sym typeface="Wingdings" panose="05000000000000000000" pitchFamily="2" charset="2"/>
+                  </a:rPr>
+                  <a:t>aka</a:t>
+                </a:r>
+                <a:r>
+                  <a:rPr lang="it-IT" dirty="0">
+                    <a:sym typeface="Wingdings" panose="05000000000000000000" pitchFamily="2" charset="2"/>
+                  </a:rPr>
+                  <a:t>   </a:t>
+                </a:r>
+                <a14:m>
+                  <m:oMath xmlns:m="http://schemas.openxmlformats.org/officeDocument/2006/math">
+                    <m:sSup>
+                      <m:sSupPr>
+                        <m:ctrlPr>
+                          <a:rPr lang="it-IT" b="0" i="1" smtClean="0">
+                            <a:latin typeface="Cambria Math" panose="02040503050406030204" pitchFamily="18" charset="0"/>
+                            <a:sym typeface="Wingdings" panose="05000000000000000000" pitchFamily="2" charset="2"/>
+                          </a:rPr>
+                        </m:ctrlPr>
+                      </m:sSupPr>
+                      <m:e>
+                        <m:r>
+                          <a:rPr lang="it-IT" b="0" i="1" smtClean="0">
+                            <a:latin typeface="Cambria Math" panose="02040503050406030204" pitchFamily="18" charset="0"/>
+                            <a:sym typeface="Wingdings" panose="05000000000000000000" pitchFamily="2" charset="2"/>
+                          </a:rPr>
+                          <m:t>𝜓</m:t>
+                        </m:r>
+                      </m:e>
+                      <m:sup>
+                        <m:r>
+                          <a:rPr lang="it-IT" b="0" i="1" smtClean="0">
+                            <a:latin typeface="Cambria Math" panose="02040503050406030204" pitchFamily="18" charset="0"/>
+                            <a:sym typeface="Wingdings" panose="05000000000000000000" pitchFamily="2" charset="2"/>
+                          </a:rPr>
+                          <m:t>′</m:t>
+                        </m:r>
+                      </m:sup>
+                    </m:sSup>
+                    <m:r>
+                      <a:rPr lang="it-IT" b="0" i="1" smtClean="0">
+                        <a:latin typeface="Cambria Math" panose="02040503050406030204" pitchFamily="18" charset="0"/>
+                        <a:sym typeface="Wingdings" panose="05000000000000000000" pitchFamily="2" charset="2"/>
+                      </a:rPr>
+                      <m:t>=</m:t>
+                    </m:r>
+                    <m:acc>
+                      <m:accPr>
+                        <m:chr m:val="̂"/>
+                        <m:ctrlPr>
+                          <a:rPr lang="it-IT" b="0" i="1" smtClean="0">
+                            <a:latin typeface="Cambria Math" panose="02040503050406030204" pitchFamily="18" charset="0"/>
+                            <a:sym typeface="Wingdings" panose="05000000000000000000" pitchFamily="2" charset="2"/>
+                          </a:rPr>
+                        </m:ctrlPr>
+                      </m:accPr>
+                      <m:e>
+                        <m:r>
+                          <a:rPr lang="it-IT" b="0" i="1" smtClean="0">
+                            <a:latin typeface="Cambria Math" panose="02040503050406030204" pitchFamily="18" charset="0"/>
+                            <a:sym typeface="Wingdings" panose="05000000000000000000" pitchFamily="2" charset="2"/>
+                          </a:rPr>
+                          <m:t>𝜓</m:t>
+                        </m:r>
+                      </m:e>
+                    </m:acc>
+                    <m:func>
+                      <m:funcPr>
+                        <m:ctrlPr>
+                          <a:rPr lang="it-IT" b="0" i="1" smtClean="0">
+                            <a:latin typeface="Cambria Math" panose="02040503050406030204" pitchFamily="18" charset="0"/>
+                            <a:sym typeface="Wingdings" panose="05000000000000000000" pitchFamily="2" charset="2"/>
+                          </a:rPr>
+                        </m:ctrlPr>
+                      </m:funcPr>
+                      <m:fName>
+                        <m:r>
+                          <m:rPr>
+                            <m:sty m:val="p"/>
+                          </m:rPr>
+                          <a:rPr lang="it-IT" b="0" i="0" smtClean="0">
+                            <a:latin typeface="Cambria Math" panose="02040503050406030204" pitchFamily="18" charset="0"/>
+                            <a:sym typeface="Wingdings" panose="05000000000000000000" pitchFamily="2" charset="2"/>
+                          </a:rPr>
+                          <m:t>exp</m:t>
+                        </m:r>
+                      </m:fName>
+                      <m:e>
+                        <m:r>
+                          <a:rPr lang="it-IT" b="0" i="1" smtClean="0">
+                            <a:latin typeface="Cambria Math" panose="02040503050406030204" pitchFamily="18" charset="0"/>
+                            <a:sym typeface="Wingdings" panose="05000000000000000000" pitchFamily="2" charset="2"/>
+                          </a:rPr>
+                          <m:t>[ </m:t>
+                        </m:r>
+                        <m:r>
+                          <a:rPr lang="it-IT" b="0" i="1" smtClean="0">
+                            <a:latin typeface="Cambria Math" panose="02040503050406030204" pitchFamily="18" charset="0"/>
+                            <a:sym typeface="Wingdings" panose="05000000000000000000" pitchFamily="2" charset="2"/>
+                          </a:rPr>
+                          <m:t>𝑖</m:t>
+                        </m:r>
+                        <m:r>
+                          <a:rPr lang="it-IT" b="0" i="1" smtClean="0">
+                            <a:latin typeface="Cambria Math" panose="02040503050406030204" pitchFamily="18" charset="0"/>
+                            <a:sym typeface="Wingdings" panose="05000000000000000000" pitchFamily="2" charset="2"/>
+                          </a:rPr>
+                          <m:t>(</m:t>
+                        </m:r>
+                        <m:r>
+                          <a:rPr lang="it-IT" b="0" i="1" smtClean="0">
+                            <a:latin typeface="Cambria Math" panose="02040503050406030204" pitchFamily="18" charset="0"/>
+                            <a:sym typeface="Wingdings" panose="05000000000000000000" pitchFamily="2" charset="2"/>
+                          </a:rPr>
+                          <m:t>𝑘𝑥</m:t>
+                        </m:r>
+                        <m:r>
+                          <a:rPr lang="it-IT" b="0" i="1" smtClean="0">
+                            <a:latin typeface="Cambria Math" panose="02040503050406030204" pitchFamily="18" charset="0"/>
+                            <a:sym typeface="Wingdings" panose="05000000000000000000" pitchFamily="2" charset="2"/>
+                          </a:rPr>
+                          <m:t>+</m:t>
+                        </m:r>
+                        <m:r>
+                          <a:rPr lang="it-IT" b="0" i="1" smtClean="0">
+                            <a:latin typeface="Cambria Math" panose="02040503050406030204" pitchFamily="18" charset="0"/>
+                            <a:sym typeface="Wingdings" panose="05000000000000000000" pitchFamily="2" charset="2"/>
+                          </a:rPr>
+                          <m:t>𝑙𝑦</m:t>
+                        </m:r>
+                        <m:r>
+                          <a:rPr lang="it-IT" b="0" i="1" smtClean="0">
+                            <a:latin typeface="Cambria Math" panose="02040503050406030204" pitchFamily="18" charset="0"/>
+                            <a:sym typeface="Wingdings" panose="05000000000000000000" pitchFamily="2" charset="2"/>
+                          </a:rPr>
+                          <m:t>−</m:t>
+                        </m:r>
+                        <m:r>
+                          <a:rPr lang="it-IT" b="0" i="1" smtClean="0">
+                            <a:latin typeface="Cambria Math" panose="02040503050406030204" pitchFamily="18" charset="0"/>
+                            <a:sym typeface="Wingdings" panose="05000000000000000000" pitchFamily="2" charset="2"/>
+                          </a:rPr>
+                          <m:t>𝜔</m:t>
+                        </m:r>
+                        <m:r>
+                          <m:rPr>
+                            <m:sty m:val="p"/>
+                          </m:rPr>
+                          <a:rPr lang="it-IT" b="0" i="1" smtClean="0">
+                            <a:latin typeface="Cambria Math" panose="02040503050406030204" pitchFamily="18" charset="0"/>
+                            <a:sym typeface="Wingdings" panose="05000000000000000000" pitchFamily="2" charset="2"/>
+                          </a:rPr>
+                          <m:t>t</m:t>
+                        </m:r>
+                        <m:r>
+                          <a:rPr lang="it-IT" b="0" i="1" smtClean="0">
+                            <a:latin typeface="Cambria Math" panose="02040503050406030204" pitchFamily="18" charset="0"/>
+                            <a:sym typeface="Wingdings" panose="05000000000000000000" pitchFamily="2" charset="2"/>
+                          </a:rPr>
+                          <m:t>)  ]</m:t>
+                        </m:r>
+                      </m:e>
+                    </m:func>
+                  </m:oMath>
+                </a14:m>
+                <a:endParaRPr lang="it-IT" b="0" dirty="0">
+                  <a:sym typeface="Wingdings" panose="05000000000000000000" pitchFamily="2" charset="2"/>
+                </a:endParaRPr>
+              </a:p>
+              <a:p>
+                <a:pPr marL="285750" indent="-285750">
+                  <a:buFont typeface="Wingdings" panose="05000000000000000000" pitchFamily="2" charset="2"/>
+                  <a:buChar char="à"/>
+                </a:pPr>
+                <a:r>
+                  <a:rPr lang="it-IT" dirty="0" err="1">
+                    <a:sym typeface="Wingdings" panose="05000000000000000000" pitchFamily="2" charset="2"/>
+                  </a:rPr>
+                  <a:t>This</a:t>
+                </a:r>
+                <a:r>
+                  <a:rPr lang="it-IT" dirty="0">
+                    <a:sym typeface="Wingdings" panose="05000000000000000000" pitchFamily="2" charset="2"/>
+                  </a:rPr>
+                  <a:t> </a:t>
+                </a:r>
+                <a:r>
+                  <a:rPr lang="it-IT" dirty="0" err="1">
+                    <a:sym typeface="Wingdings" panose="05000000000000000000" pitchFamily="2" charset="2"/>
+                  </a:rPr>
+                  <a:t>allows</a:t>
+                </a:r>
+                <a:r>
+                  <a:rPr lang="it-IT" dirty="0">
+                    <a:sym typeface="Wingdings" panose="05000000000000000000" pitchFamily="2" charset="2"/>
+                  </a:rPr>
+                  <a:t> to </a:t>
+                </a:r>
+                <a:r>
+                  <a:rPr lang="it-IT" dirty="0" err="1">
+                    <a:sym typeface="Wingdings" panose="05000000000000000000" pitchFamily="2" charset="2"/>
+                  </a:rPr>
+                  <a:t>find</a:t>
+                </a:r>
+                <a:r>
+                  <a:rPr lang="it-IT" dirty="0">
+                    <a:sym typeface="Wingdings" panose="05000000000000000000" pitchFamily="2" charset="2"/>
+                  </a:rPr>
+                  <a:t> </a:t>
+                </a:r>
+                <a:r>
+                  <a:rPr lang="it-IT" dirty="0" err="1">
+                    <a:sym typeface="Wingdings" panose="05000000000000000000" pitchFamily="2" charset="2"/>
+                  </a:rPr>
+                  <a:t>dispersion</a:t>
+                </a:r>
+                <a:r>
+                  <a:rPr lang="it-IT" dirty="0">
+                    <a:sym typeface="Wingdings" panose="05000000000000000000" pitchFamily="2" charset="2"/>
+                  </a:rPr>
+                  <a:t> relation</a:t>
+                </a:r>
+                <a:endParaRPr lang="it-IT" b="0" dirty="0">
+                  <a:sym typeface="Wingdings" panose="05000000000000000000" pitchFamily="2" charset="2"/>
+                </a:endParaRPr>
+              </a:p>
+              <a:p>
+                <a:pPr marL="285750" indent="-285750">
+                  <a:buFont typeface="Wingdings" panose="05000000000000000000" pitchFamily="2" charset="2"/>
+                  <a:buChar char="à"/>
+                </a:pPr>
+                <a:endParaRPr lang="it-IT" dirty="0"/>
+              </a:p>
+            </p:txBody>
+          </p:sp>
+        </mc:Choice>
+        <mc:Fallback xmlns="">
+          <p:sp>
+            <p:nvSpPr>
+              <p:cNvPr id="9" name="CasellaDiTesto 8">
+                <a:extLst>
+                  <a:ext uri="{FF2B5EF4-FFF2-40B4-BE49-F238E27FC236}">
+                    <a16:creationId xmlns:a16="http://schemas.microsoft.com/office/drawing/2014/main" id="{9A23C05F-5A73-F458-CDAA-F7043B89EE07}"/>
+                  </a:ext>
+                </a:extLst>
+              </p:cNvPr>
+              <p:cNvSpPr txBox="1">
+                <a:spLocks noRot="1" noChangeAspect="1" noMove="1" noResize="1" noEditPoints="1" noAdjustHandles="1" noChangeArrowheads="1" noChangeShapeType="1" noTextEdit="1"/>
+              </p:cNvSpPr>
+              <p:nvPr/>
+            </p:nvSpPr>
+            <p:spPr>
+              <a:xfrm>
+                <a:off x="2789101" y="4982456"/>
+                <a:ext cx="5194570" cy="1212255"/>
+              </a:xfrm>
+              <a:prstGeom prst="rect">
+                <a:avLst/>
+              </a:prstGeom>
+              <a:blipFill>
+                <a:blip r:embed="rId5"/>
+                <a:stretch>
+                  <a:fillRect l="-1056" t="-2010"/>
+                </a:stretch>
+              </a:blipFill>
+            </p:spPr>
+            <p:txBody>
+              <a:bodyPr/>
+              <a:lstStyle/>
+              <a:p>
+                <a:r>
+                  <a:rPr lang="it-IT">
+                    <a:noFill/>
+                  </a:rPr>
+                  <a:t> </a:t>
+                </a:r>
+              </a:p>
+            </p:txBody>
+          </p:sp>
+        </mc:Fallback>
+      </mc:AlternateContent>
+    </p:spTree>
+    <p:extLst>
+      <p:ext uri="{BB962C8B-B14F-4D97-AF65-F5344CB8AC3E}">
+        <p14:creationId xmlns:p14="http://schemas.microsoft.com/office/powerpoint/2010/main" val="2305382489"/>
+      </p:ext>
+    </p:extLst>
+  </p:cSld>
+  <p:clrMapOvr>
+    <a:masterClrMapping/>
+  </p:clrMapOvr>
+</p:sld>
+</file>
+
+<file path=ppt/slides/slide12.xml><?xml version="1.0" encoding="utf-8"?>
 <p:sld xmlns:a="http://schemas.openxmlformats.org/drawingml/2006/main" xmlns:r="http://schemas.openxmlformats.org/officeDocument/2006/relationships" xmlns:p="http://schemas.openxmlformats.org/presentationml/2006/main">
   <p:cSld>
     <p:spTree>
@@ -7751,6 +5579,452 @@
           <a:chExt cx="0" cy="0"/>
         </a:xfrm>
       </p:grpSpPr>
+      <p:pic>
+        <p:nvPicPr>
+          <p:cNvPr id="2" name="Immagine 1">
+            <a:extLst>
+              <a:ext uri="{FF2B5EF4-FFF2-40B4-BE49-F238E27FC236}">
+                <a16:creationId xmlns:a16="http://schemas.microsoft.com/office/drawing/2014/main" id="{FAB1DF61-60F6-0149-082E-743F2FFDAEB1}"/>
+              </a:ext>
+            </a:extLst>
+          </p:cNvPr>
+          <p:cNvPicPr>
+            <a:picLocks noChangeAspect="1"/>
+          </p:cNvPicPr>
+          <p:nvPr/>
+        </p:nvPicPr>
+        <p:blipFill>
+          <a:blip r:embed="rId2"/>
+          <a:stretch>
+            <a:fillRect/>
+          </a:stretch>
+        </p:blipFill>
+        <p:spPr>
+          <a:xfrm>
+            <a:off x="3812276" y="0"/>
+            <a:ext cx="5463358" cy="1110621"/>
+          </a:xfrm>
+          <a:prstGeom prst="rect">
+            <a:avLst/>
+          </a:prstGeom>
+        </p:spPr>
+      </p:pic>
+      <p:pic>
+        <p:nvPicPr>
+          <p:cNvPr id="5" name="Immagine 4">
+            <a:extLst>
+              <a:ext uri="{FF2B5EF4-FFF2-40B4-BE49-F238E27FC236}">
+                <a16:creationId xmlns:a16="http://schemas.microsoft.com/office/drawing/2014/main" id="{DDA9249E-F17F-A340-ED64-C6BDC3D19417}"/>
+              </a:ext>
+            </a:extLst>
+          </p:cNvPr>
+          <p:cNvPicPr>
+            <a:picLocks noChangeAspect="1"/>
+          </p:cNvPicPr>
+          <p:nvPr/>
+        </p:nvPicPr>
+        <p:blipFill>
+          <a:blip r:embed="rId3"/>
+          <a:stretch>
+            <a:fillRect/>
+          </a:stretch>
+        </p:blipFill>
+        <p:spPr>
+          <a:xfrm>
+            <a:off x="3085418" y="1917257"/>
+            <a:ext cx="6353175" cy="704850"/>
+          </a:xfrm>
+          <a:prstGeom prst="rect">
+            <a:avLst/>
+          </a:prstGeom>
+        </p:spPr>
+      </p:pic>
+      <p:pic>
+        <p:nvPicPr>
+          <p:cNvPr id="7" name="Immagine 6">
+            <a:extLst>
+              <a:ext uri="{FF2B5EF4-FFF2-40B4-BE49-F238E27FC236}">
+                <a16:creationId xmlns:a16="http://schemas.microsoft.com/office/drawing/2014/main" id="{4C540DD9-8656-9614-E2AB-B04422FC89D5}"/>
+              </a:ext>
+            </a:extLst>
+          </p:cNvPr>
+          <p:cNvPicPr>
+            <a:picLocks noChangeAspect="1"/>
+          </p:cNvPicPr>
+          <p:nvPr/>
+        </p:nvPicPr>
+        <p:blipFill>
+          <a:blip r:embed="rId4"/>
+          <a:stretch>
+            <a:fillRect/>
+          </a:stretch>
+        </p:blipFill>
+        <p:spPr>
+          <a:xfrm>
+            <a:off x="1863111" y="2836466"/>
+            <a:ext cx="2905125" cy="895350"/>
+          </a:xfrm>
+          <a:prstGeom prst="rect">
+            <a:avLst/>
+          </a:prstGeom>
+          <a:ln w="38100">
+            <a:solidFill>
+              <a:schemeClr val="accent5">
+                <a:lumMod val="60000"/>
+                <a:lumOff val="40000"/>
+              </a:schemeClr>
+            </a:solidFill>
+          </a:ln>
+        </p:spPr>
+      </p:pic>
+      <p:sp>
+        <p:nvSpPr>
+          <p:cNvPr id="8" name="Freccia a destra 7">
+            <a:extLst>
+              <a:ext uri="{FF2B5EF4-FFF2-40B4-BE49-F238E27FC236}">
+                <a16:creationId xmlns:a16="http://schemas.microsoft.com/office/drawing/2014/main" id="{4AC365FF-88E9-9A74-F601-D8882F4DDFB7}"/>
+              </a:ext>
+            </a:extLst>
+          </p:cNvPr>
+          <p:cNvSpPr/>
+          <p:nvPr/>
+        </p:nvSpPr>
+        <p:spPr>
+          <a:xfrm>
+            <a:off x="255339" y="3068636"/>
+            <a:ext cx="1254868" cy="431010"/>
+          </a:xfrm>
+          <a:prstGeom prst="rightArrow">
+            <a:avLst/>
+          </a:prstGeom>
+        </p:spPr>
+        <p:style>
+          <a:lnRef idx="2">
+            <a:schemeClr val="accent1">
+              <a:shade val="15000"/>
+            </a:schemeClr>
+          </a:lnRef>
+          <a:fillRef idx="1">
+            <a:schemeClr val="accent1"/>
+          </a:fillRef>
+          <a:effectRef idx="0">
+            <a:schemeClr val="accent1"/>
+          </a:effectRef>
+          <a:fontRef idx="minor">
+            <a:schemeClr val="lt1"/>
+          </a:fontRef>
+        </p:style>
+        <p:txBody>
+          <a:bodyPr rtlCol="0" anchor="ctr"/>
+          <a:lstStyle/>
+          <a:p>
+            <a:pPr algn="ctr"/>
+            <a:endParaRPr lang="it-IT"/>
+          </a:p>
+        </p:txBody>
+      </p:sp>
+      <p:pic>
+        <p:nvPicPr>
+          <p:cNvPr id="12" name="Immagine 11" descr="Immagine che contiene diagramma, linea, Diagramma&#10;&#10;Il contenuto generato dall'IA potrebbe non essere corretto.">
+            <a:extLst>
+              <a:ext uri="{FF2B5EF4-FFF2-40B4-BE49-F238E27FC236}">
+                <a16:creationId xmlns:a16="http://schemas.microsoft.com/office/drawing/2014/main" id="{68224A4A-AC42-355A-25BD-D1334F6B502F}"/>
+              </a:ext>
+            </a:extLst>
+          </p:cNvPr>
+          <p:cNvPicPr>
+            <a:picLocks noChangeAspect="1"/>
+          </p:cNvPicPr>
+          <p:nvPr/>
+        </p:nvPicPr>
+        <p:blipFill>
+          <a:blip r:embed="rId5">
+            <a:extLst>
+              <a:ext uri="{28A0092B-C50C-407E-A947-70E740481C1C}">
+                <a14:useLocalDpi xmlns:a14="http://schemas.microsoft.com/office/drawing/2010/main" val="0"/>
+              </a:ext>
+            </a:extLst>
+          </a:blip>
+          <a:stretch>
+            <a:fillRect/>
+          </a:stretch>
+        </p:blipFill>
+        <p:spPr>
+          <a:xfrm>
+            <a:off x="6339828" y="2389213"/>
+            <a:ext cx="5852172" cy="4389129"/>
+          </a:xfrm>
+          <a:prstGeom prst="rect">
+            <a:avLst/>
+          </a:prstGeom>
+        </p:spPr>
+      </p:pic>
+      <p:sp>
+        <p:nvSpPr>
+          <p:cNvPr id="13" name="CasellaDiTesto 12">
+            <a:extLst>
+              <a:ext uri="{FF2B5EF4-FFF2-40B4-BE49-F238E27FC236}">
+                <a16:creationId xmlns:a16="http://schemas.microsoft.com/office/drawing/2014/main" id="{8054EA4B-4587-B6D4-A1C2-94F546A1BA8E}"/>
+              </a:ext>
+            </a:extLst>
+          </p:cNvPr>
+          <p:cNvSpPr txBox="1"/>
+          <p:nvPr/>
+        </p:nvSpPr>
+        <p:spPr>
+          <a:xfrm>
+            <a:off x="1730704" y="4366241"/>
+            <a:ext cx="3228320" cy="369332"/>
+          </a:xfrm>
+          <a:prstGeom prst="rect">
+            <a:avLst/>
+          </a:prstGeom>
+          <a:noFill/>
+        </p:spPr>
+        <p:txBody>
+          <a:bodyPr wrap="none" rtlCol="0">
+            <a:spAutoFit/>
+          </a:bodyPr>
+          <a:lstStyle/>
+          <a:p>
+            <a:r>
+              <a:rPr lang="it-IT" dirty="0"/>
+              <a:t>Doppler shift due to </a:t>
+            </a:r>
+            <a:r>
+              <a:rPr lang="it-IT" dirty="0" err="1"/>
+              <a:t>mean</a:t>
+            </a:r>
+            <a:r>
+              <a:rPr lang="it-IT" dirty="0"/>
+              <a:t> flow</a:t>
+            </a:r>
+          </a:p>
+        </p:txBody>
+      </p:sp>
+      <p:grpSp>
+        <p:nvGrpSpPr>
+          <p:cNvPr id="18" name="Gruppo 17">
+            <a:extLst>
+              <a:ext uri="{FF2B5EF4-FFF2-40B4-BE49-F238E27FC236}">
+                <a16:creationId xmlns:a16="http://schemas.microsoft.com/office/drawing/2014/main" id="{61C76FC2-1B2E-74A8-E0A3-CEDA83F4B88B}"/>
+              </a:ext>
+            </a:extLst>
+          </p:cNvPr>
+          <p:cNvGrpSpPr/>
+          <p:nvPr/>
+        </p:nvGrpSpPr>
+        <p:grpSpPr>
+          <a:xfrm>
+            <a:off x="2655643" y="3017868"/>
+            <a:ext cx="544748" cy="1348373"/>
+            <a:chOff x="2996119" y="3825264"/>
+            <a:chExt cx="544748" cy="1348373"/>
+          </a:xfrm>
+        </p:grpSpPr>
+        <p:cxnSp>
+          <p:nvCxnSpPr>
+            <p:cNvPr id="15" name="Connettore 2 14">
+              <a:extLst>
+                <a:ext uri="{FF2B5EF4-FFF2-40B4-BE49-F238E27FC236}">
+                  <a16:creationId xmlns:a16="http://schemas.microsoft.com/office/drawing/2014/main" id="{57229418-6031-F547-0D9C-EDA7CB7AFBE1}"/>
+                </a:ext>
+              </a:extLst>
+            </p:cNvPr>
+            <p:cNvCxnSpPr>
+              <a:cxnSpLocks/>
+            </p:cNvCxnSpPr>
+            <p:nvPr/>
+          </p:nvCxnSpPr>
+          <p:spPr>
+            <a:xfrm>
+              <a:off x="3249038" y="4416357"/>
+              <a:ext cx="0" cy="757280"/>
+            </a:xfrm>
+            <a:prstGeom prst="straightConnector1">
+              <a:avLst/>
+            </a:prstGeom>
+            <a:ln>
+              <a:tailEnd type="triangle"/>
+            </a:ln>
+          </p:spPr>
+          <p:style>
+            <a:lnRef idx="2">
+              <a:schemeClr val="accent1"/>
+            </a:lnRef>
+            <a:fillRef idx="0">
+              <a:schemeClr val="accent1"/>
+            </a:fillRef>
+            <a:effectRef idx="1">
+              <a:schemeClr val="accent1"/>
+            </a:effectRef>
+            <a:fontRef idx="minor">
+              <a:schemeClr val="tx1"/>
+            </a:fontRef>
+          </p:style>
+        </p:cxnSp>
+        <p:sp>
+          <p:nvSpPr>
+            <p:cNvPr id="17" name="Ovale 16">
+              <a:extLst>
+                <a:ext uri="{FF2B5EF4-FFF2-40B4-BE49-F238E27FC236}">
+                  <a16:creationId xmlns:a16="http://schemas.microsoft.com/office/drawing/2014/main" id="{DEE361D2-CC02-3ACA-445D-651F21B6BB33}"/>
+                </a:ext>
+              </a:extLst>
+            </p:cNvPr>
+            <p:cNvSpPr/>
+            <p:nvPr/>
+          </p:nvSpPr>
+          <p:spPr>
+            <a:xfrm>
+              <a:off x="2996119" y="3825264"/>
+              <a:ext cx="544748" cy="525110"/>
+            </a:xfrm>
+            <a:prstGeom prst="ellipse">
+              <a:avLst/>
+            </a:prstGeom>
+            <a:noFill/>
+          </p:spPr>
+          <p:style>
+            <a:lnRef idx="2">
+              <a:schemeClr val="accent1">
+                <a:shade val="15000"/>
+              </a:schemeClr>
+            </a:lnRef>
+            <a:fillRef idx="1">
+              <a:schemeClr val="accent1"/>
+            </a:fillRef>
+            <a:effectRef idx="0">
+              <a:schemeClr val="accent1"/>
+            </a:effectRef>
+            <a:fontRef idx="minor">
+              <a:schemeClr val="lt1"/>
+            </a:fontRef>
+          </p:style>
+          <p:txBody>
+            <a:bodyPr rtlCol="0" anchor="ctr"/>
+            <a:lstStyle/>
+            <a:p>
+              <a:pPr algn="ctr"/>
+              <a:endParaRPr lang="it-IT"/>
+            </a:p>
+          </p:txBody>
+        </p:sp>
+      </p:grpSp>
+      <p:cxnSp>
+        <p:nvCxnSpPr>
+          <p:cNvPr id="20" name="Connettore 2 19">
+            <a:extLst>
+              <a:ext uri="{FF2B5EF4-FFF2-40B4-BE49-F238E27FC236}">
+                <a16:creationId xmlns:a16="http://schemas.microsoft.com/office/drawing/2014/main" id="{FB43D5DA-E2BF-E36F-638C-09CC7A093913}"/>
+              </a:ext>
+            </a:extLst>
+          </p:cNvPr>
+          <p:cNvCxnSpPr>
+            <a:cxnSpLocks/>
+          </p:cNvCxnSpPr>
+          <p:nvPr/>
+        </p:nvCxnSpPr>
+        <p:spPr>
+          <a:xfrm>
+            <a:off x="6262005" y="1110621"/>
+            <a:ext cx="0" cy="846306"/>
+          </a:xfrm>
+          <a:prstGeom prst="straightConnector1">
+            <a:avLst/>
+          </a:prstGeom>
+          <a:ln w="38100">
+            <a:solidFill>
+              <a:schemeClr val="accent5">
+                <a:lumMod val="75000"/>
+              </a:schemeClr>
+            </a:solidFill>
+            <a:headEnd type="triangle"/>
+            <a:tailEnd type="triangle"/>
+          </a:ln>
+        </p:spPr>
+        <p:style>
+          <a:lnRef idx="2">
+            <a:schemeClr val="accent1"/>
+          </a:lnRef>
+          <a:fillRef idx="0">
+            <a:schemeClr val="accent1"/>
+          </a:fillRef>
+          <a:effectRef idx="1">
+            <a:schemeClr val="accent1"/>
+          </a:effectRef>
+          <a:fontRef idx="minor">
+            <a:schemeClr val="tx1"/>
+          </a:fontRef>
+        </p:style>
+      </p:cxnSp>
+      <p:sp>
+        <p:nvSpPr>
+          <p:cNvPr id="22" name="CasellaDiTesto 21">
+            <a:extLst>
+              <a:ext uri="{FF2B5EF4-FFF2-40B4-BE49-F238E27FC236}">
+                <a16:creationId xmlns:a16="http://schemas.microsoft.com/office/drawing/2014/main" id="{CE4F5C66-BD77-B4B2-BC1A-9B72E0D608C2}"/>
+              </a:ext>
+            </a:extLst>
+          </p:cNvPr>
+          <p:cNvSpPr txBox="1"/>
+          <p:nvPr/>
+        </p:nvSpPr>
+        <p:spPr>
+          <a:xfrm>
+            <a:off x="806946" y="6026429"/>
+            <a:ext cx="4106445" cy="369332"/>
+          </a:xfrm>
+          <a:prstGeom prst="rect">
+            <a:avLst/>
+          </a:prstGeom>
+          <a:noFill/>
+        </p:spPr>
+        <p:txBody>
+          <a:bodyPr wrap="none" rtlCol="0">
+            <a:spAutoFit/>
+          </a:bodyPr>
+          <a:lstStyle/>
+          <a:p>
+            <a:r>
+              <a:rPr lang="it-IT" dirty="0"/>
+              <a:t>So </a:t>
+            </a:r>
+            <a:r>
+              <a:rPr lang="it-IT" dirty="0" err="1"/>
+              <a:t>how</a:t>
+            </a:r>
+            <a:r>
+              <a:rPr lang="it-IT" dirty="0"/>
+              <a:t> </a:t>
+            </a:r>
+            <a:r>
+              <a:rPr lang="it-IT" dirty="0" err="1"/>
+              <a:t>does</a:t>
+            </a:r>
+            <a:r>
+              <a:rPr lang="it-IT" dirty="0"/>
+              <a:t> a </a:t>
+            </a:r>
+            <a:r>
+              <a:rPr lang="it-IT" dirty="0" err="1"/>
+              <a:t>Rossby</a:t>
+            </a:r>
+            <a:r>
+              <a:rPr lang="it-IT" dirty="0"/>
+              <a:t> </a:t>
+            </a:r>
+            <a:r>
+              <a:rPr lang="it-IT" dirty="0" err="1"/>
+              <a:t>wave</a:t>
+            </a:r>
+            <a:r>
+              <a:rPr lang="it-IT" dirty="0"/>
+              <a:t> propagate?</a:t>
+            </a:r>
+          </a:p>
+        </p:txBody>
+      </p:sp>
     </p:spTree>
     <p:extLst>
       <p:ext uri="{BB962C8B-B14F-4D97-AF65-F5344CB8AC3E}">
@@ -7764,7 +6038,1055 @@
 </p:sld>
 </file>
 
-<file path=ppt/slides/slide12.xml><?xml version="1.0" encoding="utf-8"?>
+<file path=ppt/slides/slide13.xml><?xml version="1.0" encoding="utf-8"?>
+<p:sld xmlns:a="http://schemas.openxmlformats.org/drawingml/2006/main" xmlns:r="http://schemas.openxmlformats.org/officeDocument/2006/relationships" xmlns:p="http://schemas.openxmlformats.org/presentationml/2006/main">
+  <p:cSld>
+    <p:spTree>
+      <p:nvGrpSpPr>
+        <p:cNvPr id="1" name="">
+          <a:extLst>
+            <a:ext uri="{FF2B5EF4-FFF2-40B4-BE49-F238E27FC236}">
+              <a16:creationId xmlns:a16="http://schemas.microsoft.com/office/drawing/2014/main" id="{EE398702-ECF3-25E8-73CD-243CA326BE19}"/>
+            </a:ext>
+          </a:extLst>
+        </p:cNvPr>
+        <p:cNvGrpSpPr/>
+        <p:nvPr/>
+      </p:nvGrpSpPr>
+      <p:grpSpPr>
+        <a:xfrm>
+          <a:off x="0" y="0"/>
+          <a:ext cx="0" cy="0"/>
+          <a:chOff x="0" y="0"/>
+          <a:chExt cx="0" cy="0"/>
+        </a:xfrm>
+      </p:grpSpPr>
+      <p:pic>
+        <p:nvPicPr>
+          <p:cNvPr id="3" name="Immagine 2">
+            <a:extLst>
+              <a:ext uri="{FF2B5EF4-FFF2-40B4-BE49-F238E27FC236}">
+                <a16:creationId xmlns:a16="http://schemas.microsoft.com/office/drawing/2014/main" id="{03E44BB3-542C-2779-0807-EB2C2745FB68}"/>
+              </a:ext>
+            </a:extLst>
+          </p:cNvPr>
+          <p:cNvPicPr>
+            <a:picLocks noChangeAspect="1"/>
+          </p:cNvPicPr>
+          <p:nvPr/>
+        </p:nvPicPr>
+        <p:blipFill>
+          <a:blip r:embed="rId2"/>
+          <a:stretch>
+            <a:fillRect/>
+          </a:stretch>
+        </p:blipFill>
+        <p:spPr>
+          <a:xfrm>
+            <a:off x="696581" y="708089"/>
+            <a:ext cx="4601217" cy="962159"/>
+          </a:xfrm>
+          <a:prstGeom prst="rect">
+            <a:avLst/>
+          </a:prstGeom>
+          <a:ln w="28575">
+            <a:solidFill>
+              <a:schemeClr val="accent2">
+                <a:lumMod val="75000"/>
+              </a:schemeClr>
+            </a:solidFill>
+          </a:ln>
+        </p:spPr>
+      </p:pic>
+      <p:sp>
+        <p:nvSpPr>
+          <p:cNvPr id="30" name="CasellaDiTesto 29">
+            <a:extLst>
+              <a:ext uri="{FF2B5EF4-FFF2-40B4-BE49-F238E27FC236}">
+                <a16:creationId xmlns:a16="http://schemas.microsoft.com/office/drawing/2014/main" id="{2B5C0D79-D378-C5BE-A347-BBFA1BA791C6}"/>
+              </a:ext>
+            </a:extLst>
+          </p:cNvPr>
+          <p:cNvSpPr txBox="1"/>
+          <p:nvPr/>
+        </p:nvSpPr>
+        <p:spPr>
+          <a:xfrm>
+            <a:off x="1585533" y="195863"/>
+            <a:ext cx="2449260" cy="369332"/>
+          </a:xfrm>
+          <a:prstGeom prst="rect">
+            <a:avLst/>
+          </a:prstGeom>
+          <a:noFill/>
+        </p:spPr>
+        <p:txBody>
+          <a:bodyPr wrap="none" rtlCol="0">
+            <a:spAutoFit/>
+          </a:bodyPr>
+          <a:lstStyle/>
+          <a:p>
+            <a:r>
+              <a:rPr lang="it-IT" dirty="0"/>
+              <a:t>Momentum </a:t>
+            </a:r>
+            <a:r>
+              <a:rPr lang="it-IT" dirty="0" err="1"/>
+              <a:t>equations</a:t>
+            </a:r>
+            <a:endParaRPr lang="it-IT" dirty="0"/>
+          </a:p>
+        </p:txBody>
+      </p:sp>
+      <p:pic>
+        <p:nvPicPr>
+          <p:cNvPr id="72" name="Immagine 71" descr="Immagine che contiene linea, diagramma, bianco, Carattere&#10;&#10;Il contenuto generato dall'IA potrebbe non essere corretto.">
+            <a:extLst>
+              <a:ext uri="{FF2B5EF4-FFF2-40B4-BE49-F238E27FC236}">
+                <a16:creationId xmlns:a16="http://schemas.microsoft.com/office/drawing/2014/main" id="{7033DD54-19C3-759A-764E-CF84AC21A73E}"/>
+              </a:ext>
+            </a:extLst>
+          </p:cNvPr>
+          <p:cNvPicPr>
+            <a:picLocks noChangeAspect="1"/>
+          </p:cNvPicPr>
+          <p:nvPr/>
+        </p:nvPicPr>
+        <p:blipFill>
+          <a:blip r:embed="rId3">
+            <a:extLst>
+              <a:ext uri="{28A0092B-C50C-407E-A947-70E740481C1C}">
+                <a14:useLocalDpi xmlns:a14="http://schemas.microsoft.com/office/drawing/2010/main" val="0"/>
+              </a:ext>
+            </a:extLst>
+          </a:blip>
+          <a:stretch>
+            <a:fillRect/>
+          </a:stretch>
+        </p:blipFill>
+        <p:spPr>
+          <a:xfrm>
+            <a:off x="810030" y="2264822"/>
+            <a:ext cx="5804778" cy="3559038"/>
+          </a:xfrm>
+          <a:prstGeom prst="rect">
+            <a:avLst/>
+          </a:prstGeom>
+        </p:spPr>
+      </p:pic>
+      <p:sp>
+        <p:nvSpPr>
+          <p:cNvPr id="73" name="Freccia a destra 72">
+            <a:extLst>
+              <a:ext uri="{FF2B5EF4-FFF2-40B4-BE49-F238E27FC236}">
+                <a16:creationId xmlns:a16="http://schemas.microsoft.com/office/drawing/2014/main" id="{ACECC9C3-EF80-48D5-ED4E-1F8C5F74772A}"/>
+              </a:ext>
+            </a:extLst>
+          </p:cNvPr>
+          <p:cNvSpPr/>
+          <p:nvPr/>
+        </p:nvSpPr>
+        <p:spPr>
+          <a:xfrm>
+            <a:off x="6266770" y="973663"/>
+            <a:ext cx="1254868" cy="431010"/>
+          </a:xfrm>
+          <a:prstGeom prst="rightArrow">
+            <a:avLst/>
+          </a:prstGeom>
+        </p:spPr>
+        <p:style>
+          <a:lnRef idx="2">
+            <a:schemeClr val="accent1">
+              <a:shade val="15000"/>
+            </a:schemeClr>
+          </a:lnRef>
+          <a:fillRef idx="1">
+            <a:schemeClr val="accent1"/>
+          </a:fillRef>
+          <a:effectRef idx="0">
+            <a:schemeClr val="accent1"/>
+          </a:effectRef>
+          <a:fontRef idx="minor">
+            <a:schemeClr val="lt1"/>
+          </a:fontRef>
+        </p:style>
+        <p:txBody>
+          <a:bodyPr rtlCol="0" anchor="ctr"/>
+          <a:lstStyle/>
+          <a:p>
+            <a:pPr algn="ctr"/>
+            <a:endParaRPr lang="it-IT"/>
+          </a:p>
+        </p:txBody>
+      </p:sp>
+      <mc:AlternateContent xmlns:mc="http://schemas.openxmlformats.org/markup-compatibility/2006" xmlns:a14="http://schemas.microsoft.com/office/drawing/2010/main">
+        <mc:Choice Requires="a14">
+          <p:sp>
+            <p:nvSpPr>
+              <p:cNvPr id="74" name="CasellaDiTesto 73">
+                <a:extLst>
+                  <a:ext uri="{FF2B5EF4-FFF2-40B4-BE49-F238E27FC236}">
+                    <a16:creationId xmlns:a16="http://schemas.microsoft.com/office/drawing/2014/main" id="{2FFC2308-6AEC-6702-7DF7-1B5FEBBB191E}"/>
+                  </a:ext>
+                </a:extLst>
+              </p:cNvPr>
+              <p:cNvSpPr txBox="1"/>
+              <p:nvPr/>
+            </p:nvSpPr>
+            <p:spPr>
+              <a:xfrm>
+                <a:off x="8113587" y="778027"/>
+                <a:ext cx="3203826" cy="836191"/>
+              </a:xfrm>
+              <a:prstGeom prst="rect">
+                <a:avLst/>
+              </a:prstGeom>
+              <a:noFill/>
+            </p:spPr>
+            <p:txBody>
+              <a:bodyPr wrap="none" lIns="0" tIns="0" rIns="0" bIns="0" rtlCol="0">
+                <a:spAutoFit/>
+              </a:bodyPr>
+              <a:lstStyle/>
+              <a:p>
+                <a:pPr/>
+                <a14:m>
+                  <m:oMathPara xmlns:m="http://schemas.openxmlformats.org/officeDocument/2006/math">
+                    <m:oMathParaPr>
+                      <m:jc m:val="centerGroup"/>
+                    </m:oMathParaPr>
+                    <m:oMath xmlns:m="http://schemas.openxmlformats.org/officeDocument/2006/math">
+                      <m:f>
+                        <m:fPr>
+                          <m:ctrlPr>
+                            <a:rPr lang="it-IT" sz="2800" b="0" i="1" smtClean="0">
+                              <a:latin typeface="Cambria Math" panose="02040503050406030204" pitchFamily="18" charset="0"/>
+                            </a:rPr>
+                          </m:ctrlPr>
+                        </m:fPr>
+                        <m:num>
+                          <m:r>
+                            <a:rPr lang="it-IT" sz="2800" b="0" i="1" smtClean="0">
+                              <a:latin typeface="Cambria Math" panose="02040503050406030204" pitchFamily="18" charset="0"/>
+                            </a:rPr>
+                            <m:t>𝐷</m:t>
+                          </m:r>
+                          <m:r>
+                            <a:rPr lang="it-IT" sz="2800" b="0" i="1" smtClean="0">
+                              <a:latin typeface="Cambria Math" panose="02040503050406030204" pitchFamily="18" charset="0"/>
+                            </a:rPr>
+                            <m:t> </m:t>
+                          </m:r>
+                          <m:d>
+                            <m:dPr>
+                              <m:ctrlPr>
+                                <a:rPr lang="it-IT" sz="2800" b="0" i="1" smtClean="0">
+                                  <a:latin typeface="Cambria Math" panose="02040503050406030204" pitchFamily="18" charset="0"/>
+                                </a:rPr>
+                              </m:ctrlPr>
+                            </m:dPr>
+                            <m:e>
+                              <m:r>
+                                <a:rPr lang="it-IT" sz="2800" b="0" i="1" smtClean="0">
+                                  <a:latin typeface="Cambria Math" panose="02040503050406030204" pitchFamily="18" charset="0"/>
+                                </a:rPr>
+                                <m:t>𝜁</m:t>
+                              </m:r>
+                              <m:r>
+                                <a:rPr lang="it-IT" sz="2800" b="0" i="1" smtClean="0">
+                                  <a:latin typeface="Cambria Math" panose="02040503050406030204" pitchFamily="18" charset="0"/>
+                                </a:rPr>
+                                <m:t>+</m:t>
+                              </m:r>
+                              <m:r>
+                                <a:rPr lang="it-IT" sz="2800" b="0" i="1" smtClean="0">
+                                  <a:latin typeface="Cambria Math" panose="02040503050406030204" pitchFamily="18" charset="0"/>
+                                </a:rPr>
+                                <m:t>𝑓</m:t>
+                              </m:r>
+                            </m:e>
+                          </m:d>
+                        </m:num>
+                        <m:den>
+                          <m:r>
+                            <a:rPr lang="it-IT" sz="2800" b="0" i="1" smtClean="0">
+                              <a:latin typeface="Cambria Math" panose="02040503050406030204" pitchFamily="18" charset="0"/>
+                            </a:rPr>
+                            <m:t>𝐷𝑡</m:t>
+                          </m:r>
+                        </m:den>
+                      </m:f>
+                      <m:r>
+                        <a:rPr lang="it-IT" sz="2800" b="0" i="1" smtClean="0">
+                          <a:latin typeface="Cambria Math" panose="02040503050406030204" pitchFamily="18" charset="0"/>
+                        </a:rPr>
+                        <m:t>=</m:t>
+                      </m:r>
+                      <m:f>
+                        <m:fPr>
+                          <m:ctrlPr>
+                            <a:rPr lang="it-IT" sz="2800" i="1">
+                              <a:latin typeface="Cambria Math" panose="02040503050406030204" pitchFamily="18" charset="0"/>
+                            </a:rPr>
+                          </m:ctrlPr>
+                        </m:fPr>
+                        <m:num>
+                          <m:r>
+                            <a:rPr lang="it-IT" sz="2800" i="1">
+                              <a:latin typeface="Cambria Math" panose="02040503050406030204" pitchFamily="18" charset="0"/>
+                            </a:rPr>
+                            <m:t>𝐷</m:t>
+                          </m:r>
+                          <m:r>
+                            <a:rPr lang="it-IT" sz="2800" i="1">
+                              <a:latin typeface="Cambria Math" panose="02040503050406030204" pitchFamily="18" charset="0"/>
+                            </a:rPr>
+                            <m:t> </m:t>
+                          </m:r>
+                          <m:r>
+                            <a:rPr lang="it-IT" sz="2800" b="0" i="1" smtClean="0">
+                              <a:latin typeface="Cambria Math" panose="02040503050406030204" pitchFamily="18" charset="0"/>
+                            </a:rPr>
+                            <m:t>𝑞</m:t>
+                          </m:r>
+                        </m:num>
+                        <m:den>
+                          <m:r>
+                            <a:rPr lang="it-IT" sz="2800" i="1">
+                              <a:latin typeface="Cambria Math" panose="02040503050406030204" pitchFamily="18" charset="0"/>
+                            </a:rPr>
+                            <m:t>𝐷𝑡</m:t>
+                          </m:r>
+                        </m:den>
+                      </m:f>
+                      <m:r>
+                        <a:rPr lang="it-IT" sz="2800" b="0" i="1" smtClean="0">
+                          <a:latin typeface="Cambria Math" panose="02040503050406030204" pitchFamily="18" charset="0"/>
+                        </a:rPr>
+                        <m:t>=0</m:t>
+                      </m:r>
+                    </m:oMath>
+                  </m:oMathPara>
+                </a14:m>
+                <a:endParaRPr lang="it-IT" sz="2800" dirty="0"/>
+              </a:p>
+            </p:txBody>
+          </p:sp>
+        </mc:Choice>
+        <mc:Fallback xmlns="">
+          <p:sp>
+            <p:nvSpPr>
+              <p:cNvPr id="74" name="CasellaDiTesto 73">
+                <a:extLst>
+                  <a:ext uri="{FF2B5EF4-FFF2-40B4-BE49-F238E27FC236}">
+                    <a16:creationId xmlns:a16="http://schemas.microsoft.com/office/drawing/2014/main" id="{2FFC2308-6AEC-6702-7DF7-1B5FEBBB191E}"/>
+                  </a:ext>
+                </a:extLst>
+              </p:cNvPr>
+              <p:cNvSpPr txBox="1">
+                <a:spLocks noRot="1" noChangeAspect="1" noMove="1" noResize="1" noEditPoints="1" noAdjustHandles="1" noChangeArrowheads="1" noChangeShapeType="1" noTextEdit="1"/>
+              </p:cNvSpPr>
+              <p:nvPr/>
+            </p:nvSpPr>
+            <p:spPr>
+              <a:xfrm>
+                <a:off x="8113587" y="778027"/>
+                <a:ext cx="3203826" cy="836191"/>
+              </a:xfrm>
+              <a:prstGeom prst="rect">
+                <a:avLst/>
+              </a:prstGeom>
+              <a:blipFill>
+                <a:blip r:embed="rId4"/>
+                <a:stretch>
+                  <a:fillRect/>
+                </a:stretch>
+              </a:blipFill>
+            </p:spPr>
+            <p:txBody>
+              <a:bodyPr/>
+              <a:lstStyle/>
+              <a:p>
+                <a:r>
+                  <a:rPr lang="it-IT">
+                    <a:noFill/>
+                  </a:rPr>
+                  <a:t> </a:t>
+                </a:r>
+              </a:p>
+            </p:txBody>
+          </p:sp>
+        </mc:Fallback>
+      </mc:AlternateContent>
+      <p:cxnSp>
+        <p:nvCxnSpPr>
+          <p:cNvPr id="76" name="Connettore 2 75">
+            <a:extLst>
+              <a:ext uri="{FF2B5EF4-FFF2-40B4-BE49-F238E27FC236}">
+                <a16:creationId xmlns:a16="http://schemas.microsoft.com/office/drawing/2014/main" id="{588A6AB6-EB18-67FF-13C1-D13AF00BE29B}"/>
+              </a:ext>
+            </a:extLst>
+          </p:cNvPr>
+          <p:cNvCxnSpPr>
+            <a:cxnSpLocks/>
+          </p:cNvCxnSpPr>
+          <p:nvPr/>
+        </p:nvCxnSpPr>
+        <p:spPr>
+          <a:xfrm flipV="1">
+            <a:off x="476655" y="3002838"/>
+            <a:ext cx="0" cy="2821022"/>
+          </a:xfrm>
+          <a:prstGeom prst="straightConnector1">
+            <a:avLst/>
+          </a:prstGeom>
+          <a:ln w="38100">
+            <a:solidFill>
+              <a:srgbClr val="FFC000"/>
+            </a:solidFill>
+            <a:tailEnd type="triangle"/>
+          </a:ln>
+        </p:spPr>
+        <p:style>
+          <a:lnRef idx="2">
+            <a:schemeClr val="accent1"/>
+          </a:lnRef>
+          <a:fillRef idx="0">
+            <a:schemeClr val="accent1"/>
+          </a:fillRef>
+          <a:effectRef idx="1">
+            <a:schemeClr val="accent1"/>
+          </a:effectRef>
+          <a:fontRef idx="minor">
+            <a:schemeClr val="tx1"/>
+          </a:fontRef>
+        </p:style>
+      </p:cxnSp>
+      <p:cxnSp>
+        <p:nvCxnSpPr>
+          <p:cNvPr id="79" name="Connettore 2 78">
+            <a:extLst>
+              <a:ext uri="{FF2B5EF4-FFF2-40B4-BE49-F238E27FC236}">
+                <a16:creationId xmlns:a16="http://schemas.microsoft.com/office/drawing/2014/main" id="{1EF27D78-1419-D385-B1FC-3CD614809CD1}"/>
+              </a:ext>
+            </a:extLst>
+          </p:cNvPr>
+          <p:cNvCxnSpPr>
+            <a:cxnSpLocks/>
+          </p:cNvCxnSpPr>
+          <p:nvPr/>
+        </p:nvCxnSpPr>
+        <p:spPr>
+          <a:xfrm>
+            <a:off x="376136" y="6180541"/>
+            <a:ext cx="3738664" cy="0"/>
+          </a:xfrm>
+          <a:prstGeom prst="straightConnector1">
+            <a:avLst/>
+          </a:prstGeom>
+          <a:ln w="38100">
+            <a:solidFill>
+              <a:srgbClr val="FFC000"/>
+            </a:solidFill>
+            <a:tailEnd type="triangle"/>
+          </a:ln>
+        </p:spPr>
+        <p:style>
+          <a:lnRef idx="2">
+            <a:schemeClr val="accent1"/>
+          </a:lnRef>
+          <a:fillRef idx="0">
+            <a:schemeClr val="accent1"/>
+          </a:fillRef>
+          <a:effectRef idx="1">
+            <a:schemeClr val="accent1"/>
+          </a:effectRef>
+          <a:fontRef idx="minor">
+            <a:schemeClr val="tx1"/>
+          </a:fontRef>
+        </p:style>
+      </p:cxnSp>
+      <p:sp>
+        <p:nvSpPr>
+          <p:cNvPr id="81" name="CasellaDiTesto 80">
+            <a:extLst>
+              <a:ext uri="{FF2B5EF4-FFF2-40B4-BE49-F238E27FC236}">
+                <a16:creationId xmlns:a16="http://schemas.microsoft.com/office/drawing/2014/main" id="{FF269466-E8F3-C796-AC90-3E3D08940983}"/>
+              </a:ext>
+            </a:extLst>
+          </p:cNvPr>
+          <p:cNvSpPr txBox="1"/>
+          <p:nvPr/>
+        </p:nvSpPr>
+        <p:spPr>
+          <a:xfrm>
+            <a:off x="273386" y="2633506"/>
+            <a:ext cx="1994520" cy="369332"/>
+          </a:xfrm>
+          <a:prstGeom prst="rect">
+            <a:avLst/>
+          </a:prstGeom>
+          <a:noFill/>
+        </p:spPr>
+        <p:txBody>
+          <a:bodyPr wrap="none" rtlCol="0">
+            <a:spAutoFit/>
+          </a:bodyPr>
+          <a:lstStyle/>
+          <a:p>
+            <a:r>
+              <a:rPr lang="it-IT" dirty="0"/>
+              <a:t>POLE (f </a:t>
+            </a:r>
+            <a:r>
+              <a:rPr lang="it-IT" dirty="0" err="1"/>
+              <a:t>increases</a:t>
+            </a:r>
+            <a:r>
+              <a:rPr lang="it-IT" dirty="0"/>
+              <a:t>)</a:t>
+            </a:r>
+          </a:p>
+        </p:txBody>
+      </p:sp>
+      <mc:AlternateContent xmlns:mc="http://schemas.openxmlformats.org/markup-compatibility/2006">
+        <mc:Choice xmlns:a14="http://schemas.microsoft.com/office/drawing/2010/main" Requires="a14">
+          <p:sp>
+            <p:nvSpPr>
+              <p:cNvPr id="2" name="CasellaDiTesto 1">
+                <a:extLst>
+                  <a:ext uri="{FF2B5EF4-FFF2-40B4-BE49-F238E27FC236}">
+                    <a16:creationId xmlns:a16="http://schemas.microsoft.com/office/drawing/2014/main" id="{0971A9C0-626D-F31C-9A59-40EB6FFA015D}"/>
+                  </a:ext>
+                </a:extLst>
+              </p:cNvPr>
+              <p:cNvSpPr txBox="1"/>
+              <p:nvPr/>
+            </p:nvSpPr>
+            <p:spPr>
+              <a:xfrm>
+                <a:off x="9160931" y="3594086"/>
+                <a:ext cx="1688732" cy="819263"/>
+              </a:xfrm>
+              <a:prstGeom prst="rect">
+                <a:avLst/>
+              </a:prstGeom>
+              <a:noFill/>
+            </p:spPr>
+            <p:txBody>
+              <a:bodyPr wrap="square" lIns="0" tIns="0" rIns="0" bIns="0" rtlCol="0">
+                <a:spAutoFit/>
+              </a:bodyPr>
+              <a:lstStyle/>
+              <a:p>
+                <a:pPr/>
+                <a14:m>
+                  <m:oMathPara xmlns:m="http://schemas.openxmlformats.org/officeDocument/2006/math">
+                    <m:oMathParaPr>
+                      <m:jc m:val="centerGroup"/>
+                    </m:oMathParaPr>
+                    <m:oMath xmlns:m="http://schemas.openxmlformats.org/officeDocument/2006/math">
+                      <m:f>
+                        <m:fPr>
+                          <m:ctrlPr>
+                            <a:rPr lang="it-IT" sz="2800" b="0" i="1" smtClean="0">
+                              <a:latin typeface="Cambria Math" panose="02040503050406030204" pitchFamily="18" charset="0"/>
+                            </a:rPr>
+                          </m:ctrlPr>
+                        </m:fPr>
+                        <m:num>
+                          <m:r>
+                            <a:rPr lang="it-IT" sz="2800" b="0" i="1" smtClean="0">
+                              <a:latin typeface="Cambria Math" panose="02040503050406030204" pitchFamily="18" charset="0"/>
+                            </a:rPr>
+                            <m:t>𝜕</m:t>
+                          </m:r>
+                          <m:r>
+                            <a:rPr lang="it-IT" sz="2800" b="0" i="1" smtClean="0">
+                              <a:latin typeface="Cambria Math" panose="02040503050406030204" pitchFamily="18" charset="0"/>
+                            </a:rPr>
+                            <m:t> </m:t>
+                          </m:r>
+                          <m:r>
+                            <a:rPr lang="it-IT" sz="2800" b="0" i="1" smtClean="0">
+                              <a:latin typeface="Cambria Math" panose="02040503050406030204" pitchFamily="18" charset="0"/>
+                            </a:rPr>
+                            <m:t>𝜁</m:t>
+                          </m:r>
+                        </m:num>
+                        <m:den>
+                          <m:r>
+                            <a:rPr lang="it-IT" sz="2800" b="0" i="1" smtClean="0">
+                              <a:latin typeface="Cambria Math" panose="02040503050406030204" pitchFamily="18" charset="0"/>
+                            </a:rPr>
+                            <m:t>𝜕</m:t>
+                          </m:r>
+                          <m:r>
+                            <a:rPr lang="it-IT" sz="2800" b="0" i="1" smtClean="0">
+                              <a:latin typeface="Cambria Math" panose="02040503050406030204" pitchFamily="18" charset="0"/>
+                            </a:rPr>
+                            <m:t>𝑡</m:t>
+                          </m:r>
+                        </m:den>
+                      </m:f>
+                      <m:r>
+                        <a:rPr lang="it-IT" sz="2800" b="0" i="1" smtClean="0">
+                          <a:latin typeface="Cambria Math" panose="02040503050406030204" pitchFamily="18" charset="0"/>
+                        </a:rPr>
+                        <m:t>∝−</m:t>
+                      </m:r>
+                      <m:r>
+                        <a:rPr lang="it-IT" sz="2800" b="0" i="1" smtClean="0">
+                          <a:latin typeface="Cambria Math" panose="02040503050406030204" pitchFamily="18" charset="0"/>
+                        </a:rPr>
+                        <m:t>𝛽</m:t>
+                      </m:r>
+                      <m:r>
+                        <a:rPr lang="it-IT" sz="2800" b="0" i="1" smtClean="0">
+                          <a:latin typeface="Cambria Math" panose="02040503050406030204" pitchFamily="18" charset="0"/>
+                        </a:rPr>
+                        <m:t>𝑣</m:t>
+                      </m:r>
+                    </m:oMath>
+                  </m:oMathPara>
+                </a14:m>
+                <a:endParaRPr lang="it-IT" sz="2800" dirty="0"/>
+              </a:p>
+            </p:txBody>
+          </p:sp>
+        </mc:Choice>
+        <mc:Fallback>
+          <p:sp>
+            <p:nvSpPr>
+              <p:cNvPr id="2" name="CasellaDiTesto 1">
+                <a:extLst>
+                  <a:ext uri="{FF2B5EF4-FFF2-40B4-BE49-F238E27FC236}">
+                    <a16:creationId xmlns:a16="http://schemas.microsoft.com/office/drawing/2014/main" id="{0971A9C0-626D-F31C-9A59-40EB6FFA015D}"/>
+                  </a:ext>
+                </a:extLst>
+              </p:cNvPr>
+              <p:cNvSpPr txBox="1">
+                <a:spLocks noRot="1" noChangeAspect="1" noMove="1" noResize="1" noEditPoints="1" noAdjustHandles="1" noChangeArrowheads="1" noChangeShapeType="1" noTextEdit="1"/>
+              </p:cNvSpPr>
+              <p:nvPr/>
+            </p:nvSpPr>
+            <p:spPr>
+              <a:xfrm>
+                <a:off x="9160931" y="3594086"/>
+                <a:ext cx="1688732" cy="819263"/>
+              </a:xfrm>
+              <a:prstGeom prst="rect">
+                <a:avLst/>
+              </a:prstGeom>
+              <a:blipFill>
+                <a:blip r:embed="rId5"/>
+                <a:stretch>
+                  <a:fillRect/>
+                </a:stretch>
+              </a:blipFill>
+            </p:spPr>
+            <p:txBody>
+              <a:bodyPr/>
+              <a:lstStyle/>
+              <a:p>
+                <a:r>
+                  <a:rPr lang="it-IT">
+                    <a:noFill/>
+                  </a:rPr>
+                  <a:t> </a:t>
+                </a:r>
+              </a:p>
+            </p:txBody>
+          </p:sp>
+        </mc:Fallback>
+      </mc:AlternateContent>
+      <p:sp>
+        <p:nvSpPr>
+          <p:cNvPr id="4" name="CasellaDiTesto 3">
+            <a:extLst>
+              <a:ext uri="{FF2B5EF4-FFF2-40B4-BE49-F238E27FC236}">
+                <a16:creationId xmlns:a16="http://schemas.microsoft.com/office/drawing/2014/main" id="{495A701F-4ED0-CADF-04D7-53353B7C4BE2}"/>
+              </a:ext>
+            </a:extLst>
+          </p:cNvPr>
+          <p:cNvSpPr txBox="1"/>
+          <p:nvPr/>
+        </p:nvSpPr>
+        <p:spPr>
+          <a:xfrm>
+            <a:off x="8450065" y="3088166"/>
+            <a:ext cx="3606436" cy="369332"/>
+          </a:xfrm>
+          <a:prstGeom prst="rect">
+            <a:avLst/>
+          </a:prstGeom>
+          <a:noFill/>
+        </p:spPr>
+        <p:txBody>
+          <a:bodyPr wrap="square" rtlCol="0">
+            <a:spAutoFit/>
+          </a:bodyPr>
+          <a:lstStyle/>
+          <a:p>
+            <a:r>
+              <a:rPr lang="it-IT" dirty="0" err="1"/>
+              <a:t>Having</a:t>
+            </a:r>
+            <a:r>
+              <a:rPr lang="it-IT" dirty="0"/>
+              <a:t> a </a:t>
+            </a:r>
+            <a:r>
+              <a:rPr lang="it-IT" dirty="0" err="1"/>
+              <a:t>restoring</a:t>
+            </a:r>
+            <a:r>
+              <a:rPr lang="it-IT" dirty="0"/>
+              <a:t> </a:t>
+            </a:r>
+            <a:r>
+              <a:rPr lang="it-IT" dirty="0" err="1"/>
+              <a:t>term</a:t>
+            </a:r>
+            <a:r>
+              <a:rPr lang="it-IT" dirty="0"/>
+              <a:t> of </a:t>
+            </a:r>
+            <a:r>
+              <a:rPr lang="it-IT" dirty="0" err="1"/>
+              <a:t>this</a:t>
+            </a:r>
+            <a:r>
+              <a:rPr lang="it-IT" dirty="0"/>
+              <a:t> </a:t>
+            </a:r>
+            <a:r>
+              <a:rPr lang="it-IT" dirty="0" err="1"/>
+              <a:t>kind</a:t>
+            </a:r>
+            <a:endParaRPr lang="it-IT" dirty="0"/>
+          </a:p>
+        </p:txBody>
+      </p:sp>
+      <p:sp>
+        <p:nvSpPr>
+          <p:cNvPr id="6" name="CasellaDiTesto 5">
+            <a:extLst>
+              <a:ext uri="{FF2B5EF4-FFF2-40B4-BE49-F238E27FC236}">
+                <a16:creationId xmlns:a16="http://schemas.microsoft.com/office/drawing/2014/main" id="{59B6B3FD-D8BB-C8D0-EB5C-05E0A27FADED}"/>
+              </a:ext>
+            </a:extLst>
+          </p:cNvPr>
+          <p:cNvSpPr txBox="1"/>
+          <p:nvPr/>
+        </p:nvSpPr>
+        <p:spPr>
+          <a:xfrm>
+            <a:off x="8713021" y="4549937"/>
+            <a:ext cx="3080523" cy="646331"/>
+          </a:xfrm>
+          <a:prstGeom prst="rect">
+            <a:avLst/>
+          </a:prstGeom>
+          <a:noFill/>
+        </p:spPr>
+        <p:txBody>
+          <a:bodyPr wrap="square" rtlCol="0">
+            <a:spAutoFit/>
+          </a:bodyPr>
+          <a:lstStyle/>
+          <a:p>
+            <a:r>
+              <a:rPr lang="it-IT" dirty="0"/>
+              <a:t>Makes the </a:t>
+            </a:r>
+            <a:r>
+              <a:rPr lang="it-IT" b="1" dirty="0" err="1"/>
+              <a:t>phase</a:t>
+            </a:r>
+            <a:r>
+              <a:rPr lang="it-IT" dirty="0"/>
+              <a:t> of the </a:t>
+            </a:r>
+            <a:r>
+              <a:rPr lang="it-IT" dirty="0" err="1"/>
+              <a:t>wave</a:t>
+            </a:r>
+            <a:r>
+              <a:rPr lang="it-IT" dirty="0"/>
+              <a:t> </a:t>
+            </a:r>
+          </a:p>
+          <a:p>
+            <a:r>
+              <a:rPr lang="it-IT" dirty="0"/>
+              <a:t>Propagate </a:t>
+            </a:r>
+            <a:r>
+              <a:rPr lang="it-IT" b="1" dirty="0" err="1"/>
+              <a:t>westward</a:t>
+            </a:r>
+            <a:endParaRPr lang="it-IT" b="1" dirty="0"/>
+          </a:p>
+        </p:txBody>
+      </p:sp>
+      <p:pic>
+        <p:nvPicPr>
+          <p:cNvPr id="7" name="Immagine 6">
+            <a:extLst>
+              <a:ext uri="{FF2B5EF4-FFF2-40B4-BE49-F238E27FC236}">
+                <a16:creationId xmlns:a16="http://schemas.microsoft.com/office/drawing/2014/main" id="{19C4B41F-B8FC-B552-3617-0E5F17056C97}"/>
+              </a:ext>
+            </a:extLst>
+          </p:cNvPr>
+          <p:cNvPicPr>
+            <a:picLocks noChangeAspect="1"/>
+          </p:cNvPicPr>
+          <p:nvPr/>
+        </p:nvPicPr>
+        <p:blipFill>
+          <a:blip r:embed="rId6"/>
+          <a:stretch>
+            <a:fillRect/>
+          </a:stretch>
+        </p:blipFill>
+        <p:spPr>
+          <a:xfrm>
+            <a:off x="696581" y="3088166"/>
+            <a:ext cx="7334250" cy="2552700"/>
+          </a:xfrm>
+          <a:prstGeom prst="rect">
+            <a:avLst/>
+          </a:prstGeom>
+        </p:spPr>
+      </p:pic>
+    </p:spTree>
+    <p:extLst>
+      <p:ext uri="{BB962C8B-B14F-4D97-AF65-F5344CB8AC3E}">
+        <p14:creationId xmlns:p14="http://schemas.microsoft.com/office/powerpoint/2010/main" val="1427441017"/>
+      </p:ext>
+    </p:extLst>
+  </p:cSld>
+  <p:clrMapOvr>
+    <a:masterClrMapping/>
+  </p:clrMapOvr>
+  <p:timing>
+    <p:tnLst>
+      <p:par>
+        <p:cTn id="1" dur="indefinite" restart="never" nodeType="tmRoot">
+          <p:childTnLst>
+            <p:seq concurrent="1" nextAc="seek">
+              <p:cTn id="2" dur="indefinite" nodeType="mainSeq">
+                <p:childTnLst>
+                  <p:par>
+                    <p:cTn id="3" fill="hold">
+                      <p:stCondLst>
+                        <p:cond delay="indefinite"/>
+                      </p:stCondLst>
+                      <p:childTnLst>
+                        <p:par>
+                          <p:cTn id="4" fill="hold">
+                            <p:stCondLst>
+                              <p:cond delay="0"/>
+                            </p:stCondLst>
+                            <p:childTnLst>
+                              <p:par>
+                                <p:cTn id="5" presetID="2" presetClass="exit" presetSubtype="4" fill="hold" nodeType="clickEffect">
+                                  <p:stCondLst>
+                                    <p:cond delay="0"/>
+                                  </p:stCondLst>
+                                  <p:childTnLst>
+                                    <p:anim calcmode="lin" valueType="num">
+                                      <p:cBhvr additive="base">
+                                        <p:cTn id="6" dur="500"/>
+                                        <p:tgtEl>
+                                          <p:spTgt spid="72"/>
+                                        </p:tgtEl>
+                                        <p:attrNameLst>
+                                          <p:attrName>ppt_x</p:attrName>
+                                        </p:attrNameLst>
+                                      </p:cBhvr>
+                                      <p:tavLst>
+                                        <p:tav tm="0">
+                                          <p:val>
+                                            <p:strVal val="ppt_x"/>
+                                          </p:val>
+                                        </p:tav>
+                                        <p:tav tm="100000">
+                                          <p:val>
+                                            <p:strVal val="ppt_x"/>
+                                          </p:val>
+                                        </p:tav>
+                                      </p:tavLst>
+                                    </p:anim>
+                                    <p:anim calcmode="lin" valueType="num">
+                                      <p:cBhvr additive="base">
+                                        <p:cTn id="7" dur="500"/>
+                                        <p:tgtEl>
+                                          <p:spTgt spid="72"/>
+                                        </p:tgtEl>
+                                        <p:attrNameLst>
+                                          <p:attrName>ppt_y</p:attrName>
+                                        </p:attrNameLst>
+                                      </p:cBhvr>
+                                      <p:tavLst>
+                                        <p:tav tm="0">
+                                          <p:val>
+                                            <p:strVal val="ppt_y"/>
+                                          </p:val>
+                                        </p:tav>
+                                        <p:tav tm="100000">
+                                          <p:val>
+                                            <p:strVal val="1+ppt_h/2"/>
+                                          </p:val>
+                                        </p:tav>
+                                      </p:tavLst>
+                                    </p:anim>
+                                    <p:set>
+                                      <p:cBhvr>
+                                        <p:cTn id="8" dur="1" fill="hold">
+                                          <p:stCondLst>
+                                            <p:cond delay="499"/>
+                                          </p:stCondLst>
+                                        </p:cTn>
+                                        <p:tgtEl>
+                                          <p:spTgt spid="72"/>
+                                        </p:tgtEl>
+                                        <p:attrNameLst>
+                                          <p:attrName>style.visibility</p:attrName>
+                                        </p:attrNameLst>
+                                      </p:cBhvr>
+                                      <p:to>
+                                        <p:strVal val="hidden"/>
+                                      </p:to>
+                                    </p:set>
+                                  </p:childTnLst>
+                                </p:cTn>
+                              </p:par>
+                            </p:childTnLst>
+                          </p:cTn>
+                        </p:par>
+                      </p:childTnLst>
+                    </p:cTn>
+                  </p:par>
+                  <p:par>
+                    <p:cTn id="9" fill="hold">
+                      <p:stCondLst>
+                        <p:cond delay="indefinite"/>
+                      </p:stCondLst>
+                      <p:childTnLst>
+                        <p:par>
+                          <p:cTn id="10" fill="hold">
+                            <p:stCondLst>
+                              <p:cond delay="0"/>
+                            </p:stCondLst>
+                            <p:childTnLst>
+                              <p:par>
+                                <p:cTn id="11" presetID="2" presetClass="entr" presetSubtype="4" fill="hold" nodeType="clickEffect">
+                                  <p:stCondLst>
+                                    <p:cond delay="0"/>
+                                  </p:stCondLst>
+                                  <p:childTnLst>
+                                    <p:set>
+                                      <p:cBhvr>
+                                        <p:cTn id="12" dur="1" fill="hold">
+                                          <p:stCondLst>
+                                            <p:cond delay="0"/>
+                                          </p:stCondLst>
+                                        </p:cTn>
+                                        <p:tgtEl>
+                                          <p:spTgt spid="7"/>
+                                        </p:tgtEl>
+                                        <p:attrNameLst>
+                                          <p:attrName>style.visibility</p:attrName>
+                                        </p:attrNameLst>
+                                      </p:cBhvr>
+                                      <p:to>
+                                        <p:strVal val="visible"/>
+                                      </p:to>
+                                    </p:set>
+                                    <p:anim calcmode="lin" valueType="num">
+                                      <p:cBhvr additive="base">
+                                        <p:cTn id="13" dur="500" fill="hold"/>
+                                        <p:tgtEl>
+                                          <p:spTgt spid="7"/>
+                                        </p:tgtEl>
+                                        <p:attrNameLst>
+                                          <p:attrName>ppt_x</p:attrName>
+                                        </p:attrNameLst>
+                                      </p:cBhvr>
+                                      <p:tavLst>
+                                        <p:tav tm="0">
+                                          <p:val>
+                                            <p:strVal val="#ppt_x"/>
+                                          </p:val>
+                                        </p:tav>
+                                        <p:tav tm="100000">
+                                          <p:val>
+                                            <p:strVal val="#ppt_x"/>
+                                          </p:val>
+                                        </p:tav>
+                                      </p:tavLst>
+                                    </p:anim>
+                                    <p:anim calcmode="lin" valueType="num">
+                                      <p:cBhvr additive="base">
+                                        <p:cTn id="14" dur="500" fill="hold"/>
+                                        <p:tgtEl>
+                                          <p:spTgt spid="7"/>
+                                        </p:tgtEl>
+                                        <p:attrNameLst>
+                                          <p:attrName>ppt_y</p:attrName>
+                                        </p:attrNameLst>
+                                      </p:cBhvr>
+                                      <p:tavLst>
+                                        <p:tav tm="0">
+                                          <p:val>
+                                            <p:strVal val="1+#ppt_h/2"/>
+                                          </p:val>
+                                        </p:tav>
+                                        <p:tav tm="100000">
+                                          <p:val>
+                                            <p:strVal val="#ppt_y"/>
+                                          </p:val>
+                                        </p:tav>
+                                      </p:tavLst>
+                                    </p:anim>
+                                  </p:childTnLst>
+                                </p:cTn>
+                              </p:par>
+                            </p:childTnLst>
+                          </p:cTn>
+                        </p:par>
+                      </p:childTnLst>
+                    </p:cTn>
+                  </p:par>
+                </p:childTnLst>
+              </p:cTn>
+              <p:prevCondLst>
+                <p:cond evt="onPrev" delay="0">
+                  <p:tgtEl>
+                    <p:sldTgt/>
+                  </p:tgtEl>
+                </p:cond>
+              </p:prevCondLst>
+              <p:nextCondLst>
+                <p:cond evt="onNext" delay="0">
+                  <p:tgtEl>
+                    <p:sldTgt/>
+                  </p:tgtEl>
+                </p:cond>
+              </p:nextCondLst>
+            </p:seq>
+          </p:childTnLst>
+        </p:cTn>
+      </p:par>
+    </p:tnLst>
+  </p:timing>
+</p:sld>
+</file>
+
+<file path=ppt/slides/slide14.xml><?xml version="1.0" encoding="utf-8"?>
 <p:sld xmlns:a="http://schemas.openxmlformats.org/drawingml/2006/main" xmlns:r="http://schemas.openxmlformats.org/officeDocument/2006/relationships" xmlns:p="http://schemas.openxmlformats.org/presentationml/2006/main">
   <p:cSld>
     <p:spTree>
@@ -7787,6 +7109,1087 @@
           <a:chExt cx="0" cy="0"/>
         </a:xfrm>
       </p:grpSpPr>
+      <p:sp>
+        <p:nvSpPr>
+          <p:cNvPr id="8" name="CasellaDiTesto 7">
+            <a:extLst>
+              <a:ext uri="{FF2B5EF4-FFF2-40B4-BE49-F238E27FC236}">
+                <a16:creationId xmlns:a16="http://schemas.microsoft.com/office/drawing/2014/main" id="{A447B065-7784-E87C-3430-2C542427E785}"/>
+              </a:ext>
+            </a:extLst>
+          </p:cNvPr>
+          <p:cNvSpPr txBox="1"/>
+          <p:nvPr/>
+        </p:nvSpPr>
+        <p:spPr>
+          <a:xfrm>
+            <a:off x="1089497" y="190437"/>
+            <a:ext cx="3271921" cy="369332"/>
+          </a:xfrm>
+          <a:prstGeom prst="rect">
+            <a:avLst/>
+          </a:prstGeom>
+          <a:noFill/>
+          <a:ln w="38100">
+            <a:solidFill>
+              <a:schemeClr val="accent2"/>
+            </a:solidFill>
+          </a:ln>
+        </p:spPr>
+        <p:txBody>
+          <a:bodyPr wrap="none" rtlCol="0">
+            <a:spAutoFit/>
+          </a:bodyPr>
+          <a:lstStyle/>
+          <a:p>
+            <a:r>
+              <a:rPr lang="it-IT" dirty="0"/>
+              <a:t>How </a:t>
+            </a:r>
+            <a:r>
+              <a:rPr lang="it-IT" dirty="0" err="1"/>
+              <a:t>does</a:t>
+            </a:r>
+            <a:r>
+              <a:rPr lang="it-IT" dirty="0"/>
+              <a:t> the </a:t>
+            </a:r>
+            <a:r>
+              <a:rPr lang="it-IT" dirty="0" err="1"/>
+              <a:t>wave</a:t>
+            </a:r>
+            <a:r>
+              <a:rPr lang="it-IT" dirty="0"/>
+              <a:t> propagate?</a:t>
+            </a:r>
+          </a:p>
+        </p:txBody>
+      </p:sp>
+      <p:grpSp>
+        <p:nvGrpSpPr>
+          <p:cNvPr id="10" name="Gruppo 9">
+            <a:extLst>
+              <a:ext uri="{FF2B5EF4-FFF2-40B4-BE49-F238E27FC236}">
+                <a16:creationId xmlns:a16="http://schemas.microsoft.com/office/drawing/2014/main" id="{B09A7C6A-351F-E2B0-A4FA-5994FECB6A7A}"/>
+              </a:ext>
+            </a:extLst>
+          </p:cNvPr>
+          <p:cNvGrpSpPr/>
+          <p:nvPr/>
+        </p:nvGrpSpPr>
+        <p:grpSpPr>
+          <a:xfrm>
+            <a:off x="6241916" y="190437"/>
+            <a:ext cx="5852172" cy="4389130"/>
+            <a:chOff x="6096000" y="1306611"/>
+            <a:chExt cx="5852172" cy="4389130"/>
+          </a:xfrm>
+        </p:grpSpPr>
+        <p:pic>
+          <p:nvPicPr>
+            <p:cNvPr id="5" name="Immagine 4" descr="Immagine che contiene diagramma, linea, Diagramma, testo&#10;&#10;Il contenuto generato dall'IA potrebbe non essere corretto.">
+              <a:extLst>
+                <a:ext uri="{FF2B5EF4-FFF2-40B4-BE49-F238E27FC236}">
+                  <a16:creationId xmlns:a16="http://schemas.microsoft.com/office/drawing/2014/main" id="{9042916B-50EB-7267-0E48-93E1F255B42D}"/>
+                </a:ext>
+              </a:extLst>
+            </p:cNvPr>
+            <p:cNvPicPr>
+              <a:picLocks noChangeAspect="1"/>
+            </p:cNvPicPr>
+            <p:nvPr/>
+          </p:nvPicPr>
+          <p:blipFill>
+            <a:blip r:embed="rId2">
+              <a:extLst>
+                <a:ext uri="{28A0092B-C50C-407E-A947-70E740481C1C}">
+                  <a14:useLocalDpi xmlns:a14="http://schemas.microsoft.com/office/drawing/2010/main" val="0"/>
+                </a:ext>
+              </a:extLst>
+            </a:blip>
+            <a:stretch>
+              <a:fillRect/>
+            </a:stretch>
+          </p:blipFill>
+          <p:spPr>
+            <a:xfrm>
+              <a:off x="6096000" y="1306612"/>
+              <a:ext cx="5852172" cy="4389129"/>
+            </a:xfrm>
+            <a:prstGeom prst="rect">
+              <a:avLst/>
+            </a:prstGeom>
+          </p:spPr>
+        </p:pic>
+        <p:sp>
+          <p:nvSpPr>
+            <p:cNvPr id="9" name="CasellaDiTesto 8">
+              <a:extLst>
+                <a:ext uri="{FF2B5EF4-FFF2-40B4-BE49-F238E27FC236}">
+                  <a16:creationId xmlns:a16="http://schemas.microsoft.com/office/drawing/2014/main" id="{7116A87C-A254-A2BD-412E-124BFC83809E}"/>
+                </a:ext>
+              </a:extLst>
+            </p:cNvPr>
+            <p:cNvSpPr txBox="1"/>
+            <p:nvPr/>
+          </p:nvSpPr>
+          <p:spPr>
+            <a:xfrm>
+              <a:off x="7234136" y="1306611"/>
+              <a:ext cx="3917483" cy="369332"/>
+            </a:xfrm>
+            <a:prstGeom prst="rect">
+              <a:avLst/>
+            </a:prstGeom>
+            <a:noFill/>
+          </p:spPr>
+          <p:txBody>
+            <a:bodyPr wrap="none" rtlCol="0">
+              <a:spAutoFit/>
+            </a:bodyPr>
+            <a:lstStyle/>
+            <a:p>
+              <a:r>
+                <a:rPr lang="it-IT" dirty="0" err="1"/>
+                <a:t>Zonal</a:t>
+              </a:r>
+              <a:r>
+                <a:rPr lang="it-IT" dirty="0"/>
+                <a:t> </a:t>
+              </a:r>
+              <a:r>
+                <a:rPr lang="it-IT" dirty="0" err="1"/>
+                <a:t>phase</a:t>
+              </a:r>
+              <a:r>
+                <a:rPr lang="it-IT" dirty="0"/>
+                <a:t> speed and group </a:t>
+              </a:r>
+              <a:r>
+                <a:rPr lang="it-IT" dirty="0" err="1"/>
+                <a:t>velocity</a:t>
+              </a:r>
+              <a:endParaRPr lang="it-IT" dirty="0"/>
+            </a:p>
+          </p:txBody>
+        </p:sp>
+      </p:grpSp>
+      <mc:AlternateContent xmlns:mc="http://schemas.openxmlformats.org/markup-compatibility/2006">
+        <mc:Choice xmlns:a14="http://schemas.microsoft.com/office/drawing/2010/main" Requires="a14">
+          <p:sp>
+            <p:nvSpPr>
+              <p:cNvPr id="12" name="CasellaDiTesto 11">
+                <a:extLst>
+                  <a:ext uri="{FF2B5EF4-FFF2-40B4-BE49-F238E27FC236}">
+                    <a16:creationId xmlns:a16="http://schemas.microsoft.com/office/drawing/2014/main" id="{ABAAFFDE-C361-57CB-4388-5516F4BC7D6E}"/>
+                  </a:ext>
+                </a:extLst>
+              </p:cNvPr>
+              <p:cNvSpPr txBox="1"/>
+              <p:nvPr/>
+            </p:nvSpPr>
+            <p:spPr>
+              <a:xfrm>
+                <a:off x="145563" y="972165"/>
+                <a:ext cx="5490927" cy="4313617"/>
+              </a:xfrm>
+              <a:prstGeom prst="rect">
+                <a:avLst/>
+              </a:prstGeom>
+              <a:noFill/>
+            </p:spPr>
+            <p:txBody>
+              <a:bodyPr wrap="none" rtlCol="0">
+                <a:spAutoFit/>
+              </a:bodyPr>
+              <a:lstStyle/>
+              <a:p>
+                <a:pPr algn="ctr"/>
+                <a:r>
+                  <a:rPr lang="it-IT" dirty="0"/>
+                  <a:t>Key </a:t>
+                </a:r>
+                <a:r>
+                  <a:rPr lang="it-IT" dirty="0" err="1"/>
+                  <a:t>facts</a:t>
+                </a:r>
+                <a:endParaRPr lang="it-IT" dirty="0"/>
+              </a:p>
+              <a:p>
+                <a:r>
+                  <a:rPr lang="it-IT" b="1" dirty="0" err="1"/>
+                  <a:t>Phase</a:t>
+                </a:r>
+                <a:r>
+                  <a:rPr lang="it-IT" dirty="0"/>
+                  <a:t> </a:t>
+                </a:r>
+              </a:p>
+              <a:p>
+                <a:pPr marL="285750" indent="-285750">
+                  <a:buFontTx/>
+                  <a:buChar char="-"/>
+                </a:pPr>
+                <a:r>
+                  <a:rPr lang="it-IT" dirty="0"/>
+                  <a:t>Always </a:t>
+                </a:r>
+                <a:r>
+                  <a:rPr lang="it-IT" dirty="0" err="1"/>
+                  <a:t>propagates</a:t>
+                </a:r>
+                <a:r>
+                  <a:rPr lang="it-IT" dirty="0"/>
+                  <a:t> </a:t>
+                </a:r>
+                <a:r>
+                  <a:rPr lang="it-IT" dirty="0" err="1"/>
+                  <a:t>westward</a:t>
+                </a:r>
+                <a:r>
+                  <a:rPr lang="it-IT" dirty="0"/>
+                  <a:t> relative to U, for </a:t>
+                </a:r>
+                <a:r>
+                  <a:rPr lang="it-IT" dirty="0" err="1"/>
+                  <a:t>all</a:t>
+                </a:r>
+                <a:r>
+                  <a:rPr lang="it-IT" dirty="0"/>
+                  <a:t> </a:t>
+                </a:r>
+                <a:r>
+                  <a:rPr lang="it-IT" i="1" dirty="0"/>
+                  <a:t>k</a:t>
+                </a:r>
+              </a:p>
+              <a:p>
+                <a:pPr marL="285750" indent="-285750">
+                  <a:buFontTx/>
+                  <a:buChar char="-"/>
+                </a:pPr>
+                <a:endParaRPr lang="it-IT" i="1" dirty="0"/>
+              </a:p>
+              <a:p>
+                <a:r>
+                  <a:rPr lang="it-IT" b="1" dirty="0"/>
+                  <a:t>Energy</a:t>
+                </a:r>
+                <a:r>
+                  <a:rPr lang="it-IT" dirty="0"/>
+                  <a:t> (group vel)</a:t>
+                </a:r>
+              </a:p>
+              <a:p>
+                <a:pPr marL="285750" indent="-285750">
+                  <a:buFontTx/>
+                  <a:buChar char="-"/>
+                </a:pPr>
+                <a:r>
+                  <a:rPr lang="it-IT" dirty="0" err="1"/>
+                  <a:t>Westward</a:t>
+                </a:r>
+                <a:r>
+                  <a:rPr lang="it-IT" dirty="0"/>
+                  <a:t> for long </a:t>
+                </a:r>
+                <a:r>
+                  <a:rPr lang="it-IT" dirty="0" err="1"/>
+                  <a:t>waves</a:t>
+                </a:r>
+                <a:r>
+                  <a:rPr lang="it-IT" dirty="0"/>
+                  <a:t>     </a:t>
+                </a:r>
+                <a14:m>
+                  <m:oMath xmlns:m="http://schemas.openxmlformats.org/officeDocument/2006/math">
+                    <m:r>
+                      <a:rPr lang="it-IT" sz="2400" b="0" i="0" smtClean="0">
+                        <a:latin typeface="Cambria Math" panose="02040503050406030204" pitchFamily="18" charset="0"/>
+                      </a:rPr>
+                      <m:t>|</m:t>
+                    </m:r>
+                    <m:f>
+                      <m:fPr>
+                        <m:ctrlPr>
+                          <a:rPr lang="it-IT" sz="2400" b="0" i="1" smtClean="0">
+                            <a:latin typeface="Cambria Math" panose="02040503050406030204" pitchFamily="18" charset="0"/>
+                          </a:rPr>
+                        </m:ctrlPr>
+                      </m:fPr>
+                      <m:num>
+                        <m:r>
+                          <a:rPr lang="it-IT" sz="2400" b="0" i="1" smtClean="0">
+                            <a:latin typeface="Cambria Math" panose="02040503050406030204" pitchFamily="18" charset="0"/>
+                          </a:rPr>
+                          <m:t>𝑘</m:t>
+                        </m:r>
+                      </m:num>
+                      <m:den>
+                        <m:r>
+                          <a:rPr lang="it-IT" sz="2400" b="0" i="1" smtClean="0">
+                            <a:latin typeface="Cambria Math" panose="02040503050406030204" pitchFamily="18" charset="0"/>
+                          </a:rPr>
+                          <m:t>𝑙</m:t>
+                        </m:r>
+                      </m:den>
+                    </m:f>
+                    <m:r>
+                      <a:rPr lang="it-IT" sz="2400" b="0" i="1" smtClean="0">
+                        <a:latin typeface="Cambria Math" panose="02040503050406030204" pitchFamily="18" charset="0"/>
+                      </a:rPr>
+                      <m:t>|&lt;1</m:t>
+                    </m:r>
+                  </m:oMath>
+                </a14:m>
+                <a:endParaRPr lang="it-IT" sz="2400" dirty="0"/>
+              </a:p>
+              <a:p>
+                <a:pPr marL="342900" indent="-342900">
+                  <a:buFontTx/>
+                  <a:buChar char="-"/>
+                </a:pPr>
+                <a:endParaRPr lang="it-IT" sz="2400" dirty="0"/>
+              </a:p>
+              <a:p>
+                <a:r>
+                  <a:rPr lang="it-IT" dirty="0"/>
+                  <a:t>- </a:t>
+                </a:r>
+                <a:r>
+                  <a:rPr lang="it-IT" dirty="0" err="1"/>
+                  <a:t>Eastward</a:t>
+                </a:r>
+                <a:r>
+                  <a:rPr lang="it-IT" dirty="0"/>
+                  <a:t> for short </a:t>
+                </a:r>
+                <a:r>
+                  <a:rPr lang="it-IT" dirty="0" err="1"/>
+                  <a:t>waves</a:t>
+                </a:r>
+                <a:r>
+                  <a:rPr lang="it-IT" dirty="0"/>
+                  <a:t>         </a:t>
+                </a:r>
+                <a14:m>
+                  <m:oMath xmlns:m="http://schemas.openxmlformats.org/officeDocument/2006/math">
+                    <m:d>
+                      <m:dPr>
+                        <m:begChr m:val="|"/>
+                        <m:endChr m:val="|"/>
+                        <m:ctrlPr>
+                          <a:rPr lang="it-IT" sz="2400" b="0" i="1" smtClean="0">
+                            <a:latin typeface="Cambria Math" panose="02040503050406030204" pitchFamily="18" charset="0"/>
+                          </a:rPr>
+                        </m:ctrlPr>
+                      </m:dPr>
+                      <m:e>
+                        <m:f>
+                          <m:fPr>
+                            <m:ctrlPr>
+                              <a:rPr lang="it-IT" sz="2400" b="0" i="1" smtClean="0">
+                                <a:latin typeface="Cambria Math" panose="02040503050406030204" pitchFamily="18" charset="0"/>
+                              </a:rPr>
+                            </m:ctrlPr>
+                          </m:fPr>
+                          <m:num>
+                            <m:r>
+                              <a:rPr lang="it-IT" sz="2400" b="0" i="1" smtClean="0">
+                                <a:latin typeface="Cambria Math" panose="02040503050406030204" pitchFamily="18" charset="0"/>
+                              </a:rPr>
+                              <m:t>𝑘</m:t>
+                            </m:r>
+                          </m:num>
+                          <m:den>
+                            <m:r>
+                              <a:rPr lang="it-IT" sz="2400" b="0" i="1" smtClean="0">
+                                <a:latin typeface="Cambria Math" panose="02040503050406030204" pitchFamily="18" charset="0"/>
+                              </a:rPr>
+                              <m:t>𝑙</m:t>
+                            </m:r>
+                          </m:den>
+                        </m:f>
+                      </m:e>
+                    </m:d>
+                    <m:r>
+                      <a:rPr lang="it-IT" sz="2400" b="0" i="1" smtClean="0">
+                        <a:latin typeface="Cambria Math" panose="02040503050406030204" pitchFamily="18" charset="0"/>
+                      </a:rPr>
+                      <m:t>&gt;1</m:t>
+                    </m:r>
+                  </m:oMath>
+                </a14:m>
+                <a:endParaRPr lang="it-IT" sz="2400" dirty="0"/>
+              </a:p>
+              <a:p>
+                <a:endParaRPr lang="it-IT" dirty="0"/>
+              </a:p>
+              <a:p>
+                <a:endParaRPr lang="it-IT" dirty="0"/>
+              </a:p>
+              <a:p>
+                <a:r>
+                  <a:rPr lang="it-IT" dirty="0"/>
+                  <a:t>The </a:t>
+                </a:r>
+                <a:r>
+                  <a:rPr lang="it-IT" dirty="0" err="1"/>
+                  <a:t>problem</a:t>
+                </a:r>
+                <a:r>
+                  <a:rPr lang="it-IT" dirty="0"/>
+                  <a:t> </a:t>
+                </a:r>
+                <a:r>
+                  <a:rPr lang="it-IT" dirty="0" err="1"/>
+                  <a:t>is</a:t>
+                </a:r>
+                <a:r>
+                  <a:rPr lang="it-IT" dirty="0"/>
+                  <a:t> </a:t>
+                </a:r>
+                <a:r>
+                  <a:rPr lang="it-IT" dirty="0" err="1"/>
+                  <a:t>zonally</a:t>
+                </a:r>
+                <a:r>
+                  <a:rPr lang="it-IT" dirty="0"/>
+                  <a:t> </a:t>
+                </a:r>
+                <a:r>
+                  <a:rPr lang="it-IT" i="1" dirty="0" err="1"/>
+                  <a:t>asymmetric</a:t>
+                </a:r>
+                <a:endParaRPr lang="it-IT" dirty="0"/>
+              </a:p>
+              <a:p>
+                <a:pPr marL="285750" indent="-285750">
+                  <a:buFontTx/>
+                  <a:buChar char="-"/>
+                </a:pPr>
+                <a:r>
+                  <a:rPr lang="it-IT" dirty="0" err="1"/>
+                  <a:t>Westward</a:t>
+                </a:r>
+                <a:r>
+                  <a:rPr lang="it-IT" dirty="0"/>
+                  <a:t> </a:t>
+                </a:r>
+                <a:r>
+                  <a:rPr lang="it-IT" dirty="0" err="1"/>
+                  <a:t>velocity</a:t>
+                </a:r>
+                <a:r>
+                  <a:rPr lang="it-IT" dirty="0"/>
+                  <a:t>  &gt;&gt;  </a:t>
+                </a:r>
+                <a:r>
+                  <a:rPr lang="it-IT" dirty="0" err="1"/>
+                  <a:t>eastward</a:t>
+                </a:r>
+                <a:r>
+                  <a:rPr lang="it-IT" dirty="0"/>
+                  <a:t> </a:t>
+                </a:r>
+                <a:r>
+                  <a:rPr lang="it-IT" dirty="0" err="1"/>
+                  <a:t>velocity</a:t>
+                </a:r>
+                <a:endParaRPr lang="it-IT" dirty="0"/>
+              </a:p>
+              <a:p>
+                <a:r>
+                  <a:rPr lang="it-IT" dirty="0"/>
+                  <a:t>        </a:t>
+                </a:r>
+                <a:r>
+                  <a:rPr lang="it-IT" dirty="0">
+                    <a:sym typeface="Wingdings" panose="05000000000000000000" pitchFamily="2" charset="2"/>
+                  </a:rPr>
+                  <a:t>  western </a:t>
+                </a:r>
+                <a:r>
+                  <a:rPr lang="it-IT" dirty="0" err="1">
+                    <a:sym typeface="Wingdings" panose="05000000000000000000" pitchFamily="2" charset="2"/>
+                  </a:rPr>
+                  <a:t>intensification</a:t>
+                </a:r>
+                <a:r>
+                  <a:rPr lang="it-IT" dirty="0">
+                    <a:sym typeface="Wingdings" panose="05000000000000000000" pitchFamily="2" charset="2"/>
+                  </a:rPr>
+                  <a:t> (</a:t>
+                </a:r>
+                <a:r>
+                  <a:rPr lang="it-IT" sz="1600" i="1" dirty="0">
+                    <a:sym typeface="Wingdings" panose="05000000000000000000" pitchFamily="2" charset="2"/>
+                  </a:rPr>
+                  <a:t>Muller C. and </a:t>
+                </a:r>
+                <a:r>
+                  <a:rPr lang="it-IT" sz="1600" i="1" dirty="0" err="1">
+                    <a:sym typeface="Wingdings" panose="05000000000000000000" pitchFamily="2" charset="2"/>
+                  </a:rPr>
+                  <a:t>Vallis</a:t>
+                </a:r>
+                <a:r>
+                  <a:rPr lang="it-IT" sz="1600" i="1" dirty="0">
+                    <a:sym typeface="Wingdings" panose="05000000000000000000" pitchFamily="2" charset="2"/>
+                  </a:rPr>
+                  <a:t> ch.6</a:t>
+                </a:r>
+                <a:r>
+                  <a:rPr lang="it-IT" dirty="0">
+                    <a:sym typeface="Wingdings" panose="05000000000000000000" pitchFamily="2" charset="2"/>
+                  </a:rPr>
+                  <a:t>) </a:t>
+                </a:r>
+                <a:endParaRPr lang="it-IT" dirty="0"/>
+              </a:p>
+            </p:txBody>
+          </p:sp>
+        </mc:Choice>
+        <mc:Fallback>
+          <p:sp>
+            <p:nvSpPr>
+              <p:cNvPr id="12" name="CasellaDiTesto 11">
+                <a:extLst>
+                  <a:ext uri="{FF2B5EF4-FFF2-40B4-BE49-F238E27FC236}">
+                    <a16:creationId xmlns:a16="http://schemas.microsoft.com/office/drawing/2014/main" id="{ABAAFFDE-C361-57CB-4388-5516F4BC7D6E}"/>
+                  </a:ext>
+                </a:extLst>
+              </p:cNvPr>
+              <p:cNvSpPr txBox="1">
+                <a:spLocks noRot="1" noChangeAspect="1" noMove="1" noResize="1" noEditPoints="1" noAdjustHandles="1" noChangeArrowheads="1" noChangeShapeType="1" noTextEdit="1"/>
+              </p:cNvSpPr>
+              <p:nvPr/>
+            </p:nvSpPr>
+            <p:spPr>
+              <a:xfrm>
+                <a:off x="145563" y="972165"/>
+                <a:ext cx="5490927" cy="4313617"/>
+              </a:xfrm>
+              <a:prstGeom prst="rect">
+                <a:avLst/>
+              </a:prstGeom>
+              <a:blipFill>
+                <a:blip r:embed="rId3"/>
+                <a:stretch>
+                  <a:fillRect l="-999" t="-565" b="-1412"/>
+                </a:stretch>
+              </a:blipFill>
+            </p:spPr>
+            <p:txBody>
+              <a:bodyPr/>
+              <a:lstStyle/>
+              <a:p>
+                <a:r>
+                  <a:rPr lang="it-IT">
+                    <a:noFill/>
+                  </a:rPr>
+                  <a:t> </a:t>
+                </a:r>
+              </a:p>
+            </p:txBody>
+          </p:sp>
+        </mc:Fallback>
+      </mc:AlternateContent>
+      <p:cxnSp>
+        <p:nvCxnSpPr>
+          <p:cNvPr id="14" name="Connettore diritto 13">
+            <a:extLst>
+              <a:ext uri="{FF2B5EF4-FFF2-40B4-BE49-F238E27FC236}">
+                <a16:creationId xmlns:a16="http://schemas.microsoft.com/office/drawing/2014/main" id="{3F34F01D-349A-8ADC-BD03-8B21CAFCAA8F}"/>
+              </a:ext>
+            </a:extLst>
+          </p:cNvPr>
+          <p:cNvCxnSpPr>
+            <a:cxnSpLocks/>
+          </p:cNvCxnSpPr>
+          <p:nvPr/>
+        </p:nvCxnSpPr>
+        <p:spPr>
+          <a:xfrm>
+            <a:off x="8592951" y="1234500"/>
+            <a:ext cx="0" cy="3861881"/>
+          </a:xfrm>
+          <a:prstGeom prst="line">
+            <a:avLst/>
+          </a:prstGeom>
+        </p:spPr>
+        <p:style>
+          <a:lnRef idx="2">
+            <a:schemeClr val="accent1"/>
+          </a:lnRef>
+          <a:fillRef idx="0">
+            <a:schemeClr val="accent1"/>
+          </a:fillRef>
+          <a:effectRef idx="1">
+            <a:schemeClr val="accent1"/>
+          </a:effectRef>
+          <a:fontRef idx="minor">
+            <a:schemeClr val="tx1"/>
+          </a:fontRef>
+        </p:style>
+      </p:cxnSp>
+      <p:cxnSp>
+        <p:nvCxnSpPr>
+          <p:cNvPr id="2" name="Connettore diritto 1">
+            <a:extLst>
+              <a:ext uri="{FF2B5EF4-FFF2-40B4-BE49-F238E27FC236}">
+                <a16:creationId xmlns:a16="http://schemas.microsoft.com/office/drawing/2014/main" id="{1B39C1FF-2147-B3F7-25DD-32EF4139E326}"/>
+              </a:ext>
+            </a:extLst>
+          </p:cNvPr>
+          <p:cNvCxnSpPr>
+            <a:cxnSpLocks/>
+          </p:cNvCxnSpPr>
+          <p:nvPr/>
+        </p:nvCxnSpPr>
+        <p:spPr>
+          <a:xfrm>
+            <a:off x="9679207" y="1239363"/>
+            <a:ext cx="0" cy="3847290"/>
+          </a:xfrm>
+          <a:prstGeom prst="line">
+            <a:avLst/>
+          </a:prstGeom>
+        </p:spPr>
+        <p:style>
+          <a:lnRef idx="2">
+            <a:schemeClr val="accent1"/>
+          </a:lnRef>
+          <a:fillRef idx="0">
+            <a:schemeClr val="accent1"/>
+          </a:fillRef>
+          <a:effectRef idx="1">
+            <a:schemeClr val="accent1"/>
+          </a:effectRef>
+          <a:fontRef idx="minor">
+            <a:schemeClr val="tx1"/>
+          </a:fontRef>
+        </p:style>
+      </p:cxnSp>
+      <p:sp>
+        <p:nvSpPr>
+          <p:cNvPr id="13" name="CasellaDiTesto 12">
+            <a:extLst>
+              <a:ext uri="{FF2B5EF4-FFF2-40B4-BE49-F238E27FC236}">
+                <a16:creationId xmlns:a16="http://schemas.microsoft.com/office/drawing/2014/main" id="{CB072AC3-77DE-374E-1E83-2201C09A9F7C}"/>
+              </a:ext>
+            </a:extLst>
+          </p:cNvPr>
+          <p:cNvSpPr txBox="1"/>
+          <p:nvPr/>
+        </p:nvSpPr>
+        <p:spPr>
+          <a:xfrm>
+            <a:off x="8755483" y="4598239"/>
+            <a:ext cx="856260" cy="646331"/>
+          </a:xfrm>
+          <a:prstGeom prst="rect">
+            <a:avLst/>
+          </a:prstGeom>
+          <a:noFill/>
+        </p:spPr>
+        <p:txBody>
+          <a:bodyPr wrap="none" rtlCol="0">
+            <a:spAutoFit/>
+          </a:bodyPr>
+          <a:lstStyle/>
+          <a:p>
+            <a:r>
+              <a:rPr lang="it-IT" i="1" dirty="0"/>
+              <a:t>Long</a:t>
+            </a:r>
+          </a:p>
+          <a:p>
+            <a:r>
+              <a:rPr lang="it-IT" i="1" dirty="0"/>
+              <a:t> </a:t>
+            </a:r>
+            <a:r>
+              <a:rPr lang="it-IT" i="1" dirty="0" err="1"/>
+              <a:t>waves</a:t>
+            </a:r>
+            <a:endParaRPr lang="it-IT" i="1" dirty="0"/>
+          </a:p>
+        </p:txBody>
+      </p:sp>
+      <p:sp>
+        <p:nvSpPr>
+          <p:cNvPr id="16" name="CasellaDiTesto 15">
+            <a:extLst>
+              <a:ext uri="{FF2B5EF4-FFF2-40B4-BE49-F238E27FC236}">
+                <a16:creationId xmlns:a16="http://schemas.microsoft.com/office/drawing/2014/main" id="{5CA7A331-8AD9-2F7E-BF68-A1C8CF772135}"/>
+              </a:ext>
+            </a:extLst>
+          </p:cNvPr>
+          <p:cNvSpPr txBox="1"/>
+          <p:nvPr/>
+        </p:nvSpPr>
+        <p:spPr>
+          <a:xfrm>
+            <a:off x="7380052" y="4607967"/>
+            <a:ext cx="856260" cy="646331"/>
+          </a:xfrm>
+          <a:prstGeom prst="rect">
+            <a:avLst/>
+          </a:prstGeom>
+          <a:noFill/>
+        </p:spPr>
+        <p:txBody>
+          <a:bodyPr wrap="none" rtlCol="0">
+            <a:spAutoFit/>
+          </a:bodyPr>
+          <a:lstStyle/>
+          <a:p>
+            <a:r>
+              <a:rPr lang="it-IT" i="1" dirty="0"/>
+              <a:t>short</a:t>
+            </a:r>
+          </a:p>
+          <a:p>
+            <a:r>
+              <a:rPr lang="it-IT" i="1" dirty="0"/>
+              <a:t> </a:t>
+            </a:r>
+            <a:r>
+              <a:rPr lang="it-IT" i="1" dirty="0" err="1"/>
+              <a:t>waves</a:t>
+            </a:r>
+            <a:endParaRPr lang="it-IT" i="1" dirty="0"/>
+          </a:p>
+        </p:txBody>
+      </p:sp>
+      <mc:AlternateContent xmlns:mc="http://schemas.openxmlformats.org/markup-compatibility/2006" xmlns:a14="http://schemas.microsoft.com/office/drawing/2010/main">
+        <mc:Choice Requires="a14">
+          <p:sp>
+            <p:nvSpPr>
+              <p:cNvPr id="17" name="CasellaDiTesto 16">
+                <a:extLst>
+                  <a:ext uri="{FF2B5EF4-FFF2-40B4-BE49-F238E27FC236}">
+                    <a16:creationId xmlns:a16="http://schemas.microsoft.com/office/drawing/2014/main" id="{3A4A59CA-A66B-AE10-5F32-8A5FD23D0425}"/>
+                  </a:ext>
+                </a:extLst>
+              </p:cNvPr>
+              <p:cNvSpPr txBox="1"/>
+              <p:nvPr/>
+            </p:nvSpPr>
+            <p:spPr>
+              <a:xfrm>
+                <a:off x="9679207" y="4457128"/>
+                <a:ext cx="794128" cy="618246"/>
+              </a:xfrm>
+              <a:prstGeom prst="rect">
+                <a:avLst/>
+              </a:prstGeom>
+              <a:noFill/>
+              <a:ln>
+                <a:solidFill>
+                  <a:schemeClr val="tx2">
+                    <a:lumMod val="75000"/>
+                    <a:lumOff val="25000"/>
+                  </a:schemeClr>
+                </a:solidFill>
+              </a:ln>
+            </p:spPr>
+            <p:txBody>
+              <a:bodyPr wrap="none" rtlCol="0">
+                <a:spAutoFit/>
+              </a:bodyPr>
+              <a:lstStyle/>
+              <a:p>
+                <a:pPr/>
+                <a14:m>
+                  <m:oMathPara xmlns:m="http://schemas.openxmlformats.org/officeDocument/2006/math">
+                    <m:oMathParaPr>
+                      <m:jc m:val="centerGroup"/>
+                    </m:oMathParaPr>
+                    <m:oMath xmlns:m="http://schemas.openxmlformats.org/officeDocument/2006/math">
+                      <m:f>
+                        <m:fPr>
+                          <m:ctrlPr>
+                            <a:rPr lang="it-IT" b="0" i="1" smtClean="0">
+                              <a:latin typeface="Cambria Math" panose="02040503050406030204" pitchFamily="18" charset="0"/>
+                            </a:rPr>
+                          </m:ctrlPr>
+                        </m:fPr>
+                        <m:num>
+                          <m:r>
+                            <a:rPr lang="it-IT" b="0" i="1" smtClean="0">
+                              <a:latin typeface="Cambria Math" panose="02040503050406030204" pitchFamily="18" charset="0"/>
+                            </a:rPr>
+                            <m:t>𝑘</m:t>
+                          </m:r>
+                        </m:num>
+                        <m:den>
+                          <m:r>
+                            <a:rPr lang="it-IT" b="0" i="1" smtClean="0">
+                              <a:latin typeface="Cambria Math" panose="02040503050406030204" pitchFamily="18" charset="0"/>
+                            </a:rPr>
+                            <m:t>𝑙</m:t>
+                          </m:r>
+                        </m:den>
+                      </m:f>
+                      <m:r>
+                        <a:rPr lang="it-IT" b="0" i="1" smtClean="0">
+                          <a:latin typeface="Cambria Math" panose="02040503050406030204" pitchFamily="18" charset="0"/>
+                        </a:rPr>
+                        <m:t>=1</m:t>
+                      </m:r>
+                    </m:oMath>
+                  </m:oMathPara>
+                </a14:m>
+                <a:endParaRPr lang="it-IT" dirty="0"/>
+              </a:p>
+            </p:txBody>
+          </p:sp>
+        </mc:Choice>
+        <mc:Fallback xmlns="">
+          <p:sp>
+            <p:nvSpPr>
+              <p:cNvPr id="17" name="CasellaDiTesto 16">
+                <a:extLst>
+                  <a:ext uri="{FF2B5EF4-FFF2-40B4-BE49-F238E27FC236}">
+                    <a16:creationId xmlns:a16="http://schemas.microsoft.com/office/drawing/2014/main" id="{3A4A59CA-A66B-AE10-5F32-8A5FD23D0425}"/>
+                  </a:ext>
+                </a:extLst>
+              </p:cNvPr>
+              <p:cNvSpPr txBox="1">
+                <a:spLocks noRot="1" noChangeAspect="1" noMove="1" noResize="1" noEditPoints="1" noAdjustHandles="1" noChangeArrowheads="1" noChangeShapeType="1" noTextEdit="1"/>
+              </p:cNvSpPr>
+              <p:nvPr/>
+            </p:nvSpPr>
+            <p:spPr>
+              <a:xfrm>
+                <a:off x="9679207" y="4457128"/>
+                <a:ext cx="794128" cy="618246"/>
+              </a:xfrm>
+              <a:prstGeom prst="rect">
+                <a:avLst/>
+              </a:prstGeom>
+              <a:blipFill>
+                <a:blip r:embed="rId4"/>
+                <a:stretch>
+                  <a:fillRect/>
+                </a:stretch>
+              </a:blipFill>
+              <a:ln>
+                <a:solidFill>
+                  <a:schemeClr val="tx2">
+                    <a:lumMod val="75000"/>
+                    <a:lumOff val="25000"/>
+                  </a:schemeClr>
+                </a:solidFill>
+              </a:ln>
+            </p:spPr>
+            <p:txBody>
+              <a:bodyPr/>
+              <a:lstStyle/>
+              <a:p>
+                <a:r>
+                  <a:rPr lang="it-IT">
+                    <a:noFill/>
+                  </a:rPr>
+                  <a:t> </a:t>
+                </a:r>
+              </a:p>
+            </p:txBody>
+          </p:sp>
+        </mc:Fallback>
+      </mc:AlternateContent>
+      <p:sp>
+        <p:nvSpPr>
+          <p:cNvPr id="3" name="Triangolo isoscele 2">
+            <a:extLst>
+              <a:ext uri="{FF2B5EF4-FFF2-40B4-BE49-F238E27FC236}">
+                <a16:creationId xmlns:a16="http://schemas.microsoft.com/office/drawing/2014/main" id="{1DD993AF-3383-21ED-D75D-175AA9DE4287}"/>
+              </a:ext>
+            </a:extLst>
+          </p:cNvPr>
+          <p:cNvSpPr/>
+          <p:nvPr/>
+        </p:nvSpPr>
+        <p:spPr>
+          <a:xfrm>
+            <a:off x="6738026" y="1100327"/>
+            <a:ext cx="1284051" cy="1147864"/>
+          </a:xfrm>
+          <a:prstGeom prst="triangle">
+            <a:avLst/>
+          </a:prstGeom>
+          <a:noFill/>
+          <a:ln w="28575">
+            <a:solidFill>
+              <a:srgbClr val="FF0000"/>
+            </a:solidFill>
+          </a:ln>
+        </p:spPr>
+        <p:style>
+          <a:lnRef idx="2">
+            <a:schemeClr val="accent1">
+              <a:shade val="15000"/>
+            </a:schemeClr>
+          </a:lnRef>
+          <a:fillRef idx="1">
+            <a:schemeClr val="accent1"/>
+          </a:fillRef>
+          <a:effectRef idx="0">
+            <a:schemeClr val="accent1"/>
+          </a:effectRef>
+          <a:fontRef idx="minor">
+            <a:schemeClr val="lt1"/>
+          </a:fontRef>
+        </p:style>
+        <p:txBody>
+          <a:bodyPr rtlCol="0" anchor="ctr"/>
+          <a:lstStyle/>
+          <a:p>
+            <a:pPr algn="ctr"/>
+            <a:endParaRPr lang="it-IT"/>
+          </a:p>
+        </p:txBody>
+      </p:sp>
+      <p:sp>
+        <p:nvSpPr>
+          <p:cNvPr id="4" name="Triangolo isoscele 3">
+            <a:extLst>
+              <a:ext uri="{FF2B5EF4-FFF2-40B4-BE49-F238E27FC236}">
+                <a16:creationId xmlns:a16="http://schemas.microsoft.com/office/drawing/2014/main" id="{31128945-15E7-1FCA-76F3-FAAF015B4E1F}"/>
+              </a:ext>
+            </a:extLst>
+          </p:cNvPr>
+          <p:cNvSpPr/>
+          <p:nvPr/>
+        </p:nvSpPr>
+        <p:spPr>
+          <a:xfrm>
+            <a:off x="340116" y="5698178"/>
+            <a:ext cx="642377" cy="618684"/>
+          </a:xfrm>
+          <a:prstGeom prst="triangle">
+            <a:avLst/>
+          </a:prstGeom>
+          <a:noFill/>
+          <a:ln w="28575">
+            <a:solidFill>
+              <a:srgbClr val="FF0000"/>
+            </a:solidFill>
+          </a:ln>
+        </p:spPr>
+        <p:style>
+          <a:lnRef idx="2">
+            <a:schemeClr val="accent1">
+              <a:shade val="15000"/>
+            </a:schemeClr>
+          </a:lnRef>
+          <a:fillRef idx="1">
+            <a:schemeClr val="accent1"/>
+          </a:fillRef>
+          <a:effectRef idx="0">
+            <a:schemeClr val="accent1"/>
+          </a:effectRef>
+          <a:fontRef idx="minor">
+            <a:schemeClr val="lt1"/>
+          </a:fontRef>
+        </p:style>
+        <p:txBody>
+          <a:bodyPr rtlCol="0" anchor="ctr"/>
+          <a:lstStyle/>
+          <a:p>
+            <a:pPr algn="ctr"/>
+            <a:endParaRPr lang="it-IT"/>
+          </a:p>
+        </p:txBody>
+      </p:sp>
+      <p:sp>
+        <p:nvSpPr>
+          <p:cNvPr id="6" name="CasellaDiTesto 5">
+            <a:extLst>
+              <a:ext uri="{FF2B5EF4-FFF2-40B4-BE49-F238E27FC236}">
+                <a16:creationId xmlns:a16="http://schemas.microsoft.com/office/drawing/2014/main" id="{799CA1F3-98DC-BCAD-586F-12DB0FB90948}"/>
+              </a:ext>
+            </a:extLst>
+          </p:cNvPr>
+          <p:cNvSpPr txBox="1"/>
+          <p:nvPr/>
+        </p:nvSpPr>
+        <p:spPr>
+          <a:xfrm>
+            <a:off x="982493" y="5698178"/>
+            <a:ext cx="3697551" cy="646331"/>
+          </a:xfrm>
+          <a:prstGeom prst="rect">
+            <a:avLst/>
+          </a:prstGeom>
+          <a:noFill/>
+        </p:spPr>
+        <p:txBody>
+          <a:bodyPr wrap="none" rtlCol="0">
+            <a:spAutoFit/>
+          </a:bodyPr>
+          <a:lstStyle/>
+          <a:p>
+            <a:r>
+              <a:rPr lang="it-IT" dirty="0"/>
+              <a:t>:  A </a:t>
+            </a:r>
+            <a:r>
+              <a:rPr lang="it-IT" dirty="0" err="1"/>
+              <a:t>stationary</a:t>
+            </a:r>
+            <a:r>
+              <a:rPr lang="it-IT" dirty="0"/>
+              <a:t> </a:t>
+            </a:r>
+            <a:r>
+              <a:rPr lang="it-IT" dirty="0" err="1"/>
+              <a:t>wave</a:t>
+            </a:r>
+            <a:r>
+              <a:rPr lang="it-IT" dirty="0"/>
+              <a:t> </a:t>
+            </a:r>
+            <a:r>
+              <a:rPr lang="it-IT" dirty="0" err="1"/>
+              <a:t>will</a:t>
+            </a:r>
+            <a:r>
+              <a:rPr lang="it-IT" dirty="0"/>
+              <a:t> </a:t>
+            </a:r>
+            <a:r>
+              <a:rPr lang="it-IT" dirty="0" err="1"/>
+              <a:t>necessarily</a:t>
+            </a:r>
+            <a:r>
+              <a:rPr lang="it-IT" dirty="0"/>
+              <a:t> </a:t>
+            </a:r>
+          </a:p>
+          <a:p>
+            <a:r>
+              <a:rPr lang="it-IT" dirty="0"/>
+              <a:t>    propagate </a:t>
+            </a:r>
+            <a:r>
+              <a:rPr lang="it-IT" dirty="0" err="1"/>
+              <a:t>its</a:t>
+            </a:r>
+            <a:r>
+              <a:rPr lang="it-IT" dirty="0"/>
+              <a:t> energy </a:t>
+            </a:r>
+            <a:r>
+              <a:rPr lang="it-IT" dirty="0" err="1"/>
+              <a:t>eastward</a:t>
+            </a:r>
+            <a:endParaRPr lang="it-IT" dirty="0"/>
+          </a:p>
+        </p:txBody>
+      </p:sp>
     </p:spTree>
     <p:extLst>
       <p:ext uri="{BB962C8B-B14F-4D97-AF65-F5344CB8AC3E}">
@@ -7800,7 +8203,412 @@
 </p:sld>
 </file>
 
-<file path=ppt/slides/slide13.xml><?xml version="1.0" encoding="utf-8"?>
+<file path=ppt/slides/slide15.xml><?xml version="1.0" encoding="utf-8"?>
+<p:sld xmlns:a="http://schemas.openxmlformats.org/drawingml/2006/main" xmlns:r="http://schemas.openxmlformats.org/officeDocument/2006/relationships" xmlns:p="http://schemas.openxmlformats.org/presentationml/2006/main">
+  <p:cSld>
+    <p:spTree>
+      <p:nvGrpSpPr>
+        <p:cNvPr id="1" name=""/>
+        <p:cNvGrpSpPr/>
+        <p:nvPr/>
+      </p:nvGrpSpPr>
+      <p:grpSpPr>
+        <a:xfrm>
+          <a:off x="0" y="0"/>
+          <a:ext cx="0" cy="0"/>
+          <a:chOff x="0" y="0"/>
+          <a:chExt cx="0" cy="0"/>
+        </a:xfrm>
+      </p:grpSpPr>
+      <mc:AlternateContent xmlns:mc="http://schemas.openxmlformats.org/markup-compatibility/2006">
+        <mc:Choice xmlns:a14="http://schemas.microsoft.com/office/drawing/2010/main" Requires="a14">
+          <p:sp>
+            <p:nvSpPr>
+              <p:cNvPr id="2" name="CasellaDiTesto 1">
+                <a:extLst>
+                  <a:ext uri="{FF2B5EF4-FFF2-40B4-BE49-F238E27FC236}">
+                    <a16:creationId xmlns:a16="http://schemas.microsoft.com/office/drawing/2014/main" id="{AA0B6D69-283B-7A09-E2D0-6BB1CF62C9EE}"/>
+                  </a:ext>
+                </a:extLst>
+              </p:cNvPr>
+              <p:cNvSpPr txBox="1"/>
+              <p:nvPr/>
+            </p:nvSpPr>
+            <p:spPr>
+              <a:xfrm>
+                <a:off x="1309992" y="2898342"/>
+                <a:ext cx="3993273" cy="1073884"/>
+              </a:xfrm>
+              <a:prstGeom prst="rect">
+                <a:avLst/>
+              </a:prstGeom>
+              <a:noFill/>
+            </p:spPr>
+            <p:txBody>
+              <a:bodyPr wrap="none" lIns="0" tIns="0" rIns="0" bIns="0" rtlCol="0">
+                <a:spAutoFit/>
+              </a:bodyPr>
+              <a:lstStyle/>
+              <a:p>
+                <a:pPr/>
+                <a14:m>
+                  <m:oMathPara xmlns:m="http://schemas.openxmlformats.org/officeDocument/2006/math">
+                    <m:oMathParaPr>
+                      <m:jc m:val="centerGroup"/>
+                    </m:oMathParaPr>
+                    <m:oMath xmlns:m="http://schemas.openxmlformats.org/officeDocument/2006/math">
+                      <m:r>
+                        <a:rPr lang="it-IT" sz="2800" b="0" i="1" smtClean="0">
+                          <a:latin typeface="Cambria Math" panose="02040503050406030204" pitchFamily="18" charset="0"/>
+                        </a:rPr>
+                        <m:t>𝑙</m:t>
+                      </m:r>
+                      <m:r>
+                        <a:rPr lang="it-IT" sz="2800" b="0" i="1" smtClean="0">
+                          <a:latin typeface="Cambria Math" panose="02040503050406030204" pitchFamily="18" charset="0"/>
+                        </a:rPr>
+                        <m:t>= ±</m:t>
+                      </m:r>
+                      <m:sSup>
+                        <m:sSupPr>
+                          <m:ctrlPr>
+                            <a:rPr lang="it-IT" sz="2800" b="0" i="1" smtClean="0">
+                              <a:latin typeface="Cambria Math" panose="02040503050406030204" pitchFamily="18" charset="0"/>
+                            </a:rPr>
+                          </m:ctrlPr>
+                        </m:sSupPr>
+                        <m:e>
+                          <m:d>
+                            <m:dPr>
+                              <m:begChr m:val="["/>
+                              <m:endChr m:val="]"/>
+                              <m:ctrlPr>
+                                <a:rPr lang="it-IT" sz="2800" b="0" i="1" smtClean="0">
+                                  <a:latin typeface="Cambria Math" panose="02040503050406030204" pitchFamily="18" charset="0"/>
+                                </a:rPr>
+                              </m:ctrlPr>
+                            </m:dPr>
+                            <m:e>
+                              <m:f>
+                                <m:fPr>
+                                  <m:ctrlPr>
+                                    <a:rPr lang="it-IT" sz="2800" b="0" i="1" smtClean="0">
+                                      <a:latin typeface="Cambria Math" panose="02040503050406030204" pitchFamily="18" charset="0"/>
+                                    </a:rPr>
+                                  </m:ctrlPr>
+                                </m:fPr>
+                                <m:num>
+                                  <m:r>
+                                    <a:rPr lang="it-IT" sz="2800" b="0" i="1" smtClean="0">
+                                      <a:latin typeface="Cambria Math" panose="02040503050406030204" pitchFamily="18" charset="0"/>
+                                    </a:rPr>
+                                    <m:t>𝛽</m:t>
+                                  </m:r>
+                                </m:num>
+                                <m:den>
+                                  <m:r>
+                                    <a:rPr lang="it-IT" sz="2800" b="0" i="1" smtClean="0">
+                                      <a:latin typeface="Cambria Math" panose="02040503050406030204" pitchFamily="18" charset="0"/>
+                                    </a:rPr>
+                                    <m:t>𝑈</m:t>
+                                  </m:r>
+                                  <m:r>
+                                    <a:rPr lang="it-IT" sz="2800" b="0" i="1" smtClean="0">
+                                      <a:latin typeface="Cambria Math" panose="02040503050406030204" pitchFamily="18" charset="0"/>
+                                    </a:rPr>
+                                    <m:t>−</m:t>
+                                  </m:r>
+                                  <m:sSub>
+                                    <m:sSubPr>
+                                      <m:ctrlPr>
+                                        <a:rPr lang="it-IT" sz="2800" b="0" i="1" smtClean="0">
+                                          <a:latin typeface="Cambria Math" panose="02040503050406030204" pitchFamily="18" charset="0"/>
+                                        </a:rPr>
+                                      </m:ctrlPr>
+                                    </m:sSubPr>
+                                    <m:e>
+                                      <m:r>
+                                        <a:rPr lang="it-IT" sz="2800" b="0" i="1" smtClean="0">
+                                          <a:latin typeface="Cambria Math" panose="02040503050406030204" pitchFamily="18" charset="0"/>
+                                        </a:rPr>
+                                        <m:t>𝑐</m:t>
+                                      </m:r>
+                                    </m:e>
+                                    <m:sub>
+                                      <m:r>
+                                        <a:rPr lang="it-IT" sz="2800" b="0" i="1" smtClean="0">
+                                          <a:latin typeface="Cambria Math" panose="02040503050406030204" pitchFamily="18" charset="0"/>
+                                        </a:rPr>
+                                        <m:t>𝑝</m:t>
+                                      </m:r>
+                                      <m:r>
+                                        <a:rPr lang="it-IT" sz="2800" b="0" i="1" smtClean="0">
+                                          <a:latin typeface="Cambria Math" panose="02040503050406030204" pitchFamily="18" charset="0"/>
+                                        </a:rPr>
+                                        <m:t>,</m:t>
+                                      </m:r>
+                                      <m:r>
+                                        <a:rPr lang="it-IT" sz="2800" b="0" i="1" smtClean="0">
+                                          <a:latin typeface="Cambria Math" panose="02040503050406030204" pitchFamily="18" charset="0"/>
+                                        </a:rPr>
+                                        <m:t>𝑥</m:t>
+                                      </m:r>
+                                    </m:sub>
+                                  </m:sSub>
+                                </m:den>
+                              </m:f>
+                              <m:r>
+                                <a:rPr lang="it-IT" sz="2800" b="0" i="1" smtClean="0">
+                                  <a:latin typeface="Cambria Math" panose="02040503050406030204" pitchFamily="18" charset="0"/>
+                                </a:rPr>
+                                <m:t> −</m:t>
+                              </m:r>
+                              <m:sSup>
+                                <m:sSupPr>
+                                  <m:ctrlPr>
+                                    <a:rPr lang="it-IT" sz="2800" b="0" i="1" smtClean="0">
+                                      <a:latin typeface="Cambria Math" panose="02040503050406030204" pitchFamily="18" charset="0"/>
+                                    </a:rPr>
+                                  </m:ctrlPr>
+                                </m:sSupPr>
+                                <m:e>
+                                  <m:r>
+                                    <a:rPr lang="it-IT" sz="2800" b="0" i="1" smtClean="0">
+                                      <a:latin typeface="Cambria Math" panose="02040503050406030204" pitchFamily="18" charset="0"/>
+                                    </a:rPr>
+                                    <m:t>𝑘</m:t>
+                                  </m:r>
+                                </m:e>
+                                <m:sup>
+                                  <m:r>
+                                    <a:rPr lang="it-IT" sz="2800" b="0" i="1" smtClean="0">
+                                      <a:latin typeface="Cambria Math" panose="02040503050406030204" pitchFamily="18" charset="0"/>
+                                    </a:rPr>
+                                    <m:t>2</m:t>
+                                  </m:r>
+                                </m:sup>
+                              </m:sSup>
+                              <m:r>
+                                <a:rPr lang="it-IT" sz="2800" b="0" i="1" smtClean="0">
+                                  <a:latin typeface="Cambria Math" panose="02040503050406030204" pitchFamily="18" charset="0"/>
+                                </a:rPr>
+                                <m:t> </m:t>
+                              </m:r>
+                            </m:e>
+                          </m:d>
+                        </m:e>
+                        <m:sup>
+                          <m:r>
+                            <a:rPr lang="it-IT" sz="2800" b="0" i="1" smtClean="0">
+                              <a:latin typeface="Cambria Math" panose="02040503050406030204" pitchFamily="18" charset="0"/>
+                            </a:rPr>
+                            <m:t>1/2</m:t>
+                          </m:r>
+                        </m:sup>
+                      </m:sSup>
+                    </m:oMath>
+                  </m:oMathPara>
+                </a14:m>
+                <a:endParaRPr lang="it-IT" sz="2800" dirty="0"/>
+              </a:p>
+            </p:txBody>
+          </p:sp>
+        </mc:Choice>
+        <mc:Fallback>
+          <p:sp>
+            <p:nvSpPr>
+              <p:cNvPr id="2" name="CasellaDiTesto 1">
+                <a:extLst>
+                  <a:ext uri="{FF2B5EF4-FFF2-40B4-BE49-F238E27FC236}">
+                    <a16:creationId xmlns:a16="http://schemas.microsoft.com/office/drawing/2014/main" id="{AA0B6D69-283B-7A09-E2D0-6BB1CF62C9EE}"/>
+                  </a:ext>
+                </a:extLst>
+              </p:cNvPr>
+              <p:cNvSpPr txBox="1">
+                <a:spLocks noRot="1" noChangeAspect="1" noMove="1" noResize="1" noEditPoints="1" noAdjustHandles="1" noChangeArrowheads="1" noChangeShapeType="1" noTextEdit="1"/>
+              </p:cNvSpPr>
+              <p:nvPr/>
+            </p:nvSpPr>
+            <p:spPr>
+              <a:xfrm>
+                <a:off x="1309992" y="2898342"/>
+                <a:ext cx="3993273" cy="1073884"/>
+              </a:xfrm>
+              <a:prstGeom prst="rect">
+                <a:avLst/>
+              </a:prstGeom>
+              <a:blipFill>
+                <a:blip r:embed="rId2"/>
+                <a:stretch>
+                  <a:fillRect/>
+                </a:stretch>
+              </a:blipFill>
+            </p:spPr>
+            <p:txBody>
+              <a:bodyPr/>
+              <a:lstStyle/>
+              <a:p>
+                <a:r>
+                  <a:rPr lang="it-IT">
+                    <a:noFill/>
+                  </a:rPr>
+                  <a:t> </a:t>
+                </a:r>
+              </a:p>
+            </p:txBody>
+          </p:sp>
+        </mc:Fallback>
+      </mc:AlternateContent>
+      <p:sp>
+        <p:nvSpPr>
+          <p:cNvPr id="3" name="CasellaDiTesto 2">
+            <a:extLst>
+              <a:ext uri="{FF2B5EF4-FFF2-40B4-BE49-F238E27FC236}">
+                <a16:creationId xmlns:a16="http://schemas.microsoft.com/office/drawing/2014/main" id="{A4CC506A-E223-B07A-BC94-5FE96AC3EF64}"/>
+              </a:ext>
+            </a:extLst>
+          </p:cNvPr>
+          <p:cNvSpPr txBox="1"/>
+          <p:nvPr/>
+        </p:nvSpPr>
+        <p:spPr>
+          <a:xfrm>
+            <a:off x="953311" y="671209"/>
+            <a:ext cx="1275542" cy="369332"/>
+          </a:xfrm>
+          <a:prstGeom prst="rect">
+            <a:avLst/>
+          </a:prstGeom>
+          <a:noFill/>
+        </p:spPr>
+        <p:txBody>
+          <a:bodyPr wrap="none" rtlCol="0">
+            <a:spAutoFit/>
+          </a:bodyPr>
+          <a:lstStyle/>
+          <a:p>
+            <a:r>
+              <a:rPr lang="it-IT" dirty="0"/>
+              <a:t>But </a:t>
+            </a:r>
+            <a:r>
+              <a:rPr lang="it-IT" dirty="0" err="1"/>
+              <a:t>wait</a:t>
+            </a:r>
+            <a:r>
+              <a:rPr lang="it-IT" dirty="0"/>
+              <a:t>…  </a:t>
+            </a:r>
+          </a:p>
+        </p:txBody>
+      </p:sp>
+      <p:sp>
+        <p:nvSpPr>
+          <p:cNvPr id="4" name="CasellaDiTesto 3">
+            <a:extLst>
+              <a:ext uri="{FF2B5EF4-FFF2-40B4-BE49-F238E27FC236}">
+                <a16:creationId xmlns:a16="http://schemas.microsoft.com/office/drawing/2014/main" id="{377D23BC-B145-AD05-4D68-A945F4E406BE}"/>
+              </a:ext>
+            </a:extLst>
+          </p:cNvPr>
+          <p:cNvSpPr txBox="1"/>
+          <p:nvPr/>
+        </p:nvSpPr>
+        <p:spPr>
+          <a:xfrm>
+            <a:off x="3333345" y="671209"/>
+            <a:ext cx="4506490" cy="369332"/>
+          </a:xfrm>
+          <a:prstGeom prst="rect">
+            <a:avLst/>
+          </a:prstGeom>
+          <a:noFill/>
+        </p:spPr>
+        <p:txBody>
+          <a:bodyPr wrap="none" rtlCol="0">
+            <a:spAutoFit/>
+          </a:bodyPr>
+          <a:lstStyle/>
+          <a:p>
+            <a:r>
+              <a:rPr lang="it-IT" dirty="0" err="1"/>
+              <a:t>What’s</a:t>
+            </a:r>
+            <a:r>
+              <a:rPr lang="it-IT" dirty="0"/>
+              <a:t> </a:t>
+            </a:r>
+            <a:r>
+              <a:rPr lang="it-IT" dirty="0" err="1"/>
+              <a:t>going</a:t>
+            </a:r>
+            <a:r>
+              <a:rPr lang="it-IT" dirty="0"/>
+              <a:t> on in the </a:t>
+            </a:r>
+            <a:r>
+              <a:rPr lang="it-IT" dirty="0" err="1"/>
+              <a:t>meridional</a:t>
+            </a:r>
+            <a:r>
+              <a:rPr lang="it-IT" dirty="0"/>
+              <a:t> </a:t>
+            </a:r>
+            <a:r>
+              <a:rPr lang="it-IT" dirty="0" err="1"/>
+              <a:t>direction</a:t>
+            </a:r>
+            <a:r>
+              <a:rPr lang="it-IT" dirty="0"/>
+              <a:t>?</a:t>
+            </a:r>
+          </a:p>
+        </p:txBody>
+      </p:sp>
+    </p:spTree>
+    <p:extLst>
+      <p:ext uri="{BB962C8B-B14F-4D97-AF65-F5344CB8AC3E}">
+        <p14:creationId xmlns:p14="http://schemas.microsoft.com/office/powerpoint/2010/main" val="792980885"/>
+      </p:ext>
+    </p:extLst>
+  </p:cSld>
+  <p:clrMapOvr>
+    <a:masterClrMapping/>
+  </p:clrMapOvr>
+</p:sld>
+</file>
+
+<file path=ppt/slides/slide16.xml><?xml version="1.0" encoding="utf-8"?>
+<p:sld xmlns:a="http://schemas.openxmlformats.org/drawingml/2006/main" xmlns:r="http://schemas.openxmlformats.org/officeDocument/2006/relationships" xmlns:p="http://schemas.openxmlformats.org/presentationml/2006/main">
+  <p:cSld>
+    <p:spTree>
+      <p:nvGrpSpPr>
+        <p:cNvPr id="1" name=""/>
+        <p:cNvGrpSpPr/>
+        <p:nvPr/>
+      </p:nvGrpSpPr>
+      <p:grpSpPr>
+        <a:xfrm>
+          <a:off x="0" y="0"/>
+          <a:ext cx="0" cy="0"/>
+          <a:chOff x="0" y="0"/>
+          <a:chExt cx="0" cy="0"/>
+        </a:xfrm>
+      </p:grpSpPr>
+    </p:spTree>
+    <p:extLst>
+      <p:ext uri="{BB962C8B-B14F-4D97-AF65-F5344CB8AC3E}">
+        <p14:creationId xmlns:p14="http://schemas.microsoft.com/office/powerpoint/2010/main" val="304190828"/>
+      </p:ext>
+    </p:extLst>
+  </p:cSld>
+  <p:clrMapOvr>
+    <a:masterClrMapping/>
+  </p:clrMapOvr>
+</p:sld>
+</file>
+
+<file path=ppt/slides/slide17.xml><?xml version="1.0" encoding="utf-8"?>
 <p:sld xmlns:a="http://schemas.openxmlformats.org/drawingml/2006/main" xmlns:r="http://schemas.openxmlformats.org/officeDocument/2006/relationships" xmlns:p="http://schemas.openxmlformats.org/presentationml/2006/main">
   <p:cSld>
     <p:spTree>
@@ -8134,8 +8942,8 @@
           </a:p>
         </p:txBody>
       </p:sp>
-      <mc:AlternateContent xmlns:mc="http://schemas.openxmlformats.org/markup-compatibility/2006">
-        <mc:Choice xmlns:a14="http://schemas.microsoft.com/office/drawing/2010/main" Requires="a14">
+      <mc:AlternateContent xmlns:mc="http://schemas.openxmlformats.org/markup-compatibility/2006" xmlns:a14="http://schemas.microsoft.com/office/drawing/2010/main">
+        <mc:Choice Requires="a14">
           <p:sp>
             <p:nvSpPr>
               <p:cNvPr id="12" name="CasellaDiTesto 11">
@@ -8279,7 +9087,7 @@
             </p:txBody>
           </p:sp>
         </mc:Choice>
-        <mc:Fallback>
+        <mc:Fallback xmlns="">
           <p:sp>
             <p:nvSpPr>
               <p:cNvPr id="12" name="CasellaDiTesto 11">
@@ -9535,8 +10343,8 @@
           </a:p>
         </p:txBody>
       </p:sp>
-      <mc:AlternateContent xmlns:mc="http://schemas.openxmlformats.org/markup-compatibility/2006">
-        <mc:Choice xmlns:a14="http://schemas.microsoft.com/office/drawing/2010/main" Requires="a14">
+      <mc:AlternateContent xmlns:mc="http://schemas.openxmlformats.org/markup-compatibility/2006" xmlns:a14="http://schemas.microsoft.com/office/drawing/2010/main">
+        <mc:Choice Requires="a14">
           <p:sp>
             <p:nvSpPr>
               <p:cNvPr id="10" name="CasellaDiTesto 9">
@@ -9892,7 +10700,6 @@
                 <a:endParaRPr lang="it-IT" dirty="0"/>
               </a:p>
               <a:p>
-                <a:pPr/>
                 <a:endParaRPr lang="it-IT" dirty="0"/>
               </a:p>
               <a:p>
@@ -9944,7 +10751,7 @@
             </p:txBody>
           </p:sp>
         </mc:Choice>
-        <mc:Fallback>
+        <mc:Fallback xmlns="">
           <p:sp>
             <p:nvSpPr>
               <p:cNvPr id="10" name="CasellaDiTesto 9">
@@ -11165,8 +11972,8 @@
           </a:p>
         </p:txBody>
       </p:sp>
-      <mc:AlternateContent xmlns:mc="http://schemas.openxmlformats.org/markup-compatibility/2006">
-        <mc:Choice xmlns:a14="http://schemas.microsoft.com/office/drawing/2010/main" Requires="a14">
+      <mc:AlternateContent xmlns:mc="http://schemas.openxmlformats.org/markup-compatibility/2006" xmlns:a14="http://schemas.microsoft.com/office/drawing/2010/main">
+        <mc:Choice Requires="a14">
           <p:sp>
             <p:nvSpPr>
               <p:cNvPr id="13" name="CasellaDiTesto 12">
@@ -11195,6 +12002,7 @@
               </a:bodyPr>
               <a:lstStyle/>
               <a:p>
+                <a:pPr/>
                 <a14:m>
                   <m:oMathPara xmlns:m="http://schemas.openxmlformats.org/officeDocument/2006/math">
                     <m:oMathParaPr>
@@ -11276,7 +12084,7 @@
             </p:txBody>
           </p:sp>
         </mc:Choice>
-        <mc:Fallback>
+        <mc:Fallback xmlns="">
           <p:sp>
             <p:nvSpPr>
               <p:cNvPr id="13" name="CasellaDiTesto 12">
@@ -12103,8 +12911,8 @@
           </p:txBody>
         </p:sp>
       </p:grpSp>
-      <mc:AlternateContent xmlns:mc="http://schemas.openxmlformats.org/markup-compatibility/2006">
-        <mc:Choice xmlns:a14="http://schemas.microsoft.com/office/drawing/2010/main" Requires="a14">
+      <mc:AlternateContent xmlns:mc="http://schemas.openxmlformats.org/markup-compatibility/2006" xmlns:a14="http://schemas.microsoft.com/office/drawing/2010/main">
+        <mc:Choice Requires="a14">
           <p:sp>
             <p:nvSpPr>
               <p:cNvPr id="12" name="CasellaDiTesto 11">
@@ -12163,7 +12971,7 @@
             </p:txBody>
           </p:sp>
         </mc:Choice>
-        <mc:Fallback>
+        <mc:Fallback xmlns="">
           <p:sp>
             <p:nvSpPr>
               <p:cNvPr id="12" name="CasellaDiTesto 11">
@@ -12364,8 +13172,8 @@
           </a:p>
         </p:txBody>
       </p:sp>
-      <mc:AlternateContent xmlns:mc="http://schemas.openxmlformats.org/markup-compatibility/2006">
-        <mc:Choice xmlns:a14="http://schemas.microsoft.com/office/drawing/2010/main" Requires="a14">
+      <mc:AlternateContent xmlns:mc="http://schemas.openxmlformats.org/markup-compatibility/2006" xmlns:a14="http://schemas.microsoft.com/office/drawing/2010/main">
+        <mc:Choice Requires="a14">
           <p:sp>
             <p:nvSpPr>
               <p:cNvPr id="3" name="Sottotitolo 2">
@@ -12437,7 +13245,7 @@
             </p:txBody>
           </p:sp>
         </mc:Choice>
-        <mc:Fallback>
+        <mc:Fallback xmlns="">
           <p:sp>
             <p:nvSpPr>
               <p:cNvPr id="3" name="Sottotitolo 2">
@@ -12701,7 +13509,7 @@
         </p:blipFill>
         <p:spPr>
           <a:xfrm>
-            <a:off x="2401944" y="3177489"/>
+            <a:off x="2324120" y="3177489"/>
             <a:ext cx="2467319" cy="1038370"/>
           </a:xfrm>
           <a:prstGeom prst="rect">
@@ -12723,7 +13531,7 @@
         </p:nvSpPr>
         <p:spPr>
           <a:xfrm>
-            <a:off x="5344996" y="3540025"/>
+            <a:off x="5267172" y="3540025"/>
             <a:ext cx="3964611" cy="400110"/>
           </a:xfrm>
           <a:prstGeom prst="rect">

--- a/waves_presentation/waves.pptx
+++ b/waves_presentation/waves.pptx
@@ -5,7 +5,7 @@
     <p:sldMasterId id="2147483648" r:id="rId1"/>
   </p:sldMasterIdLst>
   <p:notesMasterIdLst>
-    <p:notesMasterId r:id="rId19"/>
+    <p:notesMasterId r:id="rId26"/>
   </p:notesMasterIdLst>
   <p:sldIdLst>
     <p:sldId id="256" r:id="rId2"/>
@@ -22,9 +22,16 @@
     <p:sldId id="267" r:id="rId13"/>
     <p:sldId id="270" r:id="rId14"/>
     <p:sldId id="268" r:id="rId15"/>
-    <p:sldId id="271" r:id="rId16"/>
-    <p:sldId id="272" r:id="rId17"/>
-    <p:sldId id="263" r:id="rId18"/>
+    <p:sldId id="272" r:id="rId16"/>
+    <p:sldId id="276" r:id="rId17"/>
+    <p:sldId id="275" r:id="rId18"/>
+    <p:sldId id="277" r:id="rId19"/>
+    <p:sldId id="273" r:id="rId20"/>
+    <p:sldId id="274" r:id="rId21"/>
+    <p:sldId id="278" r:id="rId22"/>
+    <p:sldId id="279" r:id="rId23"/>
+    <p:sldId id="271" r:id="rId24"/>
+    <p:sldId id="263" r:id="rId25"/>
   </p:sldIdLst>
   <p:sldSz cx="12192000" cy="6858000"/>
   <p:notesSz cx="6858000" cy="9144000"/>
@@ -213,7 +220,7 @@
           <a:p>
             <a:fld id="{6106A675-3C6A-4987-A60A-2E33BCEB4C58}" type="datetimeFigureOut">
               <a:rPr lang="en-GB" smtClean="0"/>
-              <a:t>22/02/2025</a:t>
+              <a:t>23/02/2025</a:t>
             </a:fld>
             <a:endParaRPr lang="en-GB"/>
           </a:p>
@@ -721,6 +728,198 @@
 </p:notes>
 </file>
 
+<file path=ppt/notesSlides/notesSlide3.xml><?xml version="1.0" encoding="utf-8"?>
+<p:notes xmlns:a="http://schemas.openxmlformats.org/drawingml/2006/main" xmlns:r="http://schemas.openxmlformats.org/officeDocument/2006/relationships" xmlns:p="http://schemas.openxmlformats.org/presentationml/2006/main">
+  <p:cSld>
+    <p:spTree>
+      <p:nvGrpSpPr>
+        <p:cNvPr id="1" name=""/>
+        <p:cNvGrpSpPr/>
+        <p:nvPr/>
+      </p:nvGrpSpPr>
+      <p:grpSpPr>
+        <a:xfrm>
+          <a:off x="0" y="0"/>
+          <a:ext cx="0" cy="0"/>
+          <a:chOff x="0" y="0"/>
+          <a:chExt cx="0" cy="0"/>
+        </a:xfrm>
+      </p:grpSpPr>
+      <p:sp>
+        <p:nvSpPr>
+          <p:cNvPr id="2" name="Segnaposto immagine diapositiva 1"/>
+          <p:cNvSpPr>
+            <a:spLocks noGrp="1" noRot="1" noChangeAspect="1"/>
+          </p:cNvSpPr>
+          <p:nvPr>
+            <p:ph type="sldImg"/>
+          </p:nvPr>
+        </p:nvSpPr>
+        <p:spPr/>
+      </p:sp>
+      <p:sp>
+        <p:nvSpPr>
+          <p:cNvPr id="3" name="Segnaposto note 2"/>
+          <p:cNvSpPr>
+            <a:spLocks noGrp="1"/>
+          </p:cNvSpPr>
+          <p:nvPr>
+            <p:ph type="body" idx="1"/>
+          </p:nvPr>
+        </p:nvSpPr>
+        <p:spPr/>
+        <p:txBody>
+          <a:bodyPr/>
+          <a:lstStyle/>
+          <a:p>
+            <a:endParaRPr lang="it-IT" dirty="0"/>
+          </a:p>
+        </p:txBody>
+      </p:sp>
+      <p:sp>
+        <p:nvSpPr>
+          <p:cNvPr id="4" name="Segnaposto numero diapositiva 3"/>
+          <p:cNvSpPr>
+            <a:spLocks noGrp="1"/>
+          </p:cNvSpPr>
+          <p:nvPr>
+            <p:ph type="sldNum" sz="quarter" idx="5"/>
+          </p:nvPr>
+        </p:nvSpPr>
+        <p:spPr/>
+        <p:txBody>
+          <a:bodyPr/>
+          <a:lstStyle/>
+          <a:p>
+            <a:fld id="{1A2F76E1-2273-4A32-A13E-049AAE48B143}" type="slidenum">
+              <a:rPr lang="en-GB" smtClean="0"/>
+              <a:t>17</a:t>
+            </a:fld>
+            <a:endParaRPr lang="en-GB"/>
+          </a:p>
+        </p:txBody>
+      </p:sp>
+    </p:spTree>
+    <p:extLst>
+      <p:ext uri="{BB962C8B-B14F-4D97-AF65-F5344CB8AC3E}">
+        <p14:creationId xmlns:p14="http://schemas.microsoft.com/office/powerpoint/2010/main" val="1590083936"/>
+      </p:ext>
+    </p:extLst>
+  </p:cSld>
+  <p:clrMapOvr>
+    <a:masterClrMapping/>
+  </p:clrMapOvr>
+</p:notes>
+</file>
+
+<file path=ppt/notesSlides/notesSlide4.xml><?xml version="1.0" encoding="utf-8"?>
+<p:notes xmlns:a="http://schemas.openxmlformats.org/drawingml/2006/main" xmlns:r="http://schemas.openxmlformats.org/officeDocument/2006/relationships" xmlns:p="http://schemas.openxmlformats.org/presentationml/2006/main">
+  <p:cSld>
+    <p:spTree>
+      <p:nvGrpSpPr>
+        <p:cNvPr id="1" name="">
+          <a:extLst>
+            <a:ext uri="{FF2B5EF4-FFF2-40B4-BE49-F238E27FC236}">
+              <a16:creationId xmlns:a16="http://schemas.microsoft.com/office/drawing/2014/main" id="{C4FC23CA-7FD2-C9C9-7437-7B7B07C18202}"/>
+            </a:ext>
+          </a:extLst>
+        </p:cNvPr>
+        <p:cNvGrpSpPr/>
+        <p:nvPr/>
+      </p:nvGrpSpPr>
+      <p:grpSpPr>
+        <a:xfrm>
+          <a:off x="0" y="0"/>
+          <a:ext cx="0" cy="0"/>
+          <a:chOff x="0" y="0"/>
+          <a:chExt cx="0" cy="0"/>
+        </a:xfrm>
+      </p:grpSpPr>
+      <p:sp>
+        <p:nvSpPr>
+          <p:cNvPr id="2" name="Segnaposto immagine diapositiva 1">
+            <a:extLst>
+              <a:ext uri="{FF2B5EF4-FFF2-40B4-BE49-F238E27FC236}">
+                <a16:creationId xmlns:a16="http://schemas.microsoft.com/office/drawing/2014/main" id="{CD013BD2-6767-6190-4B92-52AD4D2C9DFE}"/>
+              </a:ext>
+            </a:extLst>
+          </p:cNvPr>
+          <p:cNvSpPr>
+            <a:spLocks noGrp="1" noRot="1" noChangeAspect="1"/>
+          </p:cNvSpPr>
+          <p:nvPr>
+            <p:ph type="sldImg"/>
+          </p:nvPr>
+        </p:nvSpPr>
+        <p:spPr/>
+      </p:sp>
+      <p:sp>
+        <p:nvSpPr>
+          <p:cNvPr id="3" name="Segnaposto note 2">
+            <a:extLst>
+              <a:ext uri="{FF2B5EF4-FFF2-40B4-BE49-F238E27FC236}">
+                <a16:creationId xmlns:a16="http://schemas.microsoft.com/office/drawing/2014/main" id="{78816299-CBE3-BF0B-A510-732D63C2422B}"/>
+              </a:ext>
+            </a:extLst>
+          </p:cNvPr>
+          <p:cNvSpPr>
+            <a:spLocks noGrp="1"/>
+          </p:cNvSpPr>
+          <p:nvPr>
+            <p:ph type="body" idx="1"/>
+          </p:nvPr>
+        </p:nvSpPr>
+        <p:spPr/>
+        <p:txBody>
+          <a:bodyPr/>
+          <a:lstStyle/>
+          <a:p>
+            <a:endParaRPr lang="it-IT" dirty="0"/>
+          </a:p>
+        </p:txBody>
+      </p:sp>
+      <p:sp>
+        <p:nvSpPr>
+          <p:cNvPr id="4" name="Segnaposto numero diapositiva 3">
+            <a:extLst>
+              <a:ext uri="{FF2B5EF4-FFF2-40B4-BE49-F238E27FC236}">
+                <a16:creationId xmlns:a16="http://schemas.microsoft.com/office/drawing/2014/main" id="{5290D617-E7E4-0DE0-05E5-244431D1EE20}"/>
+              </a:ext>
+            </a:extLst>
+          </p:cNvPr>
+          <p:cNvSpPr>
+            <a:spLocks noGrp="1"/>
+          </p:cNvSpPr>
+          <p:nvPr>
+            <p:ph type="sldNum" sz="quarter" idx="5"/>
+          </p:nvPr>
+        </p:nvSpPr>
+        <p:spPr/>
+        <p:txBody>
+          <a:bodyPr/>
+          <a:lstStyle/>
+          <a:p>
+            <a:fld id="{1A2F76E1-2273-4A32-A13E-049AAE48B143}" type="slidenum">
+              <a:rPr lang="en-GB" smtClean="0"/>
+              <a:t>18</a:t>
+            </a:fld>
+            <a:endParaRPr lang="en-GB"/>
+          </a:p>
+        </p:txBody>
+      </p:sp>
+    </p:spTree>
+    <p:extLst>
+      <p:ext uri="{BB962C8B-B14F-4D97-AF65-F5344CB8AC3E}">
+        <p14:creationId xmlns:p14="http://schemas.microsoft.com/office/powerpoint/2010/main" val="2692835649"/>
+      </p:ext>
+    </p:extLst>
+  </p:cSld>
+  <p:clrMapOvr>
+    <a:masterClrMapping/>
+  </p:clrMapOvr>
+</p:notes>
+</file>
+
 <file path=ppt/slideLayouts/slideLayout1.xml><?xml version="1.0" encoding="utf-8"?>
 <p:sldLayout xmlns:a="http://schemas.openxmlformats.org/drawingml/2006/main" xmlns:r="http://schemas.openxmlformats.org/officeDocument/2006/relationships" xmlns:p="http://schemas.openxmlformats.org/presentationml/2006/main" type="title" preserve="1">
   <p:cSld name="Diapositiva titolo">
@@ -866,9 +1065,9 @@
           <a:bodyPr/>
           <a:lstStyle/>
           <a:p>
-            <a:fld id="{39910920-BC4E-4572-96AF-1DF7047D5DA2}" type="datetimeFigureOut">
+            <a:fld id="{A1559817-FC40-4165-890A-0059CEF1B786}" type="datetime1">
               <a:rPr lang="it-IT" smtClean="0"/>
-              <a:t>22/02/2025</a:t>
+              <a:t>23/02/2025</a:t>
             </a:fld>
             <a:endParaRPr lang="it-IT"/>
           </a:p>
@@ -1064,9 +1263,9 @@
           <a:bodyPr/>
           <a:lstStyle/>
           <a:p>
-            <a:fld id="{39910920-BC4E-4572-96AF-1DF7047D5DA2}" type="datetimeFigureOut">
+            <a:fld id="{671D1E3D-C9E2-4AE9-AFE2-BFD302315718}" type="datetime1">
               <a:rPr lang="it-IT" smtClean="0"/>
-              <a:t>22/02/2025</a:t>
+              <a:t>23/02/2025</a:t>
             </a:fld>
             <a:endParaRPr lang="it-IT"/>
           </a:p>
@@ -1272,9 +1471,9 @@
           <a:bodyPr/>
           <a:lstStyle/>
           <a:p>
-            <a:fld id="{39910920-BC4E-4572-96AF-1DF7047D5DA2}" type="datetimeFigureOut">
+            <a:fld id="{D9FAD859-618E-441C-9F60-4E59C5EC8F30}" type="datetime1">
               <a:rPr lang="it-IT" smtClean="0"/>
-              <a:t>22/02/2025</a:t>
+              <a:t>23/02/2025</a:t>
             </a:fld>
             <a:endParaRPr lang="it-IT"/>
           </a:p>
@@ -1470,9 +1669,9 @@
           <a:bodyPr/>
           <a:lstStyle/>
           <a:p>
-            <a:fld id="{39910920-BC4E-4572-96AF-1DF7047D5DA2}" type="datetimeFigureOut">
+            <a:fld id="{A62346FF-AD08-4868-A49B-D5E80C4F6ED7}" type="datetime1">
               <a:rPr lang="it-IT" smtClean="0"/>
-              <a:t>22/02/2025</a:t>
+              <a:t>23/02/2025</a:t>
             </a:fld>
             <a:endParaRPr lang="it-IT"/>
           </a:p>
@@ -1745,9 +1944,9 @@
           <a:bodyPr/>
           <a:lstStyle/>
           <a:p>
-            <a:fld id="{39910920-BC4E-4572-96AF-1DF7047D5DA2}" type="datetimeFigureOut">
+            <a:fld id="{CEE91304-1972-45D1-A72B-3943B1BD53FD}" type="datetime1">
               <a:rPr lang="it-IT" smtClean="0"/>
-              <a:t>22/02/2025</a:t>
+              <a:t>23/02/2025</a:t>
             </a:fld>
             <a:endParaRPr lang="it-IT"/>
           </a:p>
@@ -2010,9 +2209,9 @@
           <a:bodyPr/>
           <a:lstStyle/>
           <a:p>
-            <a:fld id="{39910920-BC4E-4572-96AF-1DF7047D5DA2}" type="datetimeFigureOut">
+            <a:fld id="{4B118E28-9D8F-43FA-84BA-306C43F0E747}" type="datetime1">
               <a:rPr lang="it-IT" smtClean="0"/>
-              <a:t>22/02/2025</a:t>
+              <a:t>23/02/2025</a:t>
             </a:fld>
             <a:endParaRPr lang="it-IT"/>
           </a:p>
@@ -2422,9 +2621,9 @@
           <a:bodyPr/>
           <a:lstStyle/>
           <a:p>
-            <a:fld id="{39910920-BC4E-4572-96AF-1DF7047D5DA2}" type="datetimeFigureOut">
+            <a:fld id="{67E41444-69CD-49D2-9CB4-8C22216D8C18}" type="datetime1">
               <a:rPr lang="it-IT" smtClean="0"/>
-              <a:t>22/02/2025</a:t>
+              <a:t>23/02/2025</a:t>
             </a:fld>
             <a:endParaRPr lang="it-IT"/>
           </a:p>
@@ -2563,9 +2762,9 @@
           <a:bodyPr/>
           <a:lstStyle/>
           <a:p>
-            <a:fld id="{39910920-BC4E-4572-96AF-1DF7047D5DA2}" type="datetimeFigureOut">
+            <a:fld id="{B55FAC6D-81BD-4D37-8FF8-E24208E5A525}" type="datetime1">
               <a:rPr lang="it-IT" smtClean="0"/>
-              <a:t>22/02/2025</a:t>
+              <a:t>23/02/2025</a:t>
             </a:fld>
             <a:endParaRPr lang="it-IT"/>
           </a:p>
@@ -2676,9 +2875,9 @@
           <a:bodyPr/>
           <a:lstStyle/>
           <a:p>
-            <a:fld id="{39910920-BC4E-4572-96AF-1DF7047D5DA2}" type="datetimeFigureOut">
+            <a:fld id="{5F3B1505-FB2C-45BA-8439-45DDEEE1DFD5}" type="datetime1">
               <a:rPr lang="it-IT" smtClean="0"/>
-              <a:t>22/02/2025</a:t>
+              <a:t>23/02/2025</a:t>
             </a:fld>
             <a:endParaRPr lang="it-IT"/>
           </a:p>
@@ -2987,9 +3186,9 @@
           <a:bodyPr/>
           <a:lstStyle/>
           <a:p>
-            <a:fld id="{39910920-BC4E-4572-96AF-1DF7047D5DA2}" type="datetimeFigureOut">
+            <a:fld id="{40D1BCDC-705E-434F-99A7-D5AB06488BD9}" type="datetime1">
               <a:rPr lang="it-IT" smtClean="0"/>
-              <a:t>22/02/2025</a:t>
+              <a:t>23/02/2025</a:t>
             </a:fld>
             <a:endParaRPr lang="it-IT"/>
           </a:p>
@@ -3275,9 +3474,9 @@
           <a:bodyPr/>
           <a:lstStyle/>
           <a:p>
-            <a:fld id="{39910920-BC4E-4572-96AF-1DF7047D5DA2}" type="datetimeFigureOut">
+            <a:fld id="{DAA029B0-41AE-4094-AD57-C862A9A2175C}" type="datetime1">
               <a:rPr lang="it-IT" smtClean="0"/>
-              <a:t>22/02/2025</a:t>
+              <a:t>23/02/2025</a:t>
             </a:fld>
             <a:endParaRPr lang="it-IT"/>
           </a:p>
@@ -3516,9 +3715,9 @@
             </a:lvl1pPr>
           </a:lstStyle>
           <a:p>
-            <a:fld id="{39910920-BC4E-4572-96AF-1DF7047D5DA2}" type="datetimeFigureOut">
+            <a:fld id="{74FF7F21-5AA7-4EDC-A2AB-14A1B08EB89F}" type="datetime1">
               <a:rPr lang="it-IT" smtClean="0"/>
-              <a:t>22/02/2025</a:t>
+              <a:t>23/02/2025</a:t>
             </a:fld>
             <a:endParaRPr lang="it-IT"/>
           </a:p>
@@ -3635,6 +3834,7 @@
     <p:sldLayoutId id="2147483658" r:id="rId10"/>
     <p:sldLayoutId id="2147483659" r:id="rId11"/>
   </p:sldLayoutIdLst>
+  <p:hf hdr="0" ftr="0" dt="0"/>
   <p:txStyles>
     <p:titleStyle>
       <a:lvl1pPr algn="l" defTabSz="914400" rtl="0" eaLnBrk="1" latinLnBrk="0" hangingPunct="1">
@@ -3997,6 +4197,38 @@
           <a:bodyPr/>
           <a:lstStyle/>
           <a:p>
+            <a:r>
+              <a:rPr lang="it-IT" dirty="0"/>
+              <a:t>By Ale </a:t>
+            </a:r>
+          </a:p>
+        </p:txBody>
+      </p:sp>
+      <p:sp>
+        <p:nvSpPr>
+          <p:cNvPr id="4" name="Segnaposto numero diapositiva 3">
+            <a:extLst>
+              <a:ext uri="{FF2B5EF4-FFF2-40B4-BE49-F238E27FC236}">
+                <a16:creationId xmlns:a16="http://schemas.microsoft.com/office/drawing/2014/main" id="{748E8B65-2CFA-EE92-C6AB-35712E1AD906}"/>
+              </a:ext>
+            </a:extLst>
+          </p:cNvPr>
+          <p:cNvSpPr>
+            <a:spLocks noGrp="1"/>
+          </p:cNvSpPr>
+          <p:nvPr>
+            <p:ph type="sldNum" sz="quarter" idx="12"/>
+          </p:nvPr>
+        </p:nvSpPr>
+        <p:spPr/>
+        <p:txBody>
+          <a:bodyPr/>
+          <a:lstStyle/>
+          <a:p>
+            <a:fld id="{EB967854-AE97-403A-B273-6E7D11A3E7D0}" type="slidenum">
+              <a:rPr lang="it-IT" smtClean="0"/>
+              <a:t>1</a:t>
+            </a:fld>
             <a:endParaRPr lang="it-IT"/>
           </a:p>
         </p:txBody>
@@ -4843,6 +5075,35 @@
               <a:t> H-L pressure patterns</a:t>
             </a:r>
             <a:endParaRPr lang="it-IT" sz="1600" b="1" dirty="0"/>
+          </a:p>
+        </p:txBody>
+      </p:sp>
+      <p:sp>
+        <p:nvSpPr>
+          <p:cNvPr id="2" name="Segnaposto numero diapositiva 1">
+            <a:extLst>
+              <a:ext uri="{FF2B5EF4-FFF2-40B4-BE49-F238E27FC236}">
+                <a16:creationId xmlns:a16="http://schemas.microsoft.com/office/drawing/2014/main" id="{4D5109A8-BFF6-D55F-815B-F7B371B9EE0B}"/>
+              </a:ext>
+            </a:extLst>
+          </p:cNvPr>
+          <p:cNvSpPr>
+            <a:spLocks noGrp="1"/>
+          </p:cNvSpPr>
+          <p:nvPr>
+            <p:ph type="sldNum" sz="quarter" idx="12"/>
+          </p:nvPr>
+        </p:nvSpPr>
+        <p:spPr/>
+        <p:txBody>
+          <a:bodyPr/>
+          <a:lstStyle/>
+          <a:p>
+            <a:fld id="{EB967854-AE97-403A-B273-6E7D11A3E7D0}" type="slidenum">
+              <a:rPr lang="it-IT" smtClean="0"/>
+              <a:t>10</a:t>
+            </a:fld>
+            <a:endParaRPr lang="it-IT"/>
           </a:p>
         </p:txBody>
       </p:sp>
@@ -5543,6 +5804,35 @@
           </p:sp>
         </mc:Fallback>
       </mc:AlternateContent>
+      <p:sp>
+        <p:nvSpPr>
+          <p:cNvPr id="10" name="Segnaposto numero diapositiva 9">
+            <a:extLst>
+              <a:ext uri="{FF2B5EF4-FFF2-40B4-BE49-F238E27FC236}">
+                <a16:creationId xmlns:a16="http://schemas.microsoft.com/office/drawing/2014/main" id="{D3EFB779-1843-F785-29D2-9A7A0CBE4B90}"/>
+              </a:ext>
+            </a:extLst>
+          </p:cNvPr>
+          <p:cNvSpPr>
+            <a:spLocks noGrp="1"/>
+          </p:cNvSpPr>
+          <p:nvPr>
+            <p:ph type="sldNum" sz="quarter" idx="12"/>
+          </p:nvPr>
+        </p:nvSpPr>
+        <p:spPr/>
+        <p:txBody>
+          <a:bodyPr/>
+          <a:lstStyle/>
+          <a:p>
+            <a:fld id="{EB967854-AE97-403A-B273-6E7D11A3E7D0}" type="slidenum">
+              <a:rPr lang="it-IT" smtClean="0"/>
+              <a:t>11</a:t>
+            </a:fld>
+            <a:endParaRPr lang="it-IT"/>
+          </a:p>
+        </p:txBody>
+      </p:sp>
     </p:spTree>
     <p:extLst>
       <p:ext uri="{BB962C8B-B14F-4D97-AF65-F5344CB8AC3E}">
@@ -6022,6 +6312,35 @@
               <a:rPr lang="it-IT" dirty="0"/>
               <a:t> propagate?</a:t>
             </a:r>
+          </a:p>
+        </p:txBody>
+      </p:sp>
+      <p:sp>
+        <p:nvSpPr>
+          <p:cNvPr id="3" name="Segnaposto numero diapositiva 2">
+            <a:extLst>
+              <a:ext uri="{FF2B5EF4-FFF2-40B4-BE49-F238E27FC236}">
+                <a16:creationId xmlns:a16="http://schemas.microsoft.com/office/drawing/2014/main" id="{DED8CB8E-0347-AE53-5E5E-5CA0D090EF21}"/>
+              </a:ext>
+            </a:extLst>
+          </p:cNvPr>
+          <p:cNvSpPr>
+            <a:spLocks noGrp="1"/>
+          </p:cNvSpPr>
+          <p:nvPr>
+            <p:ph type="sldNum" sz="quarter" idx="12"/>
+          </p:nvPr>
+        </p:nvSpPr>
+        <p:spPr/>
+        <p:txBody>
+          <a:bodyPr/>
+          <a:lstStyle/>
+          <a:p>
+            <a:fld id="{EB967854-AE97-403A-B273-6E7D11A3E7D0}" type="slidenum">
+              <a:rPr lang="it-IT" smtClean="0"/>
+              <a:t>12</a:t>
+            </a:fld>
+            <a:endParaRPr lang="it-IT"/>
           </a:p>
         </p:txBody>
       </p:sp>
@@ -6550,8 +6869,8 @@
           </a:p>
         </p:txBody>
       </p:sp>
-      <mc:AlternateContent xmlns:mc="http://schemas.openxmlformats.org/markup-compatibility/2006">
-        <mc:Choice xmlns:a14="http://schemas.microsoft.com/office/drawing/2010/main" Requires="a14">
+      <mc:AlternateContent xmlns:mc="http://schemas.openxmlformats.org/markup-compatibility/2006" xmlns:a14="http://schemas.microsoft.com/office/drawing/2010/main">
+        <mc:Choice Requires="a14">
           <p:sp>
             <p:nvSpPr>
               <p:cNvPr id="2" name="CasellaDiTesto 1">
@@ -6656,7 +6975,7 @@
             </p:txBody>
           </p:sp>
         </mc:Choice>
-        <mc:Fallback>
+        <mc:Fallback xmlns="">
           <p:sp>
             <p:nvSpPr>
               <p:cNvPr id="2" name="CasellaDiTesto 1">
@@ -6861,6 +7180,35 @@
           </a:prstGeom>
         </p:spPr>
       </p:pic>
+      <p:sp>
+        <p:nvSpPr>
+          <p:cNvPr id="5" name="Segnaposto numero diapositiva 4">
+            <a:extLst>
+              <a:ext uri="{FF2B5EF4-FFF2-40B4-BE49-F238E27FC236}">
+                <a16:creationId xmlns:a16="http://schemas.microsoft.com/office/drawing/2014/main" id="{46640A40-FCC7-43CE-8759-F848C109E9F7}"/>
+              </a:ext>
+            </a:extLst>
+          </p:cNvPr>
+          <p:cNvSpPr>
+            <a:spLocks noGrp="1"/>
+          </p:cNvSpPr>
+          <p:nvPr>
+            <p:ph type="sldNum" sz="quarter" idx="12"/>
+          </p:nvPr>
+        </p:nvSpPr>
+        <p:spPr/>
+        <p:txBody>
+          <a:bodyPr/>
+          <a:lstStyle/>
+          <a:p>
+            <a:fld id="{EB967854-AE97-403A-B273-6E7D11A3E7D0}" type="slidenum">
+              <a:rPr lang="it-IT" smtClean="0"/>
+              <a:t>13</a:t>
+            </a:fld>
+            <a:endParaRPr lang="it-IT"/>
+          </a:p>
+        </p:txBody>
+      </p:sp>
     </p:spTree>
     <p:extLst>
       <p:ext uri="{BB962C8B-B14F-4D97-AF65-F5344CB8AC3E}">
@@ -7274,8 +7622,8 @@
           </p:txBody>
         </p:sp>
       </p:grpSp>
-      <mc:AlternateContent xmlns:mc="http://schemas.openxmlformats.org/markup-compatibility/2006">
-        <mc:Choice xmlns:a14="http://schemas.microsoft.com/office/drawing/2010/main" Requires="a14">
+      <mc:AlternateContent xmlns:mc="http://schemas.openxmlformats.org/markup-compatibility/2006" xmlns:a14="http://schemas.microsoft.com/office/drawing/2010/main">
+        <mc:Choice Requires="a14">
           <p:sp>
             <p:nvSpPr>
               <p:cNvPr id="12" name="CasellaDiTesto 11">
@@ -7650,7 +7998,7 @@
             </p:txBody>
           </p:sp>
         </mc:Choice>
-        <mc:Fallback>
+        <mc:Fallback xmlns="">
           <p:sp>
             <p:nvSpPr>
               <p:cNvPr id="12" name="CasellaDiTesto 11">
@@ -8190,6 +8538,35 @@
           </a:p>
         </p:txBody>
       </p:sp>
+      <p:sp>
+        <p:nvSpPr>
+          <p:cNvPr id="7" name="Segnaposto numero diapositiva 6">
+            <a:extLst>
+              <a:ext uri="{FF2B5EF4-FFF2-40B4-BE49-F238E27FC236}">
+                <a16:creationId xmlns:a16="http://schemas.microsoft.com/office/drawing/2014/main" id="{C5FFBD21-4DDE-EAF6-1BAF-61827E185DF4}"/>
+              </a:ext>
+            </a:extLst>
+          </p:cNvPr>
+          <p:cNvSpPr>
+            <a:spLocks noGrp="1"/>
+          </p:cNvSpPr>
+          <p:nvPr>
+            <p:ph type="sldNum" sz="quarter" idx="12"/>
+          </p:nvPr>
+        </p:nvSpPr>
+        <p:spPr/>
+        <p:txBody>
+          <a:bodyPr/>
+          <a:lstStyle/>
+          <a:p>
+            <a:fld id="{EB967854-AE97-403A-B273-6E7D11A3E7D0}" type="slidenum">
+              <a:rPr lang="it-IT" smtClean="0"/>
+              <a:t>14</a:t>
+            </a:fld>
+            <a:endParaRPr lang="it-IT"/>
+          </a:p>
+        </p:txBody>
+      </p:sp>
     </p:spTree>
     <p:extLst>
       <p:ext uri="{BB962C8B-B14F-4D97-AF65-F5344CB8AC3E}">
@@ -8220,14 +8597,92 @@
           <a:chExt cx="0" cy="0"/>
         </a:xfrm>
       </p:grpSpPr>
-      <mc:AlternateContent xmlns:mc="http://schemas.openxmlformats.org/markup-compatibility/2006">
-        <mc:Choice xmlns:a14="http://schemas.microsoft.com/office/drawing/2010/main" Requires="a14">
+      <p:sp>
+        <p:nvSpPr>
+          <p:cNvPr id="2" name="CasellaDiTesto 1">
+            <a:extLst>
+              <a:ext uri="{FF2B5EF4-FFF2-40B4-BE49-F238E27FC236}">
+                <a16:creationId xmlns:a16="http://schemas.microsoft.com/office/drawing/2014/main" id="{9268B0FC-AB24-454E-4EB0-40F2E83C17EA}"/>
+              </a:ext>
+            </a:extLst>
+          </p:cNvPr>
+          <p:cNvSpPr txBox="1"/>
+          <p:nvPr/>
+        </p:nvSpPr>
+        <p:spPr>
+          <a:xfrm>
+            <a:off x="4708863" y="128839"/>
+            <a:ext cx="2641300" cy="369332"/>
+          </a:xfrm>
+          <a:prstGeom prst="rect">
+            <a:avLst/>
+          </a:prstGeom>
+          <a:noFill/>
+        </p:spPr>
+        <p:txBody>
+          <a:bodyPr wrap="none" rtlCol="0">
+            <a:spAutoFit/>
+          </a:bodyPr>
+          <a:lstStyle/>
+          <a:p>
+            <a:r>
+              <a:rPr lang="it-IT" dirty="0"/>
+              <a:t>Case with </a:t>
+            </a:r>
+            <a:r>
+              <a:rPr lang="it-IT" dirty="0" err="1"/>
+              <a:t>variable</a:t>
+            </a:r>
+            <a:r>
+              <a:rPr lang="it-IT" dirty="0"/>
+              <a:t> </a:t>
+            </a:r>
+            <a:r>
+              <a:rPr lang="it-IT" dirty="0" err="1"/>
+              <a:t>depth</a:t>
+            </a:r>
+            <a:endParaRPr lang="it-IT" dirty="0"/>
+          </a:p>
+        </p:txBody>
+      </p:sp>
+      <p:pic>
+        <p:nvPicPr>
+          <p:cNvPr id="3" name="Immagine 2">
+            <a:extLst>
+              <a:ext uri="{FF2B5EF4-FFF2-40B4-BE49-F238E27FC236}">
+                <a16:creationId xmlns:a16="http://schemas.microsoft.com/office/drawing/2014/main" id="{BB06F675-9AA7-6EC1-EE84-DB8718818432}"/>
+              </a:ext>
+            </a:extLst>
+          </p:cNvPr>
+          <p:cNvPicPr>
+            <a:picLocks noChangeAspect="1"/>
+          </p:cNvPicPr>
+          <p:nvPr/>
+        </p:nvPicPr>
+        <p:blipFill>
+          <a:blip r:embed="rId2"/>
+          <a:stretch>
+            <a:fillRect/>
+          </a:stretch>
+        </p:blipFill>
+        <p:spPr>
+          <a:xfrm>
+            <a:off x="457200" y="766818"/>
+            <a:ext cx="7037954" cy="1888833"/>
+          </a:xfrm>
+          <a:prstGeom prst="rect">
+            <a:avLst/>
+          </a:prstGeom>
+        </p:spPr>
+      </p:pic>
+      <mc:AlternateContent xmlns:mc="http://schemas.openxmlformats.org/markup-compatibility/2006" xmlns:a14="http://schemas.microsoft.com/office/drawing/2010/main">
+        <mc:Choice Requires="a14">
           <p:sp>
             <p:nvSpPr>
-              <p:cNvPr id="2" name="CasellaDiTesto 1">
+              <p:cNvPr id="4" name="CasellaDiTesto 3">
                 <a:extLst>
                   <a:ext uri="{FF2B5EF4-FFF2-40B4-BE49-F238E27FC236}">
-                    <a16:creationId xmlns:a16="http://schemas.microsoft.com/office/drawing/2014/main" id="{AA0B6D69-283B-7A09-E2D0-6BB1CF62C9EE}"/>
+                    <a16:creationId xmlns:a16="http://schemas.microsoft.com/office/drawing/2014/main" id="{40B64E38-2A0C-47B0-CC22-B862CDDE949D}"/>
                   </a:ext>
                 </a:extLst>
               </p:cNvPr>
@@ -8236,8 +8691,456 @@
             </p:nvSpPr>
             <p:spPr>
               <a:xfrm>
-                <a:off x="1309992" y="2898342"/>
-                <a:ext cx="3993273" cy="1073884"/>
+                <a:off x="416836" y="2809626"/>
+                <a:ext cx="5363327" cy="922176"/>
+              </a:xfrm>
+              <a:prstGeom prst="rect">
+                <a:avLst/>
+              </a:prstGeom>
+              <a:noFill/>
+            </p:spPr>
+            <p:txBody>
+              <a:bodyPr wrap="none" rtlCol="0">
+                <a:spAutoFit/>
+              </a:bodyPr>
+              <a:lstStyle/>
+              <a:p>
+                <a:pPr/>
+                <a14:m>
+                  <m:oMathPara xmlns:m="http://schemas.openxmlformats.org/officeDocument/2006/math">
+                    <m:oMathParaPr>
+                      <m:jc m:val="centerGroup"/>
+                    </m:oMathParaPr>
+                    <m:oMath xmlns:m="http://schemas.openxmlformats.org/officeDocument/2006/math">
+                      <m:f>
+                        <m:fPr>
+                          <m:ctrlPr>
+                            <a:rPr lang="it-IT" sz="2400" b="0" i="1" smtClean="0">
+                              <a:latin typeface="Cambria Math" panose="02040503050406030204" pitchFamily="18" charset="0"/>
+                            </a:rPr>
+                          </m:ctrlPr>
+                        </m:fPr>
+                        <m:num>
+                          <m:r>
+                            <a:rPr lang="it-IT" sz="2400" b="0" i="1" smtClean="0">
+                              <a:latin typeface="Cambria Math" panose="02040503050406030204" pitchFamily="18" charset="0"/>
+                            </a:rPr>
+                            <m:t>𝜕</m:t>
+                          </m:r>
+                          <m:r>
+                            <a:rPr lang="it-IT" sz="2400" b="0" i="1" smtClean="0">
+                              <a:latin typeface="Cambria Math" panose="02040503050406030204" pitchFamily="18" charset="0"/>
+                            </a:rPr>
+                            <m:t>h</m:t>
+                          </m:r>
+                        </m:num>
+                        <m:den>
+                          <m:r>
+                            <a:rPr lang="it-IT" sz="2400" b="0" i="1" smtClean="0">
+                              <a:latin typeface="Cambria Math" panose="02040503050406030204" pitchFamily="18" charset="0"/>
+                            </a:rPr>
+                            <m:t>𝜕</m:t>
+                          </m:r>
+                          <m:r>
+                            <a:rPr lang="it-IT" sz="2400" b="0" i="1" smtClean="0">
+                              <a:latin typeface="Cambria Math" panose="02040503050406030204" pitchFamily="18" charset="0"/>
+                            </a:rPr>
+                            <m:t>𝑡</m:t>
+                          </m:r>
+                          <m:r>
+                            <a:rPr lang="it-IT" sz="2400" b="0" i="1" smtClean="0">
+                              <a:latin typeface="Cambria Math" panose="02040503050406030204" pitchFamily="18" charset="0"/>
+                            </a:rPr>
+                            <m:t> </m:t>
+                          </m:r>
+                        </m:den>
+                      </m:f>
+                      <m:r>
+                        <a:rPr lang="it-IT" sz="2400" b="0" i="1" smtClean="0">
+                          <a:latin typeface="Cambria Math" panose="02040503050406030204" pitchFamily="18" charset="0"/>
+                        </a:rPr>
+                        <m:t>+</m:t>
+                      </m:r>
+                      <m:r>
+                        <a:rPr lang="it-IT" sz="2400" b="0" i="1" smtClean="0">
+                          <a:latin typeface="Cambria Math" panose="02040503050406030204" pitchFamily="18" charset="0"/>
+                        </a:rPr>
+                        <m:t>𝑢</m:t>
+                      </m:r>
+                      <m:f>
+                        <m:fPr>
+                          <m:ctrlPr>
+                            <a:rPr lang="it-IT" sz="2400" b="0" i="1" smtClean="0">
+                              <a:latin typeface="Cambria Math" panose="02040503050406030204" pitchFamily="18" charset="0"/>
+                            </a:rPr>
+                          </m:ctrlPr>
+                        </m:fPr>
+                        <m:num>
+                          <m:r>
+                            <a:rPr lang="it-IT" sz="2400" b="0" i="1" smtClean="0">
+                              <a:latin typeface="Cambria Math" panose="02040503050406030204" pitchFamily="18" charset="0"/>
+                            </a:rPr>
+                            <m:t>𝜕</m:t>
+                          </m:r>
+                          <m:r>
+                            <a:rPr lang="it-IT" sz="2400" b="0" i="1" smtClean="0">
+                              <a:latin typeface="Cambria Math" panose="02040503050406030204" pitchFamily="18" charset="0"/>
+                            </a:rPr>
+                            <m:t>h</m:t>
+                          </m:r>
+                        </m:num>
+                        <m:den>
+                          <m:r>
+                            <a:rPr lang="it-IT" sz="2400" b="0" i="1" smtClean="0">
+                              <a:latin typeface="Cambria Math" panose="02040503050406030204" pitchFamily="18" charset="0"/>
+                            </a:rPr>
+                            <m:t>𝜕</m:t>
+                          </m:r>
+                          <m:r>
+                            <a:rPr lang="it-IT" sz="2400" b="0" i="1" smtClean="0">
+                              <a:latin typeface="Cambria Math" panose="02040503050406030204" pitchFamily="18" charset="0"/>
+                            </a:rPr>
+                            <m:t>𝑥</m:t>
+                          </m:r>
+                        </m:den>
+                      </m:f>
+                      <m:r>
+                        <a:rPr lang="it-IT" sz="2400" b="0" i="1" smtClean="0">
+                          <a:latin typeface="Cambria Math" panose="02040503050406030204" pitchFamily="18" charset="0"/>
+                        </a:rPr>
+                        <m:t>+</m:t>
+                      </m:r>
+                      <m:r>
+                        <a:rPr lang="it-IT" sz="2400" b="0" i="1" smtClean="0">
+                          <a:latin typeface="Cambria Math" panose="02040503050406030204" pitchFamily="18" charset="0"/>
+                        </a:rPr>
+                        <m:t>𝑣</m:t>
+                      </m:r>
+                      <m:f>
+                        <m:fPr>
+                          <m:ctrlPr>
+                            <a:rPr lang="it-IT" sz="2400" i="1">
+                              <a:latin typeface="Cambria Math" panose="02040503050406030204" pitchFamily="18" charset="0"/>
+                            </a:rPr>
+                          </m:ctrlPr>
+                        </m:fPr>
+                        <m:num>
+                          <m:r>
+                            <a:rPr lang="it-IT" sz="2400" i="1">
+                              <a:latin typeface="Cambria Math" panose="02040503050406030204" pitchFamily="18" charset="0"/>
+                            </a:rPr>
+                            <m:t>𝜕</m:t>
+                          </m:r>
+                          <m:r>
+                            <a:rPr lang="it-IT" sz="2400" i="1">
+                              <a:latin typeface="Cambria Math" panose="02040503050406030204" pitchFamily="18" charset="0"/>
+                            </a:rPr>
+                            <m:t>h</m:t>
+                          </m:r>
+                        </m:num>
+                        <m:den>
+                          <m:r>
+                            <a:rPr lang="it-IT" sz="2400" i="1">
+                              <a:latin typeface="Cambria Math" panose="02040503050406030204" pitchFamily="18" charset="0"/>
+                            </a:rPr>
+                            <m:t>𝜕</m:t>
+                          </m:r>
+                          <m:r>
+                            <a:rPr lang="it-IT" sz="2400" b="0" i="1" smtClean="0">
+                              <a:latin typeface="Cambria Math" panose="02040503050406030204" pitchFamily="18" charset="0"/>
+                            </a:rPr>
+                            <m:t>𝑦</m:t>
+                          </m:r>
+                        </m:den>
+                      </m:f>
+                      <m:r>
+                        <a:rPr lang="it-IT" sz="2400" b="0" i="1" smtClean="0">
+                          <a:latin typeface="Cambria Math" panose="02040503050406030204" pitchFamily="18" charset="0"/>
+                        </a:rPr>
+                        <m:t>+ </m:t>
+                      </m:r>
+                      <m:r>
+                        <a:rPr lang="it-IT" sz="2400" b="0" i="1" smtClean="0">
+                          <a:latin typeface="Cambria Math" panose="02040503050406030204" pitchFamily="18" charset="0"/>
+                        </a:rPr>
+                        <m:t>h</m:t>
+                      </m:r>
+                      <m:d>
+                        <m:dPr>
+                          <m:ctrlPr>
+                            <a:rPr lang="it-IT" sz="2400" b="0" i="1" smtClean="0">
+                              <a:solidFill>
+                                <a:srgbClr val="FF0000"/>
+                              </a:solidFill>
+                              <a:latin typeface="Cambria Math" panose="02040503050406030204" pitchFamily="18" charset="0"/>
+                            </a:rPr>
+                          </m:ctrlPr>
+                        </m:dPr>
+                        <m:e>
+                          <m:f>
+                            <m:fPr>
+                              <m:ctrlPr>
+                                <a:rPr lang="it-IT" sz="2400" b="0" i="1" smtClean="0">
+                                  <a:solidFill>
+                                    <a:srgbClr val="FF0000"/>
+                                  </a:solidFill>
+                                  <a:latin typeface="Cambria Math" panose="02040503050406030204" pitchFamily="18" charset="0"/>
+                                </a:rPr>
+                              </m:ctrlPr>
+                            </m:fPr>
+                            <m:num>
+                              <m:r>
+                                <a:rPr lang="it-IT" sz="2400" b="0" i="1" smtClean="0">
+                                  <a:solidFill>
+                                    <a:srgbClr val="FF0000"/>
+                                  </a:solidFill>
+                                  <a:latin typeface="Cambria Math" panose="02040503050406030204" pitchFamily="18" charset="0"/>
+                                </a:rPr>
+                                <m:t>𝜕</m:t>
+                              </m:r>
+                              <m:r>
+                                <a:rPr lang="it-IT" sz="2400" b="0" i="1" smtClean="0">
+                                  <a:solidFill>
+                                    <a:srgbClr val="FF0000"/>
+                                  </a:solidFill>
+                                  <a:latin typeface="Cambria Math" panose="02040503050406030204" pitchFamily="18" charset="0"/>
+                                </a:rPr>
+                                <m:t>𝑢</m:t>
+                              </m:r>
+                            </m:num>
+                            <m:den>
+                              <m:r>
+                                <a:rPr lang="it-IT" sz="2400" b="0" i="1" smtClean="0">
+                                  <a:solidFill>
+                                    <a:srgbClr val="FF0000"/>
+                                  </a:solidFill>
+                                  <a:latin typeface="Cambria Math" panose="02040503050406030204" pitchFamily="18" charset="0"/>
+                                </a:rPr>
+                                <m:t>𝜕</m:t>
+                              </m:r>
+                              <m:r>
+                                <a:rPr lang="it-IT" sz="2400" b="0" i="1" smtClean="0">
+                                  <a:solidFill>
+                                    <a:srgbClr val="FF0000"/>
+                                  </a:solidFill>
+                                  <a:latin typeface="Cambria Math" panose="02040503050406030204" pitchFamily="18" charset="0"/>
+                                </a:rPr>
+                                <m:t>𝑥</m:t>
+                              </m:r>
+                            </m:den>
+                          </m:f>
+                          <m:r>
+                            <a:rPr lang="it-IT" sz="2400" b="0" i="1" smtClean="0">
+                              <a:solidFill>
+                                <a:srgbClr val="FF0000"/>
+                              </a:solidFill>
+                              <a:latin typeface="Cambria Math" panose="02040503050406030204" pitchFamily="18" charset="0"/>
+                            </a:rPr>
+                            <m:t>+</m:t>
+                          </m:r>
+                          <m:f>
+                            <m:fPr>
+                              <m:ctrlPr>
+                                <a:rPr lang="it-IT" sz="2400" i="1">
+                                  <a:solidFill>
+                                    <a:srgbClr val="FF0000"/>
+                                  </a:solidFill>
+                                  <a:latin typeface="Cambria Math" panose="02040503050406030204" pitchFamily="18" charset="0"/>
+                                </a:rPr>
+                              </m:ctrlPr>
+                            </m:fPr>
+                            <m:num>
+                              <m:r>
+                                <a:rPr lang="it-IT" sz="2400" i="1">
+                                  <a:solidFill>
+                                    <a:srgbClr val="FF0000"/>
+                                  </a:solidFill>
+                                  <a:latin typeface="Cambria Math" panose="02040503050406030204" pitchFamily="18" charset="0"/>
+                                </a:rPr>
+                                <m:t>𝜕</m:t>
+                              </m:r>
+                              <m:r>
+                                <a:rPr lang="it-IT" sz="2400" b="0" i="1" smtClean="0">
+                                  <a:solidFill>
+                                    <a:srgbClr val="FF0000"/>
+                                  </a:solidFill>
+                                  <a:latin typeface="Cambria Math" panose="02040503050406030204" pitchFamily="18" charset="0"/>
+                                </a:rPr>
+                                <m:t>𝑣</m:t>
+                              </m:r>
+                            </m:num>
+                            <m:den>
+                              <m:r>
+                                <a:rPr lang="it-IT" sz="2400" i="1">
+                                  <a:solidFill>
+                                    <a:srgbClr val="FF0000"/>
+                                  </a:solidFill>
+                                  <a:latin typeface="Cambria Math" panose="02040503050406030204" pitchFamily="18" charset="0"/>
+                                </a:rPr>
+                                <m:t>𝜕</m:t>
+                              </m:r>
+                              <m:r>
+                                <a:rPr lang="it-IT" sz="2400" b="0" i="1" smtClean="0">
+                                  <a:solidFill>
+                                    <a:srgbClr val="FF0000"/>
+                                  </a:solidFill>
+                                  <a:latin typeface="Cambria Math" panose="02040503050406030204" pitchFamily="18" charset="0"/>
+                                </a:rPr>
+                                <m:t>𝑦</m:t>
+                              </m:r>
+                            </m:den>
+                          </m:f>
+                        </m:e>
+                      </m:d>
+                      <m:r>
+                        <a:rPr lang="it-IT" sz="2400" b="0" i="1" smtClean="0">
+                          <a:latin typeface="Cambria Math" panose="02040503050406030204" pitchFamily="18" charset="0"/>
+                        </a:rPr>
+                        <m:t> =0</m:t>
+                      </m:r>
+                    </m:oMath>
+                  </m:oMathPara>
+                </a14:m>
+                <a:endParaRPr lang="it-IT" sz="2400" dirty="0"/>
+              </a:p>
+            </p:txBody>
+          </p:sp>
+        </mc:Choice>
+        <mc:Fallback xmlns="">
+          <p:sp>
+            <p:nvSpPr>
+              <p:cNvPr id="4" name="CasellaDiTesto 3">
+                <a:extLst>
+                  <a:ext uri="{FF2B5EF4-FFF2-40B4-BE49-F238E27FC236}">
+                    <a16:creationId xmlns:a16="http://schemas.microsoft.com/office/drawing/2014/main" id="{40B64E38-2A0C-47B0-CC22-B862CDDE949D}"/>
+                  </a:ext>
+                </a:extLst>
+              </p:cNvPr>
+              <p:cNvSpPr txBox="1">
+                <a:spLocks noRot="1" noChangeAspect="1" noMove="1" noResize="1" noEditPoints="1" noAdjustHandles="1" noChangeArrowheads="1" noChangeShapeType="1" noTextEdit="1"/>
+              </p:cNvSpPr>
+              <p:nvPr/>
+            </p:nvSpPr>
+            <p:spPr>
+              <a:xfrm>
+                <a:off x="416836" y="2809626"/>
+                <a:ext cx="5363327" cy="922176"/>
+              </a:xfrm>
+              <a:prstGeom prst="rect">
+                <a:avLst/>
+              </a:prstGeom>
+              <a:blipFill>
+                <a:blip r:embed="rId3"/>
+                <a:stretch>
+                  <a:fillRect/>
+                </a:stretch>
+              </a:blipFill>
+            </p:spPr>
+            <p:txBody>
+              <a:bodyPr/>
+              <a:lstStyle/>
+              <a:p>
+                <a:r>
+                  <a:rPr lang="it-IT">
+                    <a:noFill/>
+                  </a:rPr>
+                  <a:t> </a:t>
+                </a:r>
+              </a:p>
+            </p:txBody>
+          </p:sp>
+        </mc:Fallback>
+      </mc:AlternateContent>
+      <p:cxnSp>
+        <p:nvCxnSpPr>
+          <p:cNvPr id="6" name="Connettore diritto 5">
+            <a:extLst>
+              <a:ext uri="{FF2B5EF4-FFF2-40B4-BE49-F238E27FC236}">
+                <a16:creationId xmlns:a16="http://schemas.microsoft.com/office/drawing/2014/main" id="{013244B4-447D-BD75-E896-28AD97B82FF4}"/>
+              </a:ext>
+            </a:extLst>
+          </p:cNvPr>
+          <p:cNvCxnSpPr/>
+          <p:nvPr/>
+        </p:nvCxnSpPr>
+        <p:spPr>
+          <a:xfrm flipV="1">
+            <a:off x="5551223" y="641707"/>
+            <a:ext cx="956581" cy="992540"/>
+          </a:xfrm>
+          <a:prstGeom prst="line">
+            <a:avLst/>
+          </a:prstGeom>
+        </p:spPr>
+        <p:style>
+          <a:lnRef idx="2">
+            <a:schemeClr val="accent1"/>
+          </a:lnRef>
+          <a:fillRef idx="0">
+            <a:schemeClr val="accent1"/>
+          </a:fillRef>
+          <a:effectRef idx="1">
+            <a:schemeClr val="accent1"/>
+          </a:effectRef>
+          <a:fontRef idx="minor">
+            <a:schemeClr val="tx1"/>
+          </a:fontRef>
+        </p:style>
+      </p:cxnSp>
+      <p:cxnSp>
+        <p:nvCxnSpPr>
+          <p:cNvPr id="7" name="Connettore diritto 6">
+            <a:extLst>
+              <a:ext uri="{FF2B5EF4-FFF2-40B4-BE49-F238E27FC236}">
+                <a16:creationId xmlns:a16="http://schemas.microsoft.com/office/drawing/2014/main" id="{444E2841-7384-32E2-1DA3-86676826217B}"/>
+              </a:ext>
+            </a:extLst>
+          </p:cNvPr>
+          <p:cNvCxnSpPr/>
+          <p:nvPr/>
+        </p:nvCxnSpPr>
+        <p:spPr>
+          <a:xfrm flipV="1">
+            <a:off x="5617709" y="1788222"/>
+            <a:ext cx="956581" cy="992540"/>
+          </a:xfrm>
+          <a:prstGeom prst="line">
+            <a:avLst/>
+          </a:prstGeom>
+        </p:spPr>
+        <p:style>
+          <a:lnRef idx="2">
+            <a:schemeClr val="accent1"/>
+          </a:lnRef>
+          <a:fillRef idx="0">
+            <a:schemeClr val="accent1"/>
+          </a:fillRef>
+          <a:effectRef idx="1">
+            <a:schemeClr val="accent1"/>
+          </a:effectRef>
+          <a:fontRef idx="minor">
+            <a:schemeClr val="tx1"/>
+          </a:fontRef>
+        </p:style>
+      </p:cxnSp>
+      <mc:AlternateContent xmlns:mc="http://schemas.openxmlformats.org/markup-compatibility/2006" xmlns:a14="http://schemas.microsoft.com/office/drawing/2010/main">
+        <mc:Choice Requires="a14">
+          <p:sp>
+            <p:nvSpPr>
+              <p:cNvPr id="8" name="CasellaDiTesto 7">
+                <a:extLst>
+                  <a:ext uri="{FF2B5EF4-FFF2-40B4-BE49-F238E27FC236}">
+                    <a16:creationId xmlns:a16="http://schemas.microsoft.com/office/drawing/2014/main" id="{DF3C70D9-6722-6A0D-4DBE-2DB9F331B986}"/>
+                  </a:ext>
+                </a:extLst>
+              </p:cNvPr>
+              <p:cNvSpPr txBox="1"/>
+              <p:nvPr/>
+            </p:nvSpPr>
+            <p:spPr>
+              <a:xfrm>
+                <a:off x="8127460" y="1526568"/>
+                <a:ext cx="1226105" cy="369332"/>
               </a:xfrm>
               <a:prstGeom prst="rect">
                 <a:avLst/>
@@ -8258,169 +9161,53 @@
                     </m:oMathParaPr>
                     <m:oMath xmlns:m="http://schemas.openxmlformats.org/officeDocument/2006/math">
                       <m:r>
-                        <a:rPr lang="it-IT" sz="2800" b="0" i="1" smtClean="0">
+                        <a:rPr lang="it-IT" sz="2400" b="0" i="1" smtClean="0">
                           <a:latin typeface="Cambria Math" panose="02040503050406030204" pitchFamily="18" charset="0"/>
                         </a:rPr>
-                        <m:t>𝑙</m:t>
+                        <m:t>=−</m:t>
                       </m:r>
                       <m:r>
-                        <a:rPr lang="it-IT" sz="2800" b="0" i="1" smtClean="0">
+                        <a:rPr lang="it-IT" sz="2400" b="0" i="1" smtClean="0">
                           <a:latin typeface="Cambria Math" panose="02040503050406030204" pitchFamily="18" charset="0"/>
                         </a:rPr>
-                        <m:t>= ±</m:t>
+                        <m:t>𝑔</m:t>
                       </m:r>
-                      <m:sSup>
-                        <m:sSupPr>
-                          <m:ctrlPr>
-                            <a:rPr lang="it-IT" sz="2800" b="0" i="1" smtClean="0">
-                              <a:latin typeface="Cambria Math" panose="02040503050406030204" pitchFamily="18" charset="0"/>
-                            </a:rPr>
-                          </m:ctrlPr>
-                        </m:sSupPr>
-                        <m:e>
-                          <m:d>
-                            <m:dPr>
-                              <m:begChr m:val="["/>
-                              <m:endChr m:val="]"/>
-                              <m:ctrlPr>
-                                <a:rPr lang="it-IT" sz="2800" b="0" i="1" smtClean="0">
-                                  <a:latin typeface="Cambria Math" panose="02040503050406030204" pitchFamily="18" charset="0"/>
-                                </a:rPr>
-                              </m:ctrlPr>
-                            </m:dPr>
-                            <m:e>
-                              <m:f>
-                                <m:fPr>
-                                  <m:ctrlPr>
-                                    <a:rPr lang="it-IT" sz="2800" b="0" i="1" smtClean="0">
-                                      <a:latin typeface="Cambria Math" panose="02040503050406030204" pitchFamily="18" charset="0"/>
-                                    </a:rPr>
-                                  </m:ctrlPr>
-                                </m:fPr>
-                                <m:num>
-                                  <m:r>
-                                    <a:rPr lang="it-IT" sz="2800" b="0" i="1" smtClean="0">
-                                      <a:latin typeface="Cambria Math" panose="02040503050406030204" pitchFamily="18" charset="0"/>
-                                    </a:rPr>
-                                    <m:t>𝛽</m:t>
-                                  </m:r>
-                                </m:num>
-                                <m:den>
-                                  <m:r>
-                                    <a:rPr lang="it-IT" sz="2800" b="0" i="1" smtClean="0">
-                                      <a:latin typeface="Cambria Math" panose="02040503050406030204" pitchFamily="18" charset="0"/>
-                                    </a:rPr>
-                                    <m:t>𝑈</m:t>
-                                  </m:r>
-                                  <m:r>
-                                    <a:rPr lang="it-IT" sz="2800" b="0" i="1" smtClean="0">
-                                      <a:latin typeface="Cambria Math" panose="02040503050406030204" pitchFamily="18" charset="0"/>
-                                    </a:rPr>
-                                    <m:t>−</m:t>
-                                  </m:r>
-                                  <m:sSub>
-                                    <m:sSubPr>
-                                      <m:ctrlPr>
-                                        <a:rPr lang="it-IT" sz="2800" b="0" i="1" smtClean="0">
-                                          <a:latin typeface="Cambria Math" panose="02040503050406030204" pitchFamily="18" charset="0"/>
-                                        </a:rPr>
-                                      </m:ctrlPr>
-                                    </m:sSubPr>
-                                    <m:e>
-                                      <m:r>
-                                        <a:rPr lang="it-IT" sz="2800" b="0" i="1" smtClean="0">
-                                          <a:latin typeface="Cambria Math" panose="02040503050406030204" pitchFamily="18" charset="0"/>
-                                        </a:rPr>
-                                        <m:t>𝑐</m:t>
-                                      </m:r>
-                                    </m:e>
-                                    <m:sub>
-                                      <m:r>
-                                        <a:rPr lang="it-IT" sz="2800" b="0" i="1" smtClean="0">
-                                          <a:latin typeface="Cambria Math" panose="02040503050406030204" pitchFamily="18" charset="0"/>
-                                        </a:rPr>
-                                        <m:t>𝑝</m:t>
-                                      </m:r>
-                                      <m:r>
-                                        <a:rPr lang="it-IT" sz="2800" b="0" i="1" smtClean="0">
-                                          <a:latin typeface="Cambria Math" panose="02040503050406030204" pitchFamily="18" charset="0"/>
-                                        </a:rPr>
-                                        <m:t>,</m:t>
-                                      </m:r>
-                                      <m:r>
-                                        <a:rPr lang="it-IT" sz="2800" b="0" i="1" smtClean="0">
-                                          <a:latin typeface="Cambria Math" panose="02040503050406030204" pitchFamily="18" charset="0"/>
-                                        </a:rPr>
-                                        <m:t>𝑥</m:t>
-                                      </m:r>
-                                    </m:sub>
-                                  </m:sSub>
-                                </m:den>
-                              </m:f>
-                              <m:r>
-                                <a:rPr lang="it-IT" sz="2800" b="0" i="1" smtClean="0">
-                                  <a:latin typeface="Cambria Math" panose="02040503050406030204" pitchFamily="18" charset="0"/>
-                                </a:rPr>
-                                <m:t> −</m:t>
-                              </m:r>
-                              <m:sSup>
-                                <m:sSupPr>
-                                  <m:ctrlPr>
-                                    <a:rPr lang="it-IT" sz="2800" b="0" i="1" smtClean="0">
-                                      <a:latin typeface="Cambria Math" panose="02040503050406030204" pitchFamily="18" charset="0"/>
-                                    </a:rPr>
-                                  </m:ctrlPr>
-                                </m:sSupPr>
-                                <m:e>
-                                  <m:r>
-                                    <a:rPr lang="it-IT" sz="2800" b="0" i="1" smtClean="0">
-                                      <a:latin typeface="Cambria Math" panose="02040503050406030204" pitchFamily="18" charset="0"/>
-                                    </a:rPr>
-                                    <m:t>𝑘</m:t>
-                                  </m:r>
-                                </m:e>
-                                <m:sup>
-                                  <m:r>
-                                    <a:rPr lang="it-IT" sz="2800" b="0" i="1" smtClean="0">
-                                      <a:latin typeface="Cambria Math" panose="02040503050406030204" pitchFamily="18" charset="0"/>
-                                    </a:rPr>
-                                    <m:t>2</m:t>
-                                  </m:r>
-                                </m:sup>
-                              </m:sSup>
-                              <m:r>
-                                <a:rPr lang="it-IT" sz="2800" b="0" i="1" smtClean="0">
-                                  <a:latin typeface="Cambria Math" panose="02040503050406030204" pitchFamily="18" charset="0"/>
-                                </a:rPr>
-                                <m:t> </m:t>
-                              </m:r>
-                            </m:e>
-                          </m:d>
-                        </m:e>
-                        <m:sup>
-                          <m:r>
-                            <a:rPr lang="it-IT" sz="2800" b="0" i="1" smtClean="0">
-                              <a:latin typeface="Cambria Math" panose="02040503050406030204" pitchFamily="18" charset="0"/>
-                            </a:rPr>
-                            <m:t>1/2</m:t>
-                          </m:r>
-                        </m:sup>
-                      </m:sSup>
+                      <m:r>
+                        <a:rPr lang="it-IT" sz="2400" b="0" i="1" smtClean="0">
+                          <a:latin typeface="Cambria Math" panose="02040503050406030204" pitchFamily="18" charset="0"/>
+                        </a:rPr>
+                        <m:t> </m:t>
+                      </m:r>
+                      <m:r>
+                        <m:rPr>
+                          <m:sty m:val="p"/>
+                        </m:rPr>
+                        <a:rPr lang="it-IT" sz="2400" b="0" i="0" smtClean="0">
+                          <a:latin typeface="Cambria Math" panose="02040503050406030204" pitchFamily="18" charset="0"/>
+                        </a:rPr>
+                        <m:t>∇</m:t>
+                      </m:r>
+                      <m:r>
+                        <a:rPr lang="it-IT" sz="2400" b="0" i="1" smtClean="0">
+                          <a:latin typeface="Cambria Math" panose="02040503050406030204" pitchFamily="18" charset="0"/>
+                        </a:rPr>
+                        <m:t>h</m:t>
+                      </m:r>
                     </m:oMath>
                   </m:oMathPara>
                 </a14:m>
-                <a:endParaRPr lang="it-IT" sz="2800" dirty="0"/>
+                <a:endParaRPr lang="it-IT" sz="2400" dirty="0"/>
               </a:p>
             </p:txBody>
           </p:sp>
         </mc:Choice>
-        <mc:Fallback>
+        <mc:Fallback xmlns="">
           <p:sp>
             <p:nvSpPr>
-              <p:cNvPr id="2" name="CasellaDiTesto 1">
+              <p:cNvPr id="8" name="CasellaDiTesto 7">
                 <a:extLst>
                   <a:ext uri="{FF2B5EF4-FFF2-40B4-BE49-F238E27FC236}">
-                    <a16:creationId xmlns:a16="http://schemas.microsoft.com/office/drawing/2014/main" id="{AA0B6D69-283B-7A09-E2D0-6BB1CF62C9EE}"/>
+                    <a16:creationId xmlns:a16="http://schemas.microsoft.com/office/drawing/2014/main" id="{DF3C70D9-6722-6A0D-4DBE-2DB9F331B986}"/>
                   </a:ext>
                 </a:extLst>
               </p:cNvPr>
@@ -8431,8 +9218,1118 @@
             </p:nvSpPr>
             <p:spPr>
               <a:xfrm>
-                <a:off x="1309992" y="2898342"/>
-                <a:ext cx="3993273" cy="1073884"/>
+                <a:off x="8127460" y="1526568"/>
+                <a:ext cx="1226105" cy="369332"/>
+              </a:xfrm>
+              <a:prstGeom prst="rect">
+                <a:avLst/>
+              </a:prstGeom>
+              <a:blipFill>
+                <a:blip r:embed="rId4"/>
+                <a:stretch>
+                  <a:fillRect l="-2488" r="-5970" b="-22951"/>
+                </a:stretch>
+              </a:blipFill>
+            </p:spPr>
+            <p:txBody>
+              <a:bodyPr/>
+              <a:lstStyle/>
+              <a:p>
+                <a:r>
+                  <a:rPr lang="it-IT">
+                    <a:noFill/>
+                  </a:rPr>
+                  <a:t> </a:t>
+                </a:r>
+              </a:p>
+            </p:txBody>
+          </p:sp>
+        </mc:Fallback>
+      </mc:AlternateContent>
+      <mc:AlternateContent xmlns:mc="http://schemas.openxmlformats.org/markup-compatibility/2006" xmlns:a14="http://schemas.microsoft.com/office/drawing/2010/main">
+        <mc:Choice Requires="a14">
+          <p:sp>
+            <p:nvSpPr>
+              <p:cNvPr id="9" name="CasellaDiTesto 8">
+                <a:extLst>
+                  <a:ext uri="{FF2B5EF4-FFF2-40B4-BE49-F238E27FC236}">
+                    <a16:creationId xmlns:a16="http://schemas.microsoft.com/office/drawing/2014/main" id="{FB497669-38C9-082B-C7AB-C8A4911D6566}"/>
+                  </a:ext>
+                </a:extLst>
+              </p:cNvPr>
+              <p:cNvSpPr txBox="1"/>
+              <p:nvPr/>
+            </p:nvSpPr>
+            <p:spPr>
+              <a:xfrm>
+                <a:off x="9109952" y="2444086"/>
+                <a:ext cx="1531958" cy="803553"/>
+              </a:xfrm>
+              <a:prstGeom prst="rect">
+                <a:avLst/>
+              </a:prstGeom>
+              <a:noFill/>
+            </p:spPr>
+            <p:txBody>
+              <a:bodyPr wrap="none" lIns="0" tIns="0" rIns="0" bIns="0" rtlCol="0">
+                <a:spAutoFit/>
+              </a:bodyPr>
+              <a:lstStyle/>
+              <a:p>
+                <a:pPr/>
+                <a14:m>
+                  <m:oMathPara xmlns:m="http://schemas.openxmlformats.org/officeDocument/2006/math">
+                    <m:oMathParaPr>
+                      <m:jc m:val="centerGroup"/>
+                    </m:oMathParaPr>
+                    <m:oMath xmlns:m="http://schemas.openxmlformats.org/officeDocument/2006/math">
+                      <m:f>
+                        <m:fPr>
+                          <m:ctrlPr>
+                            <a:rPr lang="it-IT" i="1" smtClean="0">
+                              <a:latin typeface="Cambria Math" panose="02040503050406030204" pitchFamily="18" charset="0"/>
+                            </a:rPr>
+                          </m:ctrlPr>
+                        </m:fPr>
+                        <m:num>
+                          <m:r>
+                            <a:rPr lang="it-IT" i="1">
+                              <a:latin typeface="Cambria Math" panose="02040503050406030204" pitchFamily="18" charset="0"/>
+                            </a:rPr>
+                            <m:t>𝐷</m:t>
+                          </m:r>
+                        </m:num>
+                        <m:den>
+                          <m:r>
+                            <a:rPr lang="it-IT" i="1">
+                              <a:latin typeface="Cambria Math" panose="02040503050406030204" pitchFamily="18" charset="0"/>
+                            </a:rPr>
+                            <m:t>𝐷𝑡</m:t>
+                          </m:r>
+                        </m:den>
+                      </m:f>
+                      <m:f>
+                        <m:fPr>
+                          <m:ctrlPr>
+                            <a:rPr lang="it-IT" i="1">
+                              <a:latin typeface="Cambria Math" panose="02040503050406030204" pitchFamily="18" charset="0"/>
+                            </a:rPr>
+                          </m:ctrlPr>
+                        </m:fPr>
+                        <m:num>
+                          <m:r>
+                            <a:rPr lang="it-IT" i="1">
+                              <a:latin typeface="Cambria Math" panose="02040503050406030204" pitchFamily="18" charset="0"/>
+                            </a:rPr>
+                            <m:t>𝑓</m:t>
+                          </m:r>
+                          <m:r>
+                            <a:rPr lang="it-IT" i="1">
+                              <a:latin typeface="Cambria Math" panose="02040503050406030204" pitchFamily="18" charset="0"/>
+                            </a:rPr>
+                            <m:t>+</m:t>
+                          </m:r>
+                          <m:r>
+                            <a:rPr lang="it-IT" b="0" i="1" smtClean="0">
+                              <a:latin typeface="Cambria Math" panose="02040503050406030204" pitchFamily="18" charset="0"/>
+                            </a:rPr>
+                            <m:t>𝜁</m:t>
+                          </m:r>
+                        </m:num>
+                        <m:den>
+                          <m:r>
+                            <a:rPr lang="it-IT" i="1">
+                              <a:latin typeface="Cambria Math" panose="02040503050406030204" pitchFamily="18" charset="0"/>
+                            </a:rPr>
+                            <m:t>h</m:t>
+                          </m:r>
+                        </m:den>
+                      </m:f>
+                      <m:r>
+                        <a:rPr lang="it-IT" i="1">
+                          <a:latin typeface="Cambria Math" panose="02040503050406030204" pitchFamily="18" charset="0"/>
+                        </a:rPr>
+                        <m:t>=0</m:t>
+                      </m:r>
+                    </m:oMath>
+                  </m:oMathPara>
+                </a14:m>
+                <a:endParaRPr lang="it-IT" dirty="0"/>
+              </a:p>
+              <a:p>
+                <a:endParaRPr lang="it-IT" dirty="0"/>
+              </a:p>
+            </p:txBody>
+          </p:sp>
+        </mc:Choice>
+        <mc:Fallback xmlns="">
+          <p:sp>
+            <p:nvSpPr>
+              <p:cNvPr id="9" name="CasellaDiTesto 8">
+                <a:extLst>
+                  <a:ext uri="{FF2B5EF4-FFF2-40B4-BE49-F238E27FC236}">
+                    <a16:creationId xmlns:a16="http://schemas.microsoft.com/office/drawing/2014/main" id="{FB497669-38C9-082B-C7AB-C8A4911D6566}"/>
+                  </a:ext>
+                </a:extLst>
+              </p:cNvPr>
+              <p:cNvSpPr txBox="1">
+                <a:spLocks noRot="1" noChangeAspect="1" noMove="1" noResize="1" noEditPoints="1" noAdjustHandles="1" noChangeArrowheads="1" noChangeShapeType="1" noTextEdit="1"/>
+              </p:cNvSpPr>
+              <p:nvPr/>
+            </p:nvSpPr>
+            <p:spPr>
+              <a:xfrm>
+                <a:off x="9109952" y="2444086"/>
+                <a:ext cx="1531958" cy="803553"/>
+              </a:xfrm>
+              <a:prstGeom prst="rect">
+                <a:avLst/>
+              </a:prstGeom>
+              <a:blipFill>
+                <a:blip r:embed="rId5"/>
+                <a:stretch>
+                  <a:fillRect/>
+                </a:stretch>
+              </a:blipFill>
+            </p:spPr>
+            <p:txBody>
+              <a:bodyPr/>
+              <a:lstStyle/>
+              <a:p>
+                <a:r>
+                  <a:rPr lang="it-IT">
+                    <a:noFill/>
+                  </a:rPr>
+                  <a:t> </a:t>
+                </a:r>
+              </a:p>
+            </p:txBody>
+          </p:sp>
+        </mc:Fallback>
+      </mc:AlternateContent>
+      <p:sp>
+        <p:nvSpPr>
+          <p:cNvPr id="10" name="CasellaDiTesto 9">
+            <a:extLst>
+              <a:ext uri="{FF2B5EF4-FFF2-40B4-BE49-F238E27FC236}">
+                <a16:creationId xmlns:a16="http://schemas.microsoft.com/office/drawing/2014/main" id="{2198C948-96C7-AC4F-9429-3633F3FAF237}"/>
+              </a:ext>
+            </a:extLst>
+          </p:cNvPr>
+          <p:cNvSpPr txBox="1"/>
+          <p:nvPr/>
+        </p:nvSpPr>
+        <p:spPr>
+          <a:xfrm>
+            <a:off x="4512119" y="3892573"/>
+            <a:ext cx="3766352" cy="369332"/>
+          </a:xfrm>
+          <a:prstGeom prst="rect">
+            <a:avLst/>
+          </a:prstGeom>
+          <a:noFill/>
+        </p:spPr>
+        <p:txBody>
+          <a:bodyPr wrap="none" rtlCol="0">
+            <a:spAutoFit/>
+          </a:bodyPr>
+          <a:lstStyle/>
+          <a:p>
+            <a:r>
+              <a:rPr lang="it-IT" dirty="0"/>
+              <a:t>Combine a) and b) in the </a:t>
+            </a:r>
+            <a:r>
+              <a:rPr lang="it-IT" dirty="0" err="1"/>
+              <a:t>usual</a:t>
+            </a:r>
+            <a:r>
+              <a:rPr lang="it-IT" dirty="0"/>
+              <a:t> way</a:t>
+            </a:r>
+          </a:p>
+        </p:txBody>
+      </p:sp>
+      <mc:AlternateContent xmlns:mc="http://schemas.openxmlformats.org/markup-compatibility/2006" xmlns:a14="http://schemas.microsoft.com/office/drawing/2010/main">
+        <mc:Choice Requires="a14">
+          <p:sp>
+            <p:nvSpPr>
+              <p:cNvPr id="11" name="CasellaDiTesto 10">
+                <a:extLst>
+                  <a:ext uri="{FF2B5EF4-FFF2-40B4-BE49-F238E27FC236}">
+                    <a16:creationId xmlns:a16="http://schemas.microsoft.com/office/drawing/2014/main" id="{3584AED5-D608-6776-5118-6F2A8B4D6BF0}"/>
+                  </a:ext>
+                </a:extLst>
+              </p:cNvPr>
+              <p:cNvSpPr txBox="1"/>
+              <p:nvPr/>
+            </p:nvSpPr>
+            <p:spPr>
+              <a:xfrm>
+                <a:off x="866570" y="4623725"/>
+                <a:ext cx="4785477" cy="689997"/>
+              </a:xfrm>
+              <a:prstGeom prst="rect">
+                <a:avLst/>
+              </a:prstGeom>
+              <a:noFill/>
+            </p:spPr>
+            <p:txBody>
+              <a:bodyPr wrap="none" lIns="0" tIns="0" rIns="0" bIns="0" rtlCol="0">
+                <a:spAutoFit/>
+              </a:bodyPr>
+              <a:lstStyle/>
+              <a:p>
+                <a14:m>
+                  <m:oMath xmlns:m="http://schemas.openxmlformats.org/officeDocument/2006/math">
+                    <m:f>
+                      <m:fPr>
+                        <m:ctrlPr>
+                          <a:rPr lang="it-IT" sz="2800" b="0" i="1" smtClean="0">
+                            <a:latin typeface="Cambria Math" panose="02040503050406030204" pitchFamily="18" charset="0"/>
+                          </a:rPr>
+                        </m:ctrlPr>
+                      </m:fPr>
+                      <m:num>
+                        <m:r>
+                          <a:rPr lang="it-IT" sz="2800" b="0" i="1" smtClean="0">
+                            <a:latin typeface="Cambria Math" panose="02040503050406030204" pitchFamily="18" charset="0"/>
+                          </a:rPr>
+                          <m:t>𝐷</m:t>
+                        </m:r>
+                        <m:d>
+                          <m:dPr>
+                            <m:ctrlPr>
+                              <a:rPr lang="it-IT" sz="2800" b="0" i="1" smtClean="0">
+                                <a:latin typeface="Cambria Math" panose="02040503050406030204" pitchFamily="18" charset="0"/>
+                              </a:rPr>
+                            </m:ctrlPr>
+                          </m:dPr>
+                          <m:e>
+                            <m:r>
+                              <a:rPr lang="it-IT" sz="2800" b="0" i="1" smtClean="0">
+                                <a:latin typeface="Cambria Math" panose="02040503050406030204" pitchFamily="18" charset="0"/>
+                              </a:rPr>
+                              <m:t>𝑓</m:t>
+                            </m:r>
+                            <m:r>
+                              <a:rPr lang="it-IT" sz="2800" b="0" i="1" smtClean="0">
+                                <a:latin typeface="Cambria Math" panose="02040503050406030204" pitchFamily="18" charset="0"/>
+                              </a:rPr>
+                              <m:t>+</m:t>
+                            </m:r>
+                            <m:r>
+                              <a:rPr lang="it-IT" sz="2800" b="0" i="1" smtClean="0">
+                                <a:latin typeface="Cambria Math" panose="02040503050406030204" pitchFamily="18" charset="0"/>
+                              </a:rPr>
+                              <m:t>𝜁</m:t>
+                            </m:r>
+                          </m:e>
+                        </m:d>
+                      </m:num>
+                      <m:den>
+                        <m:r>
+                          <a:rPr lang="it-IT" sz="2800" b="0" i="1" smtClean="0">
+                            <a:latin typeface="Cambria Math" panose="02040503050406030204" pitchFamily="18" charset="0"/>
+                          </a:rPr>
+                          <m:t>𝐷𝑡</m:t>
+                        </m:r>
+                        <m:r>
+                          <a:rPr lang="it-IT" sz="2800" b="0" i="1" smtClean="0">
+                            <a:latin typeface="Cambria Math" panose="02040503050406030204" pitchFamily="18" charset="0"/>
+                          </a:rPr>
+                          <m:t> </m:t>
+                        </m:r>
+                      </m:den>
+                    </m:f>
+                    <m:r>
+                      <a:rPr lang="it-IT" sz="2800" b="0" i="1" smtClean="0">
+                        <a:latin typeface="Cambria Math" panose="02040503050406030204" pitchFamily="18" charset="0"/>
+                      </a:rPr>
+                      <m:t>+</m:t>
+                    </m:r>
+                    <m:d>
+                      <m:dPr>
+                        <m:ctrlPr>
+                          <a:rPr lang="it-IT" sz="2800" b="0" i="1" smtClean="0">
+                            <a:latin typeface="Cambria Math" panose="02040503050406030204" pitchFamily="18" charset="0"/>
+                          </a:rPr>
+                        </m:ctrlPr>
+                      </m:dPr>
+                      <m:e>
+                        <m:r>
+                          <a:rPr lang="it-IT" sz="2800" b="0" i="1" smtClean="0">
+                            <a:latin typeface="Cambria Math" panose="02040503050406030204" pitchFamily="18" charset="0"/>
+                          </a:rPr>
+                          <m:t>𝑓</m:t>
+                        </m:r>
+                        <m:r>
+                          <a:rPr lang="it-IT" sz="2800" b="0" i="1" smtClean="0">
+                            <a:latin typeface="Cambria Math" panose="02040503050406030204" pitchFamily="18" charset="0"/>
+                          </a:rPr>
+                          <m:t>+</m:t>
+                        </m:r>
+                        <m:r>
+                          <a:rPr lang="it-IT" sz="2800" b="0" i="1" smtClean="0">
+                            <a:latin typeface="Cambria Math" panose="02040503050406030204" pitchFamily="18" charset="0"/>
+                          </a:rPr>
+                          <m:t>𝜁</m:t>
+                        </m:r>
+                      </m:e>
+                    </m:d>
+                    <m:d>
+                      <m:dPr>
+                        <m:ctrlPr>
+                          <a:rPr lang="it-IT" sz="2800" i="1" smtClean="0">
+                            <a:solidFill>
+                              <a:srgbClr val="FF0000"/>
+                            </a:solidFill>
+                            <a:latin typeface="Cambria Math" panose="02040503050406030204" pitchFamily="18" charset="0"/>
+                          </a:rPr>
+                        </m:ctrlPr>
+                      </m:dPr>
+                      <m:e>
+                        <m:f>
+                          <m:fPr>
+                            <m:ctrlPr>
+                              <a:rPr lang="it-IT" sz="2800" i="1">
+                                <a:solidFill>
+                                  <a:srgbClr val="FF0000"/>
+                                </a:solidFill>
+                                <a:latin typeface="Cambria Math" panose="02040503050406030204" pitchFamily="18" charset="0"/>
+                              </a:rPr>
+                            </m:ctrlPr>
+                          </m:fPr>
+                          <m:num>
+                            <m:r>
+                              <a:rPr lang="it-IT" sz="2800" i="1">
+                                <a:solidFill>
+                                  <a:srgbClr val="FF0000"/>
+                                </a:solidFill>
+                                <a:latin typeface="Cambria Math" panose="02040503050406030204" pitchFamily="18" charset="0"/>
+                              </a:rPr>
+                              <m:t>𝜕</m:t>
+                            </m:r>
+                            <m:r>
+                              <a:rPr lang="it-IT" sz="2800" i="1">
+                                <a:solidFill>
+                                  <a:srgbClr val="FF0000"/>
+                                </a:solidFill>
+                                <a:latin typeface="Cambria Math" panose="02040503050406030204" pitchFamily="18" charset="0"/>
+                              </a:rPr>
+                              <m:t>𝑢</m:t>
+                            </m:r>
+                          </m:num>
+                          <m:den>
+                            <m:r>
+                              <a:rPr lang="it-IT" sz="2800" i="1">
+                                <a:solidFill>
+                                  <a:srgbClr val="FF0000"/>
+                                </a:solidFill>
+                                <a:latin typeface="Cambria Math" panose="02040503050406030204" pitchFamily="18" charset="0"/>
+                              </a:rPr>
+                              <m:t>𝜕</m:t>
+                            </m:r>
+                            <m:r>
+                              <a:rPr lang="it-IT" sz="2800" i="1">
+                                <a:solidFill>
+                                  <a:srgbClr val="FF0000"/>
+                                </a:solidFill>
+                                <a:latin typeface="Cambria Math" panose="02040503050406030204" pitchFamily="18" charset="0"/>
+                              </a:rPr>
+                              <m:t>𝑥</m:t>
+                            </m:r>
+                          </m:den>
+                        </m:f>
+                        <m:r>
+                          <a:rPr lang="it-IT" sz="2800" i="1">
+                            <a:solidFill>
+                              <a:srgbClr val="FF0000"/>
+                            </a:solidFill>
+                            <a:latin typeface="Cambria Math" panose="02040503050406030204" pitchFamily="18" charset="0"/>
+                          </a:rPr>
+                          <m:t>+</m:t>
+                        </m:r>
+                        <m:f>
+                          <m:fPr>
+                            <m:ctrlPr>
+                              <a:rPr lang="it-IT" sz="2800" i="1">
+                                <a:solidFill>
+                                  <a:srgbClr val="FF0000"/>
+                                </a:solidFill>
+                                <a:latin typeface="Cambria Math" panose="02040503050406030204" pitchFamily="18" charset="0"/>
+                              </a:rPr>
+                            </m:ctrlPr>
+                          </m:fPr>
+                          <m:num>
+                            <m:r>
+                              <a:rPr lang="it-IT" sz="2800" i="1">
+                                <a:solidFill>
+                                  <a:srgbClr val="FF0000"/>
+                                </a:solidFill>
+                                <a:latin typeface="Cambria Math" panose="02040503050406030204" pitchFamily="18" charset="0"/>
+                              </a:rPr>
+                              <m:t>𝜕</m:t>
+                            </m:r>
+                            <m:r>
+                              <a:rPr lang="it-IT" sz="2800" i="1">
+                                <a:solidFill>
+                                  <a:srgbClr val="FF0000"/>
+                                </a:solidFill>
+                                <a:latin typeface="Cambria Math" panose="02040503050406030204" pitchFamily="18" charset="0"/>
+                              </a:rPr>
+                              <m:t>𝑣</m:t>
+                            </m:r>
+                          </m:num>
+                          <m:den>
+                            <m:r>
+                              <a:rPr lang="it-IT" sz="2800" i="1">
+                                <a:solidFill>
+                                  <a:srgbClr val="FF0000"/>
+                                </a:solidFill>
+                                <a:latin typeface="Cambria Math" panose="02040503050406030204" pitchFamily="18" charset="0"/>
+                              </a:rPr>
+                              <m:t>𝜕</m:t>
+                            </m:r>
+                            <m:r>
+                              <a:rPr lang="it-IT" sz="2800" i="1">
+                                <a:solidFill>
+                                  <a:srgbClr val="FF0000"/>
+                                </a:solidFill>
+                                <a:latin typeface="Cambria Math" panose="02040503050406030204" pitchFamily="18" charset="0"/>
+                              </a:rPr>
+                              <m:t>𝑦</m:t>
+                            </m:r>
+                          </m:den>
+                        </m:f>
+                      </m:e>
+                    </m:d>
+                    <m:r>
+                      <a:rPr lang="it-IT" sz="2800" b="0" i="1" smtClean="0">
+                        <a:latin typeface="Cambria Math" panose="02040503050406030204" pitchFamily="18" charset="0"/>
+                      </a:rPr>
+                      <m:t>=0</m:t>
+                    </m:r>
+                  </m:oMath>
+                </a14:m>
+                <a:r>
+                  <a:rPr lang="it-IT" sz="2800" dirty="0"/>
+                  <a:t>  </a:t>
+                </a:r>
+              </a:p>
+            </p:txBody>
+          </p:sp>
+        </mc:Choice>
+        <mc:Fallback xmlns="">
+          <p:sp>
+            <p:nvSpPr>
+              <p:cNvPr id="11" name="CasellaDiTesto 10">
+                <a:extLst>
+                  <a:ext uri="{FF2B5EF4-FFF2-40B4-BE49-F238E27FC236}">
+                    <a16:creationId xmlns:a16="http://schemas.microsoft.com/office/drawing/2014/main" id="{3584AED5-D608-6776-5118-6F2A8B4D6BF0}"/>
+                  </a:ext>
+                </a:extLst>
+              </p:cNvPr>
+              <p:cNvSpPr txBox="1">
+                <a:spLocks noRot="1" noChangeAspect="1" noMove="1" noResize="1" noEditPoints="1" noAdjustHandles="1" noChangeArrowheads="1" noChangeShapeType="1" noTextEdit="1"/>
+              </p:cNvSpPr>
+              <p:nvPr/>
+            </p:nvSpPr>
+            <p:spPr>
+              <a:xfrm>
+                <a:off x="866570" y="4623725"/>
+                <a:ext cx="4785477" cy="689997"/>
+              </a:xfrm>
+              <a:prstGeom prst="rect">
+                <a:avLst/>
+              </a:prstGeom>
+              <a:blipFill>
+                <a:blip r:embed="rId6"/>
+                <a:stretch>
+                  <a:fillRect/>
+                </a:stretch>
+              </a:blipFill>
+            </p:spPr>
+            <p:txBody>
+              <a:bodyPr/>
+              <a:lstStyle/>
+              <a:p>
+                <a:r>
+                  <a:rPr lang="it-IT">
+                    <a:noFill/>
+                  </a:rPr>
+                  <a:t> </a:t>
+                </a:r>
+              </a:p>
+            </p:txBody>
+          </p:sp>
+        </mc:Fallback>
+      </mc:AlternateContent>
+      <p:sp>
+        <p:nvSpPr>
+          <p:cNvPr id="13" name="CasellaDiTesto 12">
+            <a:extLst>
+              <a:ext uri="{FF2B5EF4-FFF2-40B4-BE49-F238E27FC236}">
+                <a16:creationId xmlns:a16="http://schemas.microsoft.com/office/drawing/2014/main" id="{1B074912-D48D-7C52-C326-603978B4008C}"/>
+              </a:ext>
+            </a:extLst>
+          </p:cNvPr>
+          <p:cNvSpPr txBox="1"/>
+          <p:nvPr/>
+        </p:nvSpPr>
+        <p:spPr>
+          <a:xfrm>
+            <a:off x="7196557" y="4812656"/>
+            <a:ext cx="4377737" cy="369332"/>
+          </a:xfrm>
+          <a:prstGeom prst="rect">
+            <a:avLst/>
+          </a:prstGeom>
+          <a:noFill/>
+        </p:spPr>
+        <p:txBody>
+          <a:bodyPr wrap="none" rtlCol="0">
+            <a:spAutoFit/>
+          </a:bodyPr>
+          <a:lstStyle/>
+          <a:p>
+            <a:r>
+              <a:rPr lang="it-IT" dirty="0"/>
+              <a:t>«</a:t>
+            </a:r>
+            <a:r>
+              <a:rPr lang="it-IT" dirty="0" err="1"/>
+              <a:t>continuity</a:t>
+            </a:r>
+            <a:r>
+              <a:rPr lang="it-IT" dirty="0"/>
+              <a:t> </a:t>
+            </a:r>
+            <a:r>
+              <a:rPr lang="it-IT" dirty="0" err="1"/>
+              <a:t>equation</a:t>
+            </a:r>
+            <a:r>
+              <a:rPr lang="it-IT" dirty="0"/>
+              <a:t>» for </a:t>
+            </a:r>
+            <a:r>
+              <a:rPr lang="it-IT" dirty="0" err="1"/>
+              <a:t>absolute</a:t>
+            </a:r>
+            <a:r>
+              <a:rPr lang="it-IT" dirty="0"/>
+              <a:t> </a:t>
+            </a:r>
+            <a:r>
+              <a:rPr lang="it-IT" dirty="0" err="1"/>
+              <a:t>vorticity</a:t>
+            </a:r>
+            <a:endParaRPr lang="it-IT" dirty="0"/>
+          </a:p>
+        </p:txBody>
+      </p:sp>
+      <p:sp>
+        <p:nvSpPr>
+          <p:cNvPr id="14" name="Parentesi graffa aperta 13">
+            <a:extLst>
+              <a:ext uri="{FF2B5EF4-FFF2-40B4-BE49-F238E27FC236}">
+                <a16:creationId xmlns:a16="http://schemas.microsoft.com/office/drawing/2014/main" id="{E99F21DC-9B4C-89E7-091D-06EFF706BC18}"/>
+              </a:ext>
+            </a:extLst>
+          </p:cNvPr>
+          <p:cNvSpPr/>
+          <p:nvPr/>
+        </p:nvSpPr>
+        <p:spPr>
+          <a:xfrm rot="16200000">
+            <a:off x="4018067" y="5004331"/>
+            <a:ext cx="213466" cy="933855"/>
+          </a:xfrm>
+          <a:prstGeom prst="leftBrace">
+            <a:avLst/>
+          </a:prstGeom>
+          <a:noFill/>
+          <a:ln>
+            <a:solidFill>
+              <a:srgbClr val="FF0000"/>
+            </a:solidFill>
+          </a:ln>
+        </p:spPr>
+        <p:style>
+          <a:lnRef idx="2">
+            <a:schemeClr val="accent1"/>
+          </a:lnRef>
+          <a:fillRef idx="0">
+            <a:schemeClr val="accent1"/>
+          </a:fillRef>
+          <a:effectRef idx="1">
+            <a:schemeClr val="accent1"/>
+          </a:effectRef>
+          <a:fontRef idx="minor">
+            <a:schemeClr val="tx1"/>
+          </a:fontRef>
+        </p:style>
+        <p:txBody>
+          <a:bodyPr rtlCol="0" anchor="ctr"/>
+          <a:lstStyle/>
+          <a:p>
+            <a:pPr algn="ctr"/>
+            <a:endParaRPr lang="it-IT">
+              <a:solidFill>
+                <a:srgbClr val="FF0000"/>
+              </a:solidFill>
+            </a:endParaRPr>
+          </a:p>
+        </p:txBody>
+      </p:sp>
+      <p:sp>
+        <p:nvSpPr>
+          <p:cNvPr id="15" name="CasellaDiTesto 14">
+            <a:extLst>
+              <a:ext uri="{FF2B5EF4-FFF2-40B4-BE49-F238E27FC236}">
+                <a16:creationId xmlns:a16="http://schemas.microsoft.com/office/drawing/2014/main" id="{470D1934-7CE9-46DC-D868-36A3A9BD252F}"/>
+              </a:ext>
+            </a:extLst>
+          </p:cNvPr>
+          <p:cNvSpPr txBox="1"/>
+          <p:nvPr/>
+        </p:nvSpPr>
+        <p:spPr>
+          <a:xfrm>
+            <a:off x="2505220" y="5543809"/>
+            <a:ext cx="3604898" cy="369332"/>
+          </a:xfrm>
+          <a:prstGeom prst="rect">
+            <a:avLst/>
+          </a:prstGeom>
+          <a:noFill/>
+        </p:spPr>
+        <p:txBody>
+          <a:bodyPr wrap="none" rtlCol="0">
+            <a:spAutoFit/>
+          </a:bodyPr>
+          <a:lstStyle/>
+          <a:p>
+            <a:r>
+              <a:rPr lang="it-IT" dirty="0" err="1"/>
+              <a:t>Now</a:t>
+            </a:r>
+            <a:r>
+              <a:rPr lang="it-IT" dirty="0"/>
+              <a:t> the </a:t>
+            </a:r>
+            <a:r>
+              <a:rPr lang="it-IT" dirty="0" err="1"/>
+              <a:t>column</a:t>
+            </a:r>
+            <a:r>
+              <a:rPr lang="it-IT" dirty="0"/>
+              <a:t> can be </a:t>
+            </a:r>
+            <a:r>
+              <a:rPr lang="it-IT" dirty="0" err="1"/>
+              <a:t>squeezed</a:t>
+            </a:r>
+            <a:r>
+              <a:rPr lang="it-IT" dirty="0"/>
+              <a:t>!</a:t>
+            </a:r>
+          </a:p>
+        </p:txBody>
+      </p:sp>
+      <p:sp>
+        <p:nvSpPr>
+          <p:cNvPr id="16" name="Segnaposto numero diapositiva 15">
+            <a:extLst>
+              <a:ext uri="{FF2B5EF4-FFF2-40B4-BE49-F238E27FC236}">
+                <a16:creationId xmlns:a16="http://schemas.microsoft.com/office/drawing/2014/main" id="{E2B2CE6F-B858-33D2-D8C2-012EF3E72FF0}"/>
+              </a:ext>
+            </a:extLst>
+          </p:cNvPr>
+          <p:cNvSpPr>
+            <a:spLocks noGrp="1"/>
+          </p:cNvSpPr>
+          <p:nvPr>
+            <p:ph type="sldNum" sz="quarter" idx="12"/>
+          </p:nvPr>
+        </p:nvSpPr>
+        <p:spPr/>
+        <p:txBody>
+          <a:bodyPr/>
+          <a:lstStyle/>
+          <a:p>
+            <a:fld id="{EB967854-AE97-403A-B273-6E7D11A3E7D0}" type="slidenum">
+              <a:rPr lang="it-IT" smtClean="0"/>
+              <a:t>15</a:t>
+            </a:fld>
+            <a:endParaRPr lang="it-IT"/>
+          </a:p>
+        </p:txBody>
+      </p:sp>
+    </p:spTree>
+    <p:extLst>
+      <p:ext uri="{BB962C8B-B14F-4D97-AF65-F5344CB8AC3E}">
+        <p14:creationId xmlns:p14="http://schemas.microsoft.com/office/powerpoint/2010/main" val="304190828"/>
+      </p:ext>
+    </p:extLst>
+  </p:cSld>
+  <p:clrMapOvr>
+    <a:masterClrMapping/>
+  </p:clrMapOvr>
+  <p:timing>
+    <p:tnLst>
+      <p:par>
+        <p:cTn id="1" dur="indefinite" restart="never" nodeType="tmRoot">
+          <p:childTnLst>
+            <p:seq concurrent="1" nextAc="seek">
+              <p:cTn id="2" dur="indefinite" nodeType="mainSeq">
+                <p:childTnLst>
+                  <p:par>
+                    <p:cTn id="3" fill="hold">
+                      <p:stCondLst>
+                        <p:cond delay="indefinite"/>
+                      </p:stCondLst>
+                      <p:childTnLst>
+                        <p:par>
+                          <p:cTn id="4" fill="hold">
+                            <p:stCondLst>
+                              <p:cond delay="0"/>
+                            </p:stCondLst>
+                            <p:childTnLst>
+                              <p:par>
+                                <p:cTn id="5" presetID="1" presetClass="entr" presetSubtype="0" fill="hold" nodeType="clickEffect">
+                                  <p:stCondLst>
+                                    <p:cond delay="0"/>
+                                  </p:stCondLst>
+                                  <p:childTnLst>
+                                    <p:set>
+                                      <p:cBhvr>
+                                        <p:cTn id="6" dur="1" fill="hold">
+                                          <p:stCondLst>
+                                            <p:cond delay="0"/>
+                                          </p:stCondLst>
+                                        </p:cTn>
+                                        <p:tgtEl>
+                                          <p:spTgt spid="6"/>
+                                        </p:tgtEl>
+                                        <p:attrNameLst>
+                                          <p:attrName>style.visibility</p:attrName>
+                                        </p:attrNameLst>
+                                      </p:cBhvr>
+                                      <p:to>
+                                        <p:strVal val="visible"/>
+                                      </p:to>
+                                    </p:set>
+                                  </p:childTnLst>
+                                </p:cTn>
+                              </p:par>
+                              <p:par>
+                                <p:cTn id="7" presetID="1" presetClass="entr" presetSubtype="0" fill="hold" nodeType="withEffect">
+                                  <p:stCondLst>
+                                    <p:cond delay="0"/>
+                                  </p:stCondLst>
+                                  <p:childTnLst>
+                                    <p:set>
+                                      <p:cBhvr>
+                                        <p:cTn id="8" dur="1" fill="hold">
+                                          <p:stCondLst>
+                                            <p:cond delay="0"/>
+                                          </p:stCondLst>
+                                        </p:cTn>
+                                        <p:tgtEl>
+                                          <p:spTgt spid="7"/>
+                                        </p:tgtEl>
+                                        <p:attrNameLst>
+                                          <p:attrName>style.visibility</p:attrName>
+                                        </p:attrNameLst>
+                                      </p:cBhvr>
+                                      <p:to>
+                                        <p:strVal val="visible"/>
+                                      </p:to>
+                                    </p:set>
+                                  </p:childTnLst>
+                                </p:cTn>
+                              </p:par>
+                              <p:par>
+                                <p:cTn id="9" presetID="1" presetClass="entr" presetSubtype="0" fill="hold" grpId="0" nodeType="withEffect">
+                                  <p:stCondLst>
+                                    <p:cond delay="0"/>
+                                  </p:stCondLst>
+                                  <p:childTnLst>
+                                    <p:set>
+                                      <p:cBhvr>
+                                        <p:cTn id="10" dur="1" fill="hold">
+                                          <p:stCondLst>
+                                            <p:cond delay="0"/>
+                                          </p:stCondLst>
+                                        </p:cTn>
+                                        <p:tgtEl>
+                                          <p:spTgt spid="8"/>
+                                        </p:tgtEl>
+                                        <p:attrNameLst>
+                                          <p:attrName>style.visibility</p:attrName>
+                                        </p:attrNameLst>
+                                      </p:cBhvr>
+                                      <p:to>
+                                        <p:strVal val="visible"/>
+                                      </p:to>
+                                    </p:set>
+                                  </p:childTnLst>
+                                </p:cTn>
+                              </p:par>
+                            </p:childTnLst>
+                          </p:cTn>
+                        </p:par>
+                      </p:childTnLst>
+                    </p:cTn>
+                  </p:par>
+                </p:childTnLst>
+              </p:cTn>
+              <p:prevCondLst>
+                <p:cond evt="onPrev" delay="0">
+                  <p:tgtEl>
+                    <p:sldTgt/>
+                  </p:tgtEl>
+                </p:cond>
+              </p:prevCondLst>
+              <p:nextCondLst>
+                <p:cond evt="onNext" delay="0">
+                  <p:tgtEl>
+                    <p:sldTgt/>
+                  </p:tgtEl>
+                </p:cond>
+              </p:nextCondLst>
+            </p:seq>
+          </p:childTnLst>
+        </p:cTn>
+      </p:par>
+    </p:tnLst>
+    <p:bldLst>
+      <p:bldP spid="8" grpId="0"/>
+    </p:bldLst>
+  </p:timing>
+</p:sld>
+</file>
+
+<file path=ppt/slides/slide16.xml><?xml version="1.0" encoding="utf-8"?>
+<p:sld xmlns:a="http://schemas.openxmlformats.org/drawingml/2006/main" xmlns:r="http://schemas.openxmlformats.org/officeDocument/2006/relationships" xmlns:p="http://schemas.openxmlformats.org/presentationml/2006/main">
+  <p:cSld>
+    <p:spTree>
+      <p:nvGrpSpPr>
+        <p:cNvPr id="1" name="">
+          <a:extLst>
+            <a:ext uri="{FF2B5EF4-FFF2-40B4-BE49-F238E27FC236}">
+              <a16:creationId xmlns:a16="http://schemas.microsoft.com/office/drawing/2014/main" id="{C0A91D0C-27CE-3242-5817-C507D005FDFD}"/>
+            </a:ext>
+          </a:extLst>
+        </p:cNvPr>
+        <p:cNvGrpSpPr/>
+        <p:nvPr/>
+      </p:nvGrpSpPr>
+      <p:grpSpPr>
+        <a:xfrm>
+          <a:off x="0" y="0"/>
+          <a:ext cx="0" cy="0"/>
+          <a:chOff x="0" y="0"/>
+          <a:chExt cx="0" cy="0"/>
+        </a:xfrm>
+      </p:grpSpPr>
+      <p:sp>
+        <p:nvSpPr>
+          <p:cNvPr id="2" name="CasellaDiTesto 1">
+            <a:extLst>
+              <a:ext uri="{FF2B5EF4-FFF2-40B4-BE49-F238E27FC236}">
+                <a16:creationId xmlns:a16="http://schemas.microsoft.com/office/drawing/2014/main" id="{683ACA46-9CAA-1287-C0AC-B0C9564AC788}"/>
+              </a:ext>
+            </a:extLst>
+          </p:cNvPr>
+          <p:cNvSpPr txBox="1"/>
+          <p:nvPr/>
+        </p:nvSpPr>
+        <p:spPr>
+          <a:xfrm>
+            <a:off x="4708863" y="128839"/>
+            <a:ext cx="2641300" cy="369332"/>
+          </a:xfrm>
+          <a:prstGeom prst="rect">
+            <a:avLst/>
+          </a:prstGeom>
+          <a:noFill/>
+        </p:spPr>
+        <p:txBody>
+          <a:bodyPr wrap="none" rtlCol="0">
+            <a:spAutoFit/>
+          </a:bodyPr>
+          <a:lstStyle/>
+          <a:p>
+            <a:r>
+              <a:rPr lang="it-IT" dirty="0"/>
+              <a:t>Case with </a:t>
+            </a:r>
+            <a:r>
+              <a:rPr lang="it-IT" dirty="0" err="1"/>
+              <a:t>variable</a:t>
+            </a:r>
+            <a:r>
+              <a:rPr lang="it-IT" dirty="0"/>
+              <a:t> </a:t>
+            </a:r>
+            <a:r>
+              <a:rPr lang="it-IT" dirty="0" err="1"/>
+              <a:t>depth</a:t>
+            </a:r>
+            <a:endParaRPr lang="it-IT" dirty="0"/>
+          </a:p>
+        </p:txBody>
+      </p:sp>
+      <mc:AlternateContent xmlns:mc="http://schemas.openxmlformats.org/markup-compatibility/2006" xmlns:a14="http://schemas.microsoft.com/office/drawing/2010/main">
+        <mc:Choice Requires="a14">
+          <p:sp>
+            <p:nvSpPr>
+              <p:cNvPr id="9" name="CasellaDiTesto 8">
+                <a:extLst>
+                  <a:ext uri="{FF2B5EF4-FFF2-40B4-BE49-F238E27FC236}">
+                    <a16:creationId xmlns:a16="http://schemas.microsoft.com/office/drawing/2014/main" id="{99FBA3BA-B24E-6C71-8CEE-34FA7434AFB4}"/>
+                  </a:ext>
+                </a:extLst>
+              </p:cNvPr>
+              <p:cNvSpPr txBox="1"/>
+              <p:nvPr/>
+            </p:nvSpPr>
+            <p:spPr>
+              <a:xfrm>
+                <a:off x="3901050" y="2657825"/>
+                <a:ext cx="2314929" cy="1251561"/>
+              </a:xfrm>
+              <a:prstGeom prst="rect">
+                <a:avLst/>
+              </a:prstGeom>
+              <a:noFill/>
+            </p:spPr>
+            <p:txBody>
+              <a:bodyPr wrap="none" lIns="0" tIns="0" rIns="0" bIns="0" rtlCol="0">
+                <a:spAutoFit/>
+              </a:bodyPr>
+              <a:lstStyle/>
+              <a:p>
+                <a:pPr/>
+                <a14:m>
+                  <m:oMathPara xmlns:m="http://schemas.openxmlformats.org/officeDocument/2006/math">
+                    <m:oMathParaPr>
+                      <m:jc m:val="centerGroup"/>
+                    </m:oMathParaPr>
+                    <m:oMath xmlns:m="http://schemas.openxmlformats.org/officeDocument/2006/math">
+                      <m:f>
+                        <m:fPr>
+                          <m:ctrlPr>
+                            <a:rPr lang="it-IT" sz="2800" i="1" smtClean="0">
+                              <a:latin typeface="Cambria Math" panose="02040503050406030204" pitchFamily="18" charset="0"/>
+                            </a:rPr>
+                          </m:ctrlPr>
+                        </m:fPr>
+                        <m:num>
+                          <m:r>
+                            <a:rPr lang="it-IT" sz="2800" i="1">
+                              <a:latin typeface="Cambria Math" panose="02040503050406030204" pitchFamily="18" charset="0"/>
+                            </a:rPr>
+                            <m:t>𝐷</m:t>
+                          </m:r>
+                        </m:num>
+                        <m:den>
+                          <m:r>
+                            <a:rPr lang="it-IT" sz="2800" i="1">
+                              <a:latin typeface="Cambria Math" panose="02040503050406030204" pitchFamily="18" charset="0"/>
+                            </a:rPr>
+                            <m:t>𝐷𝑡</m:t>
+                          </m:r>
+                        </m:den>
+                      </m:f>
+                      <m:f>
+                        <m:fPr>
+                          <m:ctrlPr>
+                            <a:rPr lang="it-IT" sz="2800" i="1">
+                              <a:latin typeface="Cambria Math" panose="02040503050406030204" pitchFamily="18" charset="0"/>
+                            </a:rPr>
+                          </m:ctrlPr>
+                        </m:fPr>
+                        <m:num>
+                          <m:r>
+                            <a:rPr lang="it-IT" sz="2800" b="0" i="1" smtClean="0">
+                              <a:latin typeface="Cambria Math" panose="02040503050406030204" pitchFamily="18" charset="0"/>
+                            </a:rPr>
+                            <m:t>(</m:t>
+                          </m:r>
+                          <m:r>
+                            <a:rPr lang="it-IT" sz="2800" i="1">
+                              <a:latin typeface="Cambria Math" panose="02040503050406030204" pitchFamily="18" charset="0"/>
+                            </a:rPr>
+                            <m:t>𝑓</m:t>
+                          </m:r>
+                          <m:r>
+                            <a:rPr lang="it-IT" sz="2800" i="1">
+                              <a:latin typeface="Cambria Math" panose="02040503050406030204" pitchFamily="18" charset="0"/>
+                            </a:rPr>
+                            <m:t>+</m:t>
+                          </m:r>
+                          <m:r>
+                            <a:rPr lang="it-IT" sz="2800" b="0" i="1" smtClean="0">
+                              <a:latin typeface="Cambria Math" panose="02040503050406030204" pitchFamily="18" charset="0"/>
+                            </a:rPr>
+                            <m:t>𝜁</m:t>
+                          </m:r>
+                          <m:r>
+                            <a:rPr lang="it-IT" sz="2800" b="0" i="1" smtClean="0">
+                              <a:latin typeface="Cambria Math" panose="02040503050406030204" pitchFamily="18" charset="0"/>
+                            </a:rPr>
+                            <m:t>)</m:t>
+                          </m:r>
+                        </m:num>
+                        <m:den>
+                          <m:r>
+                            <a:rPr lang="it-IT" sz="2800" i="1">
+                              <a:latin typeface="Cambria Math" panose="02040503050406030204" pitchFamily="18" charset="0"/>
+                            </a:rPr>
+                            <m:t>h</m:t>
+                          </m:r>
+                        </m:den>
+                      </m:f>
+                      <m:r>
+                        <a:rPr lang="it-IT" sz="2800" i="1">
+                          <a:latin typeface="Cambria Math" panose="02040503050406030204" pitchFamily="18" charset="0"/>
+                        </a:rPr>
+                        <m:t>=0</m:t>
+                      </m:r>
+                    </m:oMath>
+                  </m:oMathPara>
+                </a14:m>
+                <a:endParaRPr lang="it-IT" sz="2800" dirty="0"/>
+              </a:p>
+              <a:p>
+                <a:endParaRPr lang="it-IT" sz="2800" dirty="0"/>
+              </a:p>
+            </p:txBody>
+          </p:sp>
+        </mc:Choice>
+        <mc:Fallback xmlns="">
+          <p:sp>
+            <p:nvSpPr>
+              <p:cNvPr id="9" name="CasellaDiTesto 8">
+                <a:extLst>
+                  <a:ext uri="{FF2B5EF4-FFF2-40B4-BE49-F238E27FC236}">
+                    <a16:creationId xmlns:a16="http://schemas.microsoft.com/office/drawing/2014/main" id="{99FBA3BA-B24E-6C71-8CEE-34FA7434AFB4}"/>
+                  </a:ext>
+                </a:extLst>
+              </p:cNvPr>
+              <p:cNvSpPr txBox="1">
+                <a:spLocks noRot="1" noChangeAspect="1" noMove="1" noResize="1" noEditPoints="1" noAdjustHandles="1" noChangeArrowheads="1" noChangeShapeType="1" noTextEdit="1"/>
+              </p:cNvSpPr>
+              <p:nvPr/>
+            </p:nvSpPr>
+            <p:spPr>
+              <a:xfrm>
+                <a:off x="3901050" y="2657825"/>
+                <a:ext cx="2314929" cy="1251561"/>
               </a:xfrm>
               <a:prstGeom prst="rect">
                 <a:avLst/>
@@ -8459,12 +10356,327 @@
           </p:sp>
         </mc:Fallback>
       </mc:AlternateContent>
+      <mc:AlternateContent xmlns:mc="http://schemas.openxmlformats.org/markup-compatibility/2006" xmlns:a14="http://schemas.microsoft.com/office/drawing/2010/main">
+        <mc:Choice Requires="a14">
+          <p:sp>
+            <p:nvSpPr>
+              <p:cNvPr id="11" name="CasellaDiTesto 10">
+                <a:extLst>
+                  <a:ext uri="{FF2B5EF4-FFF2-40B4-BE49-F238E27FC236}">
+                    <a16:creationId xmlns:a16="http://schemas.microsoft.com/office/drawing/2014/main" id="{2BF8D884-A99D-D035-6930-6FA508AF2DCB}"/>
+                  </a:ext>
+                </a:extLst>
+              </p:cNvPr>
+              <p:cNvSpPr txBox="1"/>
+              <p:nvPr/>
+            </p:nvSpPr>
+            <p:spPr>
+              <a:xfrm>
+                <a:off x="633106" y="703478"/>
+                <a:ext cx="4785477" cy="689997"/>
+              </a:xfrm>
+              <a:prstGeom prst="rect">
+                <a:avLst/>
+              </a:prstGeom>
+              <a:noFill/>
+            </p:spPr>
+            <p:txBody>
+              <a:bodyPr wrap="none" lIns="0" tIns="0" rIns="0" bIns="0" rtlCol="0">
+                <a:spAutoFit/>
+              </a:bodyPr>
+              <a:lstStyle/>
+              <a:p>
+                <a14:m>
+                  <m:oMath xmlns:m="http://schemas.openxmlformats.org/officeDocument/2006/math">
+                    <m:f>
+                      <m:fPr>
+                        <m:ctrlPr>
+                          <a:rPr lang="it-IT" sz="2800" b="0" i="1" smtClean="0">
+                            <a:latin typeface="Cambria Math" panose="02040503050406030204" pitchFamily="18" charset="0"/>
+                          </a:rPr>
+                        </m:ctrlPr>
+                      </m:fPr>
+                      <m:num>
+                        <m:r>
+                          <a:rPr lang="it-IT" sz="2800" b="0" i="1" smtClean="0">
+                            <a:latin typeface="Cambria Math" panose="02040503050406030204" pitchFamily="18" charset="0"/>
+                          </a:rPr>
+                          <m:t>𝐷</m:t>
+                        </m:r>
+                        <m:d>
+                          <m:dPr>
+                            <m:ctrlPr>
+                              <a:rPr lang="it-IT" sz="2800" b="0" i="1" smtClean="0">
+                                <a:latin typeface="Cambria Math" panose="02040503050406030204" pitchFamily="18" charset="0"/>
+                              </a:rPr>
+                            </m:ctrlPr>
+                          </m:dPr>
+                          <m:e>
+                            <m:r>
+                              <a:rPr lang="it-IT" sz="2800" b="0" i="1" smtClean="0">
+                                <a:latin typeface="Cambria Math" panose="02040503050406030204" pitchFamily="18" charset="0"/>
+                              </a:rPr>
+                              <m:t>𝑓</m:t>
+                            </m:r>
+                            <m:r>
+                              <a:rPr lang="it-IT" sz="2800" b="0" i="1" smtClean="0">
+                                <a:latin typeface="Cambria Math" panose="02040503050406030204" pitchFamily="18" charset="0"/>
+                              </a:rPr>
+                              <m:t>+</m:t>
+                            </m:r>
+                            <m:r>
+                              <a:rPr lang="it-IT" sz="2800" b="0" i="1" smtClean="0">
+                                <a:latin typeface="Cambria Math" panose="02040503050406030204" pitchFamily="18" charset="0"/>
+                              </a:rPr>
+                              <m:t>𝜁</m:t>
+                            </m:r>
+                          </m:e>
+                        </m:d>
+                      </m:num>
+                      <m:den>
+                        <m:r>
+                          <a:rPr lang="it-IT" sz="2800" b="0" i="1" smtClean="0">
+                            <a:latin typeface="Cambria Math" panose="02040503050406030204" pitchFamily="18" charset="0"/>
+                          </a:rPr>
+                          <m:t>𝐷𝑡</m:t>
+                        </m:r>
+                        <m:r>
+                          <a:rPr lang="it-IT" sz="2800" b="0" i="1" smtClean="0">
+                            <a:latin typeface="Cambria Math" panose="02040503050406030204" pitchFamily="18" charset="0"/>
+                          </a:rPr>
+                          <m:t> </m:t>
+                        </m:r>
+                      </m:den>
+                    </m:f>
+                    <m:r>
+                      <a:rPr lang="it-IT" sz="2800" b="0" i="1" smtClean="0">
+                        <a:latin typeface="Cambria Math" panose="02040503050406030204" pitchFamily="18" charset="0"/>
+                      </a:rPr>
+                      <m:t>+</m:t>
+                    </m:r>
+                    <m:d>
+                      <m:dPr>
+                        <m:ctrlPr>
+                          <a:rPr lang="it-IT" sz="2800" b="0" i="1" smtClean="0">
+                            <a:latin typeface="Cambria Math" panose="02040503050406030204" pitchFamily="18" charset="0"/>
+                          </a:rPr>
+                        </m:ctrlPr>
+                      </m:dPr>
+                      <m:e>
+                        <m:r>
+                          <a:rPr lang="it-IT" sz="2800" b="0" i="1" smtClean="0">
+                            <a:latin typeface="Cambria Math" panose="02040503050406030204" pitchFamily="18" charset="0"/>
+                          </a:rPr>
+                          <m:t>𝑓</m:t>
+                        </m:r>
+                        <m:r>
+                          <a:rPr lang="it-IT" sz="2800" b="0" i="1" smtClean="0">
+                            <a:latin typeface="Cambria Math" panose="02040503050406030204" pitchFamily="18" charset="0"/>
+                          </a:rPr>
+                          <m:t>+</m:t>
+                        </m:r>
+                        <m:r>
+                          <a:rPr lang="it-IT" sz="2800" b="0" i="1" smtClean="0">
+                            <a:latin typeface="Cambria Math" panose="02040503050406030204" pitchFamily="18" charset="0"/>
+                          </a:rPr>
+                          <m:t>𝜁</m:t>
+                        </m:r>
+                      </m:e>
+                    </m:d>
+                    <m:d>
+                      <m:dPr>
+                        <m:ctrlPr>
+                          <a:rPr lang="it-IT" sz="2800" i="1" smtClean="0">
+                            <a:solidFill>
+                              <a:srgbClr val="FF0000"/>
+                            </a:solidFill>
+                            <a:latin typeface="Cambria Math" panose="02040503050406030204" pitchFamily="18" charset="0"/>
+                          </a:rPr>
+                        </m:ctrlPr>
+                      </m:dPr>
+                      <m:e>
+                        <m:f>
+                          <m:fPr>
+                            <m:ctrlPr>
+                              <a:rPr lang="it-IT" sz="2800" i="1">
+                                <a:solidFill>
+                                  <a:srgbClr val="FF0000"/>
+                                </a:solidFill>
+                                <a:latin typeface="Cambria Math" panose="02040503050406030204" pitchFamily="18" charset="0"/>
+                              </a:rPr>
+                            </m:ctrlPr>
+                          </m:fPr>
+                          <m:num>
+                            <m:r>
+                              <a:rPr lang="it-IT" sz="2800" i="1">
+                                <a:solidFill>
+                                  <a:srgbClr val="FF0000"/>
+                                </a:solidFill>
+                                <a:latin typeface="Cambria Math" panose="02040503050406030204" pitchFamily="18" charset="0"/>
+                              </a:rPr>
+                              <m:t>𝜕</m:t>
+                            </m:r>
+                            <m:r>
+                              <a:rPr lang="it-IT" sz="2800" i="1">
+                                <a:solidFill>
+                                  <a:srgbClr val="FF0000"/>
+                                </a:solidFill>
+                                <a:latin typeface="Cambria Math" panose="02040503050406030204" pitchFamily="18" charset="0"/>
+                              </a:rPr>
+                              <m:t>𝑢</m:t>
+                            </m:r>
+                          </m:num>
+                          <m:den>
+                            <m:r>
+                              <a:rPr lang="it-IT" sz="2800" i="1">
+                                <a:solidFill>
+                                  <a:srgbClr val="FF0000"/>
+                                </a:solidFill>
+                                <a:latin typeface="Cambria Math" panose="02040503050406030204" pitchFamily="18" charset="0"/>
+                              </a:rPr>
+                              <m:t>𝜕</m:t>
+                            </m:r>
+                            <m:r>
+                              <a:rPr lang="it-IT" sz="2800" i="1">
+                                <a:solidFill>
+                                  <a:srgbClr val="FF0000"/>
+                                </a:solidFill>
+                                <a:latin typeface="Cambria Math" panose="02040503050406030204" pitchFamily="18" charset="0"/>
+                              </a:rPr>
+                              <m:t>𝑥</m:t>
+                            </m:r>
+                          </m:den>
+                        </m:f>
+                        <m:r>
+                          <a:rPr lang="it-IT" sz="2800" i="1">
+                            <a:solidFill>
+                              <a:srgbClr val="FF0000"/>
+                            </a:solidFill>
+                            <a:latin typeface="Cambria Math" panose="02040503050406030204" pitchFamily="18" charset="0"/>
+                          </a:rPr>
+                          <m:t>+</m:t>
+                        </m:r>
+                        <m:f>
+                          <m:fPr>
+                            <m:ctrlPr>
+                              <a:rPr lang="it-IT" sz="2800" i="1">
+                                <a:solidFill>
+                                  <a:srgbClr val="FF0000"/>
+                                </a:solidFill>
+                                <a:latin typeface="Cambria Math" panose="02040503050406030204" pitchFamily="18" charset="0"/>
+                              </a:rPr>
+                            </m:ctrlPr>
+                          </m:fPr>
+                          <m:num>
+                            <m:r>
+                              <a:rPr lang="it-IT" sz="2800" i="1">
+                                <a:solidFill>
+                                  <a:srgbClr val="FF0000"/>
+                                </a:solidFill>
+                                <a:latin typeface="Cambria Math" panose="02040503050406030204" pitchFamily="18" charset="0"/>
+                              </a:rPr>
+                              <m:t>𝜕</m:t>
+                            </m:r>
+                            <m:r>
+                              <a:rPr lang="it-IT" sz="2800" i="1">
+                                <a:solidFill>
+                                  <a:srgbClr val="FF0000"/>
+                                </a:solidFill>
+                                <a:latin typeface="Cambria Math" panose="02040503050406030204" pitchFamily="18" charset="0"/>
+                              </a:rPr>
+                              <m:t>𝑣</m:t>
+                            </m:r>
+                          </m:num>
+                          <m:den>
+                            <m:r>
+                              <a:rPr lang="it-IT" sz="2800" i="1">
+                                <a:solidFill>
+                                  <a:srgbClr val="FF0000"/>
+                                </a:solidFill>
+                                <a:latin typeface="Cambria Math" panose="02040503050406030204" pitchFamily="18" charset="0"/>
+                              </a:rPr>
+                              <m:t>𝜕</m:t>
+                            </m:r>
+                            <m:r>
+                              <a:rPr lang="it-IT" sz="2800" i="1">
+                                <a:solidFill>
+                                  <a:srgbClr val="FF0000"/>
+                                </a:solidFill>
+                                <a:latin typeface="Cambria Math" panose="02040503050406030204" pitchFamily="18" charset="0"/>
+                              </a:rPr>
+                              <m:t>𝑦</m:t>
+                            </m:r>
+                          </m:den>
+                        </m:f>
+                      </m:e>
+                    </m:d>
+                    <m:r>
+                      <a:rPr lang="it-IT" sz="2800" b="0" i="1" smtClean="0">
+                        <a:latin typeface="Cambria Math" panose="02040503050406030204" pitchFamily="18" charset="0"/>
+                      </a:rPr>
+                      <m:t>=0</m:t>
+                    </m:r>
+                  </m:oMath>
+                </a14:m>
+                <a:r>
+                  <a:rPr lang="it-IT" sz="2800" dirty="0"/>
+                  <a:t>  </a:t>
+                </a:r>
+              </a:p>
+            </p:txBody>
+          </p:sp>
+        </mc:Choice>
+        <mc:Fallback xmlns="">
+          <p:sp>
+            <p:nvSpPr>
+              <p:cNvPr id="11" name="CasellaDiTesto 10">
+                <a:extLst>
+                  <a:ext uri="{FF2B5EF4-FFF2-40B4-BE49-F238E27FC236}">
+                    <a16:creationId xmlns:a16="http://schemas.microsoft.com/office/drawing/2014/main" id="{2BF8D884-A99D-D035-6930-6FA508AF2DCB}"/>
+                  </a:ext>
+                </a:extLst>
+              </p:cNvPr>
+              <p:cNvSpPr txBox="1">
+                <a:spLocks noRot="1" noChangeAspect="1" noMove="1" noResize="1" noEditPoints="1" noAdjustHandles="1" noChangeArrowheads="1" noChangeShapeType="1" noTextEdit="1"/>
+              </p:cNvSpPr>
+              <p:nvPr/>
+            </p:nvSpPr>
+            <p:spPr>
+              <a:xfrm>
+                <a:off x="633106" y="703478"/>
+                <a:ext cx="4785477" cy="689997"/>
+              </a:xfrm>
+              <a:prstGeom prst="rect">
+                <a:avLst/>
+              </a:prstGeom>
+              <a:blipFill>
+                <a:blip r:embed="rId3"/>
+                <a:stretch>
+                  <a:fillRect l="-127"/>
+                </a:stretch>
+              </a:blipFill>
+            </p:spPr>
+            <p:txBody>
+              <a:bodyPr/>
+              <a:lstStyle/>
+              <a:p>
+                <a:r>
+                  <a:rPr lang="it-IT">
+                    <a:noFill/>
+                  </a:rPr>
+                  <a:t> </a:t>
+                </a:r>
+              </a:p>
+            </p:txBody>
+          </p:sp>
+        </mc:Fallback>
+      </mc:AlternateContent>
       <p:sp>
         <p:nvSpPr>
-          <p:cNvPr id="3" name="CasellaDiTesto 2">
-            <a:extLst>
-              <a:ext uri="{FF2B5EF4-FFF2-40B4-BE49-F238E27FC236}">
-                <a16:creationId xmlns:a16="http://schemas.microsoft.com/office/drawing/2014/main" id="{A4CC506A-E223-B07A-BC94-5FE96AC3EF64}"/>
+          <p:cNvPr id="13" name="CasellaDiTesto 12">
+            <a:extLst>
+              <a:ext uri="{FF2B5EF4-FFF2-40B4-BE49-F238E27FC236}">
+                <a16:creationId xmlns:a16="http://schemas.microsoft.com/office/drawing/2014/main" id="{95F7E8D6-E2C3-3992-A469-A03CF432A3CB}"/>
               </a:ext>
             </a:extLst>
           </p:cNvPr>
@@ -8473,8 +10685,8 @@
         </p:nvSpPr>
         <p:spPr>
           <a:xfrm>
-            <a:off x="953311" y="671209"/>
-            <a:ext cx="1275542" cy="369332"/>
+            <a:off x="6466983" y="863810"/>
+            <a:ext cx="4377737" cy="369332"/>
           </a:xfrm>
           <a:prstGeom prst="rect">
             <a:avLst/>
@@ -8489,25 +10701,271 @@
           <a:p>
             <a:r>
               <a:rPr lang="it-IT" dirty="0"/>
-              <a:t>But </a:t>
+              <a:t>«</a:t>
             </a:r>
             <a:r>
               <a:rPr lang="it-IT" dirty="0" err="1"/>
-              <a:t>wait</a:t>
+              <a:t>continuity</a:t>
             </a:r>
             <a:r>
               <a:rPr lang="it-IT" dirty="0"/>
-              <a:t>…  </a:t>
-            </a:r>
+              <a:t> </a:t>
+            </a:r>
+            <a:r>
+              <a:rPr lang="it-IT" dirty="0" err="1"/>
+              <a:t>equation</a:t>
+            </a:r>
+            <a:r>
+              <a:rPr lang="it-IT" dirty="0"/>
+              <a:t>» for </a:t>
+            </a:r>
+            <a:r>
+              <a:rPr lang="it-IT" dirty="0" err="1"/>
+              <a:t>absolute</a:t>
+            </a:r>
+            <a:r>
+              <a:rPr lang="it-IT" dirty="0"/>
+              <a:t> </a:t>
+            </a:r>
+            <a:r>
+              <a:rPr lang="it-IT" dirty="0" err="1"/>
+              <a:t>vorticity</a:t>
+            </a:r>
+            <a:endParaRPr lang="it-IT" dirty="0"/>
           </a:p>
         </p:txBody>
       </p:sp>
       <p:sp>
         <p:nvSpPr>
-          <p:cNvPr id="4" name="CasellaDiTesto 3">
-            <a:extLst>
-              <a:ext uri="{FF2B5EF4-FFF2-40B4-BE49-F238E27FC236}">
-                <a16:creationId xmlns:a16="http://schemas.microsoft.com/office/drawing/2014/main" id="{377D23BC-B145-AD05-4D68-A945F4E406BE}"/>
+          <p:cNvPr id="14" name="Parentesi graffa aperta 13">
+            <a:extLst>
+              <a:ext uri="{FF2B5EF4-FFF2-40B4-BE49-F238E27FC236}">
+                <a16:creationId xmlns:a16="http://schemas.microsoft.com/office/drawing/2014/main" id="{746A17CD-CB22-E415-6B58-B54AF0ED7DD5}"/>
+              </a:ext>
+            </a:extLst>
+          </p:cNvPr>
+          <p:cNvSpPr/>
+          <p:nvPr/>
+        </p:nvSpPr>
+        <p:spPr>
+          <a:xfrm rot="16200000">
+            <a:off x="3784603" y="1084084"/>
+            <a:ext cx="213466" cy="933855"/>
+          </a:xfrm>
+          <a:prstGeom prst="leftBrace">
+            <a:avLst/>
+          </a:prstGeom>
+          <a:noFill/>
+          <a:ln>
+            <a:solidFill>
+              <a:srgbClr val="FF0000"/>
+            </a:solidFill>
+          </a:ln>
+        </p:spPr>
+        <p:style>
+          <a:lnRef idx="2">
+            <a:schemeClr val="accent1"/>
+          </a:lnRef>
+          <a:fillRef idx="0">
+            <a:schemeClr val="accent1"/>
+          </a:fillRef>
+          <a:effectRef idx="1">
+            <a:schemeClr val="accent1"/>
+          </a:effectRef>
+          <a:fontRef idx="minor">
+            <a:schemeClr val="tx1"/>
+          </a:fontRef>
+        </p:style>
+        <p:txBody>
+          <a:bodyPr rtlCol="0" anchor="ctr"/>
+          <a:lstStyle/>
+          <a:p>
+            <a:pPr algn="ctr"/>
+            <a:endParaRPr lang="it-IT">
+              <a:solidFill>
+                <a:srgbClr val="FF0000"/>
+              </a:solidFill>
+            </a:endParaRPr>
+          </a:p>
+        </p:txBody>
+      </p:sp>
+      <mc:AlternateContent xmlns:mc="http://schemas.openxmlformats.org/markup-compatibility/2006" xmlns:a14="http://schemas.microsoft.com/office/drawing/2010/main">
+        <mc:Choice Requires="a14">
+          <p:sp>
+            <p:nvSpPr>
+              <p:cNvPr id="5" name="CasellaDiTesto 4">
+                <a:extLst>
+                  <a:ext uri="{FF2B5EF4-FFF2-40B4-BE49-F238E27FC236}">
+                    <a16:creationId xmlns:a16="http://schemas.microsoft.com/office/drawing/2014/main" id="{1313350D-B8B8-3341-9D1A-A4DE78932B96}"/>
+                  </a:ext>
+                </a:extLst>
+              </p:cNvPr>
+              <p:cNvSpPr txBox="1"/>
+              <p:nvPr/>
+            </p:nvSpPr>
+            <p:spPr>
+              <a:xfrm>
+                <a:off x="3312267" y="1742868"/>
+                <a:ext cx="961097" cy="701218"/>
+              </a:xfrm>
+              <a:prstGeom prst="rect">
+                <a:avLst/>
+              </a:prstGeom>
+              <a:noFill/>
+            </p:spPr>
+            <p:txBody>
+              <a:bodyPr wrap="none" lIns="0" tIns="0" rIns="0" bIns="0" rtlCol="0">
+                <a:spAutoFit/>
+              </a:bodyPr>
+              <a:lstStyle/>
+              <a:p>
+                <a:pPr/>
+                <a14:m>
+                  <m:oMathPara xmlns:m="http://schemas.openxmlformats.org/officeDocument/2006/math">
+                    <m:oMathParaPr>
+                      <m:jc m:val="centerGroup"/>
+                    </m:oMathParaPr>
+                    <m:oMath xmlns:m="http://schemas.openxmlformats.org/officeDocument/2006/math">
+                      <m:r>
+                        <a:rPr lang="it-IT" sz="2400" b="0" i="1" smtClean="0">
+                          <a:solidFill>
+                            <a:srgbClr val="FF0000"/>
+                          </a:solidFill>
+                          <a:latin typeface="Cambria Math" panose="02040503050406030204" pitchFamily="18" charset="0"/>
+                        </a:rPr>
+                        <m:t>−</m:t>
+                      </m:r>
+                      <m:f>
+                        <m:fPr>
+                          <m:ctrlPr>
+                            <a:rPr lang="it-IT" sz="2400" b="0" i="1" smtClean="0">
+                              <a:solidFill>
+                                <a:srgbClr val="FF0000"/>
+                              </a:solidFill>
+                              <a:latin typeface="Cambria Math" panose="02040503050406030204" pitchFamily="18" charset="0"/>
+                            </a:rPr>
+                          </m:ctrlPr>
+                        </m:fPr>
+                        <m:num>
+                          <m:r>
+                            <a:rPr lang="it-IT" sz="2400" b="0" i="1" smtClean="0">
+                              <a:solidFill>
+                                <a:srgbClr val="FF0000"/>
+                              </a:solidFill>
+                              <a:latin typeface="Cambria Math" panose="02040503050406030204" pitchFamily="18" charset="0"/>
+                            </a:rPr>
+                            <m:t>1</m:t>
+                          </m:r>
+                        </m:num>
+                        <m:den>
+                          <m:r>
+                            <a:rPr lang="it-IT" sz="2400" b="0" i="1" smtClean="0">
+                              <a:solidFill>
+                                <a:srgbClr val="FF0000"/>
+                              </a:solidFill>
+                              <a:latin typeface="Cambria Math" panose="02040503050406030204" pitchFamily="18" charset="0"/>
+                            </a:rPr>
+                            <m:t>h</m:t>
+                          </m:r>
+                        </m:den>
+                      </m:f>
+                      <m:f>
+                        <m:fPr>
+                          <m:ctrlPr>
+                            <a:rPr lang="it-IT" sz="2400" b="0" i="1" smtClean="0">
+                              <a:solidFill>
+                                <a:srgbClr val="FF0000"/>
+                              </a:solidFill>
+                              <a:latin typeface="Cambria Math" panose="02040503050406030204" pitchFamily="18" charset="0"/>
+                            </a:rPr>
+                          </m:ctrlPr>
+                        </m:fPr>
+                        <m:num>
+                          <m:r>
+                            <a:rPr lang="it-IT" sz="2400" b="0" i="1" smtClean="0">
+                              <a:solidFill>
+                                <a:srgbClr val="FF0000"/>
+                              </a:solidFill>
+                              <a:latin typeface="Cambria Math" panose="02040503050406030204" pitchFamily="18" charset="0"/>
+                            </a:rPr>
+                            <m:t>𝐷h</m:t>
+                          </m:r>
+                        </m:num>
+                        <m:den>
+                          <m:r>
+                            <a:rPr lang="it-IT" sz="2400" b="0" i="1" smtClean="0">
+                              <a:solidFill>
+                                <a:srgbClr val="FF0000"/>
+                              </a:solidFill>
+                              <a:latin typeface="Cambria Math" panose="02040503050406030204" pitchFamily="18" charset="0"/>
+                            </a:rPr>
+                            <m:t>𝐷𝑡</m:t>
+                          </m:r>
+                        </m:den>
+                      </m:f>
+                    </m:oMath>
+                  </m:oMathPara>
+                </a14:m>
+                <a:endParaRPr lang="it-IT" sz="2400" dirty="0">
+                  <a:solidFill>
+                    <a:srgbClr val="FF0000"/>
+                  </a:solidFill>
+                </a:endParaRPr>
+              </a:p>
+            </p:txBody>
+          </p:sp>
+        </mc:Choice>
+        <mc:Fallback xmlns="">
+          <p:sp>
+            <p:nvSpPr>
+              <p:cNvPr id="5" name="CasellaDiTesto 4">
+                <a:extLst>
+                  <a:ext uri="{FF2B5EF4-FFF2-40B4-BE49-F238E27FC236}">
+                    <a16:creationId xmlns:a16="http://schemas.microsoft.com/office/drawing/2014/main" id="{1313350D-B8B8-3341-9D1A-A4DE78932B96}"/>
+                  </a:ext>
+                </a:extLst>
+              </p:cNvPr>
+              <p:cNvSpPr txBox="1">
+                <a:spLocks noRot="1" noChangeAspect="1" noMove="1" noResize="1" noEditPoints="1" noAdjustHandles="1" noChangeArrowheads="1" noChangeShapeType="1" noTextEdit="1"/>
+              </p:cNvSpPr>
+              <p:nvPr/>
+            </p:nvSpPr>
+            <p:spPr>
+              <a:xfrm>
+                <a:off x="3312267" y="1742868"/>
+                <a:ext cx="961097" cy="701218"/>
+              </a:xfrm>
+              <a:prstGeom prst="rect">
+                <a:avLst/>
+              </a:prstGeom>
+              <a:blipFill>
+                <a:blip r:embed="rId4"/>
+                <a:stretch>
+                  <a:fillRect/>
+                </a:stretch>
+              </a:blipFill>
+            </p:spPr>
+            <p:txBody>
+              <a:bodyPr/>
+              <a:lstStyle/>
+              <a:p>
+                <a:r>
+                  <a:rPr lang="it-IT">
+                    <a:noFill/>
+                  </a:rPr>
+                  <a:t> </a:t>
+                </a:r>
+              </a:p>
+            </p:txBody>
+          </p:sp>
+        </mc:Fallback>
+      </mc:AlternateContent>
+      <p:sp>
+        <p:nvSpPr>
+          <p:cNvPr id="12" name="CasellaDiTesto 11">
+            <a:extLst>
+              <a:ext uri="{FF2B5EF4-FFF2-40B4-BE49-F238E27FC236}">
+                <a16:creationId xmlns:a16="http://schemas.microsoft.com/office/drawing/2014/main" id="{0028F946-FAD2-CB8B-F706-4CE92AAB4755}"/>
               </a:ext>
             </a:extLst>
           </p:cNvPr>
@@ -8516,8 +10974,8 @@
         </p:nvSpPr>
         <p:spPr>
           <a:xfrm>
-            <a:off x="3333345" y="671209"/>
-            <a:ext cx="4506490" cy="369332"/>
+            <a:off x="633106" y="2914274"/>
+            <a:ext cx="2280881" cy="369332"/>
           </a:xfrm>
           <a:prstGeom prst="rect">
             <a:avLst/>
@@ -8531,8 +10989,12 @@
           <a:lstStyle/>
           <a:p>
             <a:r>
+              <a:rPr lang="it-IT" dirty="0"/>
+              <a:t>From </a:t>
+            </a:r>
+            <a:r>
               <a:rPr lang="it-IT" dirty="0" err="1"/>
-              <a:t>What’s</a:t>
+              <a:t>which</a:t>
             </a:r>
             <a:r>
               <a:rPr lang="it-IT" dirty="0"/>
@@ -8540,35 +11002,164 @@
             </a:r>
             <a:r>
               <a:rPr lang="it-IT" dirty="0" err="1"/>
-              <a:t>going</a:t>
+              <a:t>it</a:t>
             </a:r>
             <a:r>
               <a:rPr lang="it-IT" dirty="0"/>
-              <a:t> on in the </a:t>
+              <a:t> follows</a:t>
+            </a:r>
+          </a:p>
+        </p:txBody>
+      </p:sp>
+      <p:sp>
+        <p:nvSpPr>
+          <p:cNvPr id="16" name="CasellaDiTesto 15">
+            <a:extLst>
+              <a:ext uri="{FF2B5EF4-FFF2-40B4-BE49-F238E27FC236}">
+                <a16:creationId xmlns:a16="http://schemas.microsoft.com/office/drawing/2014/main" id="{67E6DF61-C7DA-7A12-D701-E1A0022CE3F2}"/>
+              </a:ext>
+            </a:extLst>
+          </p:cNvPr>
+          <p:cNvSpPr txBox="1"/>
+          <p:nvPr/>
+        </p:nvSpPr>
+        <p:spPr>
+          <a:xfrm>
+            <a:off x="7203042" y="2775774"/>
+            <a:ext cx="3042628" cy="646331"/>
+          </a:xfrm>
+          <a:prstGeom prst="rect">
+            <a:avLst/>
+          </a:prstGeom>
+          <a:noFill/>
+          <a:ln w="28575">
+            <a:solidFill>
+              <a:schemeClr val="accent2">
+                <a:lumMod val="75000"/>
+              </a:schemeClr>
+            </a:solidFill>
+          </a:ln>
+        </p:spPr>
+        <p:txBody>
+          <a:bodyPr wrap="none" rtlCol="0">
+            <a:spAutoFit/>
+          </a:bodyPr>
+          <a:lstStyle/>
+          <a:p>
+            <a:r>
+              <a:rPr lang="it-IT" dirty="0"/>
+              <a:t>(</a:t>
             </a:r>
             <a:r>
               <a:rPr lang="it-IT" dirty="0" err="1"/>
-              <a:t>meridional</a:t>
+              <a:t>Lagrangian</a:t>
             </a:r>
             <a:r>
               <a:rPr lang="it-IT" dirty="0"/>
+              <a:t>) </a:t>
+            </a:r>
+            <a:r>
+              <a:rPr lang="it-IT" dirty="0" err="1"/>
+              <a:t>conservation</a:t>
+            </a:r>
+            <a:r>
+              <a:rPr lang="it-IT" dirty="0"/>
+              <a:t> of </a:t>
+            </a:r>
+          </a:p>
+          <a:p>
+            <a:r>
+              <a:rPr lang="it-IT" i="1" dirty="0" err="1"/>
+              <a:t>barotropic</a:t>
+            </a:r>
+            <a:r>
+              <a:rPr lang="it-IT" i="1" dirty="0"/>
               <a:t> </a:t>
             </a:r>
             <a:r>
-              <a:rPr lang="it-IT" dirty="0" err="1"/>
-              <a:t>direction</a:t>
-            </a:r>
+              <a:rPr lang="it-IT" i="1" dirty="0" err="1"/>
+              <a:t>potential</a:t>
+            </a:r>
+            <a:r>
+              <a:rPr lang="it-IT" i="1" dirty="0"/>
+              <a:t> </a:t>
+            </a:r>
+            <a:r>
+              <a:rPr lang="it-IT" i="1" dirty="0" err="1"/>
+              <a:t>vorticity</a:t>
+            </a:r>
+            <a:endParaRPr lang="it-IT" i="1" dirty="0"/>
+          </a:p>
+        </p:txBody>
+      </p:sp>
+      <p:sp>
+        <p:nvSpPr>
+          <p:cNvPr id="17" name="CasellaDiTesto 16">
+            <a:extLst>
+              <a:ext uri="{FF2B5EF4-FFF2-40B4-BE49-F238E27FC236}">
+                <a16:creationId xmlns:a16="http://schemas.microsoft.com/office/drawing/2014/main" id="{EC767859-50BF-BFB5-C92F-A7925CB4CD9E}"/>
+              </a:ext>
+            </a:extLst>
+          </p:cNvPr>
+          <p:cNvSpPr txBox="1"/>
+          <p:nvPr/>
+        </p:nvSpPr>
+        <p:spPr>
+          <a:xfrm>
+            <a:off x="5272391" y="5068111"/>
+            <a:ext cx="4645824" cy="369332"/>
+          </a:xfrm>
+          <a:prstGeom prst="rect">
+            <a:avLst/>
+          </a:prstGeom>
+          <a:noFill/>
+        </p:spPr>
+        <p:txBody>
+          <a:bodyPr wrap="none" rtlCol="0">
+            <a:spAutoFit/>
+          </a:bodyPr>
+          <a:lstStyle/>
+          <a:p>
             <a:r>
               <a:rPr lang="it-IT" dirty="0"/>
-              <a:t>?</a:t>
-            </a:r>
+              <a:t>Da inserire disegni per spiegarne il significato</a:t>
+            </a:r>
+          </a:p>
+        </p:txBody>
+      </p:sp>
+      <p:sp>
+        <p:nvSpPr>
+          <p:cNvPr id="18" name="Segnaposto numero diapositiva 17">
+            <a:extLst>
+              <a:ext uri="{FF2B5EF4-FFF2-40B4-BE49-F238E27FC236}">
+                <a16:creationId xmlns:a16="http://schemas.microsoft.com/office/drawing/2014/main" id="{0AF237EF-E2B6-E556-C91A-3025A0F24A33}"/>
+              </a:ext>
+            </a:extLst>
+          </p:cNvPr>
+          <p:cNvSpPr>
+            <a:spLocks noGrp="1"/>
+          </p:cNvSpPr>
+          <p:nvPr>
+            <p:ph type="sldNum" sz="quarter" idx="12"/>
+          </p:nvPr>
+        </p:nvSpPr>
+        <p:spPr/>
+        <p:txBody>
+          <a:bodyPr/>
+          <a:lstStyle/>
+          <a:p>
+            <a:fld id="{EB967854-AE97-403A-B273-6E7D11A3E7D0}" type="slidenum">
+              <a:rPr lang="it-IT" smtClean="0"/>
+              <a:t>16</a:t>
+            </a:fld>
+            <a:endParaRPr lang="it-IT"/>
           </a:p>
         </p:txBody>
       </p:sp>
     </p:spTree>
     <p:extLst>
       <p:ext uri="{BB962C8B-B14F-4D97-AF65-F5344CB8AC3E}">
-        <p14:creationId xmlns:p14="http://schemas.microsoft.com/office/powerpoint/2010/main" val="792980885"/>
+        <p14:creationId xmlns:p14="http://schemas.microsoft.com/office/powerpoint/2010/main" val="3072332574"/>
       </p:ext>
     </p:extLst>
   </p:cSld>
@@ -8578,7 +11169,3008 @@
 </p:sld>
 </file>
 
-<file path=ppt/slides/slide16.xml><?xml version="1.0" encoding="utf-8"?>
+<file path=ppt/slides/slide17.xml><?xml version="1.0" encoding="utf-8"?>
+<p:sld xmlns:a="http://schemas.openxmlformats.org/drawingml/2006/main" xmlns:r="http://schemas.openxmlformats.org/officeDocument/2006/relationships" xmlns:p="http://schemas.openxmlformats.org/presentationml/2006/main">
+  <p:cSld>
+    <p:spTree>
+      <p:nvGrpSpPr>
+        <p:cNvPr id="1" name="">
+          <a:extLst>
+            <a:ext uri="{FF2B5EF4-FFF2-40B4-BE49-F238E27FC236}">
+              <a16:creationId xmlns:a16="http://schemas.microsoft.com/office/drawing/2014/main" id="{0469ABFE-9D86-6015-3185-B08B70418438}"/>
+            </a:ext>
+          </a:extLst>
+        </p:cNvPr>
+        <p:cNvGrpSpPr/>
+        <p:nvPr/>
+      </p:nvGrpSpPr>
+      <p:grpSpPr>
+        <a:xfrm>
+          <a:off x="0" y="0"/>
+          <a:ext cx="0" cy="0"/>
+          <a:chOff x="0" y="0"/>
+          <a:chExt cx="0" cy="0"/>
+        </a:xfrm>
+      </p:grpSpPr>
+      <p:sp>
+        <p:nvSpPr>
+          <p:cNvPr id="2" name="CasellaDiTesto 1">
+            <a:extLst>
+              <a:ext uri="{FF2B5EF4-FFF2-40B4-BE49-F238E27FC236}">
+                <a16:creationId xmlns:a16="http://schemas.microsoft.com/office/drawing/2014/main" id="{182BE39F-0689-3D15-8811-1D6F04394E4C}"/>
+              </a:ext>
+            </a:extLst>
+          </p:cNvPr>
+          <p:cNvSpPr txBox="1"/>
+          <p:nvPr/>
+        </p:nvSpPr>
+        <p:spPr>
+          <a:xfrm>
+            <a:off x="5398700" y="282103"/>
+            <a:ext cx="5013295" cy="369332"/>
+          </a:xfrm>
+          <a:prstGeom prst="rect">
+            <a:avLst/>
+          </a:prstGeom>
+          <a:noFill/>
+        </p:spPr>
+        <p:txBody>
+          <a:bodyPr wrap="none" rtlCol="0">
+            <a:spAutoFit/>
+          </a:bodyPr>
+          <a:lstStyle/>
+          <a:p>
+            <a:r>
+              <a:rPr lang="it-IT" dirty="0" err="1"/>
+              <a:t>Dispersion</a:t>
+            </a:r>
+            <a:r>
+              <a:rPr lang="it-IT" dirty="0"/>
+              <a:t> relation with finite </a:t>
+            </a:r>
+            <a:r>
+              <a:rPr lang="it-IT" dirty="0" err="1"/>
+              <a:t>deformation</a:t>
+            </a:r>
+            <a:r>
+              <a:rPr lang="it-IT" dirty="0"/>
+              <a:t> </a:t>
+            </a:r>
+            <a:r>
+              <a:rPr lang="it-IT" dirty="0" err="1"/>
+              <a:t>radius</a:t>
+            </a:r>
+            <a:endParaRPr lang="it-IT" dirty="0"/>
+          </a:p>
+        </p:txBody>
+      </p:sp>
+      <p:sp>
+        <p:nvSpPr>
+          <p:cNvPr id="4" name="CasellaDiTesto 3">
+            <a:extLst>
+              <a:ext uri="{FF2B5EF4-FFF2-40B4-BE49-F238E27FC236}">
+                <a16:creationId xmlns:a16="http://schemas.microsoft.com/office/drawing/2014/main" id="{4A7C6EA5-4C1B-6B97-0F7A-ACBF844DF8BF}"/>
+              </a:ext>
+            </a:extLst>
+          </p:cNvPr>
+          <p:cNvSpPr txBox="1"/>
+          <p:nvPr/>
+        </p:nvSpPr>
+        <p:spPr>
+          <a:xfrm>
+            <a:off x="5398699" y="789540"/>
+            <a:ext cx="5984459" cy="646331"/>
+          </a:xfrm>
+          <a:prstGeom prst="rect">
+            <a:avLst/>
+          </a:prstGeom>
+          <a:noFill/>
+        </p:spPr>
+        <p:txBody>
+          <a:bodyPr wrap="none" rtlCol="0">
+            <a:spAutoFit/>
+          </a:bodyPr>
+          <a:lstStyle/>
+          <a:p>
+            <a:r>
+              <a:rPr lang="it-IT" dirty="0"/>
+              <a:t>Back to </a:t>
+            </a:r>
+            <a:r>
+              <a:rPr lang="it-IT" dirty="0" err="1"/>
+              <a:t>linearized</a:t>
+            </a:r>
+            <a:r>
+              <a:rPr lang="it-IT" dirty="0"/>
+              <a:t>, quasi-</a:t>
+            </a:r>
+            <a:r>
+              <a:rPr lang="it-IT" dirty="0" err="1"/>
+              <a:t>geostrophic</a:t>
+            </a:r>
+            <a:r>
+              <a:rPr lang="it-IT" dirty="0"/>
+              <a:t> </a:t>
+            </a:r>
+            <a:r>
+              <a:rPr lang="it-IT" dirty="0" err="1"/>
+              <a:t>barotropic</a:t>
+            </a:r>
+            <a:r>
+              <a:rPr lang="it-IT" dirty="0"/>
+              <a:t> </a:t>
+            </a:r>
+            <a:r>
+              <a:rPr lang="it-IT" dirty="0" err="1"/>
+              <a:t>equations</a:t>
+            </a:r>
+            <a:endParaRPr lang="it-IT" dirty="0"/>
+          </a:p>
+          <a:p>
+            <a:r>
+              <a:rPr lang="it-IT" dirty="0">
+                <a:sym typeface="Wingdings" panose="05000000000000000000" pitchFamily="2" charset="2"/>
+              </a:rPr>
+              <a:t> </a:t>
+            </a:r>
+            <a:r>
+              <a:rPr lang="it-IT" dirty="0" err="1">
+                <a:sym typeface="Wingdings" panose="05000000000000000000" pitchFamily="2" charset="2"/>
+              </a:rPr>
+              <a:t>Let</a:t>
+            </a:r>
+            <a:r>
+              <a:rPr lang="it-IT" dirty="0">
+                <a:sym typeface="Wingdings" panose="05000000000000000000" pitchFamily="2" charset="2"/>
+              </a:rPr>
+              <a:t> </a:t>
+            </a:r>
+            <a:r>
+              <a:rPr lang="it-IT" i="1" dirty="0">
+                <a:sym typeface="Wingdings" panose="05000000000000000000" pitchFamily="2" charset="2"/>
+              </a:rPr>
+              <a:t>f </a:t>
+            </a:r>
+            <a:r>
+              <a:rPr lang="it-IT" dirty="0">
+                <a:sym typeface="Wingdings" panose="05000000000000000000" pitchFamily="2" charset="2"/>
+              </a:rPr>
+              <a:t> </a:t>
+            </a:r>
+            <a:r>
+              <a:rPr lang="it-IT" dirty="0" err="1">
+                <a:sym typeface="Wingdings" panose="05000000000000000000" pitchFamily="2" charset="2"/>
+              </a:rPr>
+              <a:t>vary</a:t>
+            </a:r>
+            <a:r>
+              <a:rPr lang="it-IT" dirty="0">
+                <a:sym typeface="Wingdings" panose="05000000000000000000" pitchFamily="2" charset="2"/>
+              </a:rPr>
+              <a:t> with </a:t>
+            </a:r>
+            <a:r>
+              <a:rPr lang="it-IT" i="1" dirty="0">
+                <a:sym typeface="Wingdings" panose="05000000000000000000" pitchFamily="2" charset="2"/>
+              </a:rPr>
+              <a:t>y </a:t>
+            </a:r>
+            <a:endParaRPr lang="it-IT" dirty="0"/>
+          </a:p>
+        </p:txBody>
+      </p:sp>
+      <mc:AlternateContent xmlns:mc="http://schemas.openxmlformats.org/markup-compatibility/2006" xmlns:a14="http://schemas.microsoft.com/office/drawing/2010/main">
+        <mc:Choice Requires="a14">
+          <p:sp>
+            <p:nvSpPr>
+              <p:cNvPr id="5" name="CasellaDiTesto 4">
+                <a:extLst>
+                  <a:ext uri="{FF2B5EF4-FFF2-40B4-BE49-F238E27FC236}">
+                    <a16:creationId xmlns:a16="http://schemas.microsoft.com/office/drawing/2014/main" id="{3A89EE4B-B7AD-F068-CF4E-02F2705EB0AF}"/>
+                  </a:ext>
+                </a:extLst>
+              </p:cNvPr>
+              <p:cNvSpPr txBox="1"/>
+              <p:nvPr/>
+            </p:nvSpPr>
+            <p:spPr>
+              <a:xfrm>
+                <a:off x="0" y="136188"/>
+                <a:ext cx="4207213" cy="3996607"/>
+              </a:xfrm>
+              <a:prstGeom prst="rect">
+                <a:avLst/>
+              </a:prstGeom>
+              <a:noFill/>
+            </p:spPr>
+            <p:txBody>
+              <a:bodyPr wrap="square" lIns="0" tIns="0" rIns="0" bIns="0" rtlCol="0">
+                <a:spAutoFit/>
+              </a:bodyPr>
+              <a:lstStyle/>
+              <a:p>
+                <a:pPr/>
+                <a14:m>
+                  <m:oMathPara xmlns:m="http://schemas.openxmlformats.org/officeDocument/2006/math">
+                    <m:oMathParaPr>
+                      <m:jc m:val="centerGroup"/>
+                    </m:oMathParaPr>
+                    <m:oMath xmlns:m="http://schemas.openxmlformats.org/officeDocument/2006/math">
+                      <m:f>
+                        <m:fPr>
+                          <m:ctrlPr>
+                            <a:rPr lang="it-IT" sz="2000" b="0" i="1" smtClean="0">
+                              <a:latin typeface="Cambria Math" panose="02040503050406030204" pitchFamily="18" charset="0"/>
+                            </a:rPr>
+                          </m:ctrlPr>
+                        </m:fPr>
+                        <m:num>
+                          <m:r>
+                            <a:rPr lang="it-IT" sz="2000" b="0" i="1" smtClean="0">
+                              <a:latin typeface="Cambria Math" panose="02040503050406030204" pitchFamily="18" charset="0"/>
+                            </a:rPr>
+                            <m:t>𝜕</m:t>
+                          </m:r>
+                          <m:r>
+                            <a:rPr lang="it-IT" sz="2000" b="0" i="1" smtClean="0">
+                              <a:latin typeface="Cambria Math" panose="02040503050406030204" pitchFamily="18" charset="0"/>
+                            </a:rPr>
+                            <m:t>𝑢</m:t>
+                          </m:r>
+                        </m:num>
+                        <m:den>
+                          <m:r>
+                            <a:rPr lang="it-IT" sz="2000" b="0" i="1" smtClean="0">
+                              <a:latin typeface="Cambria Math" panose="02040503050406030204" pitchFamily="18" charset="0"/>
+                            </a:rPr>
+                            <m:t>𝜕</m:t>
+                          </m:r>
+                          <m:r>
+                            <a:rPr lang="it-IT" sz="2000" b="0" i="1" smtClean="0">
+                              <a:latin typeface="Cambria Math" panose="02040503050406030204" pitchFamily="18" charset="0"/>
+                            </a:rPr>
+                            <m:t>𝑡</m:t>
+                          </m:r>
+                        </m:den>
+                      </m:f>
+                      <m:r>
+                        <a:rPr lang="it-IT" sz="2000" b="0" i="1" smtClean="0">
+                          <a:latin typeface="Cambria Math" panose="02040503050406030204" pitchFamily="18" charset="0"/>
+                        </a:rPr>
+                        <m:t>−</m:t>
+                      </m:r>
+                      <m:d>
+                        <m:dPr>
+                          <m:ctrlPr>
+                            <a:rPr lang="it-IT" sz="2000" b="0" i="1" smtClean="0">
+                              <a:latin typeface="Cambria Math" panose="02040503050406030204" pitchFamily="18" charset="0"/>
+                            </a:rPr>
+                          </m:ctrlPr>
+                        </m:dPr>
+                        <m:e>
+                          <m:sSub>
+                            <m:sSubPr>
+                              <m:ctrlPr>
+                                <a:rPr lang="it-IT" sz="2000" b="0" i="1" smtClean="0">
+                                  <a:latin typeface="Cambria Math" panose="02040503050406030204" pitchFamily="18" charset="0"/>
+                                </a:rPr>
+                              </m:ctrlPr>
+                            </m:sSubPr>
+                            <m:e>
+                              <m:r>
+                                <a:rPr lang="it-IT" sz="2000" b="0" i="1" smtClean="0">
+                                  <a:latin typeface="Cambria Math" panose="02040503050406030204" pitchFamily="18" charset="0"/>
+                                </a:rPr>
+                                <m:t>𝑓</m:t>
+                              </m:r>
+                            </m:e>
+                            <m:sub>
+                              <m:r>
+                                <a:rPr lang="it-IT" sz="2000" b="0" i="1" smtClean="0">
+                                  <a:latin typeface="Cambria Math" panose="02040503050406030204" pitchFamily="18" charset="0"/>
+                                </a:rPr>
+                                <m:t>0</m:t>
+                              </m:r>
+                            </m:sub>
+                          </m:sSub>
+                          <m:r>
+                            <a:rPr lang="it-IT" sz="2000" b="0" i="1" smtClean="0">
+                              <a:latin typeface="Cambria Math" panose="02040503050406030204" pitchFamily="18" charset="0"/>
+                            </a:rPr>
+                            <m:t>+</m:t>
+                          </m:r>
+                          <m:r>
+                            <a:rPr lang="it-IT" sz="2000" b="0" i="1" smtClean="0">
+                              <a:latin typeface="Cambria Math" panose="02040503050406030204" pitchFamily="18" charset="0"/>
+                            </a:rPr>
+                            <m:t>𝛽</m:t>
+                          </m:r>
+                          <m:r>
+                            <a:rPr lang="it-IT" sz="2000" b="0" i="1" smtClean="0">
+                              <a:latin typeface="Cambria Math" panose="02040503050406030204" pitchFamily="18" charset="0"/>
+                            </a:rPr>
+                            <m:t>𝑦</m:t>
+                          </m:r>
+                        </m:e>
+                      </m:d>
+                      <m:r>
+                        <a:rPr lang="it-IT" sz="2000" b="0" i="1" smtClean="0">
+                          <a:latin typeface="Cambria Math" panose="02040503050406030204" pitchFamily="18" charset="0"/>
+                        </a:rPr>
+                        <m:t>𝑣</m:t>
+                      </m:r>
+                      <m:r>
+                        <a:rPr lang="it-IT" sz="2000" b="0" i="1" smtClean="0">
+                          <a:latin typeface="Cambria Math" panose="02040503050406030204" pitchFamily="18" charset="0"/>
+                        </a:rPr>
+                        <m:t>=−</m:t>
+                      </m:r>
+                      <m:r>
+                        <a:rPr lang="it-IT" sz="2000" b="0" i="1" smtClean="0">
+                          <a:latin typeface="Cambria Math" panose="02040503050406030204" pitchFamily="18" charset="0"/>
+                        </a:rPr>
+                        <m:t>𝑔</m:t>
+                      </m:r>
+                      <m:f>
+                        <m:fPr>
+                          <m:ctrlPr>
+                            <a:rPr lang="it-IT" sz="2000" b="0" i="1" smtClean="0">
+                              <a:latin typeface="Cambria Math" panose="02040503050406030204" pitchFamily="18" charset="0"/>
+                            </a:rPr>
+                          </m:ctrlPr>
+                        </m:fPr>
+                        <m:num>
+                          <m:r>
+                            <a:rPr lang="it-IT" sz="2000" b="0" i="1" smtClean="0">
+                              <a:latin typeface="Cambria Math" panose="02040503050406030204" pitchFamily="18" charset="0"/>
+                            </a:rPr>
+                            <m:t>𝜕𝜂</m:t>
+                          </m:r>
+                        </m:num>
+                        <m:den>
+                          <m:r>
+                            <a:rPr lang="it-IT" sz="2000" b="0" i="1" smtClean="0">
+                              <a:latin typeface="Cambria Math" panose="02040503050406030204" pitchFamily="18" charset="0"/>
+                            </a:rPr>
+                            <m:t>𝜕</m:t>
+                          </m:r>
+                          <m:r>
+                            <a:rPr lang="it-IT" sz="2000" b="0" i="1" smtClean="0">
+                              <a:latin typeface="Cambria Math" panose="02040503050406030204" pitchFamily="18" charset="0"/>
+                            </a:rPr>
+                            <m:t>𝑥</m:t>
+                          </m:r>
+                        </m:den>
+                      </m:f>
+                    </m:oMath>
+                  </m:oMathPara>
+                </a14:m>
+                <a:endParaRPr lang="it-IT" sz="2000" dirty="0"/>
+              </a:p>
+              <a:p>
+                <a:endParaRPr lang="it-IT" sz="2000" dirty="0"/>
+              </a:p>
+              <a:p>
+                <a:pPr/>
+                <a14:m>
+                  <m:oMathPara xmlns:m="http://schemas.openxmlformats.org/officeDocument/2006/math">
+                    <m:oMathParaPr>
+                      <m:jc m:val="centerGroup"/>
+                    </m:oMathParaPr>
+                    <m:oMath xmlns:m="http://schemas.openxmlformats.org/officeDocument/2006/math">
+                      <m:f>
+                        <m:fPr>
+                          <m:ctrlPr>
+                            <a:rPr lang="it-IT" sz="2000" b="0" i="1" smtClean="0">
+                              <a:latin typeface="Cambria Math" panose="02040503050406030204" pitchFamily="18" charset="0"/>
+                            </a:rPr>
+                          </m:ctrlPr>
+                        </m:fPr>
+                        <m:num>
+                          <m:r>
+                            <a:rPr lang="it-IT" sz="2000" b="0" i="1" smtClean="0">
+                              <a:latin typeface="Cambria Math" panose="02040503050406030204" pitchFamily="18" charset="0"/>
+                            </a:rPr>
+                            <m:t>𝜕</m:t>
+                          </m:r>
+                          <m:r>
+                            <a:rPr lang="it-IT" sz="2000" b="0" i="1" smtClean="0">
+                              <a:latin typeface="Cambria Math" panose="02040503050406030204" pitchFamily="18" charset="0"/>
+                            </a:rPr>
+                            <m:t>𝑣</m:t>
+                          </m:r>
+                        </m:num>
+                        <m:den>
+                          <m:r>
+                            <a:rPr lang="it-IT" sz="2000" b="0" i="1" smtClean="0">
+                              <a:latin typeface="Cambria Math" panose="02040503050406030204" pitchFamily="18" charset="0"/>
+                            </a:rPr>
+                            <m:t>𝜕</m:t>
+                          </m:r>
+                          <m:r>
+                            <a:rPr lang="it-IT" sz="2000" b="0" i="1" smtClean="0">
+                              <a:latin typeface="Cambria Math" panose="02040503050406030204" pitchFamily="18" charset="0"/>
+                            </a:rPr>
+                            <m:t>𝑡</m:t>
+                          </m:r>
+                        </m:den>
+                      </m:f>
+                      <m:r>
+                        <a:rPr lang="it-IT" sz="2000" b="0" i="1" smtClean="0">
+                          <a:latin typeface="Cambria Math" panose="02040503050406030204" pitchFamily="18" charset="0"/>
+                        </a:rPr>
+                        <m:t>+</m:t>
+                      </m:r>
+                      <m:d>
+                        <m:dPr>
+                          <m:ctrlPr>
+                            <a:rPr lang="it-IT" sz="2000" b="0" i="1" smtClean="0">
+                              <a:latin typeface="Cambria Math" panose="02040503050406030204" pitchFamily="18" charset="0"/>
+                            </a:rPr>
+                          </m:ctrlPr>
+                        </m:dPr>
+                        <m:e>
+                          <m:sSub>
+                            <m:sSubPr>
+                              <m:ctrlPr>
+                                <a:rPr lang="it-IT" sz="2000" b="0" i="1" smtClean="0">
+                                  <a:latin typeface="Cambria Math" panose="02040503050406030204" pitchFamily="18" charset="0"/>
+                                </a:rPr>
+                              </m:ctrlPr>
+                            </m:sSubPr>
+                            <m:e>
+                              <m:r>
+                                <a:rPr lang="it-IT" sz="2000" b="0" i="1" smtClean="0">
+                                  <a:latin typeface="Cambria Math" panose="02040503050406030204" pitchFamily="18" charset="0"/>
+                                </a:rPr>
+                                <m:t>𝑓</m:t>
+                              </m:r>
+                            </m:e>
+                            <m:sub>
+                              <m:r>
+                                <a:rPr lang="it-IT" sz="2000" b="0" i="1" smtClean="0">
+                                  <a:latin typeface="Cambria Math" panose="02040503050406030204" pitchFamily="18" charset="0"/>
+                                </a:rPr>
+                                <m:t>0</m:t>
+                              </m:r>
+                            </m:sub>
+                          </m:sSub>
+                          <m:r>
+                            <a:rPr lang="it-IT" sz="2000" b="0" i="1" smtClean="0">
+                              <a:latin typeface="Cambria Math" panose="02040503050406030204" pitchFamily="18" charset="0"/>
+                            </a:rPr>
+                            <m:t>+</m:t>
+                          </m:r>
+                          <m:r>
+                            <a:rPr lang="it-IT" sz="2000" b="0" i="1" smtClean="0">
+                              <a:latin typeface="Cambria Math" panose="02040503050406030204" pitchFamily="18" charset="0"/>
+                            </a:rPr>
+                            <m:t>𝛽</m:t>
+                          </m:r>
+                          <m:r>
+                            <a:rPr lang="it-IT" sz="2000" b="0" i="1" smtClean="0">
+                              <a:latin typeface="Cambria Math" panose="02040503050406030204" pitchFamily="18" charset="0"/>
+                            </a:rPr>
+                            <m:t>𝑦</m:t>
+                          </m:r>
+                        </m:e>
+                      </m:d>
+                      <m:r>
+                        <a:rPr lang="it-IT" sz="2000" b="0" i="1" smtClean="0">
+                          <a:latin typeface="Cambria Math" panose="02040503050406030204" pitchFamily="18" charset="0"/>
+                        </a:rPr>
+                        <m:t>𝑢</m:t>
+                      </m:r>
+                      <m:r>
+                        <a:rPr lang="it-IT" sz="2000" b="0" i="1" smtClean="0">
+                          <a:latin typeface="Cambria Math" panose="02040503050406030204" pitchFamily="18" charset="0"/>
+                        </a:rPr>
+                        <m:t>=−</m:t>
+                      </m:r>
+                      <m:r>
+                        <a:rPr lang="it-IT" sz="2000" b="0" i="1" smtClean="0">
+                          <a:latin typeface="Cambria Math" panose="02040503050406030204" pitchFamily="18" charset="0"/>
+                        </a:rPr>
+                        <m:t>𝑔</m:t>
+                      </m:r>
+                      <m:f>
+                        <m:fPr>
+                          <m:ctrlPr>
+                            <a:rPr lang="it-IT" sz="2000" b="0" i="1" smtClean="0">
+                              <a:latin typeface="Cambria Math" panose="02040503050406030204" pitchFamily="18" charset="0"/>
+                            </a:rPr>
+                          </m:ctrlPr>
+                        </m:fPr>
+                        <m:num>
+                          <m:r>
+                            <a:rPr lang="it-IT" sz="2000" b="0" i="1" smtClean="0">
+                              <a:latin typeface="Cambria Math" panose="02040503050406030204" pitchFamily="18" charset="0"/>
+                            </a:rPr>
+                            <m:t>𝜕𝜂</m:t>
+                          </m:r>
+                        </m:num>
+                        <m:den>
+                          <m:r>
+                            <a:rPr lang="it-IT" sz="2000" b="0" i="1" smtClean="0">
+                              <a:latin typeface="Cambria Math" panose="02040503050406030204" pitchFamily="18" charset="0"/>
+                            </a:rPr>
+                            <m:t>𝜕</m:t>
+                          </m:r>
+                          <m:r>
+                            <a:rPr lang="it-IT" sz="2000" b="0" i="1" smtClean="0">
+                              <a:latin typeface="Cambria Math" panose="02040503050406030204" pitchFamily="18" charset="0"/>
+                            </a:rPr>
+                            <m:t>𝑦</m:t>
+                          </m:r>
+                        </m:den>
+                      </m:f>
+                    </m:oMath>
+                  </m:oMathPara>
+                </a14:m>
+                <a:endParaRPr lang="it-IT" sz="2000" dirty="0"/>
+              </a:p>
+              <a:p>
+                <a:endParaRPr lang="it-IT" sz="2000" dirty="0"/>
+              </a:p>
+              <a:p>
+                <a:pPr/>
+                <a14:m>
+                  <m:oMathPara xmlns:m="http://schemas.openxmlformats.org/officeDocument/2006/math">
+                    <m:oMathParaPr>
+                      <m:jc m:val="centerGroup"/>
+                    </m:oMathParaPr>
+                    <m:oMath xmlns:m="http://schemas.openxmlformats.org/officeDocument/2006/math">
+                      <m:f>
+                        <m:fPr>
+                          <m:ctrlPr>
+                            <a:rPr lang="it-IT" sz="2000" b="0" i="1" smtClean="0">
+                              <a:latin typeface="Cambria Math" panose="02040503050406030204" pitchFamily="18" charset="0"/>
+                            </a:rPr>
+                          </m:ctrlPr>
+                        </m:fPr>
+                        <m:num>
+                          <m:r>
+                            <a:rPr lang="it-IT" sz="2000" b="0" i="1" smtClean="0">
+                              <a:latin typeface="Cambria Math" panose="02040503050406030204" pitchFamily="18" charset="0"/>
+                            </a:rPr>
+                            <m:t>𝜕𝜂</m:t>
+                          </m:r>
+                        </m:num>
+                        <m:den>
+                          <m:r>
+                            <a:rPr lang="it-IT" sz="2000" b="0" i="1" smtClean="0">
+                              <a:latin typeface="Cambria Math" panose="02040503050406030204" pitchFamily="18" charset="0"/>
+                            </a:rPr>
+                            <m:t>𝜕</m:t>
+                          </m:r>
+                          <m:r>
+                            <a:rPr lang="it-IT" sz="2000" b="0" i="1" smtClean="0">
+                              <a:latin typeface="Cambria Math" panose="02040503050406030204" pitchFamily="18" charset="0"/>
+                            </a:rPr>
+                            <m:t>𝑡</m:t>
+                          </m:r>
+                        </m:den>
+                      </m:f>
+                      <m:r>
+                        <a:rPr lang="it-IT" sz="2000" b="0" i="1" smtClean="0">
+                          <a:latin typeface="Cambria Math" panose="02040503050406030204" pitchFamily="18" charset="0"/>
+                        </a:rPr>
+                        <m:t>+ </m:t>
+                      </m:r>
+                      <m:r>
+                        <a:rPr lang="it-IT" sz="2000" b="0" i="1" smtClean="0">
+                          <a:latin typeface="Cambria Math" panose="02040503050406030204" pitchFamily="18" charset="0"/>
+                        </a:rPr>
+                        <m:t>𝐻</m:t>
+                      </m:r>
+                      <m:d>
+                        <m:dPr>
+                          <m:ctrlPr>
+                            <a:rPr lang="it-IT" sz="2000" b="0" i="1" smtClean="0">
+                              <a:latin typeface="Cambria Math" panose="02040503050406030204" pitchFamily="18" charset="0"/>
+                            </a:rPr>
+                          </m:ctrlPr>
+                        </m:dPr>
+                        <m:e>
+                          <m:f>
+                            <m:fPr>
+                              <m:ctrlPr>
+                                <a:rPr lang="it-IT" sz="2000" b="0" i="1" smtClean="0">
+                                  <a:latin typeface="Cambria Math" panose="02040503050406030204" pitchFamily="18" charset="0"/>
+                                </a:rPr>
+                              </m:ctrlPr>
+                            </m:fPr>
+                            <m:num>
+                              <m:r>
+                                <a:rPr lang="it-IT" sz="2000" b="0" i="1" smtClean="0">
+                                  <a:latin typeface="Cambria Math" panose="02040503050406030204" pitchFamily="18" charset="0"/>
+                                </a:rPr>
+                                <m:t>𝜕</m:t>
+                              </m:r>
+                              <m:r>
+                                <a:rPr lang="it-IT" sz="2000" b="0" i="1" smtClean="0">
+                                  <a:latin typeface="Cambria Math" panose="02040503050406030204" pitchFamily="18" charset="0"/>
+                                </a:rPr>
+                                <m:t>𝑢</m:t>
+                              </m:r>
+                            </m:num>
+                            <m:den>
+                              <m:r>
+                                <a:rPr lang="it-IT" sz="2000" b="0" i="1" smtClean="0">
+                                  <a:latin typeface="Cambria Math" panose="02040503050406030204" pitchFamily="18" charset="0"/>
+                                </a:rPr>
+                                <m:t>𝜕</m:t>
+                              </m:r>
+                              <m:r>
+                                <a:rPr lang="it-IT" sz="2000" b="0" i="1" smtClean="0">
+                                  <a:latin typeface="Cambria Math" panose="02040503050406030204" pitchFamily="18" charset="0"/>
+                                </a:rPr>
+                                <m:t>𝑥</m:t>
+                              </m:r>
+                            </m:den>
+                          </m:f>
+                          <m:r>
+                            <a:rPr lang="it-IT" sz="2000" b="0" i="1" smtClean="0">
+                              <a:latin typeface="Cambria Math" panose="02040503050406030204" pitchFamily="18" charset="0"/>
+                            </a:rPr>
+                            <m:t>+</m:t>
+                          </m:r>
+                          <m:f>
+                            <m:fPr>
+                              <m:ctrlPr>
+                                <a:rPr lang="it-IT" sz="2000" b="0" i="1" smtClean="0">
+                                  <a:latin typeface="Cambria Math" panose="02040503050406030204" pitchFamily="18" charset="0"/>
+                                </a:rPr>
+                              </m:ctrlPr>
+                            </m:fPr>
+                            <m:num>
+                              <m:r>
+                                <a:rPr lang="it-IT" sz="2000" b="0" i="1" smtClean="0">
+                                  <a:latin typeface="Cambria Math" panose="02040503050406030204" pitchFamily="18" charset="0"/>
+                                </a:rPr>
+                                <m:t>𝜕</m:t>
+                              </m:r>
+                              <m:r>
+                                <a:rPr lang="it-IT" sz="2000" b="0" i="1" smtClean="0">
+                                  <a:latin typeface="Cambria Math" panose="02040503050406030204" pitchFamily="18" charset="0"/>
+                                </a:rPr>
+                                <m:t>𝑣</m:t>
+                              </m:r>
+                            </m:num>
+                            <m:den>
+                              <m:r>
+                                <a:rPr lang="it-IT" sz="2000" b="0" i="1" smtClean="0">
+                                  <a:latin typeface="Cambria Math" panose="02040503050406030204" pitchFamily="18" charset="0"/>
+                                </a:rPr>
+                                <m:t>𝜕</m:t>
+                              </m:r>
+                              <m:r>
+                                <a:rPr lang="it-IT" sz="2000" b="0" i="1" smtClean="0">
+                                  <a:latin typeface="Cambria Math" panose="02040503050406030204" pitchFamily="18" charset="0"/>
+                                </a:rPr>
+                                <m:t>𝑦</m:t>
+                              </m:r>
+                            </m:den>
+                          </m:f>
+                        </m:e>
+                      </m:d>
+                      <m:r>
+                        <a:rPr lang="it-IT" sz="2000" b="0" i="1" smtClean="0">
+                          <a:latin typeface="Cambria Math" panose="02040503050406030204" pitchFamily="18" charset="0"/>
+                        </a:rPr>
+                        <m:t> =0</m:t>
+                      </m:r>
+                    </m:oMath>
+                  </m:oMathPara>
+                </a14:m>
+                <a:endParaRPr lang="it-IT" sz="2000" dirty="0"/>
+              </a:p>
+              <a:p>
+                <a:endParaRPr lang="it-IT" sz="2000" dirty="0"/>
+              </a:p>
+              <a:p>
+                <a:endParaRPr lang="it-IT" sz="2000" dirty="0"/>
+              </a:p>
+              <a:p>
+                <a:r>
+                  <a:rPr lang="it-IT" sz="2400" b="0" dirty="0">
+                    <a:sym typeface="Wingdings" panose="05000000000000000000" pitchFamily="2" charset="2"/>
+                  </a:rPr>
+                  <a:t>      </a:t>
+                </a:r>
+                <a14:m>
+                  <m:oMath xmlns:m="http://schemas.openxmlformats.org/officeDocument/2006/math">
+                    <m:r>
+                      <a:rPr lang="it-IT" sz="2400" b="0" i="1" smtClean="0">
+                        <a:latin typeface="Cambria Math" panose="02040503050406030204" pitchFamily="18" charset="0"/>
+                      </a:rPr>
+                      <m:t>𝐻</m:t>
+                    </m:r>
+                    <m:f>
+                      <m:fPr>
+                        <m:ctrlPr>
+                          <a:rPr lang="it-IT" sz="2400" b="0" i="1" smtClean="0">
+                            <a:latin typeface="Cambria Math" panose="02040503050406030204" pitchFamily="18" charset="0"/>
+                          </a:rPr>
+                        </m:ctrlPr>
+                      </m:fPr>
+                      <m:num>
+                        <m:r>
+                          <a:rPr lang="it-IT" sz="2400" b="0" i="1" smtClean="0">
+                            <a:latin typeface="Cambria Math" panose="02040503050406030204" pitchFamily="18" charset="0"/>
+                          </a:rPr>
+                          <m:t>𝜕𝜁</m:t>
+                        </m:r>
+                      </m:num>
+                      <m:den>
+                        <m:r>
+                          <a:rPr lang="it-IT" sz="2400" b="0" i="1" smtClean="0">
+                            <a:latin typeface="Cambria Math" panose="02040503050406030204" pitchFamily="18" charset="0"/>
+                          </a:rPr>
+                          <m:t>𝜕</m:t>
+                        </m:r>
+                        <m:r>
+                          <a:rPr lang="it-IT" sz="2400" b="0" i="1" smtClean="0">
+                            <a:latin typeface="Cambria Math" panose="02040503050406030204" pitchFamily="18" charset="0"/>
+                          </a:rPr>
+                          <m:t>𝑡</m:t>
+                        </m:r>
+                      </m:den>
+                    </m:f>
+                    <m:r>
+                      <a:rPr lang="it-IT" sz="2400" b="0" i="1" smtClean="0">
+                        <a:latin typeface="Cambria Math" panose="02040503050406030204" pitchFamily="18" charset="0"/>
+                      </a:rPr>
+                      <m:t>+</m:t>
+                    </m:r>
+                    <m:r>
+                      <a:rPr lang="it-IT" sz="2400" b="0" i="1" smtClean="0">
+                        <a:latin typeface="Cambria Math" panose="02040503050406030204" pitchFamily="18" charset="0"/>
+                      </a:rPr>
+                      <m:t>𝛽</m:t>
+                    </m:r>
+                    <m:r>
+                      <a:rPr lang="it-IT" sz="2400" b="0" i="1" smtClean="0">
+                        <a:latin typeface="Cambria Math" panose="02040503050406030204" pitchFamily="18" charset="0"/>
+                      </a:rPr>
+                      <m:t>𝐻𝑣</m:t>
+                    </m:r>
+                    <m:r>
+                      <a:rPr lang="it-IT" sz="2400" b="0" i="1" smtClean="0">
+                        <a:latin typeface="Cambria Math" panose="02040503050406030204" pitchFamily="18" charset="0"/>
+                      </a:rPr>
+                      <m:t> −</m:t>
+                    </m:r>
+                    <m:sSub>
+                      <m:sSubPr>
+                        <m:ctrlPr>
+                          <a:rPr lang="it-IT" sz="2400" b="0" i="1" smtClean="0">
+                            <a:latin typeface="Cambria Math" panose="02040503050406030204" pitchFamily="18" charset="0"/>
+                          </a:rPr>
+                        </m:ctrlPr>
+                      </m:sSubPr>
+                      <m:e>
+                        <m:r>
+                          <a:rPr lang="it-IT" sz="2400" b="0" i="1" smtClean="0">
+                            <a:latin typeface="Cambria Math" panose="02040503050406030204" pitchFamily="18" charset="0"/>
+                          </a:rPr>
+                          <m:t>𝑓</m:t>
+                        </m:r>
+                      </m:e>
+                      <m:sub>
+                        <m:r>
+                          <a:rPr lang="it-IT" sz="2400" b="0" i="1" smtClean="0">
+                            <a:latin typeface="Cambria Math" panose="02040503050406030204" pitchFamily="18" charset="0"/>
+                          </a:rPr>
+                          <m:t>0</m:t>
+                        </m:r>
+                      </m:sub>
+                    </m:sSub>
+                    <m:f>
+                      <m:fPr>
+                        <m:ctrlPr>
+                          <a:rPr lang="it-IT" sz="2400" b="0" i="1" smtClean="0">
+                            <a:latin typeface="Cambria Math" panose="02040503050406030204" pitchFamily="18" charset="0"/>
+                          </a:rPr>
+                        </m:ctrlPr>
+                      </m:fPr>
+                      <m:num>
+                        <m:r>
+                          <a:rPr lang="it-IT" sz="2400" b="0" i="1" smtClean="0">
+                            <a:latin typeface="Cambria Math" panose="02040503050406030204" pitchFamily="18" charset="0"/>
+                          </a:rPr>
+                          <m:t>𝜕𝜂</m:t>
+                        </m:r>
+                      </m:num>
+                      <m:den>
+                        <m:r>
+                          <a:rPr lang="it-IT" sz="2400" b="0" i="1" smtClean="0">
+                            <a:latin typeface="Cambria Math" panose="02040503050406030204" pitchFamily="18" charset="0"/>
+                          </a:rPr>
+                          <m:t>𝜕</m:t>
+                        </m:r>
+                        <m:r>
+                          <a:rPr lang="it-IT" sz="2400" b="0" i="1" smtClean="0">
+                            <a:latin typeface="Cambria Math" panose="02040503050406030204" pitchFamily="18" charset="0"/>
+                          </a:rPr>
+                          <m:t>𝑡</m:t>
+                        </m:r>
+                        <m:r>
+                          <a:rPr lang="it-IT" sz="2400" b="0" i="1" smtClean="0">
+                            <a:latin typeface="Cambria Math" panose="02040503050406030204" pitchFamily="18" charset="0"/>
+                          </a:rPr>
+                          <m:t> </m:t>
+                        </m:r>
+                      </m:den>
+                    </m:f>
+                    <m:r>
+                      <a:rPr lang="it-IT" sz="2400" b="0" i="1" smtClean="0">
+                        <a:latin typeface="Cambria Math" panose="02040503050406030204" pitchFamily="18" charset="0"/>
+                      </a:rPr>
+                      <m:t>=0</m:t>
+                    </m:r>
+                  </m:oMath>
+                </a14:m>
+                <a:r>
+                  <a:rPr lang="it-IT" sz="2400" dirty="0"/>
+                  <a:t>   d)</a:t>
+                </a:r>
+              </a:p>
+              <a:p>
+                <a:endParaRPr lang="it-IT" sz="2000" dirty="0"/>
+              </a:p>
+            </p:txBody>
+          </p:sp>
+        </mc:Choice>
+        <mc:Fallback xmlns="">
+          <p:sp>
+            <p:nvSpPr>
+              <p:cNvPr id="5" name="CasellaDiTesto 4">
+                <a:extLst>
+                  <a:ext uri="{FF2B5EF4-FFF2-40B4-BE49-F238E27FC236}">
+                    <a16:creationId xmlns:a16="http://schemas.microsoft.com/office/drawing/2014/main" id="{3A89EE4B-B7AD-F068-CF4E-02F2705EB0AF}"/>
+                  </a:ext>
+                </a:extLst>
+              </p:cNvPr>
+              <p:cNvSpPr txBox="1">
+                <a:spLocks noRot="1" noChangeAspect="1" noMove="1" noResize="1" noEditPoints="1" noAdjustHandles="1" noChangeArrowheads="1" noChangeShapeType="1" noTextEdit="1"/>
+              </p:cNvSpPr>
+              <p:nvPr/>
+            </p:nvSpPr>
+            <p:spPr>
+              <a:xfrm>
+                <a:off x="0" y="136188"/>
+                <a:ext cx="4207213" cy="3996607"/>
+              </a:xfrm>
+              <a:prstGeom prst="rect">
+                <a:avLst/>
+              </a:prstGeom>
+              <a:blipFill>
+                <a:blip r:embed="rId3"/>
+                <a:stretch>
+                  <a:fillRect l="-4348" r="-4348"/>
+                </a:stretch>
+              </a:blipFill>
+            </p:spPr>
+            <p:txBody>
+              <a:bodyPr/>
+              <a:lstStyle/>
+              <a:p>
+                <a:r>
+                  <a:rPr lang="it-IT">
+                    <a:noFill/>
+                  </a:rPr>
+                  <a:t> </a:t>
+                </a:r>
+              </a:p>
+            </p:txBody>
+          </p:sp>
+        </mc:Fallback>
+      </mc:AlternateContent>
+      <p:sp>
+        <p:nvSpPr>
+          <p:cNvPr id="6" name="CasellaDiTesto 5">
+            <a:extLst>
+              <a:ext uri="{FF2B5EF4-FFF2-40B4-BE49-F238E27FC236}">
+                <a16:creationId xmlns:a16="http://schemas.microsoft.com/office/drawing/2014/main" id="{9D6BA361-0C20-2AF0-7450-31E85EF79D9B}"/>
+              </a:ext>
+            </a:extLst>
+          </p:cNvPr>
+          <p:cNvSpPr txBox="1"/>
+          <p:nvPr/>
+        </p:nvSpPr>
+        <p:spPr>
+          <a:xfrm>
+            <a:off x="5398699" y="1516508"/>
+            <a:ext cx="6592126" cy="1754326"/>
+          </a:xfrm>
+          <a:prstGeom prst="rect">
+            <a:avLst/>
+          </a:prstGeom>
+          <a:noFill/>
+        </p:spPr>
+        <p:txBody>
+          <a:bodyPr wrap="none" rtlCol="0">
+            <a:spAutoFit/>
+          </a:bodyPr>
+          <a:lstStyle/>
+          <a:p>
+            <a:r>
+              <a:rPr lang="en-US" dirty="0"/>
+              <a:t>“ the departure from strict </a:t>
+            </a:r>
+            <a:r>
+              <a:rPr lang="en-US" dirty="0" err="1"/>
+              <a:t>geostrophy</a:t>
+            </a:r>
+            <a:r>
+              <a:rPr lang="en-US" dirty="0"/>
+              <a:t> determines the evolution </a:t>
+            </a:r>
+          </a:p>
+          <a:p>
+            <a:r>
+              <a:rPr lang="en-US" dirty="0"/>
+              <a:t>of the flow described by d). We can therefore use the geostrophic</a:t>
+            </a:r>
+          </a:p>
+          <a:p>
+            <a:r>
+              <a:rPr lang="en-US" dirty="0"/>
+              <a:t> relations for velocity everywhere except in the </a:t>
+            </a:r>
+          </a:p>
+          <a:p>
+            <a:r>
+              <a:rPr lang="en-US" dirty="0"/>
+              <a:t>horizontal divergence term in the vorticity equation. “ (Kundu)</a:t>
+            </a:r>
+          </a:p>
+          <a:p>
+            <a:r>
+              <a:rPr lang="en-US" b="1" dirty="0"/>
+              <a:t>NB: this is not valid close to the Equator,</a:t>
+            </a:r>
+          </a:p>
+          <a:p>
+            <a:r>
+              <a:rPr lang="en-US" b="1" dirty="0"/>
+              <a:t> where we are far from geostrophic equilibrium</a:t>
+            </a:r>
+            <a:endParaRPr lang="it-IT" b="1" dirty="0"/>
+          </a:p>
+        </p:txBody>
+      </p:sp>
+      <mc:AlternateContent xmlns:mc="http://schemas.openxmlformats.org/markup-compatibility/2006" xmlns:a14="http://schemas.microsoft.com/office/drawing/2010/main">
+        <mc:Choice Requires="a14">
+          <p:sp>
+            <p:nvSpPr>
+              <p:cNvPr id="7" name="CasellaDiTesto 6">
+                <a:extLst>
+                  <a:ext uri="{FF2B5EF4-FFF2-40B4-BE49-F238E27FC236}">
+                    <a16:creationId xmlns:a16="http://schemas.microsoft.com/office/drawing/2014/main" id="{4A841EF3-80E5-B6E7-C4D1-AE84563B8117}"/>
+                  </a:ext>
+                </a:extLst>
+              </p:cNvPr>
+              <p:cNvSpPr txBox="1"/>
+              <p:nvPr/>
+            </p:nvSpPr>
+            <p:spPr>
+              <a:xfrm>
+                <a:off x="8476319" y="3540762"/>
+                <a:ext cx="1381468" cy="667619"/>
+              </a:xfrm>
+              <a:prstGeom prst="rect">
+                <a:avLst/>
+              </a:prstGeom>
+              <a:noFill/>
+            </p:spPr>
+            <p:txBody>
+              <a:bodyPr wrap="none" rtlCol="0">
+                <a:spAutoFit/>
+              </a:bodyPr>
+              <a:lstStyle/>
+              <a:p>
+                <a:pPr/>
+                <a14:m>
+                  <m:oMathPara xmlns:m="http://schemas.openxmlformats.org/officeDocument/2006/math">
+                    <m:oMathParaPr>
+                      <m:jc m:val="centerGroup"/>
+                    </m:oMathParaPr>
+                    <m:oMath xmlns:m="http://schemas.openxmlformats.org/officeDocument/2006/math">
+                      <m:r>
+                        <a:rPr lang="it-IT" b="0" i="1" smtClean="0">
+                          <a:latin typeface="Cambria Math" panose="02040503050406030204" pitchFamily="18" charset="0"/>
+                        </a:rPr>
+                        <m:t>𝑢</m:t>
+                      </m:r>
+                      <m:r>
+                        <a:rPr lang="it-IT" b="0" i="1" smtClean="0">
+                          <a:latin typeface="Cambria Math" panose="02040503050406030204" pitchFamily="18" charset="0"/>
+                        </a:rPr>
+                        <m:t>=−</m:t>
+                      </m:r>
+                      <m:f>
+                        <m:fPr>
+                          <m:ctrlPr>
+                            <a:rPr lang="it-IT" b="0" i="1" smtClean="0">
+                              <a:latin typeface="Cambria Math" panose="02040503050406030204" pitchFamily="18" charset="0"/>
+                            </a:rPr>
+                          </m:ctrlPr>
+                        </m:fPr>
+                        <m:num>
+                          <m:r>
+                            <a:rPr lang="it-IT" b="0" i="1" smtClean="0">
+                              <a:latin typeface="Cambria Math" panose="02040503050406030204" pitchFamily="18" charset="0"/>
+                            </a:rPr>
+                            <m:t>𝑔</m:t>
+                          </m:r>
+                        </m:num>
+                        <m:den>
+                          <m:sSub>
+                            <m:sSubPr>
+                              <m:ctrlPr>
+                                <a:rPr lang="it-IT" b="0" i="1" smtClean="0">
+                                  <a:latin typeface="Cambria Math" panose="02040503050406030204" pitchFamily="18" charset="0"/>
+                                </a:rPr>
+                              </m:ctrlPr>
+                            </m:sSubPr>
+                            <m:e>
+                              <m:r>
+                                <a:rPr lang="it-IT" b="0" i="1" smtClean="0">
+                                  <a:latin typeface="Cambria Math" panose="02040503050406030204" pitchFamily="18" charset="0"/>
+                                </a:rPr>
+                                <m:t>𝑓</m:t>
+                              </m:r>
+                            </m:e>
+                            <m:sub>
+                              <m:r>
+                                <a:rPr lang="it-IT" b="0" i="1" smtClean="0">
+                                  <a:latin typeface="Cambria Math" panose="02040503050406030204" pitchFamily="18" charset="0"/>
+                                </a:rPr>
+                                <m:t>0</m:t>
+                              </m:r>
+                            </m:sub>
+                          </m:sSub>
+                        </m:den>
+                      </m:f>
+                      <m:f>
+                        <m:fPr>
+                          <m:ctrlPr>
+                            <a:rPr lang="it-IT" b="0" i="1" smtClean="0">
+                              <a:latin typeface="Cambria Math" panose="02040503050406030204" pitchFamily="18" charset="0"/>
+                            </a:rPr>
+                          </m:ctrlPr>
+                        </m:fPr>
+                        <m:num>
+                          <m:r>
+                            <a:rPr lang="it-IT" b="0" i="1" smtClean="0">
+                              <a:latin typeface="Cambria Math" panose="02040503050406030204" pitchFamily="18" charset="0"/>
+                            </a:rPr>
+                            <m:t>𝜕𝜂</m:t>
+                          </m:r>
+                        </m:num>
+                        <m:den>
+                          <m:r>
+                            <a:rPr lang="it-IT" b="0" i="1" smtClean="0">
+                              <a:latin typeface="Cambria Math" panose="02040503050406030204" pitchFamily="18" charset="0"/>
+                            </a:rPr>
+                            <m:t>𝜕</m:t>
+                          </m:r>
+                          <m:r>
+                            <a:rPr lang="it-IT" b="0" i="1" smtClean="0">
+                              <a:latin typeface="Cambria Math" panose="02040503050406030204" pitchFamily="18" charset="0"/>
+                            </a:rPr>
+                            <m:t>𝑦</m:t>
+                          </m:r>
+                        </m:den>
+                      </m:f>
+                    </m:oMath>
+                  </m:oMathPara>
+                </a14:m>
+                <a:endParaRPr lang="it-IT" dirty="0"/>
+              </a:p>
+            </p:txBody>
+          </p:sp>
+        </mc:Choice>
+        <mc:Fallback xmlns="">
+          <p:sp>
+            <p:nvSpPr>
+              <p:cNvPr id="7" name="CasellaDiTesto 6">
+                <a:extLst>
+                  <a:ext uri="{FF2B5EF4-FFF2-40B4-BE49-F238E27FC236}">
+                    <a16:creationId xmlns:a16="http://schemas.microsoft.com/office/drawing/2014/main" id="{4A841EF3-80E5-B6E7-C4D1-AE84563B8117}"/>
+                  </a:ext>
+                </a:extLst>
+              </p:cNvPr>
+              <p:cNvSpPr txBox="1">
+                <a:spLocks noRot="1" noChangeAspect="1" noMove="1" noResize="1" noEditPoints="1" noAdjustHandles="1" noChangeArrowheads="1" noChangeShapeType="1" noTextEdit="1"/>
+              </p:cNvSpPr>
+              <p:nvPr/>
+            </p:nvSpPr>
+            <p:spPr>
+              <a:xfrm>
+                <a:off x="8476319" y="3540762"/>
+                <a:ext cx="1381468" cy="667619"/>
+              </a:xfrm>
+              <a:prstGeom prst="rect">
+                <a:avLst/>
+              </a:prstGeom>
+              <a:blipFill>
+                <a:blip r:embed="rId4"/>
+                <a:stretch>
+                  <a:fillRect/>
+                </a:stretch>
+              </a:blipFill>
+            </p:spPr>
+            <p:txBody>
+              <a:bodyPr/>
+              <a:lstStyle/>
+              <a:p>
+                <a:r>
+                  <a:rPr lang="it-IT">
+                    <a:noFill/>
+                  </a:rPr>
+                  <a:t> </a:t>
+                </a:r>
+              </a:p>
+            </p:txBody>
+          </p:sp>
+        </mc:Fallback>
+      </mc:AlternateContent>
+      <mc:AlternateContent xmlns:mc="http://schemas.openxmlformats.org/markup-compatibility/2006" xmlns:a14="http://schemas.microsoft.com/office/drawing/2010/main">
+        <mc:Choice Requires="a14">
+          <p:sp>
+            <p:nvSpPr>
+              <p:cNvPr id="10" name="CasellaDiTesto 9">
+                <a:extLst>
+                  <a:ext uri="{FF2B5EF4-FFF2-40B4-BE49-F238E27FC236}">
+                    <a16:creationId xmlns:a16="http://schemas.microsoft.com/office/drawing/2014/main" id="{2C14AFA4-45E8-D0B9-8E25-B4D90CCF9A6D}"/>
+                  </a:ext>
+                </a:extLst>
+              </p:cNvPr>
+              <p:cNvSpPr txBox="1"/>
+              <p:nvPr/>
+            </p:nvSpPr>
+            <p:spPr>
+              <a:xfrm>
+                <a:off x="8273699" y="4208381"/>
+                <a:ext cx="1578830" cy="667619"/>
+              </a:xfrm>
+              <a:prstGeom prst="rect">
+                <a:avLst/>
+              </a:prstGeom>
+              <a:noFill/>
+            </p:spPr>
+            <p:txBody>
+              <a:bodyPr wrap="square">
+                <a:spAutoFit/>
+              </a:bodyPr>
+              <a:lstStyle/>
+              <a:p>
+                <a:pPr/>
+                <a14:m>
+                  <m:oMathPara xmlns:m="http://schemas.openxmlformats.org/officeDocument/2006/math">
+                    <m:oMathParaPr>
+                      <m:jc m:val="centerGroup"/>
+                    </m:oMathParaPr>
+                    <m:oMath xmlns:m="http://schemas.openxmlformats.org/officeDocument/2006/math">
+                      <m:r>
+                        <a:rPr lang="it-IT" b="0" i="1" smtClean="0">
+                          <a:latin typeface="Cambria Math" panose="02040503050406030204" pitchFamily="18" charset="0"/>
+                        </a:rPr>
+                        <m:t>𝑣</m:t>
+                      </m:r>
+                      <m:r>
+                        <a:rPr lang="it-IT" b="0" i="1" smtClean="0">
+                          <a:latin typeface="Cambria Math" panose="02040503050406030204" pitchFamily="18" charset="0"/>
+                        </a:rPr>
+                        <m:t>=</m:t>
+                      </m:r>
+                      <m:f>
+                        <m:fPr>
+                          <m:ctrlPr>
+                            <a:rPr lang="it-IT" b="0" i="1" smtClean="0">
+                              <a:latin typeface="Cambria Math" panose="02040503050406030204" pitchFamily="18" charset="0"/>
+                            </a:rPr>
+                          </m:ctrlPr>
+                        </m:fPr>
+                        <m:num>
+                          <m:r>
+                            <a:rPr lang="it-IT" b="0" i="1" smtClean="0">
+                              <a:latin typeface="Cambria Math" panose="02040503050406030204" pitchFamily="18" charset="0"/>
+                            </a:rPr>
+                            <m:t>𝑔</m:t>
+                          </m:r>
+                        </m:num>
+                        <m:den>
+                          <m:sSub>
+                            <m:sSubPr>
+                              <m:ctrlPr>
+                                <a:rPr lang="it-IT" b="0" i="1" smtClean="0">
+                                  <a:latin typeface="Cambria Math" panose="02040503050406030204" pitchFamily="18" charset="0"/>
+                                </a:rPr>
+                              </m:ctrlPr>
+                            </m:sSubPr>
+                            <m:e>
+                              <m:r>
+                                <a:rPr lang="it-IT" b="0" i="1" smtClean="0">
+                                  <a:latin typeface="Cambria Math" panose="02040503050406030204" pitchFamily="18" charset="0"/>
+                                </a:rPr>
+                                <m:t>𝑓</m:t>
+                              </m:r>
+                            </m:e>
+                            <m:sub>
+                              <m:r>
+                                <a:rPr lang="it-IT" b="0" i="1" smtClean="0">
+                                  <a:latin typeface="Cambria Math" panose="02040503050406030204" pitchFamily="18" charset="0"/>
+                                </a:rPr>
+                                <m:t>0</m:t>
+                              </m:r>
+                            </m:sub>
+                          </m:sSub>
+                        </m:den>
+                      </m:f>
+                      <m:f>
+                        <m:fPr>
+                          <m:ctrlPr>
+                            <a:rPr lang="it-IT" b="0" i="1" smtClean="0">
+                              <a:latin typeface="Cambria Math" panose="02040503050406030204" pitchFamily="18" charset="0"/>
+                            </a:rPr>
+                          </m:ctrlPr>
+                        </m:fPr>
+                        <m:num>
+                          <m:r>
+                            <a:rPr lang="it-IT" b="0" i="1" smtClean="0">
+                              <a:latin typeface="Cambria Math" panose="02040503050406030204" pitchFamily="18" charset="0"/>
+                            </a:rPr>
+                            <m:t>𝜕𝜂</m:t>
+                          </m:r>
+                        </m:num>
+                        <m:den>
+                          <m:r>
+                            <a:rPr lang="it-IT" b="0" i="1" smtClean="0">
+                              <a:latin typeface="Cambria Math" panose="02040503050406030204" pitchFamily="18" charset="0"/>
+                            </a:rPr>
+                            <m:t>𝜕</m:t>
+                          </m:r>
+                          <m:r>
+                            <a:rPr lang="it-IT" b="0" i="1" smtClean="0">
+                              <a:latin typeface="Cambria Math" panose="02040503050406030204" pitchFamily="18" charset="0"/>
+                            </a:rPr>
+                            <m:t>𝑥</m:t>
+                          </m:r>
+                        </m:den>
+                      </m:f>
+                    </m:oMath>
+                  </m:oMathPara>
+                </a14:m>
+                <a:endParaRPr lang="it-IT" dirty="0"/>
+              </a:p>
+            </p:txBody>
+          </p:sp>
+        </mc:Choice>
+        <mc:Fallback xmlns="">
+          <p:sp>
+            <p:nvSpPr>
+              <p:cNvPr id="10" name="CasellaDiTesto 9">
+                <a:extLst>
+                  <a:ext uri="{FF2B5EF4-FFF2-40B4-BE49-F238E27FC236}">
+                    <a16:creationId xmlns:a16="http://schemas.microsoft.com/office/drawing/2014/main" id="{2C14AFA4-45E8-D0B9-8E25-B4D90CCF9A6D}"/>
+                  </a:ext>
+                </a:extLst>
+              </p:cNvPr>
+              <p:cNvSpPr txBox="1">
+                <a:spLocks noRot="1" noChangeAspect="1" noMove="1" noResize="1" noEditPoints="1" noAdjustHandles="1" noChangeArrowheads="1" noChangeShapeType="1" noTextEdit="1"/>
+              </p:cNvSpPr>
+              <p:nvPr/>
+            </p:nvSpPr>
+            <p:spPr>
+              <a:xfrm>
+                <a:off x="8273699" y="4208381"/>
+                <a:ext cx="1578830" cy="667619"/>
+              </a:xfrm>
+              <a:prstGeom prst="rect">
+                <a:avLst/>
+              </a:prstGeom>
+              <a:blipFill>
+                <a:blip r:embed="rId5"/>
+                <a:stretch>
+                  <a:fillRect/>
+                </a:stretch>
+              </a:blipFill>
+            </p:spPr>
+            <p:txBody>
+              <a:bodyPr/>
+              <a:lstStyle/>
+              <a:p>
+                <a:r>
+                  <a:rPr lang="it-IT">
+                    <a:noFill/>
+                  </a:rPr>
+                  <a:t> </a:t>
+                </a:r>
+              </a:p>
+            </p:txBody>
+          </p:sp>
+        </mc:Fallback>
+      </mc:AlternateContent>
+      <p:sp>
+        <p:nvSpPr>
+          <p:cNvPr id="11" name="CasellaDiTesto 10">
+            <a:extLst>
+              <a:ext uri="{FF2B5EF4-FFF2-40B4-BE49-F238E27FC236}">
+                <a16:creationId xmlns:a16="http://schemas.microsoft.com/office/drawing/2014/main" id="{69E8C51D-149B-59BD-EDFE-270FDE5A3396}"/>
+              </a:ext>
+            </a:extLst>
+          </p:cNvPr>
+          <p:cNvSpPr txBox="1"/>
+          <p:nvPr/>
+        </p:nvSpPr>
+        <p:spPr>
+          <a:xfrm>
+            <a:off x="5299889" y="3987473"/>
+            <a:ext cx="2975815" cy="369332"/>
+          </a:xfrm>
+          <a:prstGeom prst="rect">
+            <a:avLst/>
+          </a:prstGeom>
+          <a:noFill/>
+        </p:spPr>
+        <p:txBody>
+          <a:bodyPr wrap="none" rtlCol="0">
+            <a:spAutoFit/>
+          </a:bodyPr>
+          <a:lstStyle/>
+          <a:p>
+            <a:r>
+              <a:rPr lang="it-IT" dirty="0"/>
+              <a:t>POTENTIAL FLOW ANALYSIS</a:t>
+            </a:r>
+          </a:p>
+        </p:txBody>
+      </p:sp>
+      <p:pic>
+        <p:nvPicPr>
+          <p:cNvPr id="13" name="Immagine 12">
+            <a:extLst>
+              <a:ext uri="{FF2B5EF4-FFF2-40B4-BE49-F238E27FC236}">
+                <a16:creationId xmlns:a16="http://schemas.microsoft.com/office/drawing/2014/main" id="{0319C771-8150-9053-67A6-E05C339AE71F}"/>
+              </a:ext>
+            </a:extLst>
+          </p:cNvPr>
+          <p:cNvPicPr>
+            <a:picLocks noChangeAspect="1"/>
+          </p:cNvPicPr>
+          <p:nvPr/>
+        </p:nvPicPr>
+        <p:blipFill>
+          <a:blip r:embed="rId6"/>
+          <a:stretch>
+            <a:fillRect/>
+          </a:stretch>
+        </p:blipFill>
+        <p:spPr>
+          <a:xfrm>
+            <a:off x="550474" y="5070342"/>
+            <a:ext cx="4848225" cy="952500"/>
+          </a:xfrm>
+          <a:prstGeom prst="rect">
+            <a:avLst/>
+          </a:prstGeom>
+        </p:spPr>
+      </p:pic>
+      <mc:AlternateContent xmlns:mc="http://schemas.openxmlformats.org/markup-compatibility/2006" xmlns:a14="http://schemas.microsoft.com/office/drawing/2010/main">
+        <mc:Choice Requires="a14">
+          <p:sp>
+            <p:nvSpPr>
+              <p:cNvPr id="14" name="CasellaDiTesto 13">
+                <a:extLst>
+                  <a:ext uri="{FF2B5EF4-FFF2-40B4-BE49-F238E27FC236}">
+                    <a16:creationId xmlns:a16="http://schemas.microsoft.com/office/drawing/2014/main" id="{08061816-2F48-2183-AD34-AAB8BC9846A3}"/>
+                  </a:ext>
+                </a:extLst>
+              </p:cNvPr>
+              <p:cNvSpPr txBox="1"/>
+              <p:nvPr/>
+            </p:nvSpPr>
+            <p:spPr>
+              <a:xfrm>
+                <a:off x="9961597" y="3874571"/>
+                <a:ext cx="1578830" cy="673389"/>
+              </a:xfrm>
+              <a:prstGeom prst="rect">
+                <a:avLst/>
+              </a:prstGeom>
+              <a:noFill/>
+            </p:spPr>
+            <p:txBody>
+              <a:bodyPr wrap="square">
+                <a:spAutoFit/>
+              </a:bodyPr>
+              <a:lstStyle/>
+              <a:p>
+                <a:pPr/>
+                <a14:m>
+                  <m:oMathPara xmlns:m="http://schemas.openxmlformats.org/officeDocument/2006/math">
+                    <m:oMathParaPr>
+                      <m:jc m:val="centerGroup"/>
+                    </m:oMathParaPr>
+                    <m:oMath xmlns:m="http://schemas.openxmlformats.org/officeDocument/2006/math">
+                      <m:r>
+                        <a:rPr lang="it-IT" sz="2000" b="0" i="1" smtClean="0">
+                          <a:latin typeface="Cambria Math" panose="02040503050406030204" pitchFamily="18" charset="0"/>
+                        </a:rPr>
+                        <m:t>𝜁</m:t>
+                      </m:r>
+                      <m:r>
+                        <a:rPr lang="it-IT" sz="2000" b="0" i="1" smtClean="0">
+                          <a:latin typeface="Cambria Math" panose="02040503050406030204" pitchFamily="18" charset="0"/>
+                        </a:rPr>
+                        <m:t>=</m:t>
+                      </m:r>
+                      <m:f>
+                        <m:fPr>
+                          <m:ctrlPr>
+                            <a:rPr lang="it-IT" sz="2000" b="0" i="1" smtClean="0">
+                              <a:latin typeface="Cambria Math" panose="02040503050406030204" pitchFamily="18" charset="0"/>
+                            </a:rPr>
+                          </m:ctrlPr>
+                        </m:fPr>
+                        <m:num>
+                          <m:r>
+                            <a:rPr lang="it-IT" sz="2000" b="0" i="1" smtClean="0">
+                              <a:latin typeface="Cambria Math" panose="02040503050406030204" pitchFamily="18" charset="0"/>
+                            </a:rPr>
+                            <m:t>𝑔</m:t>
+                          </m:r>
+                        </m:num>
+                        <m:den>
+                          <m:sSub>
+                            <m:sSubPr>
+                              <m:ctrlPr>
+                                <a:rPr lang="it-IT" sz="2000" b="0" i="1" smtClean="0">
+                                  <a:latin typeface="Cambria Math" panose="02040503050406030204" pitchFamily="18" charset="0"/>
+                                </a:rPr>
+                              </m:ctrlPr>
+                            </m:sSubPr>
+                            <m:e>
+                              <m:r>
+                                <a:rPr lang="it-IT" sz="2000" b="0" i="1" smtClean="0">
+                                  <a:latin typeface="Cambria Math" panose="02040503050406030204" pitchFamily="18" charset="0"/>
+                                </a:rPr>
+                                <m:t>𝑓</m:t>
+                              </m:r>
+                            </m:e>
+                            <m:sub>
+                              <m:r>
+                                <a:rPr lang="it-IT" sz="2000" b="0" i="1" smtClean="0">
+                                  <a:latin typeface="Cambria Math" panose="02040503050406030204" pitchFamily="18" charset="0"/>
+                                </a:rPr>
+                                <m:t>0</m:t>
+                              </m:r>
+                            </m:sub>
+                          </m:sSub>
+                        </m:den>
+                      </m:f>
+                      <m:sSup>
+                        <m:sSupPr>
+                          <m:ctrlPr>
+                            <a:rPr lang="it-IT" sz="2000" b="0" i="1" smtClean="0">
+                              <a:latin typeface="Cambria Math" panose="02040503050406030204" pitchFamily="18" charset="0"/>
+                            </a:rPr>
+                          </m:ctrlPr>
+                        </m:sSupPr>
+                        <m:e>
+                          <m:r>
+                            <m:rPr>
+                              <m:sty m:val="p"/>
+                            </m:rPr>
+                            <a:rPr lang="it-IT" sz="2000" b="0" i="0" smtClean="0">
+                              <a:latin typeface="Cambria Math" panose="02040503050406030204" pitchFamily="18" charset="0"/>
+                            </a:rPr>
+                            <m:t>∇</m:t>
+                          </m:r>
+                        </m:e>
+                        <m:sup>
+                          <m:r>
+                            <a:rPr lang="it-IT" sz="2000" b="0" i="1" smtClean="0">
+                              <a:latin typeface="Cambria Math" panose="02040503050406030204" pitchFamily="18" charset="0"/>
+                            </a:rPr>
+                            <m:t>2</m:t>
+                          </m:r>
+                        </m:sup>
+                      </m:sSup>
+                      <m:r>
+                        <a:rPr lang="it-IT" sz="2000" b="0" i="1" smtClean="0">
+                          <a:latin typeface="Cambria Math" panose="02040503050406030204" pitchFamily="18" charset="0"/>
+                        </a:rPr>
+                        <m:t>𝜂</m:t>
+                      </m:r>
+                    </m:oMath>
+                  </m:oMathPara>
+                </a14:m>
+                <a:endParaRPr lang="it-IT" sz="2000" dirty="0"/>
+              </a:p>
+            </p:txBody>
+          </p:sp>
+        </mc:Choice>
+        <mc:Fallback xmlns="">
+          <p:sp>
+            <p:nvSpPr>
+              <p:cNvPr id="14" name="CasellaDiTesto 13">
+                <a:extLst>
+                  <a:ext uri="{FF2B5EF4-FFF2-40B4-BE49-F238E27FC236}">
+                    <a16:creationId xmlns:a16="http://schemas.microsoft.com/office/drawing/2014/main" id="{08061816-2F48-2183-AD34-AAB8BC9846A3}"/>
+                  </a:ext>
+                </a:extLst>
+              </p:cNvPr>
+              <p:cNvSpPr txBox="1">
+                <a:spLocks noRot="1" noChangeAspect="1" noMove="1" noResize="1" noEditPoints="1" noAdjustHandles="1" noChangeArrowheads="1" noChangeShapeType="1" noTextEdit="1"/>
+              </p:cNvSpPr>
+              <p:nvPr/>
+            </p:nvSpPr>
+            <p:spPr>
+              <a:xfrm>
+                <a:off x="9961597" y="3874571"/>
+                <a:ext cx="1578830" cy="673389"/>
+              </a:xfrm>
+              <a:prstGeom prst="rect">
+                <a:avLst/>
+              </a:prstGeom>
+              <a:blipFill>
+                <a:blip r:embed="rId7"/>
+                <a:stretch>
+                  <a:fillRect/>
+                </a:stretch>
+              </a:blipFill>
+            </p:spPr>
+            <p:txBody>
+              <a:bodyPr/>
+              <a:lstStyle/>
+              <a:p>
+                <a:r>
+                  <a:rPr lang="it-IT">
+                    <a:noFill/>
+                  </a:rPr>
+                  <a:t> </a:t>
+                </a:r>
+              </a:p>
+            </p:txBody>
+          </p:sp>
+        </mc:Fallback>
+      </mc:AlternateContent>
+      <p:sp>
+        <p:nvSpPr>
+          <p:cNvPr id="16" name="CasellaDiTesto 15">
+            <a:extLst>
+              <a:ext uri="{FF2B5EF4-FFF2-40B4-BE49-F238E27FC236}">
+                <a16:creationId xmlns:a16="http://schemas.microsoft.com/office/drawing/2014/main" id="{00BA19D4-4BC0-07B2-401B-A3AC036F9AC8}"/>
+              </a:ext>
+            </a:extLst>
+          </p:cNvPr>
+          <p:cNvSpPr txBox="1"/>
+          <p:nvPr/>
+        </p:nvSpPr>
+        <p:spPr>
+          <a:xfrm>
+            <a:off x="0" y="5361926"/>
+            <a:ext cx="392239" cy="523220"/>
+          </a:xfrm>
+          <a:prstGeom prst="rect">
+            <a:avLst/>
+          </a:prstGeom>
+          <a:noFill/>
+        </p:spPr>
+        <p:txBody>
+          <a:bodyPr wrap="square">
+            <a:spAutoFit/>
+          </a:bodyPr>
+          <a:lstStyle/>
+          <a:p>
+            <a:r>
+              <a:rPr lang="it-IT" sz="2800" b="0" dirty="0">
+                <a:sym typeface="Wingdings" panose="05000000000000000000" pitchFamily="2" charset="2"/>
+              </a:rPr>
+              <a:t></a:t>
+            </a:r>
+            <a:endParaRPr lang="it-IT" sz="2800" dirty="0"/>
+          </a:p>
+        </p:txBody>
+      </p:sp>
+      <p:sp>
+        <p:nvSpPr>
+          <p:cNvPr id="17" name="CasellaDiTesto 16">
+            <a:extLst>
+              <a:ext uri="{FF2B5EF4-FFF2-40B4-BE49-F238E27FC236}">
+                <a16:creationId xmlns:a16="http://schemas.microsoft.com/office/drawing/2014/main" id="{AC484A38-879D-595E-DE8E-C3DAF50268BF}"/>
+              </a:ext>
+            </a:extLst>
+          </p:cNvPr>
+          <p:cNvSpPr txBox="1"/>
+          <p:nvPr/>
+        </p:nvSpPr>
+        <p:spPr>
+          <a:xfrm>
+            <a:off x="5930735" y="5361926"/>
+            <a:ext cx="3139642" cy="369332"/>
+          </a:xfrm>
+          <a:prstGeom prst="rect">
+            <a:avLst/>
+          </a:prstGeom>
+          <a:noFill/>
+        </p:spPr>
+        <p:txBody>
+          <a:bodyPr wrap="none" rtlCol="0">
+            <a:spAutoFit/>
+          </a:bodyPr>
+          <a:lstStyle/>
+          <a:p>
+            <a:r>
+              <a:rPr lang="it-IT" dirty="0"/>
+              <a:t>To </a:t>
+            </a:r>
+            <a:r>
+              <a:rPr lang="it-IT" dirty="0" err="1"/>
+              <a:t>which</a:t>
+            </a:r>
+            <a:r>
+              <a:rPr lang="it-IT" dirty="0"/>
+              <a:t> </a:t>
+            </a:r>
+            <a:r>
+              <a:rPr lang="it-IT" dirty="0" err="1"/>
+              <a:t>we</a:t>
+            </a:r>
+            <a:r>
+              <a:rPr lang="it-IT" dirty="0"/>
+              <a:t> can </a:t>
+            </a:r>
+            <a:r>
+              <a:rPr lang="it-IT" dirty="0" err="1"/>
+              <a:t>apply</a:t>
+            </a:r>
+            <a:r>
+              <a:rPr lang="it-IT" dirty="0"/>
+              <a:t> Fourier</a:t>
+            </a:r>
+          </a:p>
+        </p:txBody>
+      </p:sp>
+      <p:sp>
+        <p:nvSpPr>
+          <p:cNvPr id="18" name="Segnaposto numero diapositiva 17">
+            <a:extLst>
+              <a:ext uri="{FF2B5EF4-FFF2-40B4-BE49-F238E27FC236}">
+                <a16:creationId xmlns:a16="http://schemas.microsoft.com/office/drawing/2014/main" id="{2CDA85F3-2F22-3BA5-1763-4EA76A4D94B8}"/>
+              </a:ext>
+            </a:extLst>
+          </p:cNvPr>
+          <p:cNvSpPr>
+            <a:spLocks noGrp="1"/>
+          </p:cNvSpPr>
+          <p:nvPr>
+            <p:ph type="sldNum" sz="quarter" idx="12"/>
+          </p:nvPr>
+        </p:nvSpPr>
+        <p:spPr/>
+        <p:txBody>
+          <a:bodyPr/>
+          <a:lstStyle/>
+          <a:p>
+            <a:fld id="{EB967854-AE97-403A-B273-6E7D11A3E7D0}" type="slidenum">
+              <a:rPr lang="it-IT" smtClean="0"/>
+              <a:t>17</a:t>
+            </a:fld>
+            <a:endParaRPr lang="it-IT"/>
+          </a:p>
+        </p:txBody>
+      </p:sp>
+    </p:spTree>
+    <p:extLst>
+      <p:ext uri="{BB962C8B-B14F-4D97-AF65-F5344CB8AC3E}">
+        <p14:creationId xmlns:p14="http://schemas.microsoft.com/office/powerpoint/2010/main" val="4130525029"/>
+      </p:ext>
+    </p:extLst>
+  </p:cSld>
+  <p:clrMapOvr>
+    <a:masterClrMapping/>
+  </p:clrMapOvr>
+</p:sld>
+</file>
+
+<file path=ppt/slides/slide18.xml><?xml version="1.0" encoding="utf-8"?>
+<p:sld xmlns:a="http://schemas.openxmlformats.org/drawingml/2006/main" xmlns:r="http://schemas.openxmlformats.org/officeDocument/2006/relationships" xmlns:p="http://schemas.openxmlformats.org/presentationml/2006/main">
+  <p:cSld>
+    <p:spTree>
+      <p:nvGrpSpPr>
+        <p:cNvPr id="1" name="">
+          <a:extLst>
+            <a:ext uri="{FF2B5EF4-FFF2-40B4-BE49-F238E27FC236}">
+              <a16:creationId xmlns:a16="http://schemas.microsoft.com/office/drawing/2014/main" id="{2A7E4258-6AD1-1B6D-BF20-222700C0EB46}"/>
+            </a:ext>
+          </a:extLst>
+        </p:cNvPr>
+        <p:cNvGrpSpPr/>
+        <p:nvPr/>
+      </p:nvGrpSpPr>
+      <p:grpSpPr>
+        <a:xfrm>
+          <a:off x="0" y="0"/>
+          <a:ext cx="0" cy="0"/>
+          <a:chOff x="0" y="0"/>
+          <a:chExt cx="0" cy="0"/>
+        </a:xfrm>
+      </p:grpSpPr>
+      <p:pic>
+        <p:nvPicPr>
+          <p:cNvPr id="13" name="Immagine 12">
+            <a:extLst>
+              <a:ext uri="{FF2B5EF4-FFF2-40B4-BE49-F238E27FC236}">
+                <a16:creationId xmlns:a16="http://schemas.microsoft.com/office/drawing/2014/main" id="{3622D305-C6F0-6979-C0F2-02726AE583B9}"/>
+              </a:ext>
+            </a:extLst>
+          </p:cNvPr>
+          <p:cNvPicPr>
+            <a:picLocks noChangeAspect="1"/>
+          </p:cNvPicPr>
+          <p:nvPr/>
+        </p:nvPicPr>
+        <p:blipFill>
+          <a:blip r:embed="rId3"/>
+          <a:stretch>
+            <a:fillRect/>
+          </a:stretch>
+        </p:blipFill>
+        <p:spPr>
+          <a:xfrm>
+            <a:off x="550474" y="93842"/>
+            <a:ext cx="4848225" cy="952500"/>
+          </a:xfrm>
+          <a:prstGeom prst="rect">
+            <a:avLst/>
+          </a:prstGeom>
+        </p:spPr>
+      </p:pic>
+      <p:sp>
+        <p:nvSpPr>
+          <p:cNvPr id="16" name="CasellaDiTesto 15">
+            <a:extLst>
+              <a:ext uri="{FF2B5EF4-FFF2-40B4-BE49-F238E27FC236}">
+                <a16:creationId xmlns:a16="http://schemas.microsoft.com/office/drawing/2014/main" id="{7F6B4D50-A465-5DDA-81CC-EB24F575F583}"/>
+              </a:ext>
+            </a:extLst>
+          </p:cNvPr>
+          <p:cNvSpPr txBox="1"/>
+          <p:nvPr/>
+        </p:nvSpPr>
+        <p:spPr>
+          <a:xfrm>
+            <a:off x="0" y="385426"/>
+            <a:ext cx="392239" cy="523220"/>
+          </a:xfrm>
+          <a:prstGeom prst="rect">
+            <a:avLst/>
+          </a:prstGeom>
+          <a:noFill/>
+        </p:spPr>
+        <p:txBody>
+          <a:bodyPr wrap="square">
+            <a:spAutoFit/>
+          </a:bodyPr>
+          <a:lstStyle/>
+          <a:p>
+            <a:r>
+              <a:rPr lang="it-IT" sz="2800" b="0" dirty="0">
+                <a:sym typeface="Wingdings" panose="05000000000000000000" pitchFamily="2" charset="2"/>
+              </a:rPr>
+              <a:t></a:t>
+            </a:r>
+            <a:endParaRPr lang="it-IT" sz="2800" dirty="0"/>
+          </a:p>
+        </p:txBody>
+      </p:sp>
+      <p:sp>
+        <p:nvSpPr>
+          <p:cNvPr id="17" name="CasellaDiTesto 16">
+            <a:extLst>
+              <a:ext uri="{FF2B5EF4-FFF2-40B4-BE49-F238E27FC236}">
+                <a16:creationId xmlns:a16="http://schemas.microsoft.com/office/drawing/2014/main" id="{9FD6BBFA-B9A1-6701-A252-8485C573E191}"/>
+              </a:ext>
+            </a:extLst>
+          </p:cNvPr>
+          <p:cNvSpPr txBox="1"/>
+          <p:nvPr/>
+        </p:nvSpPr>
+        <p:spPr>
+          <a:xfrm>
+            <a:off x="7088975" y="462637"/>
+            <a:ext cx="3139642" cy="369332"/>
+          </a:xfrm>
+          <a:prstGeom prst="rect">
+            <a:avLst/>
+          </a:prstGeom>
+          <a:noFill/>
+        </p:spPr>
+        <p:txBody>
+          <a:bodyPr wrap="none" rtlCol="0">
+            <a:spAutoFit/>
+          </a:bodyPr>
+          <a:lstStyle/>
+          <a:p>
+            <a:r>
+              <a:rPr lang="it-IT" dirty="0"/>
+              <a:t>To </a:t>
+            </a:r>
+            <a:r>
+              <a:rPr lang="it-IT" dirty="0" err="1"/>
+              <a:t>which</a:t>
+            </a:r>
+            <a:r>
+              <a:rPr lang="it-IT" dirty="0"/>
+              <a:t> </a:t>
+            </a:r>
+            <a:r>
+              <a:rPr lang="it-IT" dirty="0" err="1"/>
+              <a:t>we</a:t>
+            </a:r>
+            <a:r>
+              <a:rPr lang="it-IT" dirty="0"/>
+              <a:t> can </a:t>
+            </a:r>
+            <a:r>
+              <a:rPr lang="it-IT" dirty="0" err="1"/>
+              <a:t>apply</a:t>
+            </a:r>
+            <a:r>
+              <a:rPr lang="it-IT" dirty="0"/>
+              <a:t> Fourier</a:t>
+            </a:r>
+          </a:p>
+        </p:txBody>
+      </p:sp>
+      <mc:AlternateContent xmlns:mc="http://schemas.openxmlformats.org/markup-compatibility/2006" xmlns:a14="http://schemas.microsoft.com/office/drawing/2010/main">
+        <mc:Choice Requires="a14">
+          <p:sp>
+            <p:nvSpPr>
+              <p:cNvPr id="3" name="CasellaDiTesto 2">
+                <a:extLst>
+                  <a:ext uri="{FF2B5EF4-FFF2-40B4-BE49-F238E27FC236}">
+                    <a16:creationId xmlns:a16="http://schemas.microsoft.com/office/drawing/2014/main" id="{79C7C3B5-2F30-9C17-193C-4114317A60B6}"/>
+                  </a:ext>
+                </a:extLst>
+              </p:cNvPr>
+              <p:cNvSpPr txBox="1"/>
+              <p:nvPr/>
+            </p:nvSpPr>
+            <p:spPr>
+              <a:xfrm>
+                <a:off x="309124" y="1518087"/>
+                <a:ext cx="5497659" cy="821892"/>
+              </a:xfrm>
+              <a:prstGeom prst="rect">
+                <a:avLst/>
+              </a:prstGeom>
+              <a:noFill/>
+            </p:spPr>
+            <p:txBody>
+              <a:bodyPr wrap="none" lIns="0" tIns="0" rIns="0" bIns="0" rtlCol="0">
+                <a:spAutoFit/>
+              </a:bodyPr>
+              <a:lstStyle/>
+              <a:p>
+                <a:pPr/>
+                <a14:m>
+                  <m:oMathPara xmlns:m="http://schemas.openxmlformats.org/officeDocument/2006/math">
+                    <m:oMathParaPr>
+                      <m:jc m:val="centerGroup"/>
+                    </m:oMathParaPr>
+                    <m:oMath xmlns:m="http://schemas.openxmlformats.org/officeDocument/2006/math">
+                      <m:d>
+                        <m:dPr>
+                          <m:begChr m:val="["/>
+                          <m:endChr m:val="]"/>
+                          <m:ctrlPr>
+                            <a:rPr lang="it-IT" sz="2400" b="0" i="1" smtClean="0">
+                              <a:latin typeface="Cambria Math" panose="02040503050406030204" pitchFamily="18" charset="0"/>
+                            </a:rPr>
+                          </m:ctrlPr>
+                        </m:dPr>
+                        <m:e>
+                          <m:r>
+                            <a:rPr lang="it-IT" sz="2400" b="0" i="1" smtClean="0">
+                              <a:latin typeface="Cambria Math" panose="02040503050406030204" pitchFamily="18" charset="0"/>
+                            </a:rPr>
+                            <m:t> </m:t>
+                          </m:r>
+                          <m:f>
+                            <m:fPr>
+                              <m:ctrlPr>
+                                <a:rPr lang="it-IT" sz="2400" b="0" i="1" smtClean="0">
+                                  <a:latin typeface="Cambria Math" panose="02040503050406030204" pitchFamily="18" charset="0"/>
+                                </a:rPr>
+                              </m:ctrlPr>
+                            </m:fPr>
+                            <m:num>
+                              <m:r>
+                                <a:rPr lang="it-IT" sz="2400" b="0" i="1" smtClean="0">
+                                  <a:latin typeface="Cambria Math" panose="02040503050406030204" pitchFamily="18" charset="0"/>
+                                </a:rPr>
+                                <m:t>𝑔𝐻</m:t>
+                              </m:r>
+                            </m:num>
+                            <m:den>
+                              <m:sSubSup>
+                                <m:sSubSupPr>
+                                  <m:ctrlPr>
+                                    <a:rPr lang="it-IT" sz="2400" b="0" i="1" smtClean="0">
+                                      <a:latin typeface="Cambria Math" panose="02040503050406030204" pitchFamily="18" charset="0"/>
+                                    </a:rPr>
+                                  </m:ctrlPr>
+                                </m:sSubSupPr>
+                                <m:e>
+                                  <m:r>
+                                    <a:rPr lang="it-IT" sz="2400" b="0" i="1" smtClean="0">
+                                      <a:latin typeface="Cambria Math" panose="02040503050406030204" pitchFamily="18" charset="0"/>
+                                    </a:rPr>
+                                    <m:t>𝑓</m:t>
+                                  </m:r>
+                                </m:e>
+                                <m:sub>
+                                  <m:r>
+                                    <a:rPr lang="it-IT" sz="2400" b="0" i="1" smtClean="0">
+                                      <a:latin typeface="Cambria Math" panose="02040503050406030204" pitchFamily="18" charset="0"/>
+                                    </a:rPr>
+                                    <m:t>0</m:t>
+                                  </m:r>
+                                </m:sub>
+                                <m:sup>
+                                  <m:r>
+                                    <a:rPr lang="it-IT" sz="2400" b="0" i="1" smtClean="0">
+                                      <a:latin typeface="Cambria Math" panose="02040503050406030204" pitchFamily="18" charset="0"/>
+                                    </a:rPr>
+                                    <m:t>2</m:t>
+                                  </m:r>
+                                </m:sup>
+                              </m:sSubSup>
+                            </m:den>
+                          </m:f>
+                          <m:r>
+                            <a:rPr lang="it-IT" sz="2400" b="0" i="1" smtClean="0">
+                              <a:latin typeface="Cambria Math" panose="02040503050406030204" pitchFamily="18" charset="0"/>
+                            </a:rPr>
+                            <m:t> </m:t>
+                          </m:r>
+                          <m:r>
+                            <a:rPr lang="it-IT" sz="2400" b="0" i="1" smtClean="0">
+                              <a:latin typeface="Cambria Math" panose="02040503050406030204" pitchFamily="18" charset="0"/>
+                            </a:rPr>
+                            <m:t>𝑖</m:t>
+                          </m:r>
+                          <m:r>
+                            <a:rPr lang="it-IT" sz="2400" b="0" i="1" smtClean="0">
+                              <a:latin typeface="Cambria Math" panose="02040503050406030204" pitchFamily="18" charset="0"/>
+                            </a:rPr>
+                            <m:t>𝜔</m:t>
+                          </m:r>
+                          <m:r>
+                            <a:rPr lang="it-IT" sz="2400" b="0" i="1" smtClean="0">
+                              <a:latin typeface="Cambria Math" panose="02040503050406030204" pitchFamily="18" charset="0"/>
+                            </a:rPr>
+                            <m:t> </m:t>
+                          </m:r>
+                          <m:d>
+                            <m:dPr>
+                              <m:ctrlPr>
+                                <a:rPr lang="it-IT" sz="2400" b="0" i="1" smtClean="0">
+                                  <a:latin typeface="Cambria Math" panose="02040503050406030204" pitchFamily="18" charset="0"/>
+                                </a:rPr>
+                              </m:ctrlPr>
+                            </m:dPr>
+                            <m:e>
+                              <m:sSup>
+                                <m:sSupPr>
+                                  <m:ctrlPr>
+                                    <a:rPr lang="it-IT" sz="2400" b="0" i="1" smtClean="0">
+                                      <a:latin typeface="Cambria Math" panose="02040503050406030204" pitchFamily="18" charset="0"/>
+                                    </a:rPr>
+                                  </m:ctrlPr>
+                                </m:sSupPr>
+                                <m:e>
+                                  <m:r>
+                                    <a:rPr lang="it-IT" sz="2400" b="0" i="1" smtClean="0">
+                                      <a:latin typeface="Cambria Math" panose="02040503050406030204" pitchFamily="18" charset="0"/>
+                                    </a:rPr>
+                                    <m:t>𝑘</m:t>
+                                  </m:r>
+                                </m:e>
+                                <m:sup>
+                                  <m:r>
+                                    <a:rPr lang="it-IT" sz="2400" b="0" i="1" smtClean="0">
+                                      <a:latin typeface="Cambria Math" panose="02040503050406030204" pitchFamily="18" charset="0"/>
+                                    </a:rPr>
+                                    <m:t>2</m:t>
+                                  </m:r>
+                                </m:sup>
+                              </m:sSup>
+                              <m:r>
+                                <a:rPr lang="it-IT" sz="2400" b="0" i="1" smtClean="0">
+                                  <a:latin typeface="Cambria Math" panose="02040503050406030204" pitchFamily="18" charset="0"/>
+                                </a:rPr>
+                                <m:t>+</m:t>
+                              </m:r>
+                              <m:sSup>
+                                <m:sSupPr>
+                                  <m:ctrlPr>
+                                    <a:rPr lang="it-IT" sz="2400" b="0" i="1" smtClean="0">
+                                      <a:latin typeface="Cambria Math" panose="02040503050406030204" pitchFamily="18" charset="0"/>
+                                    </a:rPr>
+                                  </m:ctrlPr>
+                                </m:sSupPr>
+                                <m:e>
+                                  <m:r>
+                                    <a:rPr lang="it-IT" sz="2400" b="0" i="1" smtClean="0">
+                                      <a:latin typeface="Cambria Math" panose="02040503050406030204" pitchFamily="18" charset="0"/>
+                                    </a:rPr>
+                                    <m:t>𝑙</m:t>
+                                  </m:r>
+                                </m:e>
+                                <m:sup>
+                                  <m:r>
+                                    <a:rPr lang="it-IT" sz="2400" b="0" i="1" smtClean="0">
+                                      <a:latin typeface="Cambria Math" panose="02040503050406030204" pitchFamily="18" charset="0"/>
+                                    </a:rPr>
+                                    <m:t>2</m:t>
+                                  </m:r>
+                                </m:sup>
+                              </m:sSup>
+                            </m:e>
+                          </m:d>
+                          <m:r>
+                            <a:rPr lang="it-IT" sz="2400" b="0" i="1" smtClean="0">
+                              <a:latin typeface="Cambria Math" panose="02040503050406030204" pitchFamily="18" charset="0"/>
+                            </a:rPr>
+                            <m:t>+</m:t>
+                          </m:r>
+                          <m:f>
+                            <m:fPr>
+                              <m:ctrlPr>
+                                <a:rPr lang="it-IT" sz="2400" b="0" i="1" smtClean="0">
+                                  <a:latin typeface="Cambria Math" panose="02040503050406030204" pitchFamily="18" charset="0"/>
+                                </a:rPr>
+                              </m:ctrlPr>
+                            </m:fPr>
+                            <m:num>
+                              <m:r>
+                                <a:rPr lang="it-IT" sz="2400" b="0" i="1" smtClean="0">
+                                  <a:latin typeface="Cambria Math" panose="02040503050406030204" pitchFamily="18" charset="0"/>
+                                </a:rPr>
+                                <m:t>𝑔𝐻</m:t>
+                              </m:r>
+                            </m:num>
+                            <m:den>
+                              <m:sSubSup>
+                                <m:sSubSupPr>
+                                  <m:ctrlPr>
+                                    <a:rPr lang="it-IT" sz="2400" b="0" i="1" smtClean="0">
+                                      <a:latin typeface="Cambria Math" panose="02040503050406030204" pitchFamily="18" charset="0"/>
+                                    </a:rPr>
+                                  </m:ctrlPr>
+                                </m:sSubSupPr>
+                                <m:e>
+                                  <m:r>
+                                    <a:rPr lang="it-IT" sz="2400" b="0" i="1" smtClean="0">
+                                      <a:latin typeface="Cambria Math" panose="02040503050406030204" pitchFamily="18" charset="0"/>
+                                    </a:rPr>
+                                    <m:t>𝑓</m:t>
+                                  </m:r>
+                                </m:e>
+                                <m:sub>
+                                  <m:r>
+                                    <a:rPr lang="it-IT" sz="2400" b="0" i="1" smtClean="0">
+                                      <a:latin typeface="Cambria Math" panose="02040503050406030204" pitchFamily="18" charset="0"/>
+                                    </a:rPr>
+                                    <m:t>0</m:t>
+                                  </m:r>
+                                </m:sub>
+                                <m:sup>
+                                  <m:r>
+                                    <a:rPr lang="it-IT" sz="2400" b="0" i="1" smtClean="0">
+                                      <a:latin typeface="Cambria Math" panose="02040503050406030204" pitchFamily="18" charset="0"/>
+                                    </a:rPr>
+                                    <m:t>2</m:t>
+                                  </m:r>
+                                </m:sup>
+                              </m:sSubSup>
+                            </m:den>
+                          </m:f>
+                          <m:r>
+                            <a:rPr lang="it-IT" sz="2400" b="0" i="1" smtClean="0">
+                              <a:latin typeface="Cambria Math" panose="02040503050406030204" pitchFamily="18" charset="0"/>
+                            </a:rPr>
+                            <m:t> </m:t>
+                          </m:r>
+                          <m:r>
+                            <a:rPr lang="it-IT" sz="2400" b="0" i="1" smtClean="0">
+                              <a:latin typeface="Cambria Math" panose="02040503050406030204" pitchFamily="18" charset="0"/>
+                            </a:rPr>
+                            <m:t>𝛽</m:t>
+                          </m:r>
+                          <m:r>
+                            <a:rPr lang="it-IT" sz="2400" b="0" i="1" smtClean="0">
+                              <a:latin typeface="Cambria Math" panose="02040503050406030204" pitchFamily="18" charset="0"/>
+                            </a:rPr>
+                            <m:t> </m:t>
+                          </m:r>
+                          <m:r>
+                            <a:rPr lang="it-IT" sz="2400" b="0" i="1" smtClean="0">
+                              <a:latin typeface="Cambria Math" panose="02040503050406030204" pitchFamily="18" charset="0"/>
+                            </a:rPr>
+                            <m:t>𝑖𝑘</m:t>
+                          </m:r>
+                          <m:r>
+                            <a:rPr lang="it-IT" sz="2400" b="0" i="1" smtClean="0">
+                              <a:latin typeface="Cambria Math" panose="02040503050406030204" pitchFamily="18" charset="0"/>
+                            </a:rPr>
+                            <m:t>+</m:t>
+                          </m:r>
+                          <m:r>
+                            <a:rPr lang="it-IT" sz="2400" b="0" i="1" smtClean="0">
+                              <a:latin typeface="Cambria Math" panose="02040503050406030204" pitchFamily="18" charset="0"/>
+                            </a:rPr>
+                            <m:t>𝑖</m:t>
+                          </m:r>
+                          <m:r>
+                            <a:rPr lang="it-IT" sz="2400" b="0" i="1" smtClean="0">
+                              <a:latin typeface="Cambria Math" panose="02040503050406030204" pitchFamily="18" charset="0"/>
+                            </a:rPr>
+                            <m:t>𝜔</m:t>
+                          </m:r>
+                          <m:r>
+                            <a:rPr lang="it-IT" sz="2400" b="0" i="1" smtClean="0">
+                              <a:latin typeface="Cambria Math" panose="02040503050406030204" pitchFamily="18" charset="0"/>
+                            </a:rPr>
+                            <m:t> </m:t>
+                          </m:r>
+                        </m:e>
+                      </m:d>
+                      <m:acc>
+                        <m:accPr>
+                          <m:chr m:val="̂"/>
+                          <m:ctrlPr>
+                            <a:rPr lang="it-IT" sz="2400" b="0" i="1" smtClean="0">
+                              <a:latin typeface="Cambria Math" panose="02040503050406030204" pitchFamily="18" charset="0"/>
+                            </a:rPr>
+                          </m:ctrlPr>
+                        </m:accPr>
+                        <m:e>
+                          <m:r>
+                            <a:rPr lang="it-IT" sz="2400" b="0" i="1" smtClean="0">
+                              <a:latin typeface="Cambria Math" panose="02040503050406030204" pitchFamily="18" charset="0"/>
+                            </a:rPr>
+                            <m:t>𝜂</m:t>
+                          </m:r>
+                        </m:e>
+                      </m:acc>
+                      <m:r>
+                        <a:rPr lang="it-IT" sz="2400" b="0" i="1" smtClean="0">
+                          <a:latin typeface="Cambria Math" panose="02040503050406030204" pitchFamily="18" charset="0"/>
+                        </a:rPr>
+                        <m:t>=0</m:t>
+                      </m:r>
+                    </m:oMath>
+                  </m:oMathPara>
+                </a14:m>
+                <a:endParaRPr lang="it-IT" sz="2400" dirty="0"/>
+              </a:p>
+            </p:txBody>
+          </p:sp>
+        </mc:Choice>
+        <mc:Fallback xmlns="">
+          <p:sp>
+            <p:nvSpPr>
+              <p:cNvPr id="3" name="CasellaDiTesto 2">
+                <a:extLst>
+                  <a:ext uri="{FF2B5EF4-FFF2-40B4-BE49-F238E27FC236}">
+                    <a16:creationId xmlns:a16="http://schemas.microsoft.com/office/drawing/2014/main" id="{79C7C3B5-2F30-9C17-193C-4114317A60B6}"/>
+                  </a:ext>
+                </a:extLst>
+              </p:cNvPr>
+              <p:cNvSpPr txBox="1">
+                <a:spLocks noRot="1" noChangeAspect="1" noMove="1" noResize="1" noEditPoints="1" noAdjustHandles="1" noChangeArrowheads="1" noChangeShapeType="1" noTextEdit="1"/>
+              </p:cNvSpPr>
+              <p:nvPr/>
+            </p:nvSpPr>
+            <p:spPr>
+              <a:xfrm>
+                <a:off x="309124" y="1518087"/>
+                <a:ext cx="5497659" cy="821892"/>
+              </a:xfrm>
+              <a:prstGeom prst="rect">
+                <a:avLst/>
+              </a:prstGeom>
+              <a:blipFill>
+                <a:blip r:embed="rId4"/>
+                <a:stretch>
+                  <a:fillRect/>
+                </a:stretch>
+              </a:blipFill>
+            </p:spPr>
+            <p:txBody>
+              <a:bodyPr/>
+              <a:lstStyle/>
+              <a:p>
+                <a:r>
+                  <a:rPr lang="it-IT">
+                    <a:noFill/>
+                  </a:rPr>
+                  <a:t> </a:t>
+                </a:r>
+              </a:p>
+            </p:txBody>
+          </p:sp>
+        </mc:Fallback>
+      </mc:AlternateContent>
+      <p:sp>
+        <p:nvSpPr>
+          <p:cNvPr id="8" name="CasellaDiTesto 7">
+            <a:extLst>
+              <a:ext uri="{FF2B5EF4-FFF2-40B4-BE49-F238E27FC236}">
+                <a16:creationId xmlns:a16="http://schemas.microsoft.com/office/drawing/2014/main" id="{9F90B2A1-E7CB-08DE-B154-3502FEAD207D}"/>
+              </a:ext>
+            </a:extLst>
+          </p:cNvPr>
+          <p:cNvSpPr txBox="1"/>
+          <p:nvPr/>
+        </p:nvSpPr>
+        <p:spPr>
+          <a:xfrm>
+            <a:off x="7079984" y="1744367"/>
+            <a:ext cx="2280881" cy="369332"/>
+          </a:xfrm>
+          <a:prstGeom prst="rect">
+            <a:avLst/>
+          </a:prstGeom>
+          <a:noFill/>
+        </p:spPr>
+        <p:txBody>
+          <a:bodyPr wrap="none" rtlCol="0">
+            <a:spAutoFit/>
+          </a:bodyPr>
+          <a:lstStyle/>
+          <a:p>
+            <a:r>
+              <a:rPr lang="it-IT" dirty="0"/>
+              <a:t>From </a:t>
+            </a:r>
+            <a:r>
+              <a:rPr lang="it-IT" dirty="0" err="1"/>
+              <a:t>which</a:t>
+            </a:r>
+            <a:r>
+              <a:rPr lang="it-IT" dirty="0"/>
+              <a:t> </a:t>
+            </a:r>
+            <a:r>
+              <a:rPr lang="it-IT" dirty="0" err="1"/>
+              <a:t>it</a:t>
+            </a:r>
+            <a:r>
+              <a:rPr lang="it-IT" dirty="0"/>
+              <a:t> follows</a:t>
+            </a:r>
+          </a:p>
+        </p:txBody>
+      </p:sp>
+      <mc:AlternateContent xmlns:mc="http://schemas.openxmlformats.org/markup-compatibility/2006" xmlns:a14="http://schemas.microsoft.com/office/drawing/2010/main">
+        <mc:Choice Requires="a14">
+          <p:sp>
+            <p:nvSpPr>
+              <p:cNvPr id="9" name="CasellaDiTesto 8">
+                <a:extLst>
+                  <a:ext uri="{FF2B5EF4-FFF2-40B4-BE49-F238E27FC236}">
+                    <a16:creationId xmlns:a16="http://schemas.microsoft.com/office/drawing/2014/main" id="{824956D7-C52F-502C-1FF5-2BD5376C7D22}"/>
+                  </a:ext>
+                </a:extLst>
+              </p:cNvPr>
+              <p:cNvSpPr txBox="1"/>
+              <p:nvPr/>
+            </p:nvSpPr>
+            <p:spPr>
+              <a:xfrm>
+                <a:off x="222122" y="2793552"/>
+                <a:ext cx="6157070" cy="1132298"/>
+              </a:xfrm>
+              <a:prstGeom prst="rect">
+                <a:avLst/>
+              </a:prstGeom>
+              <a:noFill/>
+            </p:spPr>
+            <p:txBody>
+              <a:bodyPr wrap="none" lIns="0" tIns="0" rIns="0" bIns="0" rtlCol="0">
+                <a:spAutoFit/>
+              </a:bodyPr>
+              <a:lstStyle/>
+              <a:p>
+                <a:pPr/>
+                <a14:m>
+                  <m:oMathPara xmlns:m="http://schemas.openxmlformats.org/officeDocument/2006/math">
+                    <m:oMathParaPr>
+                      <m:jc m:val="centerGroup"/>
+                    </m:oMathParaPr>
+                    <m:oMath xmlns:m="http://schemas.openxmlformats.org/officeDocument/2006/math">
+                      <m:r>
+                        <a:rPr lang="it-IT" sz="2400" b="0" i="1" smtClean="0">
+                          <a:latin typeface="Cambria Math" panose="02040503050406030204" pitchFamily="18" charset="0"/>
+                        </a:rPr>
+                        <m:t>𝜔</m:t>
+                      </m:r>
+                      <m:r>
+                        <a:rPr lang="it-IT" sz="2400" b="0" i="1" smtClean="0">
+                          <a:latin typeface="Cambria Math" panose="02040503050406030204" pitchFamily="18" charset="0"/>
+                        </a:rPr>
+                        <m:t>=</m:t>
+                      </m:r>
+                      <m:r>
+                        <a:rPr lang="it-IT" sz="2400" b="0" i="1" smtClean="0">
+                          <a:solidFill>
+                            <a:srgbClr val="00B0F0"/>
+                          </a:solidFill>
+                          <a:latin typeface="Cambria Math" panose="02040503050406030204" pitchFamily="18" charset="0"/>
+                        </a:rPr>
+                        <m:t>𝑈𝑘</m:t>
+                      </m:r>
+                      <m:r>
+                        <a:rPr lang="it-IT" sz="2400" b="0" i="1" smtClean="0">
+                          <a:latin typeface="Cambria Math" panose="02040503050406030204" pitchFamily="18" charset="0"/>
+                        </a:rPr>
+                        <m:t>−</m:t>
+                      </m:r>
+                      <m:f>
+                        <m:fPr>
+                          <m:ctrlPr>
+                            <a:rPr lang="it-IT" sz="2400" b="0" i="1" smtClean="0">
+                              <a:latin typeface="Cambria Math" panose="02040503050406030204" pitchFamily="18" charset="0"/>
+                            </a:rPr>
+                          </m:ctrlPr>
+                        </m:fPr>
+                        <m:num>
+                          <m:r>
+                            <a:rPr lang="it-IT" sz="2400" b="0" i="1" smtClean="0">
+                              <a:latin typeface="Cambria Math" panose="02040503050406030204" pitchFamily="18" charset="0"/>
+                            </a:rPr>
+                            <m:t>𝛽</m:t>
+                          </m:r>
+                          <m:r>
+                            <a:rPr lang="it-IT" sz="2400" b="0" i="1" smtClean="0">
+                              <a:latin typeface="Cambria Math" panose="02040503050406030204" pitchFamily="18" charset="0"/>
+                            </a:rPr>
+                            <m:t>𝑘</m:t>
+                          </m:r>
+                        </m:num>
+                        <m:den>
+                          <m:f>
+                            <m:fPr>
+                              <m:ctrlPr>
+                                <a:rPr lang="it-IT" sz="2400" b="0" i="1" smtClean="0">
+                                  <a:latin typeface="Cambria Math" panose="02040503050406030204" pitchFamily="18" charset="0"/>
+                                </a:rPr>
+                              </m:ctrlPr>
+                            </m:fPr>
+                            <m:num>
+                              <m:sSubSup>
+                                <m:sSubSupPr>
+                                  <m:ctrlPr>
+                                    <a:rPr lang="it-IT" sz="2400" b="0" i="1" smtClean="0">
+                                      <a:latin typeface="Cambria Math" panose="02040503050406030204" pitchFamily="18" charset="0"/>
+                                    </a:rPr>
+                                  </m:ctrlPr>
+                                </m:sSubSupPr>
+                                <m:e>
+                                  <m:r>
+                                    <a:rPr lang="it-IT" sz="2400" b="0" i="1" smtClean="0">
+                                      <a:latin typeface="Cambria Math" panose="02040503050406030204" pitchFamily="18" charset="0"/>
+                                    </a:rPr>
+                                    <m:t>𝑓</m:t>
+                                  </m:r>
+                                </m:e>
+                                <m:sub>
+                                  <m:r>
+                                    <a:rPr lang="it-IT" sz="2400" b="0" i="1" smtClean="0">
+                                      <a:latin typeface="Cambria Math" panose="02040503050406030204" pitchFamily="18" charset="0"/>
+                                    </a:rPr>
+                                    <m:t>0</m:t>
+                                  </m:r>
+                                </m:sub>
+                                <m:sup>
+                                  <m:r>
+                                    <a:rPr lang="it-IT" sz="2400" b="0" i="1" smtClean="0">
+                                      <a:latin typeface="Cambria Math" panose="02040503050406030204" pitchFamily="18" charset="0"/>
+                                    </a:rPr>
+                                    <m:t>2</m:t>
+                                  </m:r>
+                                </m:sup>
+                              </m:sSubSup>
+                            </m:num>
+                            <m:den>
+                              <m:r>
+                                <a:rPr lang="it-IT" sz="2400" b="0" i="1" smtClean="0">
+                                  <a:latin typeface="Cambria Math" panose="02040503050406030204" pitchFamily="18" charset="0"/>
+                                </a:rPr>
+                                <m:t>𝑔𝐻</m:t>
+                              </m:r>
+                            </m:den>
+                          </m:f>
+                          <m:r>
+                            <a:rPr lang="it-IT" sz="2400" b="0" i="1" smtClean="0">
+                              <a:latin typeface="Cambria Math" panose="02040503050406030204" pitchFamily="18" charset="0"/>
+                            </a:rPr>
+                            <m:t>+</m:t>
+                          </m:r>
+                          <m:sSup>
+                            <m:sSupPr>
+                              <m:ctrlPr>
+                                <a:rPr lang="it-IT" sz="2400" b="0" i="1" smtClean="0">
+                                  <a:latin typeface="Cambria Math" panose="02040503050406030204" pitchFamily="18" charset="0"/>
+                                </a:rPr>
+                              </m:ctrlPr>
+                            </m:sSupPr>
+                            <m:e>
+                              <m:r>
+                                <a:rPr lang="it-IT" sz="2400" b="0" i="1" smtClean="0">
+                                  <a:latin typeface="Cambria Math" panose="02040503050406030204" pitchFamily="18" charset="0"/>
+                                </a:rPr>
+                                <m:t>𝑘</m:t>
+                              </m:r>
+                            </m:e>
+                            <m:sup>
+                              <m:r>
+                                <a:rPr lang="it-IT" sz="2400" b="0" i="1" smtClean="0">
+                                  <a:latin typeface="Cambria Math" panose="02040503050406030204" pitchFamily="18" charset="0"/>
+                                </a:rPr>
+                                <m:t>2</m:t>
+                              </m:r>
+                            </m:sup>
+                          </m:sSup>
+                          <m:r>
+                            <a:rPr lang="it-IT" sz="2400" b="0" i="1" smtClean="0">
+                              <a:latin typeface="Cambria Math" panose="02040503050406030204" pitchFamily="18" charset="0"/>
+                            </a:rPr>
+                            <m:t>+</m:t>
+                          </m:r>
+                          <m:sSup>
+                            <m:sSupPr>
+                              <m:ctrlPr>
+                                <a:rPr lang="it-IT" sz="2400" b="0" i="1" smtClean="0">
+                                  <a:latin typeface="Cambria Math" panose="02040503050406030204" pitchFamily="18" charset="0"/>
+                                </a:rPr>
+                              </m:ctrlPr>
+                            </m:sSupPr>
+                            <m:e>
+                              <m:r>
+                                <a:rPr lang="it-IT" sz="2400" b="0" i="1" smtClean="0">
+                                  <a:latin typeface="Cambria Math" panose="02040503050406030204" pitchFamily="18" charset="0"/>
+                                </a:rPr>
+                                <m:t>𝑙</m:t>
+                              </m:r>
+                            </m:e>
+                            <m:sup>
+                              <m:r>
+                                <a:rPr lang="it-IT" sz="2400" b="0" i="1" smtClean="0">
+                                  <a:latin typeface="Cambria Math" panose="02040503050406030204" pitchFamily="18" charset="0"/>
+                                </a:rPr>
+                                <m:t>2</m:t>
+                              </m:r>
+                            </m:sup>
+                          </m:sSup>
+                        </m:den>
+                      </m:f>
+                      <m:r>
+                        <a:rPr lang="it-IT" sz="2400" b="0" i="1" smtClean="0">
+                          <a:latin typeface="Cambria Math" panose="02040503050406030204" pitchFamily="18" charset="0"/>
+                        </a:rPr>
+                        <m:t>=</m:t>
+                      </m:r>
+                      <m:r>
+                        <a:rPr lang="it-IT" sz="2400" b="0" i="1" smtClean="0">
+                          <a:solidFill>
+                            <a:srgbClr val="00B0F0"/>
+                          </a:solidFill>
+                          <a:latin typeface="Cambria Math" panose="02040503050406030204" pitchFamily="18" charset="0"/>
+                        </a:rPr>
+                        <m:t>𝑈𝑘</m:t>
+                      </m:r>
+                      <m:r>
+                        <a:rPr lang="it-IT" sz="2400" b="0" i="1" smtClean="0">
+                          <a:latin typeface="Cambria Math" panose="02040503050406030204" pitchFamily="18" charset="0"/>
+                        </a:rPr>
+                        <m:t>−</m:t>
+                      </m:r>
+                      <m:f>
+                        <m:fPr>
+                          <m:ctrlPr>
+                            <a:rPr lang="it-IT" sz="2400" i="1">
+                              <a:latin typeface="Cambria Math" panose="02040503050406030204" pitchFamily="18" charset="0"/>
+                            </a:rPr>
+                          </m:ctrlPr>
+                        </m:fPr>
+                        <m:num>
+                          <m:r>
+                            <a:rPr lang="it-IT" sz="2400" i="1">
+                              <a:latin typeface="Cambria Math" panose="02040503050406030204" pitchFamily="18" charset="0"/>
+                            </a:rPr>
+                            <m:t>𝛽</m:t>
+                          </m:r>
+                          <m:r>
+                            <a:rPr lang="it-IT" sz="2400" i="1">
+                              <a:latin typeface="Cambria Math" panose="02040503050406030204" pitchFamily="18" charset="0"/>
+                            </a:rPr>
+                            <m:t>𝑘</m:t>
+                          </m:r>
+                        </m:num>
+                        <m:den>
+                          <m:sSup>
+                            <m:sSupPr>
+                              <m:ctrlPr>
+                                <a:rPr lang="it-IT" sz="2400" b="0" i="1" smtClean="0">
+                                  <a:latin typeface="Cambria Math" panose="02040503050406030204" pitchFamily="18" charset="0"/>
+                                </a:rPr>
+                              </m:ctrlPr>
+                            </m:sSupPr>
+                            <m:e>
+                              <m:r>
+                                <a:rPr lang="it-IT" sz="2400" b="0" i="1" smtClean="0">
+                                  <a:latin typeface="Cambria Math" panose="02040503050406030204" pitchFamily="18" charset="0"/>
+                                </a:rPr>
+                                <m:t>𝑅</m:t>
+                              </m:r>
+                            </m:e>
+                            <m:sup>
+                              <m:r>
+                                <a:rPr lang="it-IT" sz="2400" b="0" i="1" smtClean="0">
+                                  <a:latin typeface="Cambria Math" panose="02040503050406030204" pitchFamily="18" charset="0"/>
+                                </a:rPr>
+                                <m:t>−2</m:t>
+                              </m:r>
+                            </m:sup>
+                          </m:sSup>
+                          <m:r>
+                            <a:rPr lang="it-IT" sz="2400" i="1">
+                              <a:latin typeface="Cambria Math" panose="02040503050406030204" pitchFamily="18" charset="0"/>
+                            </a:rPr>
+                            <m:t>+</m:t>
+                          </m:r>
+                          <m:sSup>
+                            <m:sSupPr>
+                              <m:ctrlPr>
+                                <a:rPr lang="it-IT" sz="2400" i="1">
+                                  <a:latin typeface="Cambria Math" panose="02040503050406030204" pitchFamily="18" charset="0"/>
+                                </a:rPr>
+                              </m:ctrlPr>
+                            </m:sSupPr>
+                            <m:e>
+                              <m:r>
+                                <a:rPr lang="it-IT" sz="2400" i="1">
+                                  <a:latin typeface="Cambria Math" panose="02040503050406030204" pitchFamily="18" charset="0"/>
+                                </a:rPr>
+                                <m:t>𝑘</m:t>
+                              </m:r>
+                            </m:e>
+                            <m:sup>
+                              <m:r>
+                                <a:rPr lang="it-IT" sz="2400" i="1">
+                                  <a:latin typeface="Cambria Math" panose="02040503050406030204" pitchFamily="18" charset="0"/>
+                                </a:rPr>
+                                <m:t>2</m:t>
+                              </m:r>
+                            </m:sup>
+                          </m:sSup>
+                          <m:r>
+                            <a:rPr lang="it-IT" sz="2400" i="1">
+                              <a:latin typeface="Cambria Math" panose="02040503050406030204" pitchFamily="18" charset="0"/>
+                            </a:rPr>
+                            <m:t>+</m:t>
+                          </m:r>
+                          <m:sSup>
+                            <m:sSupPr>
+                              <m:ctrlPr>
+                                <a:rPr lang="it-IT" sz="2400" i="1">
+                                  <a:latin typeface="Cambria Math" panose="02040503050406030204" pitchFamily="18" charset="0"/>
+                                </a:rPr>
+                              </m:ctrlPr>
+                            </m:sSupPr>
+                            <m:e>
+                              <m:r>
+                                <a:rPr lang="it-IT" sz="2400" i="1">
+                                  <a:latin typeface="Cambria Math" panose="02040503050406030204" pitchFamily="18" charset="0"/>
+                                </a:rPr>
+                                <m:t>𝑙</m:t>
+                              </m:r>
+                            </m:e>
+                            <m:sup>
+                              <m:r>
+                                <a:rPr lang="it-IT" sz="2400" i="1">
+                                  <a:latin typeface="Cambria Math" panose="02040503050406030204" pitchFamily="18" charset="0"/>
+                                </a:rPr>
+                                <m:t>2</m:t>
+                              </m:r>
+                            </m:sup>
+                          </m:sSup>
+                        </m:den>
+                      </m:f>
+                    </m:oMath>
+                  </m:oMathPara>
+                </a14:m>
+                <a:endParaRPr lang="it-IT" sz="2400" dirty="0"/>
+              </a:p>
+            </p:txBody>
+          </p:sp>
+        </mc:Choice>
+        <mc:Fallback xmlns="">
+          <p:sp>
+            <p:nvSpPr>
+              <p:cNvPr id="9" name="CasellaDiTesto 8">
+                <a:extLst>
+                  <a:ext uri="{FF2B5EF4-FFF2-40B4-BE49-F238E27FC236}">
+                    <a16:creationId xmlns:a16="http://schemas.microsoft.com/office/drawing/2014/main" id="{824956D7-C52F-502C-1FF5-2BD5376C7D22}"/>
+                  </a:ext>
+                </a:extLst>
+              </p:cNvPr>
+              <p:cNvSpPr txBox="1">
+                <a:spLocks noRot="1" noChangeAspect="1" noMove="1" noResize="1" noEditPoints="1" noAdjustHandles="1" noChangeArrowheads="1" noChangeShapeType="1" noTextEdit="1"/>
+              </p:cNvSpPr>
+              <p:nvPr/>
+            </p:nvSpPr>
+            <p:spPr>
+              <a:xfrm>
+                <a:off x="222122" y="2793552"/>
+                <a:ext cx="6157070" cy="1132298"/>
+              </a:xfrm>
+              <a:prstGeom prst="rect">
+                <a:avLst/>
+              </a:prstGeom>
+              <a:blipFill>
+                <a:blip r:embed="rId5"/>
+                <a:stretch>
+                  <a:fillRect/>
+                </a:stretch>
+              </a:blipFill>
+            </p:spPr>
+            <p:txBody>
+              <a:bodyPr/>
+              <a:lstStyle/>
+              <a:p>
+                <a:r>
+                  <a:rPr lang="it-IT">
+                    <a:noFill/>
+                  </a:rPr>
+                  <a:t> </a:t>
+                </a:r>
+              </a:p>
+            </p:txBody>
+          </p:sp>
+        </mc:Fallback>
+      </mc:AlternateContent>
+      <mc:AlternateContent xmlns:mc="http://schemas.openxmlformats.org/markup-compatibility/2006" xmlns:a14="http://schemas.microsoft.com/office/drawing/2010/main">
+        <mc:Choice Requires="a14">
+          <p:sp>
+            <p:nvSpPr>
+              <p:cNvPr id="12" name="CasellaDiTesto 11">
+                <a:extLst>
+                  <a:ext uri="{FF2B5EF4-FFF2-40B4-BE49-F238E27FC236}">
+                    <a16:creationId xmlns:a16="http://schemas.microsoft.com/office/drawing/2014/main" id="{6E590D73-511F-D39C-F693-38665F13B472}"/>
+                  </a:ext>
+                </a:extLst>
+              </p:cNvPr>
+              <p:cNvSpPr txBox="1"/>
+              <p:nvPr/>
+            </p:nvSpPr>
+            <p:spPr>
+              <a:xfrm>
+                <a:off x="7747343" y="2509692"/>
+                <a:ext cx="3232039" cy="1121717"/>
+              </a:xfrm>
+              <a:prstGeom prst="rect">
+                <a:avLst/>
+              </a:prstGeom>
+              <a:noFill/>
+            </p:spPr>
+            <p:txBody>
+              <a:bodyPr wrap="none" rtlCol="0">
+                <a:spAutoFit/>
+              </a:bodyPr>
+              <a:lstStyle/>
+              <a:p>
+                <a:r>
+                  <a:rPr lang="it-IT" dirty="0"/>
+                  <a:t>With:</a:t>
+                </a:r>
+              </a:p>
+              <a:p>
+                <a:pPr marL="342900" indent="-342900">
+                  <a:buFontTx/>
+                  <a:buChar char="-"/>
+                </a:pPr>
+                <a14:m>
+                  <m:oMath xmlns:m="http://schemas.openxmlformats.org/officeDocument/2006/math">
+                    <m:sSup>
+                      <m:sSupPr>
+                        <m:ctrlPr>
+                          <a:rPr lang="it-IT" sz="2000" b="0" i="1" smtClean="0">
+                            <a:latin typeface="Cambria Math" panose="02040503050406030204" pitchFamily="18" charset="0"/>
+                          </a:rPr>
+                        </m:ctrlPr>
+                      </m:sSupPr>
+                      <m:e>
+                        <m:r>
+                          <a:rPr lang="it-IT" sz="2000" b="0" i="1" smtClean="0">
+                            <a:latin typeface="Cambria Math" panose="02040503050406030204" pitchFamily="18" charset="0"/>
+                          </a:rPr>
+                          <m:t>𝑅</m:t>
+                        </m:r>
+                      </m:e>
+                      <m:sup>
+                        <m:r>
+                          <a:rPr lang="it-IT" sz="2000" b="0" i="1" smtClean="0">
+                            <a:latin typeface="Cambria Math" panose="02040503050406030204" pitchFamily="18" charset="0"/>
+                          </a:rPr>
+                          <m:t>2</m:t>
+                        </m:r>
+                      </m:sup>
+                    </m:sSup>
+                    <m:r>
+                      <a:rPr lang="it-IT" sz="2000" b="0" i="1" smtClean="0">
+                        <a:latin typeface="Cambria Math" panose="02040503050406030204" pitchFamily="18" charset="0"/>
+                      </a:rPr>
+                      <m:t>=</m:t>
+                    </m:r>
+                    <m:f>
+                      <m:fPr>
+                        <m:ctrlPr>
+                          <a:rPr lang="it-IT" sz="2000" b="0" i="1" smtClean="0">
+                            <a:latin typeface="Cambria Math" panose="02040503050406030204" pitchFamily="18" charset="0"/>
+                          </a:rPr>
+                        </m:ctrlPr>
+                      </m:fPr>
+                      <m:num>
+                        <m:r>
+                          <a:rPr lang="it-IT" sz="2000" b="0" i="1" smtClean="0">
+                            <a:latin typeface="Cambria Math" panose="02040503050406030204" pitchFamily="18" charset="0"/>
+                          </a:rPr>
+                          <m:t>𝑔𝐻</m:t>
+                        </m:r>
+                      </m:num>
+                      <m:den>
+                        <m:sSub>
+                          <m:sSubPr>
+                            <m:ctrlPr>
+                              <a:rPr lang="it-IT" sz="2000" b="0" i="1" smtClean="0">
+                                <a:latin typeface="Cambria Math" panose="02040503050406030204" pitchFamily="18" charset="0"/>
+                              </a:rPr>
+                            </m:ctrlPr>
+                          </m:sSubPr>
+                          <m:e>
+                            <m:r>
+                              <a:rPr lang="it-IT" sz="2000" b="0" i="1" smtClean="0">
+                                <a:latin typeface="Cambria Math" panose="02040503050406030204" pitchFamily="18" charset="0"/>
+                              </a:rPr>
+                              <m:t>𝑓</m:t>
+                            </m:r>
+                          </m:e>
+                          <m:sub>
+                            <m:r>
+                              <a:rPr lang="it-IT" sz="2000" b="0" i="1" smtClean="0">
+                                <a:latin typeface="Cambria Math" panose="02040503050406030204" pitchFamily="18" charset="0"/>
+                              </a:rPr>
+                              <m:t>0</m:t>
+                            </m:r>
+                          </m:sub>
+                        </m:sSub>
+                      </m:den>
+                    </m:f>
+                  </m:oMath>
+                </a14:m>
+                <a:endParaRPr lang="it-IT" dirty="0"/>
+              </a:p>
+              <a:p>
+                <a:pPr marL="285750" indent="-285750">
+                  <a:buFontTx/>
+                  <a:buChar char="-"/>
+                </a:pPr>
+                <a:r>
+                  <a:rPr lang="it-IT" dirty="0">
+                    <a:solidFill>
+                      <a:srgbClr val="00B0F0"/>
+                    </a:solidFill>
+                  </a:rPr>
+                  <a:t>Doppler shift of background</a:t>
+                </a:r>
+              </a:p>
+            </p:txBody>
+          </p:sp>
+        </mc:Choice>
+        <mc:Fallback xmlns="">
+          <p:sp>
+            <p:nvSpPr>
+              <p:cNvPr id="12" name="CasellaDiTesto 11">
+                <a:extLst>
+                  <a:ext uri="{FF2B5EF4-FFF2-40B4-BE49-F238E27FC236}">
+                    <a16:creationId xmlns:a16="http://schemas.microsoft.com/office/drawing/2014/main" id="{6E590D73-511F-D39C-F693-38665F13B472}"/>
+                  </a:ext>
+                </a:extLst>
+              </p:cNvPr>
+              <p:cNvSpPr txBox="1">
+                <a:spLocks noRot="1" noChangeAspect="1" noMove="1" noResize="1" noEditPoints="1" noAdjustHandles="1" noChangeArrowheads="1" noChangeShapeType="1" noTextEdit="1"/>
+              </p:cNvSpPr>
+              <p:nvPr/>
+            </p:nvSpPr>
+            <p:spPr>
+              <a:xfrm>
+                <a:off x="7747343" y="2509692"/>
+                <a:ext cx="3232039" cy="1121717"/>
+              </a:xfrm>
+              <a:prstGeom prst="rect">
+                <a:avLst/>
+              </a:prstGeom>
+              <a:blipFill>
+                <a:blip r:embed="rId6"/>
+                <a:stretch>
+                  <a:fillRect l="-1698" t="-2717" r="-755" b="-8152"/>
+                </a:stretch>
+              </a:blipFill>
+            </p:spPr>
+            <p:txBody>
+              <a:bodyPr/>
+              <a:lstStyle/>
+              <a:p>
+                <a:r>
+                  <a:rPr lang="it-IT">
+                    <a:noFill/>
+                  </a:rPr>
+                  <a:t> </a:t>
+                </a:r>
+              </a:p>
+            </p:txBody>
+          </p:sp>
+        </mc:Fallback>
+      </mc:AlternateContent>
+      <p:sp>
+        <p:nvSpPr>
+          <p:cNvPr id="15" name="Segnaposto numero diapositiva 14">
+            <a:extLst>
+              <a:ext uri="{FF2B5EF4-FFF2-40B4-BE49-F238E27FC236}">
+                <a16:creationId xmlns:a16="http://schemas.microsoft.com/office/drawing/2014/main" id="{853E14CE-91A1-ED88-1D0F-86EF81F71468}"/>
+              </a:ext>
+            </a:extLst>
+          </p:cNvPr>
+          <p:cNvSpPr>
+            <a:spLocks noGrp="1"/>
+          </p:cNvSpPr>
+          <p:nvPr>
+            <p:ph type="sldNum" sz="quarter" idx="12"/>
+          </p:nvPr>
+        </p:nvSpPr>
+        <p:spPr/>
+        <p:txBody>
+          <a:bodyPr/>
+          <a:lstStyle/>
+          <a:p>
+            <a:fld id="{EB967854-AE97-403A-B273-6E7D11A3E7D0}" type="slidenum">
+              <a:rPr lang="it-IT" smtClean="0"/>
+              <a:t>18</a:t>
+            </a:fld>
+            <a:endParaRPr lang="it-IT"/>
+          </a:p>
+        </p:txBody>
+      </p:sp>
+    </p:spTree>
+    <p:extLst>
+      <p:ext uri="{BB962C8B-B14F-4D97-AF65-F5344CB8AC3E}">
+        <p14:creationId xmlns:p14="http://schemas.microsoft.com/office/powerpoint/2010/main" val="4206431280"/>
+      </p:ext>
+    </p:extLst>
+  </p:cSld>
+  <p:clrMapOvr>
+    <a:masterClrMapping/>
+  </p:clrMapOvr>
+  <p:timing>
+    <p:tnLst>
+      <p:par>
+        <p:cTn id="1" dur="indefinite" restart="never" nodeType="tmRoot">
+          <p:childTnLst>
+            <p:seq concurrent="1" nextAc="seek">
+              <p:cTn id="2" dur="indefinite" nodeType="mainSeq">
+                <p:childTnLst>
+                  <p:par>
+                    <p:cTn id="3" fill="hold">
+                      <p:stCondLst>
+                        <p:cond delay="indefinite"/>
+                        <p:cond evt="onBegin" delay="0">
+                          <p:tn val="2"/>
+                        </p:cond>
+                      </p:stCondLst>
+                      <p:childTnLst>
+                        <p:par>
+                          <p:cTn id="4" fill="hold">
+                            <p:stCondLst>
+                              <p:cond delay="0"/>
+                            </p:stCondLst>
+                            <p:childTnLst>
+                              <p:par>
+                                <p:cTn id="5" presetID="10" presetClass="entr" presetSubtype="0" fill="hold" nodeType="withEffect">
+                                  <p:stCondLst>
+                                    <p:cond delay="0"/>
+                                  </p:stCondLst>
+                                  <p:childTnLst>
+                                    <p:set>
+                                      <p:cBhvr>
+                                        <p:cTn id="6" dur="1" fill="hold">
+                                          <p:stCondLst>
+                                            <p:cond delay="0"/>
+                                          </p:stCondLst>
+                                        </p:cTn>
+                                        <p:tgtEl>
+                                          <p:spTgt spid="9">
+                                            <p:txEl>
+                                              <p:pRg st="0" end="0"/>
+                                            </p:txEl>
+                                          </p:spTgt>
+                                        </p:tgtEl>
+                                        <p:attrNameLst>
+                                          <p:attrName>style.visibility</p:attrName>
+                                        </p:attrNameLst>
+                                      </p:cBhvr>
+                                      <p:to>
+                                        <p:strVal val="visible"/>
+                                      </p:to>
+                                    </p:set>
+                                    <p:animEffect transition="in" filter="fade">
+                                      <p:cBhvr>
+                                        <p:cTn id="7" dur="500"/>
+                                        <p:tgtEl>
+                                          <p:spTgt spid="9">
+                                            <p:txEl>
+                                              <p:pRg st="0" end="0"/>
+                                            </p:txEl>
+                                          </p:spTgt>
+                                        </p:tgtEl>
+                                      </p:cBhvr>
+                                    </p:animEffect>
+                                  </p:childTnLst>
+                                </p:cTn>
+                              </p:par>
+                            </p:childTnLst>
+                          </p:cTn>
+                        </p:par>
+                      </p:childTnLst>
+                    </p:cTn>
+                  </p:par>
+                </p:childTnLst>
+              </p:cTn>
+              <p:prevCondLst>
+                <p:cond evt="onPrev" delay="0">
+                  <p:tgtEl>
+                    <p:sldTgt/>
+                  </p:tgtEl>
+                </p:cond>
+              </p:prevCondLst>
+              <p:nextCondLst>
+                <p:cond evt="onNext" delay="0">
+                  <p:tgtEl>
+                    <p:sldTgt/>
+                  </p:tgtEl>
+                </p:cond>
+              </p:nextCondLst>
+            </p:seq>
+          </p:childTnLst>
+        </p:cTn>
+      </p:par>
+    </p:tnLst>
+  </p:timing>
+</p:sld>
+</file>
+
+<file path=ppt/slides/slide19.xml><?xml version="1.0" encoding="utf-8"?>
 <p:sld xmlns:a="http://schemas.openxmlformats.org/drawingml/2006/main" xmlns:r="http://schemas.openxmlformats.org/officeDocument/2006/relationships" xmlns:p="http://schemas.openxmlformats.org/presentationml/2006/main">
   <p:cSld>
     <p:spTree>
@@ -8595,42 +14187,64 @@
           <a:chExt cx="0" cy="0"/>
         </a:xfrm>
       </p:grpSpPr>
-    </p:spTree>
-    <p:extLst>
-      <p:ext uri="{BB962C8B-B14F-4D97-AF65-F5344CB8AC3E}">
-        <p14:creationId xmlns:p14="http://schemas.microsoft.com/office/powerpoint/2010/main" val="304190828"/>
-      </p:ext>
-    </p:extLst>
-  </p:cSld>
-  <p:clrMapOvr>
-    <a:masterClrMapping/>
-  </p:clrMapOvr>
-</p:sld>
-</file>
-
-<file path=ppt/slides/slide17.xml><?xml version="1.0" encoding="utf-8"?>
-<p:sld xmlns:a="http://schemas.openxmlformats.org/drawingml/2006/main" xmlns:r="http://schemas.openxmlformats.org/officeDocument/2006/relationships" xmlns:p="http://schemas.openxmlformats.org/presentationml/2006/main">
-  <p:cSld>
-    <p:spTree>
-      <p:nvGrpSpPr>
-        <p:cNvPr id="1" name=""/>
-        <p:cNvGrpSpPr/>
-        <p:nvPr/>
-      </p:nvGrpSpPr>
-      <p:grpSpPr>
-        <a:xfrm>
-          <a:off x="0" y="0"/>
-          <a:ext cx="0" cy="0"/>
-          <a:chOff x="0" y="0"/>
-          <a:chExt cx="0" cy="0"/>
-        </a:xfrm>
-      </p:grpSpPr>
+      <p:sp>
+        <p:nvSpPr>
+          <p:cNvPr id="2" name="CasellaDiTesto 1">
+            <a:extLst>
+              <a:ext uri="{FF2B5EF4-FFF2-40B4-BE49-F238E27FC236}">
+                <a16:creationId xmlns:a16="http://schemas.microsoft.com/office/drawing/2014/main" id="{3D17242E-02CB-E0A5-6D61-56708C9AA78E}"/>
+              </a:ext>
+            </a:extLst>
+          </p:cNvPr>
+          <p:cNvSpPr txBox="1"/>
+          <p:nvPr/>
+        </p:nvSpPr>
+        <p:spPr>
+          <a:xfrm>
+            <a:off x="4680388" y="325120"/>
+            <a:ext cx="2831224" cy="369332"/>
+          </a:xfrm>
+          <a:prstGeom prst="rect">
+            <a:avLst/>
+          </a:prstGeom>
+          <a:noFill/>
+        </p:spPr>
+        <p:txBody>
+          <a:bodyPr wrap="none" rtlCol="0">
+            <a:spAutoFit/>
+          </a:bodyPr>
+          <a:lstStyle/>
+          <a:p>
+            <a:r>
+              <a:rPr lang="it-IT" dirty="0" err="1"/>
+              <a:t>Topographic</a:t>
+            </a:r>
+            <a:r>
+              <a:rPr lang="it-IT" dirty="0"/>
+              <a:t> </a:t>
+            </a:r>
+            <a:r>
+              <a:rPr lang="it-IT" dirty="0" err="1"/>
+              <a:t>Rossby</a:t>
+            </a:r>
+            <a:r>
+              <a:rPr lang="it-IT" dirty="0"/>
+              <a:t> </a:t>
+            </a:r>
+            <a:r>
+              <a:rPr lang="it-IT" dirty="0" err="1"/>
+              <a:t>waves</a:t>
+            </a:r>
+            <a:endParaRPr lang="it-IT" dirty="0"/>
+          </a:p>
+        </p:txBody>
+      </p:sp>
       <p:pic>
         <p:nvPicPr>
-          <p:cNvPr id="3" name="Immagine 2">
-            <a:extLst>
-              <a:ext uri="{FF2B5EF4-FFF2-40B4-BE49-F238E27FC236}">
-                <a16:creationId xmlns:a16="http://schemas.microsoft.com/office/drawing/2014/main" id="{B52A3272-CF1B-A316-0DB4-7632FC234907}"/>
+          <p:cNvPr id="4" name="Immagine 3">
+            <a:extLst>
+              <a:ext uri="{FF2B5EF4-FFF2-40B4-BE49-F238E27FC236}">
+                <a16:creationId xmlns:a16="http://schemas.microsoft.com/office/drawing/2014/main" id="{C36BAE05-7477-66D7-C427-9CF2FEF5D747}"/>
               </a:ext>
             </a:extLst>
           </p:cNvPr>
@@ -8647,18 +14261,221 @@
         </p:blipFill>
         <p:spPr>
           <a:xfrm>
-            <a:off x="1295400" y="0"/>
-            <a:ext cx="9601200" cy="6858000"/>
+            <a:off x="6792528" y="1781572"/>
+            <a:ext cx="4057650" cy="3562350"/>
           </a:xfrm>
           <a:prstGeom prst="rect">
             <a:avLst/>
           </a:prstGeom>
         </p:spPr>
       </p:pic>
+      <p:pic>
+        <p:nvPicPr>
+          <p:cNvPr id="6" name="Immagine 5">
+            <a:extLst>
+              <a:ext uri="{FF2B5EF4-FFF2-40B4-BE49-F238E27FC236}">
+                <a16:creationId xmlns:a16="http://schemas.microsoft.com/office/drawing/2014/main" id="{C9B38191-021F-99F2-B640-81E7CA2E6346}"/>
+              </a:ext>
+            </a:extLst>
+          </p:cNvPr>
+          <p:cNvPicPr>
+            <a:picLocks noChangeAspect="1"/>
+          </p:cNvPicPr>
+          <p:nvPr/>
+        </p:nvPicPr>
+        <p:blipFill>
+          <a:blip r:embed="rId3"/>
+          <a:stretch>
+            <a:fillRect/>
+          </a:stretch>
+        </p:blipFill>
+        <p:spPr>
+          <a:xfrm>
+            <a:off x="814791" y="2878137"/>
+            <a:ext cx="3958749" cy="881063"/>
+          </a:xfrm>
+          <a:prstGeom prst="rect">
+            <a:avLst/>
+          </a:prstGeom>
+        </p:spPr>
+      </p:pic>
+      <p:sp>
+        <p:nvSpPr>
+          <p:cNvPr id="7" name="CasellaDiTesto 6">
+            <a:extLst>
+              <a:ext uri="{FF2B5EF4-FFF2-40B4-BE49-F238E27FC236}">
+                <a16:creationId xmlns:a16="http://schemas.microsoft.com/office/drawing/2014/main" id="{696D6EAD-539B-4DDA-FD0A-3DFE864E7194}"/>
+              </a:ext>
+            </a:extLst>
+          </p:cNvPr>
+          <p:cNvSpPr txBox="1"/>
+          <p:nvPr/>
+        </p:nvSpPr>
+        <p:spPr>
+          <a:xfrm>
+            <a:off x="876738" y="1910080"/>
+            <a:ext cx="5030736" cy="646331"/>
+          </a:xfrm>
+          <a:prstGeom prst="rect">
+            <a:avLst/>
+          </a:prstGeom>
+          <a:noFill/>
+        </p:spPr>
+        <p:txBody>
+          <a:bodyPr wrap="none" rtlCol="0">
+            <a:spAutoFit/>
+          </a:bodyPr>
+          <a:lstStyle/>
+          <a:p>
+            <a:r>
+              <a:rPr lang="it-IT" dirty="0"/>
+              <a:t>Keeping the </a:t>
+            </a:r>
+            <a:r>
+              <a:rPr lang="it-IT" dirty="0" err="1"/>
+              <a:t>usual</a:t>
+            </a:r>
+            <a:r>
+              <a:rPr lang="it-IT" dirty="0"/>
+              <a:t> </a:t>
+            </a:r>
+            <a:r>
+              <a:rPr lang="it-IT" dirty="0" err="1"/>
+              <a:t>linearized</a:t>
+            </a:r>
+            <a:r>
+              <a:rPr lang="it-IT" dirty="0"/>
+              <a:t> </a:t>
+            </a:r>
+            <a:r>
+              <a:rPr lang="it-IT" dirty="0" err="1"/>
+              <a:t>momentum</a:t>
+            </a:r>
+            <a:r>
+              <a:rPr lang="it-IT" dirty="0"/>
+              <a:t> budget, </a:t>
+            </a:r>
+          </a:p>
+          <a:p>
+            <a:r>
+              <a:rPr lang="it-IT" dirty="0" err="1"/>
+              <a:t>We</a:t>
+            </a:r>
+            <a:r>
+              <a:rPr lang="it-IT" dirty="0"/>
+              <a:t> </a:t>
+            </a:r>
+            <a:r>
+              <a:rPr lang="it-IT" dirty="0" err="1"/>
+              <a:t>now</a:t>
+            </a:r>
+            <a:r>
+              <a:rPr lang="it-IT" dirty="0"/>
+              <a:t> </a:t>
+            </a:r>
+            <a:r>
+              <a:rPr lang="it-IT" dirty="0" err="1"/>
+              <a:t>allow</a:t>
+            </a:r>
+            <a:r>
+              <a:rPr lang="it-IT" dirty="0"/>
+              <a:t> the </a:t>
+            </a:r>
+            <a:r>
+              <a:rPr lang="it-IT" i="1" dirty="0" err="1"/>
+              <a:t>mean</a:t>
+            </a:r>
+            <a:r>
+              <a:rPr lang="it-IT" i="1" dirty="0"/>
+              <a:t> </a:t>
+            </a:r>
+            <a:r>
+              <a:rPr lang="it-IT" i="1" dirty="0" err="1"/>
+              <a:t>depth</a:t>
+            </a:r>
+            <a:r>
+              <a:rPr lang="it-IT" dirty="0"/>
+              <a:t> to </a:t>
+            </a:r>
+            <a:r>
+              <a:rPr lang="it-IT" dirty="0" err="1"/>
+              <a:t>vary</a:t>
+            </a:r>
+            <a:r>
+              <a:rPr lang="it-IT" dirty="0"/>
+              <a:t> with </a:t>
+            </a:r>
+            <a:r>
+              <a:rPr lang="it-IT" i="1" dirty="0"/>
+              <a:t>y</a:t>
+            </a:r>
+            <a:endParaRPr lang="it-IT" dirty="0"/>
+          </a:p>
+        </p:txBody>
+      </p:sp>
+      <p:pic>
+        <p:nvPicPr>
+          <p:cNvPr id="9" name="Immagine 8">
+            <a:extLst>
+              <a:ext uri="{FF2B5EF4-FFF2-40B4-BE49-F238E27FC236}">
+                <a16:creationId xmlns:a16="http://schemas.microsoft.com/office/drawing/2014/main" id="{1E06CE01-60D4-9E4B-BD95-32FEF1D63131}"/>
+              </a:ext>
+            </a:extLst>
+          </p:cNvPr>
+          <p:cNvPicPr>
+            <a:picLocks noChangeAspect="1"/>
+          </p:cNvPicPr>
+          <p:nvPr/>
+        </p:nvPicPr>
+        <p:blipFill>
+          <a:blip r:embed="rId4"/>
+          <a:stretch>
+            <a:fillRect/>
+          </a:stretch>
+        </p:blipFill>
+        <p:spPr>
+          <a:xfrm>
+            <a:off x="876738" y="3834446"/>
+            <a:ext cx="4443881" cy="1091249"/>
+          </a:xfrm>
+          <a:prstGeom prst="rect">
+            <a:avLst/>
+          </a:prstGeom>
+        </p:spPr>
+      </p:pic>
+      <p:sp>
+        <p:nvSpPr>
+          <p:cNvPr id="10" name="Segnaposto numero diapositiva 9">
+            <a:extLst>
+              <a:ext uri="{FF2B5EF4-FFF2-40B4-BE49-F238E27FC236}">
+                <a16:creationId xmlns:a16="http://schemas.microsoft.com/office/drawing/2014/main" id="{0B33192D-88A9-8A20-DFF8-A7DA8FAC0EE6}"/>
+              </a:ext>
+            </a:extLst>
+          </p:cNvPr>
+          <p:cNvSpPr>
+            <a:spLocks noGrp="1"/>
+          </p:cNvSpPr>
+          <p:nvPr>
+            <p:ph type="sldNum" sz="quarter" idx="12"/>
+          </p:nvPr>
+        </p:nvSpPr>
+        <p:spPr/>
+        <p:txBody>
+          <a:bodyPr/>
+          <a:lstStyle/>
+          <a:p>
+            <a:fld id="{EB967854-AE97-403A-B273-6E7D11A3E7D0}" type="slidenum">
+              <a:rPr lang="it-IT" smtClean="0"/>
+              <a:t>19</a:t>
+            </a:fld>
+            <a:endParaRPr lang="it-IT"/>
+          </a:p>
+        </p:txBody>
+      </p:sp>
     </p:spTree>
     <p:extLst>
       <p:ext uri="{BB962C8B-B14F-4D97-AF65-F5344CB8AC3E}">
-        <p14:creationId xmlns:p14="http://schemas.microsoft.com/office/powerpoint/2010/main" val="2920023373"/>
+        <p14:creationId xmlns:p14="http://schemas.microsoft.com/office/powerpoint/2010/main" val="575983267"/>
       </p:ext>
     </p:extLst>
   </p:cSld>
@@ -9214,10 +15031,1064 @@
           </a:prstGeom>
         </p:spPr>
       </p:pic>
+      <p:sp>
+        <p:nvSpPr>
+          <p:cNvPr id="2" name="Segnaposto numero diapositiva 1">
+            <a:extLst>
+              <a:ext uri="{FF2B5EF4-FFF2-40B4-BE49-F238E27FC236}">
+                <a16:creationId xmlns:a16="http://schemas.microsoft.com/office/drawing/2014/main" id="{20454143-ABEE-EAFC-100B-DF11DF50FE43}"/>
+              </a:ext>
+            </a:extLst>
+          </p:cNvPr>
+          <p:cNvSpPr>
+            <a:spLocks noGrp="1"/>
+          </p:cNvSpPr>
+          <p:nvPr>
+            <p:ph type="sldNum" sz="quarter" idx="12"/>
+          </p:nvPr>
+        </p:nvSpPr>
+        <p:spPr/>
+        <p:txBody>
+          <a:bodyPr/>
+          <a:lstStyle/>
+          <a:p>
+            <a:fld id="{EB967854-AE97-403A-B273-6E7D11A3E7D0}" type="slidenum">
+              <a:rPr lang="it-IT" smtClean="0"/>
+              <a:t>2</a:t>
+            </a:fld>
+            <a:endParaRPr lang="it-IT"/>
+          </a:p>
+        </p:txBody>
+      </p:sp>
     </p:spTree>
     <p:extLst>
       <p:ext uri="{BB962C8B-B14F-4D97-AF65-F5344CB8AC3E}">
         <p14:creationId xmlns:p14="http://schemas.microsoft.com/office/powerpoint/2010/main" val="1568776422"/>
+      </p:ext>
+    </p:extLst>
+  </p:cSld>
+  <p:clrMapOvr>
+    <a:masterClrMapping/>
+  </p:clrMapOvr>
+</p:sld>
+</file>
+
+<file path=ppt/slides/slide20.xml><?xml version="1.0" encoding="utf-8"?>
+<p:sld xmlns:a="http://schemas.openxmlformats.org/drawingml/2006/main" xmlns:r="http://schemas.openxmlformats.org/officeDocument/2006/relationships" xmlns:p="http://schemas.openxmlformats.org/presentationml/2006/main">
+  <p:cSld>
+    <p:spTree>
+      <p:nvGrpSpPr>
+        <p:cNvPr id="1" name="">
+          <a:extLst>
+            <a:ext uri="{FF2B5EF4-FFF2-40B4-BE49-F238E27FC236}">
+              <a16:creationId xmlns:a16="http://schemas.microsoft.com/office/drawing/2014/main" id="{B82737D2-D7A7-8DF4-FA2E-2465178FEAF0}"/>
+            </a:ext>
+          </a:extLst>
+        </p:cNvPr>
+        <p:cNvGrpSpPr/>
+        <p:nvPr/>
+      </p:nvGrpSpPr>
+      <p:grpSpPr>
+        <a:xfrm>
+          <a:off x="0" y="0"/>
+          <a:ext cx="0" cy="0"/>
+          <a:chOff x="0" y="0"/>
+          <a:chExt cx="0" cy="0"/>
+        </a:xfrm>
+      </p:grpSpPr>
+      <p:pic>
+        <p:nvPicPr>
+          <p:cNvPr id="4" name="Immagine 3">
+            <a:extLst>
+              <a:ext uri="{FF2B5EF4-FFF2-40B4-BE49-F238E27FC236}">
+                <a16:creationId xmlns:a16="http://schemas.microsoft.com/office/drawing/2014/main" id="{FE3DA44B-768F-B304-CC29-95A6E4429C6E}"/>
+              </a:ext>
+            </a:extLst>
+          </p:cNvPr>
+          <p:cNvPicPr>
+            <a:picLocks noChangeAspect="1"/>
+          </p:cNvPicPr>
+          <p:nvPr/>
+        </p:nvPicPr>
+        <p:blipFill>
+          <a:blip r:embed="rId2"/>
+          <a:stretch>
+            <a:fillRect/>
+          </a:stretch>
+        </p:blipFill>
+        <p:spPr>
+          <a:xfrm>
+            <a:off x="2576512" y="0"/>
+            <a:ext cx="7038975" cy="3638550"/>
+          </a:xfrm>
+          <a:prstGeom prst="rect">
+            <a:avLst/>
+          </a:prstGeom>
+        </p:spPr>
+      </p:pic>
+      <p:cxnSp>
+        <p:nvCxnSpPr>
+          <p:cNvPr id="6" name="Connettore diritto 5">
+            <a:extLst>
+              <a:ext uri="{FF2B5EF4-FFF2-40B4-BE49-F238E27FC236}">
+                <a16:creationId xmlns:a16="http://schemas.microsoft.com/office/drawing/2014/main" id="{819D1213-9BD1-FC55-49FD-FA2425006642}"/>
+              </a:ext>
+            </a:extLst>
+          </p:cNvPr>
+          <p:cNvCxnSpPr>
+            <a:cxnSpLocks/>
+          </p:cNvCxnSpPr>
+          <p:nvPr/>
+        </p:nvCxnSpPr>
+        <p:spPr>
+          <a:xfrm>
+            <a:off x="5933440" y="1107440"/>
+            <a:ext cx="0" cy="5171440"/>
+          </a:xfrm>
+          <a:prstGeom prst="line">
+            <a:avLst/>
+          </a:prstGeom>
+          <a:ln w="38100">
+            <a:solidFill>
+              <a:srgbClr val="FF0000"/>
+            </a:solidFill>
+          </a:ln>
+        </p:spPr>
+        <p:style>
+          <a:lnRef idx="2">
+            <a:schemeClr val="accent1"/>
+          </a:lnRef>
+          <a:fillRef idx="0">
+            <a:schemeClr val="accent1"/>
+          </a:fillRef>
+          <a:effectRef idx="1">
+            <a:schemeClr val="accent1"/>
+          </a:effectRef>
+          <a:fontRef idx="minor">
+            <a:schemeClr val="tx1"/>
+          </a:fontRef>
+        </p:style>
+      </p:cxnSp>
+      <p:pic>
+        <p:nvPicPr>
+          <p:cNvPr id="9" name="Immagine 8">
+            <a:extLst>
+              <a:ext uri="{FF2B5EF4-FFF2-40B4-BE49-F238E27FC236}">
+                <a16:creationId xmlns:a16="http://schemas.microsoft.com/office/drawing/2014/main" id="{1E1532FC-2976-4670-5278-A67B7C148E12}"/>
+              </a:ext>
+            </a:extLst>
+          </p:cNvPr>
+          <p:cNvPicPr>
+            <a:picLocks noChangeAspect="1"/>
+          </p:cNvPicPr>
+          <p:nvPr/>
+        </p:nvPicPr>
+        <p:blipFill>
+          <a:blip r:embed="rId3"/>
+          <a:stretch>
+            <a:fillRect/>
+          </a:stretch>
+        </p:blipFill>
+        <p:spPr>
+          <a:xfrm>
+            <a:off x="203200" y="3638550"/>
+            <a:ext cx="5342093" cy="1743710"/>
+          </a:xfrm>
+          <a:prstGeom prst="rect">
+            <a:avLst/>
+          </a:prstGeom>
+        </p:spPr>
+      </p:pic>
+      <p:pic>
+        <p:nvPicPr>
+          <p:cNvPr id="11" name="Immagine 10">
+            <a:extLst>
+              <a:ext uri="{FF2B5EF4-FFF2-40B4-BE49-F238E27FC236}">
+                <a16:creationId xmlns:a16="http://schemas.microsoft.com/office/drawing/2014/main" id="{DF84D3E5-B904-2357-C8CB-5D3C0936B78E}"/>
+              </a:ext>
+            </a:extLst>
+          </p:cNvPr>
+          <p:cNvPicPr>
+            <a:picLocks noChangeAspect="1"/>
+          </p:cNvPicPr>
+          <p:nvPr/>
+        </p:nvPicPr>
+        <p:blipFill>
+          <a:blip r:embed="rId4"/>
+          <a:stretch>
+            <a:fillRect/>
+          </a:stretch>
+        </p:blipFill>
+        <p:spPr>
+          <a:xfrm>
+            <a:off x="203200" y="5471400"/>
+            <a:ext cx="5451008" cy="990360"/>
+          </a:xfrm>
+          <a:prstGeom prst="rect">
+            <a:avLst/>
+          </a:prstGeom>
+        </p:spPr>
+      </p:pic>
+      <p:sp>
+        <p:nvSpPr>
+          <p:cNvPr id="13" name="CasellaDiTesto 12">
+            <a:extLst>
+              <a:ext uri="{FF2B5EF4-FFF2-40B4-BE49-F238E27FC236}">
+                <a16:creationId xmlns:a16="http://schemas.microsoft.com/office/drawing/2014/main" id="{AD6F816E-C50C-AD37-DBA7-8FAA0A9801A7}"/>
+              </a:ext>
+            </a:extLst>
+          </p:cNvPr>
+          <p:cNvSpPr txBox="1"/>
+          <p:nvPr/>
+        </p:nvSpPr>
+        <p:spPr>
+          <a:xfrm>
+            <a:off x="198642" y="294640"/>
+            <a:ext cx="2675604" cy="923330"/>
+          </a:xfrm>
+          <a:prstGeom prst="rect">
+            <a:avLst/>
+          </a:prstGeom>
+          <a:noFill/>
+        </p:spPr>
+        <p:txBody>
+          <a:bodyPr wrap="none" rtlCol="0">
+            <a:spAutoFit/>
+          </a:bodyPr>
+          <a:lstStyle/>
+          <a:p>
+            <a:r>
+              <a:rPr lang="it-IT" dirty="0"/>
+              <a:t>Two </a:t>
+            </a:r>
+            <a:r>
+              <a:rPr lang="it-IT" dirty="0" err="1"/>
+              <a:t>different</a:t>
+            </a:r>
+            <a:r>
+              <a:rPr lang="it-IT" dirty="0"/>
+              <a:t> </a:t>
+            </a:r>
+            <a:r>
+              <a:rPr lang="it-IT" dirty="0" err="1"/>
+              <a:t>perspective</a:t>
+            </a:r>
+            <a:endParaRPr lang="it-IT" dirty="0"/>
+          </a:p>
+          <a:p>
+            <a:endParaRPr lang="it-IT" dirty="0"/>
+          </a:p>
+          <a:p>
+            <a:r>
+              <a:rPr lang="it-IT" dirty="0"/>
+              <a:t>But </a:t>
+            </a:r>
+            <a:r>
+              <a:rPr lang="it-IT" dirty="0" err="1"/>
+              <a:t>same</a:t>
+            </a:r>
+            <a:r>
+              <a:rPr lang="it-IT" dirty="0"/>
+              <a:t> </a:t>
+            </a:r>
+            <a:r>
+              <a:rPr lang="it-IT" dirty="0" err="1"/>
+              <a:t>results</a:t>
+            </a:r>
+            <a:endParaRPr lang="it-IT" dirty="0"/>
+          </a:p>
+        </p:txBody>
+      </p:sp>
+      <p:pic>
+        <p:nvPicPr>
+          <p:cNvPr id="15" name="Immagine 14">
+            <a:extLst>
+              <a:ext uri="{FF2B5EF4-FFF2-40B4-BE49-F238E27FC236}">
+                <a16:creationId xmlns:a16="http://schemas.microsoft.com/office/drawing/2014/main" id="{7B939B32-A45D-0870-17A2-9A965AFEEB65}"/>
+              </a:ext>
+            </a:extLst>
+          </p:cNvPr>
+          <p:cNvPicPr>
+            <a:picLocks noChangeAspect="1"/>
+          </p:cNvPicPr>
+          <p:nvPr/>
+        </p:nvPicPr>
+        <p:blipFill>
+          <a:blip r:embed="rId5"/>
+          <a:stretch>
+            <a:fillRect/>
+          </a:stretch>
+        </p:blipFill>
+        <p:spPr>
+          <a:xfrm>
+            <a:off x="6450054" y="3278538"/>
+            <a:ext cx="5040906" cy="1991009"/>
+          </a:xfrm>
+          <a:prstGeom prst="rect">
+            <a:avLst/>
+          </a:prstGeom>
+        </p:spPr>
+      </p:pic>
+      <p:pic>
+        <p:nvPicPr>
+          <p:cNvPr id="17" name="Immagine 16">
+            <a:extLst>
+              <a:ext uri="{FF2B5EF4-FFF2-40B4-BE49-F238E27FC236}">
+                <a16:creationId xmlns:a16="http://schemas.microsoft.com/office/drawing/2014/main" id="{4A7A2379-C39D-1C73-8DB6-D1A7225A42DC}"/>
+              </a:ext>
+            </a:extLst>
+          </p:cNvPr>
+          <p:cNvPicPr>
+            <a:picLocks noChangeAspect="1"/>
+          </p:cNvPicPr>
+          <p:nvPr/>
+        </p:nvPicPr>
+        <p:blipFill>
+          <a:blip r:embed="rId6"/>
+          <a:stretch>
+            <a:fillRect/>
+          </a:stretch>
+        </p:blipFill>
+        <p:spPr>
+          <a:xfrm>
+            <a:off x="6383061" y="5269547"/>
+            <a:ext cx="5451008" cy="1360727"/>
+          </a:xfrm>
+          <a:prstGeom prst="rect">
+            <a:avLst/>
+          </a:prstGeom>
+        </p:spPr>
+      </p:pic>
+      <p:sp>
+        <p:nvSpPr>
+          <p:cNvPr id="18" name="Segnaposto numero diapositiva 17">
+            <a:extLst>
+              <a:ext uri="{FF2B5EF4-FFF2-40B4-BE49-F238E27FC236}">
+                <a16:creationId xmlns:a16="http://schemas.microsoft.com/office/drawing/2014/main" id="{8C32CB99-59A3-CA6E-0F13-27FDD6C52273}"/>
+              </a:ext>
+            </a:extLst>
+          </p:cNvPr>
+          <p:cNvSpPr>
+            <a:spLocks noGrp="1"/>
+          </p:cNvSpPr>
+          <p:nvPr>
+            <p:ph type="sldNum" sz="quarter" idx="12"/>
+          </p:nvPr>
+        </p:nvSpPr>
+        <p:spPr/>
+        <p:txBody>
+          <a:bodyPr/>
+          <a:lstStyle/>
+          <a:p>
+            <a:fld id="{EB967854-AE97-403A-B273-6E7D11A3E7D0}" type="slidenum">
+              <a:rPr lang="it-IT" smtClean="0"/>
+              <a:t>20</a:t>
+            </a:fld>
+            <a:endParaRPr lang="it-IT"/>
+          </a:p>
+        </p:txBody>
+      </p:sp>
+    </p:spTree>
+    <p:extLst>
+      <p:ext uri="{BB962C8B-B14F-4D97-AF65-F5344CB8AC3E}">
+        <p14:creationId xmlns:p14="http://schemas.microsoft.com/office/powerpoint/2010/main" val="2055073394"/>
+      </p:ext>
+    </p:extLst>
+  </p:cSld>
+  <p:clrMapOvr>
+    <a:masterClrMapping/>
+  </p:clrMapOvr>
+</p:sld>
+</file>
+
+<file path=ppt/slides/slide21.xml><?xml version="1.0" encoding="utf-8"?>
+<p:sld xmlns:a="http://schemas.openxmlformats.org/drawingml/2006/main" xmlns:r="http://schemas.openxmlformats.org/officeDocument/2006/relationships" xmlns:p="http://schemas.openxmlformats.org/presentationml/2006/main">
+  <p:cSld>
+    <p:spTree>
+      <p:nvGrpSpPr>
+        <p:cNvPr id="1" name=""/>
+        <p:cNvGrpSpPr/>
+        <p:nvPr/>
+      </p:nvGrpSpPr>
+      <p:grpSpPr>
+        <a:xfrm>
+          <a:off x="0" y="0"/>
+          <a:ext cx="0" cy="0"/>
+          <a:chOff x="0" y="0"/>
+          <a:chExt cx="0" cy="0"/>
+        </a:xfrm>
+      </p:grpSpPr>
+      <p:sp>
+        <p:nvSpPr>
+          <p:cNvPr id="2" name="Segnaposto numero diapositiva 1">
+            <a:extLst>
+              <a:ext uri="{FF2B5EF4-FFF2-40B4-BE49-F238E27FC236}">
+                <a16:creationId xmlns:a16="http://schemas.microsoft.com/office/drawing/2014/main" id="{4639068A-D297-5526-1106-90391AAC105F}"/>
+              </a:ext>
+            </a:extLst>
+          </p:cNvPr>
+          <p:cNvSpPr>
+            <a:spLocks noGrp="1"/>
+          </p:cNvSpPr>
+          <p:nvPr>
+            <p:ph type="sldNum" sz="quarter" idx="12"/>
+          </p:nvPr>
+        </p:nvSpPr>
+        <p:spPr/>
+        <p:txBody>
+          <a:bodyPr/>
+          <a:lstStyle/>
+          <a:p>
+            <a:fld id="{EB967854-AE97-403A-B273-6E7D11A3E7D0}" type="slidenum">
+              <a:rPr lang="it-IT" smtClean="0"/>
+              <a:t>21</a:t>
+            </a:fld>
+            <a:endParaRPr lang="it-IT"/>
+          </a:p>
+        </p:txBody>
+      </p:sp>
+      <p:pic>
+        <p:nvPicPr>
+          <p:cNvPr id="4" name="Immagine 3" descr="Immagine che contiene testo, mappa, schermata, Notizie&#10;&#10;Il contenuto generato dall'IA potrebbe non essere corretto.">
+            <a:extLst>
+              <a:ext uri="{FF2B5EF4-FFF2-40B4-BE49-F238E27FC236}">
+                <a16:creationId xmlns:a16="http://schemas.microsoft.com/office/drawing/2014/main" id="{942A8D6B-7C61-B09D-2EB2-03FC74F46FD4}"/>
+              </a:ext>
+            </a:extLst>
+          </p:cNvPr>
+          <p:cNvPicPr>
+            <a:picLocks noChangeAspect="1"/>
+          </p:cNvPicPr>
+          <p:nvPr/>
+        </p:nvPicPr>
+        <p:blipFill>
+          <a:blip r:embed="rId2">
+            <a:extLst>
+              <a:ext uri="{28A0092B-C50C-407E-A947-70E740481C1C}">
+                <a14:useLocalDpi xmlns:a14="http://schemas.microsoft.com/office/drawing/2010/main" val="0"/>
+              </a:ext>
+            </a:extLst>
+          </a:blip>
+          <a:stretch>
+            <a:fillRect/>
+          </a:stretch>
+        </p:blipFill>
+        <p:spPr>
+          <a:xfrm>
+            <a:off x="1749742" y="1051079"/>
+            <a:ext cx="5644516" cy="5027888"/>
+          </a:xfrm>
+          <a:prstGeom prst="rect">
+            <a:avLst/>
+          </a:prstGeom>
+        </p:spPr>
+      </p:pic>
+      <p:sp>
+        <p:nvSpPr>
+          <p:cNvPr id="5" name="CasellaDiTesto 4">
+            <a:extLst>
+              <a:ext uri="{FF2B5EF4-FFF2-40B4-BE49-F238E27FC236}">
+                <a16:creationId xmlns:a16="http://schemas.microsoft.com/office/drawing/2014/main" id="{BFB36571-2AF0-581A-D9C3-DACD0A1E8576}"/>
+              </a:ext>
+            </a:extLst>
+          </p:cNvPr>
+          <p:cNvSpPr txBox="1"/>
+          <p:nvPr/>
+        </p:nvSpPr>
+        <p:spPr>
+          <a:xfrm>
+            <a:off x="8451787" y="3429000"/>
+            <a:ext cx="2902013" cy="923330"/>
+          </a:xfrm>
+          <a:prstGeom prst="rect">
+            <a:avLst/>
+          </a:prstGeom>
+          <a:noFill/>
+        </p:spPr>
+        <p:txBody>
+          <a:bodyPr wrap="none" rtlCol="0">
+            <a:spAutoFit/>
+          </a:bodyPr>
+          <a:lstStyle/>
+          <a:p>
+            <a:r>
+              <a:rPr lang="it-IT" dirty="0"/>
+              <a:t>Previsione di come Andre </a:t>
+            </a:r>
+          </a:p>
+          <a:p>
+            <a:r>
+              <a:rPr lang="it-IT" dirty="0"/>
+              <a:t>Difenderà la sua tesi di PhD</a:t>
+            </a:r>
+          </a:p>
+          <a:p>
+            <a:r>
+              <a:rPr lang="it-IT" dirty="0">
+                <a:sym typeface="Wingdings" panose="05000000000000000000" pitchFamily="2" charset="2"/>
+              </a:rPr>
+              <a:t>:) XD LOL VIVALABBRUZZO</a:t>
+            </a:r>
+            <a:endParaRPr lang="it-IT" dirty="0"/>
+          </a:p>
+        </p:txBody>
+      </p:sp>
+    </p:spTree>
+    <p:extLst>
+      <p:ext uri="{BB962C8B-B14F-4D97-AF65-F5344CB8AC3E}">
+        <p14:creationId xmlns:p14="http://schemas.microsoft.com/office/powerpoint/2010/main" val="2098679580"/>
+      </p:ext>
+    </p:extLst>
+  </p:cSld>
+  <p:clrMapOvr>
+    <a:masterClrMapping/>
+  </p:clrMapOvr>
+</p:sld>
+</file>
+
+<file path=ppt/slides/slide22.xml><?xml version="1.0" encoding="utf-8"?>
+<p:sld xmlns:a="http://schemas.openxmlformats.org/drawingml/2006/main" xmlns:r="http://schemas.openxmlformats.org/officeDocument/2006/relationships" xmlns:p="http://schemas.openxmlformats.org/presentationml/2006/main">
+  <p:cSld>
+    <p:spTree>
+      <p:nvGrpSpPr>
+        <p:cNvPr id="1" name=""/>
+        <p:cNvGrpSpPr/>
+        <p:nvPr/>
+      </p:nvGrpSpPr>
+      <p:grpSpPr>
+        <a:xfrm>
+          <a:off x="0" y="0"/>
+          <a:ext cx="0" cy="0"/>
+          <a:chOff x="0" y="0"/>
+          <a:chExt cx="0" cy="0"/>
+        </a:xfrm>
+      </p:grpSpPr>
+      <p:sp>
+        <p:nvSpPr>
+          <p:cNvPr id="2" name="Segnaposto numero diapositiva 1">
+            <a:extLst>
+              <a:ext uri="{FF2B5EF4-FFF2-40B4-BE49-F238E27FC236}">
+                <a16:creationId xmlns:a16="http://schemas.microsoft.com/office/drawing/2014/main" id="{549624B2-957D-B56D-1C1D-EB5BD3D3B32E}"/>
+              </a:ext>
+            </a:extLst>
+          </p:cNvPr>
+          <p:cNvSpPr>
+            <a:spLocks noGrp="1"/>
+          </p:cNvSpPr>
+          <p:nvPr>
+            <p:ph type="sldNum" sz="quarter" idx="12"/>
+          </p:nvPr>
+        </p:nvSpPr>
+        <p:spPr/>
+        <p:txBody>
+          <a:bodyPr/>
+          <a:lstStyle/>
+          <a:p>
+            <a:fld id="{EB967854-AE97-403A-B273-6E7D11A3E7D0}" type="slidenum">
+              <a:rPr lang="it-IT" smtClean="0"/>
+              <a:t>22</a:t>
+            </a:fld>
+            <a:endParaRPr lang="it-IT"/>
+          </a:p>
+        </p:txBody>
+      </p:sp>
+    </p:spTree>
+    <p:extLst>
+      <p:ext uri="{BB962C8B-B14F-4D97-AF65-F5344CB8AC3E}">
+        <p14:creationId xmlns:p14="http://schemas.microsoft.com/office/powerpoint/2010/main" val="1413046521"/>
+      </p:ext>
+    </p:extLst>
+  </p:cSld>
+  <p:clrMapOvr>
+    <a:masterClrMapping/>
+  </p:clrMapOvr>
+</p:sld>
+</file>
+
+<file path=ppt/slides/slide23.xml><?xml version="1.0" encoding="utf-8"?>
+<p:sld xmlns:a="http://schemas.openxmlformats.org/drawingml/2006/main" xmlns:r="http://schemas.openxmlformats.org/officeDocument/2006/relationships" xmlns:p="http://schemas.openxmlformats.org/presentationml/2006/main">
+  <p:cSld>
+    <p:spTree>
+      <p:nvGrpSpPr>
+        <p:cNvPr id="1" name=""/>
+        <p:cNvGrpSpPr/>
+        <p:nvPr/>
+      </p:nvGrpSpPr>
+      <p:grpSpPr>
+        <a:xfrm>
+          <a:off x="0" y="0"/>
+          <a:ext cx="0" cy="0"/>
+          <a:chOff x="0" y="0"/>
+          <a:chExt cx="0" cy="0"/>
+        </a:xfrm>
+      </p:grpSpPr>
+      <mc:AlternateContent xmlns:mc="http://schemas.openxmlformats.org/markup-compatibility/2006" xmlns:a14="http://schemas.microsoft.com/office/drawing/2010/main">
+        <mc:Choice Requires="a14">
+          <p:sp>
+            <p:nvSpPr>
+              <p:cNvPr id="2" name="CasellaDiTesto 1">
+                <a:extLst>
+                  <a:ext uri="{FF2B5EF4-FFF2-40B4-BE49-F238E27FC236}">
+                    <a16:creationId xmlns:a16="http://schemas.microsoft.com/office/drawing/2014/main" id="{AA0B6D69-283B-7A09-E2D0-6BB1CF62C9EE}"/>
+                  </a:ext>
+                </a:extLst>
+              </p:cNvPr>
+              <p:cNvSpPr txBox="1"/>
+              <p:nvPr/>
+            </p:nvSpPr>
+            <p:spPr>
+              <a:xfrm>
+                <a:off x="953311" y="1497559"/>
+                <a:ext cx="3993273" cy="1073884"/>
+              </a:xfrm>
+              <a:prstGeom prst="rect">
+                <a:avLst/>
+              </a:prstGeom>
+              <a:noFill/>
+            </p:spPr>
+            <p:txBody>
+              <a:bodyPr wrap="none" lIns="0" tIns="0" rIns="0" bIns="0" rtlCol="0">
+                <a:spAutoFit/>
+              </a:bodyPr>
+              <a:lstStyle/>
+              <a:p>
+                <a:pPr/>
+                <a14:m>
+                  <m:oMathPara xmlns:m="http://schemas.openxmlformats.org/officeDocument/2006/math">
+                    <m:oMathParaPr>
+                      <m:jc m:val="centerGroup"/>
+                    </m:oMathParaPr>
+                    <m:oMath xmlns:m="http://schemas.openxmlformats.org/officeDocument/2006/math">
+                      <m:r>
+                        <a:rPr lang="it-IT" sz="2800" b="0" i="1" smtClean="0">
+                          <a:latin typeface="Cambria Math" panose="02040503050406030204" pitchFamily="18" charset="0"/>
+                        </a:rPr>
+                        <m:t>𝑙</m:t>
+                      </m:r>
+                      <m:r>
+                        <a:rPr lang="it-IT" sz="2800" b="0" i="1" smtClean="0">
+                          <a:latin typeface="Cambria Math" panose="02040503050406030204" pitchFamily="18" charset="0"/>
+                        </a:rPr>
+                        <m:t>= ±</m:t>
+                      </m:r>
+                      <m:sSup>
+                        <m:sSupPr>
+                          <m:ctrlPr>
+                            <a:rPr lang="it-IT" sz="2800" b="0" i="1" smtClean="0">
+                              <a:latin typeface="Cambria Math" panose="02040503050406030204" pitchFamily="18" charset="0"/>
+                            </a:rPr>
+                          </m:ctrlPr>
+                        </m:sSupPr>
+                        <m:e>
+                          <m:d>
+                            <m:dPr>
+                              <m:begChr m:val="["/>
+                              <m:endChr m:val="]"/>
+                              <m:ctrlPr>
+                                <a:rPr lang="it-IT" sz="2800" b="0" i="1" smtClean="0">
+                                  <a:latin typeface="Cambria Math" panose="02040503050406030204" pitchFamily="18" charset="0"/>
+                                </a:rPr>
+                              </m:ctrlPr>
+                            </m:dPr>
+                            <m:e>
+                              <m:f>
+                                <m:fPr>
+                                  <m:ctrlPr>
+                                    <a:rPr lang="it-IT" sz="2800" b="0" i="1" smtClean="0">
+                                      <a:latin typeface="Cambria Math" panose="02040503050406030204" pitchFamily="18" charset="0"/>
+                                    </a:rPr>
+                                  </m:ctrlPr>
+                                </m:fPr>
+                                <m:num>
+                                  <m:r>
+                                    <a:rPr lang="it-IT" sz="2800" b="0" i="1" smtClean="0">
+                                      <a:latin typeface="Cambria Math" panose="02040503050406030204" pitchFamily="18" charset="0"/>
+                                    </a:rPr>
+                                    <m:t>𝛽</m:t>
+                                  </m:r>
+                                </m:num>
+                                <m:den>
+                                  <m:r>
+                                    <a:rPr lang="it-IT" sz="2800" b="0" i="1" smtClean="0">
+                                      <a:latin typeface="Cambria Math" panose="02040503050406030204" pitchFamily="18" charset="0"/>
+                                    </a:rPr>
+                                    <m:t>𝑈</m:t>
+                                  </m:r>
+                                  <m:r>
+                                    <a:rPr lang="it-IT" sz="2800" b="0" i="1" smtClean="0">
+                                      <a:latin typeface="Cambria Math" panose="02040503050406030204" pitchFamily="18" charset="0"/>
+                                    </a:rPr>
+                                    <m:t>−</m:t>
+                                  </m:r>
+                                  <m:sSub>
+                                    <m:sSubPr>
+                                      <m:ctrlPr>
+                                        <a:rPr lang="it-IT" sz="2800" b="0" i="1" smtClean="0">
+                                          <a:latin typeface="Cambria Math" panose="02040503050406030204" pitchFamily="18" charset="0"/>
+                                        </a:rPr>
+                                      </m:ctrlPr>
+                                    </m:sSubPr>
+                                    <m:e>
+                                      <m:r>
+                                        <a:rPr lang="it-IT" sz="2800" b="0" i="1" smtClean="0">
+                                          <a:latin typeface="Cambria Math" panose="02040503050406030204" pitchFamily="18" charset="0"/>
+                                        </a:rPr>
+                                        <m:t>𝑐</m:t>
+                                      </m:r>
+                                    </m:e>
+                                    <m:sub>
+                                      <m:r>
+                                        <a:rPr lang="it-IT" sz="2800" b="0" i="1" smtClean="0">
+                                          <a:latin typeface="Cambria Math" panose="02040503050406030204" pitchFamily="18" charset="0"/>
+                                        </a:rPr>
+                                        <m:t>𝑝</m:t>
+                                      </m:r>
+                                      <m:r>
+                                        <a:rPr lang="it-IT" sz="2800" b="0" i="1" smtClean="0">
+                                          <a:latin typeface="Cambria Math" panose="02040503050406030204" pitchFamily="18" charset="0"/>
+                                        </a:rPr>
+                                        <m:t>,</m:t>
+                                      </m:r>
+                                      <m:r>
+                                        <a:rPr lang="it-IT" sz="2800" b="0" i="1" smtClean="0">
+                                          <a:latin typeface="Cambria Math" panose="02040503050406030204" pitchFamily="18" charset="0"/>
+                                        </a:rPr>
+                                        <m:t>𝑥</m:t>
+                                      </m:r>
+                                    </m:sub>
+                                  </m:sSub>
+                                </m:den>
+                              </m:f>
+                              <m:r>
+                                <a:rPr lang="it-IT" sz="2800" b="0" i="1" smtClean="0">
+                                  <a:latin typeface="Cambria Math" panose="02040503050406030204" pitchFamily="18" charset="0"/>
+                                </a:rPr>
+                                <m:t> −</m:t>
+                              </m:r>
+                              <m:sSup>
+                                <m:sSupPr>
+                                  <m:ctrlPr>
+                                    <a:rPr lang="it-IT" sz="2800" b="0" i="1" smtClean="0">
+                                      <a:latin typeface="Cambria Math" panose="02040503050406030204" pitchFamily="18" charset="0"/>
+                                    </a:rPr>
+                                  </m:ctrlPr>
+                                </m:sSupPr>
+                                <m:e>
+                                  <m:r>
+                                    <a:rPr lang="it-IT" sz="2800" b="0" i="1" smtClean="0">
+                                      <a:latin typeface="Cambria Math" panose="02040503050406030204" pitchFamily="18" charset="0"/>
+                                    </a:rPr>
+                                    <m:t>𝑘</m:t>
+                                  </m:r>
+                                </m:e>
+                                <m:sup>
+                                  <m:r>
+                                    <a:rPr lang="it-IT" sz="2800" b="0" i="1" smtClean="0">
+                                      <a:latin typeface="Cambria Math" panose="02040503050406030204" pitchFamily="18" charset="0"/>
+                                    </a:rPr>
+                                    <m:t>2</m:t>
+                                  </m:r>
+                                </m:sup>
+                              </m:sSup>
+                              <m:r>
+                                <a:rPr lang="it-IT" sz="2800" b="0" i="1" smtClean="0">
+                                  <a:latin typeface="Cambria Math" panose="02040503050406030204" pitchFamily="18" charset="0"/>
+                                </a:rPr>
+                                <m:t> </m:t>
+                              </m:r>
+                            </m:e>
+                          </m:d>
+                        </m:e>
+                        <m:sup>
+                          <m:r>
+                            <a:rPr lang="it-IT" sz="2800" b="0" i="1" smtClean="0">
+                              <a:latin typeface="Cambria Math" panose="02040503050406030204" pitchFamily="18" charset="0"/>
+                            </a:rPr>
+                            <m:t>1/2</m:t>
+                          </m:r>
+                        </m:sup>
+                      </m:sSup>
+                    </m:oMath>
+                  </m:oMathPara>
+                </a14:m>
+                <a:endParaRPr lang="it-IT" sz="2800" dirty="0"/>
+              </a:p>
+            </p:txBody>
+          </p:sp>
+        </mc:Choice>
+        <mc:Fallback xmlns="">
+          <p:sp>
+            <p:nvSpPr>
+              <p:cNvPr id="2" name="CasellaDiTesto 1">
+                <a:extLst>
+                  <a:ext uri="{FF2B5EF4-FFF2-40B4-BE49-F238E27FC236}">
+                    <a16:creationId xmlns:a16="http://schemas.microsoft.com/office/drawing/2014/main" id="{AA0B6D69-283B-7A09-E2D0-6BB1CF62C9EE}"/>
+                  </a:ext>
+                </a:extLst>
+              </p:cNvPr>
+              <p:cNvSpPr txBox="1">
+                <a:spLocks noRot="1" noChangeAspect="1" noMove="1" noResize="1" noEditPoints="1" noAdjustHandles="1" noChangeArrowheads="1" noChangeShapeType="1" noTextEdit="1"/>
+              </p:cNvSpPr>
+              <p:nvPr/>
+            </p:nvSpPr>
+            <p:spPr>
+              <a:xfrm>
+                <a:off x="953311" y="1497559"/>
+                <a:ext cx="3993273" cy="1073884"/>
+              </a:xfrm>
+              <a:prstGeom prst="rect">
+                <a:avLst/>
+              </a:prstGeom>
+              <a:blipFill>
+                <a:blip r:embed="rId2"/>
+                <a:stretch>
+                  <a:fillRect/>
+                </a:stretch>
+              </a:blipFill>
+            </p:spPr>
+            <p:txBody>
+              <a:bodyPr/>
+              <a:lstStyle/>
+              <a:p>
+                <a:r>
+                  <a:rPr lang="it-IT">
+                    <a:noFill/>
+                  </a:rPr>
+                  <a:t> </a:t>
+                </a:r>
+              </a:p>
+            </p:txBody>
+          </p:sp>
+        </mc:Fallback>
+      </mc:AlternateContent>
+      <p:sp>
+        <p:nvSpPr>
+          <p:cNvPr id="3" name="CasellaDiTesto 2">
+            <a:extLst>
+              <a:ext uri="{FF2B5EF4-FFF2-40B4-BE49-F238E27FC236}">
+                <a16:creationId xmlns:a16="http://schemas.microsoft.com/office/drawing/2014/main" id="{A4CC506A-E223-B07A-BC94-5FE96AC3EF64}"/>
+              </a:ext>
+            </a:extLst>
+          </p:cNvPr>
+          <p:cNvSpPr txBox="1"/>
+          <p:nvPr/>
+        </p:nvSpPr>
+        <p:spPr>
+          <a:xfrm>
+            <a:off x="953311" y="671209"/>
+            <a:ext cx="1275542" cy="369332"/>
+          </a:xfrm>
+          <a:prstGeom prst="rect">
+            <a:avLst/>
+          </a:prstGeom>
+          <a:noFill/>
+        </p:spPr>
+        <p:txBody>
+          <a:bodyPr wrap="none" rtlCol="0">
+            <a:spAutoFit/>
+          </a:bodyPr>
+          <a:lstStyle/>
+          <a:p>
+            <a:r>
+              <a:rPr lang="it-IT" dirty="0"/>
+              <a:t>But </a:t>
+            </a:r>
+            <a:r>
+              <a:rPr lang="it-IT" dirty="0" err="1"/>
+              <a:t>wait</a:t>
+            </a:r>
+            <a:r>
+              <a:rPr lang="it-IT" dirty="0"/>
+              <a:t>…  </a:t>
+            </a:r>
+          </a:p>
+        </p:txBody>
+      </p:sp>
+      <p:sp>
+        <p:nvSpPr>
+          <p:cNvPr id="4" name="CasellaDiTesto 3">
+            <a:extLst>
+              <a:ext uri="{FF2B5EF4-FFF2-40B4-BE49-F238E27FC236}">
+                <a16:creationId xmlns:a16="http://schemas.microsoft.com/office/drawing/2014/main" id="{377D23BC-B145-AD05-4D68-A945F4E406BE}"/>
+              </a:ext>
+            </a:extLst>
+          </p:cNvPr>
+          <p:cNvSpPr txBox="1"/>
+          <p:nvPr/>
+        </p:nvSpPr>
+        <p:spPr>
+          <a:xfrm>
+            <a:off x="3333345" y="671209"/>
+            <a:ext cx="4506490" cy="369332"/>
+          </a:xfrm>
+          <a:prstGeom prst="rect">
+            <a:avLst/>
+          </a:prstGeom>
+          <a:noFill/>
+        </p:spPr>
+        <p:txBody>
+          <a:bodyPr wrap="none" rtlCol="0">
+            <a:spAutoFit/>
+          </a:bodyPr>
+          <a:lstStyle/>
+          <a:p>
+            <a:r>
+              <a:rPr lang="it-IT" dirty="0" err="1"/>
+              <a:t>What’s</a:t>
+            </a:r>
+            <a:r>
+              <a:rPr lang="it-IT" dirty="0"/>
+              <a:t> </a:t>
+            </a:r>
+            <a:r>
+              <a:rPr lang="it-IT" dirty="0" err="1"/>
+              <a:t>going</a:t>
+            </a:r>
+            <a:r>
+              <a:rPr lang="it-IT" dirty="0"/>
+              <a:t> on in the </a:t>
+            </a:r>
+            <a:r>
+              <a:rPr lang="it-IT" dirty="0" err="1"/>
+              <a:t>meridional</a:t>
+            </a:r>
+            <a:r>
+              <a:rPr lang="it-IT" dirty="0"/>
+              <a:t> </a:t>
+            </a:r>
+            <a:r>
+              <a:rPr lang="it-IT" dirty="0" err="1"/>
+              <a:t>direction</a:t>
+            </a:r>
+            <a:r>
+              <a:rPr lang="it-IT" dirty="0"/>
+              <a:t>?</a:t>
+            </a:r>
+          </a:p>
+        </p:txBody>
+      </p:sp>
+      <p:sp>
+        <p:nvSpPr>
+          <p:cNvPr id="5" name="Segnaposto numero diapositiva 4">
+            <a:extLst>
+              <a:ext uri="{FF2B5EF4-FFF2-40B4-BE49-F238E27FC236}">
+                <a16:creationId xmlns:a16="http://schemas.microsoft.com/office/drawing/2014/main" id="{CD8A879C-E8E2-0E24-278E-E05A76BE2A7E}"/>
+              </a:ext>
+            </a:extLst>
+          </p:cNvPr>
+          <p:cNvSpPr>
+            <a:spLocks noGrp="1"/>
+          </p:cNvSpPr>
+          <p:nvPr>
+            <p:ph type="sldNum" sz="quarter" idx="12"/>
+          </p:nvPr>
+        </p:nvSpPr>
+        <p:spPr/>
+        <p:txBody>
+          <a:bodyPr/>
+          <a:lstStyle/>
+          <a:p>
+            <a:fld id="{EB967854-AE97-403A-B273-6E7D11A3E7D0}" type="slidenum">
+              <a:rPr lang="it-IT" smtClean="0"/>
+              <a:t>23</a:t>
+            </a:fld>
+            <a:endParaRPr lang="it-IT"/>
+          </a:p>
+        </p:txBody>
+      </p:sp>
+    </p:spTree>
+    <p:extLst>
+      <p:ext uri="{BB962C8B-B14F-4D97-AF65-F5344CB8AC3E}">
+        <p14:creationId xmlns:p14="http://schemas.microsoft.com/office/powerpoint/2010/main" val="792980885"/>
+      </p:ext>
+    </p:extLst>
+  </p:cSld>
+  <p:clrMapOvr>
+    <a:masterClrMapping/>
+  </p:clrMapOvr>
+</p:sld>
+</file>
+
+<file path=ppt/slides/slide24.xml><?xml version="1.0" encoding="utf-8"?>
+<p:sld xmlns:a="http://schemas.openxmlformats.org/drawingml/2006/main" xmlns:r="http://schemas.openxmlformats.org/officeDocument/2006/relationships" xmlns:p="http://schemas.openxmlformats.org/presentationml/2006/main">
+  <p:cSld>
+    <p:spTree>
+      <p:nvGrpSpPr>
+        <p:cNvPr id="1" name=""/>
+        <p:cNvGrpSpPr/>
+        <p:nvPr/>
+      </p:nvGrpSpPr>
+      <p:grpSpPr>
+        <a:xfrm>
+          <a:off x="0" y="0"/>
+          <a:ext cx="0" cy="0"/>
+          <a:chOff x="0" y="0"/>
+          <a:chExt cx="0" cy="0"/>
+        </a:xfrm>
+      </p:grpSpPr>
+      <p:pic>
+        <p:nvPicPr>
+          <p:cNvPr id="3" name="Immagine 2">
+            <a:extLst>
+              <a:ext uri="{FF2B5EF4-FFF2-40B4-BE49-F238E27FC236}">
+                <a16:creationId xmlns:a16="http://schemas.microsoft.com/office/drawing/2014/main" id="{B52A3272-CF1B-A316-0DB4-7632FC234907}"/>
+              </a:ext>
+            </a:extLst>
+          </p:cNvPr>
+          <p:cNvPicPr>
+            <a:picLocks noChangeAspect="1"/>
+          </p:cNvPicPr>
+          <p:nvPr/>
+        </p:nvPicPr>
+        <p:blipFill>
+          <a:blip r:embed="rId2"/>
+          <a:stretch>
+            <a:fillRect/>
+          </a:stretch>
+        </p:blipFill>
+        <p:spPr>
+          <a:xfrm>
+            <a:off x="1295400" y="0"/>
+            <a:ext cx="9601200" cy="6858000"/>
+          </a:xfrm>
+          <a:prstGeom prst="rect">
+            <a:avLst/>
+          </a:prstGeom>
+        </p:spPr>
+      </p:pic>
+      <p:sp>
+        <p:nvSpPr>
+          <p:cNvPr id="2" name="Segnaposto numero diapositiva 1">
+            <a:extLst>
+              <a:ext uri="{FF2B5EF4-FFF2-40B4-BE49-F238E27FC236}">
+                <a16:creationId xmlns:a16="http://schemas.microsoft.com/office/drawing/2014/main" id="{5A5917D3-A256-1B59-77D2-217E3CCFBC72}"/>
+              </a:ext>
+            </a:extLst>
+          </p:cNvPr>
+          <p:cNvSpPr>
+            <a:spLocks noGrp="1"/>
+          </p:cNvSpPr>
+          <p:nvPr>
+            <p:ph type="sldNum" sz="quarter" idx="12"/>
+          </p:nvPr>
+        </p:nvSpPr>
+        <p:spPr/>
+        <p:txBody>
+          <a:bodyPr/>
+          <a:lstStyle/>
+          <a:p>
+            <a:fld id="{EB967854-AE97-403A-B273-6E7D11A3E7D0}" type="slidenum">
+              <a:rPr lang="it-IT" smtClean="0"/>
+              <a:t>24</a:t>
+            </a:fld>
+            <a:endParaRPr lang="it-IT"/>
+          </a:p>
+        </p:txBody>
+      </p:sp>
+    </p:spTree>
+    <p:extLst>
+      <p:ext uri="{BB962C8B-B14F-4D97-AF65-F5344CB8AC3E}">
+        <p14:creationId xmlns:p14="http://schemas.microsoft.com/office/powerpoint/2010/main" val="2920023373"/>
       </p:ext>
     </p:extLst>
   </p:cSld>
@@ -9948,6 +16819,35 @@
               </a:rPr>
               <a:t>NO EKMAN</a:t>
             </a:r>
+          </a:p>
+        </p:txBody>
+      </p:sp>
+      <p:sp>
+        <p:nvSpPr>
+          <p:cNvPr id="2" name="Segnaposto numero diapositiva 1">
+            <a:extLst>
+              <a:ext uri="{FF2B5EF4-FFF2-40B4-BE49-F238E27FC236}">
+                <a16:creationId xmlns:a16="http://schemas.microsoft.com/office/drawing/2014/main" id="{86D0718C-A96A-73F4-9436-E282F3615C94}"/>
+              </a:ext>
+            </a:extLst>
+          </p:cNvPr>
+          <p:cNvSpPr>
+            <a:spLocks noGrp="1"/>
+          </p:cNvSpPr>
+          <p:nvPr>
+            <p:ph type="sldNum" sz="quarter" idx="12"/>
+          </p:nvPr>
+        </p:nvSpPr>
+        <p:spPr/>
+        <p:txBody>
+          <a:bodyPr/>
+          <a:lstStyle/>
+          <a:p>
+            <a:fld id="{EB967854-AE97-403A-B273-6E7D11A3E7D0}" type="slidenum">
+              <a:rPr lang="it-IT" smtClean="0"/>
+              <a:t>3</a:t>
+            </a:fld>
+            <a:endParaRPr lang="it-IT"/>
           </a:p>
         </p:txBody>
       </p:sp>
@@ -10273,8 +17173,8 @@
         </p:blipFill>
         <p:spPr>
           <a:xfrm>
-            <a:off x="294968" y="147484"/>
-            <a:ext cx="3382297" cy="3068227"/>
+            <a:off x="294968" y="78788"/>
+            <a:ext cx="3587640" cy="3254502"/>
           </a:xfrm>
           <a:prstGeom prst="rect">
             <a:avLst/>
@@ -11524,6 +18424,35 @@
           </a:fontRef>
         </p:style>
       </p:cxnSp>
+      <p:sp>
+        <p:nvSpPr>
+          <p:cNvPr id="3" name="Segnaposto numero diapositiva 2">
+            <a:extLst>
+              <a:ext uri="{FF2B5EF4-FFF2-40B4-BE49-F238E27FC236}">
+                <a16:creationId xmlns:a16="http://schemas.microsoft.com/office/drawing/2014/main" id="{532ADD9D-DDF0-AC3A-16A5-316875584B0B}"/>
+              </a:ext>
+            </a:extLst>
+          </p:cNvPr>
+          <p:cNvSpPr>
+            <a:spLocks noGrp="1"/>
+          </p:cNvSpPr>
+          <p:nvPr>
+            <p:ph type="sldNum" sz="quarter" idx="12"/>
+          </p:nvPr>
+        </p:nvSpPr>
+        <p:spPr/>
+        <p:txBody>
+          <a:bodyPr/>
+          <a:lstStyle/>
+          <a:p>
+            <a:fld id="{EB967854-AE97-403A-B273-6E7D11A3E7D0}" type="slidenum">
+              <a:rPr lang="it-IT" smtClean="0"/>
+              <a:t>4</a:t>
+            </a:fld>
+            <a:endParaRPr lang="it-IT"/>
+          </a:p>
+        </p:txBody>
+      </p:sp>
     </p:spTree>
     <p:extLst>
       <p:ext uri="{BB962C8B-B14F-4D97-AF65-F5344CB8AC3E}">
@@ -12215,6 +19144,35 @@
           </a:p>
         </p:txBody>
       </p:sp>
+      <p:sp>
+        <p:nvSpPr>
+          <p:cNvPr id="2" name="Segnaposto numero diapositiva 1">
+            <a:extLst>
+              <a:ext uri="{FF2B5EF4-FFF2-40B4-BE49-F238E27FC236}">
+                <a16:creationId xmlns:a16="http://schemas.microsoft.com/office/drawing/2014/main" id="{A3AE2037-A20B-520D-82A9-0FF4279E442A}"/>
+              </a:ext>
+            </a:extLst>
+          </p:cNvPr>
+          <p:cNvSpPr>
+            <a:spLocks noGrp="1"/>
+          </p:cNvSpPr>
+          <p:nvPr>
+            <p:ph type="sldNum" sz="quarter" idx="12"/>
+          </p:nvPr>
+        </p:nvSpPr>
+        <p:spPr/>
+        <p:txBody>
+          <a:bodyPr/>
+          <a:lstStyle/>
+          <a:p>
+            <a:fld id="{EB967854-AE97-403A-B273-6E7D11A3E7D0}" type="slidenum">
+              <a:rPr lang="it-IT" smtClean="0"/>
+              <a:t>5</a:t>
+            </a:fld>
+            <a:endParaRPr lang="it-IT"/>
+          </a:p>
+        </p:txBody>
+      </p:sp>
     </p:spTree>
     <p:extLst>
       <p:ext uri="{BB962C8B-B14F-4D97-AF65-F5344CB8AC3E}">
@@ -12674,6 +19632,35 @@
           <a:p>
             <a:pPr algn="ctr"/>
             <a:endParaRPr lang="en-GB"/>
+          </a:p>
+        </p:txBody>
+      </p:sp>
+      <p:sp>
+        <p:nvSpPr>
+          <p:cNvPr id="2" name="Segnaposto numero diapositiva 1">
+            <a:extLst>
+              <a:ext uri="{FF2B5EF4-FFF2-40B4-BE49-F238E27FC236}">
+                <a16:creationId xmlns:a16="http://schemas.microsoft.com/office/drawing/2014/main" id="{7E3D9AD7-A389-757D-B3B6-A447137AC697}"/>
+              </a:ext>
+            </a:extLst>
+          </p:cNvPr>
+          <p:cNvSpPr>
+            <a:spLocks noGrp="1"/>
+          </p:cNvSpPr>
+          <p:nvPr>
+            <p:ph type="sldNum" sz="quarter" idx="12"/>
+          </p:nvPr>
+        </p:nvSpPr>
+        <p:spPr/>
+        <p:txBody>
+          <a:bodyPr/>
+          <a:lstStyle/>
+          <a:p>
+            <a:fld id="{EB967854-AE97-403A-B273-6E7D11A3E7D0}" type="slidenum">
+              <a:rPr lang="it-IT" smtClean="0"/>
+              <a:t>6</a:t>
+            </a:fld>
+            <a:endParaRPr lang="it-IT"/>
           </a:p>
         </p:txBody>
       </p:sp>
@@ -13094,6 +20081,35 @@
           </a:p>
         </p:txBody>
       </p:sp>
+      <p:sp>
+        <p:nvSpPr>
+          <p:cNvPr id="3" name="Segnaposto numero diapositiva 2">
+            <a:extLst>
+              <a:ext uri="{FF2B5EF4-FFF2-40B4-BE49-F238E27FC236}">
+                <a16:creationId xmlns:a16="http://schemas.microsoft.com/office/drawing/2014/main" id="{E21674FE-7A21-20A5-8ED2-D2F8DA7682C9}"/>
+              </a:ext>
+            </a:extLst>
+          </p:cNvPr>
+          <p:cNvSpPr>
+            <a:spLocks noGrp="1"/>
+          </p:cNvSpPr>
+          <p:nvPr>
+            <p:ph type="sldNum" sz="quarter" idx="12"/>
+          </p:nvPr>
+        </p:nvSpPr>
+        <p:spPr/>
+        <p:txBody>
+          <a:bodyPr/>
+          <a:lstStyle/>
+          <a:p>
+            <a:fld id="{EB967854-AE97-403A-B273-6E7D11A3E7D0}" type="slidenum">
+              <a:rPr lang="it-IT" smtClean="0"/>
+              <a:t>7</a:t>
+            </a:fld>
+            <a:endParaRPr lang="it-IT"/>
+          </a:p>
+        </p:txBody>
+      </p:sp>
     </p:spTree>
     <p:extLst>
       <p:ext uri="{BB962C8B-B14F-4D97-AF65-F5344CB8AC3E}">
@@ -13457,6 +20473,35 @@
           </a:prstGeom>
         </p:spPr>
       </p:pic>
+      <p:sp>
+        <p:nvSpPr>
+          <p:cNvPr id="4" name="Segnaposto numero diapositiva 3">
+            <a:extLst>
+              <a:ext uri="{FF2B5EF4-FFF2-40B4-BE49-F238E27FC236}">
+                <a16:creationId xmlns:a16="http://schemas.microsoft.com/office/drawing/2014/main" id="{2F57B597-5FA6-EA4B-1A6F-991EA8B7FF66}"/>
+              </a:ext>
+            </a:extLst>
+          </p:cNvPr>
+          <p:cNvSpPr>
+            <a:spLocks noGrp="1"/>
+          </p:cNvSpPr>
+          <p:nvPr>
+            <p:ph type="sldNum" sz="quarter" idx="12"/>
+          </p:nvPr>
+        </p:nvSpPr>
+        <p:spPr/>
+        <p:txBody>
+          <a:bodyPr/>
+          <a:lstStyle/>
+          <a:p>
+            <a:fld id="{EB967854-AE97-403A-B273-6E7D11A3E7D0}" type="slidenum">
+              <a:rPr lang="it-IT" smtClean="0"/>
+              <a:t>8</a:t>
+            </a:fld>
+            <a:endParaRPr lang="it-IT"/>
+          </a:p>
+        </p:txBody>
+      </p:sp>
     </p:spTree>
     <p:extLst>
       <p:ext uri="{BB962C8B-B14F-4D97-AF65-F5344CB8AC3E}">
@@ -13898,6 +20943,35 @@
               <a:t>vorticity</a:t>
             </a:r>
             <a:endParaRPr lang="en-GB" sz="2800" dirty="0"/>
+          </a:p>
+        </p:txBody>
+      </p:sp>
+      <p:sp>
+        <p:nvSpPr>
+          <p:cNvPr id="2" name="Segnaposto numero diapositiva 1">
+            <a:extLst>
+              <a:ext uri="{FF2B5EF4-FFF2-40B4-BE49-F238E27FC236}">
+                <a16:creationId xmlns:a16="http://schemas.microsoft.com/office/drawing/2014/main" id="{FC963000-E764-A5AB-6D6A-001660E5492D}"/>
+              </a:ext>
+            </a:extLst>
+          </p:cNvPr>
+          <p:cNvSpPr>
+            <a:spLocks noGrp="1"/>
+          </p:cNvSpPr>
+          <p:nvPr>
+            <p:ph type="sldNum" sz="quarter" idx="12"/>
+          </p:nvPr>
+        </p:nvSpPr>
+        <p:spPr/>
+        <p:txBody>
+          <a:bodyPr/>
+          <a:lstStyle/>
+          <a:p>
+            <a:fld id="{EB967854-AE97-403A-B273-6E7D11A3E7D0}" type="slidenum">
+              <a:rPr lang="it-IT" smtClean="0"/>
+              <a:t>9</a:t>
+            </a:fld>
+            <a:endParaRPr lang="it-IT"/>
           </a:p>
         </p:txBody>
       </p:sp>
